--- a/Tutorials.pptx
+++ b/Tutorials.pptx
@@ -4,7 +4,19 @@
   <p:sldMasterIdLst>
     <p:sldMasterId id="2147483648" r:id="rId1"/>
   </p:sldMasterIdLst>
-  <p:sldSz cx="9144000" cy="6858000" type="screen4x3"/>
+  <p:sldIdLst>
+    <p:sldId id="256" r:id="rId2"/>
+    <p:sldId id="258" r:id="rId3"/>
+    <p:sldId id="257" r:id="rId4"/>
+    <p:sldId id="259" r:id="rId5"/>
+    <p:sldId id="260" r:id="rId6"/>
+    <p:sldId id="261" r:id="rId7"/>
+    <p:sldId id="262" r:id="rId8"/>
+    <p:sldId id="263" r:id="rId9"/>
+    <p:sldId id="264" r:id="rId10"/>
+    <p:sldId id="265" r:id="rId11"/>
+  </p:sldIdLst>
+  <p:sldSz cx="9144000" cy="5715000" type="screen16x10"/>
   <p:notesSz cx="6858000" cy="9144000"/>
   <p:defaultTextStyle>
     <a:defPPr>
@@ -104,6 +116,5771 @@
 </p:presentation>
 </file>
 
+<file path=ppt/diagrams/colors1.xml><?xml version="1.0" encoding="utf-8"?>
+<dgm:colorsDef xmlns:dgm="http://schemas.openxmlformats.org/drawingml/2006/diagram" xmlns:a="http://schemas.openxmlformats.org/drawingml/2006/main" uniqueId="urn:microsoft.com/office/officeart/2005/8/colors/colorful1">
+  <dgm:title val=""/>
+  <dgm:desc val=""/>
+  <dgm:catLst>
+    <dgm:cat type="colorful" pri="10100"/>
+  </dgm:catLst>
+  <dgm:styleLbl name="node0">
+    <dgm:fillClrLst meth="repeat">
+      <a:schemeClr val="accent1"/>
+    </dgm:fillClrLst>
+    <dgm:linClrLst meth="repeat">
+      <a:schemeClr val="lt1"/>
+    </dgm:linClrLst>
+    <dgm:effectClrLst/>
+    <dgm:txLinClrLst/>
+    <dgm:txFillClrLst/>
+    <dgm:txEffectClrLst/>
+  </dgm:styleLbl>
+  <dgm:styleLbl name="node1">
+    <dgm:fillClrLst meth="repeat">
+      <a:schemeClr val="accent2"/>
+      <a:schemeClr val="accent3"/>
+      <a:schemeClr val="accent4"/>
+      <a:schemeClr val="accent5"/>
+      <a:schemeClr val="accent6"/>
+    </dgm:fillClrLst>
+    <dgm:linClrLst meth="repeat">
+      <a:schemeClr val="lt1"/>
+    </dgm:linClrLst>
+    <dgm:effectClrLst/>
+    <dgm:txLinClrLst/>
+    <dgm:txFillClrLst/>
+    <dgm:txEffectClrLst/>
+  </dgm:styleLbl>
+  <dgm:styleLbl name="alignNode1">
+    <dgm:fillClrLst meth="repeat">
+      <a:schemeClr val="accent2"/>
+      <a:schemeClr val="accent3"/>
+      <a:schemeClr val="accent4"/>
+      <a:schemeClr val="accent5"/>
+      <a:schemeClr val="accent6"/>
+    </dgm:fillClrLst>
+    <dgm:linClrLst meth="repeat">
+      <a:schemeClr val="accent2"/>
+      <a:schemeClr val="accent3"/>
+      <a:schemeClr val="accent4"/>
+      <a:schemeClr val="accent5"/>
+      <a:schemeClr val="accent6"/>
+    </dgm:linClrLst>
+    <dgm:effectClrLst/>
+    <dgm:txLinClrLst/>
+    <dgm:txFillClrLst/>
+    <dgm:txEffectClrLst/>
+  </dgm:styleLbl>
+  <dgm:styleLbl name="lnNode1">
+    <dgm:fillClrLst meth="repeat">
+      <a:schemeClr val="accent2"/>
+      <a:schemeClr val="accent3"/>
+      <a:schemeClr val="accent4"/>
+      <a:schemeClr val="accent5"/>
+      <a:schemeClr val="accent6"/>
+    </dgm:fillClrLst>
+    <dgm:linClrLst meth="repeat">
+      <a:schemeClr val="lt1"/>
+    </dgm:linClrLst>
+    <dgm:effectClrLst/>
+    <dgm:txLinClrLst/>
+    <dgm:txFillClrLst/>
+    <dgm:txEffectClrLst/>
+  </dgm:styleLbl>
+  <dgm:styleLbl name="vennNode1">
+    <dgm:fillClrLst meth="repeat">
+      <a:schemeClr val="accent2">
+        <a:alpha val="50000"/>
+      </a:schemeClr>
+      <a:schemeClr val="accent3">
+        <a:alpha val="50000"/>
+      </a:schemeClr>
+      <a:schemeClr val="accent4">
+        <a:alpha val="50000"/>
+      </a:schemeClr>
+      <a:schemeClr val="accent5">
+        <a:alpha val="50000"/>
+      </a:schemeClr>
+      <a:schemeClr val="accent6">
+        <a:alpha val="50000"/>
+      </a:schemeClr>
+    </dgm:fillClrLst>
+    <dgm:linClrLst meth="repeat">
+      <a:schemeClr val="lt1"/>
+    </dgm:linClrLst>
+    <dgm:effectClrLst/>
+    <dgm:txLinClrLst/>
+    <dgm:txFillClrLst/>
+    <dgm:txEffectClrLst/>
+  </dgm:styleLbl>
+  <dgm:styleLbl name="node2">
+    <dgm:fillClrLst>
+      <a:schemeClr val="accent2"/>
+    </dgm:fillClrLst>
+    <dgm:linClrLst meth="repeat">
+      <a:schemeClr val="lt1"/>
+    </dgm:linClrLst>
+    <dgm:effectClrLst/>
+    <dgm:txLinClrLst/>
+    <dgm:txFillClrLst/>
+    <dgm:txEffectClrLst/>
+  </dgm:styleLbl>
+  <dgm:styleLbl name="node3">
+    <dgm:fillClrLst>
+      <a:schemeClr val="accent3"/>
+    </dgm:fillClrLst>
+    <dgm:linClrLst meth="repeat">
+      <a:schemeClr val="lt1"/>
+    </dgm:linClrLst>
+    <dgm:effectClrLst/>
+    <dgm:txLinClrLst/>
+    <dgm:txFillClrLst/>
+    <dgm:txEffectClrLst/>
+  </dgm:styleLbl>
+  <dgm:styleLbl name="node4">
+    <dgm:fillClrLst>
+      <a:schemeClr val="accent4"/>
+    </dgm:fillClrLst>
+    <dgm:linClrLst meth="repeat">
+      <a:schemeClr val="lt1"/>
+    </dgm:linClrLst>
+    <dgm:effectClrLst/>
+    <dgm:txLinClrLst/>
+    <dgm:txFillClrLst/>
+    <dgm:txEffectClrLst/>
+  </dgm:styleLbl>
+  <dgm:styleLbl name="fgImgPlace1">
+    <dgm:fillClrLst meth="repeat">
+      <a:schemeClr val="accent2">
+        <a:tint val="50000"/>
+      </a:schemeClr>
+      <a:schemeClr val="accent3">
+        <a:tint val="50000"/>
+      </a:schemeClr>
+      <a:schemeClr val="accent4">
+        <a:tint val="50000"/>
+      </a:schemeClr>
+      <a:schemeClr val="accent5">
+        <a:tint val="50000"/>
+      </a:schemeClr>
+      <a:schemeClr val="accent6">
+        <a:tint val="50000"/>
+      </a:schemeClr>
+    </dgm:fillClrLst>
+    <dgm:linClrLst meth="repeat">
+      <a:schemeClr val="lt1"/>
+    </dgm:linClrLst>
+    <dgm:effectClrLst/>
+    <dgm:txLinClrLst/>
+    <dgm:txFillClrLst meth="repeat">
+      <a:schemeClr val="lt1"/>
+    </dgm:txFillClrLst>
+    <dgm:txEffectClrLst/>
+  </dgm:styleLbl>
+  <dgm:styleLbl name="alignImgPlace1">
+    <dgm:fillClrLst>
+      <a:schemeClr val="accent1">
+        <a:tint val="50000"/>
+      </a:schemeClr>
+      <a:schemeClr val="accent2">
+        <a:tint val="20000"/>
+      </a:schemeClr>
+    </dgm:fillClrLst>
+    <dgm:linClrLst meth="repeat">
+      <a:schemeClr val="lt1"/>
+    </dgm:linClrLst>
+    <dgm:effectClrLst/>
+    <dgm:txLinClrLst/>
+    <dgm:txFillClrLst meth="repeat">
+      <a:schemeClr val="lt1"/>
+    </dgm:txFillClrLst>
+    <dgm:txEffectClrLst/>
+  </dgm:styleLbl>
+  <dgm:styleLbl name="bgImgPlace1">
+    <dgm:fillClrLst>
+      <a:schemeClr val="accent1">
+        <a:tint val="50000"/>
+      </a:schemeClr>
+      <a:schemeClr val="accent2">
+        <a:tint val="20000"/>
+      </a:schemeClr>
+    </dgm:fillClrLst>
+    <dgm:linClrLst meth="repeat">
+      <a:schemeClr val="lt1"/>
+    </dgm:linClrLst>
+    <dgm:effectClrLst/>
+    <dgm:txLinClrLst/>
+    <dgm:txFillClrLst meth="repeat">
+      <a:schemeClr val="lt1"/>
+    </dgm:txFillClrLst>
+    <dgm:txEffectClrLst/>
+  </dgm:styleLbl>
+  <dgm:styleLbl name="sibTrans2D1">
+    <dgm:fillClrLst meth="repeat">
+      <a:schemeClr val="accent2"/>
+      <a:schemeClr val="accent3"/>
+      <a:schemeClr val="accent4"/>
+      <a:schemeClr val="accent5"/>
+      <a:schemeClr val="accent6"/>
+    </dgm:fillClrLst>
+    <dgm:linClrLst meth="cycle">
+      <a:schemeClr val="lt1"/>
+    </dgm:linClrLst>
+    <dgm:effectClrLst/>
+    <dgm:txLinClrLst/>
+    <dgm:txFillClrLst/>
+    <dgm:txEffectClrLst/>
+  </dgm:styleLbl>
+  <dgm:styleLbl name="fgSibTrans2D1">
+    <dgm:fillClrLst meth="repeat">
+      <a:schemeClr val="accent2"/>
+      <a:schemeClr val="accent3"/>
+      <a:schemeClr val="accent4"/>
+      <a:schemeClr val="accent5"/>
+      <a:schemeClr val="accent6"/>
+    </dgm:fillClrLst>
+    <dgm:linClrLst meth="cycle">
+      <a:schemeClr val="lt1"/>
+    </dgm:linClrLst>
+    <dgm:effectClrLst/>
+    <dgm:txLinClrLst/>
+    <dgm:txFillClrLst meth="repeat">
+      <a:schemeClr val="lt1"/>
+    </dgm:txFillClrLst>
+    <dgm:txEffectClrLst/>
+  </dgm:styleLbl>
+  <dgm:styleLbl name="bgSibTrans2D1">
+    <dgm:fillClrLst meth="repeat">
+      <a:schemeClr val="accent2"/>
+      <a:schemeClr val="accent3"/>
+      <a:schemeClr val="accent4"/>
+      <a:schemeClr val="accent5"/>
+      <a:schemeClr val="accent6"/>
+    </dgm:fillClrLst>
+    <dgm:linClrLst meth="cycle">
+      <a:schemeClr val="lt1"/>
+    </dgm:linClrLst>
+    <dgm:effectClrLst/>
+    <dgm:txLinClrLst/>
+    <dgm:txFillClrLst meth="repeat">
+      <a:schemeClr val="lt1"/>
+    </dgm:txFillClrLst>
+    <dgm:txEffectClrLst/>
+  </dgm:styleLbl>
+  <dgm:styleLbl name="sibTrans1D1">
+    <dgm:fillClrLst meth="repeat">
+      <a:schemeClr val="accent2"/>
+      <a:schemeClr val="accent3"/>
+      <a:schemeClr val="accent4"/>
+      <a:schemeClr val="accent5"/>
+      <a:schemeClr val="accent6"/>
+    </dgm:fillClrLst>
+    <dgm:linClrLst meth="repeat">
+      <a:schemeClr val="accent2"/>
+      <a:schemeClr val="accent3"/>
+      <a:schemeClr val="accent4"/>
+      <a:schemeClr val="accent5"/>
+      <a:schemeClr val="accent6"/>
+    </dgm:linClrLst>
+    <dgm:effectClrLst/>
+    <dgm:txLinClrLst/>
+    <dgm:txFillClrLst meth="repeat">
+      <a:schemeClr val="tx1"/>
+    </dgm:txFillClrLst>
+    <dgm:txEffectClrLst/>
+  </dgm:styleLbl>
+  <dgm:styleLbl name="callout">
+    <dgm:fillClrLst meth="repeat">
+      <a:schemeClr val="accent2"/>
+    </dgm:fillClrLst>
+    <dgm:linClrLst meth="repeat">
+      <a:schemeClr val="accent2">
+        <a:tint val="50000"/>
+      </a:schemeClr>
+    </dgm:linClrLst>
+    <dgm:effectClrLst/>
+    <dgm:txLinClrLst/>
+    <dgm:txFillClrLst meth="repeat">
+      <a:schemeClr val="tx1"/>
+    </dgm:txFillClrLst>
+    <dgm:txEffectClrLst/>
+  </dgm:styleLbl>
+  <dgm:styleLbl name="asst0">
+    <dgm:fillClrLst meth="repeat">
+      <a:schemeClr val="accent1"/>
+    </dgm:fillClrLst>
+    <dgm:linClrLst meth="repeat">
+      <a:schemeClr val="lt1"/>
+    </dgm:linClrLst>
+    <dgm:effectClrLst/>
+    <dgm:txLinClrLst/>
+    <dgm:txFillClrLst/>
+    <dgm:txEffectClrLst/>
+  </dgm:styleLbl>
+  <dgm:styleLbl name="asst1">
+    <dgm:fillClrLst meth="repeat">
+      <a:schemeClr val="accent2"/>
+    </dgm:fillClrLst>
+    <dgm:linClrLst meth="repeat">
+      <a:schemeClr val="lt1"/>
+    </dgm:linClrLst>
+    <dgm:effectClrLst/>
+    <dgm:txLinClrLst/>
+    <dgm:txFillClrLst/>
+    <dgm:txEffectClrLst/>
+  </dgm:styleLbl>
+  <dgm:styleLbl name="asst2">
+    <dgm:fillClrLst>
+      <a:schemeClr val="accent3"/>
+    </dgm:fillClrLst>
+    <dgm:linClrLst meth="repeat">
+      <a:schemeClr val="lt1"/>
+    </dgm:linClrLst>
+    <dgm:effectClrLst/>
+    <dgm:txLinClrLst/>
+    <dgm:txFillClrLst/>
+    <dgm:txEffectClrLst/>
+  </dgm:styleLbl>
+  <dgm:styleLbl name="asst3">
+    <dgm:fillClrLst>
+      <a:schemeClr val="accent4"/>
+    </dgm:fillClrLst>
+    <dgm:linClrLst meth="repeat">
+      <a:schemeClr val="lt1"/>
+    </dgm:linClrLst>
+    <dgm:effectClrLst/>
+    <dgm:txLinClrLst/>
+    <dgm:txFillClrLst/>
+    <dgm:txEffectClrLst/>
+  </dgm:styleLbl>
+  <dgm:styleLbl name="asst4">
+    <dgm:fillClrLst>
+      <a:schemeClr val="accent5"/>
+    </dgm:fillClrLst>
+    <dgm:linClrLst meth="repeat">
+      <a:schemeClr val="lt1"/>
+    </dgm:linClrLst>
+    <dgm:effectClrLst/>
+    <dgm:txLinClrLst/>
+    <dgm:txFillClrLst/>
+    <dgm:txEffectClrLst/>
+  </dgm:styleLbl>
+  <dgm:styleLbl name="parChTrans2D1">
+    <dgm:fillClrLst meth="repeat">
+      <a:schemeClr val="accent2"/>
+    </dgm:fillClrLst>
+    <dgm:linClrLst meth="repeat">
+      <a:schemeClr val="lt1"/>
+    </dgm:linClrLst>
+    <dgm:effectClrLst/>
+    <dgm:txLinClrLst/>
+    <dgm:txFillClrLst meth="repeat">
+      <a:schemeClr val="lt1"/>
+    </dgm:txFillClrLst>
+    <dgm:txEffectClrLst/>
+  </dgm:styleLbl>
+  <dgm:styleLbl name="parChTrans2D2">
+    <dgm:fillClrLst meth="repeat">
+      <a:schemeClr val="accent3"/>
+    </dgm:fillClrLst>
+    <dgm:linClrLst meth="repeat">
+      <a:schemeClr val="lt1"/>
+    </dgm:linClrLst>
+    <dgm:effectClrLst/>
+    <dgm:txLinClrLst/>
+    <dgm:txFillClrLst/>
+    <dgm:txEffectClrLst/>
+  </dgm:styleLbl>
+  <dgm:styleLbl name="parChTrans2D3">
+    <dgm:fillClrLst meth="repeat">
+      <a:schemeClr val="accent4"/>
+    </dgm:fillClrLst>
+    <dgm:linClrLst meth="repeat">
+      <a:schemeClr val="lt1"/>
+    </dgm:linClrLst>
+    <dgm:effectClrLst/>
+    <dgm:txLinClrLst/>
+    <dgm:txFillClrLst/>
+    <dgm:txEffectClrLst/>
+  </dgm:styleLbl>
+  <dgm:styleLbl name="parChTrans2D4">
+    <dgm:fillClrLst meth="repeat">
+      <a:schemeClr val="accent5"/>
+    </dgm:fillClrLst>
+    <dgm:linClrLst meth="repeat">
+      <a:schemeClr val="lt1"/>
+    </dgm:linClrLst>
+    <dgm:effectClrLst/>
+    <dgm:txLinClrLst/>
+    <dgm:txFillClrLst meth="repeat">
+      <a:schemeClr val="lt1"/>
+    </dgm:txFillClrLst>
+    <dgm:txEffectClrLst/>
+  </dgm:styleLbl>
+  <dgm:styleLbl name="parChTrans1D1">
+    <dgm:fillClrLst meth="repeat">
+      <a:schemeClr val="accent2"/>
+    </dgm:fillClrLst>
+    <dgm:linClrLst meth="repeat">
+      <a:schemeClr val="accent1"/>
+    </dgm:linClrLst>
+    <dgm:effectClrLst/>
+    <dgm:txLinClrLst/>
+    <dgm:txFillClrLst meth="repeat">
+      <a:schemeClr val="tx1"/>
+    </dgm:txFillClrLst>
+    <dgm:txEffectClrLst/>
+  </dgm:styleLbl>
+  <dgm:styleLbl name="parChTrans1D2">
+    <dgm:fillClrLst meth="repeat">
+      <a:schemeClr val="accent3">
+        <a:tint val="90000"/>
+      </a:schemeClr>
+    </dgm:fillClrLst>
+    <dgm:linClrLst meth="repeat">
+      <a:schemeClr val="accent2"/>
+    </dgm:linClrLst>
+    <dgm:effectClrLst/>
+    <dgm:txLinClrLst/>
+    <dgm:txFillClrLst meth="repeat">
+      <a:schemeClr val="tx1"/>
+    </dgm:txFillClrLst>
+    <dgm:txEffectClrLst/>
+  </dgm:styleLbl>
+  <dgm:styleLbl name="parChTrans1D3">
+    <dgm:fillClrLst meth="repeat">
+      <a:schemeClr val="accent4">
+        <a:tint val="70000"/>
+      </a:schemeClr>
+    </dgm:fillClrLst>
+    <dgm:linClrLst meth="repeat">
+      <a:schemeClr val="accent3"/>
+    </dgm:linClrLst>
+    <dgm:effectClrLst/>
+    <dgm:txLinClrLst/>
+    <dgm:txFillClrLst meth="repeat">
+      <a:schemeClr val="tx1"/>
+    </dgm:txFillClrLst>
+    <dgm:txEffectClrLst/>
+  </dgm:styleLbl>
+  <dgm:styleLbl name="parChTrans1D4">
+    <dgm:fillClrLst meth="repeat">
+      <a:schemeClr val="accent5">
+        <a:tint val="50000"/>
+      </a:schemeClr>
+    </dgm:fillClrLst>
+    <dgm:linClrLst meth="repeat">
+      <a:schemeClr val="accent4"/>
+    </dgm:linClrLst>
+    <dgm:effectClrLst/>
+    <dgm:txLinClrLst/>
+    <dgm:txFillClrLst meth="repeat">
+      <a:schemeClr val="tx1"/>
+    </dgm:txFillClrLst>
+    <dgm:txEffectClrLst/>
+  </dgm:styleLbl>
+  <dgm:styleLbl name="fgAcc1">
+    <dgm:fillClrLst meth="repeat">
+      <a:schemeClr val="lt1">
+        <a:alpha val="90000"/>
+      </a:schemeClr>
+    </dgm:fillClrLst>
+    <dgm:linClrLst meth="repeat">
+      <a:schemeClr val="accent2"/>
+      <a:schemeClr val="accent3"/>
+      <a:schemeClr val="accent4"/>
+      <a:schemeClr val="accent5"/>
+      <a:schemeClr val="accent6"/>
+    </dgm:linClrLst>
+    <dgm:effectClrLst/>
+    <dgm:txLinClrLst/>
+    <dgm:txFillClrLst meth="repeat">
+      <a:schemeClr val="dk1"/>
+    </dgm:txFillClrLst>
+    <dgm:txEffectClrLst/>
+  </dgm:styleLbl>
+  <dgm:styleLbl name="conFgAcc1">
+    <dgm:fillClrLst meth="repeat">
+      <a:schemeClr val="lt1">
+        <a:alpha val="90000"/>
+      </a:schemeClr>
+    </dgm:fillClrLst>
+    <dgm:linClrLst meth="repeat">
+      <a:schemeClr val="accent2"/>
+      <a:schemeClr val="accent3"/>
+      <a:schemeClr val="accent4"/>
+      <a:schemeClr val="accent5"/>
+      <a:schemeClr val="accent6"/>
+    </dgm:linClrLst>
+    <dgm:effectClrLst/>
+    <dgm:txLinClrLst/>
+    <dgm:txFillClrLst meth="repeat">
+      <a:schemeClr val="dk1"/>
+    </dgm:txFillClrLst>
+    <dgm:txEffectClrLst/>
+  </dgm:styleLbl>
+  <dgm:styleLbl name="alignAcc1">
+    <dgm:fillClrLst meth="repeat">
+      <a:schemeClr val="lt1">
+        <a:alpha val="90000"/>
+      </a:schemeClr>
+    </dgm:fillClrLst>
+    <dgm:linClrLst meth="repeat">
+      <a:schemeClr val="accent2"/>
+      <a:schemeClr val="accent3"/>
+      <a:schemeClr val="accent4"/>
+      <a:schemeClr val="accent5"/>
+      <a:schemeClr val="accent6"/>
+    </dgm:linClrLst>
+    <dgm:effectClrLst/>
+    <dgm:txLinClrLst/>
+    <dgm:txFillClrLst meth="repeat">
+      <a:schemeClr val="dk1"/>
+    </dgm:txFillClrLst>
+    <dgm:txEffectClrLst/>
+  </dgm:styleLbl>
+  <dgm:styleLbl name="trAlignAcc1">
+    <dgm:fillClrLst meth="repeat">
+      <a:schemeClr val="lt1">
+        <a:alpha val="40000"/>
+      </a:schemeClr>
+    </dgm:fillClrLst>
+    <dgm:linClrLst meth="repeat">
+      <a:schemeClr val="accent1"/>
+    </dgm:linClrLst>
+    <dgm:effectClrLst/>
+    <dgm:txLinClrLst/>
+    <dgm:txFillClrLst meth="repeat">
+      <a:schemeClr val="dk1"/>
+    </dgm:txFillClrLst>
+    <dgm:txEffectClrLst/>
+  </dgm:styleLbl>
+  <dgm:styleLbl name="bgAcc1">
+    <dgm:fillClrLst meth="repeat">
+      <a:schemeClr val="lt1">
+        <a:alpha val="90000"/>
+      </a:schemeClr>
+    </dgm:fillClrLst>
+    <dgm:linClrLst meth="repeat">
+      <a:schemeClr val="accent2"/>
+      <a:schemeClr val="accent3"/>
+      <a:schemeClr val="accent4"/>
+      <a:schemeClr val="accent5"/>
+      <a:schemeClr val="accent6"/>
+    </dgm:linClrLst>
+    <dgm:effectClrLst/>
+    <dgm:txLinClrLst/>
+    <dgm:txFillClrLst meth="repeat">
+      <a:schemeClr val="dk1"/>
+    </dgm:txFillClrLst>
+    <dgm:txEffectClrLst/>
+  </dgm:styleLbl>
+  <dgm:styleLbl name="solidFgAcc1">
+    <dgm:fillClrLst meth="repeat">
+      <a:schemeClr val="lt1"/>
+    </dgm:fillClrLst>
+    <dgm:linClrLst meth="repeat">
+      <a:schemeClr val="accent2"/>
+      <a:schemeClr val="accent3"/>
+      <a:schemeClr val="accent4"/>
+      <a:schemeClr val="accent5"/>
+      <a:schemeClr val="accent6"/>
+    </dgm:linClrLst>
+    <dgm:effectClrLst/>
+    <dgm:txLinClrLst/>
+    <dgm:txFillClrLst meth="repeat">
+      <a:schemeClr val="dk1"/>
+    </dgm:txFillClrLst>
+    <dgm:txEffectClrLst/>
+  </dgm:styleLbl>
+  <dgm:styleLbl name="solidAlignAcc1">
+    <dgm:fillClrLst meth="repeat">
+      <a:schemeClr val="lt1"/>
+    </dgm:fillClrLst>
+    <dgm:linClrLst meth="repeat">
+      <a:schemeClr val="accent2"/>
+      <a:schemeClr val="accent3"/>
+      <a:schemeClr val="accent4"/>
+      <a:schemeClr val="accent5"/>
+      <a:schemeClr val="accent6"/>
+    </dgm:linClrLst>
+    <dgm:effectClrLst/>
+    <dgm:txLinClrLst/>
+    <dgm:txFillClrLst meth="repeat">
+      <a:schemeClr val="dk1"/>
+    </dgm:txFillClrLst>
+    <dgm:txEffectClrLst/>
+  </dgm:styleLbl>
+  <dgm:styleLbl name="solidBgAcc1">
+    <dgm:fillClrLst meth="repeat">
+      <a:schemeClr val="lt1"/>
+    </dgm:fillClrLst>
+    <dgm:linClrLst meth="repeat">
+      <a:schemeClr val="accent2"/>
+      <a:schemeClr val="accent3"/>
+      <a:schemeClr val="accent4"/>
+      <a:schemeClr val="accent5"/>
+      <a:schemeClr val="accent6"/>
+    </dgm:linClrLst>
+    <dgm:effectClrLst/>
+    <dgm:txLinClrLst/>
+    <dgm:txFillClrLst meth="repeat">
+      <a:schemeClr val="dk1"/>
+    </dgm:txFillClrLst>
+    <dgm:txEffectClrLst/>
+  </dgm:styleLbl>
+  <dgm:styleLbl name="fgAccFollowNode1">
+    <dgm:fillClrLst meth="repeat">
+      <a:schemeClr val="accent2">
+        <a:tint val="40000"/>
+        <a:alpha val="90000"/>
+      </a:schemeClr>
+      <a:schemeClr val="accent3">
+        <a:tint val="40000"/>
+        <a:alpha val="90000"/>
+      </a:schemeClr>
+      <a:schemeClr val="accent4">
+        <a:tint val="40000"/>
+        <a:alpha val="90000"/>
+      </a:schemeClr>
+      <a:schemeClr val="accent5">
+        <a:tint val="40000"/>
+        <a:alpha val="90000"/>
+      </a:schemeClr>
+      <a:schemeClr val="accent6">
+        <a:tint val="40000"/>
+        <a:alpha val="90000"/>
+      </a:schemeClr>
+    </dgm:fillClrLst>
+    <dgm:linClrLst meth="repeat">
+      <a:schemeClr val="accent2">
+        <a:tint val="40000"/>
+        <a:alpha val="90000"/>
+      </a:schemeClr>
+      <a:schemeClr val="accent3">
+        <a:tint val="40000"/>
+        <a:alpha val="90000"/>
+      </a:schemeClr>
+      <a:schemeClr val="accent4">
+        <a:tint val="40000"/>
+        <a:alpha val="90000"/>
+      </a:schemeClr>
+      <a:schemeClr val="accent5">
+        <a:tint val="40000"/>
+        <a:alpha val="90000"/>
+      </a:schemeClr>
+      <a:schemeClr val="accent6">
+        <a:tint val="40000"/>
+        <a:alpha val="90000"/>
+      </a:schemeClr>
+    </dgm:linClrLst>
+    <dgm:effectClrLst/>
+    <dgm:txLinClrLst/>
+    <dgm:txFillClrLst meth="repeat">
+      <a:schemeClr val="dk1"/>
+    </dgm:txFillClrLst>
+    <dgm:txEffectClrLst/>
+  </dgm:styleLbl>
+  <dgm:styleLbl name="alignAccFollowNode1">
+    <dgm:fillClrLst meth="repeat">
+      <a:schemeClr val="accent2">
+        <a:tint val="40000"/>
+        <a:alpha val="90000"/>
+      </a:schemeClr>
+      <a:schemeClr val="accent3">
+        <a:tint val="40000"/>
+        <a:alpha val="90000"/>
+      </a:schemeClr>
+      <a:schemeClr val="accent4">
+        <a:tint val="40000"/>
+        <a:alpha val="90000"/>
+      </a:schemeClr>
+      <a:schemeClr val="accent5">
+        <a:tint val="40000"/>
+        <a:alpha val="90000"/>
+      </a:schemeClr>
+      <a:schemeClr val="accent6">
+        <a:tint val="40000"/>
+        <a:alpha val="90000"/>
+      </a:schemeClr>
+    </dgm:fillClrLst>
+    <dgm:linClrLst meth="repeat">
+      <a:schemeClr val="accent2">
+        <a:tint val="40000"/>
+        <a:alpha val="90000"/>
+      </a:schemeClr>
+      <a:schemeClr val="accent3">
+        <a:tint val="40000"/>
+        <a:alpha val="90000"/>
+      </a:schemeClr>
+      <a:schemeClr val="accent4">
+        <a:tint val="40000"/>
+        <a:alpha val="90000"/>
+      </a:schemeClr>
+      <a:schemeClr val="accent5">
+        <a:tint val="40000"/>
+        <a:alpha val="90000"/>
+      </a:schemeClr>
+      <a:schemeClr val="accent6">
+        <a:tint val="40000"/>
+        <a:alpha val="90000"/>
+      </a:schemeClr>
+    </dgm:linClrLst>
+    <dgm:effectClrLst/>
+    <dgm:txLinClrLst/>
+    <dgm:txFillClrLst meth="repeat">
+      <a:schemeClr val="dk1"/>
+    </dgm:txFillClrLst>
+    <dgm:txEffectClrLst/>
+  </dgm:styleLbl>
+  <dgm:styleLbl name="bgAccFollowNode1">
+    <dgm:fillClrLst meth="repeat">
+      <a:schemeClr val="accent2">
+        <a:tint val="40000"/>
+        <a:alpha val="90000"/>
+      </a:schemeClr>
+      <a:schemeClr val="accent3">
+        <a:tint val="40000"/>
+        <a:alpha val="90000"/>
+      </a:schemeClr>
+      <a:schemeClr val="accent4">
+        <a:tint val="40000"/>
+        <a:alpha val="90000"/>
+      </a:schemeClr>
+      <a:schemeClr val="accent5">
+        <a:tint val="40000"/>
+        <a:alpha val="90000"/>
+      </a:schemeClr>
+      <a:schemeClr val="accent6">
+        <a:tint val="40000"/>
+        <a:alpha val="90000"/>
+      </a:schemeClr>
+    </dgm:fillClrLst>
+    <dgm:linClrLst meth="repeat">
+      <a:schemeClr val="accent2">
+        <a:tint val="40000"/>
+        <a:alpha val="90000"/>
+      </a:schemeClr>
+      <a:schemeClr val="accent3">
+        <a:tint val="40000"/>
+        <a:alpha val="90000"/>
+      </a:schemeClr>
+      <a:schemeClr val="accent4">
+        <a:tint val="40000"/>
+        <a:alpha val="90000"/>
+      </a:schemeClr>
+      <a:schemeClr val="accent5">
+        <a:tint val="40000"/>
+        <a:alpha val="90000"/>
+      </a:schemeClr>
+      <a:schemeClr val="accent6">
+        <a:tint val="40000"/>
+        <a:alpha val="90000"/>
+      </a:schemeClr>
+    </dgm:linClrLst>
+    <dgm:effectClrLst/>
+    <dgm:txLinClrLst/>
+    <dgm:txFillClrLst meth="repeat">
+      <a:schemeClr val="dk1"/>
+    </dgm:txFillClrLst>
+    <dgm:txEffectClrLst/>
+  </dgm:styleLbl>
+  <dgm:styleLbl name="fgAcc0">
+    <dgm:fillClrLst meth="repeat">
+      <a:schemeClr val="lt1">
+        <a:alpha val="90000"/>
+      </a:schemeClr>
+    </dgm:fillClrLst>
+    <dgm:linClrLst>
+      <a:schemeClr val="accent1"/>
+    </dgm:linClrLst>
+    <dgm:effectClrLst/>
+    <dgm:txLinClrLst/>
+    <dgm:txFillClrLst meth="repeat">
+      <a:schemeClr val="dk1"/>
+    </dgm:txFillClrLst>
+    <dgm:txEffectClrLst/>
+  </dgm:styleLbl>
+  <dgm:styleLbl name="fgAcc2">
+    <dgm:fillClrLst meth="repeat">
+      <a:schemeClr val="lt1">
+        <a:alpha val="90000"/>
+      </a:schemeClr>
+    </dgm:fillClrLst>
+    <dgm:linClrLst>
+      <a:schemeClr val="accent2"/>
+    </dgm:linClrLst>
+    <dgm:effectClrLst/>
+    <dgm:txLinClrLst/>
+    <dgm:txFillClrLst meth="repeat">
+      <a:schemeClr val="dk1"/>
+    </dgm:txFillClrLst>
+    <dgm:txEffectClrLst/>
+  </dgm:styleLbl>
+  <dgm:styleLbl name="fgAcc3">
+    <dgm:fillClrLst meth="repeat">
+      <a:schemeClr val="lt1">
+        <a:alpha val="90000"/>
+      </a:schemeClr>
+    </dgm:fillClrLst>
+    <dgm:linClrLst>
+      <a:schemeClr val="accent3"/>
+    </dgm:linClrLst>
+    <dgm:effectClrLst/>
+    <dgm:txLinClrLst/>
+    <dgm:txFillClrLst meth="repeat">
+      <a:schemeClr val="dk1"/>
+    </dgm:txFillClrLst>
+    <dgm:txEffectClrLst/>
+  </dgm:styleLbl>
+  <dgm:styleLbl name="fgAcc4">
+    <dgm:fillClrLst meth="repeat">
+      <a:schemeClr val="lt1">
+        <a:alpha val="90000"/>
+      </a:schemeClr>
+    </dgm:fillClrLst>
+    <dgm:linClrLst>
+      <a:schemeClr val="accent4"/>
+    </dgm:linClrLst>
+    <dgm:effectClrLst/>
+    <dgm:txLinClrLst/>
+    <dgm:txFillClrLst meth="repeat">
+      <a:schemeClr val="dk1"/>
+    </dgm:txFillClrLst>
+    <dgm:txEffectClrLst/>
+  </dgm:styleLbl>
+  <dgm:styleLbl name="bgShp">
+    <dgm:fillClrLst meth="repeat">
+      <a:schemeClr val="accent2">
+        <a:tint val="40000"/>
+      </a:schemeClr>
+    </dgm:fillClrLst>
+    <dgm:linClrLst meth="repeat">
+      <a:schemeClr val="dk1"/>
+    </dgm:linClrLst>
+    <dgm:effectClrLst/>
+    <dgm:txLinClrLst/>
+    <dgm:txFillClrLst meth="repeat">
+      <a:schemeClr val="dk1"/>
+    </dgm:txFillClrLst>
+    <dgm:txEffectClrLst/>
+  </dgm:styleLbl>
+  <dgm:styleLbl name="dkBgShp">
+    <dgm:fillClrLst meth="repeat">
+      <a:schemeClr val="accent2">
+        <a:shade val="90000"/>
+      </a:schemeClr>
+    </dgm:fillClrLst>
+    <dgm:linClrLst meth="repeat">
+      <a:schemeClr val="dk1"/>
+    </dgm:linClrLst>
+    <dgm:effectClrLst/>
+    <dgm:txLinClrLst/>
+    <dgm:txFillClrLst meth="repeat">
+      <a:schemeClr val="lt1"/>
+    </dgm:txFillClrLst>
+    <dgm:txEffectClrLst/>
+  </dgm:styleLbl>
+  <dgm:styleLbl name="trBgShp">
+    <dgm:fillClrLst meth="repeat">
+      <a:schemeClr val="accent1">
+        <a:tint val="50000"/>
+        <a:alpha val="40000"/>
+      </a:schemeClr>
+    </dgm:fillClrLst>
+    <dgm:linClrLst meth="repeat">
+      <a:schemeClr val="accent2"/>
+    </dgm:linClrLst>
+    <dgm:effectClrLst/>
+    <dgm:txLinClrLst/>
+    <dgm:txFillClrLst meth="repeat">
+      <a:schemeClr val="lt1"/>
+    </dgm:txFillClrLst>
+    <dgm:txEffectClrLst/>
+  </dgm:styleLbl>
+  <dgm:styleLbl name="fgShp">
+    <dgm:fillClrLst meth="repeat">
+      <a:schemeClr val="accent2">
+        <a:tint val="40000"/>
+      </a:schemeClr>
+    </dgm:fillClrLst>
+    <dgm:linClrLst meth="repeat">
+      <a:schemeClr val="lt1"/>
+    </dgm:linClrLst>
+    <dgm:effectClrLst/>
+    <dgm:txLinClrLst/>
+    <dgm:txFillClrLst meth="repeat">
+      <a:schemeClr val="dk1"/>
+    </dgm:txFillClrLst>
+    <dgm:txEffectClrLst/>
+  </dgm:styleLbl>
+  <dgm:styleLbl name="revTx">
+    <dgm:fillClrLst meth="repeat">
+      <a:schemeClr val="lt1">
+        <a:alpha val="0"/>
+      </a:schemeClr>
+    </dgm:fillClrLst>
+    <dgm:linClrLst meth="repeat">
+      <a:schemeClr val="dk1">
+        <a:alpha val="0"/>
+      </a:schemeClr>
+    </dgm:linClrLst>
+    <dgm:effectClrLst/>
+    <dgm:txLinClrLst/>
+    <dgm:txFillClrLst meth="repeat">
+      <a:schemeClr val="tx1"/>
+    </dgm:txFillClrLst>
+    <dgm:txEffectClrLst/>
+  </dgm:styleLbl>
+</dgm:colorsDef>
+</file>
+
+<file path=ppt/diagrams/colors2.xml><?xml version="1.0" encoding="utf-8"?>
+<dgm:colorsDef xmlns:dgm="http://schemas.openxmlformats.org/drawingml/2006/diagram" xmlns:a="http://schemas.openxmlformats.org/drawingml/2006/main" uniqueId="urn:microsoft.com/office/officeart/2005/8/colors/colorful1">
+  <dgm:title val=""/>
+  <dgm:desc val=""/>
+  <dgm:catLst>
+    <dgm:cat type="colorful" pri="10100"/>
+  </dgm:catLst>
+  <dgm:styleLbl name="node0">
+    <dgm:fillClrLst meth="repeat">
+      <a:schemeClr val="accent1"/>
+    </dgm:fillClrLst>
+    <dgm:linClrLst meth="repeat">
+      <a:schemeClr val="lt1"/>
+    </dgm:linClrLst>
+    <dgm:effectClrLst/>
+    <dgm:txLinClrLst/>
+    <dgm:txFillClrLst/>
+    <dgm:txEffectClrLst/>
+  </dgm:styleLbl>
+  <dgm:styleLbl name="node1">
+    <dgm:fillClrLst meth="repeat">
+      <a:schemeClr val="accent2"/>
+      <a:schemeClr val="accent3"/>
+      <a:schemeClr val="accent4"/>
+      <a:schemeClr val="accent5"/>
+      <a:schemeClr val="accent6"/>
+    </dgm:fillClrLst>
+    <dgm:linClrLst meth="repeat">
+      <a:schemeClr val="lt1"/>
+    </dgm:linClrLst>
+    <dgm:effectClrLst/>
+    <dgm:txLinClrLst/>
+    <dgm:txFillClrLst/>
+    <dgm:txEffectClrLst/>
+  </dgm:styleLbl>
+  <dgm:styleLbl name="alignNode1">
+    <dgm:fillClrLst meth="repeat">
+      <a:schemeClr val="accent2"/>
+      <a:schemeClr val="accent3"/>
+      <a:schemeClr val="accent4"/>
+      <a:schemeClr val="accent5"/>
+      <a:schemeClr val="accent6"/>
+    </dgm:fillClrLst>
+    <dgm:linClrLst meth="repeat">
+      <a:schemeClr val="accent2"/>
+      <a:schemeClr val="accent3"/>
+      <a:schemeClr val="accent4"/>
+      <a:schemeClr val="accent5"/>
+      <a:schemeClr val="accent6"/>
+    </dgm:linClrLst>
+    <dgm:effectClrLst/>
+    <dgm:txLinClrLst/>
+    <dgm:txFillClrLst/>
+    <dgm:txEffectClrLst/>
+  </dgm:styleLbl>
+  <dgm:styleLbl name="lnNode1">
+    <dgm:fillClrLst meth="repeat">
+      <a:schemeClr val="accent2"/>
+      <a:schemeClr val="accent3"/>
+      <a:schemeClr val="accent4"/>
+      <a:schemeClr val="accent5"/>
+      <a:schemeClr val="accent6"/>
+    </dgm:fillClrLst>
+    <dgm:linClrLst meth="repeat">
+      <a:schemeClr val="lt1"/>
+    </dgm:linClrLst>
+    <dgm:effectClrLst/>
+    <dgm:txLinClrLst/>
+    <dgm:txFillClrLst/>
+    <dgm:txEffectClrLst/>
+  </dgm:styleLbl>
+  <dgm:styleLbl name="vennNode1">
+    <dgm:fillClrLst meth="repeat">
+      <a:schemeClr val="accent2">
+        <a:alpha val="50000"/>
+      </a:schemeClr>
+      <a:schemeClr val="accent3">
+        <a:alpha val="50000"/>
+      </a:schemeClr>
+      <a:schemeClr val="accent4">
+        <a:alpha val="50000"/>
+      </a:schemeClr>
+      <a:schemeClr val="accent5">
+        <a:alpha val="50000"/>
+      </a:schemeClr>
+      <a:schemeClr val="accent6">
+        <a:alpha val="50000"/>
+      </a:schemeClr>
+    </dgm:fillClrLst>
+    <dgm:linClrLst meth="repeat">
+      <a:schemeClr val="lt1"/>
+    </dgm:linClrLst>
+    <dgm:effectClrLst/>
+    <dgm:txLinClrLst/>
+    <dgm:txFillClrLst/>
+    <dgm:txEffectClrLst/>
+  </dgm:styleLbl>
+  <dgm:styleLbl name="node2">
+    <dgm:fillClrLst>
+      <a:schemeClr val="accent2"/>
+    </dgm:fillClrLst>
+    <dgm:linClrLst meth="repeat">
+      <a:schemeClr val="lt1"/>
+    </dgm:linClrLst>
+    <dgm:effectClrLst/>
+    <dgm:txLinClrLst/>
+    <dgm:txFillClrLst/>
+    <dgm:txEffectClrLst/>
+  </dgm:styleLbl>
+  <dgm:styleLbl name="node3">
+    <dgm:fillClrLst>
+      <a:schemeClr val="accent3"/>
+    </dgm:fillClrLst>
+    <dgm:linClrLst meth="repeat">
+      <a:schemeClr val="lt1"/>
+    </dgm:linClrLst>
+    <dgm:effectClrLst/>
+    <dgm:txLinClrLst/>
+    <dgm:txFillClrLst/>
+    <dgm:txEffectClrLst/>
+  </dgm:styleLbl>
+  <dgm:styleLbl name="node4">
+    <dgm:fillClrLst>
+      <a:schemeClr val="accent4"/>
+    </dgm:fillClrLst>
+    <dgm:linClrLst meth="repeat">
+      <a:schemeClr val="lt1"/>
+    </dgm:linClrLst>
+    <dgm:effectClrLst/>
+    <dgm:txLinClrLst/>
+    <dgm:txFillClrLst/>
+    <dgm:txEffectClrLst/>
+  </dgm:styleLbl>
+  <dgm:styleLbl name="fgImgPlace1">
+    <dgm:fillClrLst meth="repeat">
+      <a:schemeClr val="accent2">
+        <a:tint val="50000"/>
+      </a:schemeClr>
+      <a:schemeClr val="accent3">
+        <a:tint val="50000"/>
+      </a:schemeClr>
+      <a:schemeClr val="accent4">
+        <a:tint val="50000"/>
+      </a:schemeClr>
+      <a:schemeClr val="accent5">
+        <a:tint val="50000"/>
+      </a:schemeClr>
+      <a:schemeClr val="accent6">
+        <a:tint val="50000"/>
+      </a:schemeClr>
+    </dgm:fillClrLst>
+    <dgm:linClrLst meth="repeat">
+      <a:schemeClr val="lt1"/>
+    </dgm:linClrLst>
+    <dgm:effectClrLst/>
+    <dgm:txLinClrLst/>
+    <dgm:txFillClrLst meth="repeat">
+      <a:schemeClr val="lt1"/>
+    </dgm:txFillClrLst>
+    <dgm:txEffectClrLst/>
+  </dgm:styleLbl>
+  <dgm:styleLbl name="alignImgPlace1">
+    <dgm:fillClrLst>
+      <a:schemeClr val="accent1">
+        <a:tint val="50000"/>
+      </a:schemeClr>
+      <a:schemeClr val="accent2">
+        <a:tint val="20000"/>
+      </a:schemeClr>
+    </dgm:fillClrLst>
+    <dgm:linClrLst meth="repeat">
+      <a:schemeClr val="lt1"/>
+    </dgm:linClrLst>
+    <dgm:effectClrLst/>
+    <dgm:txLinClrLst/>
+    <dgm:txFillClrLst meth="repeat">
+      <a:schemeClr val="lt1"/>
+    </dgm:txFillClrLst>
+    <dgm:txEffectClrLst/>
+  </dgm:styleLbl>
+  <dgm:styleLbl name="bgImgPlace1">
+    <dgm:fillClrLst>
+      <a:schemeClr val="accent1">
+        <a:tint val="50000"/>
+      </a:schemeClr>
+      <a:schemeClr val="accent2">
+        <a:tint val="20000"/>
+      </a:schemeClr>
+    </dgm:fillClrLst>
+    <dgm:linClrLst meth="repeat">
+      <a:schemeClr val="lt1"/>
+    </dgm:linClrLst>
+    <dgm:effectClrLst/>
+    <dgm:txLinClrLst/>
+    <dgm:txFillClrLst meth="repeat">
+      <a:schemeClr val="lt1"/>
+    </dgm:txFillClrLst>
+    <dgm:txEffectClrLst/>
+  </dgm:styleLbl>
+  <dgm:styleLbl name="sibTrans2D1">
+    <dgm:fillClrLst meth="repeat">
+      <a:schemeClr val="accent2"/>
+      <a:schemeClr val="accent3"/>
+      <a:schemeClr val="accent4"/>
+      <a:schemeClr val="accent5"/>
+      <a:schemeClr val="accent6"/>
+    </dgm:fillClrLst>
+    <dgm:linClrLst meth="cycle">
+      <a:schemeClr val="lt1"/>
+    </dgm:linClrLst>
+    <dgm:effectClrLst/>
+    <dgm:txLinClrLst/>
+    <dgm:txFillClrLst/>
+    <dgm:txEffectClrLst/>
+  </dgm:styleLbl>
+  <dgm:styleLbl name="fgSibTrans2D1">
+    <dgm:fillClrLst meth="repeat">
+      <a:schemeClr val="accent2"/>
+      <a:schemeClr val="accent3"/>
+      <a:schemeClr val="accent4"/>
+      <a:schemeClr val="accent5"/>
+      <a:schemeClr val="accent6"/>
+    </dgm:fillClrLst>
+    <dgm:linClrLst meth="cycle">
+      <a:schemeClr val="lt1"/>
+    </dgm:linClrLst>
+    <dgm:effectClrLst/>
+    <dgm:txLinClrLst/>
+    <dgm:txFillClrLst meth="repeat">
+      <a:schemeClr val="lt1"/>
+    </dgm:txFillClrLst>
+    <dgm:txEffectClrLst/>
+  </dgm:styleLbl>
+  <dgm:styleLbl name="bgSibTrans2D1">
+    <dgm:fillClrLst meth="repeat">
+      <a:schemeClr val="accent2"/>
+      <a:schemeClr val="accent3"/>
+      <a:schemeClr val="accent4"/>
+      <a:schemeClr val="accent5"/>
+      <a:schemeClr val="accent6"/>
+    </dgm:fillClrLst>
+    <dgm:linClrLst meth="cycle">
+      <a:schemeClr val="lt1"/>
+    </dgm:linClrLst>
+    <dgm:effectClrLst/>
+    <dgm:txLinClrLst/>
+    <dgm:txFillClrLst meth="repeat">
+      <a:schemeClr val="lt1"/>
+    </dgm:txFillClrLst>
+    <dgm:txEffectClrLst/>
+  </dgm:styleLbl>
+  <dgm:styleLbl name="sibTrans1D1">
+    <dgm:fillClrLst meth="repeat">
+      <a:schemeClr val="accent2"/>
+      <a:schemeClr val="accent3"/>
+      <a:schemeClr val="accent4"/>
+      <a:schemeClr val="accent5"/>
+      <a:schemeClr val="accent6"/>
+    </dgm:fillClrLst>
+    <dgm:linClrLst meth="repeat">
+      <a:schemeClr val="accent2"/>
+      <a:schemeClr val="accent3"/>
+      <a:schemeClr val="accent4"/>
+      <a:schemeClr val="accent5"/>
+      <a:schemeClr val="accent6"/>
+    </dgm:linClrLst>
+    <dgm:effectClrLst/>
+    <dgm:txLinClrLst/>
+    <dgm:txFillClrLst meth="repeat">
+      <a:schemeClr val="tx1"/>
+    </dgm:txFillClrLst>
+    <dgm:txEffectClrLst/>
+  </dgm:styleLbl>
+  <dgm:styleLbl name="callout">
+    <dgm:fillClrLst meth="repeat">
+      <a:schemeClr val="accent2"/>
+    </dgm:fillClrLst>
+    <dgm:linClrLst meth="repeat">
+      <a:schemeClr val="accent2">
+        <a:tint val="50000"/>
+      </a:schemeClr>
+    </dgm:linClrLst>
+    <dgm:effectClrLst/>
+    <dgm:txLinClrLst/>
+    <dgm:txFillClrLst meth="repeat">
+      <a:schemeClr val="tx1"/>
+    </dgm:txFillClrLst>
+    <dgm:txEffectClrLst/>
+  </dgm:styleLbl>
+  <dgm:styleLbl name="asst0">
+    <dgm:fillClrLst meth="repeat">
+      <a:schemeClr val="accent1"/>
+    </dgm:fillClrLst>
+    <dgm:linClrLst meth="repeat">
+      <a:schemeClr val="lt1"/>
+    </dgm:linClrLst>
+    <dgm:effectClrLst/>
+    <dgm:txLinClrLst/>
+    <dgm:txFillClrLst/>
+    <dgm:txEffectClrLst/>
+  </dgm:styleLbl>
+  <dgm:styleLbl name="asst1">
+    <dgm:fillClrLst meth="repeat">
+      <a:schemeClr val="accent2"/>
+    </dgm:fillClrLst>
+    <dgm:linClrLst meth="repeat">
+      <a:schemeClr val="lt1"/>
+    </dgm:linClrLst>
+    <dgm:effectClrLst/>
+    <dgm:txLinClrLst/>
+    <dgm:txFillClrLst/>
+    <dgm:txEffectClrLst/>
+  </dgm:styleLbl>
+  <dgm:styleLbl name="asst2">
+    <dgm:fillClrLst>
+      <a:schemeClr val="accent3"/>
+    </dgm:fillClrLst>
+    <dgm:linClrLst meth="repeat">
+      <a:schemeClr val="lt1"/>
+    </dgm:linClrLst>
+    <dgm:effectClrLst/>
+    <dgm:txLinClrLst/>
+    <dgm:txFillClrLst/>
+    <dgm:txEffectClrLst/>
+  </dgm:styleLbl>
+  <dgm:styleLbl name="asst3">
+    <dgm:fillClrLst>
+      <a:schemeClr val="accent4"/>
+    </dgm:fillClrLst>
+    <dgm:linClrLst meth="repeat">
+      <a:schemeClr val="lt1"/>
+    </dgm:linClrLst>
+    <dgm:effectClrLst/>
+    <dgm:txLinClrLst/>
+    <dgm:txFillClrLst/>
+    <dgm:txEffectClrLst/>
+  </dgm:styleLbl>
+  <dgm:styleLbl name="asst4">
+    <dgm:fillClrLst>
+      <a:schemeClr val="accent5"/>
+    </dgm:fillClrLst>
+    <dgm:linClrLst meth="repeat">
+      <a:schemeClr val="lt1"/>
+    </dgm:linClrLst>
+    <dgm:effectClrLst/>
+    <dgm:txLinClrLst/>
+    <dgm:txFillClrLst/>
+    <dgm:txEffectClrLst/>
+  </dgm:styleLbl>
+  <dgm:styleLbl name="parChTrans2D1">
+    <dgm:fillClrLst meth="repeat">
+      <a:schemeClr val="accent2"/>
+    </dgm:fillClrLst>
+    <dgm:linClrLst meth="repeat">
+      <a:schemeClr val="lt1"/>
+    </dgm:linClrLst>
+    <dgm:effectClrLst/>
+    <dgm:txLinClrLst/>
+    <dgm:txFillClrLst meth="repeat">
+      <a:schemeClr val="lt1"/>
+    </dgm:txFillClrLst>
+    <dgm:txEffectClrLst/>
+  </dgm:styleLbl>
+  <dgm:styleLbl name="parChTrans2D2">
+    <dgm:fillClrLst meth="repeat">
+      <a:schemeClr val="accent3"/>
+    </dgm:fillClrLst>
+    <dgm:linClrLst meth="repeat">
+      <a:schemeClr val="lt1"/>
+    </dgm:linClrLst>
+    <dgm:effectClrLst/>
+    <dgm:txLinClrLst/>
+    <dgm:txFillClrLst/>
+    <dgm:txEffectClrLst/>
+  </dgm:styleLbl>
+  <dgm:styleLbl name="parChTrans2D3">
+    <dgm:fillClrLst meth="repeat">
+      <a:schemeClr val="accent4"/>
+    </dgm:fillClrLst>
+    <dgm:linClrLst meth="repeat">
+      <a:schemeClr val="lt1"/>
+    </dgm:linClrLst>
+    <dgm:effectClrLst/>
+    <dgm:txLinClrLst/>
+    <dgm:txFillClrLst/>
+    <dgm:txEffectClrLst/>
+  </dgm:styleLbl>
+  <dgm:styleLbl name="parChTrans2D4">
+    <dgm:fillClrLst meth="repeat">
+      <a:schemeClr val="accent5"/>
+    </dgm:fillClrLst>
+    <dgm:linClrLst meth="repeat">
+      <a:schemeClr val="lt1"/>
+    </dgm:linClrLst>
+    <dgm:effectClrLst/>
+    <dgm:txLinClrLst/>
+    <dgm:txFillClrLst meth="repeat">
+      <a:schemeClr val="lt1"/>
+    </dgm:txFillClrLst>
+    <dgm:txEffectClrLst/>
+  </dgm:styleLbl>
+  <dgm:styleLbl name="parChTrans1D1">
+    <dgm:fillClrLst meth="repeat">
+      <a:schemeClr val="accent2"/>
+    </dgm:fillClrLst>
+    <dgm:linClrLst meth="repeat">
+      <a:schemeClr val="accent1"/>
+    </dgm:linClrLst>
+    <dgm:effectClrLst/>
+    <dgm:txLinClrLst/>
+    <dgm:txFillClrLst meth="repeat">
+      <a:schemeClr val="tx1"/>
+    </dgm:txFillClrLst>
+    <dgm:txEffectClrLst/>
+  </dgm:styleLbl>
+  <dgm:styleLbl name="parChTrans1D2">
+    <dgm:fillClrLst meth="repeat">
+      <a:schemeClr val="accent3">
+        <a:tint val="90000"/>
+      </a:schemeClr>
+    </dgm:fillClrLst>
+    <dgm:linClrLst meth="repeat">
+      <a:schemeClr val="accent2"/>
+    </dgm:linClrLst>
+    <dgm:effectClrLst/>
+    <dgm:txLinClrLst/>
+    <dgm:txFillClrLst meth="repeat">
+      <a:schemeClr val="tx1"/>
+    </dgm:txFillClrLst>
+    <dgm:txEffectClrLst/>
+  </dgm:styleLbl>
+  <dgm:styleLbl name="parChTrans1D3">
+    <dgm:fillClrLst meth="repeat">
+      <a:schemeClr val="accent4">
+        <a:tint val="70000"/>
+      </a:schemeClr>
+    </dgm:fillClrLst>
+    <dgm:linClrLst meth="repeat">
+      <a:schemeClr val="accent3"/>
+    </dgm:linClrLst>
+    <dgm:effectClrLst/>
+    <dgm:txLinClrLst/>
+    <dgm:txFillClrLst meth="repeat">
+      <a:schemeClr val="tx1"/>
+    </dgm:txFillClrLst>
+    <dgm:txEffectClrLst/>
+  </dgm:styleLbl>
+  <dgm:styleLbl name="parChTrans1D4">
+    <dgm:fillClrLst meth="repeat">
+      <a:schemeClr val="accent5">
+        <a:tint val="50000"/>
+      </a:schemeClr>
+    </dgm:fillClrLst>
+    <dgm:linClrLst meth="repeat">
+      <a:schemeClr val="accent4"/>
+    </dgm:linClrLst>
+    <dgm:effectClrLst/>
+    <dgm:txLinClrLst/>
+    <dgm:txFillClrLst meth="repeat">
+      <a:schemeClr val="tx1"/>
+    </dgm:txFillClrLst>
+    <dgm:txEffectClrLst/>
+  </dgm:styleLbl>
+  <dgm:styleLbl name="fgAcc1">
+    <dgm:fillClrLst meth="repeat">
+      <a:schemeClr val="lt1">
+        <a:alpha val="90000"/>
+      </a:schemeClr>
+    </dgm:fillClrLst>
+    <dgm:linClrLst meth="repeat">
+      <a:schemeClr val="accent2"/>
+      <a:schemeClr val="accent3"/>
+      <a:schemeClr val="accent4"/>
+      <a:schemeClr val="accent5"/>
+      <a:schemeClr val="accent6"/>
+    </dgm:linClrLst>
+    <dgm:effectClrLst/>
+    <dgm:txLinClrLst/>
+    <dgm:txFillClrLst meth="repeat">
+      <a:schemeClr val="dk1"/>
+    </dgm:txFillClrLst>
+    <dgm:txEffectClrLst/>
+  </dgm:styleLbl>
+  <dgm:styleLbl name="conFgAcc1">
+    <dgm:fillClrLst meth="repeat">
+      <a:schemeClr val="lt1">
+        <a:alpha val="90000"/>
+      </a:schemeClr>
+    </dgm:fillClrLst>
+    <dgm:linClrLst meth="repeat">
+      <a:schemeClr val="accent2"/>
+      <a:schemeClr val="accent3"/>
+      <a:schemeClr val="accent4"/>
+      <a:schemeClr val="accent5"/>
+      <a:schemeClr val="accent6"/>
+    </dgm:linClrLst>
+    <dgm:effectClrLst/>
+    <dgm:txLinClrLst/>
+    <dgm:txFillClrLst meth="repeat">
+      <a:schemeClr val="dk1"/>
+    </dgm:txFillClrLst>
+    <dgm:txEffectClrLst/>
+  </dgm:styleLbl>
+  <dgm:styleLbl name="alignAcc1">
+    <dgm:fillClrLst meth="repeat">
+      <a:schemeClr val="lt1">
+        <a:alpha val="90000"/>
+      </a:schemeClr>
+    </dgm:fillClrLst>
+    <dgm:linClrLst meth="repeat">
+      <a:schemeClr val="accent2"/>
+      <a:schemeClr val="accent3"/>
+      <a:schemeClr val="accent4"/>
+      <a:schemeClr val="accent5"/>
+      <a:schemeClr val="accent6"/>
+    </dgm:linClrLst>
+    <dgm:effectClrLst/>
+    <dgm:txLinClrLst/>
+    <dgm:txFillClrLst meth="repeat">
+      <a:schemeClr val="dk1"/>
+    </dgm:txFillClrLst>
+    <dgm:txEffectClrLst/>
+  </dgm:styleLbl>
+  <dgm:styleLbl name="trAlignAcc1">
+    <dgm:fillClrLst meth="repeat">
+      <a:schemeClr val="lt1">
+        <a:alpha val="40000"/>
+      </a:schemeClr>
+    </dgm:fillClrLst>
+    <dgm:linClrLst meth="repeat">
+      <a:schemeClr val="accent1"/>
+    </dgm:linClrLst>
+    <dgm:effectClrLst/>
+    <dgm:txLinClrLst/>
+    <dgm:txFillClrLst meth="repeat">
+      <a:schemeClr val="dk1"/>
+    </dgm:txFillClrLst>
+    <dgm:txEffectClrLst/>
+  </dgm:styleLbl>
+  <dgm:styleLbl name="bgAcc1">
+    <dgm:fillClrLst meth="repeat">
+      <a:schemeClr val="lt1">
+        <a:alpha val="90000"/>
+      </a:schemeClr>
+    </dgm:fillClrLst>
+    <dgm:linClrLst meth="repeat">
+      <a:schemeClr val="accent2"/>
+      <a:schemeClr val="accent3"/>
+      <a:schemeClr val="accent4"/>
+      <a:schemeClr val="accent5"/>
+      <a:schemeClr val="accent6"/>
+    </dgm:linClrLst>
+    <dgm:effectClrLst/>
+    <dgm:txLinClrLst/>
+    <dgm:txFillClrLst meth="repeat">
+      <a:schemeClr val="dk1"/>
+    </dgm:txFillClrLst>
+    <dgm:txEffectClrLst/>
+  </dgm:styleLbl>
+  <dgm:styleLbl name="solidFgAcc1">
+    <dgm:fillClrLst meth="repeat">
+      <a:schemeClr val="lt1"/>
+    </dgm:fillClrLst>
+    <dgm:linClrLst meth="repeat">
+      <a:schemeClr val="accent2"/>
+      <a:schemeClr val="accent3"/>
+      <a:schemeClr val="accent4"/>
+      <a:schemeClr val="accent5"/>
+      <a:schemeClr val="accent6"/>
+    </dgm:linClrLst>
+    <dgm:effectClrLst/>
+    <dgm:txLinClrLst/>
+    <dgm:txFillClrLst meth="repeat">
+      <a:schemeClr val="dk1"/>
+    </dgm:txFillClrLst>
+    <dgm:txEffectClrLst/>
+  </dgm:styleLbl>
+  <dgm:styleLbl name="solidAlignAcc1">
+    <dgm:fillClrLst meth="repeat">
+      <a:schemeClr val="lt1"/>
+    </dgm:fillClrLst>
+    <dgm:linClrLst meth="repeat">
+      <a:schemeClr val="accent2"/>
+      <a:schemeClr val="accent3"/>
+      <a:schemeClr val="accent4"/>
+      <a:schemeClr val="accent5"/>
+      <a:schemeClr val="accent6"/>
+    </dgm:linClrLst>
+    <dgm:effectClrLst/>
+    <dgm:txLinClrLst/>
+    <dgm:txFillClrLst meth="repeat">
+      <a:schemeClr val="dk1"/>
+    </dgm:txFillClrLst>
+    <dgm:txEffectClrLst/>
+  </dgm:styleLbl>
+  <dgm:styleLbl name="solidBgAcc1">
+    <dgm:fillClrLst meth="repeat">
+      <a:schemeClr val="lt1"/>
+    </dgm:fillClrLst>
+    <dgm:linClrLst meth="repeat">
+      <a:schemeClr val="accent2"/>
+      <a:schemeClr val="accent3"/>
+      <a:schemeClr val="accent4"/>
+      <a:schemeClr val="accent5"/>
+      <a:schemeClr val="accent6"/>
+    </dgm:linClrLst>
+    <dgm:effectClrLst/>
+    <dgm:txLinClrLst/>
+    <dgm:txFillClrLst meth="repeat">
+      <a:schemeClr val="dk1"/>
+    </dgm:txFillClrLst>
+    <dgm:txEffectClrLst/>
+  </dgm:styleLbl>
+  <dgm:styleLbl name="fgAccFollowNode1">
+    <dgm:fillClrLst meth="repeat">
+      <a:schemeClr val="accent2">
+        <a:tint val="40000"/>
+        <a:alpha val="90000"/>
+      </a:schemeClr>
+      <a:schemeClr val="accent3">
+        <a:tint val="40000"/>
+        <a:alpha val="90000"/>
+      </a:schemeClr>
+      <a:schemeClr val="accent4">
+        <a:tint val="40000"/>
+        <a:alpha val="90000"/>
+      </a:schemeClr>
+      <a:schemeClr val="accent5">
+        <a:tint val="40000"/>
+        <a:alpha val="90000"/>
+      </a:schemeClr>
+      <a:schemeClr val="accent6">
+        <a:tint val="40000"/>
+        <a:alpha val="90000"/>
+      </a:schemeClr>
+    </dgm:fillClrLst>
+    <dgm:linClrLst meth="repeat">
+      <a:schemeClr val="accent2">
+        <a:tint val="40000"/>
+        <a:alpha val="90000"/>
+      </a:schemeClr>
+      <a:schemeClr val="accent3">
+        <a:tint val="40000"/>
+        <a:alpha val="90000"/>
+      </a:schemeClr>
+      <a:schemeClr val="accent4">
+        <a:tint val="40000"/>
+        <a:alpha val="90000"/>
+      </a:schemeClr>
+      <a:schemeClr val="accent5">
+        <a:tint val="40000"/>
+        <a:alpha val="90000"/>
+      </a:schemeClr>
+      <a:schemeClr val="accent6">
+        <a:tint val="40000"/>
+        <a:alpha val="90000"/>
+      </a:schemeClr>
+    </dgm:linClrLst>
+    <dgm:effectClrLst/>
+    <dgm:txLinClrLst/>
+    <dgm:txFillClrLst meth="repeat">
+      <a:schemeClr val="dk1"/>
+    </dgm:txFillClrLst>
+    <dgm:txEffectClrLst/>
+  </dgm:styleLbl>
+  <dgm:styleLbl name="alignAccFollowNode1">
+    <dgm:fillClrLst meth="repeat">
+      <a:schemeClr val="accent2">
+        <a:tint val="40000"/>
+        <a:alpha val="90000"/>
+      </a:schemeClr>
+      <a:schemeClr val="accent3">
+        <a:tint val="40000"/>
+        <a:alpha val="90000"/>
+      </a:schemeClr>
+      <a:schemeClr val="accent4">
+        <a:tint val="40000"/>
+        <a:alpha val="90000"/>
+      </a:schemeClr>
+      <a:schemeClr val="accent5">
+        <a:tint val="40000"/>
+        <a:alpha val="90000"/>
+      </a:schemeClr>
+      <a:schemeClr val="accent6">
+        <a:tint val="40000"/>
+        <a:alpha val="90000"/>
+      </a:schemeClr>
+    </dgm:fillClrLst>
+    <dgm:linClrLst meth="repeat">
+      <a:schemeClr val="accent2">
+        <a:tint val="40000"/>
+        <a:alpha val="90000"/>
+      </a:schemeClr>
+      <a:schemeClr val="accent3">
+        <a:tint val="40000"/>
+        <a:alpha val="90000"/>
+      </a:schemeClr>
+      <a:schemeClr val="accent4">
+        <a:tint val="40000"/>
+        <a:alpha val="90000"/>
+      </a:schemeClr>
+      <a:schemeClr val="accent5">
+        <a:tint val="40000"/>
+        <a:alpha val="90000"/>
+      </a:schemeClr>
+      <a:schemeClr val="accent6">
+        <a:tint val="40000"/>
+        <a:alpha val="90000"/>
+      </a:schemeClr>
+    </dgm:linClrLst>
+    <dgm:effectClrLst/>
+    <dgm:txLinClrLst/>
+    <dgm:txFillClrLst meth="repeat">
+      <a:schemeClr val="dk1"/>
+    </dgm:txFillClrLst>
+    <dgm:txEffectClrLst/>
+  </dgm:styleLbl>
+  <dgm:styleLbl name="bgAccFollowNode1">
+    <dgm:fillClrLst meth="repeat">
+      <a:schemeClr val="accent2">
+        <a:tint val="40000"/>
+        <a:alpha val="90000"/>
+      </a:schemeClr>
+      <a:schemeClr val="accent3">
+        <a:tint val="40000"/>
+        <a:alpha val="90000"/>
+      </a:schemeClr>
+      <a:schemeClr val="accent4">
+        <a:tint val="40000"/>
+        <a:alpha val="90000"/>
+      </a:schemeClr>
+      <a:schemeClr val="accent5">
+        <a:tint val="40000"/>
+        <a:alpha val="90000"/>
+      </a:schemeClr>
+      <a:schemeClr val="accent6">
+        <a:tint val="40000"/>
+        <a:alpha val="90000"/>
+      </a:schemeClr>
+    </dgm:fillClrLst>
+    <dgm:linClrLst meth="repeat">
+      <a:schemeClr val="accent2">
+        <a:tint val="40000"/>
+        <a:alpha val="90000"/>
+      </a:schemeClr>
+      <a:schemeClr val="accent3">
+        <a:tint val="40000"/>
+        <a:alpha val="90000"/>
+      </a:schemeClr>
+      <a:schemeClr val="accent4">
+        <a:tint val="40000"/>
+        <a:alpha val="90000"/>
+      </a:schemeClr>
+      <a:schemeClr val="accent5">
+        <a:tint val="40000"/>
+        <a:alpha val="90000"/>
+      </a:schemeClr>
+      <a:schemeClr val="accent6">
+        <a:tint val="40000"/>
+        <a:alpha val="90000"/>
+      </a:schemeClr>
+    </dgm:linClrLst>
+    <dgm:effectClrLst/>
+    <dgm:txLinClrLst/>
+    <dgm:txFillClrLst meth="repeat">
+      <a:schemeClr val="dk1"/>
+    </dgm:txFillClrLst>
+    <dgm:txEffectClrLst/>
+  </dgm:styleLbl>
+  <dgm:styleLbl name="fgAcc0">
+    <dgm:fillClrLst meth="repeat">
+      <a:schemeClr val="lt1">
+        <a:alpha val="90000"/>
+      </a:schemeClr>
+    </dgm:fillClrLst>
+    <dgm:linClrLst>
+      <a:schemeClr val="accent1"/>
+    </dgm:linClrLst>
+    <dgm:effectClrLst/>
+    <dgm:txLinClrLst/>
+    <dgm:txFillClrLst meth="repeat">
+      <a:schemeClr val="dk1"/>
+    </dgm:txFillClrLst>
+    <dgm:txEffectClrLst/>
+  </dgm:styleLbl>
+  <dgm:styleLbl name="fgAcc2">
+    <dgm:fillClrLst meth="repeat">
+      <a:schemeClr val="lt1">
+        <a:alpha val="90000"/>
+      </a:schemeClr>
+    </dgm:fillClrLst>
+    <dgm:linClrLst>
+      <a:schemeClr val="accent2"/>
+    </dgm:linClrLst>
+    <dgm:effectClrLst/>
+    <dgm:txLinClrLst/>
+    <dgm:txFillClrLst meth="repeat">
+      <a:schemeClr val="dk1"/>
+    </dgm:txFillClrLst>
+    <dgm:txEffectClrLst/>
+  </dgm:styleLbl>
+  <dgm:styleLbl name="fgAcc3">
+    <dgm:fillClrLst meth="repeat">
+      <a:schemeClr val="lt1">
+        <a:alpha val="90000"/>
+      </a:schemeClr>
+    </dgm:fillClrLst>
+    <dgm:linClrLst>
+      <a:schemeClr val="accent3"/>
+    </dgm:linClrLst>
+    <dgm:effectClrLst/>
+    <dgm:txLinClrLst/>
+    <dgm:txFillClrLst meth="repeat">
+      <a:schemeClr val="dk1"/>
+    </dgm:txFillClrLst>
+    <dgm:txEffectClrLst/>
+  </dgm:styleLbl>
+  <dgm:styleLbl name="fgAcc4">
+    <dgm:fillClrLst meth="repeat">
+      <a:schemeClr val="lt1">
+        <a:alpha val="90000"/>
+      </a:schemeClr>
+    </dgm:fillClrLst>
+    <dgm:linClrLst>
+      <a:schemeClr val="accent4"/>
+    </dgm:linClrLst>
+    <dgm:effectClrLst/>
+    <dgm:txLinClrLst/>
+    <dgm:txFillClrLst meth="repeat">
+      <a:schemeClr val="dk1"/>
+    </dgm:txFillClrLst>
+    <dgm:txEffectClrLst/>
+  </dgm:styleLbl>
+  <dgm:styleLbl name="bgShp">
+    <dgm:fillClrLst meth="repeat">
+      <a:schemeClr val="accent2">
+        <a:tint val="40000"/>
+      </a:schemeClr>
+    </dgm:fillClrLst>
+    <dgm:linClrLst meth="repeat">
+      <a:schemeClr val="dk1"/>
+    </dgm:linClrLst>
+    <dgm:effectClrLst/>
+    <dgm:txLinClrLst/>
+    <dgm:txFillClrLst meth="repeat">
+      <a:schemeClr val="dk1"/>
+    </dgm:txFillClrLst>
+    <dgm:txEffectClrLst/>
+  </dgm:styleLbl>
+  <dgm:styleLbl name="dkBgShp">
+    <dgm:fillClrLst meth="repeat">
+      <a:schemeClr val="accent2">
+        <a:shade val="90000"/>
+      </a:schemeClr>
+    </dgm:fillClrLst>
+    <dgm:linClrLst meth="repeat">
+      <a:schemeClr val="dk1"/>
+    </dgm:linClrLst>
+    <dgm:effectClrLst/>
+    <dgm:txLinClrLst/>
+    <dgm:txFillClrLst meth="repeat">
+      <a:schemeClr val="lt1"/>
+    </dgm:txFillClrLst>
+    <dgm:txEffectClrLst/>
+  </dgm:styleLbl>
+  <dgm:styleLbl name="trBgShp">
+    <dgm:fillClrLst meth="repeat">
+      <a:schemeClr val="accent1">
+        <a:tint val="50000"/>
+        <a:alpha val="40000"/>
+      </a:schemeClr>
+    </dgm:fillClrLst>
+    <dgm:linClrLst meth="repeat">
+      <a:schemeClr val="accent2"/>
+    </dgm:linClrLst>
+    <dgm:effectClrLst/>
+    <dgm:txLinClrLst/>
+    <dgm:txFillClrLst meth="repeat">
+      <a:schemeClr val="lt1"/>
+    </dgm:txFillClrLst>
+    <dgm:txEffectClrLst/>
+  </dgm:styleLbl>
+  <dgm:styleLbl name="fgShp">
+    <dgm:fillClrLst meth="repeat">
+      <a:schemeClr val="accent2">
+        <a:tint val="40000"/>
+      </a:schemeClr>
+    </dgm:fillClrLst>
+    <dgm:linClrLst meth="repeat">
+      <a:schemeClr val="lt1"/>
+    </dgm:linClrLst>
+    <dgm:effectClrLst/>
+    <dgm:txLinClrLst/>
+    <dgm:txFillClrLst meth="repeat">
+      <a:schemeClr val="dk1"/>
+    </dgm:txFillClrLst>
+    <dgm:txEffectClrLst/>
+  </dgm:styleLbl>
+  <dgm:styleLbl name="revTx">
+    <dgm:fillClrLst meth="repeat">
+      <a:schemeClr val="lt1">
+        <a:alpha val="0"/>
+      </a:schemeClr>
+    </dgm:fillClrLst>
+    <dgm:linClrLst meth="repeat">
+      <a:schemeClr val="dk1">
+        <a:alpha val="0"/>
+      </a:schemeClr>
+    </dgm:linClrLst>
+    <dgm:effectClrLst/>
+    <dgm:txLinClrLst/>
+    <dgm:txFillClrLst meth="repeat">
+      <a:schemeClr val="tx1"/>
+    </dgm:txFillClrLst>
+    <dgm:txEffectClrLst/>
+  </dgm:styleLbl>
+</dgm:colorsDef>
+</file>
+
+<file path=ppt/diagrams/data1.xml><?xml version="1.0" encoding="utf-8"?>
+<dgm:dataModel xmlns:dgm="http://schemas.openxmlformats.org/drawingml/2006/diagram" xmlns:a="http://schemas.openxmlformats.org/drawingml/2006/main">
+  <dgm:ptLst>
+    <dgm:pt modelId="{C0546ECB-75A5-491E-84E5-A9BEDBE344C1}" type="doc">
+      <dgm:prSet loTypeId="urn:microsoft.com/office/officeart/2005/8/layout/equation2" loCatId="process" qsTypeId="urn:microsoft.com/office/officeart/2005/8/quickstyle/simple4" qsCatId="simple" csTypeId="urn:microsoft.com/office/officeart/2005/8/colors/colorful1" csCatId="colorful" phldr="1"/>
+      <dgm:spPr/>
+    </dgm:pt>
+    <dgm:pt modelId="{91954CD8-26A6-40AC-8C7D-F8353210DCE4}">
+      <dgm:prSet phldrT="[文本]" custT="1"/>
+      <dgm:spPr/>
+      <dgm:t>
+        <a:bodyPr/>
+        <a:lstStyle/>
+        <a:p>
+          <a:endParaRPr lang="en-US" altLang="zh-CN" sz="1200" dirty="0" smtClean="0"/>
+        </a:p>
+        <a:p>
+          <a:r>
+            <a:rPr lang="zh-CN" altLang="en-US" sz="1200" dirty="0" smtClean="0"/>
+            <a:t>一级解卷积</a:t>
+          </a:r>
+          <a:endParaRPr lang="en-US" altLang="zh-CN" sz="1200" dirty="0" smtClean="0"/>
+        </a:p>
+        <a:p>
+          <a:r>
+            <a:rPr lang="en-US" altLang="zh-CN" sz="1200" dirty="0" smtClean="0"/>
+            <a:t>(</a:t>
+          </a:r>
+          <a:r>
+            <a:rPr lang="zh-CN" altLang="en-US" sz="1200" dirty="0" smtClean="0"/>
+            <a:t>适用于</a:t>
+          </a:r>
+          <a:r>
+            <a:rPr lang="en-US" altLang="zh-CN" sz="1200" dirty="0" smtClean="0"/>
+            <a:t>LCMS</a:t>
+          </a:r>
+          <a:r>
+            <a:rPr lang="zh-CN" altLang="en-US" sz="1200" dirty="0" smtClean="0"/>
+            <a:t>与</a:t>
+          </a:r>
+          <a:r>
+            <a:rPr lang="en-US" altLang="zh-CN" sz="1200" dirty="0" smtClean="0"/>
+            <a:t>GCMS)</a:t>
+          </a:r>
+          <a:endParaRPr lang="zh-CN" altLang="en-US" sz="1200" dirty="0"/>
+        </a:p>
+      </dgm:t>
+    </dgm:pt>
+    <dgm:pt modelId="{C2FEB0F4-A3B2-457C-ACD4-C1FF5C6570FC}" type="parTrans" cxnId="{AFF7F3A3-2FD2-4787-ACA2-DB4E38696A63}">
+      <dgm:prSet/>
+      <dgm:spPr/>
+      <dgm:t>
+        <a:bodyPr/>
+        <a:lstStyle/>
+        <a:p>
+          <a:endParaRPr lang="zh-CN" altLang="en-US"/>
+        </a:p>
+      </dgm:t>
+    </dgm:pt>
+    <dgm:pt modelId="{A37C7BA6-55A5-46A5-8579-4C8C2FFD80BD}" type="sibTrans" cxnId="{AFF7F3A3-2FD2-4787-ACA2-DB4E38696A63}">
+      <dgm:prSet/>
+      <dgm:spPr/>
+      <dgm:t>
+        <a:bodyPr/>
+        <a:lstStyle/>
+        <a:p>
+          <a:endParaRPr lang="zh-CN" altLang="en-US"/>
+        </a:p>
+      </dgm:t>
+    </dgm:pt>
+    <dgm:pt modelId="{5D338035-298C-4B9B-B8D7-BAABB54CC8BF}">
+      <dgm:prSet phldrT="[文本]" custT="1"/>
+      <dgm:spPr/>
+      <dgm:t>
+        <a:bodyPr/>
+        <a:lstStyle/>
+        <a:p>
+          <a:r>
+            <a:rPr lang="zh-CN" altLang="en-US" sz="1200" dirty="0" smtClean="0"/>
+            <a:t>二级小分子物质鉴定</a:t>
+          </a:r>
+          <a:endParaRPr lang="en-US" altLang="zh-CN" sz="1200" dirty="0" smtClean="0"/>
+        </a:p>
+        <a:p>
+          <a:r>
+            <a:rPr lang="en-US" altLang="zh-CN" sz="1200" dirty="0" smtClean="0"/>
+            <a:t>(</a:t>
+          </a:r>
+          <a:r>
+            <a:rPr lang="zh-CN" altLang="en-US" sz="1200" dirty="0" smtClean="0"/>
+            <a:t>适用于</a:t>
+          </a:r>
+          <a:r>
+            <a:rPr lang="en-US" altLang="zh-CN" sz="1200" dirty="0" smtClean="0"/>
+            <a:t>LCMS)</a:t>
+          </a:r>
+          <a:endParaRPr lang="zh-CN" altLang="en-US" sz="1200" dirty="0"/>
+        </a:p>
+      </dgm:t>
+    </dgm:pt>
+    <dgm:pt modelId="{6A5B4995-F342-497A-8DD7-8818FF53A2C2}" type="parTrans" cxnId="{DC5FF74E-C47A-4FAE-9930-C92325742594}">
+      <dgm:prSet/>
+      <dgm:spPr/>
+      <dgm:t>
+        <a:bodyPr/>
+        <a:lstStyle/>
+        <a:p>
+          <a:endParaRPr lang="zh-CN" altLang="en-US"/>
+        </a:p>
+      </dgm:t>
+    </dgm:pt>
+    <dgm:pt modelId="{68C4EC2C-0272-4BF9-BB4E-F94DC6FE6ADD}" type="sibTrans" cxnId="{DC5FF74E-C47A-4FAE-9930-C92325742594}">
+      <dgm:prSet/>
+      <dgm:spPr/>
+      <dgm:t>
+        <a:bodyPr/>
+        <a:lstStyle/>
+        <a:p>
+          <a:endParaRPr lang="zh-CN" altLang="en-US"/>
+        </a:p>
+      </dgm:t>
+    </dgm:pt>
+    <dgm:pt modelId="{F162CDD5-CB0C-4D8A-9EBC-0BA1625C8F02}">
+      <dgm:prSet phldrT="[文本]" custT="1"/>
+      <dgm:spPr/>
+      <dgm:t>
+        <a:bodyPr/>
+        <a:lstStyle/>
+        <a:p>
+          <a:endParaRPr lang="en-US" altLang="zh-CN" sz="2800" dirty="0" smtClean="0"/>
+        </a:p>
+        <a:p>
+          <a:r>
+            <a:rPr lang="zh-CN" altLang="en-US" sz="2800" dirty="0" smtClean="0"/>
+            <a:t>非靶向代谢组学多元统计分析</a:t>
+          </a:r>
+          <a:endParaRPr lang="zh-CN" altLang="en-US" sz="2800" dirty="0"/>
+        </a:p>
+      </dgm:t>
+    </dgm:pt>
+    <dgm:pt modelId="{7C2F4332-CF0C-466E-91D9-831D4BBFEEFE}" type="parTrans" cxnId="{28ECA5EA-B56B-4BA9-8CD8-DAD5661995B5}">
+      <dgm:prSet/>
+      <dgm:spPr/>
+      <dgm:t>
+        <a:bodyPr/>
+        <a:lstStyle/>
+        <a:p>
+          <a:endParaRPr lang="zh-CN" altLang="en-US"/>
+        </a:p>
+      </dgm:t>
+    </dgm:pt>
+    <dgm:pt modelId="{B5FFC126-ADB3-49F8-9473-6C26BEF21ABF}" type="sibTrans" cxnId="{28ECA5EA-B56B-4BA9-8CD8-DAD5661995B5}">
+      <dgm:prSet/>
+      <dgm:spPr/>
+      <dgm:t>
+        <a:bodyPr/>
+        <a:lstStyle/>
+        <a:p>
+          <a:endParaRPr lang="zh-CN" altLang="en-US"/>
+        </a:p>
+      </dgm:t>
+    </dgm:pt>
+    <dgm:pt modelId="{C4958130-33E7-4C94-AEAB-140EFDF7A7FA}" type="pres">
+      <dgm:prSet presAssocID="{C0546ECB-75A5-491E-84E5-A9BEDBE344C1}" presName="Name0" presStyleCnt="0">
+        <dgm:presLayoutVars>
+          <dgm:dir/>
+          <dgm:resizeHandles val="exact"/>
+        </dgm:presLayoutVars>
+      </dgm:prSet>
+      <dgm:spPr/>
+    </dgm:pt>
+    <dgm:pt modelId="{D4228506-43F8-41D5-81F4-01136A153361}" type="pres">
+      <dgm:prSet presAssocID="{C0546ECB-75A5-491E-84E5-A9BEDBE344C1}" presName="vNodes" presStyleCnt="0"/>
+      <dgm:spPr/>
+    </dgm:pt>
+    <dgm:pt modelId="{BDE7F83A-790A-4177-87BB-236521E971E9}" type="pres">
+      <dgm:prSet presAssocID="{91954CD8-26A6-40AC-8C7D-F8353210DCE4}" presName="node" presStyleLbl="node1" presStyleIdx="0" presStyleCnt="3">
+        <dgm:presLayoutVars>
+          <dgm:bulletEnabled val="1"/>
+        </dgm:presLayoutVars>
+      </dgm:prSet>
+      <dgm:spPr/>
+    </dgm:pt>
+    <dgm:pt modelId="{90719BB6-8C79-45CB-A72B-5BE5B5CD8858}" type="pres">
+      <dgm:prSet presAssocID="{A37C7BA6-55A5-46A5-8579-4C8C2FFD80BD}" presName="spacerT" presStyleCnt="0"/>
+      <dgm:spPr/>
+    </dgm:pt>
+    <dgm:pt modelId="{9778900A-D095-4BBC-B264-841EB8F979D3}" type="pres">
+      <dgm:prSet presAssocID="{A37C7BA6-55A5-46A5-8579-4C8C2FFD80BD}" presName="sibTrans" presStyleLbl="sibTrans2D1" presStyleIdx="0" presStyleCnt="2"/>
+      <dgm:spPr/>
+    </dgm:pt>
+    <dgm:pt modelId="{CB49DB49-651B-4BEE-B7B8-16B39121ACAF}" type="pres">
+      <dgm:prSet presAssocID="{A37C7BA6-55A5-46A5-8579-4C8C2FFD80BD}" presName="spacerB" presStyleCnt="0"/>
+      <dgm:spPr/>
+    </dgm:pt>
+    <dgm:pt modelId="{BB6E929B-392D-4EC2-8642-8DB071311829}" type="pres">
+      <dgm:prSet presAssocID="{5D338035-298C-4B9B-B8D7-BAABB54CC8BF}" presName="node" presStyleLbl="node1" presStyleIdx="1" presStyleCnt="3">
+        <dgm:presLayoutVars>
+          <dgm:bulletEnabled val="1"/>
+        </dgm:presLayoutVars>
+      </dgm:prSet>
+      <dgm:spPr/>
+      <dgm:t>
+        <a:bodyPr/>
+        <a:lstStyle/>
+        <a:p>
+          <a:endParaRPr lang="zh-CN" altLang="en-US"/>
+        </a:p>
+      </dgm:t>
+    </dgm:pt>
+    <dgm:pt modelId="{F385FBA6-2B43-4B0F-9D07-1D257D1C3AEE}" type="pres">
+      <dgm:prSet presAssocID="{C0546ECB-75A5-491E-84E5-A9BEDBE344C1}" presName="sibTransLast" presStyleLbl="sibTrans2D1" presStyleIdx="1" presStyleCnt="2"/>
+      <dgm:spPr/>
+    </dgm:pt>
+    <dgm:pt modelId="{A5082121-3769-4A9D-A812-02DCF5696C3C}" type="pres">
+      <dgm:prSet presAssocID="{C0546ECB-75A5-491E-84E5-A9BEDBE344C1}" presName="connectorText" presStyleLbl="sibTrans2D1" presStyleIdx="1" presStyleCnt="2"/>
+      <dgm:spPr/>
+    </dgm:pt>
+    <dgm:pt modelId="{3DF1263B-FC02-4B86-9315-B97DFB2AD61B}" type="pres">
+      <dgm:prSet presAssocID="{C0546ECB-75A5-491E-84E5-A9BEDBE344C1}" presName="lastNode" presStyleLbl="node1" presStyleIdx="2" presStyleCnt="3">
+        <dgm:presLayoutVars>
+          <dgm:bulletEnabled val="1"/>
+        </dgm:presLayoutVars>
+      </dgm:prSet>
+      <dgm:spPr/>
+    </dgm:pt>
+  </dgm:ptLst>
+  <dgm:cxnLst>
+    <dgm:cxn modelId="{5B4F3D8B-32B8-48A6-9123-0876DDD057E8}" type="presOf" srcId="{68C4EC2C-0272-4BF9-BB4E-F94DC6FE6ADD}" destId="{F385FBA6-2B43-4B0F-9D07-1D257D1C3AEE}" srcOrd="0" destOrd="0" presId="urn:microsoft.com/office/officeart/2005/8/layout/equation2"/>
+    <dgm:cxn modelId="{9B978C5E-1E2B-45CB-8C2B-8CBD7FB30A20}" type="presOf" srcId="{91954CD8-26A6-40AC-8C7D-F8353210DCE4}" destId="{BDE7F83A-790A-4177-87BB-236521E971E9}" srcOrd="0" destOrd="0" presId="urn:microsoft.com/office/officeart/2005/8/layout/equation2"/>
+    <dgm:cxn modelId="{39826061-0FA0-4FA0-A414-F68AD8A84944}" type="presOf" srcId="{5D338035-298C-4B9B-B8D7-BAABB54CC8BF}" destId="{BB6E929B-392D-4EC2-8642-8DB071311829}" srcOrd="0" destOrd="0" presId="urn:microsoft.com/office/officeart/2005/8/layout/equation2"/>
+    <dgm:cxn modelId="{AFF7F3A3-2FD2-4787-ACA2-DB4E38696A63}" srcId="{C0546ECB-75A5-491E-84E5-A9BEDBE344C1}" destId="{91954CD8-26A6-40AC-8C7D-F8353210DCE4}" srcOrd="0" destOrd="0" parTransId="{C2FEB0F4-A3B2-457C-ACD4-C1FF5C6570FC}" sibTransId="{A37C7BA6-55A5-46A5-8579-4C8C2FFD80BD}"/>
+    <dgm:cxn modelId="{28ECA5EA-B56B-4BA9-8CD8-DAD5661995B5}" srcId="{C0546ECB-75A5-491E-84E5-A9BEDBE344C1}" destId="{F162CDD5-CB0C-4D8A-9EBC-0BA1625C8F02}" srcOrd="2" destOrd="0" parTransId="{7C2F4332-CF0C-466E-91D9-831D4BBFEEFE}" sibTransId="{B5FFC126-ADB3-49F8-9473-6C26BEF21ABF}"/>
+    <dgm:cxn modelId="{1627171A-51B2-44C8-8AFE-D8D96579F4FA}" type="presOf" srcId="{A37C7BA6-55A5-46A5-8579-4C8C2FFD80BD}" destId="{9778900A-D095-4BBC-B264-841EB8F979D3}" srcOrd="0" destOrd="0" presId="urn:microsoft.com/office/officeart/2005/8/layout/equation2"/>
+    <dgm:cxn modelId="{3EB019F8-010C-4B3F-AF04-C30F0627BA28}" type="presOf" srcId="{C0546ECB-75A5-491E-84E5-A9BEDBE344C1}" destId="{C4958130-33E7-4C94-AEAB-140EFDF7A7FA}" srcOrd="0" destOrd="0" presId="urn:microsoft.com/office/officeart/2005/8/layout/equation2"/>
+    <dgm:cxn modelId="{DC5FF74E-C47A-4FAE-9930-C92325742594}" srcId="{C0546ECB-75A5-491E-84E5-A9BEDBE344C1}" destId="{5D338035-298C-4B9B-B8D7-BAABB54CC8BF}" srcOrd="1" destOrd="0" parTransId="{6A5B4995-F342-497A-8DD7-8818FF53A2C2}" sibTransId="{68C4EC2C-0272-4BF9-BB4E-F94DC6FE6ADD}"/>
+    <dgm:cxn modelId="{00E75731-40C4-4CAA-867B-8E3A50CB3B14}" type="presOf" srcId="{68C4EC2C-0272-4BF9-BB4E-F94DC6FE6ADD}" destId="{A5082121-3769-4A9D-A812-02DCF5696C3C}" srcOrd="1" destOrd="0" presId="urn:microsoft.com/office/officeart/2005/8/layout/equation2"/>
+    <dgm:cxn modelId="{8D414613-5788-4AB6-ACC7-B0A124092134}" type="presOf" srcId="{F162CDD5-CB0C-4D8A-9EBC-0BA1625C8F02}" destId="{3DF1263B-FC02-4B86-9315-B97DFB2AD61B}" srcOrd="0" destOrd="0" presId="urn:microsoft.com/office/officeart/2005/8/layout/equation2"/>
+    <dgm:cxn modelId="{C47A8CBE-0015-4113-88DE-9DCC97531F52}" type="presParOf" srcId="{C4958130-33E7-4C94-AEAB-140EFDF7A7FA}" destId="{D4228506-43F8-41D5-81F4-01136A153361}" srcOrd="0" destOrd="0" presId="urn:microsoft.com/office/officeart/2005/8/layout/equation2"/>
+    <dgm:cxn modelId="{13C43AC2-14C1-4F49-A497-D721B94E2DC3}" type="presParOf" srcId="{D4228506-43F8-41D5-81F4-01136A153361}" destId="{BDE7F83A-790A-4177-87BB-236521E971E9}" srcOrd="0" destOrd="0" presId="urn:microsoft.com/office/officeart/2005/8/layout/equation2"/>
+    <dgm:cxn modelId="{850133AD-D351-4F8C-8941-A219EBB06BAA}" type="presParOf" srcId="{D4228506-43F8-41D5-81F4-01136A153361}" destId="{90719BB6-8C79-45CB-A72B-5BE5B5CD8858}" srcOrd="1" destOrd="0" presId="urn:microsoft.com/office/officeart/2005/8/layout/equation2"/>
+    <dgm:cxn modelId="{58AEAFF4-D63F-470A-BD1B-AB2899D045C9}" type="presParOf" srcId="{D4228506-43F8-41D5-81F4-01136A153361}" destId="{9778900A-D095-4BBC-B264-841EB8F979D3}" srcOrd="2" destOrd="0" presId="urn:microsoft.com/office/officeart/2005/8/layout/equation2"/>
+    <dgm:cxn modelId="{BC88AB32-11D7-428C-B282-FD3429E24195}" type="presParOf" srcId="{D4228506-43F8-41D5-81F4-01136A153361}" destId="{CB49DB49-651B-4BEE-B7B8-16B39121ACAF}" srcOrd="3" destOrd="0" presId="urn:microsoft.com/office/officeart/2005/8/layout/equation2"/>
+    <dgm:cxn modelId="{7B85E0C3-0669-4326-86E2-3E30BE463871}" type="presParOf" srcId="{D4228506-43F8-41D5-81F4-01136A153361}" destId="{BB6E929B-392D-4EC2-8642-8DB071311829}" srcOrd="4" destOrd="0" presId="urn:microsoft.com/office/officeart/2005/8/layout/equation2"/>
+    <dgm:cxn modelId="{A5532DC9-2B03-428D-8456-9A9E0E10A957}" type="presParOf" srcId="{C4958130-33E7-4C94-AEAB-140EFDF7A7FA}" destId="{F385FBA6-2B43-4B0F-9D07-1D257D1C3AEE}" srcOrd="1" destOrd="0" presId="urn:microsoft.com/office/officeart/2005/8/layout/equation2"/>
+    <dgm:cxn modelId="{47200731-8A97-4011-9D8F-0A729A6A2F27}" type="presParOf" srcId="{F385FBA6-2B43-4B0F-9D07-1D257D1C3AEE}" destId="{A5082121-3769-4A9D-A812-02DCF5696C3C}" srcOrd="0" destOrd="0" presId="urn:microsoft.com/office/officeart/2005/8/layout/equation2"/>
+    <dgm:cxn modelId="{A03F7ED8-E865-49DA-9013-FDE273A8884A}" type="presParOf" srcId="{C4958130-33E7-4C94-AEAB-140EFDF7A7FA}" destId="{3DF1263B-FC02-4B86-9315-B97DFB2AD61B}" srcOrd="2" destOrd="0" presId="urn:microsoft.com/office/officeart/2005/8/layout/equation2"/>
+  </dgm:cxnLst>
+  <dgm:bg/>
+  <dgm:whole/>
+  <dgm:extLst>
+    <a:ext uri="http://schemas.microsoft.com/office/drawing/2008/diagram">
+      <dsp:dataModelExt xmlns:dsp="http://schemas.microsoft.com/office/drawing/2008/diagram" relId="rId6" minVer="http://schemas.openxmlformats.org/drawingml/2006/diagram"/>
+    </a:ext>
+  </dgm:extLst>
+</dgm:dataModel>
+</file>
+
+<file path=ppt/diagrams/data2.xml><?xml version="1.0" encoding="utf-8"?>
+<dgm:dataModel xmlns:dgm="http://schemas.openxmlformats.org/drawingml/2006/diagram" xmlns:a="http://schemas.openxmlformats.org/drawingml/2006/main">
+  <dgm:ptLst>
+    <dgm:pt modelId="{EE67F5D5-1855-49D5-B57A-99BA2859DF2B}" type="doc">
+      <dgm:prSet loTypeId="urn:microsoft.com/office/officeart/2005/8/layout/process1" loCatId="process" qsTypeId="urn:microsoft.com/office/officeart/2005/8/quickstyle/simple1" qsCatId="simple" csTypeId="urn:microsoft.com/office/officeart/2005/8/colors/colorful1" csCatId="colorful" phldr="1"/>
+      <dgm:spPr/>
+    </dgm:pt>
+    <dgm:pt modelId="{AAE4793F-5333-4BC1-9658-B5FFE29CB831}">
+      <dgm:prSet phldrT="[文本]" custT="1"/>
+      <dgm:spPr/>
+      <dgm:t>
+        <a:bodyPr/>
+        <a:lstStyle/>
+        <a:p>
+          <a:r>
+            <a:rPr lang="zh-CN" altLang="en-US" sz="1600" dirty="0" smtClean="0"/>
+            <a:t>原始数据文件</a:t>
+          </a:r>
+          <a:endParaRPr lang="zh-CN" altLang="en-US" sz="1600" dirty="0"/>
+        </a:p>
+      </dgm:t>
+    </dgm:pt>
+    <dgm:pt modelId="{556CF56F-CDBC-4D28-8129-246ED18019C1}" type="parTrans" cxnId="{BB3A0E0E-981E-4DA8-B8BC-F8351A538325}">
+      <dgm:prSet/>
+      <dgm:spPr/>
+      <dgm:t>
+        <a:bodyPr/>
+        <a:lstStyle/>
+        <a:p>
+          <a:endParaRPr lang="zh-CN" altLang="en-US"/>
+        </a:p>
+      </dgm:t>
+    </dgm:pt>
+    <dgm:pt modelId="{E9C6E5BC-3424-46F7-8E66-430119E46521}" type="sibTrans" cxnId="{BB3A0E0E-981E-4DA8-B8BC-F8351A538325}">
+      <dgm:prSet/>
+      <dgm:spPr/>
+      <dgm:t>
+        <a:bodyPr/>
+        <a:lstStyle/>
+        <a:p>
+          <a:endParaRPr lang="zh-CN" altLang="en-US"/>
+        </a:p>
+      </dgm:t>
+    </dgm:pt>
+    <dgm:pt modelId="{34504A1C-2C9E-4110-BE3F-C27CA6268AEB}">
+      <dgm:prSet phldrT="[文本]"/>
+      <dgm:spPr/>
+      <dgm:t>
+        <a:bodyPr/>
+        <a:lstStyle/>
+        <a:p>
+          <a:r>
+            <a:rPr lang="en-US" altLang="zh-CN" dirty="0" smtClean="0"/>
+            <a:t>MetaDeco</a:t>
+          </a:r>
+          <a:endParaRPr lang="zh-CN" altLang="en-US" dirty="0"/>
+        </a:p>
+      </dgm:t>
+    </dgm:pt>
+    <dgm:pt modelId="{90A7EF17-ABF8-4114-BA28-76A003D7B9D7}" type="parTrans" cxnId="{8B5D87D3-8A4A-40FB-9070-0E54DDEEFF08}">
+      <dgm:prSet/>
+      <dgm:spPr/>
+      <dgm:t>
+        <a:bodyPr/>
+        <a:lstStyle/>
+        <a:p>
+          <a:endParaRPr lang="zh-CN" altLang="en-US"/>
+        </a:p>
+      </dgm:t>
+    </dgm:pt>
+    <dgm:pt modelId="{71CE609A-BEBC-4930-A08B-03CB7878AEEB}" type="sibTrans" cxnId="{8B5D87D3-8A4A-40FB-9070-0E54DDEEFF08}">
+      <dgm:prSet/>
+      <dgm:spPr/>
+      <dgm:t>
+        <a:bodyPr/>
+        <a:lstStyle/>
+        <a:p>
+          <a:endParaRPr lang="zh-CN" altLang="en-US"/>
+        </a:p>
+      </dgm:t>
+    </dgm:pt>
+    <dgm:pt modelId="{0422C9DD-CE98-4E05-9213-F8890B76F5A8}">
+      <dgm:prSet phldrT="[文本]"/>
+      <dgm:spPr/>
+      <dgm:t>
+        <a:bodyPr/>
+        <a:lstStyle/>
+        <a:p>
+          <a:r>
+            <a:rPr lang="zh-CN" altLang="en-US" dirty="0" smtClean="0"/>
+            <a:t>代谢物表达量数字矩阵</a:t>
+          </a:r>
+          <a:endParaRPr lang="zh-CN" altLang="en-US" dirty="0"/>
+        </a:p>
+      </dgm:t>
+    </dgm:pt>
+    <dgm:pt modelId="{3EF575D7-45C7-45B6-8F8A-F0329392DECC}" type="parTrans" cxnId="{FA265DF3-5731-45CC-89D2-7289FB858C4D}">
+      <dgm:prSet/>
+      <dgm:spPr/>
+      <dgm:t>
+        <a:bodyPr/>
+        <a:lstStyle/>
+        <a:p>
+          <a:endParaRPr lang="zh-CN" altLang="en-US"/>
+        </a:p>
+      </dgm:t>
+    </dgm:pt>
+    <dgm:pt modelId="{34DF7C1C-F39D-403F-A9DF-78BC2C3EAE6D}" type="sibTrans" cxnId="{FA265DF3-5731-45CC-89D2-7289FB858C4D}">
+      <dgm:prSet/>
+      <dgm:spPr/>
+      <dgm:t>
+        <a:bodyPr/>
+        <a:lstStyle/>
+        <a:p>
+          <a:endParaRPr lang="zh-CN" altLang="en-US"/>
+        </a:p>
+      </dgm:t>
+    </dgm:pt>
+    <dgm:pt modelId="{21E8B9E5-6B40-48E7-9B47-DCEC4B303D4D}" type="pres">
+      <dgm:prSet presAssocID="{EE67F5D5-1855-49D5-B57A-99BA2859DF2B}" presName="Name0" presStyleCnt="0">
+        <dgm:presLayoutVars>
+          <dgm:dir/>
+          <dgm:resizeHandles val="exact"/>
+        </dgm:presLayoutVars>
+      </dgm:prSet>
+      <dgm:spPr/>
+    </dgm:pt>
+    <dgm:pt modelId="{369F43C4-17E8-49A6-B992-09039DF8D377}" type="pres">
+      <dgm:prSet presAssocID="{AAE4793F-5333-4BC1-9658-B5FFE29CB831}" presName="node" presStyleLbl="node1" presStyleIdx="0" presStyleCnt="3">
+        <dgm:presLayoutVars>
+          <dgm:bulletEnabled val="1"/>
+        </dgm:presLayoutVars>
+      </dgm:prSet>
+      <dgm:spPr>
+        <a:prstGeom prst="flowChartMultidocument">
+          <a:avLst/>
+        </a:prstGeom>
+      </dgm:spPr>
+    </dgm:pt>
+    <dgm:pt modelId="{81D6F660-69E1-4126-A853-4A3347D47885}" type="pres">
+      <dgm:prSet presAssocID="{E9C6E5BC-3424-46F7-8E66-430119E46521}" presName="sibTrans" presStyleLbl="sibTrans2D1" presStyleIdx="0" presStyleCnt="2"/>
+      <dgm:spPr/>
+    </dgm:pt>
+    <dgm:pt modelId="{1A5710E8-7AD1-4F01-B880-A093ED35451C}" type="pres">
+      <dgm:prSet presAssocID="{E9C6E5BC-3424-46F7-8E66-430119E46521}" presName="connectorText" presStyleLbl="sibTrans2D1" presStyleIdx="0" presStyleCnt="2"/>
+      <dgm:spPr/>
+    </dgm:pt>
+    <dgm:pt modelId="{B2111C57-60D2-47B7-A7DD-B0954878EC16}" type="pres">
+      <dgm:prSet presAssocID="{34504A1C-2C9E-4110-BE3F-C27CA6268AEB}" presName="node" presStyleLbl="node1" presStyleIdx="1" presStyleCnt="3">
+        <dgm:presLayoutVars>
+          <dgm:bulletEnabled val="1"/>
+        </dgm:presLayoutVars>
+      </dgm:prSet>
+      <dgm:spPr/>
+    </dgm:pt>
+    <dgm:pt modelId="{6E1FA275-E089-4A32-A8D8-E8CD684EE2B2}" type="pres">
+      <dgm:prSet presAssocID="{71CE609A-BEBC-4930-A08B-03CB7878AEEB}" presName="sibTrans" presStyleLbl="sibTrans2D1" presStyleIdx="1" presStyleCnt="2"/>
+      <dgm:spPr/>
+    </dgm:pt>
+    <dgm:pt modelId="{91070796-B935-4A0F-AE78-D905386CB67C}" type="pres">
+      <dgm:prSet presAssocID="{71CE609A-BEBC-4930-A08B-03CB7878AEEB}" presName="connectorText" presStyleLbl="sibTrans2D1" presStyleIdx="1" presStyleCnt="2"/>
+      <dgm:spPr/>
+    </dgm:pt>
+    <dgm:pt modelId="{787D1A9B-1BD0-4387-9A86-86771D0A4BC6}" type="pres">
+      <dgm:prSet presAssocID="{0422C9DD-CE98-4E05-9213-F8890B76F5A8}" presName="node" presStyleLbl="node1" presStyleIdx="2" presStyleCnt="3">
+        <dgm:presLayoutVars>
+          <dgm:bulletEnabled val="1"/>
+        </dgm:presLayoutVars>
+      </dgm:prSet>
+      <dgm:spPr/>
+    </dgm:pt>
+  </dgm:ptLst>
+  <dgm:cxnLst>
+    <dgm:cxn modelId="{21F75D9B-2A9D-45AD-9429-CBB5042B552E}" type="presOf" srcId="{34504A1C-2C9E-4110-BE3F-C27CA6268AEB}" destId="{B2111C57-60D2-47B7-A7DD-B0954878EC16}" srcOrd="0" destOrd="0" presId="urn:microsoft.com/office/officeart/2005/8/layout/process1"/>
+    <dgm:cxn modelId="{95E6D13A-FC28-46E2-B283-70D85A16866C}" type="presOf" srcId="{71CE609A-BEBC-4930-A08B-03CB7878AEEB}" destId="{6E1FA275-E089-4A32-A8D8-E8CD684EE2B2}" srcOrd="0" destOrd="0" presId="urn:microsoft.com/office/officeart/2005/8/layout/process1"/>
+    <dgm:cxn modelId="{BB3A0E0E-981E-4DA8-B8BC-F8351A538325}" srcId="{EE67F5D5-1855-49D5-B57A-99BA2859DF2B}" destId="{AAE4793F-5333-4BC1-9658-B5FFE29CB831}" srcOrd="0" destOrd="0" parTransId="{556CF56F-CDBC-4D28-8129-246ED18019C1}" sibTransId="{E9C6E5BC-3424-46F7-8E66-430119E46521}"/>
+    <dgm:cxn modelId="{8B5D87D3-8A4A-40FB-9070-0E54DDEEFF08}" srcId="{EE67F5D5-1855-49D5-B57A-99BA2859DF2B}" destId="{34504A1C-2C9E-4110-BE3F-C27CA6268AEB}" srcOrd="1" destOrd="0" parTransId="{90A7EF17-ABF8-4114-BA28-76A003D7B9D7}" sibTransId="{71CE609A-BEBC-4930-A08B-03CB7878AEEB}"/>
+    <dgm:cxn modelId="{C042269D-F84F-46C2-B498-9C6DEDE7FE2A}" type="presOf" srcId="{0422C9DD-CE98-4E05-9213-F8890B76F5A8}" destId="{787D1A9B-1BD0-4387-9A86-86771D0A4BC6}" srcOrd="0" destOrd="0" presId="urn:microsoft.com/office/officeart/2005/8/layout/process1"/>
+    <dgm:cxn modelId="{40FD8B23-E86E-4985-BCEC-79F203E57F95}" type="presOf" srcId="{AAE4793F-5333-4BC1-9658-B5FFE29CB831}" destId="{369F43C4-17E8-49A6-B992-09039DF8D377}" srcOrd="0" destOrd="0" presId="urn:microsoft.com/office/officeart/2005/8/layout/process1"/>
+    <dgm:cxn modelId="{FA265DF3-5731-45CC-89D2-7289FB858C4D}" srcId="{EE67F5D5-1855-49D5-B57A-99BA2859DF2B}" destId="{0422C9DD-CE98-4E05-9213-F8890B76F5A8}" srcOrd="2" destOrd="0" parTransId="{3EF575D7-45C7-45B6-8F8A-F0329392DECC}" sibTransId="{34DF7C1C-F39D-403F-A9DF-78BC2C3EAE6D}"/>
+    <dgm:cxn modelId="{19565BC6-8E50-4FA7-B270-C870A86F1BCF}" type="presOf" srcId="{EE67F5D5-1855-49D5-B57A-99BA2859DF2B}" destId="{21E8B9E5-6B40-48E7-9B47-DCEC4B303D4D}" srcOrd="0" destOrd="0" presId="urn:microsoft.com/office/officeart/2005/8/layout/process1"/>
+    <dgm:cxn modelId="{89E23012-817E-4BE4-9B33-0C3F3F7101DE}" type="presOf" srcId="{E9C6E5BC-3424-46F7-8E66-430119E46521}" destId="{81D6F660-69E1-4126-A853-4A3347D47885}" srcOrd="0" destOrd="0" presId="urn:microsoft.com/office/officeart/2005/8/layout/process1"/>
+    <dgm:cxn modelId="{DD254A7A-CFFE-4A8A-B79D-4AD68D9AA5C2}" type="presOf" srcId="{E9C6E5BC-3424-46F7-8E66-430119E46521}" destId="{1A5710E8-7AD1-4F01-B880-A093ED35451C}" srcOrd="1" destOrd="0" presId="urn:microsoft.com/office/officeart/2005/8/layout/process1"/>
+    <dgm:cxn modelId="{D57E59C0-614E-4D01-8997-F6E0BD348A98}" type="presOf" srcId="{71CE609A-BEBC-4930-A08B-03CB7878AEEB}" destId="{91070796-B935-4A0F-AE78-D905386CB67C}" srcOrd="1" destOrd="0" presId="urn:microsoft.com/office/officeart/2005/8/layout/process1"/>
+    <dgm:cxn modelId="{58A78792-722A-4473-9EA2-856B3A16810D}" type="presParOf" srcId="{21E8B9E5-6B40-48E7-9B47-DCEC4B303D4D}" destId="{369F43C4-17E8-49A6-B992-09039DF8D377}" srcOrd="0" destOrd="0" presId="urn:microsoft.com/office/officeart/2005/8/layout/process1"/>
+    <dgm:cxn modelId="{9B2E8521-EC27-4CE7-AE73-AB8D8D08AB74}" type="presParOf" srcId="{21E8B9E5-6B40-48E7-9B47-DCEC4B303D4D}" destId="{81D6F660-69E1-4126-A853-4A3347D47885}" srcOrd="1" destOrd="0" presId="urn:microsoft.com/office/officeart/2005/8/layout/process1"/>
+    <dgm:cxn modelId="{2868B532-576B-4561-AE4A-9B801F044814}" type="presParOf" srcId="{81D6F660-69E1-4126-A853-4A3347D47885}" destId="{1A5710E8-7AD1-4F01-B880-A093ED35451C}" srcOrd="0" destOrd="0" presId="urn:microsoft.com/office/officeart/2005/8/layout/process1"/>
+    <dgm:cxn modelId="{BB6B70F0-D91F-49F8-BD41-DC549FE493FA}" type="presParOf" srcId="{21E8B9E5-6B40-48E7-9B47-DCEC4B303D4D}" destId="{B2111C57-60D2-47B7-A7DD-B0954878EC16}" srcOrd="2" destOrd="0" presId="urn:microsoft.com/office/officeart/2005/8/layout/process1"/>
+    <dgm:cxn modelId="{B93F2C09-86CF-45DF-AAE9-00E27DDD17E0}" type="presParOf" srcId="{21E8B9E5-6B40-48E7-9B47-DCEC4B303D4D}" destId="{6E1FA275-E089-4A32-A8D8-E8CD684EE2B2}" srcOrd="3" destOrd="0" presId="urn:microsoft.com/office/officeart/2005/8/layout/process1"/>
+    <dgm:cxn modelId="{13FB67BE-B8E3-4640-A636-E62FA8C0D182}" type="presParOf" srcId="{6E1FA275-E089-4A32-A8D8-E8CD684EE2B2}" destId="{91070796-B935-4A0F-AE78-D905386CB67C}" srcOrd="0" destOrd="0" presId="urn:microsoft.com/office/officeart/2005/8/layout/process1"/>
+    <dgm:cxn modelId="{4CC40B6B-60DE-46F9-BAB4-EF7E62354EC8}" type="presParOf" srcId="{21E8B9E5-6B40-48E7-9B47-DCEC4B303D4D}" destId="{787D1A9B-1BD0-4387-9A86-86771D0A4BC6}" srcOrd="4" destOrd="0" presId="urn:microsoft.com/office/officeart/2005/8/layout/process1"/>
+  </dgm:cxnLst>
+  <dgm:bg/>
+  <dgm:whole/>
+  <dgm:extLst>
+    <a:ext uri="http://schemas.microsoft.com/office/drawing/2008/diagram">
+      <dsp:dataModelExt xmlns:dsp="http://schemas.microsoft.com/office/drawing/2008/diagram" relId="rId6" minVer="http://schemas.openxmlformats.org/drawingml/2006/diagram"/>
+    </a:ext>
+  </dgm:extLst>
+</dgm:dataModel>
+</file>
+
+<file path=ppt/diagrams/drawing1.xml><?xml version="1.0" encoding="utf-8"?>
+<dsp:drawing xmlns:dgm="http://schemas.openxmlformats.org/drawingml/2006/diagram" xmlns:dsp="http://schemas.microsoft.com/office/drawing/2008/diagram" xmlns:a="http://schemas.openxmlformats.org/drawingml/2006/main">
+  <dsp:spTree>
+    <dsp:nvGrpSpPr>
+      <dsp:cNvPr id="0" name=""/>
+      <dsp:cNvGrpSpPr/>
+    </dsp:nvGrpSpPr>
+    <dsp:grpSpPr/>
+    <dsp:sp modelId="{BDE7F83A-790A-4177-87BB-236521E971E9}">
+      <dsp:nvSpPr>
+        <dsp:cNvPr id="0" name=""/>
+        <dsp:cNvSpPr/>
+      </dsp:nvSpPr>
+      <dsp:spPr>
+        <a:xfrm>
+          <a:off x="1641097" y="1406"/>
+          <a:ext cx="1374278" cy="1374278"/>
+        </a:xfrm>
+        <a:prstGeom prst="ellipse">
+          <a:avLst/>
+        </a:prstGeom>
+        <a:gradFill rotWithShape="0">
+          <a:gsLst>
+            <a:gs pos="0">
+              <a:schemeClr val="accent2">
+                <a:hueOff val="0"/>
+                <a:satOff val="0"/>
+                <a:lumOff val="0"/>
+                <a:alphaOff val="0"/>
+                <a:shade val="51000"/>
+                <a:satMod val="130000"/>
+              </a:schemeClr>
+            </a:gs>
+            <a:gs pos="80000">
+              <a:schemeClr val="accent2">
+                <a:hueOff val="0"/>
+                <a:satOff val="0"/>
+                <a:lumOff val="0"/>
+                <a:alphaOff val="0"/>
+                <a:shade val="93000"/>
+                <a:satMod val="130000"/>
+              </a:schemeClr>
+            </a:gs>
+            <a:gs pos="100000">
+              <a:schemeClr val="accent2">
+                <a:hueOff val="0"/>
+                <a:satOff val="0"/>
+                <a:lumOff val="0"/>
+                <a:alphaOff val="0"/>
+                <a:shade val="94000"/>
+                <a:satMod val="135000"/>
+              </a:schemeClr>
+            </a:gs>
+          </a:gsLst>
+          <a:lin ang="16200000" scaled="0"/>
+        </a:gradFill>
+        <a:ln>
+          <a:noFill/>
+        </a:ln>
+        <a:effectLst>
+          <a:outerShdw blurRad="40000" dist="23000" dir="5400000" rotWithShape="0">
+            <a:srgbClr val="000000">
+              <a:alpha val="35000"/>
+            </a:srgbClr>
+          </a:outerShdw>
+        </a:effectLst>
+      </dsp:spPr>
+      <dsp:style>
+        <a:lnRef idx="0">
+          <a:scrgbClr r="0" g="0" b="0"/>
+        </a:lnRef>
+        <a:fillRef idx="3">
+          <a:scrgbClr r="0" g="0" b="0"/>
+        </a:fillRef>
+        <a:effectRef idx="2">
+          <a:scrgbClr r="0" g="0" b="0"/>
+        </a:effectRef>
+        <a:fontRef idx="minor">
+          <a:schemeClr val="lt1"/>
+        </a:fontRef>
+      </dsp:style>
+      <dsp:txBody>
+        <a:bodyPr spcFirstLastPara="0" vert="horz" wrap="square" lIns="15240" tIns="15240" rIns="15240" bIns="15240" numCol="1" spcCol="1270" anchor="ctr" anchorCtr="0">
+          <a:noAutofit/>
+        </a:bodyPr>
+        <a:lstStyle/>
+        <a:p>
+          <a:pPr lvl="0" algn="ctr" defTabSz="533400">
+            <a:lnSpc>
+              <a:spcPct val="90000"/>
+            </a:lnSpc>
+            <a:spcBef>
+              <a:spcPct val="0"/>
+            </a:spcBef>
+            <a:spcAft>
+              <a:spcPct val="35000"/>
+            </a:spcAft>
+          </a:pPr>
+          <a:endParaRPr lang="en-US" altLang="zh-CN" sz="1200" kern="1200" dirty="0" smtClean="0"/>
+        </a:p>
+        <a:p>
+          <a:pPr lvl="0" algn="ctr" defTabSz="533400">
+            <a:lnSpc>
+              <a:spcPct val="90000"/>
+            </a:lnSpc>
+            <a:spcBef>
+              <a:spcPct val="0"/>
+            </a:spcBef>
+            <a:spcAft>
+              <a:spcPct val="35000"/>
+            </a:spcAft>
+          </a:pPr>
+          <a:r>
+            <a:rPr lang="zh-CN" altLang="en-US" sz="1200" kern="1200" dirty="0" smtClean="0"/>
+            <a:t>一级解卷积</a:t>
+          </a:r>
+          <a:endParaRPr lang="en-US" altLang="zh-CN" sz="1200" kern="1200" dirty="0" smtClean="0"/>
+        </a:p>
+        <a:p>
+          <a:pPr lvl="0" algn="ctr" defTabSz="533400">
+            <a:lnSpc>
+              <a:spcPct val="90000"/>
+            </a:lnSpc>
+            <a:spcBef>
+              <a:spcPct val="0"/>
+            </a:spcBef>
+            <a:spcAft>
+              <a:spcPct val="35000"/>
+            </a:spcAft>
+          </a:pPr>
+          <a:r>
+            <a:rPr lang="en-US" altLang="zh-CN" sz="1200" kern="1200" dirty="0" smtClean="0"/>
+            <a:t>(</a:t>
+          </a:r>
+          <a:r>
+            <a:rPr lang="zh-CN" altLang="en-US" sz="1200" kern="1200" dirty="0" smtClean="0"/>
+            <a:t>适用于</a:t>
+          </a:r>
+          <a:r>
+            <a:rPr lang="en-US" altLang="zh-CN" sz="1200" kern="1200" dirty="0" smtClean="0"/>
+            <a:t>LCMS</a:t>
+          </a:r>
+          <a:r>
+            <a:rPr lang="zh-CN" altLang="en-US" sz="1200" kern="1200" dirty="0" smtClean="0"/>
+            <a:t>与</a:t>
+          </a:r>
+          <a:r>
+            <a:rPr lang="en-US" altLang="zh-CN" sz="1200" kern="1200" dirty="0" smtClean="0"/>
+            <a:t>GCMS)</a:t>
+          </a:r>
+          <a:endParaRPr lang="zh-CN" altLang="en-US" sz="1200" kern="1200" dirty="0"/>
+        </a:p>
+      </dsp:txBody>
+      <dsp:txXfrm>
+        <a:off x="1842355" y="202664"/>
+        <a:ext cx="971762" cy="971762"/>
+      </dsp:txXfrm>
+    </dsp:sp>
+    <dsp:sp modelId="{9778900A-D095-4BBC-B264-841EB8F979D3}">
+      <dsp:nvSpPr>
+        <dsp:cNvPr id="0" name=""/>
+        <dsp:cNvSpPr/>
+      </dsp:nvSpPr>
+      <dsp:spPr>
+        <a:xfrm>
+          <a:off x="1929696" y="1487277"/>
+          <a:ext cx="797081" cy="797081"/>
+        </a:xfrm>
+        <a:prstGeom prst="mathPlus">
+          <a:avLst/>
+        </a:prstGeom>
+        <a:gradFill rotWithShape="0">
+          <a:gsLst>
+            <a:gs pos="0">
+              <a:schemeClr val="accent2">
+                <a:hueOff val="0"/>
+                <a:satOff val="0"/>
+                <a:lumOff val="0"/>
+                <a:alphaOff val="0"/>
+                <a:shade val="51000"/>
+                <a:satMod val="130000"/>
+              </a:schemeClr>
+            </a:gs>
+            <a:gs pos="80000">
+              <a:schemeClr val="accent2">
+                <a:hueOff val="0"/>
+                <a:satOff val="0"/>
+                <a:lumOff val="0"/>
+                <a:alphaOff val="0"/>
+                <a:shade val="93000"/>
+                <a:satMod val="130000"/>
+              </a:schemeClr>
+            </a:gs>
+            <a:gs pos="100000">
+              <a:schemeClr val="accent2">
+                <a:hueOff val="0"/>
+                <a:satOff val="0"/>
+                <a:lumOff val="0"/>
+                <a:alphaOff val="0"/>
+                <a:shade val="94000"/>
+                <a:satMod val="135000"/>
+              </a:schemeClr>
+            </a:gs>
+          </a:gsLst>
+          <a:lin ang="16200000" scaled="0"/>
+        </a:gradFill>
+        <a:ln>
+          <a:noFill/>
+        </a:ln>
+        <a:effectLst>
+          <a:outerShdw blurRad="40000" dist="23000" dir="5400000" rotWithShape="0">
+            <a:srgbClr val="000000">
+              <a:alpha val="35000"/>
+            </a:srgbClr>
+          </a:outerShdw>
+        </a:effectLst>
+      </dsp:spPr>
+      <dsp:style>
+        <a:lnRef idx="0">
+          <a:scrgbClr r="0" g="0" b="0"/>
+        </a:lnRef>
+        <a:fillRef idx="3">
+          <a:scrgbClr r="0" g="0" b="0"/>
+        </a:fillRef>
+        <a:effectRef idx="2">
+          <a:scrgbClr r="0" g="0" b="0"/>
+        </a:effectRef>
+        <a:fontRef idx="minor">
+          <a:schemeClr val="lt1"/>
+        </a:fontRef>
+      </dsp:style>
+      <dsp:txBody>
+        <a:bodyPr spcFirstLastPara="0" vert="horz" wrap="square" lIns="0" tIns="0" rIns="0" bIns="0" numCol="1" spcCol="1270" anchor="ctr" anchorCtr="0">
+          <a:noAutofit/>
+        </a:bodyPr>
+        <a:lstStyle/>
+        <a:p>
+          <a:pPr lvl="0" algn="ctr" defTabSz="577850">
+            <a:lnSpc>
+              <a:spcPct val="90000"/>
+            </a:lnSpc>
+            <a:spcBef>
+              <a:spcPct val="0"/>
+            </a:spcBef>
+            <a:spcAft>
+              <a:spcPct val="35000"/>
+            </a:spcAft>
+          </a:pPr>
+          <a:endParaRPr lang="zh-CN" altLang="en-US" sz="1300" kern="1200"/>
+        </a:p>
+      </dsp:txBody>
+      <dsp:txXfrm>
+        <a:off x="2035349" y="1792081"/>
+        <a:ext cx="585775" cy="187473"/>
+      </dsp:txXfrm>
+    </dsp:sp>
+    <dsp:sp modelId="{BB6E929B-392D-4EC2-8642-8DB071311829}">
+      <dsp:nvSpPr>
+        <dsp:cNvPr id="0" name=""/>
+        <dsp:cNvSpPr/>
+      </dsp:nvSpPr>
+      <dsp:spPr>
+        <a:xfrm>
+          <a:off x="1641097" y="2395950"/>
+          <a:ext cx="1374278" cy="1374278"/>
+        </a:xfrm>
+        <a:prstGeom prst="ellipse">
+          <a:avLst/>
+        </a:prstGeom>
+        <a:gradFill rotWithShape="0">
+          <a:gsLst>
+            <a:gs pos="0">
+              <a:schemeClr val="accent3">
+                <a:hueOff val="0"/>
+                <a:satOff val="0"/>
+                <a:lumOff val="0"/>
+                <a:alphaOff val="0"/>
+                <a:shade val="51000"/>
+                <a:satMod val="130000"/>
+              </a:schemeClr>
+            </a:gs>
+            <a:gs pos="80000">
+              <a:schemeClr val="accent3">
+                <a:hueOff val="0"/>
+                <a:satOff val="0"/>
+                <a:lumOff val="0"/>
+                <a:alphaOff val="0"/>
+                <a:shade val="93000"/>
+                <a:satMod val="130000"/>
+              </a:schemeClr>
+            </a:gs>
+            <a:gs pos="100000">
+              <a:schemeClr val="accent3">
+                <a:hueOff val="0"/>
+                <a:satOff val="0"/>
+                <a:lumOff val="0"/>
+                <a:alphaOff val="0"/>
+                <a:shade val="94000"/>
+                <a:satMod val="135000"/>
+              </a:schemeClr>
+            </a:gs>
+          </a:gsLst>
+          <a:lin ang="16200000" scaled="0"/>
+        </a:gradFill>
+        <a:ln>
+          <a:noFill/>
+        </a:ln>
+        <a:effectLst>
+          <a:outerShdw blurRad="40000" dist="23000" dir="5400000" rotWithShape="0">
+            <a:srgbClr val="000000">
+              <a:alpha val="35000"/>
+            </a:srgbClr>
+          </a:outerShdw>
+        </a:effectLst>
+      </dsp:spPr>
+      <dsp:style>
+        <a:lnRef idx="0">
+          <a:scrgbClr r="0" g="0" b="0"/>
+        </a:lnRef>
+        <a:fillRef idx="3">
+          <a:scrgbClr r="0" g="0" b="0"/>
+        </a:fillRef>
+        <a:effectRef idx="2">
+          <a:scrgbClr r="0" g="0" b="0"/>
+        </a:effectRef>
+        <a:fontRef idx="minor">
+          <a:schemeClr val="lt1"/>
+        </a:fontRef>
+      </dsp:style>
+      <dsp:txBody>
+        <a:bodyPr spcFirstLastPara="0" vert="horz" wrap="square" lIns="15240" tIns="15240" rIns="15240" bIns="15240" numCol="1" spcCol="1270" anchor="ctr" anchorCtr="0">
+          <a:noAutofit/>
+        </a:bodyPr>
+        <a:lstStyle/>
+        <a:p>
+          <a:pPr lvl="0" algn="ctr" defTabSz="533400">
+            <a:lnSpc>
+              <a:spcPct val="90000"/>
+            </a:lnSpc>
+            <a:spcBef>
+              <a:spcPct val="0"/>
+            </a:spcBef>
+            <a:spcAft>
+              <a:spcPct val="35000"/>
+            </a:spcAft>
+          </a:pPr>
+          <a:r>
+            <a:rPr lang="zh-CN" altLang="en-US" sz="1200" kern="1200" dirty="0" smtClean="0"/>
+            <a:t>二级小分子物质鉴定</a:t>
+          </a:r>
+          <a:endParaRPr lang="en-US" altLang="zh-CN" sz="1200" kern="1200" dirty="0" smtClean="0"/>
+        </a:p>
+        <a:p>
+          <a:pPr lvl="0" algn="ctr" defTabSz="533400">
+            <a:lnSpc>
+              <a:spcPct val="90000"/>
+            </a:lnSpc>
+            <a:spcBef>
+              <a:spcPct val="0"/>
+            </a:spcBef>
+            <a:spcAft>
+              <a:spcPct val="35000"/>
+            </a:spcAft>
+          </a:pPr>
+          <a:r>
+            <a:rPr lang="en-US" altLang="zh-CN" sz="1200" kern="1200" dirty="0" smtClean="0"/>
+            <a:t>(</a:t>
+          </a:r>
+          <a:r>
+            <a:rPr lang="zh-CN" altLang="en-US" sz="1200" kern="1200" dirty="0" smtClean="0"/>
+            <a:t>适用于</a:t>
+          </a:r>
+          <a:r>
+            <a:rPr lang="en-US" altLang="zh-CN" sz="1200" kern="1200" dirty="0" smtClean="0"/>
+            <a:t>LCMS)</a:t>
+          </a:r>
+          <a:endParaRPr lang="zh-CN" altLang="en-US" sz="1200" kern="1200" dirty="0"/>
+        </a:p>
+      </dsp:txBody>
+      <dsp:txXfrm>
+        <a:off x="1842355" y="2597208"/>
+        <a:ext cx="971762" cy="971762"/>
+      </dsp:txXfrm>
+    </dsp:sp>
+    <dsp:sp modelId="{F385FBA6-2B43-4B0F-9D07-1D257D1C3AEE}">
+      <dsp:nvSpPr>
+        <dsp:cNvPr id="0" name=""/>
+        <dsp:cNvSpPr/>
+      </dsp:nvSpPr>
+      <dsp:spPr>
+        <a:xfrm>
+          <a:off x="3221518" y="1630202"/>
+          <a:ext cx="437020" cy="511231"/>
+        </a:xfrm>
+        <a:prstGeom prst="rightArrow">
+          <a:avLst>
+            <a:gd name="adj1" fmla="val 60000"/>
+            <a:gd name="adj2" fmla="val 50000"/>
+          </a:avLst>
+        </a:prstGeom>
+        <a:gradFill rotWithShape="0">
+          <a:gsLst>
+            <a:gs pos="0">
+              <a:schemeClr val="accent3">
+                <a:hueOff val="0"/>
+                <a:satOff val="0"/>
+                <a:lumOff val="0"/>
+                <a:alphaOff val="0"/>
+                <a:shade val="51000"/>
+                <a:satMod val="130000"/>
+              </a:schemeClr>
+            </a:gs>
+            <a:gs pos="80000">
+              <a:schemeClr val="accent3">
+                <a:hueOff val="0"/>
+                <a:satOff val="0"/>
+                <a:lumOff val="0"/>
+                <a:alphaOff val="0"/>
+                <a:shade val="93000"/>
+                <a:satMod val="130000"/>
+              </a:schemeClr>
+            </a:gs>
+            <a:gs pos="100000">
+              <a:schemeClr val="accent3">
+                <a:hueOff val="0"/>
+                <a:satOff val="0"/>
+                <a:lumOff val="0"/>
+                <a:alphaOff val="0"/>
+                <a:shade val="94000"/>
+                <a:satMod val="135000"/>
+              </a:schemeClr>
+            </a:gs>
+          </a:gsLst>
+          <a:lin ang="16200000" scaled="0"/>
+        </a:gradFill>
+        <a:ln>
+          <a:noFill/>
+        </a:ln>
+        <a:effectLst>
+          <a:outerShdw blurRad="40000" dist="23000" dir="5400000" rotWithShape="0">
+            <a:srgbClr val="000000">
+              <a:alpha val="35000"/>
+            </a:srgbClr>
+          </a:outerShdw>
+        </a:effectLst>
+      </dsp:spPr>
+      <dsp:style>
+        <a:lnRef idx="0">
+          <a:scrgbClr r="0" g="0" b="0"/>
+        </a:lnRef>
+        <a:fillRef idx="3">
+          <a:scrgbClr r="0" g="0" b="0"/>
+        </a:fillRef>
+        <a:effectRef idx="2">
+          <a:scrgbClr r="0" g="0" b="0"/>
+        </a:effectRef>
+        <a:fontRef idx="minor">
+          <a:schemeClr val="lt1"/>
+        </a:fontRef>
+      </dsp:style>
+      <dsp:txBody>
+        <a:bodyPr spcFirstLastPara="0" vert="horz" wrap="square" lIns="0" tIns="0" rIns="0" bIns="0" numCol="1" spcCol="1270" anchor="ctr" anchorCtr="0">
+          <a:noAutofit/>
+        </a:bodyPr>
+        <a:lstStyle/>
+        <a:p>
+          <a:pPr lvl="0" algn="ctr" defTabSz="933450">
+            <a:lnSpc>
+              <a:spcPct val="90000"/>
+            </a:lnSpc>
+            <a:spcBef>
+              <a:spcPct val="0"/>
+            </a:spcBef>
+            <a:spcAft>
+              <a:spcPct val="35000"/>
+            </a:spcAft>
+          </a:pPr>
+          <a:endParaRPr lang="zh-CN" altLang="en-US" sz="2100" kern="1200"/>
+        </a:p>
+      </dsp:txBody>
+      <dsp:txXfrm>
+        <a:off x="3221518" y="1732448"/>
+        <a:ext cx="305914" cy="306739"/>
+      </dsp:txXfrm>
+    </dsp:sp>
+    <dsp:sp modelId="{3DF1263B-FC02-4B86-9315-B97DFB2AD61B}">
+      <dsp:nvSpPr>
+        <dsp:cNvPr id="0" name=""/>
+        <dsp:cNvSpPr/>
+      </dsp:nvSpPr>
+      <dsp:spPr>
+        <a:xfrm>
+          <a:off x="3839944" y="511539"/>
+          <a:ext cx="2748557" cy="2748557"/>
+        </a:xfrm>
+        <a:prstGeom prst="ellipse">
+          <a:avLst/>
+        </a:prstGeom>
+        <a:gradFill rotWithShape="0">
+          <a:gsLst>
+            <a:gs pos="0">
+              <a:schemeClr val="accent4">
+                <a:hueOff val="0"/>
+                <a:satOff val="0"/>
+                <a:lumOff val="0"/>
+                <a:alphaOff val="0"/>
+                <a:shade val="51000"/>
+                <a:satMod val="130000"/>
+              </a:schemeClr>
+            </a:gs>
+            <a:gs pos="80000">
+              <a:schemeClr val="accent4">
+                <a:hueOff val="0"/>
+                <a:satOff val="0"/>
+                <a:lumOff val="0"/>
+                <a:alphaOff val="0"/>
+                <a:shade val="93000"/>
+                <a:satMod val="130000"/>
+              </a:schemeClr>
+            </a:gs>
+            <a:gs pos="100000">
+              <a:schemeClr val="accent4">
+                <a:hueOff val="0"/>
+                <a:satOff val="0"/>
+                <a:lumOff val="0"/>
+                <a:alphaOff val="0"/>
+                <a:shade val="94000"/>
+                <a:satMod val="135000"/>
+              </a:schemeClr>
+            </a:gs>
+          </a:gsLst>
+          <a:lin ang="16200000" scaled="0"/>
+        </a:gradFill>
+        <a:ln>
+          <a:noFill/>
+        </a:ln>
+        <a:effectLst>
+          <a:outerShdw blurRad="40000" dist="23000" dir="5400000" rotWithShape="0">
+            <a:srgbClr val="000000">
+              <a:alpha val="35000"/>
+            </a:srgbClr>
+          </a:outerShdw>
+        </a:effectLst>
+      </dsp:spPr>
+      <dsp:style>
+        <a:lnRef idx="0">
+          <a:scrgbClr r="0" g="0" b="0"/>
+        </a:lnRef>
+        <a:fillRef idx="3">
+          <a:scrgbClr r="0" g="0" b="0"/>
+        </a:fillRef>
+        <a:effectRef idx="2">
+          <a:scrgbClr r="0" g="0" b="0"/>
+        </a:effectRef>
+        <a:fontRef idx="minor">
+          <a:schemeClr val="lt1"/>
+        </a:fontRef>
+      </dsp:style>
+      <dsp:txBody>
+        <a:bodyPr spcFirstLastPara="0" vert="horz" wrap="square" lIns="35560" tIns="35560" rIns="35560" bIns="35560" numCol="1" spcCol="1270" anchor="ctr" anchorCtr="0">
+          <a:noAutofit/>
+        </a:bodyPr>
+        <a:lstStyle/>
+        <a:p>
+          <a:pPr lvl="0" algn="ctr" defTabSz="1244600">
+            <a:lnSpc>
+              <a:spcPct val="90000"/>
+            </a:lnSpc>
+            <a:spcBef>
+              <a:spcPct val="0"/>
+            </a:spcBef>
+            <a:spcAft>
+              <a:spcPct val="35000"/>
+            </a:spcAft>
+          </a:pPr>
+          <a:endParaRPr lang="en-US" altLang="zh-CN" sz="2800" kern="1200" dirty="0" smtClean="0"/>
+        </a:p>
+        <a:p>
+          <a:pPr lvl="0" algn="ctr" defTabSz="1244600">
+            <a:lnSpc>
+              <a:spcPct val="90000"/>
+            </a:lnSpc>
+            <a:spcBef>
+              <a:spcPct val="0"/>
+            </a:spcBef>
+            <a:spcAft>
+              <a:spcPct val="35000"/>
+            </a:spcAft>
+          </a:pPr>
+          <a:r>
+            <a:rPr lang="zh-CN" altLang="en-US" sz="2800" kern="1200" dirty="0" smtClean="0"/>
+            <a:t>非靶向代谢组学多元统计分析</a:t>
+          </a:r>
+          <a:endParaRPr lang="zh-CN" altLang="en-US" sz="2800" kern="1200" dirty="0"/>
+        </a:p>
+      </dsp:txBody>
+      <dsp:txXfrm>
+        <a:off x="4242461" y="914056"/>
+        <a:ext cx="1943523" cy="1943523"/>
+      </dsp:txXfrm>
+    </dsp:sp>
+  </dsp:spTree>
+</dsp:drawing>
+</file>
+
+<file path=ppt/diagrams/drawing2.xml><?xml version="1.0" encoding="utf-8"?>
+<dsp:drawing xmlns:dgm="http://schemas.openxmlformats.org/drawingml/2006/diagram" xmlns:dsp="http://schemas.microsoft.com/office/drawing/2008/diagram" xmlns:a="http://schemas.openxmlformats.org/drawingml/2006/main">
+  <dsp:spTree>
+    <dsp:nvGrpSpPr>
+      <dsp:cNvPr id="0" name=""/>
+      <dsp:cNvGrpSpPr/>
+    </dsp:nvGrpSpPr>
+    <dsp:grpSpPr/>
+    <dsp:sp modelId="{369F43C4-17E8-49A6-B992-09039DF8D377}">
+      <dsp:nvSpPr>
+        <dsp:cNvPr id="0" name=""/>
+        <dsp:cNvSpPr/>
+      </dsp:nvSpPr>
+      <dsp:spPr>
+        <a:xfrm>
+          <a:off x="6328" y="1352728"/>
+          <a:ext cx="1891616" cy="1134969"/>
+        </a:xfrm>
+        <a:prstGeom prst="flowChartMultidocument">
+          <a:avLst/>
+        </a:prstGeom>
+        <a:solidFill>
+          <a:schemeClr val="accent2">
+            <a:hueOff val="0"/>
+            <a:satOff val="0"/>
+            <a:lumOff val="0"/>
+            <a:alphaOff val="0"/>
+          </a:schemeClr>
+        </a:solidFill>
+        <a:ln w="25400" cap="flat" cmpd="sng" algn="ctr">
+          <a:solidFill>
+            <a:schemeClr val="lt1">
+              <a:hueOff val="0"/>
+              <a:satOff val="0"/>
+              <a:lumOff val="0"/>
+              <a:alphaOff val="0"/>
+            </a:schemeClr>
+          </a:solidFill>
+          <a:prstDash val="solid"/>
+        </a:ln>
+        <a:effectLst/>
+      </dsp:spPr>
+      <dsp:style>
+        <a:lnRef idx="2">
+          <a:scrgbClr r="0" g="0" b="0"/>
+        </a:lnRef>
+        <a:fillRef idx="1">
+          <a:scrgbClr r="0" g="0" b="0"/>
+        </a:fillRef>
+        <a:effectRef idx="0">
+          <a:scrgbClr r="0" g="0" b="0"/>
+        </a:effectRef>
+        <a:fontRef idx="minor">
+          <a:schemeClr val="lt1"/>
+        </a:fontRef>
+      </dsp:style>
+      <dsp:txBody>
+        <a:bodyPr spcFirstLastPara="0" vert="horz" wrap="square" lIns="60960" tIns="60960" rIns="60960" bIns="60960" numCol="1" spcCol="1270" anchor="ctr" anchorCtr="0">
+          <a:noAutofit/>
+        </a:bodyPr>
+        <a:lstStyle/>
+        <a:p>
+          <a:pPr lvl="0" algn="ctr" defTabSz="711200">
+            <a:lnSpc>
+              <a:spcPct val="90000"/>
+            </a:lnSpc>
+            <a:spcBef>
+              <a:spcPct val="0"/>
+            </a:spcBef>
+            <a:spcAft>
+              <a:spcPct val="35000"/>
+            </a:spcAft>
+          </a:pPr>
+          <a:r>
+            <a:rPr lang="zh-CN" altLang="en-US" sz="1600" kern="1200" dirty="0" smtClean="0"/>
+            <a:t>原始数据文件</a:t>
+          </a:r>
+          <a:endParaRPr lang="zh-CN" altLang="en-US" sz="1600" kern="1200" dirty="0"/>
+        </a:p>
+      </dsp:txBody>
+      <dsp:txXfrm>
+        <a:off x="6328" y="1545830"/>
+        <a:ext cx="1628454" cy="898885"/>
+      </dsp:txXfrm>
+    </dsp:sp>
+    <dsp:sp modelId="{81D6F660-69E1-4126-A853-4A3347D47885}">
+      <dsp:nvSpPr>
+        <dsp:cNvPr id="0" name=""/>
+        <dsp:cNvSpPr/>
+      </dsp:nvSpPr>
+      <dsp:spPr>
+        <a:xfrm>
+          <a:off x="2087106" y="1685653"/>
+          <a:ext cx="401022" cy="469120"/>
+        </a:xfrm>
+        <a:prstGeom prst="rightArrow">
+          <a:avLst>
+            <a:gd name="adj1" fmla="val 60000"/>
+            <a:gd name="adj2" fmla="val 50000"/>
+          </a:avLst>
+        </a:prstGeom>
+        <a:solidFill>
+          <a:schemeClr val="accent2">
+            <a:hueOff val="0"/>
+            <a:satOff val="0"/>
+            <a:lumOff val="0"/>
+            <a:alphaOff val="0"/>
+          </a:schemeClr>
+        </a:solidFill>
+        <a:ln>
+          <a:noFill/>
+        </a:ln>
+        <a:effectLst/>
+      </dsp:spPr>
+      <dsp:style>
+        <a:lnRef idx="0">
+          <a:scrgbClr r="0" g="0" b="0"/>
+        </a:lnRef>
+        <a:fillRef idx="1">
+          <a:scrgbClr r="0" g="0" b="0"/>
+        </a:fillRef>
+        <a:effectRef idx="0">
+          <a:scrgbClr r="0" g="0" b="0"/>
+        </a:effectRef>
+        <a:fontRef idx="minor">
+          <a:schemeClr val="lt1"/>
+        </a:fontRef>
+      </dsp:style>
+      <dsp:txBody>
+        <a:bodyPr spcFirstLastPara="0" vert="horz" wrap="square" lIns="0" tIns="0" rIns="0" bIns="0" numCol="1" spcCol="1270" anchor="ctr" anchorCtr="0">
+          <a:noAutofit/>
+        </a:bodyPr>
+        <a:lstStyle/>
+        <a:p>
+          <a:pPr lvl="0" algn="ctr" defTabSz="889000">
+            <a:lnSpc>
+              <a:spcPct val="90000"/>
+            </a:lnSpc>
+            <a:spcBef>
+              <a:spcPct val="0"/>
+            </a:spcBef>
+            <a:spcAft>
+              <a:spcPct val="35000"/>
+            </a:spcAft>
+          </a:pPr>
+          <a:endParaRPr lang="zh-CN" altLang="en-US" sz="2000" kern="1200"/>
+        </a:p>
+      </dsp:txBody>
+      <dsp:txXfrm>
+        <a:off x="2087106" y="1779477"/>
+        <a:ext cx="280715" cy="281472"/>
+      </dsp:txXfrm>
+    </dsp:sp>
+    <dsp:sp modelId="{B2111C57-60D2-47B7-A7DD-B0954878EC16}">
+      <dsp:nvSpPr>
+        <dsp:cNvPr id="0" name=""/>
+        <dsp:cNvSpPr/>
+      </dsp:nvSpPr>
+      <dsp:spPr>
+        <a:xfrm>
+          <a:off x="2654591" y="1352728"/>
+          <a:ext cx="1891616" cy="1134969"/>
+        </a:xfrm>
+        <a:prstGeom prst="roundRect">
+          <a:avLst>
+            <a:gd name="adj" fmla="val 10000"/>
+          </a:avLst>
+        </a:prstGeom>
+        <a:solidFill>
+          <a:schemeClr val="accent3">
+            <a:hueOff val="0"/>
+            <a:satOff val="0"/>
+            <a:lumOff val="0"/>
+            <a:alphaOff val="0"/>
+          </a:schemeClr>
+        </a:solidFill>
+        <a:ln w="25400" cap="flat" cmpd="sng" algn="ctr">
+          <a:solidFill>
+            <a:schemeClr val="lt1">
+              <a:hueOff val="0"/>
+              <a:satOff val="0"/>
+              <a:lumOff val="0"/>
+              <a:alphaOff val="0"/>
+            </a:schemeClr>
+          </a:solidFill>
+          <a:prstDash val="solid"/>
+        </a:ln>
+        <a:effectLst/>
+      </dsp:spPr>
+      <dsp:style>
+        <a:lnRef idx="2">
+          <a:scrgbClr r="0" g="0" b="0"/>
+        </a:lnRef>
+        <a:fillRef idx="1">
+          <a:scrgbClr r="0" g="0" b="0"/>
+        </a:fillRef>
+        <a:effectRef idx="0">
+          <a:scrgbClr r="0" g="0" b="0"/>
+        </a:effectRef>
+        <a:fontRef idx="minor">
+          <a:schemeClr val="lt1"/>
+        </a:fontRef>
+      </dsp:style>
+      <dsp:txBody>
+        <a:bodyPr spcFirstLastPara="0" vert="horz" wrap="square" lIns="95250" tIns="95250" rIns="95250" bIns="95250" numCol="1" spcCol="1270" anchor="ctr" anchorCtr="0">
+          <a:noAutofit/>
+        </a:bodyPr>
+        <a:lstStyle/>
+        <a:p>
+          <a:pPr lvl="0" algn="ctr" defTabSz="1111250">
+            <a:lnSpc>
+              <a:spcPct val="90000"/>
+            </a:lnSpc>
+            <a:spcBef>
+              <a:spcPct val="0"/>
+            </a:spcBef>
+            <a:spcAft>
+              <a:spcPct val="35000"/>
+            </a:spcAft>
+          </a:pPr>
+          <a:r>
+            <a:rPr lang="en-US" altLang="zh-CN" sz="2500" kern="1200" dirty="0" smtClean="0"/>
+            <a:t>MetaDeco</a:t>
+          </a:r>
+          <a:endParaRPr lang="zh-CN" altLang="en-US" sz="2500" kern="1200" dirty="0"/>
+        </a:p>
+      </dsp:txBody>
+      <dsp:txXfrm>
+        <a:off x="2687833" y="1385970"/>
+        <a:ext cx="1825132" cy="1068485"/>
+      </dsp:txXfrm>
+    </dsp:sp>
+    <dsp:sp modelId="{6E1FA275-E089-4A32-A8D8-E8CD684EE2B2}">
+      <dsp:nvSpPr>
+        <dsp:cNvPr id="0" name=""/>
+        <dsp:cNvSpPr/>
+      </dsp:nvSpPr>
+      <dsp:spPr>
+        <a:xfrm>
+          <a:off x="4735369" y="1685653"/>
+          <a:ext cx="401022" cy="469120"/>
+        </a:xfrm>
+        <a:prstGeom prst="rightArrow">
+          <a:avLst>
+            <a:gd name="adj1" fmla="val 60000"/>
+            <a:gd name="adj2" fmla="val 50000"/>
+          </a:avLst>
+        </a:prstGeom>
+        <a:solidFill>
+          <a:schemeClr val="accent3">
+            <a:hueOff val="0"/>
+            <a:satOff val="0"/>
+            <a:lumOff val="0"/>
+            <a:alphaOff val="0"/>
+          </a:schemeClr>
+        </a:solidFill>
+        <a:ln>
+          <a:noFill/>
+        </a:ln>
+        <a:effectLst/>
+      </dsp:spPr>
+      <dsp:style>
+        <a:lnRef idx="0">
+          <a:scrgbClr r="0" g="0" b="0"/>
+        </a:lnRef>
+        <a:fillRef idx="1">
+          <a:scrgbClr r="0" g="0" b="0"/>
+        </a:fillRef>
+        <a:effectRef idx="0">
+          <a:scrgbClr r="0" g="0" b="0"/>
+        </a:effectRef>
+        <a:fontRef idx="minor">
+          <a:schemeClr val="lt1"/>
+        </a:fontRef>
+      </dsp:style>
+      <dsp:txBody>
+        <a:bodyPr spcFirstLastPara="0" vert="horz" wrap="square" lIns="0" tIns="0" rIns="0" bIns="0" numCol="1" spcCol="1270" anchor="ctr" anchorCtr="0">
+          <a:noAutofit/>
+        </a:bodyPr>
+        <a:lstStyle/>
+        <a:p>
+          <a:pPr lvl="0" algn="ctr" defTabSz="889000">
+            <a:lnSpc>
+              <a:spcPct val="90000"/>
+            </a:lnSpc>
+            <a:spcBef>
+              <a:spcPct val="0"/>
+            </a:spcBef>
+            <a:spcAft>
+              <a:spcPct val="35000"/>
+            </a:spcAft>
+          </a:pPr>
+          <a:endParaRPr lang="zh-CN" altLang="en-US" sz="2000" kern="1200"/>
+        </a:p>
+      </dsp:txBody>
+      <dsp:txXfrm>
+        <a:off x="4735369" y="1779477"/>
+        <a:ext cx="280715" cy="281472"/>
+      </dsp:txXfrm>
+    </dsp:sp>
+    <dsp:sp modelId="{787D1A9B-1BD0-4387-9A86-86771D0A4BC6}">
+      <dsp:nvSpPr>
+        <dsp:cNvPr id="0" name=""/>
+        <dsp:cNvSpPr/>
+      </dsp:nvSpPr>
+      <dsp:spPr>
+        <a:xfrm>
+          <a:off x="5302854" y="1352728"/>
+          <a:ext cx="1891616" cy="1134969"/>
+        </a:xfrm>
+        <a:prstGeom prst="roundRect">
+          <a:avLst>
+            <a:gd name="adj" fmla="val 10000"/>
+          </a:avLst>
+        </a:prstGeom>
+        <a:solidFill>
+          <a:schemeClr val="accent4">
+            <a:hueOff val="0"/>
+            <a:satOff val="0"/>
+            <a:lumOff val="0"/>
+            <a:alphaOff val="0"/>
+          </a:schemeClr>
+        </a:solidFill>
+        <a:ln w="25400" cap="flat" cmpd="sng" algn="ctr">
+          <a:solidFill>
+            <a:schemeClr val="lt1">
+              <a:hueOff val="0"/>
+              <a:satOff val="0"/>
+              <a:lumOff val="0"/>
+              <a:alphaOff val="0"/>
+            </a:schemeClr>
+          </a:solidFill>
+          <a:prstDash val="solid"/>
+        </a:ln>
+        <a:effectLst/>
+      </dsp:spPr>
+      <dsp:style>
+        <a:lnRef idx="2">
+          <a:scrgbClr r="0" g="0" b="0"/>
+        </a:lnRef>
+        <a:fillRef idx="1">
+          <a:scrgbClr r="0" g="0" b="0"/>
+        </a:fillRef>
+        <a:effectRef idx="0">
+          <a:scrgbClr r="0" g="0" b="0"/>
+        </a:effectRef>
+        <a:fontRef idx="minor">
+          <a:schemeClr val="lt1"/>
+        </a:fontRef>
+      </dsp:style>
+      <dsp:txBody>
+        <a:bodyPr spcFirstLastPara="0" vert="horz" wrap="square" lIns="95250" tIns="95250" rIns="95250" bIns="95250" numCol="1" spcCol="1270" anchor="ctr" anchorCtr="0">
+          <a:noAutofit/>
+        </a:bodyPr>
+        <a:lstStyle/>
+        <a:p>
+          <a:pPr lvl="0" algn="ctr" defTabSz="1111250">
+            <a:lnSpc>
+              <a:spcPct val="90000"/>
+            </a:lnSpc>
+            <a:spcBef>
+              <a:spcPct val="0"/>
+            </a:spcBef>
+            <a:spcAft>
+              <a:spcPct val="35000"/>
+            </a:spcAft>
+          </a:pPr>
+          <a:r>
+            <a:rPr lang="zh-CN" altLang="en-US" sz="2500" kern="1200" dirty="0" smtClean="0"/>
+            <a:t>代谢物表达量数字矩阵</a:t>
+          </a:r>
+          <a:endParaRPr lang="zh-CN" altLang="en-US" sz="2500" kern="1200" dirty="0"/>
+        </a:p>
+      </dsp:txBody>
+      <dsp:txXfrm>
+        <a:off x="5336096" y="1385970"/>
+        <a:ext cx="1825132" cy="1068485"/>
+      </dsp:txXfrm>
+    </dsp:sp>
+  </dsp:spTree>
+</dsp:drawing>
+</file>
+
+<file path=ppt/diagrams/layout1.xml><?xml version="1.0" encoding="utf-8"?>
+<dgm:layoutDef xmlns:dgm="http://schemas.openxmlformats.org/drawingml/2006/diagram" xmlns:a="http://schemas.openxmlformats.org/drawingml/2006/main" uniqueId="urn:microsoft.com/office/officeart/2005/8/layout/equation2">
+  <dgm:title val=""/>
+  <dgm:desc val=""/>
+  <dgm:catLst>
+    <dgm:cat type="relationship" pri="18000"/>
+    <dgm:cat type="process" pri="26000"/>
+  </dgm:catLst>
+  <dgm:sampData useDef="1">
+    <dgm:dataModel>
+      <dgm:ptLst/>
+      <dgm:bg/>
+      <dgm:whole/>
+    </dgm:dataModel>
+  </dgm:sampData>
+  <dgm:styleData>
+    <dgm:dataModel>
+      <dgm:ptLst>
+        <dgm:pt modelId="0" type="doc"/>
+        <dgm:pt modelId="1"/>
+        <dgm:pt modelId="2"/>
+      </dgm:ptLst>
+      <dgm:cxnLst>
+        <dgm:cxn modelId="3" srcId="0" destId="1" srcOrd="0" destOrd="0"/>
+        <dgm:cxn modelId="4" srcId="0" destId="2" srcOrd="1" destOrd="0"/>
+      </dgm:cxnLst>
+      <dgm:bg/>
+      <dgm:whole/>
+    </dgm:dataModel>
+  </dgm:styleData>
+  <dgm:clrData>
+    <dgm:dataModel>
+      <dgm:ptLst>
+        <dgm:pt modelId="0" type="doc"/>
+        <dgm:pt modelId="1"/>
+        <dgm:pt modelId="2"/>
+        <dgm:pt modelId="3"/>
+        <dgm:pt modelId="4"/>
+      </dgm:ptLst>
+      <dgm:cxnLst>
+        <dgm:cxn modelId="5" srcId="0" destId="1" srcOrd="0" destOrd="0"/>
+        <dgm:cxn modelId="6" srcId="0" destId="2" srcOrd="1" destOrd="0"/>
+        <dgm:cxn modelId="7" srcId="0" destId="3" srcOrd="2" destOrd="0"/>
+        <dgm:cxn modelId="8" srcId="0" destId="4" srcOrd="3" destOrd="0"/>
+      </dgm:cxnLst>
+      <dgm:bg/>
+      <dgm:whole/>
+    </dgm:dataModel>
+  </dgm:clrData>
+  <dgm:layoutNode name="Name0">
+    <dgm:varLst>
+      <dgm:dir/>
+      <dgm:resizeHandles val="exact"/>
+    </dgm:varLst>
+    <dgm:choose name="Name1">
+      <dgm:if name="Name2" func="var" arg="dir" op="equ" val="norm">
+        <dgm:alg type="lin">
+          <dgm:param type="linDir" val="fromL"/>
+          <dgm:param type="fallback" val="2D"/>
+        </dgm:alg>
+      </dgm:if>
+      <dgm:else name="Name3">
+        <dgm:alg type="lin">
+          <dgm:param type="linDir" val="fromR"/>
+          <dgm:param type="fallback" val="2D"/>
+        </dgm:alg>
+      </dgm:else>
+    </dgm:choose>
+    <dgm:shape xmlns:r="http://schemas.openxmlformats.org/officeDocument/2006/relationships" r:blip="">
+      <dgm:adjLst/>
+    </dgm:shape>
+    <dgm:presOf/>
+    <dgm:choose name="Name4">
+      <dgm:if name="Name5" axis="ch" ptType="node" func="cnt" op="gte" val="3">
+        <dgm:constrLst>
+          <dgm:constr type="h" for="des" forName="node" refType="w" fact="0.5"/>
+          <dgm:constr type="w" for="ch" forName="lastNode" refType="w"/>
+          <dgm:constr type="w" for="des" forName="node" refType="h" refFor="des" refForName="node"/>
+          <dgm:constr type="w" for="ch" forName="sibTransLast" refType="h" refFor="des" refForName="node" fact="0.6"/>
+          <dgm:constr type="h" for="des" forName="sibTrans" refType="h" refFor="des" refForName="node" op="equ" fact="0.58"/>
+          <dgm:constr type="w" for="des" forName="sibTrans" refType="h" refFor="des" refForName="sibTrans" op="equ"/>
+          <dgm:constr type="primFontSz" for="ch" forName="lastNode" op="equ" val="65"/>
+          <dgm:constr type="primFontSz" for="des" forName="node" op="equ" val="65"/>
+          <dgm:constr type="primFontSz" for="des" forName="sibTrans" val="55"/>
+          <dgm:constr type="primFontSz" for="des" forName="sibTrans" refType="primFontSz" refFor="des" refForName="node" op="lte" fact="0.8"/>
+          <dgm:constr type="primFontSz" for="des" forName="connectorText" refType="primFontSz" refFor="des" refForName="node" op="lte" fact="0.8"/>
+          <dgm:constr type="primFontSz" for="des" forName="connectorText" refType="primFontSz" refFor="des" refForName="sibTrans" op="equ"/>
+          <dgm:constr type="h" for="des" forName="spacerT" refType="h" refFor="des" refForName="sibTrans" fact="0.14"/>
+          <dgm:constr type="h" for="des" forName="spacerB" refType="h" refFor="des" refForName="sibTrans" fact="0.14"/>
+        </dgm:constrLst>
+      </dgm:if>
+      <dgm:else name="Name6">
+        <dgm:constrLst>
+          <dgm:constr type="h" for="des" forName="node" refType="w"/>
+          <dgm:constr type="w" for="ch" forName="lastNode" refType="w"/>
+          <dgm:constr type="w" for="des" forName="node" refType="h" refFor="des" refForName="node"/>
+          <dgm:constr type="w" for="ch" forName="sibTransLast" refType="h" refFor="des" refForName="node" fact="0.6"/>
+          <dgm:constr type="h" for="des" forName="sibTrans" refType="h" refFor="des" refForName="node" op="equ" fact="0.58"/>
+          <dgm:constr type="w" for="des" forName="sibTrans" refType="h" refFor="des" refForName="sibTrans" op="equ"/>
+          <dgm:constr type="primFontSz" for="des" forName="node" val="65"/>
+          <dgm:constr type="primFontSz" for="ch" forName="lastNode" refType="primFontSz" refFor="des" refForName="node" op="equ"/>
+          <dgm:constr type="primFontSz" for="des" forName="sibTrans" val="55"/>
+          <dgm:constr type="primFontSz" for="des" forName="connectorText" refType="primFontSz" refFor="des" refForName="node" op="lte" fact="0.8"/>
+          <dgm:constr type="primFontSz" for="des" forName="connectorText" refType="primFontSz" refFor="des" refForName="sibTrans" op="equ"/>
+          <dgm:constr type="h" for="des" forName="spacerT" refType="h" refFor="des" refForName="sibTrans" fact="0.14"/>
+          <dgm:constr type="h" for="des" forName="spacerB" refType="h" refFor="des" refForName="sibTrans" fact="0.14"/>
+        </dgm:constrLst>
+      </dgm:else>
+    </dgm:choose>
+    <dgm:ruleLst/>
+    <dgm:choose name="Name7">
+      <dgm:if name="Name8" axis="ch" ptType="node" func="cnt" op="gte" val="1">
+        <dgm:layoutNode name="vNodes">
+          <dgm:alg type="lin">
+            <dgm:param type="linDir" val="fromT"/>
+            <dgm:param type="fallback" val="2D"/>
+          </dgm:alg>
+          <dgm:shape xmlns:r="http://schemas.openxmlformats.org/officeDocument/2006/relationships" r:blip="">
+            <dgm:adjLst/>
+          </dgm:shape>
+          <dgm:presOf/>
+          <dgm:constrLst/>
+          <dgm:ruleLst/>
+          <dgm:forEach name="Name9" axis="ch" ptType="node">
+            <dgm:choose name="Name10">
+              <dgm:if name="Name11" axis="self" func="revPos" op="neq" val="1">
+                <dgm:layoutNode name="node">
+                  <dgm:varLst>
+                    <dgm:bulletEnabled val="1"/>
+                  </dgm:varLst>
+                  <dgm:alg type="tx">
+                    <dgm:param type="txAnchorVertCh" val="mid"/>
+                  </dgm:alg>
+                  <dgm:shape xmlns:r="http://schemas.openxmlformats.org/officeDocument/2006/relationships" type="ellipse" r:blip="">
+                    <dgm:adjLst/>
+                  </dgm:shape>
+                  <dgm:presOf axis="desOrSelf" ptType="node"/>
+                  <dgm:constrLst>
+                    <dgm:constr type="tMarg" refType="primFontSz" fact="0.1"/>
+                    <dgm:constr type="bMarg" refType="primFontSz" fact="0.1"/>
+                    <dgm:constr type="lMarg" refType="primFontSz" fact="0.1"/>
+                    <dgm:constr type="rMarg" refType="primFontSz" fact="0.1"/>
+                  </dgm:constrLst>
+                  <dgm:ruleLst>
+                    <dgm:rule type="primFontSz" val="5" fact="NaN" max="NaN"/>
+                  </dgm:ruleLst>
+                </dgm:layoutNode>
+                <dgm:choose name="Name12">
+                  <dgm:if name="Name13" axis="self" ptType="node" func="revPos" op="gt" val="2">
+                    <dgm:forEach name="sibTransForEach" axis="followSib" ptType="sibTrans" cnt="1">
+                      <dgm:layoutNode name="spacerT">
+                        <dgm:alg type="sp"/>
+                        <dgm:shape xmlns:r="http://schemas.openxmlformats.org/officeDocument/2006/relationships" r:blip="">
+                          <dgm:adjLst/>
+                        </dgm:shape>
+                        <dgm:presOf axis="self"/>
+                        <dgm:constrLst/>
+                        <dgm:ruleLst/>
+                      </dgm:layoutNode>
+                      <dgm:layoutNode name="sibTrans">
+                        <dgm:alg type="tx"/>
+                        <dgm:shape xmlns:r="http://schemas.openxmlformats.org/officeDocument/2006/relationships" type="mathPlus" r:blip="">
+                          <dgm:adjLst/>
+                        </dgm:shape>
+                        <dgm:presOf axis="self"/>
+                        <dgm:constrLst>
+                          <dgm:constr type="h" refType="w"/>
+                          <dgm:constr type="lMarg"/>
+                          <dgm:constr type="rMarg"/>
+                          <dgm:constr type="tMarg"/>
+                          <dgm:constr type="bMarg"/>
+                        </dgm:constrLst>
+                        <dgm:ruleLst>
+                          <dgm:rule type="primFontSz" val="5" fact="NaN" max="NaN"/>
+                        </dgm:ruleLst>
+                      </dgm:layoutNode>
+                      <dgm:layoutNode name="spacerB">
+                        <dgm:alg type="sp"/>
+                        <dgm:shape xmlns:r="http://schemas.openxmlformats.org/officeDocument/2006/relationships" r:blip="">
+                          <dgm:adjLst/>
+                        </dgm:shape>
+                        <dgm:presOf axis="self"/>
+                        <dgm:constrLst/>
+                        <dgm:ruleLst/>
+                      </dgm:layoutNode>
+                    </dgm:forEach>
+                  </dgm:if>
+                  <dgm:else name="Name14"/>
+                </dgm:choose>
+              </dgm:if>
+              <dgm:else name="Name15"/>
+            </dgm:choose>
+          </dgm:forEach>
+        </dgm:layoutNode>
+        <dgm:choose name="Name16">
+          <dgm:if name="Name17" axis="ch" ptType="node" func="cnt" op="gt" val="1">
+            <dgm:layoutNode name="sibTransLast">
+              <dgm:alg type="conn">
+                <dgm:param type="begPts" val="auto"/>
+                <dgm:param type="endPts" val="auto"/>
+                <dgm:param type="srcNode" val="vNodes"/>
+                <dgm:param type="dstNode" val="lastNode"/>
+              </dgm:alg>
+              <dgm:shape xmlns:r="http://schemas.openxmlformats.org/officeDocument/2006/relationships" type="conn" r:blip="">
+                <dgm:adjLst/>
+              </dgm:shape>
+              <dgm:presOf axis="ch" ptType="sibTrans" st="-1" cnt="1"/>
+              <dgm:constrLst>
+                <dgm:constr type="h" refType="w" fact="0.62"/>
+                <dgm:constr type="connDist"/>
+                <dgm:constr type="begPad" refType="connDist" fact="0.25"/>
+                <dgm:constr type="endPad" refType="connDist" fact="0.22"/>
+              </dgm:constrLst>
+              <dgm:ruleLst/>
+              <dgm:layoutNode name="connectorText">
+                <dgm:alg type="tx">
+                  <dgm:param type="autoTxRot" val="grav"/>
+                </dgm:alg>
+                <dgm:shape xmlns:r="http://schemas.openxmlformats.org/officeDocument/2006/relationships" type="conn" r:blip="" hideGeom="1">
+                  <dgm:adjLst/>
+                </dgm:shape>
+                <dgm:presOf axis="ch desOrSelf" ptType="sibTrans sibTrans" st="-1 1" cnt="1 0"/>
+                <dgm:constrLst>
+                  <dgm:constr type="lMarg"/>
+                  <dgm:constr type="rMarg"/>
+                  <dgm:constr type="tMarg"/>
+                  <dgm:constr type="bMarg"/>
+                </dgm:constrLst>
+                <dgm:ruleLst>
+                  <dgm:rule type="primFontSz" val="5" fact="NaN" max="NaN"/>
+                </dgm:ruleLst>
+              </dgm:layoutNode>
+            </dgm:layoutNode>
+          </dgm:if>
+          <dgm:else name="Name18"/>
+        </dgm:choose>
+        <dgm:layoutNode name="lastNode">
+          <dgm:varLst>
+            <dgm:bulletEnabled val="1"/>
+          </dgm:varLst>
+          <dgm:alg type="tx">
+            <dgm:param type="txAnchorVertCh" val="mid"/>
+          </dgm:alg>
+          <dgm:shape xmlns:r="http://schemas.openxmlformats.org/officeDocument/2006/relationships" type="ellipse" r:blip="">
+            <dgm:adjLst/>
+          </dgm:shape>
+          <dgm:presOf axis="ch desOrSelf" ptType="node node" st="-1 1" cnt="1 0"/>
+          <dgm:constrLst>
+            <dgm:constr type="h" refType="w"/>
+            <dgm:constr type="tMarg" refType="primFontSz" fact="0.1"/>
+            <dgm:constr type="bMarg" refType="primFontSz" fact="0.1"/>
+            <dgm:constr type="lMarg" refType="primFontSz" fact="0.1"/>
+            <dgm:constr type="rMarg" refType="primFontSz" fact="0.1"/>
+          </dgm:constrLst>
+          <dgm:ruleLst>
+            <dgm:rule type="primFontSz" val="5" fact="NaN" max="NaN"/>
+          </dgm:ruleLst>
+        </dgm:layoutNode>
+      </dgm:if>
+      <dgm:else name="Name19"/>
+    </dgm:choose>
+  </dgm:layoutNode>
+</dgm:layoutDef>
+</file>
+
+<file path=ppt/diagrams/layout2.xml><?xml version="1.0" encoding="utf-8"?>
+<dgm:layoutDef xmlns:dgm="http://schemas.openxmlformats.org/drawingml/2006/diagram" xmlns:a="http://schemas.openxmlformats.org/drawingml/2006/main" uniqueId="urn:microsoft.com/office/officeart/2005/8/layout/process1">
+  <dgm:title val=""/>
+  <dgm:desc val=""/>
+  <dgm:catLst>
+    <dgm:cat type="process" pri="1000"/>
+    <dgm:cat type="convert" pri="15000"/>
+  </dgm:catLst>
+  <dgm:sampData useDef="1">
+    <dgm:dataModel>
+      <dgm:ptLst/>
+      <dgm:bg/>
+      <dgm:whole/>
+    </dgm:dataModel>
+  </dgm:sampData>
+  <dgm:styleData>
+    <dgm:dataModel>
+      <dgm:ptLst>
+        <dgm:pt modelId="0" type="doc"/>
+        <dgm:pt modelId="1"/>
+        <dgm:pt modelId="2"/>
+      </dgm:ptLst>
+      <dgm:cxnLst>
+        <dgm:cxn modelId="3" srcId="0" destId="1" srcOrd="0" destOrd="0"/>
+        <dgm:cxn modelId="4" srcId="0" destId="2" srcOrd="1" destOrd="0"/>
+      </dgm:cxnLst>
+      <dgm:bg/>
+      <dgm:whole/>
+    </dgm:dataModel>
+  </dgm:styleData>
+  <dgm:clrData>
+    <dgm:dataModel>
+      <dgm:ptLst>
+        <dgm:pt modelId="0" type="doc"/>
+        <dgm:pt modelId="1"/>
+        <dgm:pt modelId="2"/>
+        <dgm:pt modelId="3"/>
+        <dgm:pt modelId="4"/>
+      </dgm:ptLst>
+      <dgm:cxnLst>
+        <dgm:cxn modelId="5" srcId="0" destId="1" srcOrd="0" destOrd="0"/>
+        <dgm:cxn modelId="6" srcId="0" destId="2" srcOrd="1" destOrd="0"/>
+        <dgm:cxn modelId="7" srcId="0" destId="3" srcOrd="2" destOrd="0"/>
+        <dgm:cxn modelId="8" srcId="0" destId="4" srcOrd="3" destOrd="0"/>
+      </dgm:cxnLst>
+      <dgm:bg/>
+      <dgm:whole/>
+    </dgm:dataModel>
+  </dgm:clrData>
+  <dgm:layoutNode name="Name0">
+    <dgm:varLst>
+      <dgm:dir/>
+      <dgm:resizeHandles val="exact"/>
+    </dgm:varLst>
+    <dgm:choose name="Name1">
+      <dgm:if name="Name2" func="var" arg="dir" op="equ" val="norm">
+        <dgm:alg type="lin"/>
+      </dgm:if>
+      <dgm:else name="Name3">
+        <dgm:alg type="lin">
+          <dgm:param type="linDir" val="fromR"/>
+        </dgm:alg>
+      </dgm:else>
+    </dgm:choose>
+    <dgm:shape xmlns:r="http://schemas.openxmlformats.org/officeDocument/2006/relationships" r:blip="">
+      <dgm:adjLst/>
+    </dgm:shape>
+    <dgm:presOf/>
+    <dgm:constrLst>
+      <dgm:constr type="w" for="ch" ptType="node" refType="w"/>
+      <dgm:constr type="h" for="ch" ptType="node" op="equ"/>
+      <dgm:constr type="primFontSz" for="ch" ptType="node" op="equ" val="65"/>
+      <dgm:constr type="w" for="ch" ptType="sibTrans" refType="w" refFor="ch" refPtType="node" op="equ" fact="0.4"/>
+      <dgm:constr type="h" for="ch" ptType="sibTrans" op="equ"/>
+      <dgm:constr type="primFontSz" for="des" forName="connectorText" op="equ" val="55"/>
+      <dgm:constr type="primFontSz" for="des" forName="connectorText" refType="primFontSz" refFor="ch" refPtType="node" op="lte" fact="0.8"/>
+    </dgm:constrLst>
+    <dgm:ruleLst/>
+    <dgm:forEach name="nodesForEach" axis="ch" ptType="node">
+      <dgm:layoutNode name="node">
+        <dgm:varLst>
+          <dgm:bulletEnabled val="1"/>
+        </dgm:varLst>
+        <dgm:alg type="tx"/>
+        <dgm:shape xmlns:r="http://schemas.openxmlformats.org/officeDocument/2006/relationships" type="roundRect" r:blip="">
+          <dgm:adjLst>
+            <dgm:adj idx="1" val="0.1"/>
+          </dgm:adjLst>
+        </dgm:shape>
+        <dgm:presOf axis="desOrSelf" ptType="node"/>
+        <dgm:constrLst>
+          <dgm:constr type="h" refType="w" fact="0.6"/>
+          <dgm:constr type="tMarg" refType="primFontSz" fact="0.3"/>
+          <dgm:constr type="bMarg" refType="primFontSz" fact="0.3"/>
+          <dgm:constr type="lMarg" refType="primFontSz" fact="0.3"/>
+          <dgm:constr type="rMarg" refType="primFontSz" fact="0.3"/>
+        </dgm:constrLst>
+        <dgm:ruleLst>
+          <dgm:rule type="primFontSz" val="18" fact="NaN" max="NaN"/>
+          <dgm:rule type="h" val="NaN" fact="1.5" max="NaN"/>
+          <dgm:rule type="primFontSz" val="5" fact="NaN" max="NaN"/>
+          <dgm:rule type="h" val="INF" fact="NaN" max="NaN"/>
+        </dgm:ruleLst>
+      </dgm:layoutNode>
+      <dgm:forEach name="sibTransForEach" axis="followSib" ptType="sibTrans" cnt="1">
+        <dgm:layoutNode name="sibTrans">
+          <dgm:alg type="conn">
+            <dgm:param type="begPts" val="auto"/>
+            <dgm:param type="endPts" val="auto"/>
+          </dgm:alg>
+          <dgm:shape xmlns:r="http://schemas.openxmlformats.org/officeDocument/2006/relationships" type="conn" r:blip="">
+            <dgm:adjLst/>
+          </dgm:shape>
+          <dgm:presOf axis="self"/>
+          <dgm:constrLst>
+            <dgm:constr type="h" refType="w" fact="0.62"/>
+            <dgm:constr type="connDist"/>
+            <dgm:constr type="begPad" refType="connDist" fact="0.25"/>
+            <dgm:constr type="endPad" refType="connDist" fact="0.22"/>
+          </dgm:constrLst>
+          <dgm:ruleLst/>
+          <dgm:layoutNode name="connectorText">
+            <dgm:alg type="tx">
+              <dgm:param type="autoTxRot" val="grav"/>
+            </dgm:alg>
+            <dgm:shape xmlns:r="http://schemas.openxmlformats.org/officeDocument/2006/relationships" type="conn" r:blip="" hideGeom="1">
+              <dgm:adjLst/>
+            </dgm:shape>
+            <dgm:presOf axis="self"/>
+            <dgm:constrLst>
+              <dgm:constr type="lMarg"/>
+              <dgm:constr type="rMarg"/>
+              <dgm:constr type="tMarg"/>
+              <dgm:constr type="bMarg"/>
+            </dgm:constrLst>
+            <dgm:ruleLst>
+              <dgm:rule type="primFontSz" val="5" fact="NaN" max="NaN"/>
+            </dgm:ruleLst>
+          </dgm:layoutNode>
+        </dgm:layoutNode>
+      </dgm:forEach>
+    </dgm:forEach>
+  </dgm:layoutNode>
+</dgm:layoutDef>
+</file>
+
+<file path=ppt/diagrams/quickStyle1.xml><?xml version="1.0" encoding="utf-8"?>
+<dgm:styleDef xmlns:dgm="http://schemas.openxmlformats.org/drawingml/2006/diagram" xmlns:a="http://schemas.openxmlformats.org/drawingml/2006/main" uniqueId="urn:microsoft.com/office/officeart/2005/8/quickstyle/simple4">
+  <dgm:title val=""/>
+  <dgm:desc val=""/>
+  <dgm:catLst>
+    <dgm:cat type="simple" pri="10400"/>
+  </dgm:catLst>
+  <dgm:scene3d>
+    <a:camera prst="orthographicFront"/>
+    <a:lightRig rig="threePt" dir="t"/>
+  </dgm:scene3d>
+  <dgm:styleLbl name="node0">
+    <dgm:scene3d>
+      <a:camera prst="orthographicFront"/>
+      <a:lightRig rig="threePt" dir="t"/>
+    </dgm:scene3d>
+    <dgm:sp3d/>
+    <dgm:txPr/>
+    <dgm:style>
+      <a:lnRef idx="0">
+        <a:scrgbClr r="0" g="0" b="0"/>
+      </a:lnRef>
+      <a:fillRef idx="3">
+        <a:scrgbClr r="0" g="0" b="0"/>
+      </a:fillRef>
+      <a:effectRef idx="2">
+        <a:scrgbClr r="0" g="0" b="0"/>
+      </a:effectRef>
+      <a:fontRef idx="minor">
+        <a:schemeClr val="lt1"/>
+      </a:fontRef>
+    </dgm:style>
+  </dgm:styleLbl>
+  <dgm:styleLbl name="lnNode1">
+    <dgm:scene3d>
+      <a:camera prst="orthographicFront"/>
+      <a:lightRig rig="threePt" dir="t"/>
+    </dgm:scene3d>
+    <dgm:sp3d/>
+    <dgm:txPr/>
+    <dgm:style>
+      <a:lnRef idx="1">
+        <a:scrgbClr r="0" g="0" b="0"/>
+      </a:lnRef>
+      <a:fillRef idx="3">
+        <a:scrgbClr r="0" g="0" b="0"/>
+      </a:fillRef>
+      <a:effectRef idx="2">
+        <a:scrgbClr r="0" g="0" b="0"/>
+      </a:effectRef>
+      <a:fontRef idx="minor">
+        <a:schemeClr val="lt1"/>
+      </a:fontRef>
+    </dgm:style>
+  </dgm:styleLbl>
+  <dgm:styleLbl name="vennNode1">
+    <dgm:scene3d>
+      <a:camera prst="orthographicFront"/>
+      <a:lightRig rig="threePt" dir="t"/>
+    </dgm:scene3d>
+    <dgm:sp3d/>
+    <dgm:txPr/>
+    <dgm:style>
+      <a:lnRef idx="0">
+        <a:scrgbClr r="0" g="0" b="0"/>
+      </a:lnRef>
+      <a:fillRef idx="3">
+        <a:scrgbClr r="0" g="0" b="0"/>
+      </a:fillRef>
+      <a:effectRef idx="0">
+        <a:scrgbClr r="0" g="0" b="0"/>
+      </a:effectRef>
+      <a:fontRef idx="minor">
+        <a:schemeClr val="tx1"/>
+      </a:fontRef>
+    </dgm:style>
+  </dgm:styleLbl>
+  <dgm:styleLbl name="alignNode1">
+    <dgm:scene3d>
+      <a:camera prst="orthographicFront"/>
+      <a:lightRig rig="threePt" dir="t"/>
+    </dgm:scene3d>
+    <dgm:sp3d/>
+    <dgm:txPr/>
+    <dgm:style>
+      <a:lnRef idx="1">
+        <a:scrgbClr r="0" g="0" b="0"/>
+      </a:lnRef>
+      <a:fillRef idx="3">
+        <a:scrgbClr r="0" g="0" b="0"/>
+      </a:fillRef>
+      <a:effectRef idx="2">
+        <a:scrgbClr r="0" g="0" b="0"/>
+      </a:effectRef>
+      <a:fontRef idx="minor">
+        <a:schemeClr val="lt1"/>
+      </a:fontRef>
+    </dgm:style>
+  </dgm:styleLbl>
+  <dgm:styleLbl name="node1">
+    <dgm:scene3d>
+      <a:camera prst="orthographicFront"/>
+      <a:lightRig rig="threePt" dir="t"/>
+    </dgm:scene3d>
+    <dgm:sp3d/>
+    <dgm:txPr/>
+    <dgm:style>
+      <a:lnRef idx="0">
+        <a:scrgbClr r="0" g="0" b="0"/>
+      </a:lnRef>
+      <a:fillRef idx="3">
+        <a:scrgbClr r="0" g="0" b="0"/>
+      </a:fillRef>
+      <a:effectRef idx="2">
+        <a:scrgbClr r="0" g="0" b="0"/>
+      </a:effectRef>
+      <a:fontRef idx="minor">
+        <a:schemeClr val="lt1"/>
+      </a:fontRef>
+    </dgm:style>
+  </dgm:styleLbl>
+  <dgm:styleLbl name="node2">
+    <dgm:scene3d>
+      <a:camera prst="orthographicFront"/>
+      <a:lightRig rig="threePt" dir="t"/>
+    </dgm:scene3d>
+    <dgm:sp3d/>
+    <dgm:txPr/>
+    <dgm:style>
+      <a:lnRef idx="0">
+        <a:scrgbClr r="0" g="0" b="0"/>
+      </a:lnRef>
+      <a:fillRef idx="3">
+        <a:scrgbClr r="0" g="0" b="0"/>
+      </a:fillRef>
+      <a:effectRef idx="2">
+        <a:scrgbClr r="0" g="0" b="0"/>
+      </a:effectRef>
+      <a:fontRef idx="minor">
+        <a:schemeClr val="lt1"/>
+      </a:fontRef>
+    </dgm:style>
+  </dgm:styleLbl>
+  <dgm:styleLbl name="node3">
+    <dgm:scene3d>
+      <a:camera prst="orthographicFront"/>
+      <a:lightRig rig="threePt" dir="t"/>
+    </dgm:scene3d>
+    <dgm:sp3d/>
+    <dgm:txPr/>
+    <dgm:style>
+      <a:lnRef idx="0">
+        <a:scrgbClr r="0" g="0" b="0"/>
+      </a:lnRef>
+      <a:fillRef idx="3">
+        <a:scrgbClr r="0" g="0" b="0"/>
+      </a:fillRef>
+      <a:effectRef idx="2">
+        <a:scrgbClr r="0" g="0" b="0"/>
+      </a:effectRef>
+      <a:fontRef idx="minor">
+        <a:schemeClr val="lt1"/>
+      </a:fontRef>
+    </dgm:style>
+  </dgm:styleLbl>
+  <dgm:styleLbl name="node4">
+    <dgm:scene3d>
+      <a:camera prst="orthographicFront"/>
+      <a:lightRig rig="threePt" dir="t"/>
+    </dgm:scene3d>
+    <dgm:sp3d/>
+    <dgm:txPr/>
+    <dgm:style>
+      <a:lnRef idx="0">
+        <a:scrgbClr r="0" g="0" b="0"/>
+      </a:lnRef>
+      <a:fillRef idx="3">
+        <a:scrgbClr r="0" g="0" b="0"/>
+      </a:fillRef>
+      <a:effectRef idx="2">
+        <a:scrgbClr r="0" g="0" b="0"/>
+      </a:effectRef>
+      <a:fontRef idx="minor">
+        <a:schemeClr val="lt1"/>
+      </a:fontRef>
+    </dgm:style>
+  </dgm:styleLbl>
+  <dgm:styleLbl name="fgImgPlace1">
+    <dgm:scene3d>
+      <a:camera prst="orthographicFront"/>
+      <a:lightRig rig="threePt" dir="t"/>
+    </dgm:scene3d>
+    <dgm:sp3d/>
+    <dgm:txPr/>
+    <dgm:style>
+      <a:lnRef idx="0">
+        <a:scrgbClr r="0" g="0" b="0"/>
+      </a:lnRef>
+      <a:fillRef idx="1">
+        <a:scrgbClr r="0" g="0" b="0"/>
+      </a:fillRef>
+      <a:effectRef idx="2">
+        <a:scrgbClr r="0" g="0" b="0"/>
+      </a:effectRef>
+      <a:fontRef idx="minor"/>
+    </dgm:style>
+  </dgm:styleLbl>
+  <dgm:styleLbl name="alignImgPlace1">
+    <dgm:scene3d>
+      <a:camera prst="orthographicFront"/>
+      <a:lightRig rig="threePt" dir="t"/>
+    </dgm:scene3d>
+    <dgm:sp3d/>
+    <dgm:txPr/>
+    <dgm:style>
+      <a:lnRef idx="0">
+        <a:scrgbClr r="0" g="0" b="0"/>
+      </a:lnRef>
+      <a:fillRef idx="1">
+        <a:scrgbClr r="0" g="0" b="0"/>
+      </a:fillRef>
+      <a:effectRef idx="2">
+        <a:scrgbClr r="0" g="0" b="0"/>
+      </a:effectRef>
+      <a:fontRef idx="minor"/>
+    </dgm:style>
+  </dgm:styleLbl>
+  <dgm:styleLbl name="bgImgPlace1">
+    <dgm:scene3d>
+      <a:camera prst="orthographicFront"/>
+      <a:lightRig rig="threePt" dir="t"/>
+    </dgm:scene3d>
+    <dgm:sp3d/>
+    <dgm:txPr/>
+    <dgm:style>
+      <a:lnRef idx="0">
+        <a:scrgbClr r="0" g="0" b="0"/>
+      </a:lnRef>
+      <a:fillRef idx="1">
+        <a:scrgbClr r="0" g="0" b="0"/>
+      </a:fillRef>
+      <a:effectRef idx="2">
+        <a:scrgbClr r="0" g="0" b="0"/>
+      </a:effectRef>
+      <a:fontRef idx="minor"/>
+    </dgm:style>
+  </dgm:styleLbl>
+  <dgm:styleLbl name="sibTrans2D1">
+    <dgm:scene3d>
+      <a:camera prst="orthographicFront"/>
+      <a:lightRig rig="threePt" dir="t"/>
+    </dgm:scene3d>
+    <dgm:sp3d/>
+    <dgm:txPr/>
+    <dgm:style>
+      <a:lnRef idx="0">
+        <a:scrgbClr r="0" g="0" b="0"/>
+      </a:lnRef>
+      <a:fillRef idx="3">
+        <a:scrgbClr r="0" g="0" b="0"/>
+      </a:fillRef>
+      <a:effectRef idx="2">
+        <a:scrgbClr r="0" g="0" b="0"/>
+      </a:effectRef>
+      <a:fontRef idx="minor">
+        <a:schemeClr val="lt1"/>
+      </a:fontRef>
+    </dgm:style>
+  </dgm:styleLbl>
+  <dgm:styleLbl name="fgSibTrans2D1">
+    <dgm:scene3d>
+      <a:camera prst="orthographicFront"/>
+      <a:lightRig rig="threePt" dir="t"/>
+    </dgm:scene3d>
+    <dgm:sp3d/>
+    <dgm:txPr/>
+    <dgm:style>
+      <a:lnRef idx="0">
+        <a:scrgbClr r="0" g="0" b="0"/>
+      </a:lnRef>
+      <a:fillRef idx="3">
+        <a:scrgbClr r="0" g="0" b="0"/>
+      </a:fillRef>
+      <a:effectRef idx="2">
+        <a:scrgbClr r="0" g="0" b="0"/>
+      </a:effectRef>
+      <a:fontRef idx="minor">
+        <a:schemeClr val="lt1"/>
+      </a:fontRef>
+    </dgm:style>
+  </dgm:styleLbl>
+  <dgm:styleLbl name="bgSibTrans2D1">
+    <dgm:scene3d>
+      <a:camera prst="orthographicFront"/>
+      <a:lightRig rig="threePt" dir="t"/>
+    </dgm:scene3d>
+    <dgm:sp3d/>
+    <dgm:txPr/>
+    <dgm:style>
+      <a:lnRef idx="0">
+        <a:scrgbClr r="0" g="0" b="0"/>
+      </a:lnRef>
+      <a:fillRef idx="3">
+        <a:scrgbClr r="0" g="0" b="0"/>
+      </a:fillRef>
+      <a:effectRef idx="2">
+        <a:scrgbClr r="0" g="0" b="0"/>
+      </a:effectRef>
+      <a:fontRef idx="minor">
+        <a:schemeClr val="lt1"/>
+      </a:fontRef>
+    </dgm:style>
+  </dgm:styleLbl>
+  <dgm:styleLbl name="sibTrans1D1">
+    <dgm:scene3d>
+      <a:camera prst="orthographicFront"/>
+      <a:lightRig rig="threePt" dir="t"/>
+    </dgm:scene3d>
+    <dgm:sp3d/>
+    <dgm:txPr/>
+    <dgm:style>
+      <a:lnRef idx="1">
+        <a:scrgbClr r="0" g="0" b="0"/>
+      </a:lnRef>
+      <a:fillRef idx="0">
+        <a:scrgbClr r="0" g="0" b="0"/>
+      </a:fillRef>
+      <a:effectRef idx="0">
+        <a:scrgbClr r="0" g="0" b="0"/>
+      </a:effectRef>
+      <a:fontRef idx="minor"/>
+    </dgm:style>
+  </dgm:styleLbl>
+  <dgm:styleLbl name="callout">
+    <dgm:scene3d>
+      <a:camera prst="orthographicFront"/>
+      <a:lightRig rig="threePt" dir="t"/>
+    </dgm:scene3d>
+    <dgm:sp3d/>
+    <dgm:txPr/>
+    <dgm:style>
+      <a:lnRef idx="2">
+        <a:scrgbClr r="0" g="0" b="0"/>
+      </a:lnRef>
+      <a:fillRef idx="1">
+        <a:scrgbClr r="0" g="0" b="0"/>
+      </a:fillRef>
+      <a:effectRef idx="1">
+        <a:scrgbClr r="0" g="0" b="0"/>
+      </a:effectRef>
+      <a:fontRef idx="minor"/>
+    </dgm:style>
+  </dgm:styleLbl>
+  <dgm:styleLbl name="asst0">
+    <dgm:scene3d>
+      <a:camera prst="orthographicFront"/>
+      <a:lightRig rig="threePt" dir="t"/>
+    </dgm:scene3d>
+    <dgm:sp3d/>
+    <dgm:txPr/>
+    <dgm:style>
+      <a:lnRef idx="0">
+        <a:scrgbClr r="0" g="0" b="0"/>
+      </a:lnRef>
+      <a:fillRef idx="3">
+        <a:scrgbClr r="0" g="0" b="0"/>
+      </a:fillRef>
+      <a:effectRef idx="2">
+        <a:scrgbClr r="0" g="0" b="0"/>
+      </a:effectRef>
+      <a:fontRef idx="minor">
+        <a:schemeClr val="lt1"/>
+      </a:fontRef>
+    </dgm:style>
+  </dgm:styleLbl>
+  <dgm:styleLbl name="asst1">
+    <dgm:scene3d>
+      <a:camera prst="orthographicFront"/>
+      <a:lightRig rig="threePt" dir="t"/>
+    </dgm:scene3d>
+    <dgm:sp3d/>
+    <dgm:txPr/>
+    <dgm:style>
+      <a:lnRef idx="0">
+        <a:scrgbClr r="0" g="0" b="0"/>
+      </a:lnRef>
+      <a:fillRef idx="3">
+        <a:scrgbClr r="0" g="0" b="0"/>
+      </a:fillRef>
+      <a:effectRef idx="2">
+        <a:scrgbClr r="0" g="0" b="0"/>
+      </a:effectRef>
+      <a:fontRef idx="minor">
+        <a:schemeClr val="lt1"/>
+      </a:fontRef>
+    </dgm:style>
+  </dgm:styleLbl>
+  <dgm:styleLbl name="asst2">
+    <dgm:scene3d>
+      <a:camera prst="orthographicFront"/>
+      <a:lightRig rig="threePt" dir="t"/>
+    </dgm:scene3d>
+    <dgm:sp3d/>
+    <dgm:txPr/>
+    <dgm:style>
+      <a:lnRef idx="0">
+        <a:scrgbClr r="0" g="0" b="0"/>
+      </a:lnRef>
+      <a:fillRef idx="3">
+        <a:scrgbClr r="0" g="0" b="0"/>
+      </a:fillRef>
+      <a:effectRef idx="2">
+        <a:scrgbClr r="0" g="0" b="0"/>
+      </a:effectRef>
+      <a:fontRef idx="minor">
+        <a:schemeClr val="lt1"/>
+      </a:fontRef>
+    </dgm:style>
+  </dgm:styleLbl>
+  <dgm:styleLbl name="asst3">
+    <dgm:scene3d>
+      <a:camera prst="orthographicFront"/>
+      <a:lightRig rig="threePt" dir="t"/>
+    </dgm:scene3d>
+    <dgm:sp3d/>
+    <dgm:txPr/>
+    <dgm:style>
+      <a:lnRef idx="0">
+        <a:scrgbClr r="0" g="0" b="0"/>
+      </a:lnRef>
+      <a:fillRef idx="3">
+        <a:scrgbClr r="0" g="0" b="0"/>
+      </a:fillRef>
+      <a:effectRef idx="2">
+        <a:scrgbClr r="0" g="0" b="0"/>
+      </a:effectRef>
+      <a:fontRef idx="minor">
+        <a:schemeClr val="lt1"/>
+      </a:fontRef>
+    </dgm:style>
+  </dgm:styleLbl>
+  <dgm:styleLbl name="asst4">
+    <dgm:scene3d>
+      <a:camera prst="orthographicFront"/>
+      <a:lightRig rig="threePt" dir="t"/>
+    </dgm:scene3d>
+    <dgm:sp3d/>
+    <dgm:txPr/>
+    <dgm:style>
+      <a:lnRef idx="0">
+        <a:scrgbClr r="0" g="0" b="0"/>
+      </a:lnRef>
+      <a:fillRef idx="3">
+        <a:scrgbClr r="0" g="0" b="0"/>
+      </a:fillRef>
+      <a:effectRef idx="2">
+        <a:scrgbClr r="0" g="0" b="0"/>
+      </a:effectRef>
+      <a:fontRef idx="minor">
+        <a:schemeClr val="lt1"/>
+      </a:fontRef>
+    </dgm:style>
+  </dgm:styleLbl>
+  <dgm:styleLbl name="parChTrans2D1">
+    <dgm:scene3d>
+      <a:camera prst="orthographicFront"/>
+      <a:lightRig rig="threePt" dir="t"/>
+    </dgm:scene3d>
+    <dgm:sp3d/>
+    <dgm:txPr/>
+    <dgm:style>
+      <a:lnRef idx="0">
+        <a:scrgbClr r="0" g="0" b="0"/>
+      </a:lnRef>
+      <a:fillRef idx="3">
+        <a:scrgbClr r="0" g="0" b="0"/>
+      </a:fillRef>
+      <a:effectRef idx="2">
+        <a:scrgbClr r="0" g="0" b="0"/>
+      </a:effectRef>
+      <a:fontRef idx="minor">
+        <a:schemeClr val="lt1"/>
+      </a:fontRef>
+    </dgm:style>
+  </dgm:styleLbl>
+  <dgm:styleLbl name="parChTrans2D2">
+    <dgm:scene3d>
+      <a:camera prst="orthographicFront"/>
+      <a:lightRig rig="threePt" dir="t"/>
+    </dgm:scene3d>
+    <dgm:sp3d/>
+    <dgm:txPr/>
+    <dgm:style>
+      <a:lnRef idx="0">
+        <a:scrgbClr r="0" g="0" b="0"/>
+      </a:lnRef>
+      <a:fillRef idx="3">
+        <a:scrgbClr r="0" g="0" b="0"/>
+      </a:fillRef>
+      <a:effectRef idx="2">
+        <a:scrgbClr r="0" g="0" b="0"/>
+      </a:effectRef>
+      <a:fontRef idx="minor">
+        <a:schemeClr val="lt1"/>
+      </a:fontRef>
+    </dgm:style>
+  </dgm:styleLbl>
+  <dgm:styleLbl name="parChTrans2D3">
+    <dgm:scene3d>
+      <a:camera prst="orthographicFront"/>
+      <a:lightRig rig="threePt" dir="t"/>
+    </dgm:scene3d>
+    <dgm:sp3d/>
+    <dgm:txPr/>
+    <dgm:style>
+      <a:lnRef idx="1">
+        <a:scrgbClr r="0" g="0" b="0"/>
+      </a:lnRef>
+      <a:fillRef idx="3">
+        <a:scrgbClr r="0" g="0" b="0"/>
+      </a:fillRef>
+      <a:effectRef idx="2">
+        <a:scrgbClr r="0" g="0" b="0"/>
+      </a:effectRef>
+      <a:fontRef idx="minor">
+        <a:schemeClr val="lt1"/>
+      </a:fontRef>
+    </dgm:style>
+  </dgm:styleLbl>
+  <dgm:styleLbl name="parChTrans2D4">
+    <dgm:scene3d>
+      <a:camera prst="orthographicFront"/>
+      <a:lightRig rig="threePt" dir="t"/>
+    </dgm:scene3d>
+    <dgm:sp3d/>
+    <dgm:txPr/>
+    <dgm:style>
+      <a:lnRef idx="1">
+        <a:scrgbClr r="0" g="0" b="0"/>
+      </a:lnRef>
+      <a:fillRef idx="3">
+        <a:scrgbClr r="0" g="0" b="0"/>
+      </a:fillRef>
+      <a:effectRef idx="2">
+        <a:scrgbClr r="0" g="0" b="0"/>
+      </a:effectRef>
+      <a:fontRef idx="minor">
+        <a:schemeClr val="lt1"/>
+      </a:fontRef>
+    </dgm:style>
+  </dgm:styleLbl>
+  <dgm:styleLbl name="parChTrans1D1">
+    <dgm:scene3d>
+      <a:camera prst="orthographicFront"/>
+      <a:lightRig rig="threePt" dir="t"/>
+    </dgm:scene3d>
+    <dgm:sp3d/>
+    <dgm:txPr/>
+    <dgm:style>
+      <a:lnRef idx="1">
+        <a:scrgbClr r="0" g="0" b="0"/>
+      </a:lnRef>
+      <a:fillRef idx="0">
+        <a:scrgbClr r="0" g="0" b="0"/>
+      </a:fillRef>
+      <a:effectRef idx="0">
+        <a:scrgbClr r="0" g="0" b="0"/>
+      </a:effectRef>
+      <a:fontRef idx="minor"/>
+    </dgm:style>
+  </dgm:styleLbl>
+  <dgm:styleLbl name="parChTrans1D2">
+    <dgm:scene3d>
+      <a:camera prst="orthographicFront"/>
+      <a:lightRig rig="threePt" dir="t"/>
+    </dgm:scene3d>
+    <dgm:sp3d/>
+    <dgm:txPr/>
+    <dgm:style>
+      <a:lnRef idx="1">
+        <a:scrgbClr r="0" g="0" b="0"/>
+      </a:lnRef>
+      <a:fillRef idx="0">
+        <a:scrgbClr r="0" g="0" b="0"/>
+      </a:fillRef>
+      <a:effectRef idx="0">
+        <a:scrgbClr r="0" g="0" b="0"/>
+      </a:effectRef>
+      <a:fontRef idx="minor"/>
+    </dgm:style>
+  </dgm:styleLbl>
+  <dgm:styleLbl name="parChTrans1D3">
+    <dgm:scene3d>
+      <a:camera prst="orthographicFront"/>
+      <a:lightRig rig="threePt" dir="t"/>
+    </dgm:scene3d>
+    <dgm:sp3d/>
+    <dgm:txPr/>
+    <dgm:style>
+      <a:lnRef idx="1">
+        <a:scrgbClr r="0" g="0" b="0"/>
+      </a:lnRef>
+      <a:fillRef idx="0">
+        <a:scrgbClr r="0" g="0" b="0"/>
+      </a:fillRef>
+      <a:effectRef idx="0">
+        <a:scrgbClr r="0" g="0" b="0"/>
+      </a:effectRef>
+      <a:fontRef idx="minor"/>
+    </dgm:style>
+  </dgm:styleLbl>
+  <dgm:styleLbl name="parChTrans1D4">
+    <dgm:scene3d>
+      <a:camera prst="orthographicFront"/>
+      <a:lightRig rig="threePt" dir="t"/>
+    </dgm:scene3d>
+    <dgm:sp3d/>
+    <dgm:txPr/>
+    <dgm:style>
+      <a:lnRef idx="1">
+        <a:scrgbClr r="0" g="0" b="0"/>
+      </a:lnRef>
+      <a:fillRef idx="0">
+        <a:scrgbClr r="0" g="0" b="0"/>
+      </a:fillRef>
+      <a:effectRef idx="0">
+        <a:scrgbClr r="0" g="0" b="0"/>
+      </a:effectRef>
+      <a:fontRef idx="minor"/>
+    </dgm:style>
+  </dgm:styleLbl>
+  <dgm:styleLbl name="fgAcc1">
+    <dgm:scene3d>
+      <a:camera prst="orthographicFront"/>
+      <a:lightRig rig="threePt" dir="t"/>
+    </dgm:scene3d>
+    <dgm:sp3d/>
+    <dgm:txPr/>
+    <dgm:style>
+      <a:lnRef idx="1">
+        <a:scrgbClr r="0" g="0" b="0"/>
+      </a:lnRef>
+      <a:fillRef idx="1">
+        <a:scrgbClr r="0" g="0" b="0"/>
+      </a:fillRef>
+      <a:effectRef idx="0">
+        <a:scrgbClr r="0" g="0" b="0"/>
+      </a:effectRef>
+      <a:fontRef idx="minor"/>
+    </dgm:style>
+  </dgm:styleLbl>
+  <dgm:styleLbl name="conFgAcc1">
+    <dgm:scene3d>
+      <a:camera prst="orthographicFront"/>
+      <a:lightRig rig="threePt" dir="t"/>
+    </dgm:scene3d>
+    <dgm:sp3d/>
+    <dgm:txPr/>
+    <dgm:style>
+      <a:lnRef idx="1">
+        <a:scrgbClr r="0" g="0" b="0"/>
+      </a:lnRef>
+      <a:fillRef idx="1">
+        <a:scrgbClr r="0" g="0" b="0"/>
+      </a:fillRef>
+      <a:effectRef idx="0">
+        <a:scrgbClr r="0" g="0" b="0"/>
+      </a:effectRef>
+      <a:fontRef idx="minor"/>
+    </dgm:style>
+  </dgm:styleLbl>
+  <dgm:styleLbl name="alignAcc1">
+    <dgm:scene3d>
+      <a:camera prst="orthographicFront"/>
+      <a:lightRig rig="threePt" dir="t"/>
+    </dgm:scene3d>
+    <dgm:sp3d/>
+    <dgm:txPr/>
+    <dgm:style>
+      <a:lnRef idx="1">
+        <a:scrgbClr r="0" g="0" b="0"/>
+      </a:lnRef>
+      <a:fillRef idx="1">
+        <a:scrgbClr r="0" g="0" b="0"/>
+      </a:fillRef>
+      <a:effectRef idx="0">
+        <a:scrgbClr r="0" g="0" b="0"/>
+      </a:effectRef>
+      <a:fontRef idx="minor"/>
+    </dgm:style>
+  </dgm:styleLbl>
+  <dgm:styleLbl name="trAlignAcc1">
+    <dgm:scene3d>
+      <a:camera prst="orthographicFront"/>
+      <a:lightRig rig="threePt" dir="t"/>
+    </dgm:scene3d>
+    <dgm:sp3d/>
+    <dgm:txPr/>
+    <dgm:style>
+      <a:lnRef idx="1">
+        <a:scrgbClr r="0" g="0" b="0"/>
+      </a:lnRef>
+      <a:fillRef idx="1">
+        <a:scrgbClr r="0" g="0" b="0"/>
+      </a:fillRef>
+      <a:effectRef idx="0">
+        <a:scrgbClr r="0" g="0" b="0"/>
+      </a:effectRef>
+      <a:fontRef idx="minor"/>
+    </dgm:style>
+  </dgm:styleLbl>
+  <dgm:styleLbl name="bgAcc1">
+    <dgm:scene3d>
+      <a:camera prst="orthographicFront"/>
+      <a:lightRig rig="threePt" dir="t"/>
+    </dgm:scene3d>
+    <dgm:sp3d/>
+    <dgm:txPr/>
+    <dgm:style>
+      <a:lnRef idx="1">
+        <a:scrgbClr r="0" g="0" b="0"/>
+      </a:lnRef>
+      <a:fillRef idx="1">
+        <a:scrgbClr r="0" g="0" b="0"/>
+      </a:fillRef>
+      <a:effectRef idx="0">
+        <a:scrgbClr r="0" g="0" b="0"/>
+      </a:effectRef>
+      <a:fontRef idx="minor"/>
+    </dgm:style>
+  </dgm:styleLbl>
+  <dgm:styleLbl name="solidFgAcc1">
+    <dgm:scene3d>
+      <a:camera prst="orthographicFront"/>
+      <a:lightRig rig="threePt" dir="t"/>
+    </dgm:scene3d>
+    <dgm:sp3d/>
+    <dgm:txPr/>
+    <dgm:style>
+      <a:lnRef idx="1">
+        <a:scrgbClr r="0" g="0" b="0"/>
+      </a:lnRef>
+      <a:fillRef idx="1">
+        <a:scrgbClr r="0" g="0" b="0"/>
+      </a:fillRef>
+      <a:effectRef idx="0">
+        <a:scrgbClr r="0" g="0" b="0"/>
+      </a:effectRef>
+      <a:fontRef idx="minor"/>
+    </dgm:style>
+  </dgm:styleLbl>
+  <dgm:styleLbl name="solidAlignAcc1">
+    <dgm:scene3d>
+      <a:camera prst="orthographicFront"/>
+      <a:lightRig rig="threePt" dir="t"/>
+    </dgm:scene3d>
+    <dgm:sp3d/>
+    <dgm:txPr/>
+    <dgm:style>
+      <a:lnRef idx="1">
+        <a:scrgbClr r="0" g="0" b="0"/>
+      </a:lnRef>
+      <a:fillRef idx="1">
+        <a:scrgbClr r="0" g="0" b="0"/>
+      </a:fillRef>
+      <a:effectRef idx="0">
+        <a:scrgbClr r="0" g="0" b="0"/>
+      </a:effectRef>
+      <a:fontRef idx="minor"/>
+    </dgm:style>
+  </dgm:styleLbl>
+  <dgm:styleLbl name="solidBgAcc1">
+    <dgm:scene3d>
+      <a:camera prst="orthographicFront"/>
+      <a:lightRig rig="threePt" dir="t"/>
+    </dgm:scene3d>
+    <dgm:sp3d/>
+    <dgm:txPr/>
+    <dgm:style>
+      <a:lnRef idx="1">
+        <a:scrgbClr r="0" g="0" b="0"/>
+      </a:lnRef>
+      <a:fillRef idx="1">
+        <a:scrgbClr r="0" g="0" b="0"/>
+      </a:fillRef>
+      <a:effectRef idx="0">
+        <a:scrgbClr r="0" g="0" b="0"/>
+      </a:effectRef>
+      <a:fontRef idx="minor"/>
+    </dgm:style>
+  </dgm:styleLbl>
+  <dgm:styleLbl name="fgAccFollowNode1">
+    <dgm:scene3d>
+      <a:camera prst="orthographicFront"/>
+      <a:lightRig rig="threePt" dir="t"/>
+    </dgm:scene3d>
+    <dgm:sp3d/>
+    <dgm:txPr/>
+    <dgm:style>
+      <a:lnRef idx="1">
+        <a:scrgbClr r="0" g="0" b="0"/>
+      </a:lnRef>
+      <a:fillRef idx="1">
+        <a:scrgbClr r="0" g="0" b="0"/>
+      </a:fillRef>
+      <a:effectRef idx="0">
+        <a:scrgbClr r="0" g="0" b="0"/>
+      </a:effectRef>
+      <a:fontRef idx="minor"/>
+    </dgm:style>
+  </dgm:styleLbl>
+  <dgm:styleLbl name="alignAccFollowNode1">
+    <dgm:scene3d>
+      <a:camera prst="orthographicFront"/>
+      <a:lightRig rig="threePt" dir="t"/>
+    </dgm:scene3d>
+    <dgm:sp3d/>
+    <dgm:txPr/>
+    <dgm:style>
+      <a:lnRef idx="1">
+        <a:scrgbClr r="0" g="0" b="0"/>
+      </a:lnRef>
+      <a:fillRef idx="1">
+        <a:scrgbClr r="0" g="0" b="0"/>
+      </a:fillRef>
+      <a:effectRef idx="0">
+        <a:scrgbClr r="0" g="0" b="0"/>
+      </a:effectRef>
+      <a:fontRef idx="minor"/>
+    </dgm:style>
+  </dgm:styleLbl>
+  <dgm:styleLbl name="bgAccFollowNode1">
+    <dgm:scene3d>
+      <a:camera prst="orthographicFront"/>
+      <a:lightRig rig="threePt" dir="t"/>
+    </dgm:scene3d>
+    <dgm:sp3d/>
+    <dgm:txPr/>
+    <dgm:style>
+      <a:lnRef idx="1">
+        <a:scrgbClr r="0" g="0" b="0"/>
+      </a:lnRef>
+      <a:fillRef idx="1">
+        <a:scrgbClr r="0" g="0" b="0"/>
+      </a:fillRef>
+      <a:effectRef idx="0">
+        <a:scrgbClr r="0" g="0" b="0"/>
+      </a:effectRef>
+      <a:fontRef idx="minor"/>
+    </dgm:style>
+  </dgm:styleLbl>
+  <dgm:styleLbl name="fgAcc0">
+    <dgm:scene3d>
+      <a:camera prst="orthographicFront"/>
+      <a:lightRig rig="threePt" dir="t"/>
+    </dgm:scene3d>
+    <dgm:sp3d/>
+    <dgm:txPr/>
+    <dgm:style>
+      <a:lnRef idx="1">
+        <a:scrgbClr r="0" g="0" b="0"/>
+      </a:lnRef>
+      <a:fillRef idx="1">
+        <a:scrgbClr r="0" g="0" b="0"/>
+      </a:fillRef>
+      <a:effectRef idx="0">
+        <a:scrgbClr r="0" g="0" b="0"/>
+      </a:effectRef>
+      <a:fontRef idx="minor"/>
+    </dgm:style>
+  </dgm:styleLbl>
+  <dgm:styleLbl name="fgAcc2">
+    <dgm:scene3d>
+      <a:camera prst="orthographicFront"/>
+      <a:lightRig rig="threePt" dir="t"/>
+    </dgm:scene3d>
+    <dgm:sp3d/>
+    <dgm:txPr/>
+    <dgm:style>
+      <a:lnRef idx="1">
+        <a:scrgbClr r="0" g="0" b="0"/>
+      </a:lnRef>
+      <a:fillRef idx="1">
+        <a:scrgbClr r="0" g="0" b="0"/>
+      </a:fillRef>
+      <a:effectRef idx="0">
+        <a:scrgbClr r="0" g="0" b="0"/>
+      </a:effectRef>
+      <a:fontRef idx="minor"/>
+    </dgm:style>
+  </dgm:styleLbl>
+  <dgm:styleLbl name="fgAcc3">
+    <dgm:scene3d>
+      <a:camera prst="orthographicFront"/>
+      <a:lightRig rig="threePt" dir="t"/>
+    </dgm:scene3d>
+    <dgm:sp3d/>
+    <dgm:txPr/>
+    <dgm:style>
+      <a:lnRef idx="1">
+        <a:scrgbClr r="0" g="0" b="0"/>
+      </a:lnRef>
+      <a:fillRef idx="1">
+        <a:scrgbClr r="0" g="0" b="0"/>
+      </a:fillRef>
+      <a:effectRef idx="0">
+        <a:scrgbClr r="0" g="0" b="0"/>
+      </a:effectRef>
+      <a:fontRef idx="minor"/>
+    </dgm:style>
+  </dgm:styleLbl>
+  <dgm:styleLbl name="fgAcc4">
+    <dgm:scene3d>
+      <a:camera prst="orthographicFront"/>
+      <a:lightRig rig="threePt" dir="t"/>
+    </dgm:scene3d>
+    <dgm:sp3d/>
+    <dgm:txPr/>
+    <dgm:style>
+      <a:lnRef idx="1">
+        <a:scrgbClr r="0" g="0" b="0"/>
+      </a:lnRef>
+      <a:fillRef idx="1">
+        <a:scrgbClr r="0" g="0" b="0"/>
+      </a:fillRef>
+      <a:effectRef idx="0">
+        <a:scrgbClr r="0" g="0" b="0"/>
+      </a:effectRef>
+      <a:fontRef idx="minor"/>
+    </dgm:style>
+  </dgm:styleLbl>
+  <dgm:styleLbl name="bgShp">
+    <dgm:scene3d>
+      <a:camera prst="orthographicFront"/>
+      <a:lightRig rig="threePt" dir="t"/>
+    </dgm:scene3d>
+    <dgm:sp3d/>
+    <dgm:txPr/>
+    <dgm:style>
+      <a:lnRef idx="0">
+        <a:scrgbClr r="0" g="0" b="0"/>
+      </a:lnRef>
+      <a:fillRef idx="1">
+        <a:scrgbClr r="0" g="0" b="0"/>
+      </a:fillRef>
+      <a:effectRef idx="2">
+        <a:scrgbClr r="0" g="0" b="0"/>
+      </a:effectRef>
+      <a:fontRef idx="minor"/>
+    </dgm:style>
+  </dgm:styleLbl>
+  <dgm:styleLbl name="dkBgShp">
+    <dgm:scene3d>
+      <a:camera prst="orthographicFront"/>
+      <a:lightRig rig="threePt" dir="t"/>
+    </dgm:scene3d>
+    <dgm:sp3d/>
+    <dgm:txPr/>
+    <dgm:style>
+      <a:lnRef idx="0">
+        <a:scrgbClr r="0" g="0" b="0"/>
+      </a:lnRef>
+      <a:fillRef idx="1">
+        <a:scrgbClr r="0" g="0" b="0"/>
+      </a:fillRef>
+      <a:effectRef idx="2">
+        <a:scrgbClr r="0" g="0" b="0"/>
+      </a:effectRef>
+      <a:fontRef idx="minor"/>
+    </dgm:style>
+  </dgm:styleLbl>
+  <dgm:styleLbl name="trBgShp">
+    <dgm:scene3d>
+      <a:camera prst="orthographicFront"/>
+      <a:lightRig rig="threePt" dir="t"/>
+    </dgm:scene3d>
+    <dgm:sp3d/>
+    <dgm:txPr/>
+    <dgm:style>
+      <a:lnRef idx="0">
+        <a:scrgbClr r="0" g="0" b="0"/>
+      </a:lnRef>
+      <a:fillRef idx="1">
+        <a:scrgbClr r="0" g="0" b="0"/>
+      </a:fillRef>
+      <a:effectRef idx="0">
+        <a:scrgbClr r="0" g="0" b="0"/>
+      </a:effectRef>
+      <a:fontRef idx="minor"/>
+    </dgm:style>
+  </dgm:styleLbl>
+  <dgm:styleLbl name="fgShp">
+    <dgm:scene3d>
+      <a:camera prst="orthographicFront"/>
+      <a:lightRig rig="threePt" dir="t"/>
+    </dgm:scene3d>
+    <dgm:sp3d/>
+    <dgm:txPr/>
+    <dgm:style>
+      <a:lnRef idx="0">
+        <a:scrgbClr r="0" g="0" b="0"/>
+      </a:lnRef>
+      <a:fillRef idx="3">
+        <a:scrgbClr r="0" g="0" b="0"/>
+      </a:fillRef>
+      <a:effectRef idx="2">
+        <a:scrgbClr r="0" g="0" b="0"/>
+      </a:effectRef>
+      <a:fontRef idx="minor"/>
+    </dgm:style>
+  </dgm:styleLbl>
+  <dgm:styleLbl name="revTx">
+    <dgm:scene3d>
+      <a:camera prst="orthographicFront"/>
+      <a:lightRig rig="threePt" dir="t"/>
+    </dgm:scene3d>
+    <dgm:sp3d/>
+    <dgm:txPr/>
+    <dgm:style>
+      <a:lnRef idx="0">
+        <a:scrgbClr r="0" g="0" b="0"/>
+      </a:lnRef>
+      <a:fillRef idx="0">
+        <a:scrgbClr r="0" g="0" b="0"/>
+      </a:fillRef>
+      <a:effectRef idx="0">
+        <a:scrgbClr r="0" g="0" b="0"/>
+      </a:effectRef>
+      <a:fontRef idx="minor"/>
+    </dgm:style>
+  </dgm:styleLbl>
+</dgm:styleDef>
+</file>
+
+<file path=ppt/diagrams/quickStyle2.xml><?xml version="1.0" encoding="utf-8"?>
+<dgm:styleDef xmlns:dgm="http://schemas.openxmlformats.org/drawingml/2006/diagram" xmlns:a="http://schemas.openxmlformats.org/drawingml/2006/main" uniqueId="urn:microsoft.com/office/officeart/2005/8/quickstyle/simple1">
+  <dgm:title val=""/>
+  <dgm:desc val=""/>
+  <dgm:catLst>
+    <dgm:cat type="simple" pri="10100"/>
+  </dgm:catLst>
+  <dgm:scene3d>
+    <a:camera prst="orthographicFront"/>
+    <a:lightRig rig="threePt" dir="t"/>
+  </dgm:scene3d>
+  <dgm:styleLbl name="node0">
+    <dgm:scene3d>
+      <a:camera prst="orthographicFront"/>
+      <a:lightRig rig="threePt" dir="t"/>
+    </dgm:scene3d>
+    <dgm:sp3d/>
+    <dgm:txPr/>
+    <dgm:style>
+      <a:lnRef idx="2">
+        <a:scrgbClr r="0" g="0" b="0"/>
+      </a:lnRef>
+      <a:fillRef idx="1">
+        <a:scrgbClr r="0" g="0" b="0"/>
+      </a:fillRef>
+      <a:effectRef idx="0">
+        <a:scrgbClr r="0" g="0" b="0"/>
+      </a:effectRef>
+      <a:fontRef idx="minor">
+        <a:schemeClr val="lt1"/>
+      </a:fontRef>
+    </dgm:style>
+  </dgm:styleLbl>
+  <dgm:styleLbl name="lnNode1">
+    <dgm:scene3d>
+      <a:camera prst="orthographicFront"/>
+      <a:lightRig rig="threePt" dir="t"/>
+    </dgm:scene3d>
+    <dgm:sp3d/>
+    <dgm:txPr/>
+    <dgm:style>
+      <a:lnRef idx="2">
+        <a:scrgbClr r="0" g="0" b="0"/>
+      </a:lnRef>
+      <a:fillRef idx="1">
+        <a:scrgbClr r="0" g="0" b="0"/>
+      </a:fillRef>
+      <a:effectRef idx="0">
+        <a:scrgbClr r="0" g="0" b="0"/>
+      </a:effectRef>
+      <a:fontRef idx="minor">
+        <a:schemeClr val="lt1"/>
+      </a:fontRef>
+    </dgm:style>
+  </dgm:styleLbl>
+  <dgm:styleLbl name="vennNode1">
+    <dgm:scene3d>
+      <a:camera prst="orthographicFront"/>
+      <a:lightRig rig="threePt" dir="t"/>
+    </dgm:scene3d>
+    <dgm:sp3d/>
+    <dgm:txPr/>
+    <dgm:style>
+      <a:lnRef idx="2">
+        <a:scrgbClr r="0" g="0" b="0"/>
+      </a:lnRef>
+      <a:fillRef idx="1">
+        <a:scrgbClr r="0" g="0" b="0"/>
+      </a:fillRef>
+      <a:effectRef idx="0">
+        <a:scrgbClr r="0" g="0" b="0"/>
+      </a:effectRef>
+      <a:fontRef idx="minor">
+        <a:schemeClr val="tx1"/>
+      </a:fontRef>
+    </dgm:style>
+  </dgm:styleLbl>
+  <dgm:styleLbl name="alignNode1">
+    <dgm:scene3d>
+      <a:camera prst="orthographicFront"/>
+      <a:lightRig rig="threePt" dir="t"/>
+    </dgm:scene3d>
+    <dgm:sp3d/>
+    <dgm:txPr/>
+    <dgm:style>
+      <a:lnRef idx="2">
+        <a:scrgbClr r="0" g="0" b="0"/>
+      </a:lnRef>
+      <a:fillRef idx="1">
+        <a:scrgbClr r="0" g="0" b="0"/>
+      </a:fillRef>
+      <a:effectRef idx="0">
+        <a:scrgbClr r="0" g="0" b="0"/>
+      </a:effectRef>
+      <a:fontRef idx="minor">
+        <a:schemeClr val="lt1"/>
+      </a:fontRef>
+    </dgm:style>
+  </dgm:styleLbl>
+  <dgm:styleLbl name="node1">
+    <dgm:scene3d>
+      <a:camera prst="orthographicFront"/>
+      <a:lightRig rig="threePt" dir="t"/>
+    </dgm:scene3d>
+    <dgm:sp3d/>
+    <dgm:txPr/>
+    <dgm:style>
+      <a:lnRef idx="2">
+        <a:scrgbClr r="0" g="0" b="0"/>
+      </a:lnRef>
+      <a:fillRef idx="1">
+        <a:scrgbClr r="0" g="0" b="0"/>
+      </a:fillRef>
+      <a:effectRef idx="0">
+        <a:scrgbClr r="0" g="0" b="0"/>
+      </a:effectRef>
+      <a:fontRef idx="minor">
+        <a:schemeClr val="lt1"/>
+      </a:fontRef>
+    </dgm:style>
+  </dgm:styleLbl>
+  <dgm:styleLbl name="node2">
+    <dgm:scene3d>
+      <a:camera prst="orthographicFront"/>
+      <a:lightRig rig="threePt" dir="t"/>
+    </dgm:scene3d>
+    <dgm:sp3d/>
+    <dgm:txPr/>
+    <dgm:style>
+      <a:lnRef idx="2">
+        <a:scrgbClr r="0" g="0" b="0"/>
+      </a:lnRef>
+      <a:fillRef idx="1">
+        <a:scrgbClr r="0" g="0" b="0"/>
+      </a:fillRef>
+      <a:effectRef idx="0">
+        <a:scrgbClr r="0" g="0" b="0"/>
+      </a:effectRef>
+      <a:fontRef idx="minor">
+        <a:schemeClr val="lt1"/>
+      </a:fontRef>
+    </dgm:style>
+  </dgm:styleLbl>
+  <dgm:styleLbl name="node3">
+    <dgm:scene3d>
+      <a:camera prst="orthographicFront"/>
+      <a:lightRig rig="threePt" dir="t"/>
+    </dgm:scene3d>
+    <dgm:sp3d/>
+    <dgm:txPr/>
+    <dgm:style>
+      <a:lnRef idx="2">
+        <a:scrgbClr r="0" g="0" b="0"/>
+      </a:lnRef>
+      <a:fillRef idx="1">
+        <a:scrgbClr r="0" g="0" b="0"/>
+      </a:fillRef>
+      <a:effectRef idx="0">
+        <a:scrgbClr r="0" g="0" b="0"/>
+      </a:effectRef>
+      <a:fontRef idx="minor">
+        <a:schemeClr val="lt1"/>
+      </a:fontRef>
+    </dgm:style>
+  </dgm:styleLbl>
+  <dgm:styleLbl name="node4">
+    <dgm:scene3d>
+      <a:camera prst="orthographicFront"/>
+      <a:lightRig rig="threePt" dir="t"/>
+    </dgm:scene3d>
+    <dgm:sp3d/>
+    <dgm:txPr/>
+    <dgm:style>
+      <a:lnRef idx="2">
+        <a:scrgbClr r="0" g="0" b="0"/>
+      </a:lnRef>
+      <a:fillRef idx="1">
+        <a:scrgbClr r="0" g="0" b="0"/>
+      </a:fillRef>
+      <a:effectRef idx="0">
+        <a:scrgbClr r="0" g="0" b="0"/>
+      </a:effectRef>
+      <a:fontRef idx="minor">
+        <a:schemeClr val="lt1"/>
+      </a:fontRef>
+    </dgm:style>
+  </dgm:styleLbl>
+  <dgm:styleLbl name="fgImgPlace1">
+    <dgm:scene3d>
+      <a:camera prst="orthographicFront"/>
+      <a:lightRig rig="threePt" dir="t"/>
+    </dgm:scene3d>
+    <dgm:sp3d/>
+    <dgm:txPr/>
+    <dgm:style>
+      <a:lnRef idx="2">
+        <a:scrgbClr r="0" g="0" b="0"/>
+      </a:lnRef>
+      <a:fillRef idx="1">
+        <a:scrgbClr r="0" g="0" b="0"/>
+      </a:fillRef>
+      <a:effectRef idx="0">
+        <a:scrgbClr r="0" g="0" b="0"/>
+      </a:effectRef>
+      <a:fontRef idx="minor"/>
+    </dgm:style>
+  </dgm:styleLbl>
+  <dgm:styleLbl name="alignImgPlace1">
+    <dgm:scene3d>
+      <a:camera prst="orthographicFront"/>
+      <a:lightRig rig="threePt" dir="t"/>
+    </dgm:scene3d>
+    <dgm:sp3d/>
+    <dgm:txPr/>
+    <dgm:style>
+      <a:lnRef idx="2">
+        <a:scrgbClr r="0" g="0" b="0"/>
+      </a:lnRef>
+      <a:fillRef idx="1">
+        <a:scrgbClr r="0" g="0" b="0"/>
+      </a:fillRef>
+      <a:effectRef idx="0">
+        <a:scrgbClr r="0" g="0" b="0"/>
+      </a:effectRef>
+      <a:fontRef idx="minor"/>
+    </dgm:style>
+  </dgm:styleLbl>
+  <dgm:styleLbl name="bgImgPlace1">
+    <dgm:scene3d>
+      <a:camera prst="orthographicFront"/>
+      <a:lightRig rig="threePt" dir="t"/>
+    </dgm:scene3d>
+    <dgm:sp3d/>
+    <dgm:txPr/>
+    <dgm:style>
+      <a:lnRef idx="2">
+        <a:scrgbClr r="0" g="0" b="0"/>
+      </a:lnRef>
+      <a:fillRef idx="1">
+        <a:scrgbClr r="0" g="0" b="0"/>
+      </a:fillRef>
+      <a:effectRef idx="0">
+        <a:scrgbClr r="0" g="0" b="0"/>
+      </a:effectRef>
+      <a:fontRef idx="minor"/>
+    </dgm:style>
+  </dgm:styleLbl>
+  <dgm:styleLbl name="sibTrans2D1">
+    <dgm:scene3d>
+      <a:camera prst="orthographicFront"/>
+      <a:lightRig rig="threePt" dir="t"/>
+    </dgm:scene3d>
+    <dgm:sp3d/>
+    <dgm:txPr/>
+    <dgm:style>
+      <a:lnRef idx="0">
+        <a:scrgbClr r="0" g="0" b="0"/>
+      </a:lnRef>
+      <a:fillRef idx="1">
+        <a:scrgbClr r="0" g="0" b="0"/>
+      </a:fillRef>
+      <a:effectRef idx="0">
+        <a:scrgbClr r="0" g="0" b="0"/>
+      </a:effectRef>
+      <a:fontRef idx="minor">
+        <a:schemeClr val="lt1"/>
+      </a:fontRef>
+    </dgm:style>
+  </dgm:styleLbl>
+  <dgm:styleLbl name="fgSibTrans2D1">
+    <dgm:scene3d>
+      <a:camera prst="orthographicFront"/>
+      <a:lightRig rig="threePt" dir="t"/>
+    </dgm:scene3d>
+    <dgm:sp3d/>
+    <dgm:txPr/>
+    <dgm:style>
+      <a:lnRef idx="0">
+        <a:scrgbClr r="0" g="0" b="0"/>
+      </a:lnRef>
+      <a:fillRef idx="1">
+        <a:scrgbClr r="0" g="0" b="0"/>
+      </a:fillRef>
+      <a:effectRef idx="0">
+        <a:scrgbClr r="0" g="0" b="0"/>
+      </a:effectRef>
+      <a:fontRef idx="minor">
+        <a:schemeClr val="lt1"/>
+      </a:fontRef>
+    </dgm:style>
+  </dgm:styleLbl>
+  <dgm:styleLbl name="bgSibTrans2D1">
+    <dgm:scene3d>
+      <a:camera prst="orthographicFront"/>
+      <a:lightRig rig="threePt" dir="t"/>
+    </dgm:scene3d>
+    <dgm:sp3d/>
+    <dgm:txPr/>
+    <dgm:style>
+      <a:lnRef idx="0">
+        <a:scrgbClr r="0" g="0" b="0"/>
+      </a:lnRef>
+      <a:fillRef idx="1">
+        <a:scrgbClr r="0" g="0" b="0"/>
+      </a:fillRef>
+      <a:effectRef idx="0">
+        <a:scrgbClr r="0" g="0" b="0"/>
+      </a:effectRef>
+      <a:fontRef idx="minor">
+        <a:schemeClr val="lt1"/>
+      </a:fontRef>
+    </dgm:style>
+  </dgm:styleLbl>
+  <dgm:styleLbl name="sibTrans1D1">
+    <dgm:scene3d>
+      <a:camera prst="orthographicFront"/>
+      <a:lightRig rig="threePt" dir="t"/>
+    </dgm:scene3d>
+    <dgm:sp3d/>
+    <dgm:txPr/>
+    <dgm:style>
+      <a:lnRef idx="1">
+        <a:scrgbClr r="0" g="0" b="0"/>
+      </a:lnRef>
+      <a:fillRef idx="0">
+        <a:scrgbClr r="0" g="0" b="0"/>
+      </a:fillRef>
+      <a:effectRef idx="0">
+        <a:scrgbClr r="0" g="0" b="0"/>
+      </a:effectRef>
+      <a:fontRef idx="minor"/>
+    </dgm:style>
+  </dgm:styleLbl>
+  <dgm:styleLbl name="callout">
+    <dgm:scene3d>
+      <a:camera prst="orthographicFront"/>
+      <a:lightRig rig="threePt" dir="t"/>
+    </dgm:scene3d>
+    <dgm:sp3d/>
+    <dgm:txPr/>
+    <dgm:style>
+      <a:lnRef idx="2">
+        <a:scrgbClr r="0" g="0" b="0"/>
+      </a:lnRef>
+      <a:fillRef idx="1">
+        <a:scrgbClr r="0" g="0" b="0"/>
+      </a:fillRef>
+      <a:effectRef idx="0">
+        <a:scrgbClr r="0" g="0" b="0"/>
+      </a:effectRef>
+      <a:fontRef idx="minor"/>
+    </dgm:style>
+  </dgm:styleLbl>
+  <dgm:styleLbl name="asst0">
+    <dgm:scene3d>
+      <a:camera prst="orthographicFront"/>
+      <a:lightRig rig="threePt" dir="t"/>
+    </dgm:scene3d>
+    <dgm:sp3d/>
+    <dgm:txPr/>
+    <dgm:style>
+      <a:lnRef idx="2">
+        <a:scrgbClr r="0" g="0" b="0"/>
+      </a:lnRef>
+      <a:fillRef idx="1">
+        <a:scrgbClr r="0" g="0" b="0"/>
+      </a:fillRef>
+      <a:effectRef idx="0">
+        <a:scrgbClr r="0" g="0" b="0"/>
+      </a:effectRef>
+      <a:fontRef idx="minor">
+        <a:schemeClr val="lt1"/>
+      </a:fontRef>
+    </dgm:style>
+  </dgm:styleLbl>
+  <dgm:styleLbl name="asst1">
+    <dgm:scene3d>
+      <a:camera prst="orthographicFront"/>
+      <a:lightRig rig="threePt" dir="t"/>
+    </dgm:scene3d>
+    <dgm:sp3d/>
+    <dgm:txPr/>
+    <dgm:style>
+      <a:lnRef idx="2">
+        <a:scrgbClr r="0" g="0" b="0"/>
+      </a:lnRef>
+      <a:fillRef idx="1">
+        <a:scrgbClr r="0" g="0" b="0"/>
+      </a:fillRef>
+      <a:effectRef idx="0">
+        <a:scrgbClr r="0" g="0" b="0"/>
+      </a:effectRef>
+      <a:fontRef idx="minor">
+        <a:schemeClr val="lt1"/>
+      </a:fontRef>
+    </dgm:style>
+  </dgm:styleLbl>
+  <dgm:styleLbl name="asst2">
+    <dgm:scene3d>
+      <a:camera prst="orthographicFront"/>
+      <a:lightRig rig="threePt" dir="t"/>
+    </dgm:scene3d>
+    <dgm:sp3d/>
+    <dgm:txPr/>
+    <dgm:style>
+      <a:lnRef idx="2">
+        <a:scrgbClr r="0" g="0" b="0"/>
+      </a:lnRef>
+      <a:fillRef idx="1">
+        <a:scrgbClr r="0" g="0" b="0"/>
+      </a:fillRef>
+      <a:effectRef idx="0">
+        <a:scrgbClr r="0" g="0" b="0"/>
+      </a:effectRef>
+      <a:fontRef idx="minor">
+        <a:schemeClr val="lt1"/>
+      </a:fontRef>
+    </dgm:style>
+  </dgm:styleLbl>
+  <dgm:styleLbl name="asst3">
+    <dgm:scene3d>
+      <a:camera prst="orthographicFront"/>
+      <a:lightRig rig="threePt" dir="t"/>
+    </dgm:scene3d>
+    <dgm:sp3d/>
+    <dgm:txPr/>
+    <dgm:style>
+      <a:lnRef idx="2">
+        <a:scrgbClr r="0" g="0" b="0"/>
+      </a:lnRef>
+      <a:fillRef idx="1">
+        <a:scrgbClr r="0" g="0" b="0"/>
+      </a:fillRef>
+      <a:effectRef idx="0">
+        <a:scrgbClr r="0" g="0" b="0"/>
+      </a:effectRef>
+      <a:fontRef idx="minor">
+        <a:schemeClr val="lt1"/>
+      </a:fontRef>
+    </dgm:style>
+  </dgm:styleLbl>
+  <dgm:styleLbl name="asst4">
+    <dgm:scene3d>
+      <a:camera prst="orthographicFront"/>
+      <a:lightRig rig="threePt" dir="t"/>
+    </dgm:scene3d>
+    <dgm:sp3d/>
+    <dgm:txPr/>
+    <dgm:style>
+      <a:lnRef idx="2">
+        <a:scrgbClr r="0" g="0" b="0"/>
+      </a:lnRef>
+      <a:fillRef idx="1">
+        <a:scrgbClr r="0" g="0" b="0"/>
+      </a:fillRef>
+      <a:effectRef idx="0">
+        <a:scrgbClr r="0" g="0" b="0"/>
+      </a:effectRef>
+      <a:fontRef idx="minor">
+        <a:schemeClr val="lt1"/>
+      </a:fontRef>
+    </dgm:style>
+  </dgm:styleLbl>
+  <dgm:styleLbl name="parChTrans2D1">
+    <dgm:scene3d>
+      <a:camera prst="orthographicFront"/>
+      <a:lightRig rig="threePt" dir="t"/>
+    </dgm:scene3d>
+    <dgm:sp3d/>
+    <dgm:txPr/>
+    <dgm:style>
+      <a:lnRef idx="2">
+        <a:scrgbClr r="0" g="0" b="0"/>
+      </a:lnRef>
+      <a:fillRef idx="1">
+        <a:scrgbClr r="0" g="0" b="0"/>
+      </a:fillRef>
+      <a:effectRef idx="0">
+        <a:scrgbClr r="0" g="0" b="0"/>
+      </a:effectRef>
+      <a:fontRef idx="minor">
+        <a:schemeClr val="lt1"/>
+      </a:fontRef>
+    </dgm:style>
+  </dgm:styleLbl>
+  <dgm:styleLbl name="parChTrans2D2">
+    <dgm:scene3d>
+      <a:camera prst="orthographicFront"/>
+      <a:lightRig rig="threePt" dir="t"/>
+    </dgm:scene3d>
+    <dgm:sp3d/>
+    <dgm:txPr/>
+    <dgm:style>
+      <a:lnRef idx="2">
+        <a:scrgbClr r="0" g="0" b="0"/>
+      </a:lnRef>
+      <a:fillRef idx="1">
+        <a:scrgbClr r="0" g="0" b="0"/>
+      </a:fillRef>
+      <a:effectRef idx="0">
+        <a:scrgbClr r="0" g="0" b="0"/>
+      </a:effectRef>
+      <a:fontRef idx="minor">
+        <a:schemeClr val="lt1"/>
+      </a:fontRef>
+    </dgm:style>
+  </dgm:styleLbl>
+  <dgm:styleLbl name="parChTrans2D3">
+    <dgm:scene3d>
+      <a:camera prst="orthographicFront"/>
+      <a:lightRig rig="threePt" dir="t"/>
+    </dgm:scene3d>
+    <dgm:sp3d/>
+    <dgm:txPr/>
+    <dgm:style>
+      <a:lnRef idx="2">
+        <a:scrgbClr r="0" g="0" b="0"/>
+      </a:lnRef>
+      <a:fillRef idx="1">
+        <a:scrgbClr r="0" g="0" b="0"/>
+      </a:fillRef>
+      <a:effectRef idx="0">
+        <a:scrgbClr r="0" g="0" b="0"/>
+      </a:effectRef>
+      <a:fontRef idx="minor">
+        <a:schemeClr val="lt1"/>
+      </a:fontRef>
+    </dgm:style>
+  </dgm:styleLbl>
+  <dgm:styleLbl name="parChTrans2D4">
+    <dgm:scene3d>
+      <a:camera prst="orthographicFront"/>
+      <a:lightRig rig="threePt" dir="t"/>
+    </dgm:scene3d>
+    <dgm:sp3d/>
+    <dgm:txPr/>
+    <dgm:style>
+      <a:lnRef idx="2">
+        <a:scrgbClr r="0" g="0" b="0"/>
+      </a:lnRef>
+      <a:fillRef idx="1">
+        <a:scrgbClr r="0" g="0" b="0"/>
+      </a:fillRef>
+      <a:effectRef idx="0">
+        <a:scrgbClr r="0" g="0" b="0"/>
+      </a:effectRef>
+      <a:fontRef idx="minor">
+        <a:schemeClr val="lt1"/>
+      </a:fontRef>
+    </dgm:style>
+  </dgm:styleLbl>
+  <dgm:styleLbl name="parChTrans1D1">
+    <dgm:scene3d>
+      <a:camera prst="orthographicFront"/>
+      <a:lightRig rig="threePt" dir="t"/>
+    </dgm:scene3d>
+    <dgm:sp3d/>
+    <dgm:txPr/>
+    <dgm:style>
+      <a:lnRef idx="2">
+        <a:scrgbClr r="0" g="0" b="0"/>
+      </a:lnRef>
+      <a:fillRef idx="0">
+        <a:scrgbClr r="0" g="0" b="0"/>
+      </a:fillRef>
+      <a:effectRef idx="0">
+        <a:scrgbClr r="0" g="0" b="0"/>
+      </a:effectRef>
+      <a:fontRef idx="minor"/>
+    </dgm:style>
+  </dgm:styleLbl>
+  <dgm:styleLbl name="parChTrans1D2">
+    <dgm:scene3d>
+      <a:camera prst="orthographicFront"/>
+      <a:lightRig rig="threePt" dir="t"/>
+    </dgm:scene3d>
+    <dgm:sp3d/>
+    <dgm:txPr/>
+    <dgm:style>
+      <a:lnRef idx="2">
+        <a:scrgbClr r="0" g="0" b="0"/>
+      </a:lnRef>
+      <a:fillRef idx="0">
+        <a:scrgbClr r="0" g="0" b="0"/>
+      </a:fillRef>
+      <a:effectRef idx="0">
+        <a:scrgbClr r="0" g="0" b="0"/>
+      </a:effectRef>
+      <a:fontRef idx="minor"/>
+    </dgm:style>
+  </dgm:styleLbl>
+  <dgm:styleLbl name="parChTrans1D3">
+    <dgm:scene3d>
+      <a:camera prst="orthographicFront"/>
+      <a:lightRig rig="threePt" dir="t"/>
+    </dgm:scene3d>
+    <dgm:sp3d/>
+    <dgm:txPr/>
+    <dgm:style>
+      <a:lnRef idx="2">
+        <a:scrgbClr r="0" g="0" b="0"/>
+      </a:lnRef>
+      <a:fillRef idx="0">
+        <a:scrgbClr r="0" g="0" b="0"/>
+      </a:fillRef>
+      <a:effectRef idx="0">
+        <a:scrgbClr r="0" g="0" b="0"/>
+      </a:effectRef>
+      <a:fontRef idx="minor"/>
+    </dgm:style>
+  </dgm:styleLbl>
+  <dgm:styleLbl name="parChTrans1D4">
+    <dgm:scene3d>
+      <a:camera prst="orthographicFront"/>
+      <a:lightRig rig="threePt" dir="t"/>
+    </dgm:scene3d>
+    <dgm:sp3d/>
+    <dgm:txPr/>
+    <dgm:style>
+      <a:lnRef idx="2">
+        <a:scrgbClr r="0" g="0" b="0"/>
+      </a:lnRef>
+      <a:fillRef idx="0">
+        <a:scrgbClr r="0" g="0" b="0"/>
+      </a:fillRef>
+      <a:effectRef idx="0">
+        <a:scrgbClr r="0" g="0" b="0"/>
+      </a:effectRef>
+      <a:fontRef idx="minor"/>
+    </dgm:style>
+  </dgm:styleLbl>
+  <dgm:styleLbl name="fgAcc1">
+    <dgm:scene3d>
+      <a:camera prst="orthographicFront"/>
+      <a:lightRig rig="threePt" dir="t"/>
+    </dgm:scene3d>
+    <dgm:sp3d/>
+    <dgm:txPr/>
+    <dgm:style>
+      <a:lnRef idx="2">
+        <a:scrgbClr r="0" g="0" b="0"/>
+      </a:lnRef>
+      <a:fillRef idx="1">
+        <a:scrgbClr r="0" g="0" b="0"/>
+      </a:fillRef>
+      <a:effectRef idx="0">
+        <a:scrgbClr r="0" g="0" b="0"/>
+      </a:effectRef>
+      <a:fontRef idx="minor"/>
+    </dgm:style>
+  </dgm:styleLbl>
+  <dgm:styleLbl name="conFgAcc1">
+    <dgm:scene3d>
+      <a:camera prst="orthographicFront"/>
+      <a:lightRig rig="threePt" dir="t"/>
+    </dgm:scene3d>
+    <dgm:sp3d/>
+    <dgm:txPr/>
+    <dgm:style>
+      <a:lnRef idx="2">
+        <a:scrgbClr r="0" g="0" b="0"/>
+      </a:lnRef>
+      <a:fillRef idx="1">
+        <a:scrgbClr r="0" g="0" b="0"/>
+      </a:fillRef>
+      <a:effectRef idx="0">
+        <a:scrgbClr r="0" g="0" b="0"/>
+      </a:effectRef>
+      <a:fontRef idx="minor"/>
+    </dgm:style>
+  </dgm:styleLbl>
+  <dgm:styleLbl name="alignAcc1">
+    <dgm:scene3d>
+      <a:camera prst="orthographicFront"/>
+      <a:lightRig rig="threePt" dir="t"/>
+    </dgm:scene3d>
+    <dgm:sp3d/>
+    <dgm:txPr/>
+    <dgm:style>
+      <a:lnRef idx="2">
+        <a:scrgbClr r="0" g="0" b="0"/>
+      </a:lnRef>
+      <a:fillRef idx="1">
+        <a:scrgbClr r="0" g="0" b="0"/>
+      </a:fillRef>
+      <a:effectRef idx="0">
+        <a:scrgbClr r="0" g="0" b="0"/>
+      </a:effectRef>
+      <a:fontRef idx="minor"/>
+    </dgm:style>
+  </dgm:styleLbl>
+  <dgm:styleLbl name="trAlignAcc1">
+    <dgm:scene3d>
+      <a:camera prst="orthographicFront"/>
+      <a:lightRig rig="threePt" dir="t"/>
+    </dgm:scene3d>
+    <dgm:sp3d/>
+    <dgm:txPr/>
+    <dgm:style>
+      <a:lnRef idx="1">
+        <a:scrgbClr r="0" g="0" b="0"/>
+      </a:lnRef>
+      <a:fillRef idx="1">
+        <a:scrgbClr r="0" g="0" b="0"/>
+      </a:fillRef>
+      <a:effectRef idx="0">
+        <a:scrgbClr r="0" g="0" b="0"/>
+      </a:effectRef>
+      <a:fontRef idx="minor"/>
+    </dgm:style>
+  </dgm:styleLbl>
+  <dgm:styleLbl name="bgAcc1">
+    <dgm:scene3d>
+      <a:camera prst="orthographicFront"/>
+      <a:lightRig rig="threePt" dir="t"/>
+    </dgm:scene3d>
+    <dgm:sp3d/>
+    <dgm:txPr/>
+    <dgm:style>
+      <a:lnRef idx="2">
+        <a:scrgbClr r="0" g="0" b="0"/>
+      </a:lnRef>
+      <a:fillRef idx="1">
+        <a:scrgbClr r="0" g="0" b="0"/>
+      </a:fillRef>
+      <a:effectRef idx="0">
+        <a:scrgbClr r="0" g="0" b="0"/>
+      </a:effectRef>
+      <a:fontRef idx="minor"/>
+    </dgm:style>
+  </dgm:styleLbl>
+  <dgm:styleLbl name="solidFgAcc1">
+    <dgm:scene3d>
+      <a:camera prst="orthographicFront"/>
+      <a:lightRig rig="threePt" dir="t"/>
+    </dgm:scene3d>
+    <dgm:sp3d/>
+    <dgm:txPr/>
+    <dgm:style>
+      <a:lnRef idx="2">
+        <a:scrgbClr r="0" g="0" b="0"/>
+      </a:lnRef>
+      <a:fillRef idx="1">
+        <a:scrgbClr r="0" g="0" b="0"/>
+      </a:fillRef>
+      <a:effectRef idx="0">
+        <a:scrgbClr r="0" g="0" b="0"/>
+      </a:effectRef>
+      <a:fontRef idx="minor"/>
+    </dgm:style>
+  </dgm:styleLbl>
+  <dgm:styleLbl name="solidAlignAcc1">
+    <dgm:scene3d>
+      <a:camera prst="orthographicFront"/>
+      <a:lightRig rig="threePt" dir="t"/>
+    </dgm:scene3d>
+    <dgm:sp3d/>
+    <dgm:txPr/>
+    <dgm:style>
+      <a:lnRef idx="2">
+        <a:scrgbClr r="0" g="0" b="0"/>
+      </a:lnRef>
+      <a:fillRef idx="1">
+        <a:scrgbClr r="0" g="0" b="0"/>
+      </a:fillRef>
+      <a:effectRef idx="0">
+        <a:scrgbClr r="0" g="0" b="0"/>
+      </a:effectRef>
+      <a:fontRef idx="minor"/>
+    </dgm:style>
+  </dgm:styleLbl>
+  <dgm:styleLbl name="solidBgAcc1">
+    <dgm:scene3d>
+      <a:camera prst="orthographicFront"/>
+      <a:lightRig rig="threePt" dir="t"/>
+    </dgm:scene3d>
+    <dgm:sp3d/>
+    <dgm:txPr/>
+    <dgm:style>
+      <a:lnRef idx="2">
+        <a:scrgbClr r="0" g="0" b="0"/>
+      </a:lnRef>
+      <a:fillRef idx="1">
+        <a:scrgbClr r="0" g="0" b="0"/>
+      </a:fillRef>
+      <a:effectRef idx="0">
+        <a:scrgbClr r="0" g="0" b="0"/>
+      </a:effectRef>
+      <a:fontRef idx="minor"/>
+    </dgm:style>
+  </dgm:styleLbl>
+  <dgm:styleLbl name="fgAccFollowNode1">
+    <dgm:scene3d>
+      <a:camera prst="orthographicFront"/>
+      <a:lightRig rig="threePt" dir="t"/>
+    </dgm:scene3d>
+    <dgm:sp3d/>
+    <dgm:txPr/>
+    <dgm:style>
+      <a:lnRef idx="2">
+        <a:scrgbClr r="0" g="0" b="0"/>
+      </a:lnRef>
+      <a:fillRef idx="1">
+        <a:scrgbClr r="0" g="0" b="0"/>
+      </a:fillRef>
+      <a:effectRef idx="0">
+        <a:scrgbClr r="0" g="0" b="0"/>
+      </a:effectRef>
+      <a:fontRef idx="minor"/>
+    </dgm:style>
+  </dgm:styleLbl>
+  <dgm:styleLbl name="alignAccFollowNode1">
+    <dgm:scene3d>
+      <a:camera prst="orthographicFront"/>
+      <a:lightRig rig="threePt" dir="t"/>
+    </dgm:scene3d>
+    <dgm:sp3d/>
+    <dgm:txPr/>
+    <dgm:style>
+      <a:lnRef idx="2">
+        <a:scrgbClr r="0" g="0" b="0"/>
+      </a:lnRef>
+      <a:fillRef idx="1">
+        <a:scrgbClr r="0" g="0" b="0"/>
+      </a:fillRef>
+      <a:effectRef idx="0">
+        <a:scrgbClr r="0" g="0" b="0"/>
+      </a:effectRef>
+      <a:fontRef idx="minor"/>
+    </dgm:style>
+  </dgm:styleLbl>
+  <dgm:styleLbl name="bgAccFollowNode1">
+    <dgm:scene3d>
+      <a:camera prst="orthographicFront"/>
+      <a:lightRig rig="threePt" dir="t"/>
+    </dgm:scene3d>
+    <dgm:sp3d/>
+    <dgm:txPr/>
+    <dgm:style>
+      <a:lnRef idx="2">
+        <a:scrgbClr r="0" g="0" b="0"/>
+      </a:lnRef>
+      <a:fillRef idx="1">
+        <a:scrgbClr r="0" g="0" b="0"/>
+      </a:fillRef>
+      <a:effectRef idx="0">
+        <a:scrgbClr r="0" g="0" b="0"/>
+      </a:effectRef>
+      <a:fontRef idx="minor"/>
+    </dgm:style>
+  </dgm:styleLbl>
+  <dgm:styleLbl name="fgAcc0">
+    <dgm:scene3d>
+      <a:camera prst="orthographicFront"/>
+      <a:lightRig rig="threePt" dir="t"/>
+    </dgm:scene3d>
+    <dgm:sp3d/>
+    <dgm:txPr/>
+    <dgm:style>
+      <a:lnRef idx="2">
+        <a:scrgbClr r="0" g="0" b="0"/>
+      </a:lnRef>
+      <a:fillRef idx="1">
+        <a:scrgbClr r="0" g="0" b="0"/>
+      </a:fillRef>
+      <a:effectRef idx="0">
+        <a:scrgbClr r="0" g="0" b="0"/>
+      </a:effectRef>
+      <a:fontRef idx="minor"/>
+    </dgm:style>
+  </dgm:styleLbl>
+  <dgm:styleLbl name="fgAcc2">
+    <dgm:scene3d>
+      <a:camera prst="orthographicFront"/>
+      <a:lightRig rig="threePt" dir="t"/>
+    </dgm:scene3d>
+    <dgm:sp3d/>
+    <dgm:txPr/>
+    <dgm:style>
+      <a:lnRef idx="2">
+        <a:scrgbClr r="0" g="0" b="0"/>
+      </a:lnRef>
+      <a:fillRef idx="1">
+        <a:scrgbClr r="0" g="0" b="0"/>
+      </a:fillRef>
+      <a:effectRef idx="0">
+        <a:scrgbClr r="0" g="0" b="0"/>
+      </a:effectRef>
+      <a:fontRef idx="minor"/>
+    </dgm:style>
+  </dgm:styleLbl>
+  <dgm:styleLbl name="fgAcc3">
+    <dgm:scene3d>
+      <a:camera prst="orthographicFront"/>
+      <a:lightRig rig="threePt" dir="t"/>
+    </dgm:scene3d>
+    <dgm:sp3d/>
+    <dgm:txPr/>
+    <dgm:style>
+      <a:lnRef idx="2">
+        <a:scrgbClr r="0" g="0" b="0"/>
+      </a:lnRef>
+      <a:fillRef idx="1">
+        <a:scrgbClr r="0" g="0" b="0"/>
+      </a:fillRef>
+      <a:effectRef idx="0">
+        <a:scrgbClr r="0" g="0" b="0"/>
+      </a:effectRef>
+      <a:fontRef idx="minor"/>
+    </dgm:style>
+  </dgm:styleLbl>
+  <dgm:styleLbl name="fgAcc4">
+    <dgm:scene3d>
+      <a:camera prst="orthographicFront"/>
+      <a:lightRig rig="threePt" dir="t"/>
+    </dgm:scene3d>
+    <dgm:sp3d/>
+    <dgm:txPr/>
+    <dgm:style>
+      <a:lnRef idx="2">
+        <a:scrgbClr r="0" g="0" b="0"/>
+      </a:lnRef>
+      <a:fillRef idx="1">
+        <a:scrgbClr r="0" g="0" b="0"/>
+      </a:fillRef>
+      <a:effectRef idx="0">
+        <a:scrgbClr r="0" g="0" b="0"/>
+      </a:effectRef>
+      <a:fontRef idx="minor"/>
+    </dgm:style>
+  </dgm:styleLbl>
+  <dgm:styleLbl name="bgShp">
+    <dgm:scene3d>
+      <a:camera prst="orthographicFront"/>
+      <a:lightRig rig="threePt" dir="t"/>
+    </dgm:scene3d>
+    <dgm:sp3d/>
+    <dgm:txPr/>
+    <dgm:style>
+      <a:lnRef idx="0">
+        <a:scrgbClr r="0" g="0" b="0"/>
+      </a:lnRef>
+      <a:fillRef idx="1">
+        <a:scrgbClr r="0" g="0" b="0"/>
+      </a:fillRef>
+      <a:effectRef idx="0">
+        <a:scrgbClr r="0" g="0" b="0"/>
+      </a:effectRef>
+      <a:fontRef idx="minor"/>
+    </dgm:style>
+  </dgm:styleLbl>
+  <dgm:styleLbl name="dkBgShp">
+    <dgm:scene3d>
+      <a:camera prst="orthographicFront"/>
+      <a:lightRig rig="threePt" dir="t"/>
+    </dgm:scene3d>
+    <dgm:sp3d/>
+    <dgm:txPr/>
+    <dgm:style>
+      <a:lnRef idx="0">
+        <a:scrgbClr r="0" g="0" b="0"/>
+      </a:lnRef>
+      <a:fillRef idx="1">
+        <a:scrgbClr r="0" g="0" b="0"/>
+      </a:fillRef>
+      <a:effectRef idx="0">
+        <a:scrgbClr r="0" g="0" b="0"/>
+      </a:effectRef>
+      <a:fontRef idx="minor"/>
+    </dgm:style>
+  </dgm:styleLbl>
+  <dgm:styleLbl name="trBgShp">
+    <dgm:scene3d>
+      <a:camera prst="orthographicFront"/>
+      <a:lightRig rig="threePt" dir="t"/>
+    </dgm:scene3d>
+    <dgm:sp3d/>
+    <dgm:txPr/>
+    <dgm:style>
+      <a:lnRef idx="0">
+        <a:scrgbClr r="0" g="0" b="0"/>
+      </a:lnRef>
+      <a:fillRef idx="1">
+        <a:scrgbClr r="0" g="0" b="0"/>
+      </a:fillRef>
+      <a:effectRef idx="0">
+        <a:scrgbClr r="0" g="0" b="0"/>
+      </a:effectRef>
+      <a:fontRef idx="minor"/>
+    </dgm:style>
+  </dgm:styleLbl>
+  <dgm:styleLbl name="fgShp">
+    <dgm:scene3d>
+      <a:camera prst="orthographicFront"/>
+      <a:lightRig rig="threePt" dir="t"/>
+    </dgm:scene3d>
+    <dgm:sp3d/>
+    <dgm:txPr/>
+    <dgm:style>
+      <a:lnRef idx="2">
+        <a:scrgbClr r="0" g="0" b="0"/>
+      </a:lnRef>
+      <a:fillRef idx="1">
+        <a:scrgbClr r="0" g="0" b="0"/>
+      </a:fillRef>
+      <a:effectRef idx="0">
+        <a:scrgbClr r="0" g="0" b="0"/>
+      </a:effectRef>
+      <a:fontRef idx="minor"/>
+    </dgm:style>
+  </dgm:styleLbl>
+  <dgm:styleLbl name="revTx">
+    <dgm:scene3d>
+      <a:camera prst="orthographicFront"/>
+      <a:lightRig rig="threePt" dir="t"/>
+    </dgm:scene3d>
+    <dgm:sp3d/>
+    <dgm:txPr/>
+    <dgm:style>
+      <a:lnRef idx="0">
+        <a:scrgbClr r="0" g="0" b="0"/>
+      </a:lnRef>
+      <a:fillRef idx="0">
+        <a:scrgbClr r="0" g="0" b="0"/>
+      </a:fillRef>
+      <a:effectRef idx="0">
+        <a:scrgbClr r="0" g="0" b="0"/>
+      </a:effectRef>
+      <a:fontRef idx="minor"/>
+    </dgm:style>
+  </dgm:styleLbl>
+</dgm:styleDef>
+</file>
+
 <file path=ppt/slideLayouts/slideLayout1.xml><?xml version="1.0" encoding="utf-8"?>
 <p:sldLayout xmlns:a="http://schemas.openxmlformats.org/drawingml/2006/main" xmlns:r="http://schemas.openxmlformats.org/officeDocument/2006/relationships" xmlns:p="http://schemas.openxmlformats.org/presentationml/2006/main" type="title" preserve="1">
   <p:cSld name="标题幻灯片">
@@ -133,8 +5910,8 @@
         </p:nvSpPr>
         <p:spPr>
           <a:xfrm>
-            <a:off x="685800" y="2130425"/>
-            <a:ext cx="7772400" cy="1470025"/>
+            <a:off x="685800" y="1775355"/>
+            <a:ext cx="7772400" cy="1225021"/>
           </a:xfrm>
         </p:spPr>
         <p:txBody>
@@ -161,8 +5938,8 @@
         </p:nvSpPr>
         <p:spPr>
           <a:xfrm>
-            <a:off x="1371600" y="3886200"/>
-            <a:ext cx="6400800" cy="1752600"/>
+            <a:off x="1371600" y="3238500"/>
+            <a:ext cx="6400800" cy="1460500"/>
           </a:xfrm>
         </p:spPr>
         <p:txBody>
@@ -285,7 +6062,7 @@
           <a:p>
             <a:fld id="{530820CF-B880-4189-942D-D702A7CBA730}" type="datetimeFigureOut">
               <a:rPr lang="zh-CN" altLang="en-US" smtClean="0"/>
-              <a:t>2006-9-7</a:t>
+              <a:t>2019/1/11</a:t>
             </a:fld>
             <a:endParaRPr lang="zh-CN" altLang="en-US"/>
           </a:p>
@@ -338,6 +6115,13 @@
   <p:clrMapOvr>
     <a:masterClrMapping/>
   </p:clrMapOvr>
+  <p:timing>
+    <p:tnLst>
+      <p:par>
+        <p:cTn id="1" dur="indefinite" restart="never" nodeType="tmRoot"/>
+      </p:par>
+    </p:tnLst>
+  </p:timing>
 </p:sldLayout>
 </file>
 
@@ -450,7 +6234,7 @@
           <a:p>
             <a:fld id="{530820CF-B880-4189-942D-D702A7CBA730}" type="datetimeFigureOut">
               <a:rPr lang="zh-CN" altLang="en-US" smtClean="0"/>
-              <a:t>2006-9-7</a:t>
+              <a:t>2019/1/11</a:t>
             </a:fld>
             <a:endParaRPr lang="zh-CN" altLang="en-US"/>
           </a:p>
@@ -535,8 +6319,8 @@
         </p:nvSpPr>
         <p:spPr>
           <a:xfrm>
-            <a:off x="6629400" y="274638"/>
-            <a:ext cx="2057400" cy="5851525"/>
+            <a:off x="6629400" y="228865"/>
+            <a:ext cx="2057400" cy="4876271"/>
           </a:xfrm>
         </p:spPr>
         <p:txBody>
@@ -563,8 +6347,8 @@
         </p:nvSpPr>
         <p:spPr>
           <a:xfrm>
-            <a:off x="457200" y="274638"/>
-            <a:ext cx="6019800" cy="5851525"/>
+            <a:off x="457200" y="228865"/>
+            <a:ext cx="6019800" cy="4876271"/>
           </a:xfrm>
         </p:spPr>
         <p:txBody>
@@ -625,7 +6409,7 @@
           <a:p>
             <a:fld id="{530820CF-B880-4189-942D-D702A7CBA730}" type="datetimeFigureOut">
               <a:rPr lang="zh-CN" altLang="en-US" smtClean="0"/>
-              <a:t>2006-9-7</a:t>
+              <a:t>2019/1/11</a:t>
             </a:fld>
             <a:endParaRPr lang="zh-CN" altLang="en-US"/>
           </a:p>
@@ -790,7 +6574,7 @@
           <a:p>
             <a:fld id="{530820CF-B880-4189-942D-D702A7CBA730}" type="datetimeFigureOut">
               <a:rPr lang="zh-CN" altLang="en-US" smtClean="0"/>
-              <a:t>2006-9-7</a:t>
+              <a:t>2019/1/11</a:t>
             </a:fld>
             <a:endParaRPr lang="zh-CN" altLang="en-US"/>
           </a:p>
@@ -875,8 +6659,8 @@
         </p:nvSpPr>
         <p:spPr>
           <a:xfrm>
-            <a:off x="722313" y="4406900"/>
-            <a:ext cx="7772400" cy="1362075"/>
+            <a:off x="722313" y="3672417"/>
+            <a:ext cx="7772400" cy="1135063"/>
           </a:xfrm>
         </p:spPr>
         <p:txBody>
@@ -907,8 +6691,8 @@
         </p:nvSpPr>
         <p:spPr>
           <a:xfrm>
-            <a:off x="722313" y="2906713"/>
-            <a:ext cx="7772400" cy="1500187"/>
+            <a:off x="722313" y="2422261"/>
+            <a:ext cx="7772400" cy="1250156"/>
           </a:xfrm>
         </p:spPr>
         <p:txBody>
@@ -1031,7 +6815,7 @@
           <a:p>
             <a:fld id="{530820CF-B880-4189-942D-D702A7CBA730}" type="datetimeFigureOut">
               <a:rPr lang="zh-CN" altLang="en-US" smtClean="0"/>
-              <a:t>2006-9-7</a:t>
+              <a:t>2019/1/11</a:t>
             </a:fld>
             <a:endParaRPr lang="zh-CN" altLang="en-US"/>
           </a:p>
@@ -1139,8 +6923,8 @@
         </p:nvSpPr>
         <p:spPr>
           <a:xfrm>
-            <a:off x="457200" y="1600200"/>
-            <a:ext cx="4038600" cy="4525963"/>
+            <a:off x="457200" y="1333500"/>
+            <a:ext cx="4038600" cy="3771636"/>
           </a:xfrm>
         </p:spPr>
         <p:txBody>
@@ -1224,8 +7008,8 @@
         </p:nvSpPr>
         <p:spPr>
           <a:xfrm>
-            <a:off x="4648200" y="1600200"/>
-            <a:ext cx="4038600" cy="4525963"/>
+            <a:off x="4648200" y="1333500"/>
+            <a:ext cx="4038600" cy="3771636"/>
           </a:xfrm>
         </p:spPr>
         <p:txBody>
@@ -1314,7 +7098,7 @@
           <a:p>
             <a:fld id="{530820CF-B880-4189-942D-D702A7CBA730}" type="datetimeFigureOut">
               <a:rPr lang="zh-CN" altLang="en-US" smtClean="0"/>
-              <a:t>2006-9-7</a:t>
+              <a:t>2019/1/11</a:t>
             </a:fld>
             <a:endParaRPr lang="zh-CN" altLang="en-US"/>
           </a:p>
@@ -1426,8 +7210,8 @@
         </p:nvSpPr>
         <p:spPr>
           <a:xfrm>
-            <a:off x="457200" y="1535113"/>
-            <a:ext cx="4040188" cy="639762"/>
+            <a:off x="457200" y="1279261"/>
+            <a:ext cx="4040188" cy="533135"/>
           </a:xfrm>
         </p:spPr>
         <p:txBody>
@@ -1491,8 +7275,8 @@
         </p:nvSpPr>
         <p:spPr>
           <a:xfrm>
-            <a:off x="457200" y="2174875"/>
-            <a:ext cx="4040188" cy="3951288"/>
+            <a:off x="457200" y="1812396"/>
+            <a:ext cx="4040188" cy="3292740"/>
           </a:xfrm>
         </p:spPr>
         <p:txBody>
@@ -1576,8 +7360,8 @@
         </p:nvSpPr>
         <p:spPr>
           <a:xfrm>
-            <a:off x="4645025" y="1535113"/>
-            <a:ext cx="4041775" cy="639762"/>
+            <a:off x="4645026" y="1279261"/>
+            <a:ext cx="4041775" cy="533135"/>
           </a:xfrm>
         </p:spPr>
         <p:txBody>
@@ -1641,8 +7425,8 @@
         </p:nvSpPr>
         <p:spPr>
           <a:xfrm>
-            <a:off x="4645025" y="2174875"/>
-            <a:ext cx="4041775" cy="3951288"/>
+            <a:off x="4645026" y="1812396"/>
+            <a:ext cx="4041775" cy="3292740"/>
           </a:xfrm>
         </p:spPr>
         <p:txBody>
@@ -1731,7 +7515,7 @@
           <a:p>
             <a:fld id="{530820CF-B880-4189-942D-D702A7CBA730}" type="datetimeFigureOut">
               <a:rPr lang="zh-CN" altLang="en-US" smtClean="0"/>
-              <a:t>2006-9-7</a:t>
+              <a:t>2019/1/11</a:t>
             </a:fld>
             <a:endParaRPr lang="zh-CN" altLang="en-US"/>
           </a:p>
@@ -1844,7 +7628,7 @@
           <a:p>
             <a:fld id="{530820CF-B880-4189-942D-D702A7CBA730}" type="datetimeFigureOut">
               <a:rPr lang="zh-CN" altLang="en-US" smtClean="0"/>
-              <a:t>2006-9-7</a:t>
+              <a:t>2019/1/11</a:t>
             </a:fld>
             <a:endParaRPr lang="zh-CN" altLang="en-US"/>
           </a:p>
@@ -1934,7 +7718,7 @@
           <a:p>
             <a:fld id="{530820CF-B880-4189-942D-D702A7CBA730}" type="datetimeFigureOut">
               <a:rPr lang="zh-CN" altLang="en-US" smtClean="0"/>
-              <a:t>2006-9-7</a:t>
+              <a:t>2019/1/11</a:t>
             </a:fld>
             <a:endParaRPr lang="zh-CN" altLang="en-US"/>
           </a:p>
@@ -2019,8 +7803,8 @@
         </p:nvSpPr>
         <p:spPr>
           <a:xfrm>
-            <a:off x="457200" y="273050"/>
-            <a:ext cx="3008313" cy="1162050"/>
+            <a:off x="457201" y="227542"/>
+            <a:ext cx="3008313" cy="968375"/>
           </a:xfrm>
         </p:spPr>
         <p:txBody>
@@ -2051,8 +7835,8 @@
         </p:nvSpPr>
         <p:spPr>
           <a:xfrm>
-            <a:off x="3575050" y="273050"/>
-            <a:ext cx="5111750" cy="5853113"/>
+            <a:off x="3575050" y="227542"/>
+            <a:ext cx="5111750" cy="4877594"/>
           </a:xfrm>
         </p:spPr>
         <p:txBody>
@@ -2136,8 +7920,8 @@
         </p:nvSpPr>
         <p:spPr>
           <a:xfrm>
-            <a:off x="457200" y="1435100"/>
-            <a:ext cx="3008313" cy="4691063"/>
+            <a:off x="457201" y="1195917"/>
+            <a:ext cx="3008313" cy="3909219"/>
           </a:xfrm>
         </p:spPr>
         <p:txBody>
@@ -2206,7 +7990,7 @@
           <a:p>
             <a:fld id="{530820CF-B880-4189-942D-D702A7CBA730}" type="datetimeFigureOut">
               <a:rPr lang="zh-CN" altLang="en-US" smtClean="0"/>
-              <a:t>2006-9-7</a:t>
+              <a:t>2019/1/11</a:t>
             </a:fld>
             <a:endParaRPr lang="zh-CN" altLang="en-US"/>
           </a:p>
@@ -2291,8 +8075,8 @@
         </p:nvSpPr>
         <p:spPr>
           <a:xfrm>
-            <a:off x="1792288" y="4800600"/>
-            <a:ext cx="5486400" cy="566738"/>
+            <a:off x="1792288" y="4000500"/>
+            <a:ext cx="5486400" cy="472282"/>
           </a:xfrm>
         </p:spPr>
         <p:txBody>
@@ -2323,8 +8107,8 @@
         </p:nvSpPr>
         <p:spPr>
           <a:xfrm>
-            <a:off x="1792288" y="612775"/>
-            <a:ext cx="5486400" cy="4114800"/>
+            <a:off x="1792288" y="510646"/>
+            <a:ext cx="5486400" cy="3429000"/>
           </a:xfrm>
         </p:spPr>
         <p:txBody>
@@ -2384,8 +8168,8 @@
         </p:nvSpPr>
         <p:spPr>
           <a:xfrm>
-            <a:off x="1792288" y="5367338"/>
-            <a:ext cx="5486400" cy="804862"/>
+            <a:off x="1792288" y="4472782"/>
+            <a:ext cx="5486400" cy="670718"/>
           </a:xfrm>
         </p:spPr>
         <p:txBody>
@@ -2454,7 +8238,7 @@
           <a:p>
             <a:fld id="{530820CF-B880-4189-942D-D702A7CBA730}" type="datetimeFigureOut">
               <a:rPr lang="zh-CN" altLang="en-US" smtClean="0"/>
-              <a:t>2006-9-7</a:t>
+              <a:t>2019/1/11</a:t>
             </a:fld>
             <a:endParaRPr lang="zh-CN" altLang="en-US"/>
           </a:p>
@@ -2544,8 +8328,8 @@
         </p:nvSpPr>
         <p:spPr>
           <a:xfrm>
-            <a:off x="457200" y="274638"/>
-            <a:ext cx="8229600" cy="1143000"/>
+            <a:off x="457200" y="228865"/>
+            <a:ext cx="8229600" cy="952500"/>
           </a:xfrm>
           <a:prstGeom prst="rect">
             <a:avLst/>
@@ -2577,8 +8361,8 @@
         </p:nvSpPr>
         <p:spPr>
           <a:xfrm>
-            <a:off x="457200" y="1600200"/>
-            <a:ext cx="8229600" cy="4525963"/>
+            <a:off x="457200" y="1333500"/>
+            <a:ext cx="8229600" cy="3771636"/>
           </a:xfrm>
           <a:prstGeom prst="rect">
             <a:avLst/>
@@ -2639,8 +8423,8 @@
         </p:nvSpPr>
         <p:spPr>
           <a:xfrm>
-            <a:off x="457200" y="6356350"/>
-            <a:ext cx="2133600" cy="365125"/>
+            <a:off x="457200" y="5296959"/>
+            <a:ext cx="2133600" cy="304271"/>
           </a:xfrm>
           <a:prstGeom prst="rect">
             <a:avLst/>
@@ -2662,7 +8446,7 @@
           <a:p>
             <a:fld id="{530820CF-B880-4189-942D-D702A7CBA730}" type="datetimeFigureOut">
               <a:rPr lang="zh-CN" altLang="en-US" smtClean="0"/>
-              <a:t>2006-9-7</a:t>
+              <a:t>2019/1/11</a:t>
             </a:fld>
             <a:endParaRPr lang="zh-CN" altLang="en-US"/>
           </a:p>
@@ -2680,8 +8464,8 @@
         </p:nvSpPr>
         <p:spPr>
           <a:xfrm>
-            <a:off x="3124200" y="6356350"/>
-            <a:ext cx="2895600" cy="365125"/>
+            <a:off x="3124200" y="5296959"/>
+            <a:ext cx="2895600" cy="304271"/>
           </a:xfrm>
           <a:prstGeom prst="rect">
             <a:avLst/>
@@ -2717,8 +8501,8 @@
         </p:nvSpPr>
         <p:spPr>
           <a:xfrm>
-            <a:off x="6553200" y="6356350"/>
-            <a:ext cx="2133600" cy="365125"/>
+            <a:off x="6553200" y="5296959"/>
+            <a:ext cx="2133600" cy="304271"/>
           </a:xfrm>
           <a:prstGeom prst="rect">
             <a:avLst/>
@@ -2762,6 +8546,13 @@
     <p:sldLayoutId id="2147483658" r:id="rId10"/>
     <p:sldLayoutId id="2147483659" r:id="rId11"/>
   </p:sldLayoutIdLst>
+  <p:timing>
+    <p:tnLst>
+      <p:par>
+        <p:cTn id="1" dur="indefinite" restart="never" nodeType="tmRoot"/>
+      </p:par>
+    </p:tnLst>
+  </p:timing>
   <p:txStyles>
     <p:titleStyle>
       <a:lvl1pPr algn="ctr" defTabSz="914400" rtl="0" eaLnBrk="1" latinLnBrk="0" hangingPunct="1">
@@ -3013,6 +8804,3012 @@
     </p:otherStyle>
   </p:txStyles>
 </p:sldMaster>
+</file>
+
+<file path=ppt/slides/slide1.xml><?xml version="1.0" encoding="utf-8"?>
+<p:sld xmlns:a="http://schemas.openxmlformats.org/drawingml/2006/main" xmlns:r="http://schemas.openxmlformats.org/officeDocument/2006/relationships" xmlns:p="http://schemas.openxmlformats.org/presentationml/2006/main">
+  <p:cSld>
+    <p:spTree>
+      <p:nvGrpSpPr>
+        <p:cNvPr id="1" name=""/>
+        <p:cNvGrpSpPr/>
+        <p:nvPr/>
+      </p:nvGrpSpPr>
+      <p:grpSpPr>
+        <a:xfrm>
+          <a:off x="0" y="0"/>
+          <a:ext cx="0" cy="0"/>
+          <a:chOff x="0" y="0"/>
+          <a:chExt cx="0" cy="0"/>
+        </a:xfrm>
+      </p:grpSpPr>
+      <p:sp>
+        <p:nvSpPr>
+          <p:cNvPr id="2" name="标题 1"/>
+          <p:cNvSpPr>
+            <a:spLocks noGrp="1"/>
+          </p:cNvSpPr>
+          <p:nvPr>
+            <p:ph type="ctrTitle"/>
+          </p:nvPr>
+        </p:nvSpPr>
+        <p:spPr/>
+        <p:txBody>
+          <a:bodyPr/>
+          <a:lstStyle/>
+          <a:p>
+            <a:r>
+              <a:rPr lang="en-US" altLang="zh-CN" dirty="0" smtClean="0"/>
+              <a:t>BioDeep</a:t>
+            </a:r>
+            <a:r>
+              <a:rPr lang="zh-CN" altLang="en-US" dirty="0"/>
+              <a:t>教程</a:t>
+            </a:r>
+          </a:p>
+        </p:txBody>
+      </p:sp>
+      <p:sp>
+        <p:nvSpPr>
+          <p:cNvPr id="3" name="副标题 2"/>
+          <p:cNvSpPr>
+            <a:spLocks noGrp="1"/>
+          </p:cNvSpPr>
+          <p:nvPr>
+            <p:ph type="subTitle" idx="1"/>
+          </p:nvPr>
+        </p:nvSpPr>
+        <p:spPr/>
+        <p:txBody>
+          <a:bodyPr/>
+          <a:lstStyle/>
+          <a:p>
+            <a:endParaRPr lang="zh-CN" altLang="en-US"/>
+          </a:p>
+        </p:txBody>
+      </p:sp>
+    </p:spTree>
+    <p:extLst>
+      <p:ext uri="{BB962C8B-B14F-4D97-AF65-F5344CB8AC3E}">
+        <p14:creationId xmlns:p14="http://schemas.microsoft.com/office/powerpoint/2010/main" val="1764811937"/>
+      </p:ext>
+    </p:extLst>
+  </p:cSld>
+  <p:clrMapOvr>
+    <a:masterClrMapping/>
+  </p:clrMapOvr>
+  <p:timing>
+    <p:tnLst>
+      <p:par>
+        <p:cTn id="1" dur="indefinite" restart="never" nodeType="tmRoot"/>
+      </p:par>
+    </p:tnLst>
+  </p:timing>
+</p:sld>
+</file>
+
+<file path=ppt/slides/slide10.xml><?xml version="1.0" encoding="utf-8"?>
+<p:sld xmlns:a="http://schemas.openxmlformats.org/drawingml/2006/main" xmlns:r="http://schemas.openxmlformats.org/officeDocument/2006/relationships" xmlns:p="http://schemas.openxmlformats.org/presentationml/2006/main">
+  <p:cSld>
+    <p:spTree>
+      <p:nvGrpSpPr>
+        <p:cNvPr id="1" name=""/>
+        <p:cNvGrpSpPr/>
+        <p:nvPr/>
+      </p:nvGrpSpPr>
+      <p:grpSpPr>
+        <a:xfrm>
+          <a:off x="0" y="0"/>
+          <a:ext cx="0" cy="0"/>
+          <a:chOff x="0" y="0"/>
+          <a:chExt cx="0" cy="0"/>
+        </a:xfrm>
+      </p:grpSpPr>
+      <p:sp>
+        <p:nvSpPr>
+          <p:cNvPr id="2" name="标题 1"/>
+          <p:cNvSpPr>
+            <a:spLocks noGrp="1"/>
+          </p:cNvSpPr>
+          <p:nvPr>
+            <p:ph type="title"/>
+          </p:nvPr>
+        </p:nvSpPr>
+        <p:spPr/>
+        <p:txBody>
+          <a:bodyPr/>
+          <a:lstStyle/>
+          <a:p>
+            <a:endParaRPr lang="zh-CN" altLang="en-US"/>
+          </a:p>
+        </p:txBody>
+      </p:sp>
+      <p:sp>
+        <p:nvSpPr>
+          <p:cNvPr id="3" name="内容占位符 2"/>
+          <p:cNvSpPr>
+            <a:spLocks noGrp="1"/>
+          </p:cNvSpPr>
+          <p:nvPr>
+            <p:ph idx="1"/>
+          </p:nvPr>
+        </p:nvSpPr>
+        <p:spPr/>
+        <p:txBody>
+          <a:bodyPr/>
+          <a:lstStyle/>
+          <a:p>
+            <a:r>
+              <a:rPr lang="en-US" altLang="zh-CN" dirty="0" smtClean="0"/>
+              <a:t>7. </a:t>
+            </a:r>
+            <a:r>
+              <a:rPr lang="zh-CN" altLang="en-US" dirty="0" smtClean="0"/>
+              <a:t>获取解卷积结果</a:t>
+            </a:r>
+            <a:endParaRPr lang="en-US" altLang="zh-CN" dirty="0" smtClean="0"/>
+          </a:p>
+          <a:p>
+            <a:r>
+              <a:rPr lang="zh-CN" altLang="en-US" sz="2000" dirty="0"/>
+              <a:t>任</a:t>
+            </a:r>
+            <a:r>
+              <a:rPr lang="zh-CN" altLang="en-US" sz="2000" dirty="0" smtClean="0"/>
+              <a:t>务执行成功之后，可以点击任务标题的链接在线查看结果数据，也可以点击下载结果链接下载结果至本地查看</a:t>
+            </a:r>
+            <a:endParaRPr lang="en-US" altLang="zh-CN" sz="2000" dirty="0" smtClean="0"/>
+          </a:p>
+          <a:p>
+            <a:endParaRPr lang="zh-CN" altLang="en-US" dirty="0"/>
+          </a:p>
+        </p:txBody>
+      </p:sp>
+      <p:pic>
+        <p:nvPicPr>
+          <p:cNvPr id="7170" name="Picture 2"/>
+          <p:cNvPicPr>
+            <a:picLocks noChangeAspect="1" noChangeArrowheads="1"/>
+          </p:cNvPicPr>
+          <p:nvPr/>
+        </p:nvPicPr>
+        <p:blipFill>
+          <a:blip r:embed="rId2">
+            <a:extLst>
+              <a:ext uri="{28A0092B-C50C-407E-A947-70E740481C1C}">
+                <a14:useLocalDpi xmlns:a14="http://schemas.microsoft.com/office/drawing/2010/main" val="0"/>
+              </a:ext>
+            </a:extLst>
+          </a:blip>
+          <a:srcRect/>
+          <a:stretch>
+            <a:fillRect/>
+          </a:stretch>
+        </p:blipFill>
+        <p:spPr bwMode="auto">
+          <a:xfrm>
+            <a:off x="2699792" y="2612422"/>
+            <a:ext cx="6312471" cy="2477326"/>
+          </a:xfrm>
+          <a:prstGeom prst="rect">
+            <a:avLst/>
+          </a:prstGeom>
+          <a:noFill/>
+          <a:ln>
+            <a:noFill/>
+          </a:ln>
+          <a:effectLst/>
+          <a:extLst>
+            <a:ext uri="{909E8E84-426E-40DD-AFC4-6F175D3DCCD1}">
+              <a14:hiddenFill xmlns:a14="http://schemas.microsoft.com/office/drawing/2010/main">
+                <a:solidFill>
+                  <a:schemeClr val="accent1"/>
+                </a:solidFill>
+              </a14:hiddenFill>
+            </a:ext>
+            <a:ext uri="{91240B29-F687-4F45-9708-019B960494DF}">
+              <a14:hiddenLine xmlns:a14="http://schemas.microsoft.com/office/drawing/2010/main" w="9525">
+                <a:solidFill>
+                  <a:schemeClr val="tx1"/>
+                </a:solidFill>
+                <a:miter lim="800000"/>
+                <a:headEnd/>
+                <a:tailEnd/>
+              </a14:hiddenLine>
+            </a:ext>
+            <a:ext uri="{AF507438-7753-43E0-B8FC-AC1667EBCBE1}">
+              <a14:hiddenEffects xmlns:a14="http://schemas.microsoft.com/office/drawing/2010/main">
+                <a:effectLst>
+                  <a:outerShdw dist="35921" dir="2700000" algn="ctr" rotWithShape="0">
+                    <a:schemeClr val="bg2"/>
+                  </a:outerShdw>
+                </a:effectLst>
+              </a14:hiddenEffects>
+            </a:ext>
+          </a:extLst>
+        </p:spPr>
+      </p:pic>
+      <p:pic>
+        <p:nvPicPr>
+          <p:cNvPr id="7171" name="Picture 3"/>
+          <p:cNvPicPr>
+            <a:picLocks noChangeAspect="1" noChangeArrowheads="1"/>
+          </p:cNvPicPr>
+          <p:nvPr/>
+        </p:nvPicPr>
+        <p:blipFill>
+          <a:blip r:embed="rId3">
+            <a:extLst>
+              <a:ext uri="{28A0092B-C50C-407E-A947-70E740481C1C}">
+                <a14:useLocalDpi xmlns:a14="http://schemas.microsoft.com/office/drawing/2010/main" val="0"/>
+              </a:ext>
+            </a:extLst>
+          </a:blip>
+          <a:srcRect/>
+          <a:stretch>
+            <a:fillRect/>
+          </a:stretch>
+        </p:blipFill>
+        <p:spPr bwMode="auto">
+          <a:xfrm>
+            <a:off x="-80875" y="5214289"/>
+            <a:ext cx="9148920" cy="398841"/>
+          </a:xfrm>
+          <a:prstGeom prst="rect">
+            <a:avLst/>
+          </a:prstGeom>
+          <a:noFill/>
+          <a:ln>
+            <a:noFill/>
+          </a:ln>
+          <a:effectLst/>
+          <a:extLst>
+            <a:ext uri="{909E8E84-426E-40DD-AFC4-6F175D3DCCD1}">
+              <a14:hiddenFill xmlns:a14="http://schemas.microsoft.com/office/drawing/2010/main">
+                <a:solidFill>
+                  <a:schemeClr val="accent1"/>
+                </a:solidFill>
+              </a14:hiddenFill>
+            </a:ext>
+            <a:ext uri="{91240B29-F687-4F45-9708-019B960494DF}">
+              <a14:hiddenLine xmlns:a14="http://schemas.microsoft.com/office/drawing/2010/main" w="9525">
+                <a:solidFill>
+                  <a:schemeClr val="tx1"/>
+                </a:solidFill>
+                <a:miter lim="800000"/>
+                <a:headEnd/>
+                <a:tailEnd/>
+              </a14:hiddenLine>
+            </a:ext>
+            <a:ext uri="{AF507438-7753-43E0-B8FC-AC1667EBCBE1}">
+              <a14:hiddenEffects xmlns:a14="http://schemas.microsoft.com/office/drawing/2010/main">
+                <a:effectLst>
+                  <a:outerShdw dist="35921" dir="2700000" algn="ctr" rotWithShape="0">
+                    <a:schemeClr val="bg2"/>
+                  </a:outerShdw>
+                </a:effectLst>
+              </a14:hiddenEffects>
+            </a:ext>
+          </a:extLst>
+        </p:spPr>
+      </p:pic>
+      <p:sp>
+        <p:nvSpPr>
+          <p:cNvPr id="6" name="矩形 5"/>
+          <p:cNvSpPr/>
+          <p:nvPr/>
+        </p:nvSpPr>
+        <p:spPr>
+          <a:xfrm>
+            <a:off x="251520" y="5142282"/>
+            <a:ext cx="880058" cy="470848"/>
+          </a:xfrm>
+          <a:prstGeom prst="rect">
+            <a:avLst/>
+          </a:prstGeom>
+          <a:noFill/>
+          <a:ln>
+            <a:solidFill>
+              <a:srgbClr val="FF0000"/>
+            </a:solidFill>
+          </a:ln>
+        </p:spPr>
+        <p:style>
+          <a:lnRef idx="2">
+            <a:schemeClr val="accent1">
+              <a:shade val="50000"/>
+            </a:schemeClr>
+          </a:lnRef>
+          <a:fillRef idx="1">
+            <a:schemeClr val="accent1"/>
+          </a:fillRef>
+          <a:effectRef idx="0">
+            <a:schemeClr val="accent1"/>
+          </a:effectRef>
+          <a:fontRef idx="minor">
+            <a:schemeClr val="lt1"/>
+          </a:fontRef>
+        </p:style>
+        <p:txBody>
+          <a:bodyPr rtlCol="0" anchor="ctr"/>
+          <a:lstStyle/>
+          <a:p>
+            <a:pPr algn="ctr"/>
+            <a:endParaRPr lang="zh-CN" altLang="en-US"/>
+          </a:p>
+        </p:txBody>
+      </p:sp>
+      <p:sp>
+        <p:nvSpPr>
+          <p:cNvPr id="7" name="矩形 6"/>
+          <p:cNvSpPr/>
+          <p:nvPr/>
+        </p:nvSpPr>
+        <p:spPr>
+          <a:xfrm>
+            <a:off x="3347864" y="4225652"/>
+            <a:ext cx="792088" cy="288032"/>
+          </a:xfrm>
+          <a:prstGeom prst="rect">
+            <a:avLst/>
+          </a:prstGeom>
+          <a:noFill/>
+          <a:ln>
+            <a:solidFill>
+              <a:srgbClr val="FF0000"/>
+            </a:solidFill>
+          </a:ln>
+        </p:spPr>
+        <p:style>
+          <a:lnRef idx="2">
+            <a:schemeClr val="accent1">
+              <a:shade val="50000"/>
+            </a:schemeClr>
+          </a:lnRef>
+          <a:fillRef idx="1">
+            <a:schemeClr val="accent1"/>
+          </a:fillRef>
+          <a:effectRef idx="0">
+            <a:schemeClr val="accent1"/>
+          </a:effectRef>
+          <a:fontRef idx="minor">
+            <a:schemeClr val="lt1"/>
+          </a:fontRef>
+        </p:style>
+        <p:txBody>
+          <a:bodyPr rtlCol="0" anchor="ctr"/>
+          <a:lstStyle/>
+          <a:p>
+            <a:pPr algn="ctr"/>
+            <a:endParaRPr lang="zh-CN" altLang="en-US"/>
+          </a:p>
+        </p:txBody>
+      </p:sp>
+      <p:cxnSp>
+        <p:nvCxnSpPr>
+          <p:cNvPr id="9" name="肘形连接符 8"/>
+          <p:cNvCxnSpPr>
+            <a:stCxn id="6" idx="0"/>
+            <a:endCxn id="7170" idx="1"/>
+          </p:cNvCxnSpPr>
+          <p:nvPr/>
+        </p:nvCxnSpPr>
+        <p:spPr>
+          <a:xfrm rot="5400000" flipH="1" flipV="1">
+            <a:off x="1050072" y="3492563"/>
+            <a:ext cx="1291197" cy="2008243"/>
+          </a:xfrm>
+          <a:prstGeom prst="bentConnector2">
+            <a:avLst/>
+          </a:prstGeom>
+          <a:ln w="101600">
+            <a:tailEnd type="triangle"/>
+          </a:ln>
+        </p:spPr>
+        <p:style>
+          <a:lnRef idx="3">
+            <a:schemeClr val="accent1"/>
+          </a:lnRef>
+          <a:fillRef idx="0">
+            <a:schemeClr val="accent1"/>
+          </a:fillRef>
+          <a:effectRef idx="2">
+            <a:schemeClr val="accent1"/>
+          </a:effectRef>
+          <a:fontRef idx="minor">
+            <a:schemeClr val="tx1"/>
+          </a:fontRef>
+        </p:style>
+      </p:cxnSp>
+    </p:spTree>
+    <p:extLst>
+      <p:ext uri="{BB962C8B-B14F-4D97-AF65-F5344CB8AC3E}">
+        <p14:creationId xmlns:p14="http://schemas.microsoft.com/office/powerpoint/2010/main" val="525321536"/>
+      </p:ext>
+    </p:extLst>
+  </p:cSld>
+  <p:clrMapOvr>
+    <a:masterClrMapping/>
+  </p:clrMapOvr>
+  <p:timing>
+    <p:tnLst>
+      <p:par>
+        <p:cTn id="1" dur="indefinite" restart="never" nodeType="tmRoot"/>
+      </p:par>
+    </p:tnLst>
+  </p:timing>
+</p:sld>
+</file>
+
+<file path=ppt/slides/slide2.xml><?xml version="1.0" encoding="utf-8"?>
+<p:sld xmlns:a="http://schemas.openxmlformats.org/drawingml/2006/main" xmlns:r="http://schemas.openxmlformats.org/officeDocument/2006/relationships" xmlns:p="http://schemas.openxmlformats.org/presentationml/2006/main">
+  <p:cSld>
+    <p:spTree>
+      <p:nvGrpSpPr>
+        <p:cNvPr id="1" name=""/>
+        <p:cNvGrpSpPr/>
+        <p:nvPr/>
+      </p:nvGrpSpPr>
+      <p:grpSpPr>
+        <a:xfrm>
+          <a:off x="0" y="0"/>
+          <a:ext cx="0" cy="0"/>
+          <a:chOff x="0" y="0"/>
+          <a:chExt cx="0" cy="0"/>
+        </a:xfrm>
+      </p:grpSpPr>
+      <p:sp>
+        <p:nvSpPr>
+          <p:cNvPr id="2" name="标题 1"/>
+          <p:cNvSpPr>
+            <a:spLocks noGrp="1"/>
+          </p:cNvSpPr>
+          <p:nvPr>
+            <p:ph type="title"/>
+          </p:nvPr>
+        </p:nvSpPr>
+        <p:spPr/>
+        <p:txBody>
+          <a:bodyPr/>
+          <a:lstStyle/>
+          <a:p>
+            <a:r>
+              <a:rPr lang="zh-CN" altLang="en-US" dirty="0"/>
+              <a:t>非靶</a:t>
+            </a:r>
+            <a:r>
+              <a:rPr lang="zh-CN" altLang="en-US" dirty="0" smtClean="0"/>
+              <a:t>向代谢组学分析流程</a:t>
+            </a:r>
+            <a:endParaRPr lang="zh-CN" altLang="en-US" dirty="0"/>
+          </a:p>
+        </p:txBody>
+      </p:sp>
+      <p:graphicFrame>
+        <p:nvGraphicFramePr>
+          <p:cNvPr id="4" name="内容占位符 3"/>
+          <p:cNvGraphicFramePr>
+            <a:graphicFrameLocks noGrp="1"/>
+          </p:cNvGraphicFramePr>
+          <p:nvPr>
+            <p:ph idx="1"/>
+            <p:extLst>
+              <p:ext uri="{D42A27DB-BD31-4B8C-83A1-F6EECF244321}">
+                <p14:modId xmlns:p14="http://schemas.microsoft.com/office/powerpoint/2010/main" val="3339489198"/>
+              </p:ext>
+            </p:extLst>
+          </p:nvPr>
+        </p:nvGraphicFramePr>
+        <p:xfrm>
+          <a:off x="457200" y="1333500"/>
+          <a:ext cx="8229600" cy="3771636"/>
+        </p:xfrm>
+        <a:graphic>
+          <a:graphicData uri="http://schemas.openxmlformats.org/drawingml/2006/diagram">
+            <dgm:relIds xmlns:dgm="http://schemas.openxmlformats.org/drawingml/2006/diagram" xmlns:r="http://schemas.openxmlformats.org/officeDocument/2006/relationships" r:dm="rId2" r:lo="rId3" r:qs="rId4" r:cs="rId5"/>
+          </a:graphicData>
+        </a:graphic>
+      </p:graphicFrame>
+      <p:pic>
+        <p:nvPicPr>
+          <p:cNvPr id="5" name="图片 4"/>
+          <p:cNvPicPr>
+            <a:picLocks noChangeAspect="1"/>
+          </p:cNvPicPr>
+          <p:nvPr/>
+        </p:nvPicPr>
+        <p:blipFill rotWithShape="1">
+          <a:blip r:embed="rId7" cstate="print">
+            <a:extLst>
+              <a:ext uri="{28A0092B-C50C-407E-A947-70E740481C1C}">
+                <a14:useLocalDpi xmlns:a14="http://schemas.microsoft.com/office/drawing/2010/main" val="0"/>
+              </a:ext>
+            </a:extLst>
+          </a:blip>
+          <a:srcRect l="18259" t="52908" r="26520" b="33050"/>
+          <a:stretch/>
+        </p:blipFill>
+        <p:spPr>
+          <a:xfrm>
+            <a:off x="1603631" y="1268736"/>
+            <a:ext cx="2216974" cy="551514"/>
+          </a:xfrm>
+          <a:prstGeom prst="rect">
+            <a:avLst/>
+          </a:prstGeom>
+        </p:spPr>
+      </p:pic>
+      <p:pic>
+        <p:nvPicPr>
+          <p:cNvPr id="6" name="图片 5"/>
+          <p:cNvPicPr>
+            <a:picLocks noChangeAspect="1"/>
+          </p:cNvPicPr>
+          <p:nvPr/>
+        </p:nvPicPr>
+        <p:blipFill rotWithShape="1">
+          <a:blip r:embed="rId8" cstate="print">
+            <a:extLst>
+              <a:ext uri="{28A0092B-C50C-407E-A947-70E740481C1C}">
+                <a14:useLocalDpi xmlns:a14="http://schemas.microsoft.com/office/drawing/2010/main" val="0"/>
+              </a:ext>
+            </a:extLst>
+          </a:blip>
+          <a:srcRect l="19273" t="72340" r="33912" b="16171"/>
+          <a:stretch/>
+        </p:blipFill>
+        <p:spPr>
+          <a:xfrm>
+            <a:off x="1721186" y="3649587"/>
+            <a:ext cx="1981864" cy="528057"/>
+          </a:xfrm>
+          <a:prstGeom prst="rect">
+            <a:avLst/>
+          </a:prstGeom>
+        </p:spPr>
+      </p:pic>
+      <p:pic>
+        <p:nvPicPr>
+          <p:cNvPr id="7" name="图片 6"/>
+          <p:cNvPicPr>
+            <a:picLocks noChangeAspect="1"/>
+          </p:cNvPicPr>
+          <p:nvPr/>
+        </p:nvPicPr>
+        <p:blipFill rotWithShape="1">
+          <a:blip r:embed="rId9" cstate="print">
+            <a:extLst>
+              <a:ext uri="{28A0092B-C50C-407E-A947-70E740481C1C}">
+                <a14:useLocalDpi xmlns:a14="http://schemas.microsoft.com/office/drawing/2010/main" val="0"/>
+              </a:ext>
+            </a:extLst>
+          </a:blip>
+          <a:srcRect l="18098" t="36509" r="12332" b="51151"/>
+          <a:stretch/>
+        </p:blipFill>
+        <p:spPr>
+          <a:xfrm>
+            <a:off x="3703050" y="2137420"/>
+            <a:ext cx="3977716" cy="694563"/>
+          </a:xfrm>
+          <a:prstGeom prst="rect">
+            <a:avLst/>
+          </a:prstGeom>
+        </p:spPr>
+      </p:pic>
+    </p:spTree>
+    <p:extLst>
+      <p:ext uri="{BB962C8B-B14F-4D97-AF65-F5344CB8AC3E}">
+        <p14:creationId xmlns:p14="http://schemas.microsoft.com/office/powerpoint/2010/main" val="3123758540"/>
+      </p:ext>
+    </p:extLst>
+  </p:cSld>
+  <p:clrMapOvr>
+    <a:masterClrMapping/>
+  </p:clrMapOvr>
+  <p:timing>
+    <p:tnLst>
+      <p:par>
+        <p:cTn id="1" dur="indefinite" restart="never" nodeType="tmRoot"/>
+      </p:par>
+    </p:tnLst>
+  </p:timing>
+</p:sld>
+</file>
+
+<file path=ppt/slides/slide3.xml><?xml version="1.0" encoding="utf-8"?>
+<p:sld xmlns:a="http://schemas.openxmlformats.org/drawingml/2006/main" xmlns:r="http://schemas.openxmlformats.org/officeDocument/2006/relationships" xmlns:p="http://schemas.openxmlformats.org/presentationml/2006/main">
+  <p:cSld>
+    <p:spTree>
+      <p:nvGrpSpPr>
+        <p:cNvPr id="1" name=""/>
+        <p:cNvGrpSpPr/>
+        <p:nvPr/>
+      </p:nvGrpSpPr>
+      <p:grpSpPr>
+        <a:xfrm>
+          <a:off x="0" y="0"/>
+          <a:ext cx="0" cy="0"/>
+          <a:chOff x="0" y="0"/>
+          <a:chExt cx="0" cy="0"/>
+        </a:xfrm>
+      </p:grpSpPr>
+      <p:sp>
+        <p:nvSpPr>
+          <p:cNvPr id="2" name="标题 1"/>
+          <p:cNvSpPr>
+            <a:spLocks noGrp="1"/>
+          </p:cNvSpPr>
+          <p:nvPr>
+            <p:ph type="title"/>
+          </p:nvPr>
+        </p:nvSpPr>
+        <p:spPr/>
+        <p:txBody>
+          <a:bodyPr/>
+          <a:lstStyle/>
+          <a:p>
+            <a:r>
+              <a:rPr lang="en-US" altLang="zh-CN" dirty="0" smtClean="0"/>
+              <a:t>MetaDeco</a:t>
+            </a:r>
+            <a:endParaRPr lang="zh-CN" altLang="en-US" dirty="0"/>
+          </a:p>
+        </p:txBody>
+      </p:sp>
+      <p:sp>
+        <p:nvSpPr>
+          <p:cNvPr id="3" name="内容占位符 2"/>
+          <p:cNvSpPr>
+            <a:spLocks noGrp="1"/>
+          </p:cNvSpPr>
+          <p:nvPr>
+            <p:ph idx="1"/>
+          </p:nvPr>
+        </p:nvSpPr>
+        <p:spPr/>
+        <p:txBody>
+          <a:bodyPr/>
+          <a:lstStyle/>
+          <a:p>
+            <a:r>
+              <a:rPr lang="zh-CN" altLang="en-US" dirty="0" smtClean="0"/>
+              <a:t>主要功能：将原始数据进行解卷积，生成所需要的代谢组表达量数字矩阵</a:t>
+            </a:r>
+            <a:endParaRPr lang="zh-CN" altLang="en-US" dirty="0"/>
+          </a:p>
+        </p:txBody>
+      </p:sp>
+      <p:graphicFrame>
+        <p:nvGraphicFramePr>
+          <p:cNvPr id="5" name="图示 4"/>
+          <p:cNvGraphicFramePr/>
+          <p:nvPr>
+            <p:extLst>
+              <p:ext uri="{D42A27DB-BD31-4B8C-83A1-F6EECF244321}">
+                <p14:modId xmlns:p14="http://schemas.microsoft.com/office/powerpoint/2010/main" val="1463873481"/>
+              </p:ext>
+            </p:extLst>
+          </p:nvPr>
+        </p:nvGraphicFramePr>
+        <p:xfrm>
+          <a:off x="971600" y="2017407"/>
+          <a:ext cx="7200800" cy="3840427"/>
+        </p:xfrm>
+        <a:graphic>
+          <a:graphicData uri="http://schemas.openxmlformats.org/drawingml/2006/diagram">
+            <dgm:relIds xmlns:dgm="http://schemas.openxmlformats.org/drawingml/2006/diagram" xmlns:r="http://schemas.openxmlformats.org/officeDocument/2006/relationships" r:dm="rId2" r:lo="rId3" r:qs="rId4" r:cs="rId5"/>
+          </a:graphicData>
+        </a:graphic>
+      </p:graphicFrame>
+      <p:pic>
+        <p:nvPicPr>
+          <p:cNvPr id="6" name="图片 5"/>
+          <p:cNvPicPr>
+            <a:picLocks noChangeAspect="1"/>
+          </p:cNvPicPr>
+          <p:nvPr/>
+        </p:nvPicPr>
+        <p:blipFill rotWithShape="1">
+          <a:blip r:embed="rId7" cstate="print">
+            <a:extLst>
+              <a:ext uri="{28A0092B-C50C-407E-A947-70E740481C1C}">
+                <a14:useLocalDpi xmlns:a14="http://schemas.microsoft.com/office/drawing/2010/main" val="0"/>
+              </a:ext>
+            </a:extLst>
+          </a:blip>
+          <a:srcRect l="18403" t="53049" r="26810" b="32908"/>
+          <a:stretch/>
+        </p:blipFill>
+        <p:spPr>
+          <a:xfrm>
+            <a:off x="3320697" y="2881477"/>
+            <a:ext cx="2304256" cy="550919"/>
+          </a:xfrm>
+          <a:prstGeom prst="rect">
+            <a:avLst/>
+          </a:prstGeom>
+        </p:spPr>
+      </p:pic>
+    </p:spTree>
+    <p:extLst>
+      <p:ext uri="{BB962C8B-B14F-4D97-AF65-F5344CB8AC3E}">
+        <p14:creationId xmlns:p14="http://schemas.microsoft.com/office/powerpoint/2010/main" val="987637413"/>
+      </p:ext>
+    </p:extLst>
+  </p:cSld>
+  <p:clrMapOvr>
+    <a:masterClrMapping/>
+  </p:clrMapOvr>
+  <p:timing>
+    <p:tnLst>
+      <p:par>
+        <p:cTn id="1" dur="indefinite" restart="never" nodeType="tmRoot"/>
+      </p:par>
+    </p:tnLst>
+  </p:timing>
+</p:sld>
+</file>
+
+<file path=ppt/slides/slide4.xml><?xml version="1.0" encoding="utf-8"?>
+<p:sld xmlns:a="http://schemas.openxmlformats.org/drawingml/2006/main" xmlns:r="http://schemas.openxmlformats.org/officeDocument/2006/relationships" xmlns:p="http://schemas.openxmlformats.org/presentationml/2006/main">
+  <p:cSld>
+    <p:spTree>
+      <p:nvGrpSpPr>
+        <p:cNvPr id="1" name=""/>
+        <p:cNvGrpSpPr/>
+        <p:nvPr/>
+      </p:nvGrpSpPr>
+      <p:grpSpPr>
+        <a:xfrm>
+          <a:off x="0" y="0"/>
+          <a:ext cx="0" cy="0"/>
+          <a:chOff x="0" y="0"/>
+          <a:chExt cx="0" cy="0"/>
+        </a:xfrm>
+      </p:grpSpPr>
+      <p:sp>
+        <p:nvSpPr>
+          <p:cNvPr id="2" name="标题 1"/>
+          <p:cNvSpPr>
+            <a:spLocks noGrp="1"/>
+          </p:cNvSpPr>
+          <p:nvPr>
+            <p:ph type="title"/>
+          </p:nvPr>
+        </p:nvSpPr>
+        <p:spPr/>
+        <p:txBody>
+          <a:bodyPr/>
+          <a:lstStyle/>
+          <a:p>
+            <a:r>
+              <a:rPr lang="zh-CN" altLang="en-US" dirty="0" smtClean="0"/>
+              <a:t>操作步骤</a:t>
+            </a:r>
+            <a:endParaRPr lang="zh-CN" altLang="en-US" dirty="0"/>
+          </a:p>
+        </p:txBody>
+      </p:sp>
+      <p:sp>
+        <p:nvSpPr>
+          <p:cNvPr id="3" name="内容占位符 2"/>
+          <p:cNvSpPr>
+            <a:spLocks noGrp="1"/>
+          </p:cNvSpPr>
+          <p:nvPr>
+            <p:ph idx="1"/>
+          </p:nvPr>
+        </p:nvSpPr>
+        <p:spPr/>
+        <p:txBody>
+          <a:bodyPr/>
+          <a:lstStyle/>
+          <a:p>
+            <a:r>
+              <a:rPr lang="en-US" altLang="zh-CN" dirty="0" smtClean="0"/>
+              <a:t>1. </a:t>
+            </a:r>
+            <a:r>
+              <a:rPr lang="zh-CN" altLang="en-US" dirty="0" smtClean="0"/>
+              <a:t>新建分析项目</a:t>
+            </a:r>
+            <a:endParaRPr lang="en-US" altLang="zh-CN" dirty="0" smtClean="0"/>
+          </a:p>
+          <a:p>
+            <a:r>
+              <a:rPr lang="en-US" altLang="zh-CN" sz="2000" dirty="0">
+                <a:hlinkClick r:id="rId2"/>
+              </a:rPr>
+              <a:t>http://</a:t>
+            </a:r>
+            <a:r>
+              <a:rPr lang="en-US" altLang="zh-CN" sz="2000" dirty="0" smtClean="0">
+                <a:hlinkClick r:id="rId2"/>
+              </a:rPr>
+              <a:t>mz.biodeep.cn/index.php/index/project_home</a:t>
+            </a:r>
+            <a:endParaRPr lang="en-US" altLang="zh-CN" sz="2000" dirty="0" smtClean="0"/>
+          </a:p>
+          <a:p>
+            <a:endParaRPr lang="en-US" altLang="zh-CN" dirty="0"/>
+          </a:p>
+          <a:p>
+            <a:endParaRPr lang="zh-CN" altLang="en-US" dirty="0"/>
+          </a:p>
+        </p:txBody>
+      </p:sp>
+      <p:pic>
+        <p:nvPicPr>
+          <p:cNvPr id="1026" name="Picture 2"/>
+          <p:cNvPicPr>
+            <a:picLocks noChangeAspect="1" noChangeArrowheads="1"/>
+          </p:cNvPicPr>
+          <p:nvPr/>
+        </p:nvPicPr>
+        <p:blipFill>
+          <a:blip r:embed="rId3">
+            <a:extLst>
+              <a:ext uri="{28A0092B-C50C-407E-A947-70E740481C1C}">
+                <a14:useLocalDpi xmlns:a14="http://schemas.microsoft.com/office/drawing/2010/main" val="0"/>
+              </a:ext>
+            </a:extLst>
+          </a:blip>
+          <a:srcRect/>
+          <a:stretch>
+            <a:fillRect/>
+          </a:stretch>
+        </p:blipFill>
+        <p:spPr bwMode="auto">
+          <a:xfrm>
+            <a:off x="3054799" y="2273313"/>
+            <a:ext cx="5470427" cy="3433564"/>
+          </a:xfrm>
+          <a:prstGeom prst="rect">
+            <a:avLst/>
+          </a:prstGeom>
+          <a:noFill/>
+          <a:ln>
+            <a:noFill/>
+          </a:ln>
+          <a:effectLst/>
+          <a:extLst>
+            <a:ext uri="{909E8E84-426E-40DD-AFC4-6F175D3DCCD1}">
+              <a14:hiddenFill xmlns:a14="http://schemas.microsoft.com/office/drawing/2010/main">
+                <a:solidFill>
+                  <a:schemeClr val="accent1"/>
+                </a:solidFill>
+              </a14:hiddenFill>
+            </a:ext>
+            <a:ext uri="{91240B29-F687-4F45-9708-019B960494DF}">
+              <a14:hiddenLine xmlns:a14="http://schemas.microsoft.com/office/drawing/2010/main" w="9525">
+                <a:solidFill>
+                  <a:schemeClr val="tx1"/>
+                </a:solidFill>
+                <a:miter lim="800000"/>
+                <a:headEnd/>
+                <a:tailEnd/>
+              </a14:hiddenLine>
+            </a:ext>
+            <a:ext uri="{AF507438-7753-43E0-B8FC-AC1667EBCBE1}">
+              <a14:hiddenEffects xmlns:a14="http://schemas.microsoft.com/office/drawing/2010/main">
+                <a:effectLst>
+                  <a:outerShdw dist="35921" dir="2700000" algn="ctr" rotWithShape="0">
+                    <a:schemeClr val="bg2"/>
+                  </a:outerShdw>
+                </a:effectLst>
+              </a14:hiddenEffects>
+            </a:ext>
+          </a:extLst>
+        </p:spPr>
+      </p:pic>
+      <p:pic>
+        <p:nvPicPr>
+          <p:cNvPr id="1027" name="Picture 3"/>
+          <p:cNvPicPr>
+            <a:picLocks noChangeAspect="1" noChangeArrowheads="1"/>
+          </p:cNvPicPr>
+          <p:nvPr/>
+        </p:nvPicPr>
+        <p:blipFill>
+          <a:blip r:embed="rId4">
+            <a:extLst>
+              <a:ext uri="{28A0092B-C50C-407E-A947-70E740481C1C}">
+                <a14:useLocalDpi xmlns:a14="http://schemas.microsoft.com/office/drawing/2010/main" val="0"/>
+              </a:ext>
+            </a:extLst>
+          </a:blip>
+          <a:srcRect/>
+          <a:stretch>
+            <a:fillRect/>
+          </a:stretch>
+        </p:blipFill>
+        <p:spPr bwMode="auto">
+          <a:xfrm>
+            <a:off x="249616" y="3289548"/>
+            <a:ext cx="1872207" cy="1226893"/>
+          </a:xfrm>
+          <a:prstGeom prst="rect">
+            <a:avLst/>
+          </a:prstGeom>
+          <a:noFill/>
+          <a:ln>
+            <a:noFill/>
+          </a:ln>
+          <a:effectLst/>
+          <a:extLst>
+            <a:ext uri="{909E8E84-426E-40DD-AFC4-6F175D3DCCD1}">
+              <a14:hiddenFill xmlns:a14="http://schemas.microsoft.com/office/drawing/2010/main">
+                <a:solidFill>
+                  <a:schemeClr val="accent1"/>
+                </a:solidFill>
+              </a14:hiddenFill>
+            </a:ext>
+            <a:ext uri="{91240B29-F687-4F45-9708-019B960494DF}">
+              <a14:hiddenLine xmlns:a14="http://schemas.microsoft.com/office/drawing/2010/main" w="9525">
+                <a:solidFill>
+                  <a:schemeClr val="tx1"/>
+                </a:solidFill>
+                <a:miter lim="800000"/>
+                <a:headEnd/>
+                <a:tailEnd/>
+              </a14:hiddenLine>
+            </a:ext>
+            <a:ext uri="{AF507438-7753-43E0-B8FC-AC1667EBCBE1}">
+              <a14:hiddenEffects xmlns:a14="http://schemas.microsoft.com/office/drawing/2010/main">
+                <a:effectLst>
+                  <a:outerShdw dist="35921" dir="2700000" algn="ctr" rotWithShape="0">
+                    <a:schemeClr val="bg2"/>
+                  </a:outerShdw>
+                </a:effectLst>
+              </a14:hiddenEffects>
+            </a:ext>
+          </a:extLst>
+        </p:spPr>
+      </p:pic>
+      <p:sp>
+        <p:nvSpPr>
+          <p:cNvPr id="4" name="右箭头 3"/>
+          <p:cNvSpPr/>
+          <p:nvPr/>
+        </p:nvSpPr>
+        <p:spPr>
+          <a:xfrm>
+            <a:off x="2195736" y="3551288"/>
+            <a:ext cx="720080" cy="530348"/>
+          </a:xfrm>
+          <a:prstGeom prst="rightArrow">
+            <a:avLst/>
+          </a:prstGeom>
+        </p:spPr>
+        <p:style>
+          <a:lnRef idx="1">
+            <a:schemeClr val="accent1"/>
+          </a:lnRef>
+          <a:fillRef idx="3">
+            <a:schemeClr val="accent1"/>
+          </a:fillRef>
+          <a:effectRef idx="2">
+            <a:schemeClr val="accent1"/>
+          </a:effectRef>
+          <a:fontRef idx="minor">
+            <a:schemeClr val="lt1"/>
+          </a:fontRef>
+        </p:style>
+        <p:txBody>
+          <a:bodyPr rtlCol="0" anchor="ctr"/>
+          <a:lstStyle/>
+          <a:p>
+            <a:pPr algn="ctr"/>
+            <a:endParaRPr lang="zh-CN" altLang="en-US"/>
+          </a:p>
+        </p:txBody>
+      </p:sp>
+    </p:spTree>
+    <p:extLst>
+      <p:ext uri="{BB962C8B-B14F-4D97-AF65-F5344CB8AC3E}">
+        <p14:creationId xmlns:p14="http://schemas.microsoft.com/office/powerpoint/2010/main" val="1342436243"/>
+      </p:ext>
+    </p:extLst>
+  </p:cSld>
+  <p:clrMapOvr>
+    <a:masterClrMapping/>
+  </p:clrMapOvr>
+  <p:timing>
+    <p:tnLst>
+      <p:par>
+        <p:cTn id="1" dur="indefinite" restart="never" nodeType="tmRoot"/>
+      </p:par>
+    </p:tnLst>
+  </p:timing>
+</p:sld>
+</file>
+
+<file path=ppt/slides/slide5.xml><?xml version="1.0" encoding="utf-8"?>
+<p:sld xmlns:a="http://schemas.openxmlformats.org/drawingml/2006/main" xmlns:r="http://schemas.openxmlformats.org/officeDocument/2006/relationships" xmlns:p="http://schemas.openxmlformats.org/presentationml/2006/main">
+  <p:cSld>
+    <p:spTree>
+      <p:nvGrpSpPr>
+        <p:cNvPr id="1" name=""/>
+        <p:cNvGrpSpPr/>
+        <p:nvPr/>
+      </p:nvGrpSpPr>
+      <p:grpSpPr>
+        <a:xfrm>
+          <a:off x="0" y="0"/>
+          <a:ext cx="0" cy="0"/>
+          <a:chOff x="0" y="0"/>
+          <a:chExt cx="0" cy="0"/>
+        </a:xfrm>
+      </p:grpSpPr>
+      <p:sp>
+        <p:nvSpPr>
+          <p:cNvPr id="2" name="标题 1"/>
+          <p:cNvSpPr>
+            <a:spLocks noGrp="1"/>
+          </p:cNvSpPr>
+          <p:nvPr>
+            <p:ph type="title"/>
+          </p:nvPr>
+        </p:nvSpPr>
+        <p:spPr/>
+        <p:txBody>
+          <a:bodyPr/>
+          <a:lstStyle/>
+          <a:p>
+            <a:endParaRPr lang="zh-CN" altLang="en-US"/>
+          </a:p>
+        </p:txBody>
+      </p:sp>
+      <p:sp>
+        <p:nvSpPr>
+          <p:cNvPr id="3" name="内容占位符 2"/>
+          <p:cNvSpPr>
+            <a:spLocks noGrp="1"/>
+          </p:cNvSpPr>
+          <p:nvPr>
+            <p:ph idx="1"/>
+          </p:nvPr>
+        </p:nvSpPr>
+        <p:spPr/>
+        <p:txBody>
+          <a:bodyPr/>
+          <a:lstStyle/>
+          <a:p>
+            <a:r>
+              <a:rPr lang="en-US" altLang="zh-CN" dirty="0" smtClean="0"/>
+              <a:t>2. </a:t>
+            </a:r>
+            <a:r>
+              <a:rPr lang="zh-CN" altLang="en-US" dirty="0" smtClean="0"/>
+              <a:t>编辑样本的分组信息</a:t>
+            </a:r>
+            <a:endParaRPr lang="en-US" altLang="zh-CN" dirty="0" smtClean="0"/>
+          </a:p>
+          <a:p>
+            <a:r>
+              <a:rPr lang="zh-CN" altLang="en-US" dirty="0"/>
+              <a:t>会需</a:t>
+            </a:r>
+            <a:r>
+              <a:rPr lang="zh-CN" altLang="en-US" dirty="0" smtClean="0"/>
+              <a:t>要在文件管理器之中编辑分组信息，以方便进行后续的比较分析</a:t>
+            </a:r>
+            <a:endParaRPr lang="en-US" altLang="zh-CN" dirty="0" smtClean="0"/>
+          </a:p>
+          <a:p>
+            <a:endParaRPr lang="zh-CN" altLang="en-US" dirty="0"/>
+          </a:p>
+        </p:txBody>
+      </p:sp>
+      <p:pic>
+        <p:nvPicPr>
+          <p:cNvPr id="2050" name="Picture 2"/>
+          <p:cNvPicPr>
+            <a:picLocks noChangeAspect="1" noChangeArrowheads="1"/>
+          </p:cNvPicPr>
+          <p:nvPr/>
+        </p:nvPicPr>
+        <p:blipFill>
+          <a:blip r:embed="rId2">
+            <a:extLst>
+              <a:ext uri="{28A0092B-C50C-407E-A947-70E740481C1C}">
+                <a14:useLocalDpi xmlns:a14="http://schemas.microsoft.com/office/drawing/2010/main" val="0"/>
+              </a:ext>
+            </a:extLst>
+          </a:blip>
+          <a:srcRect/>
+          <a:stretch>
+            <a:fillRect/>
+          </a:stretch>
+        </p:blipFill>
+        <p:spPr bwMode="auto">
+          <a:xfrm>
+            <a:off x="4371116" y="3104103"/>
+            <a:ext cx="2376263" cy="2101197"/>
+          </a:xfrm>
+          <a:prstGeom prst="rect">
+            <a:avLst/>
+          </a:prstGeom>
+          <a:noFill/>
+          <a:ln>
+            <a:noFill/>
+          </a:ln>
+          <a:effectLst/>
+          <a:extLst>
+            <a:ext uri="{909E8E84-426E-40DD-AFC4-6F175D3DCCD1}">
+              <a14:hiddenFill xmlns:a14="http://schemas.microsoft.com/office/drawing/2010/main">
+                <a:solidFill>
+                  <a:schemeClr val="accent1"/>
+                </a:solidFill>
+              </a14:hiddenFill>
+            </a:ext>
+            <a:ext uri="{91240B29-F687-4F45-9708-019B960494DF}">
+              <a14:hiddenLine xmlns:a14="http://schemas.microsoft.com/office/drawing/2010/main" w="9525">
+                <a:solidFill>
+                  <a:schemeClr val="tx1"/>
+                </a:solidFill>
+                <a:miter lim="800000"/>
+                <a:headEnd/>
+                <a:tailEnd/>
+              </a14:hiddenLine>
+            </a:ext>
+            <a:ext uri="{AF507438-7753-43E0-B8FC-AC1667EBCBE1}">
+              <a14:hiddenEffects xmlns:a14="http://schemas.microsoft.com/office/drawing/2010/main">
+                <a:effectLst>
+                  <a:outerShdw dist="35921" dir="2700000" algn="ctr" rotWithShape="0">
+                    <a:schemeClr val="bg2"/>
+                  </a:outerShdw>
+                </a:effectLst>
+              </a14:hiddenEffects>
+            </a:ext>
+          </a:extLst>
+        </p:spPr>
+      </p:pic>
+      <p:sp>
+        <p:nvSpPr>
+          <p:cNvPr id="4" name="矩形 3"/>
+          <p:cNvSpPr/>
+          <p:nvPr/>
+        </p:nvSpPr>
+        <p:spPr>
+          <a:xfrm>
+            <a:off x="682057" y="3329583"/>
+            <a:ext cx="2304256" cy="457200"/>
+          </a:xfrm>
+          <a:prstGeom prst="rect">
+            <a:avLst/>
+          </a:prstGeom>
+        </p:spPr>
+        <p:style>
+          <a:lnRef idx="2">
+            <a:schemeClr val="accent2"/>
+          </a:lnRef>
+          <a:fillRef idx="1">
+            <a:schemeClr val="lt1"/>
+          </a:fillRef>
+          <a:effectRef idx="0">
+            <a:schemeClr val="accent2"/>
+          </a:effectRef>
+          <a:fontRef idx="minor">
+            <a:schemeClr val="dk1"/>
+          </a:fontRef>
+        </p:style>
+        <p:txBody>
+          <a:bodyPr rtlCol="0" anchor="ctr"/>
+          <a:lstStyle/>
+          <a:p>
+            <a:pPr algn="ctr"/>
+            <a:r>
+              <a:rPr lang="zh-CN" altLang="en-US" dirty="0" smtClean="0"/>
+              <a:t>新添加一个分析组别</a:t>
+            </a:r>
+            <a:endParaRPr lang="zh-CN" altLang="en-US" dirty="0"/>
+          </a:p>
+        </p:txBody>
+      </p:sp>
+      <p:sp>
+        <p:nvSpPr>
+          <p:cNvPr id="5" name="矩形 4"/>
+          <p:cNvSpPr/>
+          <p:nvPr/>
+        </p:nvSpPr>
+        <p:spPr>
+          <a:xfrm>
+            <a:off x="4788024" y="3198143"/>
+            <a:ext cx="880058" cy="360040"/>
+          </a:xfrm>
+          <a:prstGeom prst="rect">
+            <a:avLst/>
+          </a:prstGeom>
+          <a:noFill/>
+          <a:ln>
+            <a:solidFill>
+              <a:srgbClr val="FF0000"/>
+            </a:solidFill>
+          </a:ln>
+        </p:spPr>
+        <p:style>
+          <a:lnRef idx="2">
+            <a:schemeClr val="accent1">
+              <a:shade val="50000"/>
+            </a:schemeClr>
+          </a:lnRef>
+          <a:fillRef idx="1">
+            <a:schemeClr val="accent1"/>
+          </a:fillRef>
+          <a:effectRef idx="0">
+            <a:schemeClr val="accent1"/>
+          </a:effectRef>
+          <a:fontRef idx="minor">
+            <a:schemeClr val="lt1"/>
+          </a:fontRef>
+        </p:style>
+        <p:txBody>
+          <a:bodyPr rtlCol="0" anchor="ctr"/>
+          <a:lstStyle/>
+          <a:p>
+            <a:pPr algn="ctr"/>
+            <a:endParaRPr lang="zh-CN" altLang="en-US"/>
+          </a:p>
+        </p:txBody>
+      </p:sp>
+      <p:cxnSp>
+        <p:nvCxnSpPr>
+          <p:cNvPr id="7" name="肘形连接符 6"/>
+          <p:cNvCxnSpPr>
+            <a:stCxn id="4" idx="3"/>
+            <a:endCxn id="5" idx="0"/>
+          </p:cNvCxnSpPr>
+          <p:nvPr/>
+        </p:nvCxnSpPr>
+        <p:spPr>
+          <a:xfrm flipV="1">
+            <a:off x="2986313" y="3198143"/>
+            <a:ext cx="2241740" cy="360040"/>
+          </a:xfrm>
+          <a:prstGeom prst="bentConnector4">
+            <a:avLst>
+              <a:gd name="adj1" fmla="val 40186"/>
+              <a:gd name="adj2" fmla="val 163493"/>
+            </a:avLst>
+          </a:prstGeom>
+          <a:ln w="50800">
+            <a:tailEnd type="triangle"/>
+          </a:ln>
+        </p:spPr>
+        <p:style>
+          <a:lnRef idx="3">
+            <a:schemeClr val="accent1"/>
+          </a:lnRef>
+          <a:fillRef idx="0">
+            <a:schemeClr val="accent1"/>
+          </a:fillRef>
+          <a:effectRef idx="2">
+            <a:schemeClr val="accent1"/>
+          </a:effectRef>
+          <a:fontRef idx="minor">
+            <a:schemeClr val="tx1"/>
+          </a:fontRef>
+        </p:style>
+      </p:cxnSp>
+      <p:sp>
+        <p:nvSpPr>
+          <p:cNvPr id="12" name="矩形 11"/>
+          <p:cNvSpPr/>
+          <p:nvPr/>
+        </p:nvSpPr>
+        <p:spPr>
+          <a:xfrm>
+            <a:off x="682057" y="3926101"/>
+            <a:ext cx="2304256" cy="457200"/>
+          </a:xfrm>
+          <a:prstGeom prst="rect">
+            <a:avLst/>
+          </a:prstGeom>
+        </p:spPr>
+        <p:style>
+          <a:lnRef idx="2">
+            <a:schemeClr val="accent2"/>
+          </a:lnRef>
+          <a:fillRef idx="1">
+            <a:schemeClr val="lt1"/>
+          </a:fillRef>
+          <a:effectRef idx="0">
+            <a:schemeClr val="accent2"/>
+          </a:effectRef>
+          <a:fontRef idx="minor">
+            <a:schemeClr val="dk1"/>
+          </a:fontRef>
+        </p:style>
+        <p:txBody>
+          <a:bodyPr rtlCol="0" anchor="ctr"/>
+          <a:lstStyle/>
+          <a:p>
+            <a:pPr algn="ctr"/>
+            <a:r>
+              <a:rPr lang="zh-CN" altLang="en-US" dirty="0" smtClean="0"/>
+              <a:t>删除一个分析组别</a:t>
+            </a:r>
+            <a:endParaRPr lang="zh-CN" altLang="en-US" dirty="0"/>
+          </a:p>
+        </p:txBody>
+      </p:sp>
+      <p:sp>
+        <p:nvSpPr>
+          <p:cNvPr id="13" name="矩形 12"/>
+          <p:cNvSpPr/>
+          <p:nvPr/>
+        </p:nvSpPr>
+        <p:spPr>
+          <a:xfrm>
+            <a:off x="5724127" y="4412824"/>
+            <a:ext cx="216025" cy="216024"/>
+          </a:xfrm>
+          <a:prstGeom prst="rect">
+            <a:avLst/>
+          </a:prstGeom>
+          <a:noFill/>
+          <a:ln>
+            <a:solidFill>
+              <a:srgbClr val="FF0000"/>
+            </a:solidFill>
+          </a:ln>
+        </p:spPr>
+        <p:style>
+          <a:lnRef idx="2">
+            <a:schemeClr val="accent1">
+              <a:shade val="50000"/>
+            </a:schemeClr>
+          </a:lnRef>
+          <a:fillRef idx="1">
+            <a:schemeClr val="accent1"/>
+          </a:fillRef>
+          <a:effectRef idx="0">
+            <a:schemeClr val="accent1"/>
+          </a:effectRef>
+          <a:fontRef idx="minor">
+            <a:schemeClr val="lt1"/>
+          </a:fontRef>
+        </p:style>
+        <p:txBody>
+          <a:bodyPr rtlCol="0" anchor="ctr"/>
+          <a:lstStyle/>
+          <a:p>
+            <a:pPr algn="ctr"/>
+            <a:endParaRPr lang="zh-CN" altLang="en-US"/>
+          </a:p>
+        </p:txBody>
+      </p:sp>
+      <p:cxnSp>
+        <p:nvCxnSpPr>
+          <p:cNvPr id="14" name="肘形连接符 13"/>
+          <p:cNvCxnSpPr>
+            <a:stCxn id="12" idx="3"/>
+            <a:endCxn id="13" idx="0"/>
+          </p:cNvCxnSpPr>
+          <p:nvPr/>
+        </p:nvCxnSpPr>
+        <p:spPr>
+          <a:xfrm>
+            <a:off x="2986313" y="4154701"/>
+            <a:ext cx="2845827" cy="258123"/>
+          </a:xfrm>
+          <a:prstGeom prst="bentConnector2">
+            <a:avLst/>
+          </a:prstGeom>
+          <a:ln w="50800">
+            <a:tailEnd type="triangle"/>
+          </a:ln>
+        </p:spPr>
+        <p:style>
+          <a:lnRef idx="3">
+            <a:schemeClr val="accent1"/>
+          </a:lnRef>
+          <a:fillRef idx="0">
+            <a:schemeClr val="accent1"/>
+          </a:fillRef>
+          <a:effectRef idx="2">
+            <a:schemeClr val="accent1"/>
+          </a:effectRef>
+          <a:fontRef idx="minor">
+            <a:schemeClr val="tx1"/>
+          </a:fontRef>
+        </p:style>
+      </p:cxnSp>
+      <p:sp>
+        <p:nvSpPr>
+          <p:cNvPr id="17" name="矩形 16"/>
+          <p:cNvSpPr/>
+          <p:nvPr/>
+        </p:nvSpPr>
+        <p:spPr>
+          <a:xfrm>
+            <a:off x="676648" y="4606104"/>
+            <a:ext cx="2304256" cy="457200"/>
+          </a:xfrm>
+          <a:prstGeom prst="rect">
+            <a:avLst/>
+          </a:prstGeom>
+        </p:spPr>
+        <p:style>
+          <a:lnRef idx="2">
+            <a:schemeClr val="accent2"/>
+          </a:lnRef>
+          <a:fillRef idx="1">
+            <a:schemeClr val="lt1"/>
+          </a:fillRef>
+          <a:effectRef idx="0">
+            <a:schemeClr val="accent2"/>
+          </a:effectRef>
+          <a:fontRef idx="minor">
+            <a:schemeClr val="dk1"/>
+          </a:fontRef>
+        </p:style>
+        <p:txBody>
+          <a:bodyPr rtlCol="0" anchor="ctr"/>
+          <a:lstStyle/>
+          <a:p>
+            <a:pPr algn="ctr"/>
+            <a:r>
+              <a:rPr lang="zh-CN" altLang="en-US" dirty="0" smtClean="0"/>
+              <a:t>重命名一个分析组别</a:t>
+            </a:r>
+            <a:endParaRPr lang="zh-CN" altLang="en-US" dirty="0"/>
+          </a:p>
+        </p:txBody>
+      </p:sp>
+      <p:sp>
+        <p:nvSpPr>
+          <p:cNvPr id="18" name="矩形 17"/>
+          <p:cNvSpPr/>
+          <p:nvPr/>
+        </p:nvSpPr>
+        <p:spPr>
+          <a:xfrm>
+            <a:off x="5982321" y="4411152"/>
+            <a:ext cx="228908" cy="216024"/>
+          </a:xfrm>
+          <a:prstGeom prst="rect">
+            <a:avLst/>
+          </a:prstGeom>
+          <a:noFill/>
+          <a:ln>
+            <a:solidFill>
+              <a:srgbClr val="FF0000"/>
+            </a:solidFill>
+          </a:ln>
+        </p:spPr>
+        <p:style>
+          <a:lnRef idx="2">
+            <a:schemeClr val="accent1">
+              <a:shade val="50000"/>
+            </a:schemeClr>
+          </a:lnRef>
+          <a:fillRef idx="1">
+            <a:schemeClr val="accent1"/>
+          </a:fillRef>
+          <a:effectRef idx="0">
+            <a:schemeClr val="accent1"/>
+          </a:effectRef>
+          <a:fontRef idx="minor">
+            <a:schemeClr val="lt1"/>
+          </a:fontRef>
+        </p:style>
+        <p:txBody>
+          <a:bodyPr rtlCol="0" anchor="ctr"/>
+          <a:lstStyle/>
+          <a:p>
+            <a:pPr algn="ctr"/>
+            <a:endParaRPr lang="zh-CN" altLang="en-US"/>
+          </a:p>
+        </p:txBody>
+      </p:sp>
+      <p:cxnSp>
+        <p:nvCxnSpPr>
+          <p:cNvPr id="19" name="肘形连接符 18"/>
+          <p:cNvCxnSpPr>
+            <a:stCxn id="17" idx="3"/>
+            <a:endCxn id="18" idx="2"/>
+          </p:cNvCxnSpPr>
+          <p:nvPr/>
+        </p:nvCxnSpPr>
+        <p:spPr>
+          <a:xfrm flipV="1">
+            <a:off x="2980904" y="4627176"/>
+            <a:ext cx="3115871" cy="207528"/>
+          </a:xfrm>
+          <a:prstGeom prst="bentConnector2">
+            <a:avLst/>
+          </a:prstGeom>
+          <a:ln w="50800">
+            <a:tailEnd type="triangle"/>
+          </a:ln>
+        </p:spPr>
+        <p:style>
+          <a:lnRef idx="3">
+            <a:schemeClr val="accent1"/>
+          </a:lnRef>
+          <a:fillRef idx="0">
+            <a:schemeClr val="accent1"/>
+          </a:fillRef>
+          <a:effectRef idx="2">
+            <a:schemeClr val="accent1"/>
+          </a:effectRef>
+          <a:fontRef idx="minor">
+            <a:schemeClr val="tx1"/>
+          </a:fontRef>
+        </p:style>
+      </p:cxnSp>
+      <p:sp>
+        <p:nvSpPr>
+          <p:cNvPr id="46" name="矩形 45"/>
+          <p:cNvSpPr/>
+          <p:nvPr/>
+        </p:nvSpPr>
+        <p:spPr>
+          <a:xfrm>
+            <a:off x="676648" y="5205300"/>
+            <a:ext cx="2304256" cy="457200"/>
+          </a:xfrm>
+          <a:prstGeom prst="rect">
+            <a:avLst/>
+          </a:prstGeom>
+        </p:spPr>
+        <p:style>
+          <a:lnRef idx="2">
+            <a:schemeClr val="accent2"/>
+          </a:lnRef>
+          <a:fillRef idx="1">
+            <a:schemeClr val="lt1"/>
+          </a:fillRef>
+          <a:effectRef idx="0">
+            <a:schemeClr val="accent2"/>
+          </a:effectRef>
+          <a:fontRef idx="minor">
+            <a:schemeClr val="dk1"/>
+          </a:fontRef>
+        </p:style>
+        <p:txBody>
+          <a:bodyPr rtlCol="0" anchor="ctr"/>
+          <a:lstStyle/>
+          <a:p>
+            <a:pPr algn="ctr"/>
+            <a:r>
+              <a:rPr lang="zh-CN" altLang="en-US" sz="1600" dirty="0" smtClean="0"/>
+              <a:t>上传文件至分析组别</a:t>
+            </a:r>
+            <a:endParaRPr lang="zh-CN" altLang="en-US" sz="1600" dirty="0"/>
+          </a:p>
+        </p:txBody>
+      </p:sp>
+      <p:sp>
+        <p:nvSpPr>
+          <p:cNvPr id="47" name="矩形 46"/>
+          <p:cNvSpPr/>
+          <p:nvPr/>
+        </p:nvSpPr>
+        <p:spPr>
+          <a:xfrm>
+            <a:off x="6259800" y="4398576"/>
+            <a:ext cx="256416" cy="230272"/>
+          </a:xfrm>
+          <a:prstGeom prst="rect">
+            <a:avLst/>
+          </a:prstGeom>
+          <a:noFill/>
+          <a:ln>
+            <a:solidFill>
+              <a:srgbClr val="FF0000"/>
+            </a:solidFill>
+          </a:ln>
+        </p:spPr>
+        <p:style>
+          <a:lnRef idx="2">
+            <a:schemeClr val="accent1">
+              <a:shade val="50000"/>
+            </a:schemeClr>
+          </a:lnRef>
+          <a:fillRef idx="1">
+            <a:schemeClr val="accent1"/>
+          </a:fillRef>
+          <a:effectRef idx="0">
+            <a:schemeClr val="accent1"/>
+          </a:effectRef>
+          <a:fontRef idx="minor">
+            <a:schemeClr val="lt1"/>
+          </a:fontRef>
+        </p:style>
+        <p:txBody>
+          <a:bodyPr rtlCol="0" anchor="ctr"/>
+          <a:lstStyle/>
+          <a:p>
+            <a:pPr algn="ctr"/>
+            <a:endParaRPr lang="zh-CN" altLang="en-US"/>
+          </a:p>
+        </p:txBody>
+      </p:sp>
+      <p:cxnSp>
+        <p:nvCxnSpPr>
+          <p:cNvPr id="48" name="肘形连接符 47"/>
+          <p:cNvCxnSpPr>
+            <a:stCxn id="46" idx="3"/>
+            <a:endCxn id="47" idx="2"/>
+          </p:cNvCxnSpPr>
+          <p:nvPr/>
+        </p:nvCxnSpPr>
+        <p:spPr>
+          <a:xfrm flipV="1">
+            <a:off x="2980904" y="4628848"/>
+            <a:ext cx="3407104" cy="805052"/>
+          </a:xfrm>
+          <a:prstGeom prst="bentConnector2">
+            <a:avLst/>
+          </a:prstGeom>
+          <a:ln w="50800">
+            <a:tailEnd type="triangle"/>
+          </a:ln>
+        </p:spPr>
+        <p:style>
+          <a:lnRef idx="3">
+            <a:schemeClr val="accent1"/>
+          </a:lnRef>
+          <a:fillRef idx="0">
+            <a:schemeClr val="accent1"/>
+          </a:fillRef>
+          <a:effectRef idx="2">
+            <a:schemeClr val="accent1"/>
+          </a:effectRef>
+          <a:fontRef idx="minor">
+            <a:schemeClr val="tx1"/>
+          </a:fontRef>
+        </p:style>
+      </p:cxnSp>
+    </p:spTree>
+    <p:extLst>
+      <p:ext uri="{BB962C8B-B14F-4D97-AF65-F5344CB8AC3E}">
+        <p14:creationId xmlns:p14="http://schemas.microsoft.com/office/powerpoint/2010/main" val="3501164692"/>
+      </p:ext>
+    </p:extLst>
+  </p:cSld>
+  <p:clrMapOvr>
+    <a:masterClrMapping/>
+  </p:clrMapOvr>
+  <p:timing>
+    <p:tnLst>
+      <p:par>
+        <p:cTn id="1" dur="indefinite" restart="never" nodeType="tmRoot"/>
+      </p:par>
+    </p:tnLst>
+  </p:timing>
+</p:sld>
+</file>
+
+<file path=ppt/slides/slide6.xml><?xml version="1.0" encoding="utf-8"?>
+<p:sld xmlns:a="http://schemas.openxmlformats.org/drawingml/2006/main" xmlns:r="http://schemas.openxmlformats.org/officeDocument/2006/relationships" xmlns:p="http://schemas.openxmlformats.org/presentationml/2006/main">
+  <p:cSld>
+    <p:spTree>
+      <p:nvGrpSpPr>
+        <p:cNvPr id="1" name=""/>
+        <p:cNvGrpSpPr/>
+        <p:nvPr/>
+      </p:nvGrpSpPr>
+      <p:grpSpPr>
+        <a:xfrm>
+          <a:off x="0" y="0"/>
+          <a:ext cx="0" cy="0"/>
+          <a:chOff x="0" y="0"/>
+          <a:chExt cx="0" cy="0"/>
+        </a:xfrm>
+      </p:grpSpPr>
+      <p:sp>
+        <p:nvSpPr>
+          <p:cNvPr id="2" name="标题 1"/>
+          <p:cNvSpPr>
+            <a:spLocks noGrp="1"/>
+          </p:cNvSpPr>
+          <p:nvPr>
+            <p:ph type="title"/>
+          </p:nvPr>
+        </p:nvSpPr>
+        <p:spPr/>
+        <p:txBody>
+          <a:bodyPr/>
+          <a:lstStyle/>
+          <a:p>
+            <a:endParaRPr lang="zh-CN" altLang="en-US"/>
+          </a:p>
+        </p:txBody>
+      </p:sp>
+      <p:sp>
+        <p:nvSpPr>
+          <p:cNvPr id="3" name="内容占位符 2"/>
+          <p:cNvSpPr>
+            <a:spLocks noGrp="1"/>
+          </p:cNvSpPr>
+          <p:nvPr>
+            <p:ph idx="1"/>
+          </p:nvPr>
+        </p:nvSpPr>
+        <p:spPr/>
+        <p:txBody>
+          <a:bodyPr/>
+          <a:lstStyle/>
+          <a:p>
+            <a:r>
+              <a:rPr lang="en-US" altLang="zh-CN" dirty="0" smtClean="0"/>
+              <a:t>3. </a:t>
+            </a:r>
+            <a:r>
+              <a:rPr lang="zh-CN" altLang="en-US" dirty="0" smtClean="0"/>
+              <a:t>上传原始数据文件</a:t>
+            </a:r>
+            <a:endParaRPr lang="en-US" altLang="zh-CN" dirty="0" smtClean="0"/>
+          </a:p>
+          <a:p>
+            <a:r>
+              <a:rPr lang="en-US" altLang="zh-CN" sz="2000" dirty="0" smtClean="0"/>
+              <a:t>LCMS: </a:t>
+            </a:r>
+            <a:r>
+              <a:rPr lang="zh-CN" altLang="en-US" sz="2000" dirty="0" smtClean="0"/>
+              <a:t>支持</a:t>
+            </a:r>
+            <a:r>
+              <a:rPr lang="en-US" altLang="zh-CN" sz="2000" dirty="0" smtClean="0"/>
+              <a:t>mzXML</a:t>
+            </a:r>
+            <a:r>
+              <a:rPr lang="zh-CN" altLang="en-US" sz="2000" dirty="0" smtClean="0"/>
+              <a:t>，</a:t>
+            </a:r>
+            <a:r>
+              <a:rPr lang="en-US" altLang="zh-CN" sz="2000" dirty="0" smtClean="0"/>
+              <a:t>Raw(Thermo)</a:t>
+            </a:r>
+            <a:r>
+              <a:rPr lang="zh-CN" altLang="en-US" sz="2000" dirty="0" smtClean="0"/>
+              <a:t>，等</a:t>
+            </a:r>
+            <a:endParaRPr lang="en-US" altLang="zh-CN" sz="2000" dirty="0" smtClean="0"/>
+          </a:p>
+          <a:p>
+            <a:r>
+              <a:rPr lang="en-US" altLang="zh-CN" sz="2000" dirty="0" smtClean="0"/>
+              <a:t>GCMS: </a:t>
+            </a:r>
+            <a:r>
+              <a:rPr lang="zh-CN" altLang="en-US" sz="2000" dirty="0" smtClean="0"/>
+              <a:t>支持</a:t>
+            </a:r>
+            <a:r>
+              <a:rPr lang="en-US" altLang="zh-CN" sz="2000" dirty="0" smtClean="0"/>
+              <a:t>CDF</a:t>
+            </a:r>
+          </a:p>
+          <a:p>
+            <a:r>
+              <a:rPr lang="zh-CN" altLang="en-US" sz="2000" dirty="0" smtClean="0"/>
+              <a:t>因为服务器后台比较繁忙，建议</a:t>
+            </a:r>
+            <a:endParaRPr lang="en-US" altLang="zh-CN" sz="2000" dirty="0" smtClean="0"/>
+          </a:p>
+          <a:p>
+            <a:r>
+              <a:rPr lang="zh-CN" altLang="en-US" sz="2000" dirty="0" smtClean="0"/>
+              <a:t>首先转换为</a:t>
+            </a:r>
+            <a:r>
+              <a:rPr lang="en-US" altLang="zh-CN" sz="2000" dirty="0" smtClean="0"/>
+              <a:t>mzXML</a:t>
+            </a:r>
+            <a:r>
+              <a:rPr lang="zh-CN" altLang="en-US" sz="2000" dirty="0" smtClean="0"/>
+              <a:t>格式之后再</a:t>
+            </a:r>
+            <a:endParaRPr lang="en-US" altLang="zh-CN" sz="2000" dirty="0" smtClean="0"/>
+          </a:p>
+          <a:p>
+            <a:r>
+              <a:rPr lang="zh-CN" altLang="en-US" sz="2000" dirty="0" smtClean="0"/>
+              <a:t>进行上传，可以缩短队列等待</a:t>
+            </a:r>
+            <a:endParaRPr lang="en-US" altLang="zh-CN" sz="2000" dirty="0" smtClean="0"/>
+          </a:p>
+          <a:p>
+            <a:r>
+              <a:rPr lang="zh-CN" altLang="en-US" sz="2000" dirty="0" smtClean="0"/>
+              <a:t>时间</a:t>
+            </a:r>
+            <a:endParaRPr lang="en-US" altLang="zh-CN" sz="2000" dirty="0"/>
+          </a:p>
+          <a:p>
+            <a:endParaRPr lang="en-US" altLang="zh-CN" dirty="0" smtClean="0"/>
+          </a:p>
+          <a:p>
+            <a:endParaRPr lang="zh-CN" altLang="en-US" dirty="0"/>
+          </a:p>
+        </p:txBody>
+      </p:sp>
+      <p:pic>
+        <p:nvPicPr>
+          <p:cNvPr id="3074" name="Picture 2"/>
+          <p:cNvPicPr>
+            <a:picLocks noChangeAspect="1" noChangeArrowheads="1"/>
+          </p:cNvPicPr>
+          <p:nvPr/>
+        </p:nvPicPr>
+        <p:blipFill>
+          <a:blip r:embed="rId2">
+            <a:extLst>
+              <a:ext uri="{28A0092B-C50C-407E-A947-70E740481C1C}">
+                <a14:useLocalDpi xmlns:a14="http://schemas.microsoft.com/office/drawing/2010/main" val="0"/>
+              </a:ext>
+            </a:extLst>
+          </a:blip>
+          <a:srcRect/>
+          <a:stretch>
+            <a:fillRect/>
+          </a:stretch>
+        </p:blipFill>
+        <p:spPr bwMode="auto">
+          <a:xfrm>
+            <a:off x="4610258" y="2353445"/>
+            <a:ext cx="4396538" cy="3201362"/>
+          </a:xfrm>
+          <a:prstGeom prst="rect">
+            <a:avLst/>
+          </a:prstGeom>
+          <a:noFill/>
+          <a:ln>
+            <a:noFill/>
+          </a:ln>
+          <a:effectLst/>
+          <a:extLst>
+            <a:ext uri="{909E8E84-426E-40DD-AFC4-6F175D3DCCD1}">
+              <a14:hiddenFill xmlns:a14="http://schemas.microsoft.com/office/drawing/2010/main">
+                <a:solidFill>
+                  <a:schemeClr val="accent1"/>
+                </a:solidFill>
+              </a14:hiddenFill>
+            </a:ext>
+            <a:ext uri="{91240B29-F687-4F45-9708-019B960494DF}">
+              <a14:hiddenLine xmlns:a14="http://schemas.microsoft.com/office/drawing/2010/main" w="9525">
+                <a:solidFill>
+                  <a:schemeClr val="tx1"/>
+                </a:solidFill>
+                <a:miter lim="800000"/>
+                <a:headEnd/>
+                <a:tailEnd/>
+              </a14:hiddenLine>
+            </a:ext>
+            <a:ext uri="{AF507438-7753-43E0-B8FC-AC1667EBCBE1}">
+              <a14:hiddenEffects xmlns:a14="http://schemas.microsoft.com/office/drawing/2010/main">
+                <a:effectLst>
+                  <a:outerShdw dist="35921" dir="2700000" algn="ctr" rotWithShape="0">
+                    <a:schemeClr val="bg2"/>
+                  </a:outerShdw>
+                </a:effectLst>
+              </a14:hiddenEffects>
+            </a:ext>
+          </a:extLst>
+        </p:spPr>
+      </p:pic>
+      <p:pic>
+        <p:nvPicPr>
+          <p:cNvPr id="3075" name="Picture 3"/>
+          <p:cNvPicPr>
+            <a:picLocks noChangeAspect="1" noChangeArrowheads="1"/>
+          </p:cNvPicPr>
+          <p:nvPr/>
+        </p:nvPicPr>
+        <p:blipFill>
+          <a:blip r:embed="rId3">
+            <a:extLst>
+              <a:ext uri="{28A0092B-C50C-407E-A947-70E740481C1C}">
+                <a14:useLocalDpi xmlns:a14="http://schemas.microsoft.com/office/drawing/2010/main" val="0"/>
+              </a:ext>
+            </a:extLst>
+          </a:blip>
+          <a:srcRect/>
+          <a:stretch>
+            <a:fillRect/>
+          </a:stretch>
+        </p:blipFill>
+        <p:spPr bwMode="auto">
+          <a:xfrm>
+            <a:off x="323525" y="4531325"/>
+            <a:ext cx="2620913" cy="323315"/>
+          </a:xfrm>
+          <a:prstGeom prst="rect">
+            <a:avLst/>
+          </a:prstGeom>
+          <a:noFill/>
+          <a:ln>
+            <a:noFill/>
+          </a:ln>
+          <a:effectLst/>
+          <a:extLst>
+            <a:ext uri="{909E8E84-426E-40DD-AFC4-6F175D3DCCD1}">
+              <a14:hiddenFill xmlns:a14="http://schemas.microsoft.com/office/drawing/2010/main">
+                <a:solidFill>
+                  <a:schemeClr val="accent1"/>
+                </a:solidFill>
+              </a14:hiddenFill>
+            </a:ext>
+            <a:ext uri="{91240B29-F687-4F45-9708-019B960494DF}">
+              <a14:hiddenLine xmlns:a14="http://schemas.microsoft.com/office/drawing/2010/main" w="9525">
+                <a:solidFill>
+                  <a:schemeClr val="tx1"/>
+                </a:solidFill>
+                <a:miter lim="800000"/>
+                <a:headEnd/>
+                <a:tailEnd/>
+              </a14:hiddenLine>
+            </a:ext>
+            <a:ext uri="{AF507438-7753-43E0-B8FC-AC1667EBCBE1}">
+              <a14:hiddenEffects xmlns:a14="http://schemas.microsoft.com/office/drawing/2010/main">
+                <a:effectLst>
+                  <a:outerShdw dist="35921" dir="2700000" algn="ctr" rotWithShape="0">
+                    <a:schemeClr val="bg2"/>
+                  </a:outerShdw>
+                </a:effectLst>
+              </a14:hiddenEffects>
+            </a:ext>
+          </a:extLst>
+        </p:spPr>
+      </p:pic>
+      <p:sp>
+        <p:nvSpPr>
+          <p:cNvPr id="6" name="矩形 5"/>
+          <p:cNvSpPr/>
+          <p:nvPr/>
+        </p:nvSpPr>
+        <p:spPr>
+          <a:xfrm>
+            <a:off x="1403647" y="4512962"/>
+            <a:ext cx="792088" cy="360040"/>
+          </a:xfrm>
+          <a:prstGeom prst="rect">
+            <a:avLst/>
+          </a:prstGeom>
+          <a:noFill/>
+          <a:ln>
+            <a:solidFill>
+              <a:srgbClr val="FF0000"/>
+            </a:solidFill>
+          </a:ln>
+        </p:spPr>
+        <p:style>
+          <a:lnRef idx="2">
+            <a:schemeClr val="accent1">
+              <a:shade val="50000"/>
+            </a:schemeClr>
+          </a:lnRef>
+          <a:fillRef idx="1">
+            <a:schemeClr val="accent1"/>
+          </a:fillRef>
+          <a:effectRef idx="0">
+            <a:schemeClr val="accent1"/>
+          </a:effectRef>
+          <a:fontRef idx="minor">
+            <a:schemeClr val="lt1"/>
+          </a:fontRef>
+        </p:style>
+        <p:txBody>
+          <a:bodyPr rtlCol="0" anchor="ctr"/>
+          <a:lstStyle/>
+          <a:p>
+            <a:pPr algn="ctr"/>
+            <a:endParaRPr lang="zh-CN" altLang="en-US"/>
+          </a:p>
+        </p:txBody>
+      </p:sp>
+      <p:cxnSp>
+        <p:nvCxnSpPr>
+          <p:cNvPr id="5" name="肘形连接符 4"/>
+          <p:cNvCxnSpPr>
+            <a:stCxn id="6" idx="0"/>
+            <a:endCxn id="3074" idx="1"/>
+          </p:cNvCxnSpPr>
+          <p:nvPr/>
+        </p:nvCxnSpPr>
+        <p:spPr>
+          <a:xfrm rot="5400000" flipH="1" flipV="1">
+            <a:off x="2925556" y="2828261"/>
+            <a:ext cx="558836" cy="2810567"/>
+          </a:xfrm>
+          <a:prstGeom prst="bentConnector2">
+            <a:avLst/>
+          </a:prstGeom>
+          <a:ln w="63500">
+            <a:tailEnd type="triangle"/>
+          </a:ln>
+        </p:spPr>
+        <p:style>
+          <a:lnRef idx="3">
+            <a:schemeClr val="accent1"/>
+          </a:lnRef>
+          <a:fillRef idx="0">
+            <a:schemeClr val="accent1"/>
+          </a:fillRef>
+          <a:effectRef idx="2">
+            <a:schemeClr val="accent1"/>
+          </a:effectRef>
+          <a:fontRef idx="minor">
+            <a:schemeClr val="tx1"/>
+          </a:fontRef>
+        </p:style>
+      </p:cxnSp>
+    </p:spTree>
+    <p:extLst>
+      <p:ext uri="{BB962C8B-B14F-4D97-AF65-F5344CB8AC3E}">
+        <p14:creationId xmlns:p14="http://schemas.microsoft.com/office/powerpoint/2010/main" val="214320117"/>
+      </p:ext>
+    </p:extLst>
+  </p:cSld>
+  <p:clrMapOvr>
+    <a:masterClrMapping/>
+  </p:clrMapOvr>
+  <p:timing>
+    <p:tnLst>
+      <p:par>
+        <p:cTn id="1" dur="indefinite" restart="never" nodeType="tmRoot"/>
+      </p:par>
+    </p:tnLst>
+  </p:timing>
+</p:sld>
+</file>
+
+<file path=ppt/slides/slide7.xml><?xml version="1.0" encoding="utf-8"?>
+<p:sld xmlns:a="http://schemas.openxmlformats.org/drawingml/2006/main" xmlns:r="http://schemas.openxmlformats.org/officeDocument/2006/relationships" xmlns:p="http://schemas.openxmlformats.org/presentationml/2006/main">
+  <p:cSld>
+    <p:spTree>
+      <p:nvGrpSpPr>
+        <p:cNvPr id="1" name=""/>
+        <p:cNvGrpSpPr/>
+        <p:nvPr/>
+      </p:nvGrpSpPr>
+      <p:grpSpPr>
+        <a:xfrm>
+          <a:off x="0" y="0"/>
+          <a:ext cx="0" cy="0"/>
+          <a:chOff x="0" y="0"/>
+          <a:chExt cx="0" cy="0"/>
+        </a:xfrm>
+      </p:grpSpPr>
+      <p:sp>
+        <p:nvSpPr>
+          <p:cNvPr id="2" name="标题 1"/>
+          <p:cNvSpPr>
+            <a:spLocks noGrp="1"/>
+          </p:cNvSpPr>
+          <p:nvPr>
+            <p:ph type="title"/>
+          </p:nvPr>
+        </p:nvSpPr>
+        <p:spPr/>
+        <p:txBody>
+          <a:bodyPr/>
+          <a:lstStyle/>
+          <a:p>
+            <a:endParaRPr lang="zh-CN" altLang="en-US"/>
+          </a:p>
+        </p:txBody>
+      </p:sp>
+      <p:sp>
+        <p:nvSpPr>
+          <p:cNvPr id="3" name="内容占位符 2"/>
+          <p:cNvSpPr>
+            <a:spLocks noGrp="1"/>
+          </p:cNvSpPr>
+          <p:nvPr>
+            <p:ph idx="1"/>
+          </p:nvPr>
+        </p:nvSpPr>
+        <p:spPr/>
+        <p:txBody>
+          <a:bodyPr/>
+          <a:lstStyle/>
+          <a:p>
+            <a:r>
+              <a:rPr lang="en-US" altLang="zh-CN" dirty="0" smtClean="0"/>
+              <a:t>4. </a:t>
+            </a:r>
+            <a:r>
+              <a:rPr lang="zh-CN" altLang="en-US" dirty="0" smtClean="0"/>
+              <a:t>文件管理操作</a:t>
+            </a:r>
+            <a:endParaRPr lang="en-US" altLang="zh-CN" dirty="0" smtClean="0"/>
+          </a:p>
+          <a:p>
+            <a:r>
+              <a:rPr lang="zh-CN" altLang="en-US" dirty="0" smtClean="0"/>
+              <a:t>在文件列表中选中文件之中，可以进行下面的三个操作：</a:t>
+            </a:r>
+            <a:endParaRPr lang="zh-CN" altLang="en-US" dirty="0"/>
+          </a:p>
+        </p:txBody>
+      </p:sp>
+      <p:pic>
+        <p:nvPicPr>
+          <p:cNvPr id="4098" name="Picture 2"/>
+          <p:cNvPicPr>
+            <a:picLocks noChangeAspect="1" noChangeArrowheads="1"/>
+          </p:cNvPicPr>
+          <p:nvPr/>
+        </p:nvPicPr>
+        <p:blipFill>
+          <a:blip r:embed="rId2">
+            <a:extLst>
+              <a:ext uri="{28A0092B-C50C-407E-A947-70E740481C1C}">
+                <a14:useLocalDpi xmlns:a14="http://schemas.microsoft.com/office/drawing/2010/main" val="0"/>
+              </a:ext>
+            </a:extLst>
+          </a:blip>
+          <a:srcRect/>
+          <a:stretch>
+            <a:fillRect/>
+          </a:stretch>
+        </p:blipFill>
+        <p:spPr bwMode="auto">
+          <a:xfrm>
+            <a:off x="4932040" y="3505572"/>
+            <a:ext cx="2926829" cy="1603454"/>
+          </a:xfrm>
+          <a:prstGeom prst="rect">
+            <a:avLst/>
+          </a:prstGeom>
+          <a:noFill/>
+          <a:ln>
+            <a:noFill/>
+          </a:ln>
+          <a:effectLst/>
+          <a:extLst>
+            <a:ext uri="{909E8E84-426E-40DD-AFC4-6F175D3DCCD1}">
+              <a14:hiddenFill xmlns:a14="http://schemas.microsoft.com/office/drawing/2010/main">
+                <a:solidFill>
+                  <a:schemeClr val="accent1"/>
+                </a:solidFill>
+              </a14:hiddenFill>
+            </a:ext>
+            <a:ext uri="{91240B29-F687-4F45-9708-019B960494DF}">
+              <a14:hiddenLine xmlns:a14="http://schemas.microsoft.com/office/drawing/2010/main" w="9525">
+                <a:solidFill>
+                  <a:schemeClr val="tx1"/>
+                </a:solidFill>
+                <a:miter lim="800000"/>
+                <a:headEnd/>
+                <a:tailEnd/>
+              </a14:hiddenLine>
+            </a:ext>
+            <a:ext uri="{AF507438-7753-43E0-B8FC-AC1667EBCBE1}">
+              <a14:hiddenEffects xmlns:a14="http://schemas.microsoft.com/office/drawing/2010/main">
+                <a:effectLst>
+                  <a:outerShdw dist="35921" dir="2700000" algn="ctr" rotWithShape="0">
+                    <a:schemeClr val="bg2"/>
+                  </a:outerShdw>
+                </a:effectLst>
+              </a14:hiddenEffects>
+            </a:ext>
+          </a:extLst>
+        </p:spPr>
+      </p:pic>
+      <p:sp>
+        <p:nvSpPr>
+          <p:cNvPr id="5" name="矩形 4"/>
+          <p:cNvSpPr/>
+          <p:nvPr/>
+        </p:nvSpPr>
+        <p:spPr>
+          <a:xfrm>
+            <a:off x="755576" y="3568501"/>
+            <a:ext cx="2592288" cy="457200"/>
+          </a:xfrm>
+          <a:prstGeom prst="rect">
+            <a:avLst/>
+          </a:prstGeom>
+        </p:spPr>
+        <p:style>
+          <a:lnRef idx="2">
+            <a:schemeClr val="accent2"/>
+          </a:lnRef>
+          <a:fillRef idx="1">
+            <a:schemeClr val="lt1"/>
+          </a:fillRef>
+          <a:effectRef idx="0">
+            <a:schemeClr val="accent2"/>
+          </a:effectRef>
+          <a:fontRef idx="minor">
+            <a:schemeClr val="dk1"/>
+          </a:fontRef>
+        </p:style>
+        <p:txBody>
+          <a:bodyPr rtlCol="0" anchor="ctr"/>
+          <a:lstStyle/>
+          <a:p>
+            <a:pPr algn="ctr"/>
+            <a:r>
+              <a:rPr lang="zh-CN" altLang="en-US" dirty="0" smtClean="0"/>
+              <a:t>删除错误上传的文件</a:t>
+            </a:r>
+            <a:endParaRPr lang="zh-CN" altLang="en-US" dirty="0"/>
+          </a:p>
+        </p:txBody>
+      </p:sp>
+      <p:sp>
+        <p:nvSpPr>
+          <p:cNvPr id="6" name="矩形 5"/>
+          <p:cNvSpPr/>
+          <p:nvPr/>
+        </p:nvSpPr>
+        <p:spPr>
+          <a:xfrm>
+            <a:off x="5292080" y="3515453"/>
+            <a:ext cx="880058" cy="360040"/>
+          </a:xfrm>
+          <a:prstGeom prst="rect">
+            <a:avLst/>
+          </a:prstGeom>
+          <a:noFill/>
+          <a:ln>
+            <a:solidFill>
+              <a:srgbClr val="FF0000"/>
+            </a:solidFill>
+          </a:ln>
+        </p:spPr>
+        <p:style>
+          <a:lnRef idx="2">
+            <a:schemeClr val="accent1">
+              <a:shade val="50000"/>
+            </a:schemeClr>
+          </a:lnRef>
+          <a:fillRef idx="1">
+            <a:schemeClr val="accent1"/>
+          </a:fillRef>
+          <a:effectRef idx="0">
+            <a:schemeClr val="accent1"/>
+          </a:effectRef>
+          <a:fontRef idx="minor">
+            <a:schemeClr val="lt1"/>
+          </a:fontRef>
+        </p:style>
+        <p:txBody>
+          <a:bodyPr rtlCol="0" anchor="ctr"/>
+          <a:lstStyle/>
+          <a:p>
+            <a:pPr algn="ctr"/>
+            <a:endParaRPr lang="zh-CN" altLang="en-US"/>
+          </a:p>
+        </p:txBody>
+      </p:sp>
+      <p:cxnSp>
+        <p:nvCxnSpPr>
+          <p:cNvPr id="7" name="肘形连接符 6"/>
+          <p:cNvCxnSpPr>
+            <a:stCxn id="5" idx="3"/>
+            <a:endCxn id="6" idx="0"/>
+          </p:cNvCxnSpPr>
+          <p:nvPr/>
+        </p:nvCxnSpPr>
+        <p:spPr>
+          <a:xfrm flipV="1">
+            <a:off x="3347864" y="3515453"/>
+            <a:ext cx="2384245" cy="281648"/>
+          </a:xfrm>
+          <a:prstGeom prst="bentConnector4">
+            <a:avLst>
+              <a:gd name="adj1" fmla="val 40772"/>
+              <a:gd name="adj2" fmla="val 181165"/>
+            </a:avLst>
+          </a:prstGeom>
+          <a:ln w="50800">
+            <a:tailEnd type="triangle"/>
+          </a:ln>
+        </p:spPr>
+        <p:style>
+          <a:lnRef idx="3">
+            <a:schemeClr val="accent1"/>
+          </a:lnRef>
+          <a:fillRef idx="0">
+            <a:schemeClr val="accent1"/>
+          </a:fillRef>
+          <a:effectRef idx="2">
+            <a:schemeClr val="accent1"/>
+          </a:effectRef>
+          <a:fontRef idx="minor">
+            <a:schemeClr val="tx1"/>
+          </a:fontRef>
+        </p:style>
+      </p:cxnSp>
+      <p:sp>
+        <p:nvSpPr>
+          <p:cNvPr id="10" name="矩形 9"/>
+          <p:cNvSpPr/>
+          <p:nvPr/>
+        </p:nvSpPr>
+        <p:spPr>
+          <a:xfrm>
+            <a:off x="755576" y="4149629"/>
+            <a:ext cx="2592997" cy="457200"/>
+          </a:xfrm>
+          <a:prstGeom prst="rect">
+            <a:avLst/>
+          </a:prstGeom>
+        </p:spPr>
+        <p:style>
+          <a:lnRef idx="2">
+            <a:schemeClr val="accent2"/>
+          </a:lnRef>
+          <a:fillRef idx="1">
+            <a:schemeClr val="lt1"/>
+          </a:fillRef>
+          <a:effectRef idx="0">
+            <a:schemeClr val="accent2"/>
+          </a:effectRef>
+          <a:fontRef idx="minor">
+            <a:schemeClr val="dk1"/>
+          </a:fontRef>
+        </p:style>
+        <p:txBody>
+          <a:bodyPr rtlCol="0" anchor="ctr"/>
+          <a:lstStyle/>
+          <a:p>
+            <a:pPr algn="ctr"/>
+            <a:r>
+              <a:rPr lang="zh-CN" altLang="en-US" dirty="0" smtClean="0"/>
+              <a:t>下载原始数据文件</a:t>
+            </a:r>
+            <a:endParaRPr lang="zh-CN" altLang="en-US" dirty="0"/>
+          </a:p>
+        </p:txBody>
+      </p:sp>
+      <p:sp>
+        <p:nvSpPr>
+          <p:cNvPr id="11" name="矩形 10"/>
+          <p:cNvSpPr/>
+          <p:nvPr/>
+        </p:nvSpPr>
+        <p:spPr>
+          <a:xfrm>
+            <a:off x="6172138" y="3515453"/>
+            <a:ext cx="880058" cy="360040"/>
+          </a:xfrm>
+          <a:prstGeom prst="rect">
+            <a:avLst/>
+          </a:prstGeom>
+          <a:noFill/>
+          <a:ln>
+            <a:solidFill>
+              <a:srgbClr val="FF0000"/>
+            </a:solidFill>
+          </a:ln>
+        </p:spPr>
+        <p:style>
+          <a:lnRef idx="2">
+            <a:schemeClr val="accent1">
+              <a:shade val="50000"/>
+            </a:schemeClr>
+          </a:lnRef>
+          <a:fillRef idx="1">
+            <a:schemeClr val="accent1"/>
+          </a:fillRef>
+          <a:effectRef idx="0">
+            <a:schemeClr val="accent1"/>
+          </a:effectRef>
+          <a:fontRef idx="minor">
+            <a:schemeClr val="lt1"/>
+          </a:fontRef>
+        </p:style>
+        <p:txBody>
+          <a:bodyPr rtlCol="0" anchor="ctr"/>
+          <a:lstStyle/>
+          <a:p>
+            <a:pPr algn="ctr"/>
+            <a:endParaRPr lang="zh-CN" altLang="en-US"/>
+          </a:p>
+        </p:txBody>
+      </p:sp>
+      <p:cxnSp>
+        <p:nvCxnSpPr>
+          <p:cNvPr id="12" name="肘形连接符 11"/>
+          <p:cNvCxnSpPr>
+            <a:stCxn id="10" idx="3"/>
+            <a:endCxn id="11" idx="2"/>
+          </p:cNvCxnSpPr>
+          <p:nvPr/>
+        </p:nvCxnSpPr>
+        <p:spPr>
+          <a:xfrm flipV="1">
+            <a:off x="3348573" y="3875493"/>
+            <a:ext cx="3263594" cy="502736"/>
+          </a:xfrm>
+          <a:prstGeom prst="bentConnector2">
+            <a:avLst/>
+          </a:prstGeom>
+          <a:ln w="50800">
+            <a:tailEnd type="triangle"/>
+          </a:ln>
+        </p:spPr>
+        <p:style>
+          <a:lnRef idx="3">
+            <a:schemeClr val="accent1"/>
+          </a:lnRef>
+          <a:fillRef idx="0">
+            <a:schemeClr val="accent1"/>
+          </a:fillRef>
+          <a:effectRef idx="2">
+            <a:schemeClr val="accent1"/>
+          </a:effectRef>
+          <a:fontRef idx="minor">
+            <a:schemeClr val="tx1"/>
+          </a:fontRef>
+        </p:style>
+      </p:cxnSp>
+      <p:sp>
+        <p:nvSpPr>
+          <p:cNvPr id="20" name="矩形 19"/>
+          <p:cNvSpPr/>
+          <p:nvPr/>
+        </p:nvSpPr>
+        <p:spPr>
+          <a:xfrm>
+            <a:off x="755576" y="4729708"/>
+            <a:ext cx="2592288" cy="457200"/>
+          </a:xfrm>
+          <a:prstGeom prst="rect">
+            <a:avLst/>
+          </a:prstGeom>
+        </p:spPr>
+        <p:style>
+          <a:lnRef idx="2">
+            <a:schemeClr val="accent2"/>
+          </a:lnRef>
+          <a:fillRef idx="1">
+            <a:schemeClr val="lt1"/>
+          </a:fillRef>
+          <a:effectRef idx="0">
+            <a:schemeClr val="accent2"/>
+          </a:effectRef>
+          <a:fontRef idx="minor">
+            <a:schemeClr val="dk1"/>
+          </a:fontRef>
+        </p:style>
+        <p:txBody>
+          <a:bodyPr rtlCol="0" anchor="ctr"/>
+          <a:lstStyle/>
+          <a:p>
+            <a:pPr algn="ctr"/>
+            <a:r>
+              <a:rPr lang="zh-CN" altLang="en-US" dirty="0" smtClean="0"/>
+              <a:t>在实验分组间移动文件</a:t>
+            </a:r>
+            <a:endParaRPr lang="zh-CN" altLang="en-US" dirty="0"/>
+          </a:p>
+        </p:txBody>
+      </p:sp>
+      <p:sp>
+        <p:nvSpPr>
+          <p:cNvPr id="21" name="矩形 20"/>
+          <p:cNvSpPr/>
+          <p:nvPr/>
+        </p:nvSpPr>
+        <p:spPr>
+          <a:xfrm>
+            <a:off x="7055811" y="3515453"/>
+            <a:ext cx="880058" cy="360040"/>
+          </a:xfrm>
+          <a:prstGeom prst="rect">
+            <a:avLst/>
+          </a:prstGeom>
+          <a:noFill/>
+          <a:ln>
+            <a:solidFill>
+              <a:srgbClr val="FF0000"/>
+            </a:solidFill>
+          </a:ln>
+        </p:spPr>
+        <p:style>
+          <a:lnRef idx="2">
+            <a:schemeClr val="accent1">
+              <a:shade val="50000"/>
+            </a:schemeClr>
+          </a:lnRef>
+          <a:fillRef idx="1">
+            <a:schemeClr val="accent1"/>
+          </a:fillRef>
+          <a:effectRef idx="0">
+            <a:schemeClr val="accent1"/>
+          </a:effectRef>
+          <a:fontRef idx="minor">
+            <a:schemeClr val="lt1"/>
+          </a:fontRef>
+        </p:style>
+        <p:txBody>
+          <a:bodyPr rtlCol="0" anchor="ctr"/>
+          <a:lstStyle/>
+          <a:p>
+            <a:pPr algn="ctr"/>
+            <a:endParaRPr lang="zh-CN" altLang="en-US"/>
+          </a:p>
+        </p:txBody>
+      </p:sp>
+      <p:cxnSp>
+        <p:nvCxnSpPr>
+          <p:cNvPr id="22" name="肘形连接符 21"/>
+          <p:cNvCxnSpPr>
+            <a:stCxn id="20" idx="3"/>
+            <a:endCxn id="21" idx="2"/>
+          </p:cNvCxnSpPr>
+          <p:nvPr/>
+        </p:nvCxnSpPr>
+        <p:spPr>
+          <a:xfrm flipV="1">
+            <a:off x="3347864" y="3875493"/>
+            <a:ext cx="4147976" cy="1082815"/>
+          </a:xfrm>
+          <a:prstGeom prst="bentConnector2">
+            <a:avLst/>
+          </a:prstGeom>
+          <a:ln w="50800">
+            <a:tailEnd type="triangle"/>
+          </a:ln>
+        </p:spPr>
+        <p:style>
+          <a:lnRef idx="3">
+            <a:schemeClr val="accent1"/>
+          </a:lnRef>
+          <a:fillRef idx="0">
+            <a:schemeClr val="accent1"/>
+          </a:fillRef>
+          <a:effectRef idx="2">
+            <a:schemeClr val="accent1"/>
+          </a:effectRef>
+          <a:fontRef idx="minor">
+            <a:schemeClr val="tx1"/>
+          </a:fontRef>
+        </p:style>
+      </p:cxnSp>
+    </p:spTree>
+    <p:extLst>
+      <p:ext uri="{BB962C8B-B14F-4D97-AF65-F5344CB8AC3E}">
+        <p14:creationId xmlns:p14="http://schemas.microsoft.com/office/powerpoint/2010/main" val="2593655383"/>
+      </p:ext>
+    </p:extLst>
+  </p:cSld>
+  <p:clrMapOvr>
+    <a:masterClrMapping/>
+  </p:clrMapOvr>
+  <p:timing>
+    <p:tnLst>
+      <p:par>
+        <p:cTn id="1" dur="indefinite" restart="never" nodeType="tmRoot"/>
+      </p:par>
+    </p:tnLst>
+  </p:timing>
+</p:sld>
+</file>
+
+<file path=ppt/slides/slide8.xml><?xml version="1.0" encoding="utf-8"?>
+<p:sld xmlns:a="http://schemas.openxmlformats.org/drawingml/2006/main" xmlns:r="http://schemas.openxmlformats.org/officeDocument/2006/relationships" xmlns:p="http://schemas.openxmlformats.org/presentationml/2006/main">
+  <p:cSld>
+    <p:spTree>
+      <p:nvGrpSpPr>
+        <p:cNvPr id="1" name=""/>
+        <p:cNvGrpSpPr/>
+        <p:nvPr/>
+      </p:nvGrpSpPr>
+      <p:grpSpPr>
+        <a:xfrm>
+          <a:off x="0" y="0"/>
+          <a:ext cx="0" cy="0"/>
+          <a:chOff x="0" y="0"/>
+          <a:chExt cx="0" cy="0"/>
+        </a:xfrm>
+      </p:grpSpPr>
+      <p:sp>
+        <p:nvSpPr>
+          <p:cNvPr id="2" name="标题 1"/>
+          <p:cNvSpPr>
+            <a:spLocks noGrp="1"/>
+          </p:cNvSpPr>
+          <p:nvPr>
+            <p:ph type="title"/>
+          </p:nvPr>
+        </p:nvSpPr>
+        <p:spPr/>
+        <p:txBody>
+          <a:bodyPr/>
+          <a:lstStyle/>
+          <a:p>
+            <a:endParaRPr lang="zh-CN" altLang="en-US"/>
+          </a:p>
+        </p:txBody>
+      </p:sp>
+      <p:sp>
+        <p:nvSpPr>
+          <p:cNvPr id="3" name="内容占位符 2"/>
+          <p:cNvSpPr>
+            <a:spLocks noGrp="1"/>
+          </p:cNvSpPr>
+          <p:nvPr>
+            <p:ph idx="1"/>
+          </p:nvPr>
+        </p:nvSpPr>
+        <p:spPr/>
+        <p:txBody>
+          <a:bodyPr/>
+          <a:lstStyle/>
+          <a:p>
+            <a:r>
+              <a:rPr lang="en-US" altLang="zh-CN" dirty="0" smtClean="0"/>
+              <a:t>5. </a:t>
+            </a:r>
+            <a:r>
+              <a:rPr lang="zh-CN" altLang="en-US" dirty="0" smtClean="0"/>
+              <a:t>创建任务</a:t>
+            </a:r>
+            <a:endParaRPr lang="en-US" altLang="zh-CN" dirty="0" smtClean="0"/>
+          </a:p>
+          <a:p>
+            <a:r>
+              <a:rPr lang="zh-CN" altLang="en-US" dirty="0" smtClean="0"/>
+              <a:t>在实验组别列表之中选中需要进行分析的组别，之后点击创建任务按钮，即可开始新建一个分析任务</a:t>
+            </a:r>
+            <a:endParaRPr lang="zh-CN" altLang="en-US" dirty="0"/>
+          </a:p>
+        </p:txBody>
+      </p:sp>
+      <p:pic>
+        <p:nvPicPr>
+          <p:cNvPr id="5122" name="Picture 2"/>
+          <p:cNvPicPr>
+            <a:picLocks noChangeAspect="1" noChangeArrowheads="1"/>
+          </p:cNvPicPr>
+          <p:nvPr/>
+        </p:nvPicPr>
+        <p:blipFill>
+          <a:blip r:embed="rId2">
+            <a:extLst>
+              <a:ext uri="{28A0092B-C50C-407E-A947-70E740481C1C}">
+                <a14:useLocalDpi xmlns:a14="http://schemas.microsoft.com/office/drawing/2010/main" val="0"/>
+              </a:ext>
+            </a:extLst>
+          </a:blip>
+          <a:srcRect/>
+          <a:stretch>
+            <a:fillRect/>
+          </a:stretch>
+        </p:blipFill>
+        <p:spPr bwMode="auto">
+          <a:xfrm>
+            <a:off x="4283968" y="3074313"/>
+            <a:ext cx="3852010" cy="2295797"/>
+          </a:xfrm>
+          <a:prstGeom prst="rect">
+            <a:avLst/>
+          </a:prstGeom>
+          <a:noFill/>
+          <a:ln>
+            <a:noFill/>
+          </a:ln>
+          <a:effectLst/>
+          <a:extLst>
+            <a:ext uri="{909E8E84-426E-40DD-AFC4-6F175D3DCCD1}">
+              <a14:hiddenFill xmlns:a14="http://schemas.microsoft.com/office/drawing/2010/main">
+                <a:solidFill>
+                  <a:schemeClr val="accent1"/>
+                </a:solidFill>
+              </a14:hiddenFill>
+            </a:ext>
+            <a:ext uri="{91240B29-F687-4F45-9708-019B960494DF}">
+              <a14:hiddenLine xmlns:a14="http://schemas.microsoft.com/office/drawing/2010/main" w="9525">
+                <a:solidFill>
+                  <a:schemeClr val="tx1"/>
+                </a:solidFill>
+                <a:miter lim="800000"/>
+                <a:headEnd/>
+                <a:tailEnd/>
+              </a14:hiddenLine>
+            </a:ext>
+            <a:ext uri="{AF507438-7753-43E0-B8FC-AC1667EBCBE1}">
+              <a14:hiddenEffects xmlns:a14="http://schemas.microsoft.com/office/drawing/2010/main">
+                <a:effectLst>
+                  <a:outerShdw dist="35921" dir="2700000" algn="ctr" rotWithShape="0">
+                    <a:schemeClr val="bg2"/>
+                  </a:outerShdw>
+                </a:effectLst>
+              </a14:hiddenEffects>
+            </a:ext>
+          </a:extLst>
+        </p:spPr>
+      </p:pic>
+    </p:spTree>
+    <p:extLst>
+      <p:ext uri="{BB962C8B-B14F-4D97-AF65-F5344CB8AC3E}">
+        <p14:creationId xmlns:p14="http://schemas.microsoft.com/office/powerpoint/2010/main" val="1214250819"/>
+      </p:ext>
+    </p:extLst>
+  </p:cSld>
+  <p:clrMapOvr>
+    <a:masterClrMapping/>
+  </p:clrMapOvr>
+  <p:timing>
+    <p:tnLst>
+      <p:par>
+        <p:cTn id="1" dur="indefinite" restart="never" nodeType="tmRoot"/>
+      </p:par>
+    </p:tnLst>
+  </p:timing>
+</p:sld>
+</file>
+
+<file path=ppt/slides/slide9.xml><?xml version="1.0" encoding="utf-8"?>
+<p:sld xmlns:a="http://schemas.openxmlformats.org/drawingml/2006/main" xmlns:r="http://schemas.openxmlformats.org/officeDocument/2006/relationships" xmlns:p="http://schemas.openxmlformats.org/presentationml/2006/main">
+  <p:cSld>
+    <p:spTree>
+      <p:nvGrpSpPr>
+        <p:cNvPr id="1" name=""/>
+        <p:cNvGrpSpPr/>
+        <p:nvPr/>
+      </p:nvGrpSpPr>
+      <p:grpSpPr>
+        <a:xfrm>
+          <a:off x="0" y="0"/>
+          <a:ext cx="0" cy="0"/>
+          <a:chOff x="0" y="0"/>
+          <a:chExt cx="0" cy="0"/>
+        </a:xfrm>
+      </p:grpSpPr>
+      <p:sp>
+        <p:nvSpPr>
+          <p:cNvPr id="2" name="标题 1"/>
+          <p:cNvSpPr>
+            <a:spLocks noGrp="1"/>
+          </p:cNvSpPr>
+          <p:nvPr>
+            <p:ph type="title"/>
+          </p:nvPr>
+        </p:nvSpPr>
+        <p:spPr/>
+        <p:txBody>
+          <a:bodyPr/>
+          <a:lstStyle/>
+          <a:p>
+            <a:endParaRPr lang="zh-CN" altLang="en-US"/>
+          </a:p>
+        </p:txBody>
+      </p:sp>
+      <p:sp>
+        <p:nvSpPr>
+          <p:cNvPr id="3" name="内容占位符 2"/>
+          <p:cNvSpPr>
+            <a:spLocks noGrp="1"/>
+          </p:cNvSpPr>
+          <p:nvPr>
+            <p:ph idx="1"/>
+          </p:nvPr>
+        </p:nvSpPr>
+        <p:spPr>
+          <a:xfrm>
+            <a:off x="457200" y="1333500"/>
+            <a:ext cx="3826768" cy="3771636"/>
+          </a:xfrm>
+        </p:spPr>
+        <p:txBody>
+          <a:bodyPr/>
+          <a:lstStyle/>
+          <a:p>
+            <a:r>
+              <a:rPr lang="en-US" altLang="zh-CN" dirty="0" smtClean="0"/>
+              <a:t>6. </a:t>
+            </a:r>
+            <a:r>
+              <a:rPr lang="zh-CN" altLang="en-US" dirty="0" smtClean="0"/>
+              <a:t>设定解卷积参数</a:t>
+            </a:r>
+            <a:endParaRPr lang="en-US" altLang="zh-CN" dirty="0" smtClean="0"/>
+          </a:p>
+          <a:p>
+            <a:r>
+              <a:rPr lang="zh-CN" altLang="en-US" sz="2400" dirty="0"/>
+              <a:t>点</a:t>
+            </a:r>
+            <a:r>
+              <a:rPr lang="zh-CN" altLang="en-US" sz="2400" dirty="0" smtClean="0"/>
+              <a:t>击创建任务之后下一步会需要设定解卷积参数，一般直接使用默认参数即可，也可以针对自己的实验自行调整最佳参数</a:t>
+            </a:r>
+            <a:endParaRPr lang="en-US" altLang="zh-CN" sz="2400" dirty="0" smtClean="0"/>
+          </a:p>
+          <a:p>
+            <a:endParaRPr lang="zh-CN" altLang="en-US" dirty="0"/>
+          </a:p>
+        </p:txBody>
+      </p:sp>
+      <p:pic>
+        <p:nvPicPr>
+          <p:cNvPr id="6146" name="Picture 2"/>
+          <p:cNvPicPr>
+            <a:picLocks noChangeAspect="1" noChangeArrowheads="1"/>
+          </p:cNvPicPr>
+          <p:nvPr/>
+        </p:nvPicPr>
+        <p:blipFill>
+          <a:blip r:embed="rId2">
+            <a:extLst>
+              <a:ext uri="{28A0092B-C50C-407E-A947-70E740481C1C}">
+                <a14:useLocalDpi xmlns:a14="http://schemas.microsoft.com/office/drawing/2010/main" val="0"/>
+              </a:ext>
+            </a:extLst>
+          </a:blip>
+          <a:srcRect/>
+          <a:stretch>
+            <a:fillRect/>
+          </a:stretch>
+        </p:blipFill>
+        <p:spPr bwMode="auto">
+          <a:xfrm>
+            <a:off x="971600" y="4839562"/>
+            <a:ext cx="2304256" cy="480053"/>
+          </a:xfrm>
+          <a:prstGeom prst="rect">
+            <a:avLst/>
+          </a:prstGeom>
+          <a:noFill/>
+          <a:ln>
+            <a:noFill/>
+          </a:ln>
+          <a:effectLst/>
+          <a:extLst>
+            <a:ext uri="{909E8E84-426E-40DD-AFC4-6F175D3DCCD1}">
+              <a14:hiddenFill xmlns:a14="http://schemas.microsoft.com/office/drawing/2010/main">
+                <a:solidFill>
+                  <a:schemeClr val="accent1"/>
+                </a:solidFill>
+              </a14:hiddenFill>
+            </a:ext>
+            <a:ext uri="{91240B29-F687-4F45-9708-019B960494DF}">
+              <a14:hiddenLine xmlns:a14="http://schemas.microsoft.com/office/drawing/2010/main" w="9525">
+                <a:solidFill>
+                  <a:schemeClr val="tx1"/>
+                </a:solidFill>
+                <a:miter lim="800000"/>
+                <a:headEnd/>
+                <a:tailEnd/>
+              </a14:hiddenLine>
+            </a:ext>
+            <a:ext uri="{AF507438-7753-43E0-B8FC-AC1667EBCBE1}">
+              <a14:hiddenEffects xmlns:a14="http://schemas.microsoft.com/office/drawing/2010/main">
+                <a:effectLst>
+                  <a:outerShdw dist="35921" dir="2700000" algn="ctr" rotWithShape="0">
+                    <a:schemeClr val="bg2"/>
+                  </a:outerShdw>
+                </a:effectLst>
+              </a14:hiddenEffects>
+            </a:ext>
+          </a:extLst>
+        </p:spPr>
+      </p:pic>
+      <p:pic>
+        <p:nvPicPr>
+          <p:cNvPr id="6147" name="Picture 3"/>
+          <p:cNvPicPr>
+            <a:picLocks noChangeAspect="1" noChangeArrowheads="1"/>
+          </p:cNvPicPr>
+          <p:nvPr/>
+        </p:nvPicPr>
+        <p:blipFill>
+          <a:blip r:embed="rId3">
+            <a:extLst>
+              <a:ext uri="{28A0092B-C50C-407E-A947-70E740481C1C}">
+                <a14:useLocalDpi xmlns:a14="http://schemas.microsoft.com/office/drawing/2010/main" val="0"/>
+              </a:ext>
+            </a:extLst>
+          </a:blip>
+          <a:srcRect/>
+          <a:stretch>
+            <a:fillRect/>
+          </a:stretch>
+        </p:blipFill>
+        <p:spPr bwMode="auto">
+          <a:xfrm>
+            <a:off x="4211960" y="2000806"/>
+            <a:ext cx="4827596" cy="3372628"/>
+          </a:xfrm>
+          <a:prstGeom prst="rect">
+            <a:avLst/>
+          </a:prstGeom>
+          <a:noFill/>
+          <a:ln>
+            <a:noFill/>
+          </a:ln>
+          <a:effectLst/>
+          <a:extLst>
+            <a:ext uri="{909E8E84-426E-40DD-AFC4-6F175D3DCCD1}">
+              <a14:hiddenFill xmlns:a14="http://schemas.microsoft.com/office/drawing/2010/main">
+                <a:solidFill>
+                  <a:schemeClr val="accent1"/>
+                </a:solidFill>
+              </a14:hiddenFill>
+            </a:ext>
+            <a:ext uri="{91240B29-F687-4F45-9708-019B960494DF}">
+              <a14:hiddenLine xmlns:a14="http://schemas.microsoft.com/office/drawing/2010/main" w="9525">
+                <a:solidFill>
+                  <a:schemeClr val="tx1"/>
+                </a:solidFill>
+                <a:miter lim="800000"/>
+                <a:headEnd/>
+                <a:tailEnd/>
+              </a14:hiddenLine>
+            </a:ext>
+            <a:ext uri="{AF507438-7753-43E0-B8FC-AC1667EBCBE1}">
+              <a14:hiddenEffects xmlns:a14="http://schemas.microsoft.com/office/drawing/2010/main">
+                <a:effectLst>
+                  <a:outerShdw dist="35921" dir="2700000" algn="ctr" rotWithShape="0">
+                    <a:schemeClr val="bg2"/>
+                  </a:outerShdw>
+                </a:effectLst>
+              </a14:hiddenEffects>
+            </a:ext>
+          </a:extLst>
+        </p:spPr>
+      </p:pic>
+      <p:sp>
+        <p:nvSpPr>
+          <p:cNvPr id="4" name="右箭头 3"/>
+          <p:cNvSpPr/>
+          <p:nvPr/>
+        </p:nvSpPr>
+        <p:spPr>
+          <a:xfrm>
+            <a:off x="3347864" y="4834305"/>
+            <a:ext cx="720080" cy="484632"/>
+          </a:xfrm>
+          <a:prstGeom prst="rightArrow">
+            <a:avLst/>
+          </a:prstGeom>
+        </p:spPr>
+        <p:style>
+          <a:lnRef idx="1">
+            <a:schemeClr val="accent1"/>
+          </a:lnRef>
+          <a:fillRef idx="3">
+            <a:schemeClr val="accent1"/>
+          </a:fillRef>
+          <a:effectRef idx="2">
+            <a:schemeClr val="accent1"/>
+          </a:effectRef>
+          <a:fontRef idx="minor">
+            <a:schemeClr val="lt1"/>
+          </a:fontRef>
+        </p:style>
+        <p:txBody>
+          <a:bodyPr rtlCol="0" anchor="ctr"/>
+          <a:lstStyle/>
+          <a:p>
+            <a:pPr algn="ctr"/>
+            <a:endParaRPr lang="zh-CN" altLang="en-US"/>
+          </a:p>
+        </p:txBody>
+      </p:sp>
+    </p:spTree>
+    <p:extLst>
+      <p:ext uri="{BB962C8B-B14F-4D97-AF65-F5344CB8AC3E}">
+        <p14:creationId xmlns:p14="http://schemas.microsoft.com/office/powerpoint/2010/main" val="772754243"/>
+      </p:ext>
+    </p:extLst>
+  </p:cSld>
+  <p:clrMapOvr>
+    <a:masterClrMapping/>
+  </p:clrMapOvr>
+  <p:timing>
+    <p:tnLst>
+      <p:par>
+        <p:cTn id="1" dur="indefinite" restart="never" nodeType="tmRoot"/>
+      </p:par>
+    </p:tnLst>
+  </p:timing>
+</p:sld>
 </file>
 
 <file path=ppt/theme/theme1.xml><?xml version="1.0" encoding="utf-8"?>

--- a/Tutorials.pptx
+++ b/Tutorials.pptx
@@ -15,6 +15,10 @@
     <p:sldId id="263" r:id="rId9"/>
     <p:sldId id="264" r:id="rId10"/>
     <p:sldId id="265" r:id="rId11"/>
+    <p:sldId id="266" r:id="rId12"/>
+    <p:sldId id="267" r:id="rId13"/>
+    <p:sldId id="268" r:id="rId14"/>
+    <p:sldId id="269" r:id="rId15"/>
   </p:sldIdLst>
   <p:sldSz cx="9144000" cy="5715000" type="screen16x10"/>
   <p:notesSz cx="6858000" cy="9144000"/>
@@ -1036,6 +1040,925 @@
 </file>
 
 <file path=ppt/diagrams/colors2.xml><?xml version="1.0" encoding="utf-8"?>
+<dgm:colorsDef xmlns:dgm="http://schemas.openxmlformats.org/drawingml/2006/diagram" xmlns:a="http://schemas.openxmlformats.org/drawingml/2006/main" uniqueId="urn:microsoft.com/office/officeart/2005/8/colors/colorful1">
+  <dgm:title val=""/>
+  <dgm:desc val=""/>
+  <dgm:catLst>
+    <dgm:cat type="colorful" pri="10100"/>
+  </dgm:catLst>
+  <dgm:styleLbl name="node0">
+    <dgm:fillClrLst meth="repeat">
+      <a:schemeClr val="accent1"/>
+    </dgm:fillClrLst>
+    <dgm:linClrLst meth="repeat">
+      <a:schemeClr val="lt1"/>
+    </dgm:linClrLst>
+    <dgm:effectClrLst/>
+    <dgm:txLinClrLst/>
+    <dgm:txFillClrLst/>
+    <dgm:txEffectClrLst/>
+  </dgm:styleLbl>
+  <dgm:styleLbl name="node1">
+    <dgm:fillClrLst meth="repeat">
+      <a:schemeClr val="accent2"/>
+      <a:schemeClr val="accent3"/>
+      <a:schemeClr val="accent4"/>
+      <a:schemeClr val="accent5"/>
+      <a:schemeClr val="accent6"/>
+    </dgm:fillClrLst>
+    <dgm:linClrLst meth="repeat">
+      <a:schemeClr val="lt1"/>
+    </dgm:linClrLst>
+    <dgm:effectClrLst/>
+    <dgm:txLinClrLst/>
+    <dgm:txFillClrLst/>
+    <dgm:txEffectClrLst/>
+  </dgm:styleLbl>
+  <dgm:styleLbl name="alignNode1">
+    <dgm:fillClrLst meth="repeat">
+      <a:schemeClr val="accent2"/>
+      <a:schemeClr val="accent3"/>
+      <a:schemeClr val="accent4"/>
+      <a:schemeClr val="accent5"/>
+      <a:schemeClr val="accent6"/>
+    </dgm:fillClrLst>
+    <dgm:linClrLst meth="repeat">
+      <a:schemeClr val="accent2"/>
+      <a:schemeClr val="accent3"/>
+      <a:schemeClr val="accent4"/>
+      <a:schemeClr val="accent5"/>
+      <a:schemeClr val="accent6"/>
+    </dgm:linClrLst>
+    <dgm:effectClrLst/>
+    <dgm:txLinClrLst/>
+    <dgm:txFillClrLst/>
+    <dgm:txEffectClrLst/>
+  </dgm:styleLbl>
+  <dgm:styleLbl name="lnNode1">
+    <dgm:fillClrLst meth="repeat">
+      <a:schemeClr val="accent2"/>
+      <a:schemeClr val="accent3"/>
+      <a:schemeClr val="accent4"/>
+      <a:schemeClr val="accent5"/>
+      <a:schemeClr val="accent6"/>
+    </dgm:fillClrLst>
+    <dgm:linClrLst meth="repeat">
+      <a:schemeClr val="lt1"/>
+    </dgm:linClrLst>
+    <dgm:effectClrLst/>
+    <dgm:txLinClrLst/>
+    <dgm:txFillClrLst/>
+    <dgm:txEffectClrLst/>
+  </dgm:styleLbl>
+  <dgm:styleLbl name="vennNode1">
+    <dgm:fillClrLst meth="repeat">
+      <a:schemeClr val="accent2">
+        <a:alpha val="50000"/>
+      </a:schemeClr>
+      <a:schemeClr val="accent3">
+        <a:alpha val="50000"/>
+      </a:schemeClr>
+      <a:schemeClr val="accent4">
+        <a:alpha val="50000"/>
+      </a:schemeClr>
+      <a:schemeClr val="accent5">
+        <a:alpha val="50000"/>
+      </a:schemeClr>
+      <a:schemeClr val="accent6">
+        <a:alpha val="50000"/>
+      </a:schemeClr>
+    </dgm:fillClrLst>
+    <dgm:linClrLst meth="repeat">
+      <a:schemeClr val="lt1"/>
+    </dgm:linClrLst>
+    <dgm:effectClrLst/>
+    <dgm:txLinClrLst/>
+    <dgm:txFillClrLst/>
+    <dgm:txEffectClrLst/>
+  </dgm:styleLbl>
+  <dgm:styleLbl name="node2">
+    <dgm:fillClrLst>
+      <a:schemeClr val="accent2"/>
+    </dgm:fillClrLst>
+    <dgm:linClrLst meth="repeat">
+      <a:schemeClr val="lt1"/>
+    </dgm:linClrLst>
+    <dgm:effectClrLst/>
+    <dgm:txLinClrLst/>
+    <dgm:txFillClrLst/>
+    <dgm:txEffectClrLst/>
+  </dgm:styleLbl>
+  <dgm:styleLbl name="node3">
+    <dgm:fillClrLst>
+      <a:schemeClr val="accent3"/>
+    </dgm:fillClrLst>
+    <dgm:linClrLst meth="repeat">
+      <a:schemeClr val="lt1"/>
+    </dgm:linClrLst>
+    <dgm:effectClrLst/>
+    <dgm:txLinClrLst/>
+    <dgm:txFillClrLst/>
+    <dgm:txEffectClrLst/>
+  </dgm:styleLbl>
+  <dgm:styleLbl name="node4">
+    <dgm:fillClrLst>
+      <a:schemeClr val="accent4"/>
+    </dgm:fillClrLst>
+    <dgm:linClrLst meth="repeat">
+      <a:schemeClr val="lt1"/>
+    </dgm:linClrLst>
+    <dgm:effectClrLst/>
+    <dgm:txLinClrLst/>
+    <dgm:txFillClrLst/>
+    <dgm:txEffectClrLst/>
+  </dgm:styleLbl>
+  <dgm:styleLbl name="fgImgPlace1">
+    <dgm:fillClrLst meth="repeat">
+      <a:schemeClr val="accent2">
+        <a:tint val="50000"/>
+      </a:schemeClr>
+      <a:schemeClr val="accent3">
+        <a:tint val="50000"/>
+      </a:schemeClr>
+      <a:schemeClr val="accent4">
+        <a:tint val="50000"/>
+      </a:schemeClr>
+      <a:schemeClr val="accent5">
+        <a:tint val="50000"/>
+      </a:schemeClr>
+      <a:schemeClr val="accent6">
+        <a:tint val="50000"/>
+      </a:schemeClr>
+    </dgm:fillClrLst>
+    <dgm:linClrLst meth="repeat">
+      <a:schemeClr val="lt1"/>
+    </dgm:linClrLst>
+    <dgm:effectClrLst/>
+    <dgm:txLinClrLst/>
+    <dgm:txFillClrLst meth="repeat">
+      <a:schemeClr val="lt1"/>
+    </dgm:txFillClrLst>
+    <dgm:txEffectClrLst/>
+  </dgm:styleLbl>
+  <dgm:styleLbl name="alignImgPlace1">
+    <dgm:fillClrLst>
+      <a:schemeClr val="accent1">
+        <a:tint val="50000"/>
+      </a:schemeClr>
+      <a:schemeClr val="accent2">
+        <a:tint val="20000"/>
+      </a:schemeClr>
+    </dgm:fillClrLst>
+    <dgm:linClrLst meth="repeat">
+      <a:schemeClr val="lt1"/>
+    </dgm:linClrLst>
+    <dgm:effectClrLst/>
+    <dgm:txLinClrLst/>
+    <dgm:txFillClrLst meth="repeat">
+      <a:schemeClr val="lt1"/>
+    </dgm:txFillClrLst>
+    <dgm:txEffectClrLst/>
+  </dgm:styleLbl>
+  <dgm:styleLbl name="bgImgPlace1">
+    <dgm:fillClrLst>
+      <a:schemeClr val="accent1">
+        <a:tint val="50000"/>
+      </a:schemeClr>
+      <a:schemeClr val="accent2">
+        <a:tint val="20000"/>
+      </a:schemeClr>
+    </dgm:fillClrLst>
+    <dgm:linClrLst meth="repeat">
+      <a:schemeClr val="lt1"/>
+    </dgm:linClrLst>
+    <dgm:effectClrLst/>
+    <dgm:txLinClrLst/>
+    <dgm:txFillClrLst meth="repeat">
+      <a:schemeClr val="lt1"/>
+    </dgm:txFillClrLst>
+    <dgm:txEffectClrLst/>
+  </dgm:styleLbl>
+  <dgm:styleLbl name="sibTrans2D1">
+    <dgm:fillClrLst meth="repeat">
+      <a:schemeClr val="accent2"/>
+      <a:schemeClr val="accent3"/>
+      <a:schemeClr val="accent4"/>
+      <a:schemeClr val="accent5"/>
+      <a:schemeClr val="accent6"/>
+    </dgm:fillClrLst>
+    <dgm:linClrLst meth="cycle">
+      <a:schemeClr val="lt1"/>
+    </dgm:linClrLst>
+    <dgm:effectClrLst/>
+    <dgm:txLinClrLst/>
+    <dgm:txFillClrLst/>
+    <dgm:txEffectClrLst/>
+  </dgm:styleLbl>
+  <dgm:styleLbl name="fgSibTrans2D1">
+    <dgm:fillClrLst meth="repeat">
+      <a:schemeClr val="accent2"/>
+      <a:schemeClr val="accent3"/>
+      <a:schemeClr val="accent4"/>
+      <a:schemeClr val="accent5"/>
+      <a:schemeClr val="accent6"/>
+    </dgm:fillClrLst>
+    <dgm:linClrLst meth="cycle">
+      <a:schemeClr val="lt1"/>
+    </dgm:linClrLst>
+    <dgm:effectClrLst/>
+    <dgm:txLinClrLst/>
+    <dgm:txFillClrLst meth="repeat">
+      <a:schemeClr val="lt1"/>
+    </dgm:txFillClrLst>
+    <dgm:txEffectClrLst/>
+  </dgm:styleLbl>
+  <dgm:styleLbl name="bgSibTrans2D1">
+    <dgm:fillClrLst meth="repeat">
+      <a:schemeClr val="accent2"/>
+      <a:schemeClr val="accent3"/>
+      <a:schemeClr val="accent4"/>
+      <a:schemeClr val="accent5"/>
+      <a:schemeClr val="accent6"/>
+    </dgm:fillClrLst>
+    <dgm:linClrLst meth="cycle">
+      <a:schemeClr val="lt1"/>
+    </dgm:linClrLst>
+    <dgm:effectClrLst/>
+    <dgm:txLinClrLst/>
+    <dgm:txFillClrLst meth="repeat">
+      <a:schemeClr val="lt1"/>
+    </dgm:txFillClrLst>
+    <dgm:txEffectClrLst/>
+  </dgm:styleLbl>
+  <dgm:styleLbl name="sibTrans1D1">
+    <dgm:fillClrLst meth="repeat">
+      <a:schemeClr val="accent2"/>
+      <a:schemeClr val="accent3"/>
+      <a:schemeClr val="accent4"/>
+      <a:schemeClr val="accent5"/>
+      <a:schemeClr val="accent6"/>
+    </dgm:fillClrLst>
+    <dgm:linClrLst meth="repeat">
+      <a:schemeClr val="accent2"/>
+      <a:schemeClr val="accent3"/>
+      <a:schemeClr val="accent4"/>
+      <a:schemeClr val="accent5"/>
+      <a:schemeClr val="accent6"/>
+    </dgm:linClrLst>
+    <dgm:effectClrLst/>
+    <dgm:txLinClrLst/>
+    <dgm:txFillClrLst meth="repeat">
+      <a:schemeClr val="tx1"/>
+    </dgm:txFillClrLst>
+    <dgm:txEffectClrLst/>
+  </dgm:styleLbl>
+  <dgm:styleLbl name="callout">
+    <dgm:fillClrLst meth="repeat">
+      <a:schemeClr val="accent2"/>
+    </dgm:fillClrLst>
+    <dgm:linClrLst meth="repeat">
+      <a:schemeClr val="accent2">
+        <a:tint val="50000"/>
+      </a:schemeClr>
+    </dgm:linClrLst>
+    <dgm:effectClrLst/>
+    <dgm:txLinClrLst/>
+    <dgm:txFillClrLst meth="repeat">
+      <a:schemeClr val="tx1"/>
+    </dgm:txFillClrLst>
+    <dgm:txEffectClrLst/>
+  </dgm:styleLbl>
+  <dgm:styleLbl name="asst0">
+    <dgm:fillClrLst meth="repeat">
+      <a:schemeClr val="accent1"/>
+    </dgm:fillClrLst>
+    <dgm:linClrLst meth="repeat">
+      <a:schemeClr val="lt1"/>
+    </dgm:linClrLst>
+    <dgm:effectClrLst/>
+    <dgm:txLinClrLst/>
+    <dgm:txFillClrLst/>
+    <dgm:txEffectClrLst/>
+  </dgm:styleLbl>
+  <dgm:styleLbl name="asst1">
+    <dgm:fillClrLst meth="repeat">
+      <a:schemeClr val="accent2"/>
+    </dgm:fillClrLst>
+    <dgm:linClrLst meth="repeat">
+      <a:schemeClr val="lt1"/>
+    </dgm:linClrLst>
+    <dgm:effectClrLst/>
+    <dgm:txLinClrLst/>
+    <dgm:txFillClrLst/>
+    <dgm:txEffectClrLst/>
+  </dgm:styleLbl>
+  <dgm:styleLbl name="asst2">
+    <dgm:fillClrLst>
+      <a:schemeClr val="accent3"/>
+    </dgm:fillClrLst>
+    <dgm:linClrLst meth="repeat">
+      <a:schemeClr val="lt1"/>
+    </dgm:linClrLst>
+    <dgm:effectClrLst/>
+    <dgm:txLinClrLst/>
+    <dgm:txFillClrLst/>
+    <dgm:txEffectClrLst/>
+  </dgm:styleLbl>
+  <dgm:styleLbl name="asst3">
+    <dgm:fillClrLst>
+      <a:schemeClr val="accent4"/>
+    </dgm:fillClrLst>
+    <dgm:linClrLst meth="repeat">
+      <a:schemeClr val="lt1"/>
+    </dgm:linClrLst>
+    <dgm:effectClrLst/>
+    <dgm:txLinClrLst/>
+    <dgm:txFillClrLst/>
+    <dgm:txEffectClrLst/>
+  </dgm:styleLbl>
+  <dgm:styleLbl name="asst4">
+    <dgm:fillClrLst>
+      <a:schemeClr val="accent5"/>
+    </dgm:fillClrLst>
+    <dgm:linClrLst meth="repeat">
+      <a:schemeClr val="lt1"/>
+    </dgm:linClrLst>
+    <dgm:effectClrLst/>
+    <dgm:txLinClrLst/>
+    <dgm:txFillClrLst/>
+    <dgm:txEffectClrLst/>
+  </dgm:styleLbl>
+  <dgm:styleLbl name="parChTrans2D1">
+    <dgm:fillClrLst meth="repeat">
+      <a:schemeClr val="accent2"/>
+    </dgm:fillClrLst>
+    <dgm:linClrLst meth="repeat">
+      <a:schemeClr val="lt1"/>
+    </dgm:linClrLst>
+    <dgm:effectClrLst/>
+    <dgm:txLinClrLst/>
+    <dgm:txFillClrLst meth="repeat">
+      <a:schemeClr val="lt1"/>
+    </dgm:txFillClrLst>
+    <dgm:txEffectClrLst/>
+  </dgm:styleLbl>
+  <dgm:styleLbl name="parChTrans2D2">
+    <dgm:fillClrLst meth="repeat">
+      <a:schemeClr val="accent3"/>
+    </dgm:fillClrLst>
+    <dgm:linClrLst meth="repeat">
+      <a:schemeClr val="lt1"/>
+    </dgm:linClrLst>
+    <dgm:effectClrLst/>
+    <dgm:txLinClrLst/>
+    <dgm:txFillClrLst/>
+    <dgm:txEffectClrLst/>
+  </dgm:styleLbl>
+  <dgm:styleLbl name="parChTrans2D3">
+    <dgm:fillClrLst meth="repeat">
+      <a:schemeClr val="accent4"/>
+    </dgm:fillClrLst>
+    <dgm:linClrLst meth="repeat">
+      <a:schemeClr val="lt1"/>
+    </dgm:linClrLst>
+    <dgm:effectClrLst/>
+    <dgm:txLinClrLst/>
+    <dgm:txFillClrLst/>
+    <dgm:txEffectClrLst/>
+  </dgm:styleLbl>
+  <dgm:styleLbl name="parChTrans2D4">
+    <dgm:fillClrLst meth="repeat">
+      <a:schemeClr val="accent5"/>
+    </dgm:fillClrLst>
+    <dgm:linClrLst meth="repeat">
+      <a:schemeClr val="lt1"/>
+    </dgm:linClrLst>
+    <dgm:effectClrLst/>
+    <dgm:txLinClrLst/>
+    <dgm:txFillClrLst meth="repeat">
+      <a:schemeClr val="lt1"/>
+    </dgm:txFillClrLst>
+    <dgm:txEffectClrLst/>
+  </dgm:styleLbl>
+  <dgm:styleLbl name="parChTrans1D1">
+    <dgm:fillClrLst meth="repeat">
+      <a:schemeClr val="accent2"/>
+    </dgm:fillClrLst>
+    <dgm:linClrLst meth="repeat">
+      <a:schemeClr val="accent1"/>
+    </dgm:linClrLst>
+    <dgm:effectClrLst/>
+    <dgm:txLinClrLst/>
+    <dgm:txFillClrLst meth="repeat">
+      <a:schemeClr val="tx1"/>
+    </dgm:txFillClrLst>
+    <dgm:txEffectClrLst/>
+  </dgm:styleLbl>
+  <dgm:styleLbl name="parChTrans1D2">
+    <dgm:fillClrLst meth="repeat">
+      <a:schemeClr val="accent3">
+        <a:tint val="90000"/>
+      </a:schemeClr>
+    </dgm:fillClrLst>
+    <dgm:linClrLst meth="repeat">
+      <a:schemeClr val="accent2"/>
+    </dgm:linClrLst>
+    <dgm:effectClrLst/>
+    <dgm:txLinClrLst/>
+    <dgm:txFillClrLst meth="repeat">
+      <a:schemeClr val="tx1"/>
+    </dgm:txFillClrLst>
+    <dgm:txEffectClrLst/>
+  </dgm:styleLbl>
+  <dgm:styleLbl name="parChTrans1D3">
+    <dgm:fillClrLst meth="repeat">
+      <a:schemeClr val="accent4">
+        <a:tint val="70000"/>
+      </a:schemeClr>
+    </dgm:fillClrLst>
+    <dgm:linClrLst meth="repeat">
+      <a:schemeClr val="accent3"/>
+    </dgm:linClrLst>
+    <dgm:effectClrLst/>
+    <dgm:txLinClrLst/>
+    <dgm:txFillClrLst meth="repeat">
+      <a:schemeClr val="tx1"/>
+    </dgm:txFillClrLst>
+    <dgm:txEffectClrLst/>
+  </dgm:styleLbl>
+  <dgm:styleLbl name="parChTrans1D4">
+    <dgm:fillClrLst meth="repeat">
+      <a:schemeClr val="accent5">
+        <a:tint val="50000"/>
+      </a:schemeClr>
+    </dgm:fillClrLst>
+    <dgm:linClrLst meth="repeat">
+      <a:schemeClr val="accent4"/>
+    </dgm:linClrLst>
+    <dgm:effectClrLst/>
+    <dgm:txLinClrLst/>
+    <dgm:txFillClrLst meth="repeat">
+      <a:schemeClr val="tx1"/>
+    </dgm:txFillClrLst>
+    <dgm:txEffectClrLst/>
+  </dgm:styleLbl>
+  <dgm:styleLbl name="fgAcc1">
+    <dgm:fillClrLst meth="repeat">
+      <a:schemeClr val="lt1">
+        <a:alpha val="90000"/>
+      </a:schemeClr>
+    </dgm:fillClrLst>
+    <dgm:linClrLst meth="repeat">
+      <a:schemeClr val="accent2"/>
+      <a:schemeClr val="accent3"/>
+      <a:schemeClr val="accent4"/>
+      <a:schemeClr val="accent5"/>
+      <a:schemeClr val="accent6"/>
+    </dgm:linClrLst>
+    <dgm:effectClrLst/>
+    <dgm:txLinClrLst/>
+    <dgm:txFillClrLst meth="repeat">
+      <a:schemeClr val="dk1"/>
+    </dgm:txFillClrLst>
+    <dgm:txEffectClrLst/>
+  </dgm:styleLbl>
+  <dgm:styleLbl name="conFgAcc1">
+    <dgm:fillClrLst meth="repeat">
+      <a:schemeClr val="lt1">
+        <a:alpha val="90000"/>
+      </a:schemeClr>
+    </dgm:fillClrLst>
+    <dgm:linClrLst meth="repeat">
+      <a:schemeClr val="accent2"/>
+      <a:schemeClr val="accent3"/>
+      <a:schemeClr val="accent4"/>
+      <a:schemeClr val="accent5"/>
+      <a:schemeClr val="accent6"/>
+    </dgm:linClrLst>
+    <dgm:effectClrLst/>
+    <dgm:txLinClrLst/>
+    <dgm:txFillClrLst meth="repeat">
+      <a:schemeClr val="dk1"/>
+    </dgm:txFillClrLst>
+    <dgm:txEffectClrLst/>
+  </dgm:styleLbl>
+  <dgm:styleLbl name="alignAcc1">
+    <dgm:fillClrLst meth="repeat">
+      <a:schemeClr val="lt1">
+        <a:alpha val="90000"/>
+      </a:schemeClr>
+    </dgm:fillClrLst>
+    <dgm:linClrLst meth="repeat">
+      <a:schemeClr val="accent2"/>
+      <a:schemeClr val="accent3"/>
+      <a:schemeClr val="accent4"/>
+      <a:schemeClr val="accent5"/>
+      <a:schemeClr val="accent6"/>
+    </dgm:linClrLst>
+    <dgm:effectClrLst/>
+    <dgm:txLinClrLst/>
+    <dgm:txFillClrLst meth="repeat">
+      <a:schemeClr val="dk1"/>
+    </dgm:txFillClrLst>
+    <dgm:txEffectClrLst/>
+  </dgm:styleLbl>
+  <dgm:styleLbl name="trAlignAcc1">
+    <dgm:fillClrLst meth="repeat">
+      <a:schemeClr val="lt1">
+        <a:alpha val="40000"/>
+      </a:schemeClr>
+    </dgm:fillClrLst>
+    <dgm:linClrLst meth="repeat">
+      <a:schemeClr val="accent1"/>
+    </dgm:linClrLst>
+    <dgm:effectClrLst/>
+    <dgm:txLinClrLst/>
+    <dgm:txFillClrLst meth="repeat">
+      <a:schemeClr val="dk1"/>
+    </dgm:txFillClrLst>
+    <dgm:txEffectClrLst/>
+  </dgm:styleLbl>
+  <dgm:styleLbl name="bgAcc1">
+    <dgm:fillClrLst meth="repeat">
+      <a:schemeClr val="lt1">
+        <a:alpha val="90000"/>
+      </a:schemeClr>
+    </dgm:fillClrLst>
+    <dgm:linClrLst meth="repeat">
+      <a:schemeClr val="accent2"/>
+      <a:schemeClr val="accent3"/>
+      <a:schemeClr val="accent4"/>
+      <a:schemeClr val="accent5"/>
+      <a:schemeClr val="accent6"/>
+    </dgm:linClrLst>
+    <dgm:effectClrLst/>
+    <dgm:txLinClrLst/>
+    <dgm:txFillClrLst meth="repeat">
+      <a:schemeClr val="dk1"/>
+    </dgm:txFillClrLst>
+    <dgm:txEffectClrLst/>
+  </dgm:styleLbl>
+  <dgm:styleLbl name="solidFgAcc1">
+    <dgm:fillClrLst meth="repeat">
+      <a:schemeClr val="lt1"/>
+    </dgm:fillClrLst>
+    <dgm:linClrLst meth="repeat">
+      <a:schemeClr val="accent2"/>
+      <a:schemeClr val="accent3"/>
+      <a:schemeClr val="accent4"/>
+      <a:schemeClr val="accent5"/>
+      <a:schemeClr val="accent6"/>
+    </dgm:linClrLst>
+    <dgm:effectClrLst/>
+    <dgm:txLinClrLst/>
+    <dgm:txFillClrLst meth="repeat">
+      <a:schemeClr val="dk1"/>
+    </dgm:txFillClrLst>
+    <dgm:txEffectClrLst/>
+  </dgm:styleLbl>
+  <dgm:styleLbl name="solidAlignAcc1">
+    <dgm:fillClrLst meth="repeat">
+      <a:schemeClr val="lt1"/>
+    </dgm:fillClrLst>
+    <dgm:linClrLst meth="repeat">
+      <a:schemeClr val="accent2"/>
+      <a:schemeClr val="accent3"/>
+      <a:schemeClr val="accent4"/>
+      <a:schemeClr val="accent5"/>
+      <a:schemeClr val="accent6"/>
+    </dgm:linClrLst>
+    <dgm:effectClrLst/>
+    <dgm:txLinClrLst/>
+    <dgm:txFillClrLst meth="repeat">
+      <a:schemeClr val="dk1"/>
+    </dgm:txFillClrLst>
+    <dgm:txEffectClrLst/>
+  </dgm:styleLbl>
+  <dgm:styleLbl name="solidBgAcc1">
+    <dgm:fillClrLst meth="repeat">
+      <a:schemeClr val="lt1"/>
+    </dgm:fillClrLst>
+    <dgm:linClrLst meth="repeat">
+      <a:schemeClr val="accent2"/>
+      <a:schemeClr val="accent3"/>
+      <a:schemeClr val="accent4"/>
+      <a:schemeClr val="accent5"/>
+      <a:schemeClr val="accent6"/>
+    </dgm:linClrLst>
+    <dgm:effectClrLst/>
+    <dgm:txLinClrLst/>
+    <dgm:txFillClrLst meth="repeat">
+      <a:schemeClr val="dk1"/>
+    </dgm:txFillClrLst>
+    <dgm:txEffectClrLst/>
+  </dgm:styleLbl>
+  <dgm:styleLbl name="fgAccFollowNode1">
+    <dgm:fillClrLst meth="repeat">
+      <a:schemeClr val="accent2">
+        <a:tint val="40000"/>
+        <a:alpha val="90000"/>
+      </a:schemeClr>
+      <a:schemeClr val="accent3">
+        <a:tint val="40000"/>
+        <a:alpha val="90000"/>
+      </a:schemeClr>
+      <a:schemeClr val="accent4">
+        <a:tint val="40000"/>
+        <a:alpha val="90000"/>
+      </a:schemeClr>
+      <a:schemeClr val="accent5">
+        <a:tint val="40000"/>
+        <a:alpha val="90000"/>
+      </a:schemeClr>
+      <a:schemeClr val="accent6">
+        <a:tint val="40000"/>
+        <a:alpha val="90000"/>
+      </a:schemeClr>
+    </dgm:fillClrLst>
+    <dgm:linClrLst meth="repeat">
+      <a:schemeClr val="accent2">
+        <a:tint val="40000"/>
+        <a:alpha val="90000"/>
+      </a:schemeClr>
+      <a:schemeClr val="accent3">
+        <a:tint val="40000"/>
+        <a:alpha val="90000"/>
+      </a:schemeClr>
+      <a:schemeClr val="accent4">
+        <a:tint val="40000"/>
+        <a:alpha val="90000"/>
+      </a:schemeClr>
+      <a:schemeClr val="accent5">
+        <a:tint val="40000"/>
+        <a:alpha val="90000"/>
+      </a:schemeClr>
+      <a:schemeClr val="accent6">
+        <a:tint val="40000"/>
+        <a:alpha val="90000"/>
+      </a:schemeClr>
+    </dgm:linClrLst>
+    <dgm:effectClrLst/>
+    <dgm:txLinClrLst/>
+    <dgm:txFillClrLst meth="repeat">
+      <a:schemeClr val="dk1"/>
+    </dgm:txFillClrLst>
+    <dgm:txEffectClrLst/>
+  </dgm:styleLbl>
+  <dgm:styleLbl name="alignAccFollowNode1">
+    <dgm:fillClrLst meth="repeat">
+      <a:schemeClr val="accent2">
+        <a:tint val="40000"/>
+        <a:alpha val="90000"/>
+      </a:schemeClr>
+      <a:schemeClr val="accent3">
+        <a:tint val="40000"/>
+        <a:alpha val="90000"/>
+      </a:schemeClr>
+      <a:schemeClr val="accent4">
+        <a:tint val="40000"/>
+        <a:alpha val="90000"/>
+      </a:schemeClr>
+      <a:schemeClr val="accent5">
+        <a:tint val="40000"/>
+        <a:alpha val="90000"/>
+      </a:schemeClr>
+      <a:schemeClr val="accent6">
+        <a:tint val="40000"/>
+        <a:alpha val="90000"/>
+      </a:schemeClr>
+    </dgm:fillClrLst>
+    <dgm:linClrLst meth="repeat">
+      <a:schemeClr val="accent2">
+        <a:tint val="40000"/>
+        <a:alpha val="90000"/>
+      </a:schemeClr>
+      <a:schemeClr val="accent3">
+        <a:tint val="40000"/>
+        <a:alpha val="90000"/>
+      </a:schemeClr>
+      <a:schemeClr val="accent4">
+        <a:tint val="40000"/>
+        <a:alpha val="90000"/>
+      </a:schemeClr>
+      <a:schemeClr val="accent5">
+        <a:tint val="40000"/>
+        <a:alpha val="90000"/>
+      </a:schemeClr>
+      <a:schemeClr val="accent6">
+        <a:tint val="40000"/>
+        <a:alpha val="90000"/>
+      </a:schemeClr>
+    </dgm:linClrLst>
+    <dgm:effectClrLst/>
+    <dgm:txLinClrLst/>
+    <dgm:txFillClrLst meth="repeat">
+      <a:schemeClr val="dk1"/>
+    </dgm:txFillClrLst>
+    <dgm:txEffectClrLst/>
+  </dgm:styleLbl>
+  <dgm:styleLbl name="bgAccFollowNode1">
+    <dgm:fillClrLst meth="repeat">
+      <a:schemeClr val="accent2">
+        <a:tint val="40000"/>
+        <a:alpha val="90000"/>
+      </a:schemeClr>
+      <a:schemeClr val="accent3">
+        <a:tint val="40000"/>
+        <a:alpha val="90000"/>
+      </a:schemeClr>
+      <a:schemeClr val="accent4">
+        <a:tint val="40000"/>
+        <a:alpha val="90000"/>
+      </a:schemeClr>
+      <a:schemeClr val="accent5">
+        <a:tint val="40000"/>
+        <a:alpha val="90000"/>
+      </a:schemeClr>
+      <a:schemeClr val="accent6">
+        <a:tint val="40000"/>
+        <a:alpha val="90000"/>
+      </a:schemeClr>
+    </dgm:fillClrLst>
+    <dgm:linClrLst meth="repeat">
+      <a:schemeClr val="accent2">
+        <a:tint val="40000"/>
+        <a:alpha val="90000"/>
+      </a:schemeClr>
+      <a:schemeClr val="accent3">
+        <a:tint val="40000"/>
+        <a:alpha val="90000"/>
+      </a:schemeClr>
+      <a:schemeClr val="accent4">
+        <a:tint val="40000"/>
+        <a:alpha val="90000"/>
+      </a:schemeClr>
+      <a:schemeClr val="accent5">
+        <a:tint val="40000"/>
+        <a:alpha val="90000"/>
+      </a:schemeClr>
+      <a:schemeClr val="accent6">
+        <a:tint val="40000"/>
+        <a:alpha val="90000"/>
+      </a:schemeClr>
+    </dgm:linClrLst>
+    <dgm:effectClrLst/>
+    <dgm:txLinClrLst/>
+    <dgm:txFillClrLst meth="repeat">
+      <a:schemeClr val="dk1"/>
+    </dgm:txFillClrLst>
+    <dgm:txEffectClrLst/>
+  </dgm:styleLbl>
+  <dgm:styleLbl name="fgAcc0">
+    <dgm:fillClrLst meth="repeat">
+      <a:schemeClr val="lt1">
+        <a:alpha val="90000"/>
+      </a:schemeClr>
+    </dgm:fillClrLst>
+    <dgm:linClrLst>
+      <a:schemeClr val="accent1"/>
+    </dgm:linClrLst>
+    <dgm:effectClrLst/>
+    <dgm:txLinClrLst/>
+    <dgm:txFillClrLst meth="repeat">
+      <a:schemeClr val="dk1"/>
+    </dgm:txFillClrLst>
+    <dgm:txEffectClrLst/>
+  </dgm:styleLbl>
+  <dgm:styleLbl name="fgAcc2">
+    <dgm:fillClrLst meth="repeat">
+      <a:schemeClr val="lt1">
+        <a:alpha val="90000"/>
+      </a:schemeClr>
+    </dgm:fillClrLst>
+    <dgm:linClrLst>
+      <a:schemeClr val="accent2"/>
+    </dgm:linClrLst>
+    <dgm:effectClrLst/>
+    <dgm:txLinClrLst/>
+    <dgm:txFillClrLst meth="repeat">
+      <a:schemeClr val="dk1"/>
+    </dgm:txFillClrLst>
+    <dgm:txEffectClrLst/>
+  </dgm:styleLbl>
+  <dgm:styleLbl name="fgAcc3">
+    <dgm:fillClrLst meth="repeat">
+      <a:schemeClr val="lt1">
+        <a:alpha val="90000"/>
+      </a:schemeClr>
+    </dgm:fillClrLst>
+    <dgm:linClrLst>
+      <a:schemeClr val="accent3"/>
+    </dgm:linClrLst>
+    <dgm:effectClrLst/>
+    <dgm:txLinClrLst/>
+    <dgm:txFillClrLst meth="repeat">
+      <a:schemeClr val="dk1"/>
+    </dgm:txFillClrLst>
+    <dgm:txEffectClrLst/>
+  </dgm:styleLbl>
+  <dgm:styleLbl name="fgAcc4">
+    <dgm:fillClrLst meth="repeat">
+      <a:schemeClr val="lt1">
+        <a:alpha val="90000"/>
+      </a:schemeClr>
+    </dgm:fillClrLst>
+    <dgm:linClrLst>
+      <a:schemeClr val="accent4"/>
+    </dgm:linClrLst>
+    <dgm:effectClrLst/>
+    <dgm:txLinClrLst/>
+    <dgm:txFillClrLst meth="repeat">
+      <a:schemeClr val="dk1"/>
+    </dgm:txFillClrLst>
+    <dgm:txEffectClrLst/>
+  </dgm:styleLbl>
+  <dgm:styleLbl name="bgShp">
+    <dgm:fillClrLst meth="repeat">
+      <a:schemeClr val="accent2">
+        <a:tint val="40000"/>
+      </a:schemeClr>
+    </dgm:fillClrLst>
+    <dgm:linClrLst meth="repeat">
+      <a:schemeClr val="dk1"/>
+    </dgm:linClrLst>
+    <dgm:effectClrLst/>
+    <dgm:txLinClrLst/>
+    <dgm:txFillClrLst meth="repeat">
+      <a:schemeClr val="dk1"/>
+    </dgm:txFillClrLst>
+    <dgm:txEffectClrLst/>
+  </dgm:styleLbl>
+  <dgm:styleLbl name="dkBgShp">
+    <dgm:fillClrLst meth="repeat">
+      <a:schemeClr val="accent2">
+        <a:shade val="90000"/>
+      </a:schemeClr>
+    </dgm:fillClrLst>
+    <dgm:linClrLst meth="repeat">
+      <a:schemeClr val="dk1"/>
+    </dgm:linClrLst>
+    <dgm:effectClrLst/>
+    <dgm:txLinClrLst/>
+    <dgm:txFillClrLst meth="repeat">
+      <a:schemeClr val="lt1"/>
+    </dgm:txFillClrLst>
+    <dgm:txEffectClrLst/>
+  </dgm:styleLbl>
+  <dgm:styleLbl name="trBgShp">
+    <dgm:fillClrLst meth="repeat">
+      <a:schemeClr val="accent1">
+        <a:tint val="50000"/>
+        <a:alpha val="40000"/>
+      </a:schemeClr>
+    </dgm:fillClrLst>
+    <dgm:linClrLst meth="repeat">
+      <a:schemeClr val="accent2"/>
+    </dgm:linClrLst>
+    <dgm:effectClrLst/>
+    <dgm:txLinClrLst/>
+    <dgm:txFillClrLst meth="repeat">
+      <a:schemeClr val="lt1"/>
+    </dgm:txFillClrLst>
+    <dgm:txEffectClrLst/>
+  </dgm:styleLbl>
+  <dgm:styleLbl name="fgShp">
+    <dgm:fillClrLst meth="repeat">
+      <a:schemeClr val="accent2">
+        <a:tint val="40000"/>
+      </a:schemeClr>
+    </dgm:fillClrLst>
+    <dgm:linClrLst meth="repeat">
+      <a:schemeClr val="lt1"/>
+    </dgm:linClrLst>
+    <dgm:effectClrLst/>
+    <dgm:txLinClrLst/>
+    <dgm:txFillClrLst meth="repeat">
+      <a:schemeClr val="dk1"/>
+    </dgm:txFillClrLst>
+    <dgm:txEffectClrLst/>
+  </dgm:styleLbl>
+  <dgm:styleLbl name="revTx">
+    <dgm:fillClrLst meth="repeat">
+      <a:schemeClr val="lt1">
+        <a:alpha val="0"/>
+      </a:schemeClr>
+    </dgm:fillClrLst>
+    <dgm:linClrLst meth="repeat">
+      <a:schemeClr val="dk1">
+        <a:alpha val="0"/>
+      </a:schemeClr>
+    </dgm:linClrLst>
+    <dgm:effectClrLst/>
+    <dgm:txLinClrLst/>
+    <dgm:txFillClrLst meth="repeat">
+      <a:schemeClr val="tx1"/>
+    </dgm:txFillClrLst>
+    <dgm:txEffectClrLst/>
+  </dgm:styleLbl>
+</dgm:colorsDef>
+</file>
+
+<file path=ppt/diagrams/colors3.xml><?xml version="1.0" encoding="utf-8"?>
 <dgm:colorsDef xmlns:dgm="http://schemas.openxmlformats.org/drawingml/2006/diagram" xmlns:a="http://schemas.openxmlformats.org/drawingml/2006/main" uniqueId="urn:microsoft.com/office/officeart/2005/8/colors/colorful1">
   <dgm:title val=""/>
   <dgm:desc val=""/>
@@ -2403,6 +3326,213 @@
     <dgm:cxn modelId="{B93F2C09-86CF-45DF-AAE9-00E27DDD17E0}" type="presParOf" srcId="{21E8B9E5-6B40-48E7-9B47-DCEC4B303D4D}" destId="{6E1FA275-E089-4A32-A8D8-E8CD684EE2B2}" srcOrd="3" destOrd="0" presId="urn:microsoft.com/office/officeart/2005/8/layout/process1"/>
     <dgm:cxn modelId="{13FB67BE-B8E3-4640-A636-E62FA8C0D182}" type="presParOf" srcId="{6E1FA275-E089-4A32-A8D8-E8CD684EE2B2}" destId="{91070796-B935-4A0F-AE78-D905386CB67C}" srcOrd="0" destOrd="0" presId="urn:microsoft.com/office/officeart/2005/8/layout/process1"/>
     <dgm:cxn modelId="{4CC40B6B-60DE-46F9-BAB4-EF7E62354EC8}" type="presParOf" srcId="{21E8B9E5-6B40-48E7-9B47-DCEC4B303D4D}" destId="{787D1A9B-1BD0-4387-9A86-86771D0A4BC6}" srcOrd="4" destOrd="0" presId="urn:microsoft.com/office/officeart/2005/8/layout/process1"/>
+  </dgm:cxnLst>
+  <dgm:bg/>
+  <dgm:whole/>
+  <dgm:extLst>
+    <a:ext uri="http://schemas.microsoft.com/office/drawing/2008/diagram">
+      <dsp:dataModelExt xmlns:dsp="http://schemas.microsoft.com/office/drawing/2008/diagram" relId="rId6" minVer="http://schemas.openxmlformats.org/drawingml/2006/diagram"/>
+    </a:ext>
+  </dgm:extLst>
+</dgm:dataModel>
+</file>
+
+<file path=ppt/diagrams/data3.xml><?xml version="1.0" encoding="utf-8"?>
+<dgm:dataModel xmlns:dgm="http://schemas.openxmlformats.org/drawingml/2006/diagram" xmlns:a="http://schemas.openxmlformats.org/drawingml/2006/main">
+  <dgm:ptLst>
+    <dgm:pt modelId="{08306B6D-9263-4EA1-8050-5FA0A428479B}" type="doc">
+      <dgm:prSet loTypeId="urn:microsoft.com/office/officeart/2005/8/layout/equation2" loCatId="process" qsTypeId="urn:microsoft.com/office/officeart/2005/8/quickstyle/simple4" qsCatId="simple" csTypeId="urn:microsoft.com/office/officeart/2005/8/colors/colorful1" csCatId="colorful" phldr="1"/>
+      <dgm:spPr/>
+    </dgm:pt>
+    <dgm:pt modelId="{DCD9DC04-C053-4FCC-9301-6FB2E43E0E30}">
+      <dgm:prSet phldrT="[文本]" custT="1"/>
+      <dgm:spPr/>
+      <dgm:t>
+        <a:bodyPr/>
+        <a:lstStyle/>
+        <a:p>
+          <a:r>
+            <a:rPr lang="zh-CN" altLang="en-US" sz="1800" dirty="0" smtClean="0"/>
+            <a:t>原始数据文件</a:t>
+          </a:r>
+          <a:endParaRPr lang="zh-CN" altLang="en-US" sz="1800" dirty="0"/>
+        </a:p>
+      </dgm:t>
+    </dgm:pt>
+    <dgm:pt modelId="{211C79D0-AD3E-4280-9E86-9648414693DF}" type="parTrans" cxnId="{A702BD21-A046-41AE-A556-E7A50E32CC09}">
+      <dgm:prSet/>
+      <dgm:spPr/>
+      <dgm:t>
+        <a:bodyPr/>
+        <a:lstStyle/>
+        <a:p>
+          <a:endParaRPr lang="zh-CN" altLang="en-US"/>
+        </a:p>
+      </dgm:t>
+    </dgm:pt>
+    <dgm:pt modelId="{5C2ACA33-FB99-44B8-87C3-8B95381903AB}" type="sibTrans" cxnId="{A702BD21-A046-41AE-A556-E7A50E32CC09}">
+      <dgm:prSet/>
+      <dgm:spPr/>
+      <dgm:t>
+        <a:bodyPr/>
+        <a:lstStyle/>
+        <a:p>
+          <a:endParaRPr lang="zh-CN" altLang="en-US"/>
+        </a:p>
+      </dgm:t>
+    </dgm:pt>
+    <dgm:pt modelId="{D9F1BB4D-C0B7-44A9-B669-D0AE324DCD33}">
+      <dgm:prSet phldrT="[文本]"/>
+      <dgm:spPr/>
+      <dgm:t>
+        <a:bodyPr/>
+        <a:lstStyle/>
+        <a:p>
+          <a:r>
+            <a:rPr lang="zh-CN" altLang="en-US" dirty="0" smtClean="0"/>
+            <a:t>标准品数据库</a:t>
+          </a:r>
+          <a:endParaRPr lang="zh-CN" altLang="en-US" dirty="0"/>
+        </a:p>
+      </dgm:t>
+    </dgm:pt>
+    <dgm:pt modelId="{7926241A-0758-4098-92AC-FDCFD870183F}" type="parTrans" cxnId="{C6F8C981-0057-4BE0-90B7-84272C03EB2A}">
+      <dgm:prSet/>
+      <dgm:spPr/>
+      <dgm:t>
+        <a:bodyPr/>
+        <a:lstStyle/>
+        <a:p>
+          <a:endParaRPr lang="zh-CN" altLang="en-US"/>
+        </a:p>
+      </dgm:t>
+    </dgm:pt>
+    <dgm:pt modelId="{DF37F758-99DC-4E70-A925-33395689CDCE}" type="sibTrans" cxnId="{C6F8C981-0057-4BE0-90B7-84272C03EB2A}">
+      <dgm:prSet/>
+      <dgm:spPr/>
+      <dgm:t>
+        <a:bodyPr/>
+        <a:lstStyle/>
+        <a:p>
+          <a:endParaRPr lang="zh-CN" altLang="en-US"/>
+        </a:p>
+      </dgm:t>
+    </dgm:pt>
+    <dgm:pt modelId="{4F847579-4286-4E02-B198-C4B694AC6726}">
+      <dgm:prSet phldrT="[文本]" phldr="1"/>
+      <dgm:spPr/>
+      <dgm:t>
+        <a:bodyPr/>
+        <a:lstStyle/>
+        <a:p>
+          <a:endParaRPr lang="zh-CN" altLang="en-US" dirty="0"/>
+        </a:p>
+      </dgm:t>
+    </dgm:pt>
+    <dgm:pt modelId="{B576310C-8F85-440A-A671-0717EF9A6B35}" type="parTrans" cxnId="{9FD2C1ED-BE4F-4BA1-A395-A46E308D53A5}">
+      <dgm:prSet/>
+      <dgm:spPr/>
+      <dgm:t>
+        <a:bodyPr/>
+        <a:lstStyle/>
+        <a:p>
+          <a:endParaRPr lang="zh-CN" altLang="en-US"/>
+        </a:p>
+      </dgm:t>
+    </dgm:pt>
+    <dgm:pt modelId="{79A37B4D-ADF1-4964-9BBF-BEA8BFC24079}" type="sibTrans" cxnId="{9FD2C1ED-BE4F-4BA1-A395-A46E308D53A5}">
+      <dgm:prSet/>
+      <dgm:spPr/>
+      <dgm:t>
+        <a:bodyPr/>
+        <a:lstStyle/>
+        <a:p>
+          <a:endParaRPr lang="zh-CN" altLang="en-US"/>
+        </a:p>
+      </dgm:t>
+    </dgm:pt>
+    <dgm:pt modelId="{DD21E310-57D9-4863-9C99-CCC833384094}" type="pres">
+      <dgm:prSet presAssocID="{08306B6D-9263-4EA1-8050-5FA0A428479B}" presName="Name0" presStyleCnt="0">
+        <dgm:presLayoutVars>
+          <dgm:dir/>
+          <dgm:resizeHandles val="exact"/>
+        </dgm:presLayoutVars>
+      </dgm:prSet>
+      <dgm:spPr/>
+    </dgm:pt>
+    <dgm:pt modelId="{D0D63A4F-67D0-41BC-92DD-748E67E7E92D}" type="pres">
+      <dgm:prSet presAssocID="{08306B6D-9263-4EA1-8050-5FA0A428479B}" presName="vNodes" presStyleCnt="0"/>
+      <dgm:spPr/>
+    </dgm:pt>
+    <dgm:pt modelId="{BC65442D-44DF-4620-8A40-13295A44D16D}" type="pres">
+      <dgm:prSet presAssocID="{DCD9DC04-C053-4FCC-9301-6FB2E43E0E30}" presName="node" presStyleLbl="node1" presStyleIdx="0" presStyleCnt="3" custScaleX="135844">
+        <dgm:presLayoutVars>
+          <dgm:bulletEnabled val="1"/>
+        </dgm:presLayoutVars>
+      </dgm:prSet>
+      <dgm:spPr>
+        <a:prstGeom prst="flowChartMultidocument">
+          <a:avLst/>
+        </a:prstGeom>
+      </dgm:spPr>
+    </dgm:pt>
+    <dgm:pt modelId="{6064ED54-F6EA-47BB-8896-E1B45CF41D2C}" type="pres">
+      <dgm:prSet presAssocID="{5C2ACA33-FB99-44B8-87C3-8B95381903AB}" presName="spacerT" presStyleCnt="0"/>
+      <dgm:spPr/>
+    </dgm:pt>
+    <dgm:pt modelId="{59A8DC76-7F93-48D5-A2F6-17A196C0FB90}" type="pres">
+      <dgm:prSet presAssocID="{5C2ACA33-FB99-44B8-87C3-8B95381903AB}" presName="sibTrans" presStyleLbl="sibTrans2D1" presStyleIdx="0" presStyleCnt="2"/>
+      <dgm:spPr/>
+    </dgm:pt>
+    <dgm:pt modelId="{D3EA03CA-3A9E-4774-8C7B-430E8DA00D1B}" type="pres">
+      <dgm:prSet presAssocID="{5C2ACA33-FB99-44B8-87C3-8B95381903AB}" presName="spacerB" presStyleCnt="0"/>
+      <dgm:spPr/>
+    </dgm:pt>
+    <dgm:pt modelId="{D7B04BA0-6A10-459B-B48E-C289148EB823}" type="pres">
+      <dgm:prSet presAssocID="{D9F1BB4D-C0B7-44A9-B669-D0AE324DCD33}" presName="node" presStyleLbl="node1" presStyleIdx="1" presStyleCnt="3">
+        <dgm:presLayoutVars>
+          <dgm:bulletEnabled val="1"/>
+        </dgm:presLayoutVars>
+      </dgm:prSet>
+      <dgm:spPr/>
+    </dgm:pt>
+    <dgm:pt modelId="{07CEE257-576C-4C76-900C-9A3F501047BE}" type="pres">
+      <dgm:prSet presAssocID="{08306B6D-9263-4EA1-8050-5FA0A428479B}" presName="sibTransLast" presStyleLbl="sibTrans2D1" presStyleIdx="1" presStyleCnt="2"/>
+      <dgm:spPr/>
+    </dgm:pt>
+    <dgm:pt modelId="{9453DD1B-0318-4608-9146-183924719612}" type="pres">
+      <dgm:prSet presAssocID="{08306B6D-9263-4EA1-8050-5FA0A428479B}" presName="connectorText" presStyleLbl="sibTrans2D1" presStyleIdx="1" presStyleCnt="2"/>
+      <dgm:spPr/>
+    </dgm:pt>
+    <dgm:pt modelId="{9A5957BD-EEED-41A1-854C-F45C427989BA}" type="pres">
+      <dgm:prSet presAssocID="{08306B6D-9263-4EA1-8050-5FA0A428479B}" presName="lastNode" presStyleLbl="node1" presStyleIdx="2" presStyleCnt="3">
+        <dgm:presLayoutVars>
+          <dgm:bulletEnabled val="1"/>
+        </dgm:presLayoutVars>
+      </dgm:prSet>
+      <dgm:spPr/>
+    </dgm:pt>
+  </dgm:ptLst>
+  <dgm:cxnLst>
+    <dgm:cxn modelId="{A702BD21-A046-41AE-A556-E7A50E32CC09}" srcId="{08306B6D-9263-4EA1-8050-5FA0A428479B}" destId="{DCD9DC04-C053-4FCC-9301-6FB2E43E0E30}" srcOrd="0" destOrd="0" parTransId="{211C79D0-AD3E-4280-9E86-9648414693DF}" sibTransId="{5C2ACA33-FB99-44B8-87C3-8B95381903AB}"/>
+    <dgm:cxn modelId="{2DB05D40-429F-4CC0-9F41-EC485BAB3458}" type="presOf" srcId="{5C2ACA33-FB99-44B8-87C3-8B95381903AB}" destId="{59A8DC76-7F93-48D5-A2F6-17A196C0FB90}" srcOrd="0" destOrd="0" presId="urn:microsoft.com/office/officeart/2005/8/layout/equation2"/>
+    <dgm:cxn modelId="{BB3FA34E-E66C-4CA0-B9ED-92D9AA4A4EF7}" type="presOf" srcId="{08306B6D-9263-4EA1-8050-5FA0A428479B}" destId="{DD21E310-57D9-4863-9C99-CCC833384094}" srcOrd="0" destOrd="0" presId="urn:microsoft.com/office/officeart/2005/8/layout/equation2"/>
+    <dgm:cxn modelId="{4D305790-4F72-489A-977A-4D43E8B1FB7C}" type="presOf" srcId="{D9F1BB4D-C0B7-44A9-B669-D0AE324DCD33}" destId="{D7B04BA0-6A10-459B-B48E-C289148EB823}" srcOrd="0" destOrd="0" presId="urn:microsoft.com/office/officeart/2005/8/layout/equation2"/>
+    <dgm:cxn modelId="{9FD2C1ED-BE4F-4BA1-A395-A46E308D53A5}" srcId="{08306B6D-9263-4EA1-8050-5FA0A428479B}" destId="{4F847579-4286-4E02-B198-C4B694AC6726}" srcOrd="2" destOrd="0" parTransId="{B576310C-8F85-440A-A671-0717EF9A6B35}" sibTransId="{79A37B4D-ADF1-4964-9BBF-BEA8BFC24079}"/>
+    <dgm:cxn modelId="{A6356286-1833-450F-BC14-3A20B5FA86B1}" type="presOf" srcId="{DF37F758-99DC-4E70-A925-33395689CDCE}" destId="{07CEE257-576C-4C76-900C-9A3F501047BE}" srcOrd="0" destOrd="0" presId="urn:microsoft.com/office/officeart/2005/8/layout/equation2"/>
+    <dgm:cxn modelId="{5A0F88C2-0219-49D7-8FE0-34A372FB72D7}" type="presOf" srcId="{DCD9DC04-C053-4FCC-9301-6FB2E43E0E30}" destId="{BC65442D-44DF-4620-8A40-13295A44D16D}" srcOrd="0" destOrd="0" presId="urn:microsoft.com/office/officeart/2005/8/layout/equation2"/>
+    <dgm:cxn modelId="{F459B943-2C99-47A3-810E-AFE142464971}" type="presOf" srcId="{4F847579-4286-4E02-B198-C4B694AC6726}" destId="{9A5957BD-EEED-41A1-854C-F45C427989BA}" srcOrd="0" destOrd="0" presId="urn:microsoft.com/office/officeart/2005/8/layout/equation2"/>
+    <dgm:cxn modelId="{C6F8C981-0057-4BE0-90B7-84272C03EB2A}" srcId="{08306B6D-9263-4EA1-8050-5FA0A428479B}" destId="{D9F1BB4D-C0B7-44A9-B669-D0AE324DCD33}" srcOrd="1" destOrd="0" parTransId="{7926241A-0758-4098-92AC-FDCFD870183F}" sibTransId="{DF37F758-99DC-4E70-A925-33395689CDCE}"/>
+    <dgm:cxn modelId="{0A0559EA-F65F-4E36-9CC1-86B56EEB45A7}" type="presOf" srcId="{DF37F758-99DC-4E70-A925-33395689CDCE}" destId="{9453DD1B-0318-4608-9146-183924719612}" srcOrd="1" destOrd="0" presId="urn:microsoft.com/office/officeart/2005/8/layout/equation2"/>
+    <dgm:cxn modelId="{9F98A6D1-0CC8-4D2A-B080-B4FDCB343186}" type="presParOf" srcId="{DD21E310-57D9-4863-9C99-CCC833384094}" destId="{D0D63A4F-67D0-41BC-92DD-748E67E7E92D}" srcOrd="0" destOrd="0" presId="urn:microsoft.com/office/officeart/2005/8/layout/equation2"/>
+    <dgm:cxn modelId="{F35EBDF1-E602-4E01-B285-479557866737}" type="presParOf" srcId="{D0D63A4F-67D0-41BC-92DD-748E67E7E92D}" destId="{BC65442D-44DF-4620-8A40-13295A44D16D}" srcOrd="0" destOrd="0" presId="urn:microsoft.com/office/officeart/2005/8/layout/equation2"/>
+    <dgm:cxn modelId="{4D6C58F3-1799-4049-92B6-7E30520F5029}" type="presParOf" srcId="{D0D63A4F-67D0-41BC-92DD-748E67E7E92D}" destId="{6064ED54-F6EA-47BB-8896-E1B45CF41D2C}" srcOrd="1" destOrd="0" presId="urn:microsoft.com/office/officeart/2005/8/layout/equation2"/>
+    <dgm:cxn modelId="{B2E611BC-0814-4BC3-B647-432CD4EB3860}" type="presParOf" srcId="{D0D63A4F-67D0-41BC-92DD-748E67E7E92D}" destId="{59A8DC76-7F93-48D5-A2F6-17A196C0FB90}" srcOrd="2" destOrd="0" presId="urn:microsoft.com/office/officeart/2005/8/layout/equation2"/>
+    <dgm:cxn modelId="{88C0EECF-A51A-4FC9-A8BC-E381D1DC6ADC}" type="presParOf" srcId="{D0D63A4F-67D0-41BC-92DD-748E67E7E92D}" destId="{D3EA03CA-3A9E-4774-8C7B-430E8DA00D1B}" srcOrd="3" destOrd="0" presId="urn:microsoft.com/office/officeart/2005/8/layout/equation2"/>
+    <dgm:cxn modelId="{E1DD49A4-2213-4540-8C86-7BCEFE8CB683}" type="presParOf" srcId="{D0D63A4F-67D0-41BC-92DD-748E67E7E92D}" destId="{D7B04BA0-6A10-459B-B48E-C289148EB823}" srcOrd="4" destOrd="0" presId="urn:microsoft.com/office/officeart/2005/8/layout/equation2"/>
+    <dgm:cxn modelId="{14B37539-4E1D-4A41-91F8-DE4A1027D0B3}" type="presParOf" srcId="{DD21E310-57D9-4863-9C99-CCC833384094}" destId="{07CEE257-576C-4C76-900C-9A3F501047BE}" srcOrd="1" destOrd="0" presId="urn:microsoft.com/office/officeart/2005/8/layout/equation2"/>
+    <dgm:cxn modelId="{B9692788-D447-490F-9F50-51031C967284}" type="presParOf" srcId="{07CEE257-576C-4C76-900C-9A3F501047BE}" destId="{9453DD1B-0318-4608-9146-183924719612}" srcOrd="0" destOrd="0" presId="urn:microsoft.com/office/officeart/2005/8/layout/equation2"/>
+    <dgm:cxn modelId="{3C27452F-4FAA-486B-9572-F5F864461FFD}" type="presParOf" srcId="{DD21E310-57D9-4863-9C99-CCC833384094}" destId="{9A5957BD-EEED-41A1-854C-F45C427989BA}" srcOrd="2" destOrd="0" presId="urn:microsoft.com/office/officeart/2005/8/layout/equation2"/>
   </dgm:cxnLst>
   <dgm:bg/>
   <dgm:whole/>
@@ -3402,6 +4532,519 @@
 </dsp:drawing>
 </file>
 
+<file path=ppt/diagrams/drawing3.xml><?xml version="1.0" encoding="utf-8"?>
+<dsp:drawing xmlns:dgm="http://schemas.openxmlformats.org/drawingml/2006/diagram" xmlns:dsp="http://schemas.microsoft.com/office/drawing/2008/diagram" xmlns:a="http://schemas.openxmlformats.org/drawingml/2006/main">
+  <dsp:spTree>
+    <dsp:nvGrpSpPr>
+      <dsp:cNvPr id="0" name=""/>
+      <dsp:cNvGrpSpPr/>
+    </dsp:nvGrpSpPr>
+    <dsp:grpSpPr/>
+    <dsp:sp modelId="{BC65442D-44DF-4620-8A40-13295A44D16D}">
+      <dsp:nvSpPr>
+        <dsp:cNvPr id="0" name=""/>
+        <dsp:cNvSpPr/>
+      </dsp:nvSpPr>
+      <dsp:spPr>
+        <a:xfrm>
+          <a:off x="562321" y="1620"/>
+          <a:ext cx="1527152" cy="1124195"/>
+        </a:xfrm>
+        <a:prstGeom prst="flowChartMultidocument">
+          <a:avLst/>
+        </a:prstGeom>
+        <a:gradFill rotWithShape="0">
+          <a:gsLst>
+            <a:gs pos="0">
+              <a:schemeClr val="accent2">
+                <a:hueOff val="0"/>
+                <a:satOff val="0"/>
+                <a:lumOff val="0"/>
+                <a:alphaOff val="0"/>
+                <a:shade val="51000"/>
+                <a:satMod val="130000"/>
+              </a:schemeClr>
+            </a:gs>
+            <a:gs pos="80000">
+              <a:schemeClr val="accent2">
+                <a:hueOff val="0"/>
+                <a:satOff val="0"/>
+                <a:lumOff val="0"/>
+                <a:alphaOff val="0"/>
+                <a:shade val="93000"/>
+                <a:satMod val="130000"/>
+              </a:schemeClr>
+            </a:gs>
+            <a:gs pos="100000">
+              <a:schemeClr val="accent2">
+                <a:hueOff val="0"/>
+                <a:satOff val="0"/>
+                <a:lumOff val="0"/>
+                <a:alphaOff val="0"/>
+                <a:shade val="94000"/>
+                <a:satMod val="135000"/>
+              </a:schemeClr>
+            </a:gs>
+          </a:gsLst>
+          <a:lin ang="16200000" scaled="0"/>
+        </a:gradFill>
+        <a:ln>
+          <a:noFill/>
+        </a:ln>
+        <a:effectLst>
+          <a:outerShdw blurRad="40000" dist="23000" dir="5400000" rotWithShape="0">
+            <a:srgbClr val="000000">
+              <a:alpha val="35000"/>
+            </a:srgbClr>
+          </a:outerShdw>
+        </a:effectLst>
+      </dsp:spPr>
+      <dsp:style>
+        <a:lnRef idx="0">
+          <a:scrgbClr r="0" g="0" b="0"/>
+        </a:lnRef>
+        <a:fillRef idx="3">
+          <a:scrgbClr r="0" g="0" b="0"/>
+        </a:fillRef>
+        <a:effectRef idx="2">
+          <a:scrgbClr r="0" g="0" b="0"/>
+        </a:effectRef>
+        <a:fontRef idx="minor">
+          <a:schemeClr val="lt1"/>
+        </a:fontRef>
+      </dsp:style>
+      <dsp:txBody>
+        <a:bodyPr spcFirstLastPara="0" vert="horz" wrap="square" lIns="22860" tIns="22860" rIns="22860" bIns="22860" numCol="1" spcCol="1270" anchor="ctr" anchorCtr="0">
+          <a:noAutofit/>
+        </a:bodyPr>
+        <a:lstStyle/>
+        <a:p>
+          <a:pPr lvl="0" algn="ctr" defTabSz="800100">
+            <a:lnSpc>
+              <a:spcPct val="90000"/>
+            </a:lnSpc>
+            <a:spcBef>
+              <a:spcPct val="0"/>
+            </a:spcBef>
+            <a:spcAft>
+              <a:spcPct val="35000"/>
+            </a:spcAft>
+          </a:pPr>
+          <a:r>
+            <a:rPr lang="zh-CN" altLang="en-US" sz="1800" kern="1200" dirty="0" smtClean="0"/>
+            <a:t>原始数据文件</a:t>
+          </a:r>
+          <a:endParaRPr lang="zh-CN" altLang="en-US" sz="1800" kern="1200" dirty="0"/>
+        </a:p>
+      </dsp:txBody>
+      <dsp:txXfrm>
+        <a:off x="562321" y="192889"/>
+        <a:ext cx="1314694" cy="890352"/>
+      </dsp:txXfrm>
+    </dsp:sp>
+    <dsp:sp modelId="{59A8DC76-7F93-48D5-A2F6-17A196C0FB90}">
+      <dsp:nvSpPr>
+        <dsp:cNvPr id="0" name=""/>
+        <dsp:cNvSpPr/>
+      </dsp:nvSpPr>
+      <dsp:spPr>
+        <a:xfrm>
+          <a:off x="999880" y="1217100"/>
+          <a:ext cx="652033" cy="652033"/>
+        </a:xfrm>
+        <a:prstGeom prst="mathPlus">
+          <a:avLst/>
+        </a:prstGeom>
+        <a:gradFill rotWithShape="0">
+          <a:gsLst>
+            <a:gs pos="0">
+              <a:schemeClr val="accent2">
+                <a:hueOff val="0"/>
+                <a:satOff val="0"/>
+                <a:lumOff val="0"/>
+                <a:alphaOff val="0"/>
+                <a:shade val="51000"/>
+                <a:satMod val="130000"/>
+              </a:schemeClr>
+            </a:gs>
+            <a:gs pos="80000">
+              <a:schemeClr val="accent2">
+                <a:hueOff val="0"/>
+                <a:satOff val="0"/>
+                <a:lumOff val="0"/>
+                <a:alphaOff val="0"/>
+                <a:shade val="93000"/>
+                <a:satMod val="130000"/>
+              </a:schemeClr>
+            </a:gs>
+            <a:gs pos="100000">
+              <a:schemeClr val="accent2">
+                <a:hueOff val="0"/>
+                <a:satOff val="0"/>
+                <a:lumOff val="0"/>
+                <a:alphaOff val="0"/>
+                <a:shade val="94000"/>
+                <a:satMod val="135000"/>
+              </a:schemeClr>
+            </a:gs>
+          </a:gsLst>
+          <a:lin ang="16200000" scaled="0"/>
+        </a:gradFill>
+        <a:ln>
+          <a:noFill/>
+        </a:ln>
+        <a:effectLst>
+          <a:outerShdw blurRad="40000" dist="23000" dir="5400000" rotWithShape="0">
+            <a:srgbClr val="000000">
+              <a:alpha val="35000"/>
+            </a:srgbClr>
+          </a:outerShdw>
+        </a:effectLst>
+      </dsp:spPr>
+      <dsp:style>
+        <a:lnRef idx="0">
+          <a:scrgbClr r="0" g="0" b="0"/>
+        </a:lnRef>
+        <a:fillRef idx="3">
+          <a:scrgbClr r="0" g="0" b="0"/>
+        </a:fillRef>
+        <a:effectRef idx="2">
+          <a:scrgbClr r="0" g="0" b="0"/>
+        </a:effectRef>
+        <a:fontRef idx="minor">
+          <a:schemeClr val="lt1"/>
+        </a:fontRef>
+      </dsp:style>
+      <dsp:txBody>
+        <a:bodyPr spcFirstLastPara="0" vert="horz" wrap="square" lIns="0" tIns="0" rIns="0" bIns="0" numCol="1" spcCol="1270" anchor="ctr" anchorCtr="0">
+          <a:noAutofit/>
+        </a:bodyPr>
+        <a:lstStyle/>
+        <a:p>
+          <a:pPr lvl="0" algn="ctr" defTabSz="444500">
+            <a:lnSpc>
+              <a:spcPct val="90000"/>
+            </a:lnSpc>
+            <a:spcBef>
+              <a:spcPct val="0"/>
+            </a:spcBef>
+            <a:spcAft>
+              <a:spcPct val="35000"/>
+            </a:spcAft>
+          </a:pPr>
+          <a:endParaRPr lang="zh-CN" altLang="en-US" sz="1000" kern="1200"/>
+        </a:p>
+      </dsp:txBody>
+      <dsp:txXfrm>
+        <a:off x="1086307" y="1466437"/>
+        <a:ext cx="479179" cy="153359"/>
+      </dsp:txXfrm>
+    </dsp:sp>
+    <dsp:sp modelId="{D7B04BA0-6A10-459B-B48E-C289148EB823}">
+      <dsp:nvSpPr>
+        <dsp:cNvPr id="0" name=""/>
+        <dsp:cNvSpPr/>
+      </dsp:nvSpPr>
+      <dsp:spPr>
+        <a:xfrm>
+          <a:off x="763799" y="1960418"/>
+          <a:ext cx="1124195" cy="1124195"/>
+        </a:xfrm>
+        <a:prstGeom prst="ellipse">
+          <a:avLst/>
+        </a:prstGeom>
+        <a:gradFill rotWithShape="0">
+          <a:gsLst>
+            <a:gs pos="0">
+              <a:schemeClr val="accent3">
+                <a:hueOff val="0"/>
+                <a:satOff val="0"/>
+                <a:lumOff val="0"/>
+                <a:alphaOff val="0"/>
+                <a:shade val="51000"/>
+                <a:satMod val="130000"/>
+              </a:schemeClr>
+            </a:gs>
+            <a:gs pos="80000">
+              <a:schemeClr val="accent3">
+                <a:hueOff val="0"/>
+                <a:satOff val="0"/>
+                <a:lumOff val="0"/>
+                <a:alphaOff val="0"/>
+                <a:shade val="93000"/>
+                <a:satMod val="130000"/>
+              </a:schemeClr>
+            </a:gs>
+            <a:gs pos="100000">
+              <a:schemeClr val="accent3">
+                <a:hueOff val="0"/>
+                <a:satOff val="0"/>
+                <a:lumOff val="0"/>
+                <a:alphaOff val="0"/>
+                <a:shade val="94000"/>
+                <a:satMod val="135000"/>
+              </a:schemeClr>
+            </a:gs>
+          </a:gsLst>
+          <a:lin ang="16200000" scaled="0"/>
+        </a:gradFill>
+        <a:ln>
+          <a:noFill/>
+        </a:ln>
+        <a:effectLst>
+          <a:outerShdw blurRad="40000" dist="23000" dir="5400000" rotWithShape="0">
+            <a:srgbClr val="000000">
+              <a:alpha val="35000"/>
+            </a:srgbClr>
+          </a:outerShdw>
+        </a:effectLst>
+      </dsp:spPr>
+      <dsp:style>
+        <a:lnRef idx="0">
+          <a:scrgbClr r="0" g="0" b="0"/>
+        </a:lnRef>
+        <a:fillRef idx="3">
+          <a:scrgbClr r="0" g="0" b="0"/>
+        </a:fillRef>
+        <a:effectRef idx="2">
+          <a:scrgbClr r="0" g="0" b="0"/>
+        </a:effectRef>
+        <a:fontRef idx="minor">
+          <a:schemeClr val="lt1"/>
+        </a:fontRef>
+      </dsp:style>
+      <dsp:txBody>
+        <a:bodyPr spcFirstLastPara="0" vert="horz" wrap="square" lIns="24130" tIns="24130" rIns="24130" bIns="24130" numCol="1" spcCol="1270" anchor="ctr" anchorCtr="0">
+          <a:noAutofit/>
+        </a:bodyPr>
+        <a:lstStyle/>
+        <a:p>
+          <a:pPr lvl="0" algn="ctr" defTabSz="844550">
+            <a:lnSpc>
+              <a:spcPct val="90000"/>
+            </a:lnSpc>
+            <a:spcBef>
+              <a:spcPct val="0"/>
+            </a:spcBef>
+            <a:spcAft>
+              <a:spcPct val="35000"/>
+            </a:spcAft>
+          </a:pPr>
+          <a:r>
+            <a:rPr lang="zh-CN" altLang="en-US" sz="1900" kern="1200" dirty="0" smtClean="0"/>
+            <a:t>标准品数据库</a:t>
+          </a:r>
+          <a:endParaRPr lang="zh-CN" altLang="en-US" sz="1900" kern="1200" dirty="0"/>
+        </a:p>
+      </dsp:txBody>
+      <dsp:txXfrm>
+        <a:off x="928434" y="2125053"/>
+        <a:ext cx="794925" cy="794925"/>
+      </dsp:txXfrm>
+    </dsp:sp>
+    <dsp:sp modelId="{07CEE257-576C-4C76-900C-9A3F501047BE}">
+      <dsp:nvSpPr>
+        <dsp:cNvPr id="0" name=""/>
+        <dsp:cNvSpPr/>
+      </dsp:nvSpPr>
+      <dsp:spPr>
+        <a:xfrm>
+          <a:off x="2258102" y="1334016"/>
+          <a:ext cx="357494" cy="418200"/>
+        </a:xfrm>
+        <a:prstGeom prst="rightArrow">
+          <a:avLst>
+            <a:gd name="adj1" fmla="val 60000"/>
+            <a:gd name="adj2" fmla="val 50000"/>
+          </a:avLst>
+        </a:prstGeom>
+        <a:gradFill rotWithShape="0">
+          <a:gsLst>
+            <a:gs pos="0">
+              <a:schemeClr val="accent3">
+                <a:hueOff val="0"/>
+                <a:satOff val="0"/>
+                <a:lumOff val="0"/>
+                <a:alphaOff val="0"/>
+                <a:shade val="51000"/>
+                <a:satMod val="130000"/>
+              </a:schemeClr>
+            </a:gs>
+            <a:gs pos="80000">
+              <a:schemeClr val="accent3">
+                <a:hueOff val="0"/>
+                <a:satOff val="0"/>
+                <a:lumOff val="0"/>
+                <a:alphaOff val="0"/>
+                <a:shade val="93000"/>
+                <a:satMod val="130000"/>
+              </a:schemeClr>
+            </a:gs>
+            <a:gs pos="100000">
+              <a:schemeClr val="accent3">
+                <a:hueOff val="0"/>
+                <a:satOff val="0"/>
+                <a:lumOff val="0"/>
+                <a:alphaOff val="0"/>
+                <a:shade val="94000"/>
+                <a:satMod val="135000"/>
+              </a:schemeClr>
+            </a:gs>
+          </a:gsLst>
+          <a:lin ang="16200000" scaled="0"/>
+        </a:gradFill>
+        <a:ln>
+          <a:noFill/>
+        </a:ln>
+        <a:effectLst>
+          <a:outerShdw blurRad="40000" dist="23000" dir="5400000" rotWithShape="0">
+            <a:srgbClr val="000000">
+              <a:alpha val="35000"/>
+            </a:srgbClr>
+          </a:outerShdw>
+        </a:effectLst>
+      </dsp:spPr>
+      <dsp:style>
+        <a:lnRef idx="0">
+          <a:scrgbClr r="0" g="0" b="0"/>
+        </a:lnRef>
+        <a:fillRef idx="3">
+          <a:scrgbClr r="0" g="0" b="0"/>
+        </a:fillRef>
+        <a:effectRef idx="2">
+          <a:scrgbClr r="0" g="0" b="0"/>
+        </a:effectRef>
+        <a:fontRef idx="minor">
+          <a:schemeClr val="lt1"/>
+        </a:fontRef>
+      </dsp:style>
+      <dsp:txBody>
+        <a:bodyPr spcFirstLastPara="0" vert="horz" wrap="square" lIns="0" tIns="0" rIns="0" bIns="0" numCol="1" spcCol="1270" anchor="ctr" anchorCtr="0">
+          <a:noAutofit/>
+        </a:bodyPr>
+        <a:lstStyle/>
+        <a:p>
+          <a:pPr lvl="0" algn="ctr" defTabSz="666750">
+            <a:lnSpc>
+              <a:spcPct val="90000"/>
+            </a:lnSpc>
+            <a:spcBef>
+              <a:spcPct val="0"/>
+            </a:spcBef>
+            <a:spcAft>
+              <a:spcPct val="35000"/>
+            </a:spcAft>
+          </a:pPr>
+          <a:endParaRPr lang="zh-CN" altLang="en-US" sz="1500" kern="1200"/>
+        </a:p>
+      </dsp:txBody>
+      <dsp:txXfrm>
+        <a:off x="2258102" y="1417656"/>
+        <a:ext cx="250246" cy="250920"/>
+      </dsp:txXfrm>
+    </dsp:sp>
+    <dsp:sp modelId="{9A5957BD-EEED-41A1-854C-F45C427989BA}">
+      <dsp:nvSpPr>
+        <dsp:cNvPr id="0" name=""/>
+        <dsp:cNvSpPr/>
+      </dsp:nvSpPr>
+      <dsp:spPr>
+        <a:xfrm>
+          <a:off x="2763990" y="418921"/>
+          <a:ext cx="2248390" cy="2248390"/>
+        </a:xfrm>
+        <a:prstGeom prst="ellipse">
+          <a:avLst/>
+        </a:prstGeom>
+        <a:gradFill rotWithShape="0">
+          <a:gsLst>
+            <a:gs pos="0">
+              <a:schemeClr val="accent4">
+                <a:hueOff val="0"/>
+                <a:satOff val="0"/>
+                <a:lumOff val="0"/>
+                <a:alphaOff val="0"/>
+                <a:shade val="51000"/>
+                <a:satMod val="130000"/>
+              </a:schemeClr>
+            </a:gs>
+            <a:gs pos="80000">
+              <a:schemeClr val="accent4">
+                <a:hueOff val="0"/>
+                <a:satOff val="0"/>
+                <a:lumOff val="0"/>
+                <a:alphaOff val="0"/>
+                <a:shade val="93000"/>
+                <a:satMod val="130000"/>
+              </a:schemeClr>
+            </a:gs>
+            <a:gs pos="100000">
+              <a:schemeClr val="accent4">
+                <a:hueOff val="0"/>
+                <a:satOff val="0"/>
+                <a:lumOff val="0"/>
+                <a:alphaOff val="0"/>
+                <a:shade val="94000"/>
+                <a:satMod val="135000"/>
+              </a:schemeClr>
+            </a:gs>
+          </a:gsLst>
+          <a:lin ang="16200000" scaled="0"/>
+        </a:gradFill>
+        <a:ln>
+          <a:noFill/>
+        </a:ln>
+        <a:effectLst>
+          <a:outerShdw blurRad="40000" dist="23000" dir="5400000" rotWithShape="0">
+            <a:srgbClr val="000000">
+              <a:alpha val="35000"/>
+            </a:srgbClr>
+          </a:outerShdw>
+        </a:effectLst>
+      </dsp:spPr>
+      <dsp:style>
+        <a:lnRef idx="0">
+          <a:scrgbClr r="0" g="0" b="0"/>
+        </a:lnRef>
+        <a:fillRef idx="3">
+          <a:scrgbClr r="0" g="0" b="0"/>
+        </a:fillRef>
+        <a:effectRef idx="2">
+          <a:scrgbClr r="0" g="0" b="0"/>
+        </a:effectRef>
+        <a:fontRef idx="minor">
+          <a:schemeClr val="lt1"/>
+        </a:fontRef>
+      </dsp:style>
+      <dsp:txBody>
+        <a:bodyPr spcFirstLastPara="0" vert="horz" wrap="square" lIns="62230" tIns="62230" rIns="62230" bIns="62230" numCol="1" spcCol="1270" anchor="ctr" anchorCtr="0">
+          <a:noAutofit/>
+        </a:bodyPr>
+        <a:lstStyle/>
+        <a:p>
+          <a:pPr lvl="0" algn="ctr" defTabSz="2178050">
+            <a:lnSpc>
+              <a:spcPct val="90000"/>
+            </a:lnSpc>
+            <a:spcBef>
+              <a:spcPct val="0"/>
+            </a:spcBef>
+            <a:spcAft>
+              <a:spcPct val="35000"/>
+            </a:spcAft>
+          </a:pPr>
+          <a:endParaRPr lang="zh-CN" altLang="en-US" sz="4900" kern="1200" dirty="0"/>
+        </a:p>
+      </dsp:txBody>
+      <dsp:txXfrm>
+        <a:off x="3093259" y="748190"/>
+        <a:ext cx="1589852" cy="1589852"/>
+      </dsp:txXfrm>
+    </dsp:sp>
+  </dsp:spTree>
+</dsp:drawing>
+</file>
+
 <file path=ppt/diagrams/layout1.xml><?xml version="1.0" encoding="utf-8"?>
 <dgm:layoutDef xmlns:dgm="http://schemas.openxmlformats.org/drawingml/2006/diagram" xmlns:a="http://schemas.openxmlformats.org/drawingml/2006/main" uniqueId="urn:microsoft.com/office/officeart/2005/8/layout/equation2">
   <dgm:title val=""/>
@@ -3813,6 +5456,271 @@
 </dgm:layoutDef>
 </file>
 
+<file path=ppt/diagrams/layout3.xml><?xml version="1.0" encoding="utf-8"?>
+<dgm:layoutDef xmlns:dgm="http://schemas.openxmlformats.org/drawingml/2006/diagram" xmlns:a="http://schemas.openxmlformats.org/drawingml/2006/main" uniqueId="urn:microsoft.com/office/officeart/2005/8/layout/equation2">
+  <dgm:title val=""/>
+  <dgm:desc val=""/>
+  <dgm:catLst>
+    <dgm:cat type="relationship" pri="18000"/>
+    <dgm:cat type="process" pri="26000"/>
+  </dgm:catLst>
+  <dgm:sampData useDef="1">
+    <dgm:dataModel>
+      <dgm:ptLst/>
+      <dgm:bg/>
+      <dgm:whole/>
+    </dgm:dataModel>
+  </dgm:sampData>
+  <dgm:styleData>
+    <dgm:dataModel>
+      <dgm:ptLst>
+        <dgm:pt modelId="0" type="doc"/>
+        <dgm:pt modelId="1"/>
+        <dgm:pt modelId="2"/>
+      </dgm:ptLst>
+      <dgm:cxnLst>
+        <dgm:cxn modelId="3" srcId="0" destId="1" srcOrd="0" destOrd="0"/>
+        <dgm:cxn modelId="4" srcId="0" destId="2" srcOrd="1" destOrd="0"/>
+      </dgm:cxnLst>
+      <dgm:bg/>
+      <dgm:whole/>
+    </dgm:dataModel>
+  </dgm:styleData>
+  <dgm:clrData>
+    <dgm:dataModel>
+      <dgm:ptLst>
+        <dgm:pt modelId="0" type="doc"/>
+        <dgm:pt modelId="1"/>
+        <dgm:pt modelId="2"/>
+        <dgm:pt modelId="3"/>
+        <dgm:pt modelId="4"/>
+      </dgm:ptLst>
+      <dgm:cxnLst>
+        <dgm:cxn modelId="5" srcId="0" destId="1" srcOrd="0" destOrd="0"/>
+        <dgm:cxn modelId="6" srcId="0" destId="2" srcOrd="1" destOrd="0"/>
+        <dgm:cxn modelId="7" srcId="0" destId="3" srcOrd="2" destOrd="0"/>
+        <dgm:cxn modelId="8" srcId="0" destId="4" srcOrd="3" destOrd="0"/>
+      </dgm:cxnLst>
+      <dgm:bg/>
+      <dgm:whole/>
+    </dgm:dataModel>
+  </dgm:clrData>
+  <dgm:layoutNode name="Name0">
+    <dgm:varLst>
+      <dgm:dir/>
+      <dgm:resizeHandles val="exact"/>
+    </dgm:varLst>
+    <dgm:choose name="Name1">
+      <dgm:if name="Name2" func="var" arg="dir" op="equ" val="norm">
+        <dgm:alg type="lin">
+          <dgm:param type="linDir" val="fromL"/>
+          <dgm:param type="fallback" val="2D"/>
+        </dgm:alg>
+      </dgm:if>
+      <dgm:else name="Name3">
+        <dgm:alg type="lin">
+          <dgm:param type="linDir" val="fromR"/>
+          <dgm:param type="fallback" val="2D"/>
+        </dgm:alg>
+      </dgm:else>
+    </dgm:choose>
+    <dgm:shape xmlns:r="http://schemas.openxmlformats.org/officeDocument/2006/relationships" r:blip="">
+      <dgm:adjLst/>
+    </dgm:shape>
+    <dgm:presOf/>
+    <dgm:choose name="Name4">
+      <dgm:if name="Name5" axis="ch" ptType="node" func="cnt" op="gte" val="3">
+        <dgm:constrLst>
+          <dgm:constr type="h" for="des" forName="node" refType="w" fact="0.5"/>
+          <dgm:constr type="w" for="ch" forName="lastNode" refType="w"/>
+          <dgm:constr type="w" for="des" forName="node" refType="h" refFor="des" refForName="node"/>
+          <dgm:constr type="w" for="ch" forName="sibTransLast" refType="h" refFor="des" refForName="node" fact="0.6"/>
+          <dgm:constr type="h" for="des" forName="sibTrans" refType="h" refFor="des" refForName="node" op="equ" fact="0.58"/>
+          <dgm:constr type="w" for="des" forName="sibTrans" refType="h" refFor="des" refForName="sibTrans" op="equ"/>
+          <dgm:constr type="primFontSz" for="ch" forName="lastNode" op="equ" val="65"/>
+          <dgm:constr type="primFontSz" for="des" forName="node" op="equ" val="65"/>
+          <dgm:constr type="primFontSz" for="des" forName="sibTrans" val="55"/>
+          <dgm:constr type="primFontSz" for="des" forName="sibTrans" refType="primFontSz" refFor="des" refForName="node" op="lte" fact="0.8"/>
+          <dgm:constr type="primFontSz" for="des" forName="connectorText" refType="primFontSz" refFor="des" refForName="node" op="lte" fact="0.8"/>
+          <dgm:constr type="primFontSz" for="des" forName="connectorText" refType="primFontSz" refFor="des" refForName="sibTrans" op="equ"/>
+          <dgm:constr type="h" for="des" forName="spacerT" refType="h" refFor="des" refForName="sibTrans" fact="0.14"/>
+          <dgm:constr type="h" for="des" forName="spacerB" refType="h" refFor="des" refForName="sibTrans" fact="0.14"/>
+        </dgm:constrLst>
+      </dgm:if>
+      <dgm:else name="Name6">
+        <dgm:constrLst>
+          <dgm:constr type="h" for="des" forName="node" refType="w"/>
+          <dgm:constr type="w" for="ch" forName="lastNode" refType="w"/>
+          <dgm:constr type="w" for="des" forName="node" refType="h" refFor="des" refForName="node"/>
+          <dgm:constr type="w" for="ch" forName="sibTransLast" refType="h" refFor="des" refForName="node" fact="0.6"/>
+          <dgm:constr type="h" for="des" forName="sibTrans" refType="h" refFor="des" refForName="node" op="equ" fact="0.58"/>
+          <dgm:constr type="w" for="des" forName="sibTrans" refType="h" refFor="des" refForName="sibTrans" op="equ"/>
+          <dgm:constr type="primFontSz" for="des" forName="node" val="65"/>
+          <dgm:constr type="primFontSz" for="ch" forName="lastNode" refType="primFontSz" refFor="des" refForName="node" op="equ"/>
+          <dgm:constr type="primFontSz" for="des" forName="sibTrans" val="55"/>
+          <dgm:constr type="primFontSz" for="des" forName="connectorText" refType="primFontSz" refFor="des" refForName="node" op="lte" fact="0.8"/>
+          <dgm:constr type="primFontSz" for="des" forName="connectorText" refType="primFontSz" refFor="des" refForName="sibTrans" op="equ"/>
+          <dgm:constr type="h" for="des" forName="spacerT" refType="h" refFor="des" refForName="sibTrans" fact="0.14"/>
+          <dgm:constr type="h" for="des" forName="spacerB" refType="h" refFor="des" refForName="sibTrans" fact="0.14"/>
+        </dgm:constrLst>
+      </dgm:else>
+    </dgm:choose>
+    <dgm:ruleLst/>
+    <dgm:choose name="Name7">
+      <dgm:if name="Name8" axis="ch" ptType="node" func="cnt" op="gte" val="1">
+        <dgm:layoutNode name="vNodes">
+          <dgm:alg type="lin">
+            <dgm:param type="linDir" val="fromT"/>
+            <dgm:param type="fallback" val="2D"/>
+          </dgm:alg>
+          <dgm:shape xmlns:r="http://schemas.openxmlformats.org/officeDocument/2006/relationships" r:blip="">
+            <dgm:adjLst/>
+          </dgm:shape>
+          <dgm:presOf/>
+          <dgm:constrLst/>
+          <dgm:ruleLst/>
+          <dgm:forEach name="Name9" axis="ch" ptType="node">
+            <dgm:choose name="Name10">
+              <dgm:if name="Name11" axis="self" func="revPos" op="neq" val="1">
+                <dgm:layoutNode name="node">
+                  <dgm:varLst>
+                    <dgm:bulletEnabled val="1"/>
+                  </dgm:varLst>
+                  <dgm:alg type="tx">
+                    <dgm:param type="txAnchorVertCh" val="mid"/>
+                  </dgm:alg>
+                  <dgm:shape xmlns:r="http://schemas.openxmlformats.org/officeDocument/2006/relationships" type="ellipse" r:blip="">
+                    <dgm:adjLst/>
+                  </dgm:shape>
+                  <dgm:presOf axis="desOrSelf" ptType="node"/>
+                  <dgm:constrLst>
+                    <dgm:constr type="tMarg" refType="primFontSz" fact="0.1"/>
+                    <dgm:constr type="bMarg" refType="primFontSz" fact="0.1"/>
+                    <dgm:constr type="lMarg" refType="primFontSz" fact="0.1"/>
+                    <dgm:constr type="rMarg" refType="primFontSz" fact="0.1"/>
+                  </dgm:constrLst>
+                  <dgm:ruleLst>
+                    <dgm:rule type="primFontSz" val="5" fact="NaN" max="NaN"/>
+                  </dgm:ruleLst>
+                </dgm:layoutNode>
+                <dgm:choose name="Name12">
+                  <dgm:if name="Name13" axis="self" ptType="node" func="revPos" op="gt" val="2">
+                    <dgm:forEach name="sibTransForEach" axis="followSib" ptType="sibTrans" cnt="1">
+                      <dgm:layoutNode name="spacerT">
+                        <dgm:alg type="sp"/>
+                        <dgm:shape xmlns:r="http://schemas.openxmlformats.org/officeDocument/2006/relationships" r:blip="">
+                          <dgm:adjLst/>
+                        </dgm:shape>
+                        <dgm:presOf axis="self"/>
+                        <dgm:constrLst/>
+                        <dgm:ruleLst/>
+                      </dgm:layoutNode>
+                      <dgm:layoutNode name="sibTrans">
+                        <dgm:alg type="tx"/>
+                        <dgm:shape xmlns:r="http://schemas.openxmlformats.org/officeDocument/2006/relationships" type="mathPlus" r:blip="">
+                          <dgm:adjLst/>
+                        </dgm:shape>
+                        <dgm:presOf axis="self"/>
+                        <dgm:constrLst>
+                          <dgm:constr type="h" refType="w"/>
+                          <dgm:constr type="lMarg"/>
+                          <dgm:constr type="rMarg"/>
+                          <dgm:constr type="tMarg"/>
+                          <dgm:constr type="bMarg"/>
+                        </dgm:constrLst>
+                        <dgm:ruleLst>
+                          <dgm:rule type="primFontSz" val="5" fact="NaN" max="NaN"/>
+                        </dgm:ruleLst>
+                      </dgm:layoutNode>
+                      <dgm:layoutNode name="spacerB">
+                        <dgm:alg type="sp"/>
+                        <dgm:shape xmlns:r="http://schemas.openxmlformats.org/officeDocument/2006/relationships" r:blip="">
+                          <dgm:adjLst/>
+                        </dgm:shape>
+                        <dgm:presOf axis="self"/>
+                        <dgm:constrLst/>
+                        <dgm:ruleLst/>
+                      </dgm:layoutNode>
+                    </dgm:forEach>
+                  </dgm:if>
+                  <dgm:else name="Name14"/>
+                </dgm:choose>
+              </dgm:if>
+              <dgm:else name="Name15"/>
+            </dgm:choose>
+          </dgm:forEach>
+        </dgm:layoutNode>
+        <dgm:choose name="Name16">
+          <dgm:if name="Name17" axis="ch" ptType="node" func="cnt" op="gt" val="1">
+            <dgm:layoutNode name="sibTransLast">
+              <dgm:alg type="conn">
+                <dgm:param type="begPts" val="auto"/>
+                <dgm:param type="endPts" val="auto"/>
+                <dgm:param type="srcNode" val="vNodes"/>
+                <dgm:param type="dstNode" val="lastNode"/>
+              </dgm:alg>
+              <dgm:shape xmlns:r="http://schemas.openxmlformats.org/officeDocument/2006/relationships" type="conn" r:blip="">
+                <dgm:adjLst/>
+              </dgm:shape>
+              <dgm:presOf axis="ch" ptType="sibTrans" st="-1" cnt="1"/>
+              <dgm:constrLst>
+                <dgm:constr type="h" refType="w" fact="0.62"/>
+                <dgm:constr type="connDist"/>
+                <dgm:constr type="begPad" refType="connDist" fact="0.25"/>
+                <dgm:constr type="endPad" refType="connDist" fact="0.22"/>
+              </dgm:constrLst>
+              <dgm:ruleLst/>
+              <dgm:layoutNode name="connectorText">
+                <dgm:alg type="tx">
+                  <dgm:param type="autoTxRot" val="grav"/>
+                </dgm:alg>
+                <dgm:shape xmlns:r="http://schemas.openxmlformats.org/officeDocument/2006/relationships" type="conn" r:blip="" hideGeom="1">
+                  <dgm:adjLst/>
+                </dgm:shape>
+                <dgm:presOf axis="ch desOrSelf" ptType="sibTrans sibTrans" st="-1 1" cnt="1 0"/>
+                <dgm:constrLst>
+                  <dgm:constr type="lMarg"/>
+                  <dgm:constr type="rMarg"/>
+                  <dgm:constr type="tMarg"/>
+                  <dgm:constr type="bMarg"/>
+                </dgm:constrLst>
+                <dgm:ruleLst>
+                  <dgm:rule type="primFontSz" val="5" fact="NaN" max="NaN"/>
+                </dgm:ruleLst>
+              </dgm:layoutNode>
+            </dgm:layoutNode>
+          </dgm:if>
+          <dgm:else name="Name18"/>
+        </dgm:choose>
+        <dgm:layoutNode name="lastNode">
+          <dgm:varLst>
+            <dgm:bulletEnabled val="1"/>
+          </dgm:varLst>
+          <dgm:alg type="tx">
+            <dgm:param type="txAnchorVertCh" val="mid"/>
+          </dgm:alg>
+          <dgm:shape xmlns:r="http://schemas.openxmlformats.org/officeDocument/2006/relationships" type="ellipse" r:blip="">
+            <dgm:adjLst/>
+          </dgm:shape>
+          <dgm:presOf axis="ch desOrSelf" ptType="node node" st="-1 1" cnt="1 0"/>
+          <dgm:constrLst>
+            <dgm:constr type="h" refType="w"/>
+            <dgm:constr type="tMarg" refType="primFontSz" fact="0.1"/>
+            <dgm:constr type="bMarg" refType="primFontSz" fact="0.1"/>
+            <dgm:constr type="lMarg" refType="primFontSz" fact="0.1"/>
+            <dgm:constr type="rMarg" refType="primFontSz" fact="0.1"/>
+          </dgm:constrLst>
+          <dgm:ruleLst>
+            <dgm:rule type="primFontSz" val="5" fact="NaN" max="NaN"/>
+          </dgm:ruleLst>
+        </dgm:layoutNode>
+      </dgm:if>
+      <dgm:else name="Name19"/>
+    </dgm:choose>
+  </dgm:layoutNode>
+</dgm:layoutDef>
+</file>
+
 <file path=ppt/diagrams/quickStyle1.xml><?xml version="1.0" encoding="utf-8"?>
 <dgm:styleDef xmlns:dgm="http://schemas.openxmlformats.org/drawingml/2006/diagram" xmlns:a="http://schemas.openxmlformats.org/drawingml/2006/main" uniqueId="urn:microsoft.com/office/officeart/2005/8/quickstyle/simple4">
   <dgm:title val=""/>
@@ -5853,6 +7761,1040 @@
         <a:scrgbClr r="0" g="0" b="0"/>
       </a:fillRef>
       <a:effectRef idx="0">
+        <a:scrgbClr r="0" g="0" b="0"/>
+      </a:effectRef>
+      <a:fontRef idx="minor"/>
+    </dgm:style>
+  </dgm:styleLbl>
+  <dgm:styleLbl name="revTx">
+    <dgm:scene3d>
+      <a:camera prst="orthographicFront"/>
+      <a:lightRig rig="threePt" dir="t"/>
+    </dgm:scene3d>
+    <dgm:sp3d/>
+    <dgm:txPr/>
+    <dgm:style>
+      <a:lnRef idx="0">
+        <a:scrgbClr r="0" g="0" b="0"/>
+      </a:lnRef>
+      <a:fillRef idx="0">
+        <a:scrgbClr r="0" g="0" b="0"/>
+      </a:fillRef>
+      <a:effectRef idx="0">
+        <a:scrgbClr r="0" g="0" b="0"/>
+      </a:effectRef>
+      <a:fontRef idx="minor"/>
+    </dgm:style>
+  </dgm:styleLbl>
+</dgm:styleDef>
+</file>
+
+<file path=ppt/diagrams/quickStyle3.xml><?xml version="1.0" encoding="utf-8"?>
+<dgm:styleDef xmlns:dgm="http://schemas.openxmlformats.org/drawingml/2006/diagram" xmlns:a="http://schemas.openxmlformats.org/drawingml/2006/main" uniqueId="urn:microsoft.com/office/officeart/2005/8/quickstyle/simple4">
+  <dgm:title val=""/>
+  <dgm:desc val=""/>
+  <dgm:catLst>
+    <dgm:cat type="simple" pri="10400"/>
+  </dgm:catLst>
+  <dgm:scene3d>
+    <a:camera prst="orthographicFront"/>
+    <a:lightRig rig="threePt" dir="t"/>
+  </dgm:scene3d>
+  <dgm:styleLbl name="node0">
+    <dgm:scene3d>
+      <a:camera prst="orthographicFront"/>
+      <a:lightRig rig="threePt" dir="t"/>
+    </dgm:scene3d>
+    <dgm:sp3d/>
+    <dgm:txPr/>
+    <dgm:style>
+      <a:lnRef idx="0">
+        <a:scrgbClr r="0" g="0" b="0"/>
+      </a:lnRef>
+      <a:fillRef idx="3">
+        <a:scrgbClr r="0" g="0" b="0"/>
+      </a:fillRef>
+      <a:effectRef idx="2">
+        <a:scrgbClr r="0" g="0" b="0"/>
+      </a:effectRef>
+      <a:fontRef idx="minor">
+        <a:schemeClr val="lt1"/>
+      </a:fontRef>
+    </dgm:style>
+  </dgm:styleLbl>
+  <dgm:styleLbl name="lnNode1">
+    <dgm:scene3d>
+      <a:camera prst="orthographicFront"/>
+      <a:lightRig rig="threePt" dir="t"/>
+    </dgm:scene3d>
+    <dgm:sp3d/>
+    <dgm:txPr/>
+    <dgm:style>
+      <a:lnRef idx="1">
+        <a:scrgbClr r="0" g="0" b="0"/>
+      </a:lnRef>
+      <a:fillRef idx="3">
+        <a:scrgbClr r="0" g="0" b="0"/>
+      </a:fillRef>
+      <a:effectRef idx="2">
+        <a:scrgbClr r="0" g="0" b="0"/>
+      </a:effectRef>
+      <a:fontRef idx="minor">
+        <a:schemeClr val="lt1"/>
+      </a:fontRef>
+    </dgm:style>
+  </dgm:styleLbl>
+  <dgm:styleLbl name="vennNode1">
+    <dgm:scene3d>
+      <a:camera prst="orthographicFront"/>
+      <a:lightRig rig="threePt" dir="t"/>
+    </dgm:scene3d>
+    <dgm:sp3d/>
+    <dgm:txPr/>
+    <dgm:style>
+      <a:lnRef idx="0">
+        <a:scrgbClr r="0" g="0" b="0"/>
+      </a:lnRef>
+      <a:fillRef idx="3">
+        <a:scrgbClr r="0" g="0" b="0"/>
+      </a:fillRef>
+      <a:effectRef idx="0">
+        <a:scrgbClr r="0" g="0" b="0"/>
+      </a:effectRef>
+      <a:fontRef idx="minor">
+        <a:schemeClr val="tx1"/>
+      </a:fontRef>
+    </dgm:style>
+  </dgm:styleLbl>
+  <dgm:styleLbl name="alignNode1">
+    <dgm:scene3d>
+      <a:camera prst="orthographicFront"/>
+      <a:lightRig rig="threePt" dir="t"/>
+    </dgm:scene3d>
+    <dgm:sp3d/>
+    <dgm:txPr/>
+    <dgm:style>
+      <a:lnRef idx="1">
+        <a:scrgbClr r="0" g="0" b="0"/>
+      </a:lnRef>
+      <a:fillRef idx="3">
+        <a:scrgbClr r="0" g="0" b="0"/>
+      </a:fillRef>
+      <a:effectRef idx="2">
+        <a:scrgbClr r="0" g="0" b="0"/>
+      </a:effectRef>
+      <a:fontRef idx="minor">
+        <a:schemeClr val="lt1"/>
+      </a:fontRef>
+    </dgm:style>
+  </dgm:styleLbl>
+  <dgm:styleLbl name="node1">
+    <dgm:scene3d>
+      <a:camera prst="orthographicFront"/>
+      <a:lightRig rig="threePt" dir="t"/>
+    </dgm:scene3d>
+    <dgm:sp3d/>
+    <dgm:txPr/>
+    <dgm:style>
+      <a:lnRef idx="0">
+        <a:scrgbClr r="0" g="0" b="0"/>
+      </a:lnRef>
+      <a:fillRef idx="3">
+        <a:scrgbClr r="0" g="0" b="0"/>
+      </a:fillRef>
+      <a:effectRef idx="2">
+        <a:scrgbClr r="0" g="0" b="0"/>
+      </a:effectRef>
+      <a:fontRef idx="minor">
+        <a:schemeClr val="lt1"/>
+      </a:fontRef>
+    </dgm:style>
+  </dgm:styleLbl>
+  <dgm:styleLbl name="node2">
+    <dgm:scene3d>
+      <a:camera prst="orthographicFront"/>
+      <a:lightRig rig="threePt" dir="t"/>
+    </dgm:scene3d>
+    <dgm:sp3d/>
+    <dgm:txPr/>
+    <dgm:style>
+      <a:lnRef idx="0">
+        <a:scrgbClr r="0" g="0" b="0"/>
+      </a:lnRef>
+      <a:fillRef idx="3">
+        <a:scrgbClr r="0" g="0" b="0"/>
+      </a:fillRef>
+      <a:effectRef idx="2">
+        <a:scrgbClr r="0" g="0" b="0"/>
+      </a:effectRef>
+      <a:fontRef idx="minor">
+        <a:schemeClr val="lt1"/>
+      </a:fontRef>
+    </dgm:style>
+  </dgm:styleLbl>
+  <dgm:styleLbl name="node3">
+    <dgm:scene3d>
+      <a:camera prst="orthographicFront"/>
+      <a:lightRig rig="threePt" dir="t"/>
+    </dgm:scene3d>
+    <dgm:sp3d/>
+    <dgm:txPr/>
+    <dgm:style>
+      <a:lnRef idx="0">
+        <a:scrgbClr r="0" g="0" b="0"/>
+      </a:lnRef>
+      <a:fillRef idx="3">
+        <a:scrgbClr r="0" g="0" b="0"/>
+      </a:fillRef>
+      <a:effectRef idx="2">
+        <a:scrgbClr r="0" g="0" b="0"/>
+      </a:effectRef>
+      <a:fontRef idx="minor">
+        <a:schemeClr val="lt1"/>
+      </a:fontRef>
+    </dgm:style>
+  </dgm:styleLbl>
+  <dgm:styleLbl name="node4">
+    <dgm:scene3d>
+      <a:camera prst="orthographicFront"/>
+      <a:lightRig rig="threePt" dir="t"/>
+    </dgm:scene3d>
+    <dgm:sp3d/>
+    <dgm:txPr/>
+    <dgm:style>
+      <a:lnRef idx="0">
+        <a:scrgbClr r="0" g="0" b="0"/>
+      </a:lnRef>
+      <a:fillRef idx="3">
+        <a:scrgbClr r="0" g="0" b="0"/>
+      </a:fillRef>
+      <a:effectRef idx="2">
+        <a:scrgbClr r="0" g="0" b="0"/>
+      </a:effectRef>
+      <a:fontRef idx="minor">
+        <a:schemeClr val="lt1"/>
+      </a:fontRef>
+    </dgm:style>
+  </dgm:styleLbl>
+  <dgm:styleLbl name="fgImgPlace1">
+    <dgm:scene3d>
+      <a:camera prst="orthographicFront"/>
+      <a:lightRig rig="threePt" dir="t"/>
+    </dgm:scene3d>
+    <dgm:sp3d/>
+    <dgm:txPr/>
+    <dgm:style>
+      <a:lnRef idx="0">
+        <a:scrgbClr r="0" g="0" b="0"/>
+      </a:lnRef>
+      <a:fillRef idx="1">
+        <a:scrgbClr r="0" g="0" b="0"/>
+      </a:fillRef>
+      <a:effectRef idx="2">
+        <a:scrgbClr r="0" g="0" b="0"/>
+      </a:effectRef>
+      <a:fontRef idx="minor"/>
+    </dgm:style>
+  </dgm:styleLbl>
+  <dgm:styleLbl name="alignImgPlace1">
+    <dgm:scene3d>
+      <a:camera prst="orthographicFront"/>
+      <a:lightRig rig="threePt" dir="t"/>
+    </dgm:scene3d>
+    <dgm:sp3d/>
+    <dgm:txPr/>
+    <dgm:style>
+      <a:lnRef idx="0">
+        <a:scrgbClr r="0" g="0" b="0"/>
+      </a:lnRef>
+      <a:fillRef idx="1">
+        <a:scrgbClr r="0" g="0" b="0"/>
+      </a:fillRef>
+      <a:effectRef idx="2">
+        <a:scrgbClr r="0" g="0" b="0"/>
+      </a:effectRef>
+      <a:fontRef idx="minor"/>
+    </dgm:style>
+  </dgm:styleLbl>
+  <dgm:styleLbl name="bgImgPlace1">
+    <dgm:scene3d>
+      <a:camera prst="orthographicFront"/>
+      <a:lightRig rig="threePt" dir="t"/>
+    </dgm:scene3d>
+    <dgm:sp3d/>
+    <dgm:txPr/>
+    <dgm:style>
+      <a:lnRef idx="0">
+        <a:scrgbClr r="0" g="0" b="0"/>
+      </a:lnRef>
+      <a:fillRef idx="1">
+        <a:scrgbClr r="0" g="0" b="0"/>
+      </a:fillRef>
+      <a:effectRef idx="2">
+        <a:scrgbClr r="0" g="0" b="0"/>
+      </a:effectRef>
+      <a:fontRef idx="minor"/>
+    </dgm:style>
+  </dgm:styleLbl>
+  <dgm:styleLbl name="sibTrans2D1">
+    <dgm:scene3d>
+      <a:camera prst="orthographicFront"/>
+      <a:lightRig rig="threePt" dir="t"/>
+    </dgm:scene3d>
+    <dgm:sp3d/>
+    <dgm:txPr/>
+    <dgm:style>
+      <a:lnRef idx="0">
+        <a:scrgbClr r="0" g="0" b="0"/>
+      </a:lnRef>
+      <a:fillRef idx="3">
+        <a:scrgbClr r="0" g="0" b="0"/>
+      </a:fillRef>
+      <a:effectRef idx="2">
+        <a:scrgbClr r="0" g="0" b="0"/>
+      </a:effectRef>
+      <a:fontRef idx="minor">
+        <a:schemeClr val="lt1"/>
+      </a:fontRef>
+    </dgm:style>
+  </dgm:styleLbl>
+  <dgm:styleLbl name="fgSibTrans2D1">
+    <dgm:scene3d>
+      <a:camera prst="orthographicFront"/>
+      <a:lightRig rig="threePt" dir="t"/>
+    </dgm:scene3d>
+    <dgm:sp3d/>
+    <dgm:txPr/>
+    <dgm:style>
+      <a:lnRef idx="0">
+        <a:scrgbClr r="0" g="0" b="0"/>
+      </a:lnRef>
+      <a:fillRef idx="3">
+        <a:scrgbClr r="0" g="0" b="0"/>
+      </a:fillRef>
+      <a:effectRef idx="2">
+        <a:scrgbClr r="0" g="0" b="0"/>
+      </a:effectRef>
+      <a:fontRef idx="minor">
+        <a:schemeClr val="lt1"/>
+      </a:fontRef>
+    </dgm:style>
+  </dgm:styleLbl>
+  <dgm:styleLbl name="bgSibTrans2D1">
+    <dgm:scene3d>
+      <a:camera prst="orthographicFront"/>
+      <a:lightRig rig="threePt" dir="t"/>
+    </dgm:scene3d>
+    <dgm:sp3d/>
+    <dgm:txPr/>
+    <dgm:style>
+      <a:lnRef idx="0">
+        <a:scrgbClr r="0" g="0" b="0"/>
+      </a:lnRef>
+      <a:fillRef idx="3">
+        <a:scrgbClr r="0" g="0" b="0"/>
+      </a:fillRef>
+      <a:effectRef idx="2">
+        <a:scrgbClr r="0" g="0" b="0"/>
+      </a:effectRef>
+      <a:fontRef idx="minor">
+        <a:schemeClr val="lt1"/>
+      </a:fontRef>
+    </dgm:style>
+  </dgm:styleLbl>
+  <dgm:styleLbl name="sibTrans1D1">
+    <dgm:scene3d>
+      <a:camera prst="orthographicFront"/>
+      <a:lightRig rig="threePt" dir="t"/>
+    </dgm:scene3d>
+    <dgm:sp3d/>
+    <dgm:txPr/>
+    <dgm:style>
+      <a:lnRef idx="1">
+        <a:scrgbClr r="0" g="0" b="0"/>
+      </a:lnRef>
+      <a:fillRef idx="0">
+        <a:scrgbClr r="0" g="0" b="0"/>
+      </a:fillRef>
+      <a:effectRef idx="0">
+        <a:scrgbClr r="0" g="0" b="0"/>
+      </a:effectRef>
+      <a:fontRef idx="minor"/>
+    </dgm:style>
+  </dgm:styleLbl>
+  <dgm:styleLbl name="callout">
+    <dgm:scene3d>
+      <a:camera prst="orthographicFront"/>
+      <a:lightRig rig="threePt" dir="t"/>
+    </dgm:scene3d>
+    <dgm:sp3d/>
+    <dgm:txPr/>
+    <dgm:style>
+      <a:lnRef idx="2">
+        <a:scrgbClr r="0" g="0" b="0"/>
+      </a:lnRef>
+      <a:fillRef idx="1">
+        <a:scrgbClr r="0" g="0" b="0"/>
+      </a:fillRef>
+      <a:effectRef idx="1">
+        <a:scrgbClr r="0" g="0" b="0"/>
+      </a:effectRef>
+      <a:fontRef idx="minor"/>
+    </dgm:style>
+  </dgm:styleLbl>
+  <dgm:styleLbl name="asst0">
+    <dgm:scene3d>
+      <a:camera prst="orthographicFront"/>
+      <a:lightRig rig="threePt" dir="t"/>
+    </dgm:scene3d>
+    <dgm:sp3d/>
+    <dgm:txPr/>
+    <dgm:style>
+      <a:lnRef idx="0">
+        <a:scrgbClr r="0" g="0" b="0"/>
+      </a:lnRef>
+      <a:fillRef idx="3">
+        <a:scrgbClr r="0" g="0" b="0"/>
+      </a:fillRef>
+      <a:effectRef idx="2">
+        <a:scrgbClr r="0" g="0" b="0"/>
+      </a:effectRef>
+      <a:fontRef idx="minor">
+        <a:schemeClr val="lt1"/>
+      </a:fontRef>
+    </dgm:style>
+  </dgm:styleLbl>
+  <dgm:styleLbl name="asst1">
+    <dgm:scene3d>
+      <a:camera prst="orthographicFront"/>
+      <a:lightRig rig="threePt" dir="t"/>
+    </dgm:scene3d>
+    <dgm:sp3d/>
+    <dgm:txPr/>
+    <dgm:style>
+      <a:lnRef idx="0">
+        <a:scrgbClr r="0" g="0" b="0"/>
+      </a:lnRef>
+      <a:fillRef idx="3">
+        <a:scrgbClr r="0" g="0" b="0"/>
+      </a:fillRef>
+      <a:effectRef idx="2">
+        <a:scrgbClr r="0" g="0" b="0"/>
+      </a:effectRef>
+      <a:fontRef idx="minor">
+        <a:schemeClr val="lt1"/>
+      </a:fontRef>
+    </dgm:style>
+  </dgm:styleLbl>
+  <dgm:styleLbl name="asst2">
+    <dgm:scene3d>
+      <a:camera prst="orthographicFront"/>
+      <a:lightRig rig="threePt" dir="t"/>
+    </dgm:scene3d>
+    <dgm:sp3d/>
+    <dgm:txPr/>
+    <dgm:style>
+      <a:lnRef idx="0">
+        <a:scrgbClr r="0" g="0" b="0"/>
+      </a:lnRef>
+      <a:fillRef idx="3">
+        <a:scrgbClr r="0" g="0" b="0"/>
+      </a:fillRef>
+      <a:effectRef idx="2">
+        <a:scrgbClr r="0" g="0" b="0"/>
+      </a:effectRef>
+      <a:fontRef idx="minor">
+        <a:schemeClr val="lt1"/>
+      </a:fontRef>
+    </dgm:style>
+  </dgm:styleLbl>
+  <dgm:styleLbl name="asst3">
+    <dgm:scene3d>
+      <a:camera prst="orthographicFront"/>
+      <a:lightRig rig="threePt" dir="t"/>
+    </dgm:scene3d>
+    <dgm:sp3d/>
+    <dgm:txPr/>
+    <dgm:style>
+      <a:lnRef idx="0">
+        <a:scrgbClr r="0" g="0" b="0"/>
+      </a:lnRef>
+      <a:fillRef idx="3">
+        <a:scrgbClr r="0" g="0" b="0"/>
+      </a:fillRef>
+      <a:effectRef idx="2">
+        <a:scrgbClr r="0" g="0" b="0"/>
+      </a:effectRef>
+      <a:fontRef idx="minor">
+        <a:schemeClr val="lt1"/>
+      </a:fontRef>
+    </dgm:style>
+  </dgm:styleLbl>
+  <dgm:styleLbl name="asst4">
+    <dgm:scene3d>
+      <a:camera prst="orthographicFront"/>
+      <a:lightRig rig="threePt" dir="t"/>
+    </dgm:scene3d>
+    <dgm:sp3d/>
+    <dgm:txPr/>
+    <dgm:style>
+      <a:lnRef idx="0">
+        <a:scrgbClr r="0" g="0" b="0"/>
+      </a:lnRef>
+      <a:fillRef idx="3">
+        <a:scrgbClr r="0" g="0" b="0"/>
+      </a:fillRef>
+      <a:effectRef idx="2">
+        <a:scrgbClr r="0" g="0" b="0"/>
+      </a:effectRef>
+      <a:fontRef idx="minor">
+        <a:schemeClr val="lt1"/>
+      </a:fontRef>
+    </dgm:style>
+  </dgm:styleLbl>
+  <dgm:styleLbl name="parChTrans2D1">
+    <dgm:scene3d>
+      <a:camera prst="orthographicFront"/>
+      <a:lightRig rig="threePt" dir="t"/>
+    </dgm:scene3d>
+    <dgm:sp3d/>
+    <dgm:txPr/>
+    <dgm:style>
+      <a:lnRef idx="0">
+        <a:scrgbClr r="0" g="0" b="0"/>
+      </a:lnRef>
+      <a:fillRef idx="3">
+        <a:scrgbClr r="0" g="0" b="0"/>
+      </a:fillRef>
+      <a:effectRef idx="2">
+        <a:scrgbClr r="0" g="0" b="0"/>
+      </a:effectRef>
+      <a:fontRef idx="minor">
+        <a:schemeClr val="lt1"/>
+      </a:fontRef>
+    </dgm:style>
+  </dgm:styleLbl>
+  <dgm:styleLbl name="parChTrans2D2">
+    <dgm:scene3d>
+      <a:camera prst="orthographicFront"/>
+      <a:lightRig rig="threePt" dir="t"/>
+    </dgm:scene3d>
+    <dgm:sp3d/>
+    <dgm:txPr/>
+    <dgm:style>
+      <a:lnRef idx="0">
+        <a:scrgbClr r="0" g="0" b="0"/>
+      </a:lnRef>
+      <a:fillRef idx="3">
+        <a:scrgbClr r="0" g="0" b="0"/>
+      </a:fillRef>
+      <a:effectRef idx="2">
+        <a:scrgbClr r="0" g="0" b="0"/>
+      </a:effectRef>
+      <a:fontRef idx="minor">
+        <a:schemeClr val="lt1"/>
+      </a:fontRef>
+    </dgm:style>
+  </dgm:styleLbl>
+  <dgm:styleLbl name="parChTrans2D3">
+    <dgm:scene3d>
+      <a:camera prst="orthographicFront"/>
+      <a:lightRig rig="threePt" dir="t"/>
+    </dgm:scene3d>
+    <dgm:sp3d/>
+    <dgm:txPr/>
+    <dgm:style>
+      <a:lnRef idx="1">
+        <a:scrgbClr r="0" g="0" b="0"/>
+      </a:lnRef>
+      <a:fillRef idx="3">
+        <a:scrgbClr r="0" g="0" b="0"/>
+      </a:fillRef>
+      <a:effectRef idx="2">
+        <a:scrgbClr r="0" g="0" b="0"/>
+      </a:effectRef>
+      <a:fontRef idx="minor">
+        <a:schemeClr val="lt1"/>
+      </a:fontRef>
+    </dgm:style>
+  </dgm:styleLbl>
+  <dgm:styleLbl name="parChTrans2D4">
+    <dgm:scene3d>
+      <a:camera prst="orthographicFront"/>
+      <a:lightRig rig="threePt" dir="t"/>
+    </dgm:scene3d>
+    <dgm:sp3d/>
+    <dgm:txPr/>
+    <dgm:style>
+      <a:lnRef idx="1">
+        <a:scrgbClr r="0" g="0" b="0"/>
+      </a:lnRef>
+      <a:fillRef idx="3">
+        <a:scrgbClr r="0" g="0" b="0"/>
+      </a:fillRef>
+      <a:effectRef idx="2">
+        <a:scrgbClr r="0" g="0" b="0"/>
+      </a:effectRef>
+      <a:fontRef idx="minor">
+        <a:schemeClr val="lt1"/>
+      </a:fontRef>
+    </dgm:style>
+  </dgm:styleLbl>
+  <dgm:styleLbl name="parChTrans1D1">
+    <dgm:scene3d>
+      <a:camera prst="orthographicFront"/>
+      <a:lightRig rig="threePt" dir="t"/>
+    </dgm:scene3d>
+    <dgm:sp3d/>
+    <dgm:txPr/>
+    <dgm:style>
+      <a:lnRef idx="1">
+        <a:scrgbClr r="0" g="0" b="0"/>
+      </a:lnRef>
+      <a:fillRef idx="0">
+        <a:scrgbClr r="0" g="0" b="0"/>
+      </a:fillRef>
+      <a:effectRef idx="0">
+        <a:scrgbClr r="0" g="0" b="0"/>
+      </a:effectRef>
+      <a:fontRef idx="minor"/>
+    </dgm:style>
+  </dgm:styleLbl>
+  <dgm:styleLbl name="parChTrans1D2">
+    <dgm:scene3d>
+      <a:camera prst="orthographicFront"/>
+      <a:lightRig rig="threePt" dir="t"/>
+    </dgm:scene3d>
+    <dgm:sp3d/>
+    <dgm:txPr/>
+    <dgm:style>
+      <a:lnRef idx="1">
+        <a:scrgbClr r="0" g="0" b="0"/>
+      </a:lnRef>
+      <a:fillRef idx="0">
+        <a:scrgbClr r="0" g="0" b="0"/>
+      </a:fillRef>
+      <a:effectRef idx="0">
+        <a:scrgbClr r="0" g="0" b="0"/>
+      </a:effectRef>
+      <a:fontRef idx="minor"/>
+    </dgm:style>
+  </dgm:styleLbl>
+  <dgm:styleLbl name="parChTrans1D3">
+    <dgm:scene3d>
+      <a:camera prst="orthographicFront"/>
+      <a:lightRig rig="threePt" dir="t"/>
+    </dgm:scene3d>
+    <dgm:sp3d/>
+    <dgm:txPr/>
+    <dgm:style>
+      <a:lnRef idx="1">
+        <a:scrgbClr r="0" g="0" b="0"/>
+      </a:lnRef>
+      <a:fillRef idx="0">
+        <a:scrgbClr r="0" g="0" b="0"/>
+      </a:fillRef>
+      <a:effectRef idx="0">
+        <a:scrgbClr r="0" g="0" b="0"/>
+      </a:effectRef>
+      <a:fontRef idx="minor"/>
+    </dgm:style>
+  </dgm:styleLbl>
+  <dgm:styleLbl name="parChTrans1D4">
+    <dgm:scene3d>
+      <a:camera prst="orthographicFront"/>
+      <a:lightRig rig="threePt" dir="t"/>
+    </dgm:scene3d>
+    <dgm:sp3d/>
+    <dgm:txPr/>
+    <dgm:style>
+      <a:lnRef idx="1">
+        <a:scrgbClr r="0" g="0" b="0"/>
+      </a:lnRef>
+      <a:fillRef idx="0">
+        <a:scrgbClr r="0" g="0" b="0"/>
+      </a:fillRef>
+      <a:effectRef idx="0">
+        <a:scrgbClr r="0" g="0" b="0"/>
+      </a:effectRef>
+      <a:fontRef idx="minor"/>
+    </dgm:style>
+  </dgm:styleLbl>
+  <dgm:styleLbl name="fgAcc1">
+    <dgm:scene3d>
+      <a:camera prst="orthographicFront"/>
+      <a:lightRig rig="threePt" dir="t"/>
+    </dgm:scene3d>
+    <dgm:sp3d/>
+    <dgm:txPr/>
+    <dgm:style>
+      <a:lnRef idx="1">
+        <a:scrgbClr r="0" g="0" b="0"/>
+      </a:lnRef>
+      <a:fillRef idx="1">
+        <a:scrgbClr r="0" g="0" b="0"/>
+      </a:fillRef>
+      <a:effectRef idx="0">
+        <a:scrgbClr r="0" g="0" b="0"/>
+      </a:effectRef>
+      <a:fontRef idx="minor"/>
+    </dgm:style>
+  </dgm:styleLbl>
+  <dgm:styleLbl name="conFgAcc1">
+    <dgm:scene3d>
+      <a:camera prst="orthographicFront"/>
+      <a:lightRig rig="threePt" dir="t"/>
+    </dgm:scene3d>
+    <dgm:sp3d/>
+    <dgm:txPr/>
+    <dgm:style>
+      <a:lnRef idx="1">
+        <a:scrgbClr r="0" g="0" b="0"/>
+      </a:lnRef>
+      <a:fillRef idx="1">
+        <a:scrgbClr r="0" g="0" b="0"/>
+      </a:fillRef>
+      <a:effectRef idx="0">
+        <a:scrgbClr r="0" g="0" b="0"/>
+      </a:effectRef>
+      <a:fontRef idx="minor"/>
+    </dgm:style>
+  </dgm:styleLbl>
+  <dgm:styleLbl name="alignAcc1">
+    <dgm:scene3d>
+      <a:camera prst="orthographicFront"/>
+      <a:lightRig rig="threePt" dir="t"/>
+    </dgm:scene3d>
+    <dgm:sp3d/>
+    <dgm:txPr/>
+    <dgm:style>
+      <a:lnRef idx="1">
+        <a:scrgbClr r="0" g="0" b="0"/>
+      </a:lnRef>
+      <a:fillRef idx="1">
+        <a:scrgbClr r="0" g="0" b="0"/>
+      </a:fillRef>
+      <a:effectRef idx="0">
+        <a:scrgbClr r="0" g="0" b="0"/>
+      </a:effectRef>
+      <a:fontRef idx="minor"/>
+    </dgm:style>
+  </dgm:styleLbl>
+  <dgm:styleLbl name="trAlignAcc1">
+    <dgm:scene3d>
+      <a:camera prst="orthographicFront"/>
+      <a:lightRig rig="threePt" dir="t"/>
+    </dgm:scene3d>
+    <dgm:sp3d/>
+    <dgm:txPr/>
+    <dgm:style>
+      <a:lnRef idx="1">
+        <a:scrgbClr r="0" g="0" b="0"/>
+      </a:lnRef>
+      <a:fillRef idx="1">
+        <a:scrgbClr r="0" g="0" b="0"/>
+      </a:fillRef>
+      <a:effectRef idx="0">
+        <a:scrgbClr r="0" g="0" b="0"/>
+      </a:effectRef>
+      <a:fontRef idx="minor"/>
+    </dgm:style>
+  </dgm:styleLbl>
+  <dgm:styleLbl name="bgAcc1">
+    <dgm:scene3d>
+      <a:camera prst="orthographicFront"/>
+      <a:lightRig rig="threePt" dir="t"/>
+    </dgm:scene3d>
+    <dgm:sp3d/>
+    <dgm:txPr/>
+    <dgm:style>
+      <a:lnRef idx="1">
+        <a:scrgbClr r="0" g="0" b="0"/>
+      </a:lnRef>
+      <a:fillRef idx="1">
+        <a:scrgbClr r="0" g="0" b="0"/>
+      </a:fillRef>
+      <a:effectRef idx="0">
+        <a:scrgbClr r="0" g="0" b="0"/>
+      </a:effectRef>
+      <a:fontRef idx="minor"/>
+    </dgm:style>
+  </dgm:styleLbl>
+  <dgm:styleLbl name="solidFgAcc1">
+    <dgm:scene3d>
+      <a:camera prst="orthographicFront"/>
+      <a:lightRig rig="threePt" dir="t"/>
+    </dgm:scene3d>
+    <dgm:sp3d/>
+    <dgm:txPr/>
+    <dgm:style>
+      <a:lnRef idx="1">
+        <a:scrgbClr r="0" g="0" b="0"/>
+      </a:lnRef>
+      <a:fillRef idx="1">
+        <a:scrgbClr r="0" g="0" b="0"/>
+      </a:fillRef>
+      <a:effectRef idx="0">
+        <a:scrgbClr r="0" g="0" b="0"/>
+      </a:effectRef>
+      <a:fontRef idx="minor"/>
+    </dgm:style>
+  </dgm:styleLbl>
+  <dgm:styleLbl name="solidAlignAcc1">
+    <dgm:scene3d>
+      <a:camera prst="orthographicFront"/>
+      <a:lightRig rig="threePt" dir="t"/>
+    </dgm:scene3d>
+    <dgm:sp3d/>
+    <dgm:txPr/>
+    <dgm:style>
+      <a:lnRef idx="1">
+        <a:scrgbClr r="0" g="0" b="0"/>
+      </a:lnRef>
+      <a:fillRef idx="1">
+        <a:scrgbClr r="0" g="0" b="0"/>
+      </a:fillRef>
+      <a:effectRef idx="0">
+        <a:scrgbClr r="0" g="0" b="0"/>
+      </a:effectRef>
+      <a:fontRef idx="minor"/>
+    </dgm:style>
+  </dgm:styleLbl>
+  <dgm:styleLbl name="solidBgAcc1">
+    <dgm:scene3d>
+      <a:camera prst="orthographicFront"/>
+      <a:lightRig rig="threePt" dir="t"/>
+    </dgm:scene3d>
+    <dgm:sp3d/>
+    <dgm:txPr/>
+    <dgm:style>
+      <a:lnRef idx="1">
+        <a:scrgbClr r="0" g="0" b="0"/>
+      </a:lnRef>
+      <a:fillRef idx="1">
+        <a:scrgbClr r="0" g="0" b="0"/>
+      </a:fillRef>
+      <a:effectRef idx="0">
+        <a:scrgbClr r="0" g="0" b="0"/>
+      </a:effectRef>
+      <a:fontRef idx="minor"/>
+    </dgm:style>
+  </dgm:styleLbl>
+  <dgm:styleLbl name="fgAccFollowNode1">
+    <dgm:scene3d>
+      <a:camera prst="orthographicFront"/>
+      <a:lightRig rig="threePt" dir="t"/>
+    </dgm:scene3d>
+    <dgm:sp3d/>
+    <dgm:txPr/>
+    <dgm:style>
+      <a:lnRef idx="1">
+        <a:scrgbClr r="0" g="0" b="0"/>
+      </a:lnRef>
+      <a:fillRef idx="1">
+        <a:scrgbClr r="0" g="0" b="0"/>
+      </a:fillRef>
+      <a:effectRef idx="0">
+        <a:scrgbClr r="0" g="0" b="0"/>
+      </a:effectRef>
+      <a:fontRef idx="minor"/>
+    </dgm:style>
+  </dgm:styleLbl>
+  <dgm:styleLbl name="alignAccFollowNode1">
+    <dgm:scene3d>
+      <a:camera prst="orthographicFront"/>
+      <a:lightRig rig="threePt" dir="t"/>
+    </dgm:scene3d>
+    <dgm:sp3d/>
+    <dgm:txPr/>
+    <dgm:style>
+      <a:lnRef idx="1">
+        <a:scrgbClr r="0" g="0" b="0"/>
+      </a:lnRef>
+      <a:fillRef idx="1">
+        <a:scrgbClr r="0" g="0" b="0"/>
+      </a:fillRef>
+      <a:effectRef idx="0">
+        <a:scrgbClr r="0" g="0" b="0"/>
+      </a:effectRef>
+      <a:fontRef idx="minor"/>
+    </dgm:style>
+  </dgm:styleLbl>
+  <dgm:styleLbl name="bgAccFollowNode1">
+    <dgm:scene3d>
+      <a:camera prst="orthographicFront"/>
+      <a:lightRig rig="threePt" dir="t"/>
+    </dgm:scene3d>
+    <dgm:sp3d/>
+    <dgm:txPr/>
+    <dgm:style>
+      <a:lnRef idx="1">
+        <a:scrgbClr r="0" g="0" b="0"/>
+      </a:lnRef>
+      <a:fillRef idx="1">
+        <a:scrgbClr r="0" g="0" b="0"/>
+      </a:fillRef>
+      <a:effectRef idx="0">
+        <a:scrgbClr r="0" g="0" b="0"/>
+      </a:effectRef>
+      <a:fontRef idx="minor"/>
+    </dgm:style>
+  </dgm:styleLbl>
+  <dgm:styleLbl name="fgAcc0">
+    <dgm:scene3d>
+      <a:camera prst="orthographicFront"/>
+      <a:lightRig rig="threePt" dir="t"/>
+    </dgm:scene3d>
+    <dgm:sp3d/>
+    <dgm:txPr/>
+    <dgm:style>
+      <a:lnRef idx="1">
+        <a:scrgbClr r="0" g="0" b="0"/>
+      </a:lnRef>
+      <a:fillRef idx="1">
+        <a:scrgbClr r="0" g="0" b="0"/>
+      </a:fillRef>
+      <a:effectRef idx="0">
+        <a:scrgbClr r="0" g="0" b="0"/>
+      </a:effectRef>
+      <a:fontRef idx="minor"/>
+    </dgm:style>
+  </dgm:styleLbl>
+  <dgm:styleLbl name="fgAcc2">
+    <dgm:scene3d>
+      <a:camera prst="orthographicFront"/>
+      <a:lightRig rig="threePt" dir="t"/>
+    </dgm:scene3d>
+    <dgm:sp3d/>
+    <dgm:txPr/>
+    <dgm:style>
+      <a:lnRef idx="1">
+        <a:scrgbClr r="0" g="0" b="0"/>
+      </a:lnRef>
+      <a:fillRef idx="1">
+        <a:scrgbClr r="0" g="0" b="0"/>
+      </a:fillRef>
+      <a:effectRef idx="0">
+        <a:scrgbClr r="0" g="0" b="0"/>
+      </a:effectRef>
+      <a:fontRef idx="minor"/>
+    </dgm:style>
+  </dgm:styleLbl>
+  <dgm:styleLbl name="fgAcc3">
+    <dgm:scene3d>
+      <a:camera prst="orthographicFront"/>
+      <a:lightRig rig="threePt" dir="t"/>
+    </dgm:scene3d>
+    <dgm:sp3d/>
+    <dgm:txPr/>
+    <dgm:style>
+      <a:lnRef idx="1">
+        <a:scrgbClr r="0" g="0" b="0"/>
+      </a:lnRef>
+      <a:fillRef idx="1">
+        <a:scrgbClr r="0" g="0" b="0"/>
+      </a:fillRef>
+      <a:effectRef idx="0">
+        <a:scrgbClr r="0" g="0" b="0"/>
+      </a:effectRef>
+      <a:fontRef idx="minor"/>
+    </dgm:style>
+  </dgm:styleLbl>
+  <dgm:styleLbl name="fgAcc4">
+    <dgm:scene3d>
+      <a:camera prst="orthographicFront"/>
+      <a:lightRig rig="threePt" dir="t"/>
+    </dgm:scene3d>
+    <dgm:sp3d/>
+    <dgm:txPr/>
+    <dgm:style>
+      <a:lnRef idx="1">
+        <a:scrgbClr r="0" g="0" b="0"/>
+      </a:lnRef>
+      <a:fillRef idx="1">
+        <a:scrgbClr r="0" g="0" b="0"/>
+      </a:fillRef>
+      <a:effectRef idx="0">
+        <a:scrgbClr r="0" g="0" b="0"/>
+      </a:effectRef>
+      <a:fontRef idx="minor"/>
+    </dgm:style>
+  </dgm:styleLbl>
+  <dgm:styleLbl name="bgShp">
+    <dgm:scene3d>
+      <a:camera prst="orthographicFront"/>
+      <a:lightRig rig="threePt" dir="t"/>
+    </dgm:scene3d>
+    <dgm:sp3d/>
+    <dgm:txPr/>
+    <dgm:style>
+      <a:lnRef idx="0">
+        <a:scrgbClr r="0" g="0" b="0"/>
+      </a:lnRef>
+      <a:fillRef idx="1">
+        <a:scrgbClr r="0" g="0" b="0"/>
+      </a:fillRef>
+      <a:effectRef idx="2">
+        <a:scrgbClr r="0" g="0" b="0"/>
+      </a:effectRef>
+      <a:fontRef idx="minor"/>
+    </dgm:style>
+  </dgm:styleLbl>
+  <dgm:styleLbl name="dkBgShp">
+    <dgm:scene3d>
+      <a:camera prst="orthographicFront"/>
+      <a:lightRig rig="threePt" dir="t"/>
+    </dgm:scene3d>
+    <dgm:sp3d/>
+    <dgm:txPr/>
+    <dgm:style>
+      <a:lnRef idx="0">
+        <a:scrgbClr r="0" g="0" b="0"/>
+      </a:lnRef>
+      <a:fillRef idx="1">
+        <a:scrgbClr r="0" g="0" b="0"/>
+      </a:fillRef>
+      <a:effectRef idx="2">
+        <a:scrgbClr r="0" g="0" b="0"/>
+      </a:effectRef>
+      <a:fontRef idx="minor"/>
+    </dgm:style>
+  </dgm:styleLbl>
+  <dgm:styleLbl name="trBgShp">
+    <dgm:scene3d>
+      <a:camera prst="orthographicFront"/>
+      <a:lightRig rig="threePt" dir="t"/>
+    </dgm:scene3d>
+    <dgm:sp3d/>
+    <dgm:txPr/>
+    <dgm:style>
+      <a:lnRef idx="0">
+        <a:scrgbClr r="0" g="0" b="0"/>
+      </a:lnRef>
+      <a:fillRef idx="1">
+        <a:scrgbClr r="0" g="0" b="0"/>
+      </a:fillRef>
+      <a:effectRef idx="0">
+        <a:scrgbClr r="0" g="0" b="0"/>
+      </a:effectRef>
+      <a:fontRef idx="minor"/>
+    </dgm:style>
+  </dgm:styleLbl>
+  <dgm:styleLbl name="fgShp">
+    <dgm:scene3d>
+      <a:camera prst="orthographicFront"/>
+      <a:lightRig rig="threePt" dir="t"/>
+    </dgm:scene3d>
+    <dgm:sp3d/>
+    <dgm:txPr/>
+    <dgm:style>
+      <a:lnRef idx="0">
+        <a:scrgbClr r="0" g="0" b="0"/>
+      </a:lnRef>
+      <a:fillRef idx="3">
+        <a:scrgbClr r="0" g="0" b="0"/>
+      </a:fillRef>
+      <a:effectRef idx="2">
         <a:scrgbClr r="0" g="0" b="0"/>
       </a:effectRef>
       <a:fontRef idx="minor"/>
@@ -9241,6 +12183,783 @@
 </p:sld>
 </file>
 
+<file path=ppt/slides/slide11.xml><?xml version="1.0" encoding="utf-8"?>
+<p:sld xmlns:a="http://schemas.openxmlformats.org/drawingml/2006/main" xmlns:r="http://schemas.openxmlformats.org/officeDocument/2006/relationships" xmlns:p="http://schemas.openxmlformats.org/presentationml/2006/main">
+  <p:cSld>
+    <p:spTree>
+      <p:nvGrpSpPr>
+        <p:cNvPr id="1" name=""/>
+        <p:cNvGrpSpPr/>
+        <p:nvPr/>
+      </p:nvGrpSpPr>
+      <p:grpSpPr>
+        <a:xfrm>
+          <a:off x="0" y="0"/>
+          <a:ext cx="0" cy="0"/>
+          <a:chOff x="0" y="0"/>
+          <a:chExt cx="0" cy="0"/>
+        </a:xfrm>
+      </p:grpSpPr>
+      <p:sp>
+        <p:nvSpPr>
+          <p:cNvPr id="2" name="标题 1"/>
+          <p:cNvSpPr>
+            <a:spLocks noGrp="1"/>
+          </p:cNvSpPr>
+          <p:nvPr>
+            <p:ph type="title"/>
+          </p:nvPr>
+        </p:nvSpPr>
+        <p:spPr/>
+        <p:txBody>
+          <a:bodyPr/>
+          <a:lstStyle/>
+          <a:p>
+            <a:r>
+              <a:rPr lang="en-US" altLang="zh-CN" dirty="0" smtClean="0"/>
+              <a:t>MetAnno</a:t>
+            </a:r>
+            <a:endParaRPr lang="zh-CN" altLang="en-US" dirty="0"/>
+          </a:p>
+        </p:txBody>
+      </p:sp>
+      <p:sp>
+        <p:nvSpPr>
+          <p:cNvPr id="3" name="内容占位符 2"/>
+          <p:cNvSpPr>
+            <a:spLocks noGrp="1"/>
+          </p:cNvSpPr>
+          <p:nvPr>
+            <p:ph idx="1"/>
+          </p:nvPr>
+        </p:nvSpPr>
+        <p:spPr/>
+        <p:txBody>
+          <a:bodyPr/>
+          <a:lstStyle/>
+          <a:p>
+            <a:r>
+              <a:rPr lang="zh-CN" altLang="en-US" dirty="0" smtClean="0"/>
+              <a:t>主要功能：</a:t>
+            </a:r>
+            <a:r>
+              <a:rPr lang="zh-CN" altLang="en-US" sz="2400" dirty="0" smtClean="0"/>
+              <a:t>根据</a:t>
+            </a:r>
+            <a:r>
+              <a:rPr lang="en-US" altLang="zh-CN" sz="2400" dirty="0" smtClean="0"/>
+              <a:t>LCMS</a:t>
+            </a:r>
+            <a:r>
+              <a:rPr lang="zh-CN" altLang="en-US" sz="2400" dirty="0" smtClean="0"/>
+              <a:t>的一级和二级碎片信息进行小分子化合物的注释操作，以及标准品库的自动化构建工作</a:t>
+            </a:r>
+            <a:endParaRPr lang="zh-CN" altLang="en-US" sz="2400" dirty="0"/>
+          </a:p>
+        </p:txBody>
+      </p:sp>
+      <p:grpSp>
+        <p:nvGrpSpPr>
+          <p:cNvPr id="6" name="组合 5"/>
+          <p:cNvGrpSpPr/>
+          <p:nvPr/>
+        </p:nvGrpSpPr>
+        <p:grpSpPr>
+          <a:xfrm>
+            <a:off x="1115616" y="2394685"/>
+            <a:ext cx="6984776" cy="3096344"/>
+            <a:chOff x="611560" y="2455662"/>
+            <a:chExt cx="7668853" cy="3138142"/>
+          </a:xfrm>
+        </p:grpSpPr>
+        <p:graphicFrame>
+          <p:nvGraphicFramePr>
+            <p:cNvPr id="4" name="图示 3"/>
+            <p:cNvGraphicFramePr/>
+            <p:nvPr>
+              <p:extLst>
+                <p:ext uri="{D42A27DB-BD31-4B8C-83A1-F6EECF244321}">
+                  <p14:modId xmlns:p14="http://schemas.microsoft.com/office/powerpoint/2010/main" val="1358191025"/>
+                </p:ext>
+              </p:extLst>
+            </p:nvPr>
+          </p:nvGraphicFramePr>
+          <p:xfrm>
+            <a:off x="611560" y="2455662"/>
+            <a:ext cx="6120680" cy="3127896"/>
+          </p:xfrm>
+          <a:graphic>
+            <a:graphicData uri="http://schemas.openxmlformats.org/drawingml/2006/diagram">
+              <dgm:relIds xmlns:dgm="http://schemas.openxmlformats.org/drawingml/2006/diagram" xmlns:r="http://schemas.openxmlformats.org/officeDocument/2006/relationships" r:dm="rId2" r:lo="rId3" r:qs="rId4" r:cs="rId5"/>
+            </a:graphicData>
+          </a:graphic>
+        </p:graphicFrame>
+        <p:pic>
+          <p:nvPicPr>
+            <p:cNvPr id="5" name="图片 4"/>
+            <p:cNvPicPr>
+              <a:picLocks noChangeAspect="1"/>
+            </p:cNvPicPr>
+            <p:nvPr/>
+          </p:nvPicPr>
+          <p:blipFill>
+            <a:blip r:embed="rId7" cstate="print">
+              <a:extLst>
+                <a:ext uri="{28A0092B-C50C-407E-A947-70E740481C1C}">
+                  <a14:useLocalDpi xmlns:a14="http://schemas.microsoft.com/office/drawing/2010/main" val="0"/>
+                </a:ext>
+              </a:extLst>
+            </a:blip>
+            <a:stretch>
+              <a:fillRect/>
+            </a:stretch>
+          </p:blipFill>
+          <p:spPr>
+            <a:xfrm>
+              <a:off x="3635896" y="2497460"/>
+              <a:ext cx="4644517" cy="3096344"/>
+            </a:xfrm>
+            <a:prstGeom prst="rect">
+              <a:avLst/>
+            </a:prstGeom>
+          </p:spPr>
+        </p:pic>
+      </p:grpSp>
+    </p:spTree>
+    <p:extLst>
+      <p:ext uri="{BB962C8B-B14F-4D97-AF65-F5344CB8AC3E}">
+        <p14:creationId xmlns:p14="http://schemas.microsoft.com/office/powerpoint/2010/main" val="3751595163"/>
+      </p:ext>
+    </p:extLst>
+  </p:cSld>
+  <p:clrMapOvr>
+    <a:masterClrMapping/>
+  </p:clrMapOvr>
+  <p:timing>
+    <p:tnLst>
+      <p:par>
+        <p:cTn id="1" dur="indefinite" restart="never" nodeType="tmRoot"/>
+      </p:par>
+    </p:tnLst>
+  </p:timing>
+</p:sld>
+</file>
+
+<file path=ppt/slides/slide12.xml><?xml version="1.0" encoding="utf-8"?>
+<p:sld xmlns:a="http://schemas.openxmlformats.org/drawingml/2006/main" xmlns:r="http://schemas.openxmlformats.org/officeDocument/2006/relationships" xmlns:p="http://schemas.openxmlformats.org/presentationml/2006/main">
+  <p:cSld>
+    <p:spTree>
+      <p:nvGrpSpPr>
+        <p:cNvPr id="1" name=""/>
+        <p:cNvGrpSpPr/>
+        <p:nvPr/>
+      </p:nvGrpSpPr>
+      <p:grpSpPr>
+        <a:xfrm>
+          <a:off x="0" y="0"/>
+          <a:ext cx="0" cy="0"/>
+          <a:chOff x="0" y="0"/>
+          <a:chExt cx="0" cy="0"/>
+        </a:xfrm>
+      </p:grpSpPr>
+      <p:sp>
+        <p:nvSpPr>
+          <p:cNvPr id="2" name="标题 1"/>
+          <p:cNvSpPr>
+            <a:spLocks noGrp="1"/>
+          </p:cNvSpPr>
+          <p:nvPr>
+            <p:ph type="title"/>
+          </p:nvPr>
+        </p:nvSpPr>
+        <p:spPr/>
+        <p:txBody>
+          <a:bodyPr/>
+          <a:lstStyle/>
+          <a:p>
+            <a:endParaRPr lang="zh-CN" altLang="en-US"/>
+          </a:p>
+        </p:txBody>
+      </p:sp>
+      <p:sp>
+        <p:nvSpPr>
+          <p:cNvPr id="3" name="内容占位符 2"/>
+          <p:cNvSpPr>
+            <a:spLocks noGrp="1"/>
+          </p:cNvSpPr>
+          <p:nvPr>
+            <p:ph idx="1"/>
+          </p:nvPr>
+        </p:nvSpPr>
+        <p:spPr/>
+        <p:txBody>
+          <a:bodyPr/>
+          <a:lstStyle/>
+          <a:p>
+            <a:r>
+              <a:rPr lang="zh-CN" altLang="en-US" dirty="0" smtClean="0"/>
+              <a:t>功能</a:t>
+            </a:r>
+            <a:r>
+              <a:rPr lang="en-US" altLang="zh-CN" dirty="0" smtClean="0"/>
+              <a:t>1</a:t>
+            </a:r>
+            <a:r>
+              <a:rPr lang="zh-CN" altLang="en-US" dirty="0" smtClean="0"/>
+              <a:t>：自动构建标准品库</a:t>
+            </a:r>
+            <a:endParaRPr lang="en-US" altLang="zh-CN" dirty="0" smtClean="0"/>
+          </a:p>
+          <a:p>
+            <a:r>
+              <a:rPr lang="en-US" altLang="zh-CN" sz="2400" dirty="0">
+                <a:hlinkClick r:id="rId2"/>
+              </a:rPr>
+              <a:t>http://</a:t>
+            </a:r>
+            <a:r>
+              <a:rPr lang="en-US" altLang="zh-CN" sz="2400" dirty="0" smtClean="0">
+                <a:hlinkClick r:id="rId2"/>
+              </a:rPr>
+              <a:t>msms.biodeep.cn/index.php?app=my_library</a:t>
+            </a:r>
+            <a:endParaRPr lang="en-US" altLang="zh-CN" sz="2400" dirty="0" smtClean="0"/>
+          </a:p>
+          <a:p>
+            <a:endParaRPr lang="en-US" altLang="zh-CN" dirty="0" smtClean="0"/>
+          </a:p>
+          <a:p>
+            <a:endParaRPr lang="en-US" altLang="zh-CN" dirty="0"/>
+          </a:p>
+          <a:p>
+            <a:endParaRPr lang="zh-CN" altLang="en-US" dirty="0"/>
+          </a:p>
+        </p:txBody>
+      </p:sp>
+      <p:pic>
+        <p:nvPicPr>
+          <p:cNvPr id="8194" name="Picture 2"/>
+          <p:cNvPicPr>
+            <a:picLocks noChangeAspect="1" noChangeArrowheads="1"/>
+          </p:cNvPicPr>
+          <p:nvPr/>
+        </p:nvPicPr>
+        <p:blipFill>
+          <a:blip r:embed="rId3">
+            <a:extLst>
+              <a:ext uri="{28A0092B-C50C-407E-A947-70E740481C1C}">
+                <a14:useLocalDpi xmlns:a14="http://schemas.microsoft.com/office/drawing/2010/main" val="0"/>
+              </a:ext>
+            </a:extLst>
+          </a:blip>
+          <a:srcRect/>
+          <a:stretch>
+            <a:fillRect/>
+          </a:stretch>
+        </p:blipFill>
+        <p:spPr bwMode="auto">
+          <a:xfrm>
+            <a:off x="3923928" y="2664080"/>
+            <a:ext cx="4537497" cy="2707498"/>
+          </a:xfrm>
+          <a:prstGeom prst="rect">
+            <a:avLst/>
+          </a:prstGeom>
+          <a:noFill/>
+          <a:ln>
+            <a:noFill/>
+          </a:ln>
+          <a:effectLst/>
+          <a:extLst>
+            <a:ext uri="{909E8E84-426E-40DD-AFC4-6F175D3DCCD1}">
+              <a14:hiddenFill xmlns:a14="http://schemas.microsoft.com/office/drawing/2010/main">
+                <a:solidFill>
+                  <a:schemeClr val="accent1"/>
+                </a:solidFill>
+              </a14:hiddenFill>
+            </a:ext>
+            <a:ext uri="{91240B29-F687-4F45-9708-019B960494DF}">
+              <a14:hiddenLine xmlns:a14="http://schemas.microsoft.com/office/drawing/2010/main" w="9525">
+                <a:solidFill>
+                  <a:schemeClr val="tx1"/>
+                </a:solidFill>
+                <a:miter lim="800000"/>
+                <a:headEnd/>
+                <a:tailEnd/>
+              </a14:hiddenLine>
+            </a:ext>
+            <a:ext uri="{AF507438-7753-43E0-B8FC-AC1667EBCBE1}">
+              <a14:hiddenEffects xmlns:a14="http://schemas.microsoft.com/office/drawing/2010/main">
+                <a:effectLst>
+                  <a:outerShdw dist="35921" dir="2700000" algn="ctr" rotWithShape="0">
+                    <a:schemeClr val="bg2"/>
+                  </a:outerShdw>
+                </a:effectLst>
+              </a14:hiddenEffects>
+            </a:ext>
+          </a:extLst>
+        </p:spPr>
+      </p:pic>
+      <p:pic>
+        <p:nvPicPr>
+          <p:cNvPr id="8195" name="Picture 3"/>
+          <p:cNvPicPr>
+            <a:picLocks noChangeAspect="1" noChangeArrowheads="1"/>
+          </p:cNvPicPr>
+          <p:nvPr/>
+        </p:nvPicPr>
+        <p:blipFill>
+          <a:blip r:embed="rId4">
+            <a:extLst>
+              <a:ext uri="{28A0092B-C50C-407E-A947-70E740481C1C}">
+                <a14:useLocalDpi xmlns:a14="http://schemas.microsoft.com/office/drawing/2010/main" val="0"/>
+              </a:ext>
+            </a:extLst>
+          </a:blip>
+          <a:srcRect/>
+          <a:stretch>
+            <a:fillRect/>
+          </a:stretch>
+        </p:blipFill>
+        <p:spPr bwMode="auto">
+          <a:xfrm>
+            <a:off x="755576" y="2785492"/>
+            <a:ext cx="2304256" cy="969080"/>
+          </a:xfrm>
+          <a:prstGeom prst="rect">
+            <a:avLst/>
+          </a:prstGeom>
+          <a:noFill/>
+          <a:ln>
+            <a:noFill/>
+          </a:ln>
+          <a:effectLst/>
+          <a:extLst>
+            <a:ext uri="{909E8E84-426E-40DD-AFC4-6F175D3DCCD1}">
+              <a14:hiddenFill xmlns:a14="http://schemas.microsoft.com/office/drawing/2010/main">
+                <a:solidFill>
+                  <a:schemeClr val="accent1"/>
+                </a:solidFill>
+              </a14:hiddenFill>
+            </a:ext>
+            <a:ext uri="{91240B29-F687-4F45-9708-019B960494DF}">
+              <a14:hiddenLine xmlns:a14="http://schemas.microsoft.com/office/drawing/2010/main" w="9525">
+                <a:solidFill>
+                  <a:schemeClr val="tx1"/>
+                </a:solidFill>
+                <a:miter lim="800000"/>
+                <a:headEnd/>
+                <a:tailEnd/>
+              </a14:hiddenLine>
+            </a:ext>
+            <a:ext uri="{AF507438-7753-43E0-B8FC-AC1667EBCBE1}">
+              <a14:hiddenEffects xmlns:a14="http://schemas.microsoft.com/office/drawing/2010/main">
+                <a:effectLst>
+                  <a:outerShdw dist="35921" dir="2700000" algn="ctr" rotWithShape="0">
+                    <a:schemeClr val="bg2"/>
+                  </a:outerShdw>
+                </a:effectLst>
+              </a14:hiddenEffects>
+            </a:ext>
+          </a:extLst>
+        </p:spPr>
+      </p:pic>
+      <p:cxnSp>
+        <p:nvCxnSpPr>
+          <p:cNvPr id="5" name="肘形连接符 4"/>
+          <p:cNvCxnSpPr>
+            <a:stCxn id="6" idx="2"/>
+            <a:endCxn id="8194" idx="1"/>
+          </p:cNvCxnSpPr>
+          <p:nvPr/>
+        </p:nvCxnSpPr>
+        <p:spPr>
+          <a:xfrm rot="16200000" flipH="1">
+            <a:off x="2628783" y="2722683"/>
+            <a:ext cx="286035" cy="2304256"/>
+          </a:xfrm>
+          <a:prstGeom prst="bentConnector2">
+            <a:avLst/>
+          </a:prstGeom>
+          <a:ln w="63500">
+            <a:tailEnd type="triangle"/>
+          </a:ln>
+        </p:spPr>
+        <p:style>
+          <a:lnRef idx="3">
+            <a:schemeClr val="accent1"/>
+          </a:lnRef>
+          <a:fillRef idx="0">
+            <a:schemeClr val="accent1"/>
+          </a:fillRef>
+          <a:effectRef idx="2">
+            <a:schemeClr val="accent1"/>
+          </a:effectRef>
+          <a:fontRef idx="minor">
+            <a:schemeClr val="tx1"/>
+          </a:fontRef>
+        </p:style>
+      </p:cxnSp>
+      <p:sp>
+        <p:nvSpPr>
+          <p:cNvPr id="6" name="矩形 5"/>
+          <p:cNvSpPr/>
+          <p:nvPr/>
+        </p:nvSpPr>
+        <p:spPr>
+          <a:xfrm>
+            <a:off x="1115616" y="3386652"/>
+            <a:ext cx="1008112" cy="345142"/>
+          </a:xfrm>
+          <a:prstGeom prst="rect">
+            <a:avLst/>
+          </a:prstGeom>
+          <a:noFill/>
+          <a:ln w="38100">
+            <a:solidFill>
+              <a:srgbClr val="FF0000"/>
+            </a:solidFill>
+          </a:ln>
+        </p:spPr>
+        <p:style>
+          <a:lnRef idx="2">
+            <a:schemeClr val="accent1">
+              <a:shade val="50000"/>
+            </a:schemeClr>
+          </a:lnRef>
+          <a:fillRef idx="1">
+            <a:schemeClr val="accent1"/>
+          </a:fillRef>
+          <a:effectRef idx="0">
+            <a:schemeClr val="accent1"/>
+          </a:effectRef>
+          <a:fontRef idx="minor">
+            <a:schemeClr val="lt1"/>
+          </a:fontRef>
+        </p:style>
+        <p:txBody>
+          <a:bodyPr rtlCol="0" anchor="ctr"/>
+          <a:lstStyle/>
+          <a:p>
+            <a:pPr algn="ctr"/>
+            <a:endParaRPr lang="zh-CN" altLang="en-US"/>
+          </a:p>
+        </p:txBody>
+      </p:sp>
+    </p:spTree>
+    <p:extLst>
+      <p:ext uri="{BB962C8B-B14F-4D97-AF65-F5344CB8AC3E}">
+        <p14:creationId xmlns:p14="http://schemas.microsoft.com/office/powerpoint/2010/main" val="195744226"/>
+      </p:ext>
+    </p:extLst>
+  </p:cSld>
+  <p:clrMapOvr>
+    <a:masterClrMapping/>
+  </p:clrMapOvr>
+  <p:timing>
+    <p:tnLst>
+      <p:par>
+        <p:cTn id="1" dur="indefinite" restart="never" nodeType="tmRoot"/>
+      </p:par>
+    </p:tnLst>
+  </p:timing>
+</p:sld>
+</file>
+
+<file path=ppt/slides/slide13.xml><?xml version="1.0" encoding="utf-8"?>
+<p:sld xmlns:a="http://schemas.openxmlformats.org/drawingml/2006/main" xmlns:r="http://schemas.openxmlformats.org/officeDocument/2006/relationships" xmlns:p="http://schemas.openxmlformats.org/presentationml/2006/main">
+  <p:cSld>
+    <p:spTree>
+      <p:nvGrpSpPr>
+        <p:cNvPr id="1" name=""/>
+        <p:cNvGrpSpPr/>
+        <p:nvPr/>
+      </p:nvGrpSpPr>
+      <p:grpSpPr>
+        <a:xfrm>
+          <a:off x="0" y="0"/>
+          <a:ext cx="0" cy="0"/>
+          <a:chOff x="0" y="0"/>
+          <a:chExt cx="0" cy="0"/>
+        </a:xfrm>
+      </p:grpSpPr>
+      <p:sp>
+        <p:nvSpPr>
+          <p:cNvPr id="2" name="标题 1"/>
+          <p:cNvSpPr>
+            <a:spLocks noGrp="1"/>
+          </p:cNvSpPr>
+          <p:nvPr>
+            <p:ph type="title"/>
+          </p:nvPr>
+        </p:nvSpPr>
+        <p:spPr/>
+        <p:txBody>
+          <a:bodyPr/>
+          <a:lstStyle/>
+          <a:p>
+            <a:endParaRPr lang="zh-CN" altLang="en-US"/>
+          </a:p>
+        </p:txBody>
+      </p:sp>
+      <p:sp>
+        <p:nvSpPr>
+          <p:cNvPr id="3" name="内容占位符 2"/>
+          <p:cNvSpPr>
+            <a:spLocks noGrp="1"/>
+          </p:cNvSpPr>
+          <p:nvPr>
+            <p:ph idx="1"/>
+          </p:nvPr>
+        </p:nvSpPr>
+        <p:spPr>
+          <a:xfrm>
+            <a:off x="457200" y="1333500"/>
+            <a:ext cx="8229600" cy="4260304"/>
+          </a:xfrm>
+        </p:spPr>
+        <p:txBody>
+          <a:bodyPr>
+            <a:normAutofit/>
+          </a:bodyPr>
+          <a:lstStyle/>
+          <a:p>
+            <a:r>
+              <a:rPr lang="zh-CN" altLang="en-US" dirty="0" smtClean="0"/>
+              <a:t>标准品库操作</a:t>
+            </a:r>
+            <a:endParaRPr lang="en-US" altLang="zh-CN" dirty="0" smtClean="0"/>
+          </a:p>
+          <a:p>
+            <a:r>
+              <a:rPr lang="zh-CN" altLang="en-US" sz="2600" dirty="0" smtClean="0"/>
+              <a:t>可以点击标准品库的标题进入标准品库的详细信息查看页面，在这里你可以进行：</a:t>
+            </a:r>
+            <a:endParaRPr lang="en-US" altLang="zh-CN" sz="2600" dirty="0" smtClean="0"/>
+          </a:p>
+          <a:p>
+            <a:r>
+              <a:rPr lang="en-US" altLang="zh-CN" sz="2600" dirty="0" smtClean="0"/>
+              <a:t>1. </a:t>
+            </a:r>
+            <a:r>
+              <a:rPr lang="zh-CN" altLang="en-US" sz="2600" dirty="0" smtClean="0"/>
+              <a:t>编译标准品库：从原始数据自动化构建标准品库</a:t>
+            </a:r>
+            <a:endParaRPr lang="en-US" altLang="zh-CN" sz="2600" dirty="0" smtClean="0"/>
+          </a:p>
+          <a:p>
+            <a:r>
+              <a:rPr lang="en-US" altLang="zh-CN" sz="2600" dirty="0" smtClean="0"/>
+              <a:t>2. </a:t>
+            </a:r>
+            <a:r>
+              <a:rPr lang="zh-CN" altLang="en-US" sz="2600" dirty="0" smtClean="0"/>
+              <a:t>删除标准品库</a:t>
+            </a:r>
+            <a:endParaRPr lang="en-US" altLang="zh-CN" sz="2600" dirty="0" smtClean="0"/>
+          </a:p>
+          <a:p>
+            <a:r>
+              <a:rPr lang="en-US" altLang="zh-CN" sz="2600" dirty="0" smtClean="0"/>
+              <a:t>3. </a:t>
+            </a:r>
+            <a:r>
+              <a:rPr lang="zh-CN" altLang="en-US" sz="2600" dirty="0" smtClean="0"/>
+              <a:t>查看标准品库原始文件列表</a:t>
+            </a:r>
+            <a:endParaRPr lang="en-US" altLang="zh-CN" sz="2600" dirty="0" smtClean="0"/>
+          </a:p>
+          <a:p>
+            <a:r>
+              <a:rPr lang="en-US" altLang="zh-CN" sz="2600" dirty="0" smtClean="0"/>
+              <a:t>4. </a:t>
+            </a:r>
+            <a:r>
+              <a:rPr lang="zh-CN" altLang="en-US" sz="2600" dirty="0" smtClean="0"/>
+              <a:t>查看标准品库详细内容</a:t>
+            </a:r>
+            <a:endParaRPr lang="en-US" altLang="zh-CN" sz="2600" dirty="0" smtClean="0"/>
+          </a:p>
+          <a:p>
+            <a:r>
+              <a:rPr lang="en-US" altLang="zh-CN" sz="2600" dirty="0" smtClean="0"/>
+              <a:t>5. </a:t>
+            </a:r>
+            <a:r>
+              <a:rPr lang="zh-CN" altLang="en-US" sz="2600" dirty="0" smtClean="0"/>
+              <a:t>设置标准品库属性信息</a:t>
+            </a:r>
+            <a:endParaRPr lang="zh-CN" altLang="en-US" sz="2600" dirty="0"/>
+          </a:p>
+        </p:txBody>
+      </p:sp>
+      <p:pic>
+        <p:nvPicPr>
+          <p:cNvPr id="9218" name="Picture 2"/>
+          <p:cNvPicPr>
+            <a:picLocks noChangeAspect="1" noChangeArrowheads="1"/>
+          </p:cNvPicPr>
+          <p:nvPr/>
+        </p:nvPicPr>
+        <p:blipFill>
+          <a:blip r:embed="rId2">
+            <a:extLst>
+              <a:ext uri="{28A0092B-C50C-407E-A947-70E740481C1C}">
+                <a14:useLocalDpi xmlns:a14="http://schemas.microsoft.com/office/drawing/2010/main" val="0"/>
+              </a:ext>
+            </a:extLst>
+          </a:blip>
+          <a:srcRect/>
+          <a:stretch>
+            <a:fillRect/>
+          </a:stretch>
+        </p:blipFill>
+        <p:spPr bwMode="auto">
+          <a:xfrm>
+            <a:off x="5580112" y="3289548"/>
+            <a:ext cx="2685678" cy="2340377"/>
+          </a:xfrm>
+          <a:prstGeom prst="rect">
+            <a:avLst/>
+          </a:prstGeom>
+          <a:noFill/>
+          <a:ln>
+            <a:noFill/>
+          </a:ln>
+          <a:effectLst/>
+          <a:extLst>
+            <a:ext uri="{909E8E84-426E-40DD-AFC4-6F175D3DCCD1}">
+              <a14:hiddenFill xmlns:a14="http://schemas.microsoft.com/office/drawing/2010/main">
+                <a:solidFill>
+                  <a:schemeClr val="accent1"/>
+                </a:solidFill>
+              </a14:hiddenFill>
+            </a:ext>
+            <a:ext uri="{91240B29-F687-4F45-9708-019B960494DF}">
+              <a14:hiddenLine xmlns:a14="http://schemas.microsoft.com/office/drawing/2010/main" w="9525">
+                <a:solidFill>
+                  <a:schemeClr val="tx1"/>
+                </a:solidFill>
+                <a:miter lim="800000"/>
+                <a:headEnd/>
+                <a:tailEnd/>
+              </a14:hiddenLine>
+            </a:ext>
+            <a:ext uri="{AF507438-7753-43E0-B8FC-AC1667EBCBE1}">
+              <a14:hiddenEffects xmlns:a14="http://schemas.microsoft.com/office/drawing/2010/main">
+                <a:effectLst>
+                  <a:outerShdw dist="35921" dir="2700000" algn="ctr" rotWithShape="0">
+                    <a:schemeClr val="bg2"/>
+                  </a:outerShdw>
+                </a:effectLst>
+              </a14:hiddenEffects>
+            </a:ext>
+          </a:extLst>
+        </p:spPr>
+      </p:pic>
+    </p:spTree>
+    <p:extLst>
+      <p:ext uri="{BB962C8B-B14F-4D97-AF65-F5344CB8AC3E}">
+        <p14:creationId xmlns:p14="http://schemas.microsoft.com/office/powerpoint/2010/main" val="4169208860"/>
+      </p:ext>
+    </p:extLst>
+  </p:cSld>
+  <p:clrMapOvr>
+    <a:masterClrMapping/>
+  </p:clrMapOvr>
+  <p:timing>
+    <p:tnLst>
+      <p:par>
+        <p:cTn id="1" dur="indefinite" restart="never" nodeType="tmRoot"/>
+      </p:par>
+    </p:tnLst>
+  </p:timing>
+</p:sld>
+</file>
+
+<file path=ppt/slides/slide14.xml><?xml version="1.0" encoding="utf-8"?>
+<p:sld xmlns:a="http://schemas.openxmlformats.org/drawingml/2006/main" xmlns:r="http://schemas.openxmlformats.org/officeDocument/2006/relationships" xmlns:p="http://schemas.openxmlformats.org/presentationml/2006/main">
+  <p:cSld>
+    <p:spTree>
+      <p:nvGrpSpPr>
+        <p:cNvPr id="1" name=""/>
+        <p:cNvGrpSpPr/>
+        <p:nvPr/>
+      </p:nvGrpSpPr>
+      <p:grpSpPr>
+        <a:xfrm>
+          <a:off x="0" y="0"/>
+          <a:ext cx="0" cy="0"/>
+          <a:chOff x="0" y="0"/>
+          <a:chExt cx="0" cy="0"/>
+        </a:xfrm>
+      </p:grpSpPr>
+      <p:sp>
+        <p:nvSpPr>
+          <p:cNvPr id="2" name="标题 1"/>
+          <p:cNvSpPr>
+            <a:spLocks noGrp="1"/>
+          </p:cNvSpPr>
+          <p:nvPr>
+            <p:ph type="title"/>
+          </p:nvPr>
+        </p:nvSpPr>
+        <p:spPr/>
+        <p:txBody>
+          <a:bodyPr/>
+          <a:lstStyle/>
+          <a:p>
+            <a:endParaRPr lang="zh-CN" altLang="en-US"/>
+          </a:p>
+        </p:txBody>
+      </p:sp>
+      <p:sp>
+        <p:nvSpPr>
+          <p:cNvPr id="3" name="内容占位符 2"/>
+          <p:cNvSpPr>
+            <a:spLocks noGrp="1"/>
+          </p:cNvSpPr>
+          <p:nvPr>
+            <p:ph idx="1"/>
+          </p:nvPr>
+        </p:nvSpPr>
+        <p:spPr/>
+        <p:txBody>
+          <a:bodyPr/>
+          <a:lstStyle/>
+          <a:p>
+            <a:r>
+              <a:rPr lang="zh-CN" altLang="en-US" dirty="0" smtClean="0"/>
+              <a:t>自动化构建标准品库</a:t>
+            </a:r>
+            <a:endParaRPr lang="en-US" altLang="zh-CN" smtClean="0"/>
+          </a:p>
+          <a:p>
+            <a:endParaRPr lang="zh-CN" altLang="en-US"/>
+          </a:p>
+        </p:txBody>
+      </p:sp>
+    </p:spTree>
+    <p:extLst>
+      <p:ext uri="{BB962C8B-B14F-4D97-AF65-F5344CB8AC3E}">
+        <p14:creationId xmlns:p14="http://schemas.microsoft.com/office/powerpoint/2010/main" val="422799626"/>
+      </p:ext>
+    </p:extLst>
+  </p:cSld>
+  <p:clrMapOvr>
+    <a:masterClrMapping/>
+  </p:clrMapOvr>
+  <p:timing>
+    <p:tnLst>
+      <p:par>
+        <p:cTn id="1" dur="indefinite" restart="never" nodeType="tmRoot"/>
+      </p:par>
+    </p:tnLst>
+  </p:timing>
+</p:sld>
+</file>
+
 <file path=ppt/slides/slide2.xml><?xml version="1.0" encoding="utf-8"?>
 <p:sld xmlns:a="http://schemas.openxmlformats.org/drawingml/2006/main" xmlns:r="http://schemas.openxmlformats.org/officeDocument/2006/relationships" xmlns:p="http://schemas.openxmlformats.org/presentationml/2006/main">
   <p:cSld>

--- a/Tutorials.pptx
+++ b/Tutorials.pptx
@@ -19,6 +19,9 @@
     <p:sldId id="267" r:id="rId13"/>
     <p:sldId id="268" r:id="rId14"/>
     <p:sldId id="269" r:id="rId15"/>
+    <p:sldId id="270" r:id="rId16"/>
+    <p:sldId id="271" r:id="rId17"/>
+    <p:sldId id="272" r:id="rId18"/>
   </p:sldIdLst>
   <p:sldSz cx="9144000" cy="5715000" type="screen16x10"/>
   <p:notesSz cx="6858000" cy="9144000"/>
@@ -1959,6 +1962,925 @@
 </file>
 
 <file path=ppt/diagrams/colors3.xml><?xml version="1.0" encoding="utf-8"?>
+<dgm:colorsDef xmlns:dgm="http://schemas.openxmlformats.org/drawingml/2006/diagram" xmlns:a="http://schemas.openxmlformats.org/drawingml/2006/main" uniqueId="urn:microsoft.com/office/officeart/2005/8/colors/colorful1">
+  <dgm:title val=""/>
+  <dgm:desc val=""/>
+  <dgm:catLst>
+    <dgm:cat type="colorful" pri="10100"/>
+  </dgm:catLst>
+  <dgm:styleLbl name="node0">
+    <dgm:fillClrLst meth="repeat">
+      <a:schemeClr val="accent1"/>
+    </dgm:fillClrLst>
+    <dgm:linClrLst meth="repeat">
+      <a:schemeClr val="lt1"/>
+    </dgm:linClrLst>
+    <dgm:effectClrLst/>
+    <dgm:txLinClrLst/>
+    <dgm:txFillClrLst/>
+    <dgm:txEffectClrLst/>
+  </dgm:styleLbl>
+  <dgm:styleLbl name="node1">
+    <dgm:fillClrLst meth="repeat">
+      <a:schemeClr val="accent2"/>
+      <a:schemeClr val="accent3"/>
+      <a:schemeClr val="accent4"/>
+      <a:schemeClr val="accent5"/>
+      <a:schemeClr val="accent6"/>
+    </dgm:fillClrLst>
+    <dgm:linClrLst meth="repeat">
+      <a:schemeClr val="lt1"/>
+    </dgm:linClrLst>
+    <dgm:effectClrLst/>
+    <dgm:txLinClrLst/>
+    <dgm:txFillClrLst/>
+    <dgm:txEffectClrLst/>
+  </dgm:styleLbl>
+  <dgm:styleLbl name="alignNode1">
+    <dgm:fillClrLst meth="repeat">
+      <a:schemeClr val="accent2"/>
+      <a:schemeClr val="accent3"/>
+      <a:schemeClr val="accent4"/>
+      <a:schemeClr val="accent5"/>
+      <a:schemeClr val="accent6"/>
+    </dgm:fillClrLst>
+    <dgm:linClrLst meth="repeat">
+      <a:schemeClr val="accent2"/>
+      <a:schemeClr val="accent3"/>
+      <a:schemeClr val="accent4"/>
+      <a:schemeClr val="accent5"/>
+      <a:schemeClr val="accent6"/>
+    </dgm:linClrLst>
+    <dgm:effectClrLst/>
+    <dgm:txLinClrLst/>
+    <dgm:txFillClrLst/>
+    <dgm:txEffectClrLst/>
+  </dgm:styleLbl>
+  <dgm:styleLbl name="lnNode1">
+    <dgm:fillClrLst meth="repeat">
+      <a:schemeClr val="accent2"/>
+      <a:schemeClr val="accent3"/>
+      <a:schemeClr val="accent4"/>
+      <a:schemeClr val="accent5"/>
+      <a:schemeClr val="accent6"/>
+    </dgm:fillClrLst>
+    <dgm:linClrLst meth="repeat">
+      <a:schemeClr val="lt1"/>
+    </dgm:linClrLst>
+    <dgm:effectClrLst/>
+    <dgm:txLinClrLst/>
+    <dgm:txFillClrLst/>
+    <dgm:txEffectClrLst/>
+  </dgm:styleLbl>
+  <dgm:styleLbl name="vennNode1">
+    <dgm:fillClrLst meth="repeat">
+      <a:schemeClr val="accent2">
+        <a:alpha val="50000"/>
+      </a:schemeClr>
+      <a:schemeClr val="accent3">
+        <a:alpha val="50000"/>
+      </a:schemeClr>
+      <a:schemeClr val="accent4">
+        <a:alpha val="50000"/>
+      </a:schemeClr>
+      <a:schemeClr val="accent5">
+        <a:alpha val="50000"/>
+      </a:schemeClr>
+      <a:schemeClr val="accent6">
+        <a:alpha val="50000"/>
+      </a:schemeClr>
+    </dgm:fillClrLst>
+    <dgm:linClrLst meth="repeat">
+      <a:schemeClr val="lt1"/>
+    </dgm:linClrLst>
+    <dgm:effectClrLst/>
+    <dgm:txLinClrLst/>
+    <dgm:txFillClrLst/>
+    <dgm:txEffectClrLst/>
+  </dgm:styleLbl>
+  <dgm:styleLbl name="node2">
+    <dgm:fillClrLst>
+      <a:schemeClr val="accent2"/>
+    </dgm:fillClrLst>
+    <dgm:linClrLst meth="repeat">
+      <a:schemeClr val="lt1"/>
+    </dgm:linClrLst>
+    <dgm:effectClrLst/>
+    <dgm:txLinClrLst/>
+    <dgm:txFillClrLst/>
+    <dgm:txEffectClrLst/>
+  </dgm:styleLbl>
+  <dgm:styleLbl name="node3">
+    <dgm:fillClrLst>
+      <a:schemeClr val="accent3"/>
+    </dgm:fillClrLst>
+    <dgm:linClrLst meth="repeat">
+      <a:schemeClr val="lt1"/>
+    </dgm:linClrLst>
+    <dgm:effectClrLst/>
+    <dgm:txLinClrLst/>
+    <dgm:txFillClrLst/>
+    <dgm:txEffectClrLst/>
+  </dgm:styleLbl>
+  <dgm:styleLbl name="node4">
+    <dgm:fillClrLst>
+      <a:schemeClr val="accent4"/>
+    </dgm:fillClrLst>
+    <dgm:linClrLst meth="repeat">
+      <a:schemeClr val="lt1"/>
+    </dgm:linClrLst>
+    <dgm:effectClrLst/>
+    <dgm:txLinClrLst/>
+    <dgm:txFillClrLst/>
+    <dgm:txEffectClrLst/>
+  </dgm:styleLbl>
+  <dgm:styleLbl name="fgImgPlace1">
+    <dgm:fillClrLst meth="repeat">
+      <a:schemeClr val="accent2">
+        <a:tint val="50000"/>
+      </a:schemeClr>
+      <a:schemeClr val="accent3">
+        <a:tint val="50000"/>
+      </a:schemeClr>
+      <a:schemeClr val="accent4">
+        <a:tint val="50000"/>
+      </a:schemeClr>
+      <a:schemeClr val="accent5">
+        <a:tint val="50000"/>
+      </a:schemeClr>
+      <a:schemeClr val="accent6">
+        <a:tint val="50000"/>
+      </a:schemeClr>
+    </dgm:fillClrLst>
+    <dgm:linClrLst meth="repeat">
+      <a:schemeClr val="lt1"/>
+    </dgm:linClrLst>
+    <dgm:effectClrLst/>
+    <dgm:txLinClrLst/>
+    <dgm:txFillClrLst meth="repeat">
+      <a:schemeClr val="lt1"/>
+    </dgm:txFillClrLst>
+    <dgm:txEffectClrLst/>
+  </dgm:styleLbl>
+  <dgm:styleLbl name="alignImgPlace1">
+    <dgm:fillClrLst>
+      <a:schemeClr val="accent1">
+        <a:tint val="50000"/>
+      </a:schemeClr>
+      <a:schemeClr val="accent2">
+        <a:tint val="20000"/>
+      </a:schemeClr>
+    </dgm:fillClrLst>
+    <dgm:linClrLst meth="repeat">
+      <a:schemeClr val="lt1"/>
+    </dgm:linClrLst>
+    <dgm:effectClrLst/>
+    <dgm:txLinClrLst/>
+    <dgm:txFillClrLst meth="repeat">
+      <a:schemeClr val="lt1"/>
+    </dgm:txFillClrLst>
+    <dgm:txEffectClrLst/>
+  </dgm:styleLbl>
+  <dgm:styleLbl name="bgImgPlace1">
+    <dgm:fillClrLst>
+      <a:schemeClr val="accent1">
+        <a:tint val="50000"/>
+      </a:schemeClr>
+      <a:schemeClr val="accent2">
+        <a:tint val="20000"/>
+      </a:schemeClr>
+    </dgm:fillClrLst>
+    <dgm:linClrLst meth="repeat">
+      <a:schemeClr val="lt1"/>
+    </dgm:linClrLst>
+    <dgm:effectClrLst/>
+    <dgm:txLinClrLst/>
+    <dgm:txFillClrLst meth="repeat">
+      <a:schemeClr val="lt1"/>
+    </dgm:txFillClrLst>
+    <dgm:txEffectClrLst/>
+  </dgm:styleLbl>
+  <dgm:styleLbl name="sibTrans2D1">
+    <dgm:fillClrLst meth="repeat">
+      <a:schemeClr val="accent2"/>
+      <a:schemeClr val="accent3"/>
+      <a:schemeClr val="accent4"/>
+      <a:schemeClr val="accent5"/>
+      <a:schemeClr val="accent6"/>
+    </dgm:fillClrLst>
+    <dgm:linClrLst meth="cycle">
+      <a:schemeClr val="lt1"/>
+    </dgm:linClrLst>
+    <dgm:effectClrLst/>
+    <dgm:txLinClrLst/>
+    <dgm:txFillClrLst/>
+    <dgm:txEffectClrLst/>
+  </dgm:styleLbl>
+  <dgm:styleLbl name="fgSibTrans2D1">
+    <dgm:fillClrLst meth="repeat">
+      <a:schemeClr val="accent2"/>
+      <a:schemeClr val="accent3"/>
+      <a:schemeClr val="accent4"/>
+      <a:schemeClr val="accent5"/>
+      <a:schemeClr val="accent6"/>
+    </dgm:fillClrLst>
+    <dgm:linClrLst meth="cycle">
+      <a:schemeClr val="lt1"/>
+    </dgm:linClrLst>
+    <dgm:effectClrLst/>
+    <dgm:txLinClrLst/>
+    <dgm:txFillClrLst meth="repeat">
+      <a:schemeClr val="lt1"/>
+    </dgm:txFillClrLst>
+    <dgm:txEffectClrLst/>
+  </dgm:styleLbl>
+  <dgm:styleLbl name="bgSibTrans2D1">
+    <dgm:fillClrLst meth="repeat">
+      <a:schemeClr val="accent2"/>
+      <a:schemeClr val="accent3"/>
+      <a:schemeClr val="accent4"/>
+      <a:schemeClr val="accent5"/>
+      <a:schemeClr val="accent6"/>
+    </dgm:fillClrLst>
+    <dgm:linClrLst meth="cycle">
+      <a:schemeClr val="lt1"/>
+    </dgm:linClrLst>
+    <dgm:effectClrLst/>
+    <dgm:txLinClrLst/>
+    <dgm:txFillClrLst meth="repeat">
+      <a:schemeClr val="lt1"/>
+    </dgm:txFillClrLst>
+    <dgm:txEffectClrLst/>
+  </dgm:styleLbl>
+  <dgm:styleLbl name="sibTrans1D1">
+    <dgm:fillClrLst meth="repeat">
+      <a:schemeClr val="accent2"/>
+      <a:schemeClr val="accent3"/>
+      <a:schemeClr val="accent4"/>
+      <a:schemeClr val="accent5"/>
+      <a:schemeClr val="accent6"/>
+    </dgm:fillClrLst>
+    <dgm:linClrLst meth="repeat">
+      <a:schemeClr val="accent2"/>
+      <a:schemeClr val="accent3"/>
+      <a:schemeClr val="accent4"/>
+      <a:schemeClr val="accent5"/>
+      <a:schemeClr val="accent6"/>
+    </dgm:linClrLst>
+    <dgm:effectClrLst/>
+    <dgm:txLinClrLst/>
+    <dgm:txFillClrLst meth="repeat">
+      <a:schemeClr val="tx1"/>
+    </dgm:txFillClrLst>
+    <dgm:txEffectClrLst/>
+  </dgm:styleLbl>
+  <dgm:styleLbl name="callout">
+    <dgm:fillClrLst meth="repeat">
+      <a:schemeClr val="accent2"/>
+    </dgm:fillClrLst>
+    <dgm:linClrLst meth="repeat">
+      <a:schemeClr val="accent2">
+        <a:tint val="50000"/>
+      </a:schemeClr>
+    </dgm:linClrLst>
+    <dgm:effectClrLst/>
+    <dgm:txLinClrLst/>
+    <dgm:txFillClrLst meth="repeat">
+      <a:schemeClr val="tx1"/>
+    </dgm:txFillClrLst>
+    <dgm:txEffectClrLst/>
+  </dgm:styleLbl>
+  <dgm:styleLbl name="asst0">
+    <dgm:fillClrLst meth="repeat">
+      <a:schemeClr val="accent1"/>
+    </dgm:fillClrLst>
+    <dgm:linClrLst meth="repeat">
+      <a:schemeClr val="lt1"/>
+    </dgm:linClrLst>
+    <dgm:effectClrLst/>
+    <dgm:txLinClrLst/>
+    <dgm:txFillClrLst/>
+    <dgm:txEffectClrLst/>
+  </dgm:styleLbl>
+  <dgm:styleLbl name="asst1">
+    <dgm:fillClrLst meth="repeat">
+      <a:schemeClr val="accent2"/>
+    </dgm:fillClrLst>
+    <dgm:linClrLst meth="repeat">
+      <a:schemeClr val="lt1"/>
+    </dgm:linClrLst>
+    <dgm:effectClrLst/>
+    <dgm:txLinClrLst/>
+    <dgm:txFillClrLst/>
+    <dgm:txEffectClrLst/>
+  </dgm:styleLbl>
+  <dgm:styleLbl name="asst2">
+    <dgm:fillClrLst>
+      <a:schemeClr val="accent3"/>
+    </dgm:fillClrLst>
+    <dgm:linClrLst meth="repeat">
+      <a:schemeClr val="lt1"/>
+    </dgm:linClrLst>
+    <dgm:effectClrLst/>
+    <dgm:txLinClrLst/>
+    <dgm:txFillClrLst/>
+    <dgm:txEffectClrLst/>
+  </dgm:styleLbl>
+  <dgm:styleLbl name="asst3">
+    <dgm:fillClrLst>
+      <a:schemeClr val="accent4"/>
+    </dgm:fillClrLst>
+    <dgm:linClrLst meth="repeat">
+      <a:schemeClr val="lt1"/>
+    </dgm:linClrLst>
+    <dgm:effectClrLst/>
+    <dgm:txLinClrLst/>
+    <dgm:txFillClrLst/>
+    <dgm:txEffectClrLst/>
+  </dgm:styleLbl>
+  <dgm:styleLbl name="asst4">
+    <dgm:fillClrLst>
+      <a:schemeClr val="accent5"/>
+    </dgm:fillClrLst>
+    <dgm:linClrLst meth="repeat">
+      <a:schemeClr val="lt1"/>
+    </dgm:linClrLst>
+    <dgm:effectClrLst/>
+    <dgm:txLinClrLst/>
+    <dgm:txFillClrLst/>
+    <dgm:txEffectClrLst/>
+  </dgm:styleLbl>
+  <dgm:styleLbl name="parChTrans2D1">
+    <dgm:fillClrLst meth="repeat">
+      <a:schemeClr val="accent2"/>
+    </dgm:fillClrLst>
+    <dgm:linClrLst meth="repeat">
+      <a:schemeClr val="lt1"/>
+    </dgm:linClrLst>
+    <dgm:effectClrLst/>
+    <dgm:txLinClrLst/>
+    <dgm:txFillClrLst meth="repeat">
+      <a:schemeClr val="lt1"/>
+    </dgm:txFillClrLst>
+    <dgm:txEffectClrLst/>
+  </dgm:styleLbl>
+  <dgm:styleLbl name="parChTrans2D2">
+    <dgm:fillClrLst meth="repeat">
+      <a:schemeClr val="accent3"/>
+    </dgm:fillClrLst>
+    <dgm:linClrLst meth="repeat">
+      <a:schemeClr val="lt1"/>
+    </dgm:linClrLst>
+    <dgm:effectClrLst/>
+    <dgm:txLinClrLst/>
+    <dgm:txFillClrLst/>
+    <dgm:txEffectClrLst/>
+  </dgm:styleLbl>
+  <dgm:styleLbl name="parChTrans2D3">
+    <dgm:fillClrLst meth="repeat">
+      <a:schemeClr val="accent4"/>
+    </dgm:fillClrLst>
+    <dgm:linClrLst meth="repeat">
+      <a:schemeClr val="lt1"/>
+    </dgm:linClrLst>
+    <dgm:effectClrLst/>
+    <dgm:txLinClrLst/>
+    <dgm:txFillClrLst/>
+    <dgm:txEffectClrLst/>
+  </dgm:styleLbl>
+  <dgm:styleLbl name="parChTrans2D4">
+    <dgm:fillClrLst meth="repeat">
+      <a:schemeClr val="accent5"/>
+    </dgm:fillClrLst>
+    <dgm:linClrLst meth="repeat">
+      <a:schemeClr val="lt1"/>
+    </dgm:linClrLst>
+    <dgm:effectClrLst/>
+    <dgm:txLinClrLst/>
+    <dgm:txFillClrLst meth="repeat">
+      <a:schemeClr val="lt1"/>
+    </dgm:txFillClrLst>
+    <dgm:txEffectClrLst/>
+  </dgm:styleLbl>
+  <dgm:styleLbl name="parChTrans1D1">
+    <dgm:fillClrLst meth="repeat">
+      <a:schemeClr val="accent2"/>
+    </dgm:fillClrLst>
+    <dgm:linClrLst meth="repeat">
+      <a:schemeClr val="accent1"/>
+    </dgm:linClrLst>
+    <dgm:effectClrLst/>
+    <dgm:txLinClrLst/>
+    <dgm:txFillClrLst meth="repeat">
+      <a:schemeClr val="tx1"/>
+    </dgm:txFillClrLst>
+    <dgm:txEffectClrLst/>
+  </dgm:styleLbl>
+  <dgm:styleLbl name="parChTrans1D2">
+    <dgm:fillClrLst meth="repeat">
+      <a:schemeClr val="accent3">
+        <a:tint val="90000"/>
+      </a:schemeClr>
+    </dgm:fillClrLst>
+    <dgm:linClrLst meth="repeat">
+      <a:schemeClr val="accent2"/>
+    </dgm:linClrLst>
+    <dgm:effectClrLst/>
+    <dgm:txLinClrLst/>
+    <dgm:txFillClrLst meth="repeat">
+      <a:schemeClr val="tx1"/>
+    </dgm:txFillClrLst>
+    <dgm:txEffectClrLst/>
+  </dgm:styleLbl>
+  <dgm:styleLbl name="parChTrans1D3">
+    <dgm:fillClrLst meth="repeat">
+      <a:schemeClr val="accent4">
+        <a:tint val="70000"/>
+      </a:schemeClr>
+    </dgm:fillClrLst>
+    <dgm:linClrLst meth="repeat">
+      <a:schemeClr val="accent3"/>
+    </dgm:linClrLst>
+    <dgm:effectClrLst/>
+    <dgm:txLinClrLst/>
+    <dgm:txFillClrLst meth="repeat">
+      <a:schemeClr val="tx1"/>
+    </dgm:txFillClrLst>
+    <dgm:txEffectClrLst/>
+  </dgm:styleLbl>
+  <dgm:styleLbl name="parChTrans1D4">
+    <dgm:fillClrLst meth="repeat">
+      <a:schemeClr val="accent5">
+        <a:tint val="50000"/>
+      </a:schemeClr>
+    </dgm:fillClrLst>
+    <dgm:linClrLst meth="repeat">
+      <a:schemeClr val="accent4"/>
+    </dgm:linClrLst>
+    <dgm:effectClrLst/>
+    <dgm:txLinClrLst/>
+    <dgm:txFillClrLst meth="repeat">
+      <a:schemeClr val="tx1"/>
+    </dgm:txFillClrLst>
+    <dgm:txEffectClrLst/>
+  </dgm:styleLbl>
+  <dgm:styleLbl name="fgAcc1">
+    <dgm:fillClrLst meth="repeat">
+      <a:schemeClr val="lt1">
+        <a:alpha val="90000"/>
+      </a:schemeClr>
+    </dgm:fillClrLst>
+    <dgm:linClrLst meth="repeat">
+      <a:schemeClr val="accent2"/>
+      <a:schemeClr val="accent3"/>
+      <a:schemeClr val="accent4"/>
+      <a:schemeClr val="accent5"/>
+      <a:schemeClr val="accent6"/>
+    </dgm:linClrLst>
+    <dgm:effectClrLst/>
+    <dgm:txLinClrLst/>
+    <dgm:txFillClrLst meth="repeat">
+      <a:schemeClr val="dk1"/>
+    </dgm:txFillClrLst>
+    <dgm:txEffectClrLst/>
+  </dgm:styleLbl>
+  <dgm:styleLbl name="conFgAcc1">
+    <dgm:fillClrLst meth="repeat">
+      <a:schemeClr val="lt1">
+        <a:alpha val="90000"/>
+      </a:schemeClr>
+    </dgm:fillClrLst>
+    <dgm:linClrLst meth="repeat">
+      <a:schemeClr val="accent2"/>
+      <a:schemeClr val="accent3"/>
+      <a:schemeClr val="accent4"/>
+      <a:schemeClr val="accent5"/>
+      <a:schemeClr val="accent6"/>
+    </dgm:linClrLst>
+    <dgm:effectClrLst/>
+    <dgm:txLinClrLst/>
+    <dgm:txFillClrLst meth="repeat">
+      <a:schemeClr val="dk1"/>
+    </dgm:txFillClrLst>
+    <dgm:txEffectClrLst/>
+  </dgm:styleLbl>
+  <dgm:styleLbl name="alignAcc1">
+    <dgm:fillClrLst meth="repeat">
+      <a:schemeClr val="lt1">
+        <a:alpha val="90000"/>
+      </a:schemeClr>
+    </dgm:fillClrLst>
+    <dgm:linClrLst meth="repeat">
+      <a:schemeClr val="accent2"/>
+      <a:schemeClr val="accent3"/>
+      <a:schemeClr val="accent4"/>
+      <a:schemeClr val="accent5"/>
+      <a:schemeClr val="accent6"/>
+    </dgm:linClrLst>
+    <dgm:effectClrLst/>
+    <dgm:txLinClrLst/>
+    <dgm:txFillClrLst meth="repeat">
+      <a:schemeClr val="dk1"/>
+    </dgm:txFillClrLst>
+    <dgm:txEffectClrLst/>
+  </dgm:styleLbl>
+  <dgm:styleLbl name="trAlignAcc1">
+    <dgm:fillClrLst meth="repeat">
+      <a:schemeClr val="lt1">
+        <a:alpha val="40000"/>
+      </a:schemeClr>
+    </dgm:fillClrLst>
+    <dgm:linClrLst meth="repeat">
+      <a:schemeClr val="accent1"/>
+    </dgm:linClrLst>
+    <dgm:effectClrLst/>
+    <dgm:txLinClrLst/>
+    <dgm:txFillClrLst meth="repeat">
+      <a:schemeClr val="dk1"/>
+    </dgm:txFillClrLst>
+    <dgm:txEffectClrLst/>
+  </dgm:styleLbl>
+  <dgm:styleLbl name="bgAcc1">
+    <dgm:fillClrLst meth="repeat">
+      <a:schemeClr val="lt1">
+        <a:alpha val="90000"/>
+      </a:schemeClr>
+    </dgm:fillClrLst>
+    <dgm:linClrLst meth="repeat">
+      <a:schemeClr val="accent2"/>
+      <a:schemeClr val="accent3"/>
+      <a:schemeClr val="accent4"/>
+      <a:schemeClr val="accent5"/>
+      <a:schemeClr val="accent6"/>
+    </dgm:linClrLst>
+    <dgm:effectClrLst/>
+    <dgm:txLinClrLst/>
+    <dgm:txFillClrLst meth="repeat">
+      <a:schemeClr val="dk1"/>
+    </dgm:txFillClrLst>
+    <dgm:txEffectClrLst/>
+  </dgm:styleLbl>
+  <dgm:styleLbl name="solidFgAcc1">
+    <dgm:fillClrLst meth="repeat">
+      <a:schemeClr val="lt1"/>
+    </dgm:fillClrLst>
+    <dgm:linClrLst meth="repeat">
+      <a:schemeClr val="accent2"/>
+      <a:schemeClr val="accent3"/>
+      <a:schemeClr val="accent4"/>
+      <a:schemeClr val="accent5"/>
+      <a:schemeClr val="accent6"/>
+    </dgm:linClrLst>
+    <dgm:effectClrLst/>
+    <dgm:txLinClrLst/>
+    <dgm:txFillClrLst meth="repeat">
+      <a:schemeClr val="dk1"/>
+    </dgm:txFillClrLst>
+    <dgm:txEffectClrLst/>
+  </dgm:styleLbl>
+  <dgm:styleLbl name="solidAlignAcc1">
+    <dgm:fillClrLst meth="repeat">
+      <a:schemeClr val="lt1"/>
+    </dgm:fillClrLst>
+    <dgm:linClrLst meth="repeat">
+      <a:schemeClr val="accent2"/>
+      <a:schemeClr val="accent3"/>
+      <a:schemeClr val="accent4"/>
+      <a:schemeClr val="accent5"/>
+      <a:schemeClr val="accent6"/>
+    </dgm:linClrLst>
+    <dgm:effectClrLst/>
+    <dgm:txLinClrLst/>
+    <dgm:txFillClrLst meth="repeat">
+      <a:schemeClr val="dk1"/>
+    </dgm:txFillClrLst>
+    <dgm:txEffectClrLst/>
+  </dgm:styleLbl>
+  <dgm:styleLbl name="solidBgAcc1">
+    <dgm:fillClrLst meth="repeat">
+      <a:schemeClr val="lt1"/>
+    </dgm:fillClrLst>
+    <dgm:linClrLst meth="repeat">
+      <a:schemeClr val="accent2"/>
+      <a:schemeClr val="accent3"/>
+      <a:schemeClr val="accent4"/>
+      <a:schemeClr val="accent5"/>
+      <a:schemeClr val="accent6"/>
+    </dgm:linClrLst>
+    <dgm:effectClrLst/>
+    <dgm:txLinClrLst/>
+    <dgm:txFillClrLst meth="repeat">
+      <a:schemeClr val="dk1"/>
+    </dgm:txFillClrLst>
+    <dgm:txEffectClrLst/>
+  </dgm:styleLbl>
+  <dgm:styleLbl name="fgAccFollowNode1">
+    <dgm:fillClrLst meth="repeat">
+      <a:schemeClr val="accent2">
+        <a:tint val="40000"/>
+        <a:alpha val="90000"/>
+      </a:schemeClr>
+      <a:schemeClr val="accent3">
+        <a:tint val="40000"/>
+        <a:alpha val="90000"/>
+      </a:schemeClr>
+      <a:schemeClr val="accent4">
+        <a:tint val="40000"/>
+        <a:alpha val="90000"/>
+      </a:schemeClr>
+      <a:schemeClr val="accent5">
+        <a:tint val="40000"/>
+        <a:alpha val="90000"/>
+      </a:schemeClr>
+      <a:schemeClr val="accent6">
+        <a:tint val="40000"/>
+        <a:alpha val="90000"/>
+      </a:schemeClr>
+    </dgm:fillClrLst>
+    <dgm:linClrLst meth="repeat">
+      <a:schemeClr val="accent2">
+        <a:tint val="40000"/>
+        <a:alpha val="90000"/>
+      </a:schemeClr>
+      <a:schemeClr val="accent3">
+        <a:tint val="40000"/>
+        <a:alpha val="90000"/>
+      </a:schemeClr>
+      <a:schemeClr val="accent4">
+        <a:tint val="40000"/>
+        <a:alpha val="90000"/>
+      </a:schemeClr>
+      <a:schemeClr val="accent5">
+        <a:tint val="40000"/>
+        <a:alpha val="90000"/>
+      </a:schemeClr>
+      <a:schemeClr val="accent6">
+        <a:tint val="40000"/>
+        <a:alpha val="90000"/>
+      </a:schemeClr>
+    </dgm:linClrLst>
+    <dgm:effectClrLst/>
+    <dgm:txLinClrLst/>
+    <dgm:txFillClrLst meth="repeat">
+      <a:schemeClr val="dk1"/>
+    </dgm:txFillClrLst>
+    <dgm:txEffectClrLst/>
+  </dgm:styleLbl>
+  <dgm:styleLbl name="alignAccFollowNode1">
+    <dgm:fillClrLst meth="repeat">
+      <a:schemeClr val="accent2">
+        <a:tint val="40000"/>
+        <a:alpha val="90000"/>
+      </a:schemeClr>
+      <a:schemeClr val="accent3">
+        <a:tint val="40000"/>
+        <a:alpha val="90000"/>
+      </a:schemeClr>
+      <a:schemeClr val="accent4">
+        <a:tint val="40000"/>
+        <a:alpha val="90000"/>
+      </a:schemeClr>
+      <a:schemeClr val="accent5">
+        <a:tint val="40000"/>
+        <a:alpha val="90000"/>
+      </a:schemeClr>
+      <a:schemeClr val="accent6">
+        <a:tint val="40000"/>
+        <a:alpha val="90000"/>
+      </a:schemeClr>
+    </dgm:fillClrLst>
+    <dgm:linClrLst meth="repeat">
+      <a:schemeClr val="accent2">
+        <a:tint val="40000"/>
+        <a:alpha val="90000"/>
+      </a:schemeClr>
+      <a:schemeClr val="accent3">
+        <a:tint val="40000"/>
+        <a:alpha val="90000"/>
+      </a:schemeClr>
+      <a:schemeClr val="accent4">
+        <a:tint val="40000"/>
+        <a:alpha val="90000"/>
+      </a:schemeClr>
+      <a:schemeClr val="accent5">
+        <a:tint val="40000"/>
+        <a:alpha val="90000"/>
+      </a:schemeClr>
+      <a:schemeClr val="accent6">
+        <a:tint val="40000"/>
+        <a:alpha val="90000"/>
+      </a:schemeClr>
+    </dgm:linClrLst>
+    <dgm:effectClrLst/>
+    <dgm:txLinClrLst/>
+    <dgm:txFillClrLst meth="repeat">
+      <a:schemeClr val="dk1"/>
+    </dgm:txFillClrLst>
+    <dgm:txEffectClrLst/>
+  </dgm:styleLbl>
+  <dgm:styleLbl name="bgAccFollowNode1">
+    <dgm:fillClrLst meth="repeat">
+      <a:schemeClr val="accent2">
+        <a:tint val="40000"/>
+        <a:alpha val="90000"/>
+      </a:schemeClr>
+      <a:schemeClr val="accent3">
+        <a:tint val="40000"/>
+        <a:alpha val="90000"/>
+      </a:schemeClr>
+      <a:schemeClr val="accent4">
+        <a:tint val="40000"/>
+        <a:alpha val="90000"/>
+      </a:schemeClr>
+      <a:schemeClr val="accent5">
+        <a:tint val="40000"/>
+        <a:alpha val="90000"/>
+      </a:schemeClr>
+      <a:schemeClr val="accent6">
+        <a:tint val="40000"/>
+        <a:alpha val="90000"/>
+      </a:schemeClr>
+    </dgm:fillClrLst>
+    <dgm:linClrLst meth="repeat">
+      <a:schemeClr val="accent2">
+        <a:tint val="40000"/>
+        <a:alpha val="90000"/>
+      </a:schemeClr>
+      <a:schemeClr val="accent3">
+        <a:tint val="40000"/>
+        <a:alpha val="90000"/>
+      </a:schemeClr>
+      <a:schemeClr val="accent4">
+        <a:tint val="40000"/>
+        <a:alpha val="90000"/>
+      </a:schemeClr>
+      <a:schemeClr val="accent5">
+        <a:tint val="40000"/>
+        <a:alpha val="90000"/>
+      </a:schemeClr>
+      <a:schemeClr val="accent6">
+        <a:tint val="40000"/>
+        <a:alpha val="90000"/>
+      </a:schemeClr>
+    </dgm:linClrLst>
+    <dgm:effectClrLst/>
+    <dgm:txLinClrLst/>
+    <dgm:txFillClrLst meth="repeat">
+      <a:schemeClr val="dk1"/>
+    </dgm:txFillClrLst>
+    <dgm:txEffectClrLst/>
+  </dgm:styleLbl>
+  <dgm:styleLbl name="fgAcc0">
+    <dgm:fillClrLst meth="repeat">
+      <a:schemeClr val="lt1">
+        <a:alpha val="90000"/>
+      </a:schemeClr>
+    </dgm:fillClrLst>
+    <dgm:linClrLst>
+      <a:schemeClr val="accent1"/>
+    </dgm:linClrLst>
+    <dgm:effectClrLst/>
+    <dgm:txLinClrLst/>
+    <dgm:txFillClrLst meth="repeat">
+      <a:schemeClr val="dk1"/>
+    </dgm:txFillClrLst>
+    <dgm:txEffectClrLst/>
+  </dgm:styleLbl>
+  <dgm:styleLbl name="fgAcc2">
+    <dgm:fillClrLst meth="repeat">
+      <a:schemeClr val="lt1">
+        <a:alpha val="90000"/>
+      </a:schemeClr>
+    </dgm:fillClrLst>
+    <dgm:linClrLst>
+      <a:schemeClr val="accent2"/>
+    </dgm:linClrLst>
+    <dgm:effectClrLst/>
+    <dgm:txLinClrLst/>
+    <dgm:txFillClrLst meth="repeat">
+      <a:schemeClr val="dk1"/>
+    </dgm:txFillClrLst>
+    <dgm:txEffectClrLst/>
+  </dgm:styleLbl>
+  <dgm:styleLbl name="fgAcc3">
+    <dgm:fillClrLst meth="repeat">
+      <a:schemeClr val="lt1">
+        <a:alpha val="90000"/>
+      </a:schemeClr>
+    </dgm:fillClrLst>
+    <dgm:linClrLst>
+      <a:schemeClr val="accent3"/>
+    </dgm:linClrLst>
+    <dgm:effectClrLst/>
+    <dgm:txLinClrLst/>
+    <dgm:txFillClrLst meth="repeat">
+      <a:schemeClr val="dk1"/>
+    </dgm:txFillClrLst>
+    <dgm:txEffectClrLst/>
+  </dgm:styleLbl>
+  <dgm:styleLbl name="fgAcc4">
+    <dgm:fillClrLst meth="repeat">
+      <a:schemeClr val="lt1">
+        <a:alpha val="90000"/>
+      </a:schemeClr>
+    </dgm:fillClrLst>
+    <dgm:linClrLst>
+      <a:schemeClr val="accent4"/>
+    </dgm:linClrLst>
+    <dgm:effectClrLst/>
+    <dgm:txLinClrLst/>
+    <dgm:txFillClrLst meth="repeat">
+      <a:schemeClr val="dk1"/>
+    </dgm:txFillClrLst>
+    <dgm:txEffectClrLst/>
+  </dgm:styleLbl>
+  <dgm:styleLbl name="bgShp">
+    <dgm:fillClrLst meth="repeat">
+      <a:schemeClr val="accent2">
+        <a:tint val="40000"/>
+      </a:schemeClr>
+    </dgm:fillClrLst>
+    <dgm:linClrLst meth="repeat">
+      <a:schemeClr val="dk1"/>
+    </dgm:linClrLst>
+    <dgm:effectClrLst/>
+    <dgm:txLinClrLst/>
+    <dgm:txFillClrLst meth="repeat">
+      <a:schemeClr val="dk1"/>
+    </dgm:txFillClrLst>
+    <dgm:txEffectClrLst/>
+  </dgm:styleLbl>
+  <dgm:styleLbl name="dkBgShp">
+    <dgm:fillClrLst meth="repeat">
+      <a:schemeClr val="accent2">
+        <a:shade val="90000"/>
+      </a:schemeClr>
+    </dgm:fillClrLst>
+    <dgm:linClrLst meth="repeat">
+      <a:schemeClr val="dk1"/>
+    </dgm:linClrLst>
+    <dgm:effectClrLst/>
+    <dgm:txLinClrLst/>
+    <dgm:txFillClrLst meth="repeat">
+      <a:schemeClr val="lt1"/>
+    </dgm:txFillClrLst>
+    <dgm:txEffectClrLst/>
+  </dgm:styleLbl>
+  <dgm:styleLbl name="trBgShp">
+    <dgm:fillClrLst meth="repeat">
+      <a:schemeClr val="accent1">
+        <a:tint val="50000"/>
+        <a:alpha val="40000"/>
+      </a:schemeClr>
+    </dgm:fillClrLst>
+    <dgm:linClrLst meth="repeat">
+      <a:schemeClr val="accent2"/>
+    </dgm:linClrLst>
+    <dgm:effectClrLst/>
+    <dgm:txLinClrLst/>
+    <dgm:txFillClrLst meth="repeat">
+      <a:schemeClr val="lt1"/>
+    </dgm:txFillClrLst>
+    <dgm:txEffectClrLst/>
+  </dgm:styleLbl>
+  <dgm:styleLbl name="fgShp">
+    <dgm:fillClrLst meth="repeat">
+      <a:schemeClr val="accent2">
+        <a:tint val="40000"/>
+      </a:schemeClr>
+    </dgm:fillClrLst>
+    <dgm:linClrLst meth="repeat">
+      <a:schemeClr val="lt1"/>
+    </dgm:linClrLst>
+    <dgm:effectClrLst/>
+    <dgm:txLinClrLst/>
+    <dgm:txFillClrLst meth="repeat">
+      <a:schemeClr val="dk1"/>
+    </dgm:txFillClrLst>
+    <dgm:txEffectClrLst/>
+  </dgm:styleLbl>
+  <dgm:styleLbl name="revTx">
+    <dgm:fillClrLst meth="repeat">
+      <a:schemeClr val="lt1">
+        <a:alpha val="0"/>
+      </a:schemeClr>
+    </dgm:fillClrLst>
+    <dgm:linClrLst meth="repeat">
+      <a:schemeClr val="dk1">
+        <a:alpha val="0"/>
+      </a:schemeClr>
+    </dgm:linClrLst>
+    <dgm:effectClrLst/>
+    <dgm:txLinClrLst/>
+    <dgm:txFillClrLst meth="repeat">
+      <a:schemeClr val="tx1"/>
+    </dgm:txFillClrLst>
+    <dgm:txEffectClrLst/>
+  </dgm:styleLbl>
+</dgm:colorsDef>
+</file>
+
+<file path=ppt/diagrams/colors4.xml><?xml version="1.0" encoding="utf-8"?>
 <dgm:colorsDef xmlns:dgm="http://schemas.openxmlformats.org/drawingml/2006/diagram" xmlns:a="http://schemas.openxmlformats.org/drawingml/2006/main" uniqueId="urn:microsoft.com/office/officeart/2005/8/colors/colorful1">
   <dgm:title val=""/>
   <dgm:desc val=""/>
@@ -3533,6 +4455,510 @@
     <dgm:cxn modelId="{14B37539-4E1D-4A41-91F8-DE4A1027D0B3}" type="presParOf" srcId="{DD21E310-57D9-4863-9C99-CCC833384094}" destId="{07CEE257-576C-4C76-900C-9A3F501047BE}" srcOrd="1" destOrd="0" presId="urn:microsoft.com/office/officeart/2005/8/layout/equation2"/>
     <dgm:cxn modelId="{B9692788-D447-490F-9F50-51031C967284}" type="presParOf" srcId="{07CEE257-576C-4C76-900C-9A3F501047BE}" destId="{9453DD1B-0318-4608-9146-183924719612}" srcOrd="0" destOrd="0" presId="urn:microsoft.com/office/officeart/2005/8/layout/equation2"/>
     <dgm:cxn modelId="{3C27452F-4FAA-486B-9572-F5F864461FFD}" type="presParOf" srcId="{DD21E310-57D9-4863-9C99-CCC833384094}" destId="{9A5957BD-EEED-41A1-854C-F45C427989BA}" srcOrd="2" destOrd="0" presId="urn:microsoft.com/office/officeart/2005/8/layout/equation2"/>
+  </dgm:cxnLst>
+  <dgm:bg/>
+  <dgm:whole/>
+  <dgm:extLst>
+    <a:ext uri="http://schemas.microsoft.com/office/drawing/2008/diagram">
+      <dsp:dataModelExt xmlns:dsp="http://schemas.microsoft.com/office/drawing/2008/diagram" relId="rId6" minVer="http://schemas.openxmlformats.org/drawingml/2006/diagram"/>
+    </a:ext>
+  </dgm:extLst>
+</dgm:dataModel>
+</file>
+
+<file path=ppt/diagrams/data4.xml><?xml version="1.0" encoding="utf-8"?>
+<dgm:dataModel xmlns:dgm="http://schemas.openxmlformats.org/drawingml/2006/diagram" xmlns:a="http://schemas.openxmlformats.org/drawingml/2006/main">
+  <dgm:ptLst>
+    <dgm:pt modelId="{9129E017-CB08-47C4-BD78-B6FA0E8D5A65}" type="doc">
+      <dgm:prSet loTypeId="urn:microsoft.com/office/officeart/2005/8/layout/chevron2" loCatId="process" qsTypeId="urn:microsoft.com/office/officeart/2005/8/quickstyle/simple4" qsCatId="simple" csTypeId="urn:microsoft.com/office/officeart/2005/8/colors/colorful1" csCatId="colorful" phldr="1"/>
+      <dgm:spPr/>
+      <dgm:t>
+        <a:bodyPr/>
+        <a:lstStyle/>
+        <a:p>
+          <a:endParaRPr lang="zh-CN" altLang="en-US"/>
+        </a:p>
+      </dgm:t>
+    </dgm:pt>
+    <dgm:pt modelId="{6A721404-FC4F-43F4-BFA5-A30CA121C724}">
+      <dgm:prSet phldrT="[文本]" phldr="1"/>
+      <dgm:spPr/>
+      <dgm:t>
+        <a:bodyPr/>
+        <a:lstStyle/>
+        <a:p>
+          <a:endParaRPr lang="zh-CN" altLang="en-US"/>
+        </a:p>
+      </dgm:t>
+    </dgm:pt>
+    <dgm:pt modelId="{49B4A521-2B39-4E77-AF2F-6FF900CA9D1C}" type="parTrans" cxnId="{24AE7DD5-4AD7-4AC1-A821-C20083CF6C03}">
+      <dgm:prSet/>
+      <dgm:spPr/>
+      <dgm:t>
+        <a:bodyPr/>
+        <a:lstStyle/>
+        <a:p>
+          <a:endParaRPr lang="zh-CN" altLang="en-US"/>
+        </a:p>
+      </dgm:t>
+    </dgm:pt>
+    <dgm:pt modelId="{183E2490-9BD2-44ED-B287-86B8A52BA1FB}" type="sibTrans" cxnId="{24AE7DD5-4AD7-4AC1-A821-C20083CF6C03}">
+      <dgm:prSet/>
+      <dgm:spPr/>
+      <dgm:t>
+        <a:bodyPr/>
+        <a:lstStyle/>
+        <a:p>
+          <a:endParaRPr lang="zh-CN" altLang="en-US"/>
+        </a:p>
+      </dgm:t>
+    </dgm:pt>
+    <dgm:pt modelId="{D56B5949-AE5D-436A-BDCC-F8A10B423A69}">
+      <dgm:prSet phldrT="[文本]"/>
+      <dgm:spPr/>
+      <dgm:t>
+        <a:bodyPr/>
+        <a:lstStyle/>
+        <a:p>
+          <a:r>
+            <a:rPr lang="zh-CN" altLang="en-US" dirty="0" smtClean="0"/>
+            <a:t>创建标准品库项目</a:t>
+          </a:r>
+          <a:endParaRPr lang="zh-CN" altLang="en-US" dirty="0"/>
+        </a:p>
+      </dgm:t>
+    </dgm:pt>
+    <dgm:pt modelId="{E65B3828-4F8C-495E-9E87-810A37ACCCBB}" type="parTrans" cxnId="{9D066789-B4DA-44E7-B42D-95CE2D262B20}">
+      <dgm:prSet/>
+      <dgm:spPr/>
+      <dgm:t>
+        <a:bodyPr/>
+        <a:lstStyle/>
+        <a:p>
+          <a:endParaRPr lang="zh-CN" altLang="en-US"/>
+        </a:p>
+      </dgm:t>
+    </dgm:pt>
+    <dgm:pt modelId="{4E0C83F9-1B12-41AC-A56F-6B1D28F44C0D}" type="sibTrans" cxnId="{9D066789-B4DA-44E7-B42D-95CE2D262B20}">
+      <dgm:prSet/>
+      <dgm:spPr/>
+      <dgm:t>
+        <a:bodyPr/>
+        <a:lstStyle/>
+        <a:p>
+          <a:endParaRPr lang="zh-CN" altLang="en-US"/>
+        </a:p>
+      </dgm:t>
+    </dgm:pt>
+    <dgm:pt modelId="{F1DDFDB8-3DD0-4EAE-A488-242DD516EE9B}">
+      <dgm:prSet phldrT="[文本]" phldr="1"/>
+      <dgm:spPr/>
+      <dgm:t>
+        <a:bodyPr/>
+        <a:lstStyle/>
+        <a:p>
+          <a:endParaRPr lang="zh-CN" altLang="en-US" dirty="0"/>
+        </a:p>
+      </dgm:t>
+    </dgm:pt>
+    <dgm:pt modelId="{895D06E5-CE4F-4692-8DA8-3862B9DF4BF1}" type="parTrans" cxnId="{106B2662-A3B9-409B-B6C3-E56344A7E3FF}">
+      <dgm:prSet/>
+      <dgm:spPr/>
+      <dgm:t>
+        <a:bodyPr/>
+        <a:lstStyle/>
+        <a:p>
+          <a:endParaRPr lang="zh-CN" altLang="en-US"/>
+        </a:p>
+      </dgm:t>
+    </dgm:pt>
+    <dgm:pt modelId="{201E1538-6C3D-4A3B-B0F1-94222A5F461A}" type="sibTrans" cxnId="{106B2662-A3B9-409B-B6C3-E56344A7E3FF}">
+      <dgm:prSet/>
+      <dgm:spPr/>
+      <dgm:t>
+        <a:bodyPr/>
+        <a:lstStyle/>
+        <a:p>
+          <a:endParaRPr lang="zh-CN" altLang="en-US"/>
+        </a:p>
+      </dgm:t>
+    </dgm:pt>
+    <dgm:pt modelId="{ADDDC0E0-B123-4C8E-8DE2-59CC84A39636}">
+      <dgm:prSet phldrT="[文本]" phldr="1"/>
+      <dgm:spPr/>
+      <dgm:t>
+        <a:bodyPr/>
+        <a:lstStyle/>
+        <a:p>
+          <a:endParaRPr lang="zh-CN" altLang="en-US"/>
+        </a:p>
+      </dgm:t>
+    </dgm:pt>
+    <dgm:pt modelId="{7055E9B8-A33F-4835-BD2C-57F69AF2B21E}" type="parTrans" cxnId="{C10CDA63-8577-4513-A6DA-5A672EB2B025}">
+      <dgm:prSet/>
+      <dgm:spPr/>
+      <dgm:t>
+        <a:bodyPr/>
+        <a:lstStyle/>
+        <a:p>
+          <a:endParaRPr lang="zh-CN" altLang="en-US"/>
+        </a:p>
+      </dgm:t>
+    </dgm:pt>
+    <dgm:pt modelId="{82743DB0-A6F3-45E4-AF6C-1A3F5869E497}" type="sibTrans" cxnId="{C10CDA63-8577-4513-A6DA-5A672EB2B025}">
+      <dgm:prSet/>
+      <dgm:spPr/>
+      <dgm:t>
+        <a:bodyPr/>
+        <a:lstStyle/>
+        <a:p>
+          <a:endParaRPr lang="zh-CN" altLang="en-US"/>
+        </a:p>
+      </dgm:t>
+    </dgm:pt>
+    <dgm:pt modelId="{4553EEB9-6A10-4831-B296-FF84D0EC9F2B}">
+      <dgm:prSet phldrT="[文本]"/>
+      <dgm:spPr/>
+      <dgm:t>
+        <a:bodyPr/>
+        <a:lstStyle/>
+        <a:p>
+          <a:r>
+            <a:rPr lang="zh-CN" altLang="en-US" dirty="0" smtClean="0"/>
+            <a:t>上传标准品库原始数据文件</a:t>
+          </a:r>
+          <a:endParaRPr lang="zh-CN" altLang="en-US" dirty="0"/>
+        </a:p>
+      </dgm:t>
+    </dgm:pt>
+    <dgm:pt modelId="{463F1DB1-0C99-450B-AFCA-692B5A46533D}" type="parTrans" cxnId="{0D0FB8C9-980B-49A5-BBA8-09CB0686930A}">
+      <dgm:prSet/>
+      <dgm:spPr/>
+      <dgm:t>
+        <a:bodyPr/>
+        <a:lstStyle/>
+        <a:p>
+          <a:endParaRPr lang="zh-CN" altLang="en-US"/>
+        </a:p>
+      </dgm:t>
+    </dgm:pt>
+    <dgm:pt modelId="{1F2D7BCB-A7B7-4B44-8FB8-7DD8C9E08CD5}" type="sibTrans" cxnId="{0D0FB8C9-980B-49A5-BBA8-09CB0686930A}">
+      <dgm:prSet/>
+      <dgm:spPr/>
+      <dgm:t>
+        <a:bodyPr/>
+        <a:lstStyle/>
+        <a:p>
+          <a:endParaRPr lang="zh-CN" altLang="en-US"/>
+        </a:p>
+      </dgm:t>
+    </dgm:pt>
+    <dgm:pt modelId="{D033DAA5-4E86-428B-BD38-9320027DBD6D}">
+      <dgm:prSet phldrT="[文本]"/>
+      <dgm:spPr/>
+      <dgm:t>
+        <a:bodyPr/>
+        <a:lstStyle/>
+        <a:p>
+          <a:r>
+            <a:rPr lang="zh-CN" altLang="en-US" dirty="0" smtClean="0"/>
+            <a:t>上传对应的注释信息</a:t>
+          </a:r>
+          <a:endParaRPr lang="zh-CN" altLang="en-US" dirty="0"/>
+        </a:p>
+      </dgm:t>
+    </dgm:pt>
+    <dgm:pt modelId="{05E67585-49CC-409A-8F94-2144039C4DBD}" type="parTrans" cxnId="{11652A40-F95B-44CB-82AC-1FF806BEBEB2}">
+      <dgm:prSet/>
+      <dgm:spPr/>
+      <dgm:t>
+        <a:bodyPr/>
+        <a:lstStyle/>
+        <a:p>
+          <a:endParaRPr lang="zh-CN" altLang="en-US"/>
+        </a:p>
+      </dgm:t>
+    </dgm:pt>
+    <dgm:pt modelId="{99308F18-78E8-4050-B3A4-8F66E82536EE}" type="sibTrans" cxnId="{11652A40-F95B-44CB-82AC-1FF806BEBEB2}">
+      <dgm:prSet/>
+      <dgm:spPr/>
+      <dgm:t>
+        <a:bodyPr/>
+        <a:lstStyle/>
+        <a:p>
+          <a:endParaRPr lang="zh-CN" altLang="en-US"/>
+        </a:p>
+      </dgm:t>
+    </dgm:pt>
+    <dgm:pt modelId="{21BF3B98-F83C-4DE9-AE6A-E1CD2E015112}">
+      <dgm:prSet phldrT="[文本]" phldr="1"/>
+      <dgm:spPr/>
+      <dgm:t>
+        <a:bodyPr/>
+        <a:lstStyle/>
+        <a:p>
+          <a:endParaRPr lang="zh-CN" altLang="en-US"/>
+        </a:p>
+      </dgm:t>
+    </dgm:pt>
+    <dgm:pt modelId="{3E401503-4B07-4291-86E2-178AEFB6E5BB}" type="parTrans" cxnId="{3D37065C-C856-4EEF-A2A5-0946EBA511CA}">
+      <dgm:prSet/>
+      <dgm:spPr/>
+      <dgm:t>
+        <a:bodyPr/>
+        <a:lstStyle/>
+        <a:p>
+          <a:endParaRPr lang="zh-CN" altLang="en-US"/>
+        </a:p>
+      </dgm:t>
+    </dgm:pt>
+    <dgm:pt modelId="{D955D555-3F5C-4B50-B8EB-2E010019EB55}" type="sibTrans" cxnId="{3D37065C-C856-4EEF-A2A5-0946EBA511CA}">
+      <dgm:prSet/>
+      <dgm:spPr/>
+      <dgm:t>
+        <a:bodyPr/>
+        <a:lstStyle/>
+        <a:p>
+          <a:endParaRPr lang="zh-CN" altLang="en-US"/>
+        </a:p>
+      </dgm:t>
+    </dgm:pt>
+    <dgm:pt modelId="{9A5373F7-5CF8-4142-8B0D-E095E45539AC}">
+      <dgm:prSet phldrT="[文本]"/>
+      <dgm:spPr/>
+      <dgm:t>
+        <a:bodyPr/>
+        <a:lstStyle/>
+        <a:p>
+          <a:r>
+            <a:rPr lang="zh-CN" altLang="en-US" dirty="0" smtClean="0"/>
+            <a:t>标准品库自动化构建成功</a:t>
+          </a:r>
+          <a:endParaRPr lang="zh-CN" altLang="en-US" dirty="0"/>
+        </a:p>
+      </dgm:t>
+    </dgm:pt>
+    <dgm:pt modelId="{FF16B601-389D-41D4-B12F-D64CA42914CF}" type="parTrans" cxnId="{0CA14927-77CE-49F2-A59F-816D34145651}">
+      <dgm:prSet/>
+      <dgm:spPr/>
+      <dgm:t>
+        <a:bodyPr/>
+        <a:lstStyle/>
+        <a:p>
+          <a:endParaRPr lang="zh-CN" altLang="en-US"/>
+        </a:p>
+      </dgm:t>
+    </dgm:pt>
+    <dgm:pt modelId="{89959F32-1759-4EAC-B9C0-5FB6801BCA82}" type="sibTrans" cxnId="{0CA14927-77CE-49F2-A59F-816D34145651}">
+      <dgm:prSet/>
+      <dgm:spPr/>
+      <dgm:t>
+        <a:bodyPr/>
+        <a:lstStyle/>
+        <a:p>
+          <a:endParaRPr lang="zh-CN" altLang="en-US"/>
+        </a:p>
+      </dgm:t>
+    </dgm:pt>
+    <dgm:pt modelId="{4FF6BA53-4E82-4525-B374-E3ECD2AC3F45}">
+      <dgm:prSet phldrT="[文本]" phldr="1"/>
+      <dgm:spPr/>
+      <dgm:t>
+        <a:bodyPr/>
+        <a:lstStyle/>
+        <a:p>
+          <a:endParaRPr lang="zh-CN" altLang="en-US" dirty="0"/>
+        </a:p>
+      </dgm:t>
+    </dgm:pt>
+    <dgm:pt modelId="{81D02D6A-CA77-4FDE-BB1A-BA69BF51728A}" type="parTrans" cxnId="{DDCCFB1B-4541-423F-B907-6B038B0FA1A4}">
+      <dgm:prSet/>
+      <dgm:spPr/>
+      <dgm:t>
+        <a:bodyPr/>
+        <a:lstStyle/>
+        <a:p>
+          <a:endParaRPr lang="zh-CN" altLang="en-US"/>
+        </a:p>
+      </dgm:t>
+    </dgm:pt>
+    <dgm:pt modelId="{80C41FC8-83E6-40C3-9E85-4CDF00A98A7D}" type="sibTrans" cxnId="{DDCCFB1B-4541-423F-B907-6B038B0FA1A4}">
+      <dgm:prSet/>
+      <dgm:spPr/>
+      <dgm:t>
+        <a:bodyPr/>
+        <a:lstStyle/>
+        <a:p>
+          <a:endParaRPr lang="zh-CN" altLang="en-US"/>
+        </a:p>
+      </dgm:t>
+    </dgm:pt>
+    <dgm:pt modelId="{F9C0F344-0B5D-4653-A55F-3F189C093CDB}">
+      <dgm:prSet phldrT="[文本]"/>
+      <dgm:spPr/>
+      <dgm:t>
+        <a:bodyPr/>
+        <a:lstStyle/>
+        <a:p>
+          <a:r>
+            <a:rPr lang="zh-CN" altLang="en-US" dirty="0" smtClean="0"/>
+            <a:t>编辑构建任务参数</a:t>
+          </a:r>
+          <a:endParaRPr lang="zh-CN" altLang="en-US" dirty="0"/>
+        </a:p>
+      </dgm:t>
+    </dgm:pt>
+    <dgm:pt modelId="{337FC211-CCEE-43DE-8B3B-F71DEF455740}" type="parTrans" cxnId="{318C3037-4EF9-4A1F-BDDE-D6D2139C9526}">
+      <dgm:prSet/>
+      <dgm:spPr/>
+      <dgm:t>
+        <a:bodyPr/>
+        <a:lstStyle/>
+        <a:p>
+          <a:endParaRPr lang="zh-CN" altLang="en-US"/>
+        </a:p>
+      </dgm:t>
+    </dgm:pt>
+    <dgm:pt modelId="{34ECF5C5-76E5-4CCE-A542-55CD8BF98859}" type="sibTrans" cxnId="{318C3037-4EF9-4A1F-BDDE-D6D2139C9526}">
+      <dgm:prSet/>
+      <dgm:spPr/>
+      <dgm:t>
+        <a:bodyPr/>
+        <a:lstStyle/>
+        <a:p>
+          <a:endParaRPr lang="zh-CN" altLang="en-US"/>
+        </a:p>
+      </dgm:t>
+    </dgm:pt>
+    <dgm:pt modelId="{217C1C59-BD0D-4FFD-A80A-9D8D40884A7D}" type="pres">
+      <dgm:prSet presAssocID="{9129E017-CB08-47C4-BD78-B6FA0E8D5A65}" presName="linearFlow" presStyleCnt="0">
+        <dgm:presLayoutVars>
+          <dgm:dir/>
+          <dgm:animLvl val="lvl"/>
+          <dgm:resizeHandles val="exact"/>
+        </dgm:presLayoutVars>
+      </dgm:prSet>
+      <dgm:spPr/>
+    </dgm:pt>
+    <dgm:pt modelId="{7BCBC6F5-C0FB-4C79-82F3-7423DCFEA677}" type="pres">
+      <dgm:prSet presAssocID="{6A721404-FC4F-43F4-BFA5-A30CA121C724}" presName="composite" presStyleCnt="0"/>
+      <dgm:spPr/>
+    </dgm:pt>
+    <dgm:pt modelId="{BAF12729-F29E-4B66-AE02-7A15599BB47A}" type="pres">
+      <dgm:prSet presAssocID="{6A721404-FC4F-43F4-BFA5-A30CA121C724}" presName="parentText" presStyleLbl="alignNode1" presStyleIdx="0" presStyleCnt="3">
+        <dgm:presLayoutVars>
+          <dgm:chMax val="1"/>
+          <dgm:bulletEnabled val="1"/>
+        </dgm:presLayoutVars>
+      </dgm:prSet>
+      <dgm:spPr/>
+    </dgm:pt>
+    <dgm:pt modelId="{95DE598D-6673-46C2-BF43-26AC22BAB4AD}" type="pres">
+      <dgm:prSet presAssocID="{6A721404-FC4F-43F4-BFA5-A30CA121C724}" presName="descendantText" presStyleLbl="alignAcc1" presStyleIdx="0" presStyleCnt="3">
+        <dgm:presLayoutVars>
+          <dgm:bulletEnabled val="1"/>
+        </dgm:presLayoutVars>
+      </dgm:prSet>
+      <dgm:spPr/>
+      <dgm:t>
+        <a:bodyPr/>
+        <a:lstStyle/>
+        <a:p>
+          <a:endParaRPr lang="zh-CN" altLang="en-US"/>
+        </a:p>
+      </dgm:t>
+    </dgm:pt>
+    <dgm:pt modelId="{B943B868-7B0E-4571-BD4D-05DDB64E4734}" type="pres">
+      <dgm:prSet presAssocID="{183E2490-9BD2-44ED-B287-86B8A52BA1FB}" presName="sp" presStyleCnt="0"/>
+      <dgm:spPr/>
+    </dgm:pt>
+    <dgm:pt modelId="{C5FF0AB8-0231-4F8A-8B50-967FC8C254DD}" type="pres">
+      <dgm:prSet presAssocID="{ADDDC0E0-B123-4C8E-8DE2-59CC84A39636}" presName="composite" presStyleCnt="0"/>
+      <dgm:spPr/>
+    </dgm:pt>
+    <dgm:pt modelId="{106C54E9-7EB7-445B-9755-C1A1D3B7ABCA}" type="pres">
+      <dgm:prSet presAssocID="{ADDDC0E0-B123-4C8E-8DE2-59CC84A39636}" presName="parentText" presStyleLbl="alignNode1" presStyleIdx="1" presStyleCnt="3">
+        <dgm:presLayoutVars>
+          <dgm:chMax val="1"/>
+          <dgm:bulletEnabled val="1"/>
+        </dgm:presLayoutVars>
+      </dgm:prSet>
+      <dgm:spPr/>
+    </dgm:pt>
+    <dgm:pt modelId="{BC251D36-F7A8-4F60-A2B4-1E51659DFE98}" type="pres">
+      <dgm:prSet presAssocID="{ADDDC0E0-B123-4C8E-8DE2-59CC84A39636}" presName="descendantText" presStyleLbl="alignAcc1" presStyleIdx="1" presStyleCnt="3">
+        <dgm:presLayoutVars>
+          <dgm:bulletEnabled val="1"/>
+        </dgm:presLayoutVars>
+      </dgm:prSet>
+      <dgm:spPr/>
+    </dgm:pt>
+    <dgm:pt modelId="{958A0BED-A7F4-4A69-82AB-DE770E383E33}" type="pres">
+      <dgm:prSet presAssocID="{82743DB0-A6F3-45E4-AF6C-1A3F5869E497}" presName="sp" presStyleCnt="0"/>
+      <dgm:spPr/>
+    </dgm:pt>
+    <dgm:pt modelId="{8C71999A-C95B-4D5C-8873-AB2E0A5C2ACE}" type="pres">
+      <dgm:prSet presAssocID="{21BF3B98-F83C-4DE9-AE6A-E1CD2E015112}" presName="composite" presStyleCnt="0"/>
+      <dgm:spPr/>
+    </dgm:pt>
+    <dgm:pt modelId="{F1FABA56-4CD9-4E0C-8903-3B6DF89A5350}" type="pres">
+      <dgm:prSet presAssocID="{21BF3B98-F83C-4DE9-AE6A-E1CD2E015112}" presName="parentText" presStyleLbl="alignNode1" presStyleIdx="2" presStyleCnt="3">
+        <dgm:presLayoutVars>
+          <dgm:chMax val="1"/>
+          <dgm:bulletEnabled val="1"/>
+        </dgm:presLayoutVars>
+      </dgm:prSet>
+      <dgm:spPr/>
+    </dgm:pt>
+    <dgm:pt modelId="{1D7C740A-8832-4BA6-BDE0-7F09673A3DAF}" type="pres">
+      <dgm:prSet presAssocID="{21BF3B98-F83C-4DE9-AE6A-E1CD2E015112}" presName="descendantText" presStyleLbl="alignAcc1" presStyleIdx="2" presStyleCnt="3">
+        <dgm:presLayoutVars>
+          <dgm:bulletEnabled val="1"/>
+        </dgm:presLayoutVars>
+      </dgm:prSet>
+      <dgm:spPr/>
+      <dgm:t>
+        <a:bodyPr/>
+        <a:lstStyle/>
+        <a:p>
+          <a:endParaRPr lang="zh-CN" altLang="en-US"/>
+        </a:p>
+      </dgm:t>
+    </dgm:pt>
+  </dgm:ptLst>
+  <dgm:cxnLst>
+    <dgm:cxn modelId="{3D3E327D-A8DF-457C-8AA7-897D5D5947A4}" type="presOf" srcId="{4553EEB9-6A10-4831-B296-FF84D0EC9F2B}" destId="{BC251D36-F7A8-4F60-A2B4-1E51659DFE98}" srcOrd="0" destOrd="0" presId="urn:microsoft.com/office/officeart/2005/8/layout/chevron2"/>
+    <dgm:cxn modelId="{0D0FB8C9-980B-49A5-BBA8-09CB0686930A}" srcId="{ADDDC0E0-B123-4C8E-8DE2-59CC84A39636}" destId="{4553EEB9-6A10-4831-B296-FF84D0EC9F2B}" srcOrd="0" destOrd="0" parTransId="{463F1DB1-0C99-450B-AFCA-692B5A46533D}" sibTransId="{1F2D7BCB-A7B7-4B44-8FB8-7DD8C9E08CD5}"/>
+    <dgm:cxn modelId="{CA0CFAB8-F6EB-496F-82C1-401BE1640495}" type="presOf" srcId="{D56B5949-AE5D-436A-BDCC-F8A10B423A69}" destId="{95DE598D-6673-46C2-BF43-26AC22BAB4AD}" srcOrd="0" destOrd="0" presId="urn:microsoft.com/office/officeart/2005/8/layout/chevron2"/>
+    <dgm:cxn modelId="{0CA14927-77CE-49F2-A59F-816D34145651}" srcId="{21BF3B98-F83C-4DE9-AE6A-E1CD2E015112}" destId="{9A5373F7-5CF8-4142-8B0D-E095E45539AC}" srcOrd="0" destOrd="0" parTransId="{FF16B601-389D-41D4-B12F-D64CA42914CF}" sibTransId="{89959F32-1759-4EAC-B9C0-5FB6801BCA82}"/>
+    <dgm:cxn modelId="{C10CDA63-8577-4513-A6DA-5A672EB2B025}" srcId="{9129E017-CB08-47C4-BD78-B6FA0E8D5A65}" destId="{ADDDC0E0-B123-4C8E-8DE2-59CC84A39636}" srcOrd="1" destOrd="0" parTransId="{7055E9B8-A33F-4835-BD2C-57F69AF2B21E}" sibTransId="{82743DB0-A6F3-45E4-AF6C-1A3F5869E497}"/>
+    <dgm:cxn modelId="{8D03150D-40CD-429A-940C-B62531E98111}" type="presOf" srcId="{4FF6BA53-4E82-4525-B374-E3ECD2AC3F45}" destId="{1D7C740A-8832-4BA6-BDE0-7F09673A3DAF}" srcOrd="0" destOrd="1" presId="urn:microsoft.com/office/officeart/2005/8/layout/chevron2"/>
+    <dgm:cxn modelId="{594A6273-73F6-4300-A2D3-3DF927DECC4C}" type="presOf" srcId="{9A5373F7-5CF8-4142-8B0D-E095E45539AC}" destId="{1D7C740A-8832-4BA6-BDE0-7F09673A3DAF}" srcOrd="0" destOrd="0" presId="urn:microsoft.com/office/officeart/2005/8/layout/chevron2"/>
+    <dgm:cxn modelId="{106B2662-A3B9-409B-B6C3-E56344A7E3FF}" srcId="{6A721404-FC4F-43F4-BFA5-A30CA121C724}" destId="{F1DDFDB8-3DD0-4EAE-A488-242DD516EE9B}" srcOrd="1" destOrd="0" parTransId="{895D06E5-CE4F-4692-8DA8-3862B9DF4BF1}" sibTransId="{201E1538-6C3D-4A3B-B0F1-94222A5F461A}"/>
+    <dgm:cxn modelId="{84E0A6D5-33E4-4EEC-BA38-4C1ECD0D754F}" type="presOf" srcId="{D033DAA5-4E86-428B-BD38-9320027DBD6D}" destId="{BC251D36-F7A8-4F60-A2B4-1E51659DFE98}" srcOrd="0" destOrd="1" presId="urn:microsoft.com/office/officeart/2005/8/layout/chevron2"/>
+    <dgm:cxn modelId="{C48B40AF-20FF-4334-BDA4-5A30B27AEF11}" type="presOf" srcId="{ADDDC0E0-B123-4C8E-8DE2-59CC84A39636}" destId="{106C54E9-7EB7-445B-9755-C1A1D3B7ABCA}" srcOrd="0" destOrd="0" presId="urn:microsoft.com/office/officeart/2005/8/layout/chevron2"/>
+    <dgm:cxn modelId="{3D37065C-C856-4EEF-A2A5-0946EBA511CA}" srcId="{9129E017-CB08-47C4-BD78-B6FA0E8D5A65}" destId="{21BF3B98-F83C-4DE9-AE6A-E1CD2E015112}" srcOrd="2" destOrd="0" parTransId="{3E401503-4B07-4291-86E2-178AEFB6E5BB}" sibTransId="{D955D555-3F5C-4B50-B8EB-2E010019EB55}"/>
+    <dgm:cxn modelId="{39AC1F73-0B64-4D37-AEF5-7CBA5F45845B}" type="presOf" srcId="{F9C0F344-0B5D-4653-A55F-3F189C093CDB}" destId="{BC251D36-F7A8-4F60-A2B4-1E51659DFE98}" srcOrd="0" destOrd="2" presId="urn:microsoft.com/office/officeart/2005/8/layout/chevron2"/>
+    <dgm:cxn modelId="{24AE7DD5-4AD7-4AC1-A821-C20083CF6C03}" srcId="{9129E017-CB08-47C4-BD78-B6FA0E8D5A65}" destId="{6A721404-FC4F-43F4-BFA5-A30CA121C724}" srcOrd="0" destOrd="0" parTransId="{49B4A521-2B39-4E77-AF2F-6FF900CA9D1C}" sibTransId="{183E2490-9BD2-44ED-B287-86B8A52BA1FB}"/>
+    <dgm:cxn modelId="{9D066789-B4DA-44E7-B42D-95CE2D262B20}" srcId="{6A721404-FC4F-43F4-BFA5-A30CA121C724}" destId="{D56B5949-AE5D-436A-BDCC-F8A10B423A69}" srcOrd="0" destOrd="0" parTransId="{E65B3828-4F8C-495E-9E87-810A37ACCCBB}" sibTransId="{4E0C83F9-1B12-41AC-A56F-6B1D28F44C0D}"/>
+    <dgm:cxn modelId="{11652A40-F95B-44CB-82AC-1FF806BEBEB2}" srcId="{ADDDC0E0-B123-4C8E-8DE2-59CC84A39636}" destId="{D033DAA5-4E86-428B-BD38-9320027DBD6D}" srcOrd="1" destOrd="0" parTransId="{05E67585-49CC-409A-8F94-2144039C4DBD}" sibTransId="{99308F18-78E8-4050-B3A4-8F66E82536EE}"/>
+    <dgm:cxn modelId="{154EFC87-70FC-4204-8138-9DC8F585D5CC}" type="presOf" srcId="{9129E017-CB08-47C4-BD78-B6FA0E8D5A65}" destId="{217C1C59-BD0D-4FFD-A80A-9D8D40884A7D}" srcOrd="0" destOrd="0" presId="urn:microsoft.com/office/officeart/2005/8/layout/chevron2"/>
+    <dgm:cxn modelId="{DDCCFB1B-4541-423F-B907-6B038B0FA1A4}" srcId="{21BF3B98-F83C-4DE9-AE6A-E1CD2E015112}" destId="{4FF6BA53-4E82-4525-B374-E3ECD2AC3F45}" srcOrd="1" destOrd="0" parTransId="{81D02D6A-CA77-4FDE-BB1A-BA69BF51728A}" sibTransId="{80C41FC8-83E6-40C3-9E85-4CDF00A98A7D}"/>
+    <dgm:cxn modelId="{62D5EA5D-EDE3-4BD7-8C59-F985BAB345A0}" type="presOf" srcId="{F1DDFDB8-3DD0-4EAE-A488-242DD516EE9B}" destId="{95DE598D-6673-46C2-BF43-26AC22BAB4AD}" srcOrd="0" destOrd="1" presId="urn:microsoft.com/office/officeart/2005/8/layout/chevron2"/>
+    <dgm:cxn modelId="{BA5DC077-22A8-4ECD-A44A-EC959EE3D706}" type="presOf" srcId="{21BF3B98-F83C-4DE9-AE6A-E1CD2E015112}" destId="{F1FABA56-4CD9-4E0C-8903-3B6DF89A5350}" srcOrd="0" destOrd="0" presId="urn:microsoft.com/office/officeart/2005/8/layout/chevron2"/>
+    <dgm:cxn modelId="{19BBB79F-2FC5-4613-BEA8-9F6127C39AB4}" type="presOf" srcId="{6A721404-FC4F-43F4-BFA5-A30CA121C724}" destId="{BAF12729-F29E-4B66-AE02-7A15599BB47A}" srcOrd="0" destOrd="0" presId="urn:microsoft.com/office/officeart/2005/8/layout/chevron2"/>
+    <dgm:cxn modelId="{318C3037-4EF9-4A1F-BDDE-D6D2139C9526}" srcId="{ADDDC0E0-B123-4C8E-8DE2-59CC84A39636}" destId="{F9C0F344-0B5D-4653-A55F-3F189C093CDB}" srcOrd="2" destOrd="0" parTransId="{337FC211-CCEE-43DE-8B3B-F71DEF455740}" sibTransId="{34ECF5C5-76E5-4CCE-A542-55CD8BF98859}"/>
+    <dgm:cxn modelId="{EBCBAC4C-8F2E-4B98-B8EC-D91A46E33FD0}" type="presParOf" srcId="{217C1C59-BD0D-4FFD-A80A-9D8D40884A7D}" destId="{7BCBC6F5-C0FB-4C79-82F3-7423DCFEA677}" srcOrd="0" destOrd="0" presId="urn:microsoft.com/office/officeart/2005/8/layout/chevron2"/>
+    <dgm:cxn modelId="{7FE081FE-FCE9-47D1-B3B2-4E74F99D719A}" type="presParOf" srcId="{7BCBC6F5-C0FB-4C79-82F3-7423DCFEA677}" destId="{BAF12729-F29E-4B66-AE02-7A15599BB47A}" srcOrd="0" destOrd="0" presId="urn:microsoft.com/office/officeart/2005/8/layout/chevron2"/>
+    <dgm:cxn modelId="{9C878A02-FB96-47E5-8352-DC2CBFA20652}" type="presParOf" srcId="{7BCBC6F5-C0FB-4C79-82F3-7423DCFEA677}" destId="{95DE598D-6673-46C2-BF43-26AC22BAB4AD}" srcOrd="1" destOrd="0" presId="urn:microsoft.com/office/officeart/2005/8/layout/chevron2"/>
+    <dgm:cxn modelId="{4EA35E7F-52F6-4BAD-8371-98C86CD0BAF2}" type="presParOf" srcId="{217C1C59-BD0D-4FFD-A80A-9D8D40884A7D}" destId="{B943B868-7B0E-4571-BD4D-05DDB64E4734}" srcOrd="1" destOrd="0" presId="urn:microsoft.com/office/officeart/2005/8/layout/chevron2"/>
+    <dgm:cxn modelId="{AA2DDC81-1072-4995-B275-782AC3B08BF2}" type="presParOf" srcId="{217C1C59-BD0D-4FFD-A80A-9D8D40884A7D}" destId="{C5FF0AB8-0231-4F8A-8B50-967FC8C254DD}" srcOrd="2" destOrd="0" presId="urn:microsoft.com/office/officeart/2005/8/layout/chevron2"/>
+    <dgm:cxn modelId="{C41B1AFF-CA3D-4E31-A76B-D9D56BA69AFD}" type="presParOf" srcId="{C5FF0AB8-0231-4F8A-8B50-967FC8C254DD}" destId="{106C54E9-7EB7-445B-9755-C1A1D3B7ABCA}" srcOrd="0" destOrd="0" presId="urn:microsoft.com/office/officeart/2005/8/layout/chevron2"/>
+    <dgm:cxn modelId="{3E09F613-2B1F-4321-86B0-FDC702BB37E6}" type="presParOf" srcId="{C5FF0AB8-0231-4F8A-8B50-967FC8C254DD}" destId="{BC251D36-F7A8-4F60-A2B4-1E51659DFE98}" srcOrd="1" destOrd="0" presId="urn:microsoft.com/office/officeart/2005/8/layout/chevron2"/>
+    <dgm:cxn modelId="{9AF78E29-9A87-4BD7-9F39-CC0A689F6FB6}" type="presParOf" srcId="{217C1C59-BD0D-4FFD-A80A-9D8D40884A7D}" destId="{958A0BED-A7F4-4A69-82AB-DE770E383E33}" srcOrd="3" destOrd="0" presId="urn:microsoft.com/office/officeart/2005/8/layout/chevron2"/>
+    <dgm:cxn modelId="{9089DCD3-590E-46AE-A5BA-A6E3A3E2F8A7}" type="presParOf" srcId="{217C1C59-BD0D-4FFD-A80A-9D8D40884A7D}" destId="{8C71999A-C95B-4D5C-8873-AB2E0A5C2ACE}" srcOrd="4" destOrd="0" presId="urn:microsoft.com/office/officeart/2005/8/layout/chevron2"/>
+    <dgm:cxn modelId="{CA268937-C73D-4C6B-BBEA-A1A31BE303EC}" type="presParOf" srcId="{8C71999A-C95B-4D5C-8873-AB2E0A5C2ACE}" destId="{F1FABA56-4CD9-4E0C-8903-3B6DF89A5350}" srcOrd="0" destOrd="0" presId="urn:microsoft.com/office/officeart/2005/8/layout/chevron2"/>
+    <dgm:cxn modelId="{76857567-BAD2-47EB-9ED8-121CD1F674D4}" type="presParOf" srcId="{8C71999A-C95B-4D5C-8873-AB2E0A5C2ACE}" destId="{1D7C740A-8832-4BA6-BDE0-7F09673A3DAF}" srcOrd="1" destOrd="0" presId="urn:microsoft.com/office/officeart/2005/8/layout/chevron2"/>
   </dgm:cxnLst>
   <dgm:bg/>
   <dgm:whole/>
@@ -5045,6 +6471,635 @@
 </dsp:drawing>
 </file>
 
+<file path=ppt/diagrams/drawing4.xml><?xml version="1.0" encoding="utf-8"?>
+<dsp:drawing xmlns:dgm="http://schemas.openxmlformats.org/drawingml/2006/diagram" xmlns:dsp="http://schemas.microsoft.com/office/drawing/2008/diagram" xmlns:a="http://schemas.openxmlformats.org/drawingml/2006/main">
+  <dsp:spTree>
+    <dsp:nvGrpSpPr>
+      <dsp:cNvPr id="0" name=""/>
+      <dsp:cNvGrpSpPr/>
+    </dsp:nvGrpSpPr>
+    <dsp:grpSpPr/>
+    <dsp:sp modelId="{BAF12729-F29E-4B66-AE02-7A15599BB47A}">
+      <dsp:nvSpPr>
+        <dsp:cNvPr id="0" name=""/>
+        <dsp:cNvSpPr/>
+      </dsp:nvSpPr>
+      <dsp:spPr>
+        <a:xfrm rot="5400000">
+          <a:off x="-199621" y="201606"/>
+          <a:ext cx="1330811" cy="931568"/>
+        </a:xfrm>
+        <a:prstGeom prst="chevron">
+          <a:avLst/>
+        </a:prstGeom>
+        <a:gradFill rotWithShape="0">
+          <a:gsLst>
+            <a:gs pos="0">
+              <a:schemeClr val="accent2">
+                <a:hueOff val="0"/>
+                <a:satOff val="0"/>
+                <a:lumOff val="0"/>
+                <a:alphaOff val="0"/>
+                <a:shade val="51000"/>
+                <a:satMod val="130000"/>
+              </a:schemeClr>
+            </a:gs>
+            <a:gs pos="80000">
+              <a:schemeClr val="accent2">
+                <a:hueOff val="0"/>
+                <a:satOff val="0"/>
+                <a:lumOff val="0"/>
+                <a:alphaOff val="0"/>
+                <a:shade val="93000"/>
+                <a:satMod val="130000"/>
+              </a:schemeClr>
+            </a:gs>
+            <a:gs pos="100000">
+              <a:schemeClr val="accent2">
+                <a:hueOff val="0"/>
+                <a:satOff val="0"/>
+                <a:lumOff val="0"/>
+                <a:alphaOff val="0"/>
+                <a:shade val="94000"/>
+                <a:satMod val="135000"/>
+              </a:schemeClr>
+            </a:gs>
+          </a:gsLst>
+          <a:lin ang="16200000" scaled="0"/>
+        </a:gradFill>
+        <a:ln w="9525" cap="flat" cmpd="sng" algn="ctr">
+          <a:solidFill>
+            <a:schemeClr val="accent2">
+              <a:hueOff val="0"/>
+              <a:satOff val="0"/>
+              <a:lumOff val="0"/>
+              <a:alphaOff val="0"/>
+            </a:schemeClr>
+          </a:solidFill>
+          <a:prstDash val="solid"/>
+        </a:ln>
+        <a:effectLst>
+          <a:outerShdw blurRad="40000" dist="23000" dir="5400000" rotWithShape="0">
+            <a:srgbClr val="000000">
+              <a:alpha val="35000"/>
+            </a:srgbClr>
+          </a:outerShdw>
+        </a:effectLst>
+      </dsp:spPr>
+      <dsp:style>
+        <a:lnRef idx="1">
+          <a:scrgbClr r="0" g="0" b="0"/>
+        </a:lnRef>
+        <a:fillRef idx="3">
+          <a:scrgbClr r="0" g="0" b="0"/>
+        </a:fillRef>
+        <a:effectRef idx="2">
+          <a:scrgbClr r="0" g="0" b="0"/>
+        </a:effectRef>
+        <a:fontRef idx="minor">
+          <a:schemeClr val="lt1"/>
+        </a:fontRef>
+      </dsp:style>
+      <dsp:txBody>
+        <a:bodyPr spcFirstLastPara="0" vert="horz" wrap="square" lIns="15240" tIns="15240" rIns="15240" bIns="15240" numCol="1" spcCol="1270" anchor="ctr" anchorCtr="0">
+          <a:noAutofit/>
+        </a:bodyPr>
+        <a:lstStyle/>
+        <a:p>
+          <a:pPr lvl="0" algn="ctr" defTabSz="1066800">
+            <a:lnSpc>
+              <a:spcPct val="90000"/>
+            </a:lnSpc>
+            <a:spcBef>
+              <a:spcPct val="0"/>
+            </a:spcBef>
+            <a:spcAft>
+              <a:spcPct val="35000"/>
+            </a:spcAft>
+          </a:pPr>
+          <a:endParaRPr lang="zh-CN" altLang="en-US" sz="2400" kern="1200"/>
+        </a:p>
+      </dsp:txBody>
+      <dsp:txXfrm rot="-5400000">
+        <a:off x="1" y="467768"/>
+        <a:ext cx="931568" cy="399243"/>
+      </dsp:txXfrm>
+    </dsp:sp>
+    <dsp:sp modelId="{95DE598D-6673-46C2-BF43-26AC22BAB4AD}">
+      <dsp:nvSpPr>
+        <dsp:cNvPr id="0" name=""/>
+        <dsp:cNvSpPr/>
+      </dsp:nvSpPr>
+      <dsp:spPr>
+        <a:xfrm rot="5400000">
+          <a:off x="2661562" y="-1728009"/>
+          <a:ext cx="865027" cy="4325015"/>
+        </a:xfrm>
+        <a:prstGeom prst="round2SameRect">
+          <a:avLst/>
+        </a:prstGeom>
+        <a:solidFill>
+          <a:schemeClr val="lt1">
+            <a:alpha val="90000"/>
+            <a:hueOff val="0"/>
+            <a:satOff val="0"/>
+            <a:lumOff val="0"/>
+            <a:alphaOff val="0"/>
+          </a:schemeClr>
+        </a:solidFill>
+        <a:ln w="9525" cap="flat" cmpd="sng" algn="ctr">
+          <a:solidFill>
+            <a:schemeClr val="accent2">
+              <a:hueOff val="0"/>
+              <a:satOff val="0"/>
+              <a:lumOff val="0"/>
+              <a:alphaOff val="0"/>
+            </a:schemeClr>
+          </a:solidFill>
+          <a:prstDash val="solid"/>
+        </a:ln>
+        <a:effectLst/>
+      </dsp:spPr>
+      <dsp:style>
+        <a:lnRef idx="1">
+          <a:scrgbClr r="0" g="0" b="0"/>
+        </a:lnRef>
+        <a:fillRef idx="1">
+          <a:scrgbClr r="0" g="0" b="0"/>
+        </a:fillRef>
+        <a:effectRef idx="0">
+          <a:scrgbClr r="0" g="0" b="0"/>
+        </a:effectRef>
+        <a:fontRef idx="minor"/>
+      </dsp:style>
+      <dsp:txBody>
+        <a:bodyPr spcFirstLastPara="0" vert="horz" wrap="square" lIns="106680" tIns="9525" rIns="9525" bIns="9525" numCol="1" spcCol="1270" anchor="ctr" anchorCtr="0">
+          <a:noAutofit/>
+        </a:bodyPr>
+        <a:lstStyle/>
+        <a:p>
+          <a:pPr marL="114300" lvl="1" indent="-114300" algn="l" defTabSz="666750">
+            <a:lnSpc>
+              <a:spcPct val="90000"/>
+            </a:lnSpc>
+            <a:spcBef>
+              <a:spcPct val="0"/>
+            </a:spcBef>
+            <a:spcAft>
+              <a:spcPct val="15000"/>
+            </a:spcAft>
+            <a:buChar char="••"/>
+          </a:pPr>
+          <a:r>
+            <a:rPr lang="zh-CN" altLang="en-US" sz="1500" kern="1200" dirty="0" smtClean="0"/>
+            <a:t>创建标准品库项目</a:t>
+          </a:r>
+          <a:endParaRPr lang="zh-CN" altLang="en-US" sz="1500" kern="1200" dirty="0"/>
+        </a:p>
+        <a:p>
+          <a:pPr marL="114300" lvl="1" indent="-114300" algn="l" defTabSz="666750">
+            <a:lnSpc>
+              <a:spcPct val="90000"/>
+            </a:lnSpc>
+            <a:spcBef>
+              <a:spcPct val="0"/>
+            </a:spcBef>
+            <a:spcAft>
+              <a:spcPct val="15000"/>
+            </a:spcAft>
+            <a:buChar char="••"/>
+          </a:pPr>
+          <a:endParaRPr lang="zh-CN" altLang="en-US" sz="1500" kern="1200" dirty="0"/>
+        </a:p>
+      </dsp:txBody>
+      <dsp:txXfrm rot="-5400000">
+        <a:off x="931569" y="44211"/>
+        <a:ext cx="4282788" cy="780573"/>
+      </dsp:txXfrm>
+    </dsp:sp>
+    <dsp:sp modelId="{106C54E9-7EB7-445B-9755-C1A1D3B7ABCA}">
+      <dsp:nvSpPr>
+        <dsp:cNvPr id="0" name=""/>
+        <dsp:cNvSpPr/>
+      </dsp:nvSpPr>
+      <dsp:spPr>
+        <a:xfrm rot="5400000">
+          <a:off x="-199621" y="1334415"/>
+          <a:ext cx="1330811" cy="931568"/>
+        </a:xfrm>
+        <a:prstGeom prst="chevron">
+          <a:avLst/>
+        </a:prstGeom>
+        <a:gradFill rotWithShape="0">
+          <a:gsLst>
+            <a:gs pos="0">
+              <a:schemeClr val="accent3">
+                <a:hueOff val="0"/>
+                <a:satOff val="0"/>
+                <a:lumOff val="0"/>
+                <a:alphaOff val="0"/>
+                <a:shade val="51000"/>
+                <a:satMod val="130000"/>
+              </a:schemeClr>
+            </a:gs>
+            <a:gs pos="80000">
+              <a:schemeClr val="accent3">
+                <a:hueOff val="0"/>
+                <a:satOff val="0"/>
+                <a:lumOff val="0"/>
+                <a:alphaOff val="0"/>
+                <a:shade val="93000"/>
+                <a:satMod val="130000"/>
+              </a:schemeClr>
+            </a:gs>
+            <a:gs pos="100000">
+              <a:schemeClr val="accent3">
+                <a:hueOff val="0"/>
+                <a:satOff val="0"/>
+                <a:lumOff val="0"/>
+                <a:alphaOff val="0"/>
+                <a:shade val="94000"/>
+                <a:satMod val="135000"/>
+              </a:schemeClr>
+            </a:gs>
+          </a:gsLst>
+          <a:lin ang="16200000" scaled="0"/>
+        </a:gradFill>
+        <a:ln w="9525" cap="flat" cmpd="sng" algn="ctr">
+          <a:solidFill>
+            <a:schemeClr val="accent3">
+              <a:hueOff val="0"/>
+              <a:satOff val="0"/>
+              <a:lumOff val="0"/>
+              <a:alphaOff val="0"/>
+            </a:schemeClr>
+          </a:solidFill>
+          <a:prstDash val="solid"/>
+        </a:ln>
+        <a:effectLst>
+          <a:outerShdw blurRad="40000" dist="23000" dir="5400000" rotWithShape="0">
+            <a:srgbClr val="000000">
+              <a:alpha val="35000"/>
+            </a:srgbClr>
+          </a:outerShdw>
+        </a:effectLst>
+      </dsp:spPr>
+      <dsp:style>
+        <a:lnRef idx="1">
+          <a:scrgbClr r="0" g="0" b="0"/>
+        </a:lnRef>
+        <a:fillRef idx="3">
+          <a:scrgbClr r="0" g="0" b="0"/>
+        </a:fillRef>
+        <a:effectRef idx="2">
+          <a:scrgbClr r="0" g="0" b="0"/>
+        </a:effectRef>
+        <a:fontRef idx="minor">
+          <a:schemeClr val="lt1"/>
+        </a:fontRef>
+      </dsp:style>
+      <dsp:txBody>
+        <a:bodyPr spcFirstLastPara="0" vert="horz" wrap="square" lIns="15240" tIns="15240" rIns="15240" bIns="15240" numCol="1" spcCol="1270" anchor="ctr" anchorCtr="0">
+          <a:noAutofit/>
+        </a:bodyPr>
+        <a:lstStyle/>
+        <a:p>
+          <a:pPr lvl="0" algn="ctr" defTabSz="1066800">
+            <a:lnSpc>
+              <a:spcPct val="90000"/>
+            </a:lnSpc>
+            <a:spcBef>
+              <a:spcPct val="0"/>
+            </a:spcBef>
+            <a:spcAft>
+              <a:spcPct val="35000"/>
+            </a:spcAft>
+          </a:pPr>
+          <a:endParaRPr lang="zh-CN" altLang="en-US" sz="2400" kern="1200"/>
+        </a:p>
+      </dsp:txBody>
+      <dsp:txXfrm rot="-5400000">
+        <a:off x="1" y="1600577"/>
+        <a:ext cx="931568" cy="399243"/>
+      </dsp:txXfrm>
+    </dsp:sp>
+    <dsp:sp modelId="{BC251D36-F7A8-4F60-A2B4-1E51659DFE98}">
+      <dsp:nvSpPr>
+        <dsp:cNvPr id="0" name=""/>
+        <dsp:cNvSpPr/>
+      </dsp:nvSpPr>
+      <dsp:spPr>
+        <a:xfrm rot="5400000">
+          <a:off x="2661562" y="-595199"/>
+          <a:ext cx="865027" cy="4325015"/>
+        </a:xfrm>
+        <a:prstGeom prst="round2SameRect">
+          <a:avLst/>
+        </a:prstGeom>
+        <a:solidFill>
+          <a:schemeClr val="lt1">
+            <a:alpha val="90000"/>
+            <a:hueOff val="0"/>
+            <a:satOff val="0"/>
+            <a:lumOff val="0"/>
+            <a:alphaOff val="0"/>
+          </a:schemeClr>
+        </a:solidFill>
+        <a:ln w="9525" cap="flat" cmpd="sng" algn="ctr">
+          <a:solidFill>
+            <a:schemeClr val="accent3">
+              <a:hueOff val="0"/>
+              <a:satOff val="0"/>
+              <a:lumOff val="0"/>
+              <a:alphaOff val="0"/>
+            </a:schemeClr>
+          </a:solidFill>
+          <a:prstDash val="solid"/>
+        </a:ln>
+        <a:effectLst/>
+      </dsp:spPr>
+      <dsp:style>
+        <a:lnRef idx="1">
+          <a:scrgbClr r="0" g="0" b="0"/>
+        </a:lnRef>
+        <a:fillRef idx="1">
+          <a:scrgbClr r="0" g="0" b="0"/>
+        </a:fillRef>
+        <a:effectRef idx="0">
+          <a:scrgbClr r="0" g="0" b="0"/>
+        </a:effectRef>
+        <a:fontRef idx="minor"/>
+      </dsp:style>
+      <dsp:txBody>
+        <a:bodyPr spcFirstLastPara="0" vert="horz" wrap="square" lIns="106680" tIns="9525" rIns="9525" bIns="9525" numCol="1" spcCol="1270" anchor="ctr" anchorCtr="0">
+          <a:noAutofit/>
+        </a:bodyPr>
+        <a:lstStyle/>
+        <a:p>
+          <a:pPr marL="114300" lvl="1" indent="-114300" algn="l" defTabSz="666750">
+            <a:lnSpc>
+              <a:spcPct val="90000"/>
+            </a:lnSpc>
+            <a:spcBef>
+              <a:spcPct val="0"/>
+            </a:spcBef>
+            <a:spcAft>
+              <a:spcPct val="15000"/>
+            </a:spcAft>
+            <a:buChar char="••"/>
+          </a:pPr>
+          <a:r>
+            <a:rPr lang="zh-CN" altLang="en-US" sz="1500" kern="1200" dirty="0" smtClean="0"/>
+            <a:t>上传标准品库原始数据文件</a:t>
+          </a:r>
+          <a:endParaRPr lang="zh-CN" altLang="en-US" sz="1500" kern="1200" dirty="0"/>
+        </a:p>
+        <a:p>
+          <a:pPr marL="114300" lvl="1" indent="-114300" algn="l" defTabSz="666750">
+            <a:lnSpc>
+              <a:spcPct val="90000"/>
+            </a:lnSpc>
+            <a:spcBef>
+              <a:spcPct val="0"/>
+            </a:spcBef>
+            <a:spcAft>
+              <a:spcPct val="15000"/>
+            </a:spcAft>
+            <a:buChar char="••"/>
+          </a:pPr>
+          <a:r>
+            <a:rPr lang="zh-CN" altLang="en-US" sz="1500" kern="1200" dirty="0" smtClean="0"/>
+            <a:t>上传对应的注释信息</a:t>
+          </a:r>
+          <a:endParaRPr lang="zh-CN" altLang="en-US" sz="1500" kern="1200" dirty="0"/>
+        </a:p>
+        <a:p>
+          <a:pPr marL="114300" lvl="1" indent="-114300" algn="l" defTabSz="666750">
+            <a:lnSpc>
+              <a:spcPct val="90000"/>
+            </a:lnSpc>
+            <a:spcBef>
+              <a:spcPct val="0"/>
+            </a:spcBef>
+            <a:spcAft>
+              <a:spcPct val="15000"/>
+            </a:spcAft>
+            <a:buChar char="••"/>
+          </a:pPr>
+          <a:r>
+            <a:rPr lang="zh-CN" altLang="en-US" sz="1500" kern="1200" dirty="0" smtClean="0"/>
+            <a:t>编辑构建任务参数</a:t>
+          </a:r>
+          <a:endParaRPr lang="zh-CN" altLang="en-US" sz="1500" kern="1200" dirty="0"/>
+        </a:p>
+      </dsp:txBody>
+      <dsp:txXfrm rot="-5400000">
+        <a:off x="931569" y="1177021"/>
+        <a:ext cx="4282788" cy="780573"/>
+      </dsp:txXfrm>
+    </dsp:sp>
+    <dsp:sp modelId="{F1FABA56-4CD9-4E0C-8903-3B6DF89A5350}">
+      <dsp:nvSpPr>
+        <dsp:cNvPr id="0" name=""/>
+        <dsp:cNvSpPr/>
+      </dsp:nvSpPr>
+      <dsp:spPr>
+        <a:xfrm rot="5400000">
+          <a:off x="-199621" y="2467224"/>
+          <a:ext cx="1330811" cy="931568"/>
+        </a:xfrm>
+        <a:prstGeom prst="chevron">
+          <a:avLst/>
+        </a:prstGeom>
+        <a:gradFill rotWithShape="0">
+          <a:gsLst>
+            <a:gs pos="0">
+              <a:schemeClr val="accent4">
+                <a:hueOff val="0"/>
+                <a:satOff val="0"/>
+                <a:lumOff val="0"/>
+                <a:alphaOff val="0"/>
+                <a:shade val="51000"/>
+                <a:satMod val="130000"/>
+              </a:schemeClr>
+            </a:gs>
+            <a:gs pos="80000">
+              <a:schemeClr val="accent4">
+                <a:hueOff val="0"/>
+                <a:satOff val="0"/>
+                <a:lumOff val="0"/>
+                <a:alphaOff val="0"/>
+                <a:shade val="93000"/>
+                <a:satMod val="130000"/>
+              </a:schemeClr>
+            </a:gs>
+            <a:gs pos="100000">
+              <a:schemeClr val="accent4">
+                <a:hueOff val="0"/>
+                <a:satOff val="0"/>
+                <a:lumOff val="0"/>
+                <a:alphaOff val="0"/>
+                <a:shade val="94000"/>
+                <a:satMod val="135000"/>
+              </a:schemeClr>
+            </a:gs>
+          </a:gsLst>
+          <a:lin ang="16200000" scaled="0"/>
+        </a:gradFill>
+        <a:ln w="9525" cap="flat" cmpd="sng" algn="ctr">
+          <a:solidFill>
+            <a:schemeClr val="accent4">
+              <a:hueOff val="0"/>
+              <a:satOff val="0"/>
+              <a:lumOff val="0"/>
+              <a:alphaOff val="0"/>
+            </a:schemeClr>
+          </a:solidFill>
+          <a:prstDash val="solid"/>
+        </a:ln>
+        <a:effectLst>
+          <a:outerShdw blurRad="40000" dist="23000" dir="5400000" rotWithShape="0">
+            <a:srgbClr val="000000">
+              <a:alpha val="35000"/>
+            </a:srgbClr>
+          </a:outerShdw>
+        </a:effectLst>
+      </dsp:spPr>
+      <dsp:style>
+        <a:lnRef idx="1">
+          <a:scrgbClr r="0" g="0" b="0"/>
+        </a:lnRef>
+        <a:fillRef idx="3">
+          <a:scrgbClr r="0" g="0" b="0"/>
+        </a:fillRef>
+        <a:effectRef idx="2">
+          <a:scrgbClr r="0" g="0" b="0"/>
+        </a:effectRef>
+        <a:fontRef idx="minor">
+          <a:schemeClr val="lt1"/>
+        </a:fontRef>
+      </dsp:style>
+      <dsp:txBody>
+        <a:bodyPr spcFirstLastPara="0" vert="horz" wrap="square" lIns="15240" tIns="15240" rIns="15240" bIns="15240" numCol="1" spcCol="1270" anchor="ctr" anchorCtr="0">
+          <a:noAutofit/>
+        </a:bodyPr>
+        <a:lstStyle/>
+        <a:p>
+          <a:pPr lvl="0" algn="ctr" defTabSz="1066800">
+            <a:lnSpc>
+              <a:spcPct val="90000"/>
+            </a:lnSpc>
+            <a:spcBef>
+              <a:spcPct val="0"/>
+            </a:spcBef>
+            <a:spcAft>
+              <a:spcPct val="35000"/>
+            </a:spcAft>
+          </a:pPr>
+          <a:endParaRPr lang="zh-CN" altLang="en-US" sz="2400" kern="1200"/>
+        </a:p>
+      </dsp:txBody>
+      <dsp:txXfrm rot="-5400000">
+        <a:off x="1" y="2733386"/>
+        <a:ext cx="931568" cy="399243"/>
+      </dsp:txXfrm>
+    </dsp:sp>
+    <dsp:sp modelId="{1D7C740A-8832-4BA6-BDE0-7F09673A3DAF}">
+      <dsp:nvSpPr>
+        <dsp:cNvPr id="0" name=""/>
+        <dsp:cNvSpPr/>
+      </dsp:nvSpPr>
+      <dsp:spPr>
+        <a:xfrm rot="5400000">
+          <a:off x="2661562" y="537609"/>
+          <a:ext cx="865027" cy="4325015"/>
+        </a:xfrm>
+        <a:prstGeom prst="round2SameRect">
+          <a:avLst/>
+        </a:prstGeom>
+        <a:solidFill>
+          <a:schemeClr val="lt1">
+            <a:alpha val="90000"/>
+            <a:hueOff val="0"/>
+            <a:satOff val="0"/>
+            <a:lumOff val="0"/>
+            <a:alphaOff val="0"/>
+          </a:schemeClr>
+        </a:solidFill>
+        <a:ln w="9525" cap="flat" cmpd="sng" algn="ctr">
+          <a:solidFill>
+            <a:schemeClr val="accent4">
+              <a:hueOff val="0"/>
+              <a:satOff val="0"/>
+              <a:lumOff val="0"/>
+              <a:alphaOff val="0"/>
+            </a:schemeClr>
+          </a:solidFill>
+          <a:prstDash val="solid"/>
+        </a:ln>
+        <a:effectLst/>
+      </dsp:spPr>
+      <dsp:style>
+        <a:lnRef idx="1">
+          <a:scrgbClr r="0" g="0" b="0"/>
+        </a:lnRef>
+        <a:fillRef idx="1">
+          <a:scrgbClr r="0" g="0" b="0"/>
+        </a:fillRef>
+        <a:effectRef idx="0">
+          <a:scrgbClr r="0" g="0" b="0"/>
+        </a:effectRef>
+        <a:fontRef idx="minor"/>
+      </dsp:style>
+      <dsp:txBody>
+        <a:bodyPr spcFirstLastPara="0" vert="horz" wrap="square" lIns="106680" tIns="9525" rIns="9525" bIns="9525" numCol="1" spcCol="1270" anchor="ctr" anchorCtr="0">
+          <a:noAutofit/>
+        </a:bodyPr>
+        <a:lstStyle/>
+        <a:p>
+          <a:pPr marL="114300" lvl="1" indent="-114300" algn="l" defTabSz="666750">
+            <a:lnSpc>
+              <a:spcPct val="90000"/>
+            </a:lnSpc>
+            <a:spcBef>
+              <a:spcPct val="0"/>
+            </a:spcBef>
+            <a:spcAft>
+              <a:spcPct val="15000"/>
+            </a:spcAft>
+            <a:buChar char="••"/>
+          </a:pPr>
+          <a:r>
+            <a:rPr lang="zh-CN" altLang="en-US" sz="1500" kern="1200" dirty="0" smtClean="0"/>
+            <a:t>标准品库自动化构建成功</a:t>
+          </a:r>
+          <a:endParaRPr lang="zh-CN" altLang="en-US" sz="1500" kern="1200" dirty="0"/>
+        </a:p>
+        <a:p>
+          <a:pPr marL="114300" lvl="1" indent="-114300" algn="l" defTabSz="666750">
+            <a:lnSpc>
+              <a:spcPct val="90000"/>
+            </a:lnSpc>
+            <a:spcBef>
+              <a:spcPct val="0"/>
+            </a:spcBef>
+            <a:spcAft>
+              <a:spcPct val="15000"/>
+            </a:spcAft>
+            <a:buChar char="••"/>
+          </a:pPr>
+          <a:endParaRPr lang="zh-CN" altLang="en-US" sz="1500" kern="1200" dirty="0"/>
+        </a:p>
+      </dsp:txBody>
+      <dsp:txXfrm rot="-5400000">
+        <a:off x="931569" y="2309830"/>
+        <a:ext cx="4282788" cy="780573"/>
+      </dsp:txXfrm>
+    </dsp:sp>
+  </dsp:spTree>
+</dsp:drawing>
+</file>
+
 <file path=ppt/diagrams/layout1.xml><?xml version="1.0" encoding="utf-8"?>
 <dgm:layoutDef xmlns:dgm="http://schemas.openxmlformats.org/drawingml/2006/diagram" xmlns:a="http://schemas.openxmlformats.org/drawingml/2006/main" uniqueId="urn:microsoft.com/office/officeart/2005/8/layout/equation2">
   <dgm:title val=""/>
@@ -5721,6 +7776,262 @@
 </dgm:layoutDef>
 </file>
 
+<file path=ppt/diagrams/layout4.xml><?xml version="1.0" encoding="utf-8"?>
+<dgm:layoutDef xmlns:dgm="http://schemas.openxmlformats.org/drawingml/2006/diagram" xmlns:a="http://schemas.openxmlformats.org/drawingml/2006/main" uniqueId="urn:microsoft.com/office/officeart/2005/8/layout/chevron2">
+  <dgm:title val=""/>
+  <dgm:desc val=""/>
+  <dgm:catLst>
+    <dgm:cat type="process" pri="12000"/>
+    <dgm:cat type="list" pri="16000"/>
+    <dgm:cat type="convert" pri="11000"/>
+  </dgm:catLst>
+  <dgm:sampData>
+    <dgm:dataModel>
+      <dgm:ptLst>
+        <dgm:pt modelId="0" type="doc"/>
+        <dgm:pt modelId="1">
+          <dgm:prSet phldr="1"/>
+        </dgm:pt>
+        <dgm:pt modelId="11">
+          <dgm:prSet phldr="1"/>
+        </dgm:pt>
+        <dgm:pt modelId="12">
+          <dgm:prSet phldr="1"/>
+        </dgm:pt>
+        <dgm:pt modelId="2">
+          <dgm:prSet phldr="1"/>
+        </dgm:pt>
+        <dgm:pt modelId="21">
+          <dgm:prSet phldr="1"/>
+        </dgm:pt>
+        <dgm:pt modelId="22">
+          <dgm:prSet phldr="1"/>
+        </dgm:pt>
+        <dgm:pt modelId="3">
+          <dgm:prSet phldr="1"/>
+        </dgm:pt>
+        <dgm:pt modelId="31">
+          <dgm:prSet phldr="1"/>
+        </dgm:pt>
+        <dgm:pt modelId="32">
+          <dgm:prSet phldr="1"/>
+        </dgm:pt>
+      </dgm:ptLst>
+      <dgm:cxnLst>
+        <dgm:cxn modelId="4" srcId="0" destId="1" srcOrd="0" destOrd="0"/>
+        <dgm:cxn modelId="5" srcId="0" destId="2" srcOrd="1" destOrd="0"/>
+        <dgm:cxn modelId="6" srcId="0" destId="3" srcOrd="2" destOrd="0"/>
+        <dgm:cxn modelId="13" srcId="1" destId="11" srcOrd="0" destOrd="0"/>
+        <dgm:cxn modelId="14" srcId="1" destId="12" srcOrd="1" destOrd="0"/>
+        <dgm:cxn modelId="23" srcId="2" destId="21" srcOrd="0" destOrd="0"/>
+        <dgm:cxn modelId="24" srcId="2" destId="22" srcOrd="1" destOrd="0"/>
+        <dgm:cxn modelId="33" srcId="3" destId="31" srcOrd="0" destOrd="0"/>
+        <dgm:cxn modelId="34" srcId="3" destId="32" srcOrd="1" destOrd="0"/>
+      </dgm:cxnLst>
+      <dgm:bg/>
+      <dgm:whole/>
+    </dgm:dataModel>
+  </dgm:sampData>
+  <dgm:styleData>
+    <dgm:dataModel>
+      <dgm:ptLst>
+        <dgm:pt modelId="0" type="doc"/>
+        <dgm:pt modelId="1"/>
+      </dgm:ptLst>
+      <dgm:cxnLst>
+        <dgm:cxn modelId="4" srcId="0" destId="1" srcOrd="0" destOrd="0"/>
+      </dgm:cxnLst>
+      <dgm:bg/>
+      <dgm:whole/>
+    </dgm:dataModel>
+  </dgm:styleData>
+  <dgm:clrData>
+    <dgm:dataModel>
+      <dgm:ptLst>
+        <dgm:pt modelId="0" type="doc"/>
+        <dgm:pt modelId="1"/>
+        <dgm:pt modelId="11"/>
+        <dgm:pt modelId="2"/>
+        <dgm:pt modelId="21"/>
+        <dgm:pt modelId="3"/>
+        <dgm:pt modelId="31"/>
+        <dgm:pt modelId="4"/>
+        <dgm:pt modelId="41"/>
+      </dgm:ptLst>
+      <dgm:cxnLst>
+        <dgm:cxn modelId="5" srcId="0" destId="1" srcOrd="0" destOrd="0"/>
+        <dgm:cxn modelId="6" srcId="0" destId="2" srcOrd="1" destOrd="0"/>
+        <dgm:cxn modelId="7" srcId="0" destId="3" srcOrd="2" destOrd="0"/>
+        <dgm:cxn modelId="8" srcId="0" destId="4" srcOrd="3" destOrd="0"/>
+        <dgm:cxn modelId="13" srcId="1" destId="11" srcOrd="0" destOrd="0"/>
+        <dgm:cxn modelId="23" srcId="2" destId="21" srcOrd="0" destOrd="0"/>
+        <dgm:cxn modelId="33" srcId="3" destId="31" srcOrd="0" destOrd="0"/>
+        <dgm:cxn modelId="43" srcId="4" destId="41" srcOrd="0" destOrd="0"/>
+      </dgm:cxnLst>
+      <dgm:bg/>
+      <dgm:whole/>
+    </dgm:dataModel>
+  </dgm:clrData>
+  <dgm:layoutNode name="linearFlow">
+    <dgm:varLst>
+      <dgm:dir/>
+      <dgm:animLvl val="lvl"/>
+      <dgm:resizeHandles val="exact"/>
+    </dgm:varLst>
+    <dgm:alg type="lin">
+      <dgm:param type="linDir" val="fromT"/>
+      <dgm:param type="nodeHorzAlign" val="l"/>
+    </dgm:alg>
+    <dgm:shape xmlns:r="http://schemas.openxmlformats.org/officeDocument/2006/relationships" r:blip="">
+      <dgm:adjLst/>
+    </dgm:shape>
+    <dgm:presOf/>
+    <dgm:constrLst>
+      <dgm:constr type="h" for="ch" forName="composite" refType="h"/>
+      <dgm:constr type="w" for="ch" forName="composite" refType="w"/>
+      <dgm:constr type="h" for="des" forName="parentText" op="equ"/>
+      <dgm:constr type="h" for="ch" forName="sp" val="-14.88"/>
+      <dgm:constr type="h" for="ch" forName="sp" refType="w" refFor="des" refForName="parentText" op="gte" fact="-0.3"/>
+      <dgm:constr type="primFontSz" for="des" forName="parentText" op="equ" val="65"/>
+      <dgm:constr type="primFontSz" for="des" forName="descendantText" op="equ" val="65"/>
+    </dgm:constrLst>
+    <dgm:ruleLst/>
+    <dgm:forEach name="Name0" axis="ch" ptType="node">
+      <dgm:layoutNode name="composite">
+        <dgm:alg type="composite"/>
+        <dgm:shape xmlns:r="http://schemas.openxmlformats.org/officeDocument/2006/relationships" r:blip="">
+          <dgm:adjLst/>
+        </dgm:shape>
+        <dgm:presOf/>
+        <dgm:choose name="Name1">
+          <dgm:if name="Name2" func="var" arg="dir" op="equ" val="norm">
+            <dgm:constrLst>
+              <dgm:constr type="t" for="ch" forName="parentText"/>
+              <dgm:constr type="l" for="ch" forName="parentText"/>
+              <dgm:constr type="w" for="ch" forName="parentText" refType="w" fact="0.4"/>
+              <dgm:constr type="h" for="ch" forName="parentText" refType="h"/>
+              <dgm:constr type="w" for="ch" forName="parentText" refType="w" op="lte" fact="0.5"/>
+              <dgm:constr type="w" for="ch" forName="parentText" refType="h" refFor="ch" refForName="parentText" op="lte" fact="0.7"/>
+              <dgm:constr type="h" for="ch" forName="parentText" refType="w" refFor="ch" refForName="parentText" op="lte" fact="3"/>
+              <dgm:constr type="l" for="ch" forName="descendantText" refType="w" refFor="ch" refForName="parentText"/>
+              <dgm:constr type="w" for="ch" forName="descendantText" refType="w"/>
+              <dgm:constr type="wOff" for="ch" forName="descendantText" refType="w" refFor="ch" refForName="parentText" fact="-1"/>
+              <dgm:constr type="t" for="ch" forName="descendantText"/>
+              <dgm:constr type="b" for="ch" forName="descendantText" refType="h" refFor="ch" refForName="parentText"/>
+              <dgm:constr type="bOff" for="ch" forName="descendantText" refType="w" refFor="ch" refForName="parentText" fact="-0.5"/>
+            </dgm:constrLst>
+          </dgm:if>
+          <dgm:else name="Name3">
+            <dgm:constrLst>
+              <dgm:constr type="t" for="ch" forName="parentText"/>
+              <dgm:constr type="r" for="ch" forName="parentText" refType="w"/>
+              <dgm:constr type="w" for="ch" forName="parentText" refType="w" fact="0.4"/>
+              <dgm:constr type="h" for="ch" forName="parentText" refType="h"/>
+              <dgm:constr type="w" for="ch" forName="parentText" refType="w" op="lte" fact="0.5"/>
+              <dgm:constr type="w" for="ch" forName="parentText" refType="h" refFor="ch" refForName="parentText" op="lte" fact="0.7"/>
+              <dgm:constr type="h" for="ch" forName="parentText" refType="w" refFor="ch" refForName="parentText" op="lte" fact="3"/>
+              <dgm:constr type="l" for="ch" forName="descendantText"/>
+              <dgm:constr type="w" for="ch" forName="descendantText" refType="w"/>
+              <dgm:constr type="wOff" for="ch" forName="descendantText" refType="w" refFor="ch" refForName="parentText" fact="-1"/>
+              <dgm:constr type="t" for="ch" forName="descendantText"/>
+              <dgm:constr type="b" for="ch" forName="descendantText" refType="h" refFor="ch" refForName="parentText"/>
+              <dgm:constr type="bOff" for="ch" forName="descendantText" refType="w" refFor="ch" refForName="parentText" fact="-0.5"/>
+            </dgm:constrLst>
+          </dgm:else>
+        </dgm:choose>
+        <dgm:ruleLst/>
+        <dgm:layoutNode name="parentText" styleLbl="alignNode1">
+          <dgm:varLst>
+            <dgm:chMax val="1"/>
+            <dgm:bulletEnabled val="1"/>
+          </dgm:varLst>
+          <dgm:alg type="tx"/>
+          <dgm:shape xmlns:r="http://schemas.openxmlformats.org/officeDocument/2006/relationships" rot="90" type="chevron" r:blip="">
+            <dgm:adjLst/>
+          </dgm:shape>
+          <dgm:presOf axis="self" ptType="node"/>
+          <dgm:constrLst>
+            <dgm:constr type="lMarg" refType="primFontSz" fact="0.05"/>
+            <dgm:constr type="rMarg" refType="primFontSz" fact="0.05"/>
+            <dgm:constr type="tMarg" refType="primFontSz" fact="0.05"/>
+            <dgm:constr type="bMarg" refType="primFontSz" fact="0.05"/>
+          </dgm:constrLst>
+          <dgm:ruleLst>
+            <dgm:rule type="h" val="100" fact="NaN" max="NaN"/>
+            <dgm:rule type="primFontSz" val="24" fact="NaN" max="NaN"/>
+            <dgm:rule type="h" val="110" fact="NaN" max="NaN"/>
+            <dgm:rule type="primFontSz" val="18" fact="NaN" max="NaN"/>
+            <dgm:rule type="h" val="INF" fact="NaN" max="NaN"/>
+            <dgm:rule type="primFontSz" val="5" fact="NaN" max="NaN"/>
+          </dgm:ruleLst>
+        </dgm:layoutNode>
+        <dgm:layoutNode name="descendantText" styleLbl="alignAcc1">
+          <dgm:varLst>
+            <dgm:bulletEnabled val="1"/>
+          </dgm:varLst>
+          <dgm:choose name="Name4">
+            <dgm:if name="Name5" func="var" arg="dir" op="equ" val="norm">
+              <dgm:alg type="tx">
+                <dgm:param type="stBulletLvl" val="1"/>
+                <dgm:param type="txAnchorVertCh" val="mid"/>
+              </dgm:alg>
+              <dgm:shape xmlns:r="http://schemas.openxmlformats.org/officeDocument/2006/relationships" rot="90" type="round2SameRect" r:blip="">
+                <dgm:adjLst/>
+              </dgm:shape>
+            </dgm:if>
+            <dgm:else name="Name6">
+              <dgm:alg type="tx">
+                <dgm:param type="stBulletLvl" val="1"/>
+                <dgm:param type="txAnchorVertCh" val="mid"/>
+              </dgm:alg>
+              <dgm:shape xmlns:r="http://schemas.openxmlformats.org/officeDocument/2006/relationships" rot="-90" type="round2SameRect" r:blip="">
+                <dgm:adjLst/>
+              </dgm:shape>
+            </dgm:else>
+          </dgm:choose>
+          <dgm:presOf axis="des" ptType="node"/>
+          <dgm:choose name="Name7">
+            <dgm:if name="Name8" func="var" arg="dir" op="equ" val="norm">
+              <dgm:constrLst>
+                <dgm:constr type="secFontSz" refType="primFontSz"/>
+                <dgm:constr type="tMarg" refType="primFontSz" fact="0.05"/>
+                <dgm:constr type="bMarg" refType="primFontSz" fact="0.05"/>
+                <dgm:constr type="rMarg" refType="primFontSz" fact="0.05"/>
+              </dgm:constrLst>
+            </dgm:if>
+            <dgm:else name="Name9">
+              <dgm:constrLst>
+                <dgm:constr type="secFontSz" refType="primFontSz"/>
+                <dgm:constr type="tMarg" refType="primFontSz" fact="0.05"/>
+                <dgm:constr type="bMarg" refType="primFontSz" fact="0.05"/>
+                <dgm:constr type="lMarg" refType="primFontSz" fact="0.05"/>
+              </dgm:constrLst>
+            </dgm:else>
+          </dgm:choose>
+          <dgm:ruleLst>
+            <dgm:rule type="primFontSz" val="5" fact="NaN" max="NaN"/>
+          </dgm:ruleLst>
+        </dgm:layoutNode>
+      </dgm:layoutNode>
+      <dgm:forEach name="Name10" axis="followSib" ptType="sibTrans" cnt="1">
+        <dgm:layoutNode name="sp">
+          <dgm:alg type="sp"/>
+          <dgm:shape xmlns:r="http://schemas.openxmlformats.org/officeDocument/2006/relationships" r:blip="">
+            <dgm:adjLst/>
+          </dgm:shape>
+          <dgm:presOf axis="self"/>
+          <dgm:constrLst>
+            <dgm:constr type="w" val="1"/>
+            <dgm:constr type="h" val="37.5"/>
+          </dgm:constrLst>
+          <dgm:ruleLst/>
+        </dgm:layoutNode>
+      </dgm:forEach>
+    </dgm:forEach>
+  </dgm:layoutNode>
+</dgm:layoutDef>
+</file>
+
 <file path=ppt/diagrams/quickStyle1.xml><?xml version="1.0" encoding="utf-8"?>
 <dgm:styleDef xmlns:dgm="http://schemas.openxmlformats.org/drawingml/2006/diagram" xmlns:a="http://schemas.openxmlformats.org/drawingml/2006/main" uniqueId="urn:microsoft.com/office/officeart/2005/8/quickstyle/simple4">
   <dgm:title val=""/>
@@ -7790,6 +10101,1040 @@
 </file>
 
 <file path=ppt/diagrams/quickStyle3.xml><?xml version="1.0" encoding="utf-8"?>
+<dgm:styleDef xmlns:dgm="http://schemas.openxmlformats.org/drawingml/2006/diagram" xmlns:a="http://schemas.openxmlformats.org/drawingml/2006/main" uniqueId="urn:microsoft.com/office/officeart/2005/8/quickstyle/simple4">
+  <dgm:title val=""/>
+  <dgm:desc val=""/>
+  <dgm:catLst>
+    <dgm:cat type="simple" pri="10400"/>
+  </dgm:catLst>
+  <dgm:scene3d>
+    <a:camera prst="orthographicFront"/>
+    <a:lightRig rig="threePt" dir="t"/>
+  </dgm:scene3d>
+  <dgm:styleLbl name="node0">
+    <dgm:scene3d>
+      <a:camera prst="orthographicFront"/>
+      <a:lightRig rig="threePt" dir="t"/>
+    </dgm:scene3d>
+    <dgm:sp3d/>
+    <dgm:txPr/>
+    <dgm:style>
+      <a:lnRef idx="0">
+        <a:scrgbClr r="0" g="0" b="0"/>
+      </a:lnRef>
+      <a:fillRef idx="3">
+        <a:scrgbClr r="0" g="0" b="0"/>
+      </a:fillRef>
+      <a:effectRef idx="2">
+        <a:scrgbClr r="0" g="0" b="0"/>
+      </a:effectRef>
+      <a:fontRef idx="minor">
+        <a:schemeClr val="lt1"/>
+      </a:fontRef>
+    </dgm:style>
+  </dgm:styleLbl>
+  <dgm:styleLbl name="lnNode1">
+    <dgm:scene3d>
+      <a:camera prst="orthographicFront"/>
+      <a:lightRig rig="threePt" dir="t"/>
+    </dgm:scene3d>
+    <dgm:sp3d/>
+    <dgm:txPr/>
+    <dgm:style>
+      <a:lnRef idx="1">
+        <a:scrgbClr r="0" g="0" b="0"/>
+      </a:lnRef>
+      <a:fillRef idx="3">
+        <a:scrgbClr r="0" g="0" b="0"/>
+      </a:fillRef>
+      <a:effectRef idx="2">
+        <a:scrgbClr r="0" g="0" b="0"/>
+      </a:effectRef>
+      <a:fontRef idx="minor">
+        <a:schemeClr val="lt1"/>
+      </a:fontRef>
+    </dgm:style>
+  </dgm:styleLbl>
+  <dgm:styleLbl name="vennNode1">
+    <dgm:scene3d>
+      <a:camera prst="orthographicFront"/>
+      <a:lightRig rig="threePt" dir="t"/>
+    </dgm:scene3d>
+    <dgm:sp3d/>
+    <dgm:txPr/>
+    <dgm:style>
+      <a:lnRef idx="0">
+        <a:scrgbClr r="0" g="0" b="0"/>
+      </a:lnRef>
+      <a:fillRef idx="3">
+        <a:scrgbClr r="0" g="0" b="0"/>
+      </a:fillRef>
+      <a:effectRef idx="0">
+        <a:scrgbClr r="0" g="0" b="0"/>
+      </a:effectRef>
+      <a:fontRef idx="minor">
+        <a:schemeClr val="tx1"/>
+      </a:fontRef>
+    </dgm:style>
+  </dgm:styleLbl>
+  <dgm:styleLbl name="alignNode1">
+    <dgm:scene3d>
+      <a:camera prst="orthographicFront"/>
+      <a:lightRig rig="threePt" dir="t"/>
+    </dgm:scene3d>
+    <dgm:sp3d/>
+    <dgm:txPr/>
+    <dgm:style>
+      <a:lnRef idx="1">
+        <a:scrgbClr r="0" g="0" b="0"/>
+      </a:lnRef>
+      <a:fillRef idx="3">
+        <a:scrgbClr r="0" g="0" b="0"/>
+      </a:fillRef>
+      <a:effectRef idx="2">
+        <a:scrgbClr r="0" g="0" b="0"/>
+      </a:effectRef>
+      <a:fontRef idx="minor">
+        <a:schemeClr val="lt1"/>
+      </a:fontRef>
+    </dgm:style>
+  </dgm:styleLbl>
+  <dgm:styleLbl name="node1">
+    <dgm:scene3d>
+      <a:camera prst="orthographicFront"/>
+      <a:lightRig rig="threePt" dir="t"/>
+    </dgm:scene3d>
+    <dgm:sp3d/>
+    <dgm:txPr/>
+    <dgm:style>
+      <a:lnRef idx="0">
+        <a:scrgbClr r="0" g="0" b="0"/>
+      </a:lnRef>
+      <a:fillRef idx="3">
+        <a:scrgbClr r="0" g="0" b="0"/>
+      </a:fillRef>
+      <a:effectRef idx="2">
+        <a:scrgbClr r="0" g="0" b="0"/>
+      </a:effectRef>
+      <a:fontRef idx="minor">
+        <a:schemeClr val="lt1"/>
+      </a:fontRef>
+    </dgm:style>
+  </dgm:styleLbl>
+  <dgm:styleLbl name="node2">
+    <dgm:scene3d>
+      <a:camera prst="orthographicFront"/>
+      <a:lightRig rig="threePt" dir="t"/>
+    </dgm:scene3d>
+    <dgm:sp3d/>
+    <dgm:txPr/>
+    <dgm:style>
+      <a:lnRef idx="0">
+        <a:scrgbClr r="0" g="0" b="0"/>
+      </a:lnRef>
+      <a:fillRef idx="3">
+        <a:scrgbClr r="0" g="0" b="0"/>
+      </a:fillRef>
+      <a:effectRef idx="2">
+        <a:scrgbClr r="0" g="0" b="0"/>
+      </a:effectRef>
+      <a:fontRef idx="minor">
+        <a:schemeClr val="lt1"/>
+      </a:fontRef>
+    </dgm:style>
+  </dgm:styleLbl>
+  <dgm:styleLbl name="node3">
+    <dgm:scene3d>
+      <a:camera prst="orthographicFront"/>
+      <a:lightRig rig="threePt" dir="t"/>
+    </dgm:scene3d>
+    <dgm:sp3d/>
+    <dgm:txPr/>
+    <dgm:style>
+      <a:lnRef idx="0">
+        <a:scrgbClr r="0" g="0" b="0"/>
+      </a:lnRef>
+      <a:fillRef idx="3">
+        <a:scrgbClr r="0" g="0" b="0"/>
+      </a:fillRef>
+      <a:effectRef idx="2">
+        <a:scrgbClr r="0" g="0" b="0"/>
+      </a:effectRef>
+      <a:fontRef idx="minor">
+        <a:schemeClr val="lt1"/>
+      </a:fontRef>
+    </dgm:style>
+  </dgm:styleLbl>
+  <dgm:styleLbl name="node4">
+    <dgm:scene3d>
+      <a:camera prst="orthographicFront"/>
+      <a:lightRig rig="threePt" dir="t"/>
+    </dgm:scene3d>
+    <dgm:sp3d/>
+    <dgm:txPr/>
+    <dgm:style>
+      <a:lnRef idx="0">
+        <a:scrgbClr r="0" g="0" b="0"/>
+      </a:lnRef>
+      <a:fillRef idx="3">
+        <a:scrgbClr r="0" g="0" b="0"/>
+      </a:fillRef>
+      <a:effectRef idx="2">
+        <a:scrgbClr r="0" g="0" b="0"/>
+      </a:effectRef>
+      <a:fontRef idx="minor">
+        <a:schemeClr val="lt1"/>
+      </a:fontRef>
+    </dgm:style>
+  </dgm:styleLbl>
+  <dgm:styleLbl name="fgImgPlace1">
+    <dgm:scene3d>
+      <a:camera prst="orthographicFront"/>
+      <a:lightRig rig="threePt" dir="t"/>
+    </dgm:scene3d>
+    <dgm:sp3d/>
+    <dgm:txPr/>
+    <dgm:style>
+      <a:lnRef idx="0">
+        <a:scrgbClr r="0" g="0" b="0"/>
+      </a:lnRef>
+      <a:fillRef idx="1">
+        <a:scrgbClr r="0" g="0" b="0"/>
+      </a:fillRef>
+      <a:effectRef idx="2">
+        <a:scrgbClr r="0" g="0" b="0"/>
+      </a:effectRef>
+      <a:fontRef idx="minor"/>
+    </dgm:style>
+  </dgm:styleLbl>
+  <dgm:styleLbl name="alignImgPlace1">
+    <dgm:scene3d>
+      <a:camera prst="orthographicFront"/>
+      <a:lightRig rig="threePt" dir="t"/>
+    </dgm:scene3d>
+    <dgm:sp3d/>
+    <dgm:txPr/>
+    <dgm:style>
+      <a:lnRef idx="0">
+        <a:scrgbClr r="0" g="0" b="0"/>
+      </a:lnRef>
+      <a:fillRef idx="1">
+        <a:scrgbClr r="0" g="0" b="0"/>
+      </a:fillRef>
+      <a:effectRef idx="2">
+        <a:scrgbClr r="0" g="0" b="0"/>
+      </a:effectRef>
+      <a:fontRef idx="minor"/>
+    </dgm:style>
+  </dgm:styleLbl>
+  <dgm:styleLbl name="bgImgPlace1">
+    <dgm:scene3d>
+      <a:camera prst="orthographicFront"/>
+      <a:lightRig rig="threePt" dir="t"/>
+    </dgm:scene3d>
+    <dgm:sp3d/>
+    <dgm:txPr/>
+    <dgm:style>
+      <a:lnRef idx="0">
+        <a:scrgbClr r="0" g="0" b="0"/>
+      </a:lnRef>
+      <a:fillRef idx="1">
+        <a:scrgbClr r="0" g="0" b="0"/>
+      </a:fillRef>
+      <a:effectRef idx="2">
+        <a:scrgbClr r="0" g="0" b="0"/>
+      </a:effectRef>
+      <a:fontRef idx="minor"/>
+    </dgm:style>
+  </dgm:styleLbl>
+  <dgm:styleLbl name="sibTrans2D1">
+    <dgm:scene3d>
+      <a:camera prst="orthographicFront"/>
+      <a:lightRig rig="threePt" dir="t"/>
+    </dgm:scene3d>
+    <dgm:sp3d/>
+    <dgm:txPr/>
+    <dgm:style>
+      <a:lnRef idx="0">
+        <a:scrgbClr r="0" g="0" b="0"/>
+      </a:lnRef>
+      <a:fillRef idx="3">
+        <a:scrgbClr r="0" g="0" b="0"/>
+      </a:fillRef>
+      <a:effectRef idx="2">
+        <a:scrgbClr r="0" g="0" b="0"/>
+      </a:effectRef>
+      <a:fontRef idx="minor">
+        <a:schemeClr val="lt1"/>
+      </a:fontRef>
+    </dgm:style>
+  </dgm:styleLbl>
+  <dgm:styleLbl name="fgSibTrans2D1">
+    <dgm:scene3d>
+      <a:camera prst="orthographicFront"/>
+      <a:lightRig rig="threePt" dir="t"/>
+    </dgm:scene3d>
+    <dgm:sp3d/>
+    <dgm:txPr/>
+    <dgm:style>
+      <a:lnRef idx="0">
+        <a:scrgbClr r="0" g="0" b="0"/>
+      </a:lnRef>
+      <a:fillRef idx="3">
+        <a:scrgbClr r="0" g="0" b="0"/>
+      </a:fillRef>
+      <a:effectRef idx="2">
+        <a:scrgbClr r="0" g="0" b="0"/>
+      </a:effectRef>
+      <a:fontRef idx="minor">
+        <a:schemeClr val="lt1"/>
+      </a:fontRef>
+    </dgm:style>
+  </dgm:styleLbl>
+  <dgm:styleLbl name="bgSibTrans2D1">
+    <dgm:scene3d>
+      <a:camera prst="orthographicFront"/>
+      <a:lightRig rig="threePt" dir="t"/>
+    </dgm:scene3d>
+    <dgm:sp3d/>
+    <dgm:txPr/>
+    <dgm:style>
+      <a:lnRef idx="0">
+        <a:scrgbClr r="0" g="0" b="0"/>
+      </a:lnRef>
+      <a:fillRef idx="3">
+        <a:scrgbClr r="0" g="0" b="0"/>
+      </a:fillRef>
+      <a:effectRef idx="2">
+        <a:scrgbClr r="0" g="0" b="0"/>
+      </a:effectRef>
+      <a:fontRef idx="minor">
+        <a:schemeClr val="lt1"/>
+      </a:fontRef>
+    </dgm:style>
+  </dgm:styleLbl>
+  <dgm:styleLbl name="sibTrans1D1">
+    <dgm:scene3d>
+      <a:camera prst="orthographicFront"/>
+      <a:lightRig rig="threePt" dir="t"/>
+    </dgm:scene3d>
+    <dgm:sp3d/>
+    <dgm:txPr/>
+    <dgm:style>
+      <a:lnRef idx="1">
+        <a:scrgbClr r="0" g="0" b="0"/>
+      </a:lnRef>
+      <a:fillRef idx="0">
+        <a:scrgbClr r="0" g="0" b="0"/>
+      </a:fillRef>
+      <a:effectRef idx="0">
+        <a:scrgbClr r="0" g="0" b="0"/>
+      </a:effectRef>
+      <a:fontRef idx="minor"/>
+    </dgm:style>
+  </dgm:styleLbl>
+  <dgm:styleLbl name="callout">
+    <dgm:scene3d>
+      <a:camera prst="orthographicFront"/>
+      <a:lightRig rig="threePt" dir="t"/>
+    </dgm:scene3d>
+    <dgm:sp3d/>
+    <dgm:txPr/>
+    <dgm:style>
+      <a:lnRef idx="2">
+        <a:scrgbClr r="0" g="0" b="0"/>
+      </a:lnRef>
+      <a:fillRef idx="1">
+        <a:scrgbClr r="0" g="0" b="0"/>
+      </a:fillRef>
+      <a:effectRef idx="1">
+        <a:scrgbClr r="0" g="0" b="0"/>
+      </a:effectRef>
+      <a:fontRef idx="minor"/>
+    </dgm:style>
+  </dgm:styleLbl>
+  <dgm:styleLbl name="asst0">
+    <dgm:scene3d>
+      <a:camera prst="orthographicFront"/>
+      <a:lightRig rig="threePt" dir="t"/>
+    </dgm:scene3d>
+    <dgm:sp3d/>
+    <dgm:txPr/>
+    <dgm:style>
+      <a:lnRef idx="0">
+        <a:scrgbClr r="0" g="0" b="0"/>
+      </a:lnRef>
+      <a:fillRef idx="3">
+        <a:scrgbClr r="0" g="0" b="0"/>
+      </a:fillRef>
+      <a:effectRef idx="2">
+        <a:scrgbClr r="0" g="0" b="0"/>
+      </a:effectRef>
+      <a:fontRef idx="minor">
+        <a:schemeClr val="lt1"/>
+      </a:fontRef>
+    </dgm:style>
+  </dgm:styleLbl>
+  <dgm:styleLbl name="asst1">
+    <dgm:scene3d>
+      <a:camera prst="orthographicFront"/>
+      <a:lightRig rig="threePt" dir="t"/>
+    </dgm:scene3d>
+    <dgm:sp3d/>
+    <dgm:txPr/>
+    <dgm:style>
+      <a:lnRef idx="0">
+        <a:scrgbClr r="0" g="0" b="0"/>
+      </a:lnRef>
+      <a:fillRef idx="3">
+        <a:scrgbClr r="0" g="0" b="0"/>
+      </a:fillRef>
+      <a:effectRef idx="2">
+        <a:scrgbClr r="0" g="0" b="0"/>
+      </a:effectRef>
+      <a:fontRef idx="minor">
+        <a:schemeClr val="lt1"/>
+      </a:fontRef>
+    </dgm:style>
+  </dgm:styleLbl>
+  <dgm:styleLbl name="asst2">
+    <dgm:scene3d>
+      <a:camera prst="orthographicFront"/>
+      <a:lightRig rig="threePt" dir="t"/>
+    </dgm:scene3d>
+    <dgm:sp3d/>
+    <dgm:txPr/>
+    <dgm:style>
+      <a:lnRef idx="0">
+        <a:scrgbClr r="0" g="0" b="0"/>
+      </a:lnRef>
+      <a:fillRef idx="3">
+        <a:scrgbClr r="0" g="0" b="0"/>
+      </a:fillRef>
+      <a:effectRef idx="2">
+        <a:scrgbClr r="0" g="0" b="0"/>
+      </a:effectRef>
+      <a:fontRef idx="minor">
+        <a:schemeClr val="lt1"/>
+      </a:fontRef>
+    </dgm:style>
+  </dgm:styleLbl>
+  <dgm:styleLbl name="asst3">
+    <dgm:scene3d>
+      <a:camera prst="orthographicFront"/>
+      <a:lightRig rig="threePt" dir="t"/>
+    </dgm:scene3d>
+    <dgm:sp3d/>
+    <dgm:txPr/>
+    <dgm:style>
+      <a:lnRef idx="0">
+        <a:scrgbClr r="0" g="0" b="0"/>
+      </a:lnRef>
+      <a:fillRef idx="3">
+        <a:scrgbClr r="0" g="0" b="0"/>
+      </a:fillRef>
+      <a:effectRef idx="2">
+        <a:scrgbClr r="0" g="0" b="0"/>
+      </a:effectRef>
+      <a:fontRef idx="minor">
+        <a:schemeClr val="lt1"/>
+      </a:fontRef>
+    </dgm:style>
+  </dgm:styleLbl>
+  <dgm:styleLbl name="asst4">
+    <dgm:scene3d>
+      <a:camera prst="orthographicFront"/>
+      <a:lightRig rig="threePt" dir="t"/>
+    </dgm:scene3d>
+    <dgm:sp3d/>
+    <dgm:txPr/>
+    <dgm:style>
+      <a:lnRef idx="0">
+        <a:scrgbClr r="0" g="0" b="0"/>
+      </a:lnRef>
+      <a:fillRef idx="3">
+        <a:scrgbClr r="0" g="0" b="0"/>
+      </a:fillRef>
+      <a:effectRef idx="2">
+        <a:scrgbClr r="0" g="0" b="0"/>
+      </a:effectRef>
+      <a:fontRef idx="minor">
+        <a:schemeClr val="lt1"/>
+      </a:fontRef>
+    </dgm:style>
+  </dgm:styleLbl>
+  <dgm:styleLbl name="parChTrans2D1">
+    <dgm:scene3d>
+      <a:camera prst="orthographicFront"/>
+      <a:lightRig rig="threePt" dir="t"/>
+    </dgm:scene3d>
+    <dgm:sp3d/>
+    <dgm:txPr/>
+    <dgm:style>
+      <a:lnRef idx="0">
+        <a:scrgbClr r="0" g="0" b="0"/>
+      </a:lnRef>
+      <a:fillRef idx="3">
+        <a:scrgbClr r="0" g="0" b="0"/>
+      </a:fillRef>
+      <a:effectRef idx="2">
+        <a:scrgbClr r="0" g="0" b="0"/>
+      </a:effectRef>
+      <a:fontRef idx="minor">
+        <a:schemeClr val="lt1"/>
+      </a:fontRef>
+    </dgm:style>
+  </dgm:styleLbl>
+  <dgm:styleLbl name="parChTrans2D2">
+    <dgm:scene3d>
+      <a:camera prst="orthographicFront"/>
+      <a:lightRig rig="threePt" dir="t"/>
+    </dgm:scene3d>
+    <dgm:sp3d/>
+    <dgm:txPr/>
+    <dgm:style>
+      <a:lnRef idx="0">
+        <a:scrgbClr r="0" g="0" b="0"/>
+      </a:lnRef>
+      <a:fillRef idx="3">
+        <a:scrgbClr r="0" g="0" b="0"/>
+      </a:fillRef>
+      <a:effectRef idx="2">
+        <a:scrgbClr r="0" g="0" b="0"/>
+      </a:effectRef>
+      <a:fontRef idx="minor">
+        <a:schemeClr val="lt1"/>
+      </a:fontRef>
+    </dgm:style>
+  </dgm:styleLbl>
+  <dgm:styleLbl name="parChTrans2D3">
+    <dgm:scene3d>
+      <a:camera prst="orthographicFront"/>
+      <a:lightRig rig="threePt" dir="t"/>
+    </dgm:scene3d>
+    <dgm:sp3d/>
+    <dgm:txPr/>
+    <dgm:style>
+      <a:lnRef idx="1">
+        <a:scrgbClr r="0" g="0" b="0"/>
+      </a:lnRef>
+      <a:fillRef idx="3">
+        <a:scrgbClr r="0" g="0" b="0"/>
+      </a:fillRef>
+      <a:effectRef idx="2">
+        <a:scrgbClr r="0" g="0" b="0"/>
+      </a:effectRef>
+      <a:fontRef idx="minor">
+        <a:schemeClr val="lt1"/>
+      </a:fontRef>
+    </dgm:style>
+  </dgm:styleLbl>
+  <dgm:styleLbl name="parChTrans2D4">
+    <dgm:scene3d>
+      <a:camera prst="orthographicFront"/>
+      <a:lightRig rig="threePt" dir="t"/>
+    </dgm:scene3d>
+    <dgm:sp3d/>
+    <dgm:txPr/>
+    <dgm:style>
+      <a:lnRef idx="1">
+        <a:scrgbClr r="0" g="0" b="0"/>
+      </a:lnRef>
+      <a:fillRef idx="3">
+        <a:scrgbClr r="0" g="0" b="0"/>
+      </a:fillRef>
+      <a:effectRef idx="2">
+        <a:scrgbClr r="0" g="0" b="0"/>
+      </a:effectRef>
+      <a:fontRef idx="minor">
+        <a:schemeClr val="lt1"/>
+      </a:fontRef>
+    </dgm:style>
+  </dgm:styleLbl>
+  <dgm:styleLbl name="parChTrans1D1">
+    <dgm:scene3d>
+      <a:camera prst="orthographicFront"/>
+      <a:lightRig rig="threePt" dir="t"/>
+    </dgm:scene3d>
+    <dgm:sp3d/>
+    <dgm:txPr/>
+    <dgm:style>
+      <a:lnRef idx="1">
+        <a:scrgbClr r="0" g="0" b="0"/>
+      </a:lnRef>
+      <a:fillRef idx="0">
+        <a:scrgbClr r="0" g="0" b="0"/>
+      </a:fillRef>
+      <a:effectRef idx="0">
+        <a:scrgbClr r="0" g="0" b="0"/>
+      </a:effectRef>
+      <a:fontRef idx="minor"/>
+    </dgm:style>
+  </dgm:styleLbl>
+  <dgm:styleLbl name="parChTrans1D2">
+    <dgm:scene3d>
+      <a:camera prst="orthographicFront"/>
+      <a:lightRig rig="threePt" dir="t"/>
+    </dgm:scene3d>
+    <dgm:sp3d/>
+    <dgm:txPr/>
+    <dgm:style>
+      <a:lnRef idx="1">
+        <a:scrgbClr r="0" g="0" b="0"/>
+      </a:lnRef>
+      <a:fillRef idx="0">
+        <a:scrgbClr r="0" g="0" b="0"/>
+      </a:fillRef>
+      <a:effectRef idx="0">
+        <a:scrgbClr r="0" g="0" b="0"/>
+      </a:effectRef>
+      <a:fontRef idx="minor"/>
+    </dgm:style>
+  </dgm:styleLbl>
+  <dgm:styleLbl name="parChTrans1D3">
+    <dgm:scene3d>
+      <a:camera prst="orthographicFront"/>
+      <a:lightRig rig="threePt" dir="t"/>
+    </dgm:scene3d>
+    <dgm:sp3d/>
+    <dgm:txPr/>
+    <dgm:style>
+      <a:lnRef idx="1">
+        <a:scrgbClr r="0" g="0" b="0"/>
+      </a:lnRef>
+      <a:fillRef idx="0">
+        <a:scrgbClr r="0" g="0" b="0"/>
+      </a:fillRef>
+      <a:effectRef idx="0">
+        <a:scrgbClr r="0" g="0" b="0"/>
+      </a:effectRef>
+      <a:fontRef idx="minor"/>
+    </dgm:style>
+  </dgm:styleLbl>
+  <dgm:styleLbl name="parChTrans1D4">
+    <dgm:scene3d>
+      <a:camera prst="orthographicFront"/>
+      <a:lightRig rig="threePt" dir="t"/>
+    </dgm:scene3d>
+    <dgm:sp3d/>
+    <dgm:txPr/>
+    <dgm:style>
+      <a:lnRef idx="1">
+        <a:scrgbClr r="0" g="0" b="0"/>
+      </a:lnRef>
+      <a:fillRef idx="0">
+        <a:scrgbClr r="0" g="0" b="0"/>
+      </a:fillRef>
+      <a:effectRef idx="0">
+        <a:scrgbClr r="0" g="0" b="0"/>
+      </a:effectRef>
+      <a:fontRef idx="minor"/>
+    </dgm:style>
+  </dgm:styleLbl>
+  <dgm:styleLbl name="fgAcc1">
+    <dgm:scene3d>
+      <a:camera prst="orthographicFront"/>
+      <a:lightRig rig="threePt" dir="t"/>
+    </dgm:scene3d>
+    <dgm:sp3d/>
+    <dgm:txPr/>
+    <dgm:style>
+      <a:lnRef idx="1">
+        <a:scrgbClr r="0" g="0" b="0"/>
+      </a:lnRef>
+      <a:fillRef idx="1">
+        <a:scrgbClr r="0" g="0" b="0"/>
+      </a:fillRef>
+      <a:effectRef idx="0">
+        <a:scrgbClr r="0" g="0" b="0"/>
+      </a:effectRef>
+      <a:fontRef idx="minor"/>
+    </dgm:style>
+  </dgm:styleLbl>
+  <dgm:styleLbl name="conFgAcc1">
+    <dgm:scene3d>
+      <a:camera prst="orthographicFront"/>
+      <a:lightRig rig="threePt" dir="t"/>
+    </dgm:scene3d>
+    <dgm:sp3d/>
+    <dgm:txPr/>
+    <dgm:style>
+      <a:lnRef idx="1">
+        <a:scrgbClr r="0" g="0" b="0"/>
+      </a:lnRef>
+      <a:fillRef idx="1">
+        <a:scrgbClr r="0" g="0" b="0"/>
+      </a:fillRef>
+      <a:effectRef idx="0">
+        <a:scrgbClr r="0" g="0" b="0"/>
+      </a:effectRef>
+      <a:fontRef idx="minor"/>
+    </dgm:style>
+  </dgm:styleLbl>
+  <dgm:styleLbl name="alignAcc1">
+    <dgm:scene3d>
+      <a:camera prst="orthographicFront"/>
+      <a:lightRig rig="threePt" dir="t"/>
+    </dgm:scene3d>
+    <dgm:sp3d/>
+    <dgm:txPr/>
+    <dgm:style>
+      <a:lnRef idx="1">
+        <a:scrgbClr r="0" g="0" b="0"/>
+      </a:lnRef>
+      <a:fillRef idx="1">
+        <a:scrgbClr r="0" g="0" b="0"/>
+      </a:fillRef>
+      <a:effectRef idx="0">
+        <a:scrgbClr r="0" g="0" b="0"/>
+      </a:effectRef>
+      <a:fontRef idx="minor"/>
+    </dgm:style>
+  </dgm:styleLbl>
+  <dgm:styleLbl name="trAlignAcc1">
+    <dgm:scene3d>
+      <a:camera prst="orthographicFront"/>
+      <a:lightRig rig="threePt" dir="t"/>
+    </dgm:scene3d>
+    <dgm:sp3d/>
+    <dgm:txPr/>
+    <dgm:style>
+      <a:lnRef idx="1">
+        <a:scrgbClr r="0" g="0" b="0"/>
+      </a:lnRef>
+      <a:fillRef idx="1">
+        <a:scrgbClr r="0" g="0" b="0"/>
+      </a:fillRef>
+      <a:effectRef idx="0">
+        <a:scrgbClr r="0" g="0" b="0"/>
+      </a:effectRef>
+      <a:fontRef idx="minor"/>
+    </dgm:style>
+  </dgm:styleLbl>
+  <dgm:styleLbl name="bgAcc1">
+    <dgm:scene3d>
+      <a:camera prst="orthographicFront"/>
+      <a:lightRig rig="threePt" dir="t"/>
+    </dgm:scene3d>
+    <dgm:sp3d/>
+    <dgm:txPr/>
+    <dgm:style>
+      <a:lnRef idx="1">
+        <a:scrgbClr r="0" g="0" b="0"/>
+      </a:lnRef>
+      <a:fillRef idx="1">
+        <a:scrgbClr r="0" g="0" b="0"/>
+      </a:fillRef>
+      <a:effectRef idx="0">
+        <a:scrgbClr r="0" g="0" b="0"/>
+      </a:effectRef>
+      <a:fontRef idx="minor"/>
+    </dgm:style>
+  </dgm:styleLbl>
+  <dgm:styleLbl name="solidFgAcc1">
+    <dgm:scene3d>
+      <a:camera prst="orthographicFront"/>
+      <a:lightRig rig="threePt" dir="t"/>
+    </dgm:scene3d>
+    <dgm:sp3d/>
+    <dgm:txPr/>
+    <dgm:style>
+      <a:lnRef idx="1">
+        <a:scrgbClr r="0" g="0" b="0"/>
+      </a:lnRef>
+      <a:fillRef idx="1">
+        <a:scrgbClr r="0" g="0" b="0"/>
+      </a:fillRef>
+      <a:effectRef idx="0">
+        <a:scrgbClr r="0" g="0" b="0"/>
+      </a:effectRef>
+      <a:fontRef idx="minor"/>
+    </dgm:style>
+  </dgm:styleLbl>
+  <dgm:styleLbl name="solidAlignAcc1">
+    <dgm:scene3d>
+      <a:camera prst="orthographicFront"/>
+      <a:lightRig rig="threePt" dir="t"/>
+    </dgm:scene3d>
+    <dgm:sp3d/>
+    <dgm:txPr/>
+    <dgm:style>
+      <a:lnRef idx="1">
+        <a:scrgbClr r="0" g="0" b="0"/>
+      </a:lnRef>
+      <a:fillRef idx="1">
+        <a:scrgbClr r="0" g="0" b="0"/>
+      </a:fillRef>
+      <a:effectRef idx="0">
+        <a:scrgbClr r="0" g="0" b="0"/>
+      </a:effectRef>
+      <a:fontRef idx="minor"/>
+    </dgm:style>
+  </dgm:styleLbl>
+  <dgm:styleLbl name="solidBgAcc1">
+    <dgm:scene3d>
+      <a:camera prst="orthographicFront"/>
+      <a:lightRig rig="threePt" dir="t"/>
+    </dgm:scene3d>
+    <dgm:sp3d/>
+    <dgm:txPr/>
+    <dgm:style>
+      <a:lnRef idx="1">
+        <a:scrgbClr r="0" g="0" b="0"/>
+      </a:lnRef>
+      <a:fillRef idx="1">
+        <a:scrgbClr r="0" g="0" b="0"/>
+      </a:fillRef>
+      <a:effectRef idx="0">
+        <a:scrgbClr r="0" g="0" b="0"/>
+      </a:effectRef>
+      <a:fontRef idx="minor"/>
+    </dgm:style>
+  </dgm:styleLbl>
+  <dgm:styleLbl name="fgAccFollowNode1">
+    <dgm:scene3d>
+      <a:camera prst="orthographicFront"/>
+      <a:lightRig rig="threePt" dir="t"/>
+    </dgm:scene3d>
+    <dgm:sp3d/>
+    <dgm:txPr/>
+    <dgm:style>
+      <a:lnRef idx="1">
+        <a:scrgbClr r="0" g="0" b="0"/>
+      </a:lnRef>
+      <a:fillRef idx="1">
+        <a:scrgbClr r="0" g="0" b="0"/>
+      </a:fillRef>
+      <a:effectRef idx="0">
+        <a:scrgbClr r="0" g="0" b="0"/>
+      </a:effectRef>
+      <a:fontRef idx="minor"/>
+    </dgm:style>
+  </dgm:styleLbl>
+  <dgm:styleLbl name="alignAccFollowNode1">
+    <dgm:scene3d>
+      <a:camera prst="orthographicFront"/>
+      <a:lightRig rig="threePt" dir="t"/>
+    </dgm:scene3d>
+    <dgm:sp3d/>
+    <dgm:txPr/>
+    <dgm:style>
+      <a:lnRef idx="1">
+        <a:scrgbClr r="0" g="0" b="0"/>
+      </a:lnRef>
+      <a:fillRef idx="1">
+        <a:scrgbClr r="0" g="0" b="0"/>
+      </a:fillRef>
+      <a:effectRef idx="0">
+        <a:scrgbClr r="0" g="0" b="0"/>
+      </a:effectRef>
+      <a:fontRef idx="minor"/>
+    </dgm:style>
+  </dgm:styleLbl>
+  <dgm:styleLbl name="bgAccFollowNode1">
+    <dgm:scene3d>
+      <a:camera prst="orthographicFront"/>
+      <a:lightRig rig="threePt" dir="t"/>
+    </dgm:scene3d>
+    <dgm:sp3d/>
+    <dgm:txPr/>
+    <dgm:style>
+      <a:lnRef idx="1">
+        <a:scrgbClr r="0" g="0" b="0"/>
+      </a:lnRef>
+      <a:fillRef idx="1">
+        <a:scrgbClr r="0" g="0" b="0"/>
+      </a:fillRef>
+      <a:effectRef idx="0">
+        <a:scrgbClr r="0" g="0" b="0"/>
+      </a:effectRef>
+      <a:fontRef idx="minor"/>
+    </dgm:style>
+  </dgm:styleLbl>
+  <dgm:styleLbl name="fgAcc0">
+    <dgm:scene3d>
+      <a:camera prst="orthographicFront"/>
+      <a:lightRig rig="threePt" dir="t"/>
+    </dgm:scene3d>
+    <dgm:sp3d/>
+    <dgm:txPr/>
+    <dgm:style>
+      <a:lnRef idx="1">
+        <a:scrgbClr r="0" g="0" b="0"/>
+      </a:lnRef>
+      <a:fillRef idx="1">
+        <a:scrgbClr r="0" g="0" b="0"/>
+      </a:fillRef>
+      <a:effectRef idx="0">
+        <a:scrgbClr r="0" g="0" b="0"/>
+      </a:effectRef>
+      <a:fontRef idx="minor"/>
+    </dgm:style>
+  </dgm:styleLbl>
+  <dgm:styleLbl name="fgAcc2">
+    <dgm:scene3d>
+      <a:camera prst="orthographicFront"/>
+      <a:lightRig rig="threePt" dir="t"/>
+    </dgm:scene3d>
+    <dgm:sp3d/>
+    <dgm:txPr/>
+    <dgm:style>
+      <a:lnRef idx="1">
+        <a:scrgbClr r="0" g="0" b="0"/>
+      </a:lnRef>
+      <a:fillRef idx="1">
+        <a:scrgbClr r="0" g="0" b="0"/>
+      </a:fillRef>
+      <a:effectRef idx="0">
+        <a:scrgbClr r="0" g="0" b="0"/>
+      </a:effectRef>
+      <a:fontRef idx="minor"/>
+    </dgm:style>
+  </dgm:styleLbl>
+  <dgm:styleLbl name="fgAcc3">
+    <dgm:scene3d>
+      <a:camera prst="orthographicFront"/>
+      <a:lightRig rig="threePt" dir="t"/>
+    </dgm:scene3d>
+    <dgm:sp3d/>
+    <dgm:txPr/>
+    <dgm:style>
+      <a:lnRef idx="1">
+        <a:scrgbClr r="0" g="0" b="0"/>
+      </a:lnRef>
+      <a:fillRef idx="1">
+        <a:scrgbClr r="0" g="0" b="0"/>
+      </a:fillRef>
+      <a:effectRef idx="0">
+        <a:scrgbClr r="0" g="0" b="0"/>
+      </a:effectRef>
+      <a:fontRef idx="minor"/>
+    </dgm:style>
+  </dgm:styleLbl>
+  <dgm:styleLbl name="fgAcc4">
+    <dgm:scene3d>
+      <a:camera prst="orthographicFront"/>
+      <a:lightRig rig="threePt" dir="t"/>
+    </dgm:scene3d>
+    <dgm:sp3d/>
+    <dgm:txPr/>
+    <dgm:style>
+      <a:lnRef idx="1">
+        <a:scrgbClr r="0" g="0" b="0"/>
+      </a:lnRef>
+      <a:fillRef idx="1">
+        <a:scrgbClr r="0" g="0" b="0"/>
+      </a:fillRef>
+      <a:effectRef idx="0">
+        <a:scrgbClr r="0" g="0" b="0"/>
+      </a:effectRef>
+      <a:fontRef idx="minor"/>
+    </dgm:style>
+  </dgm:styleLbl>
+  <dgm:styleLbl name="bgShp">
+    <dgm:scene3d>
+      <a:camera prst="orthographicFront"/>
+      <a:lightRig rig="threePt" dir="t"/>
+    </dgm:scene3d>
+    <dgm:sp3d/>
+    <dgm:txPr/>
+    <dgm:style>
+      <a:lnRef idx="0">
+        <a:scrgbClr r="0" g="0" b="0"/>
+      </a:lnRef>
+      <a:fillRef idx="1">
+        <a:scrgbClr r="0" g="0" b="0"/>
+      </a:fillRef>
+      <a:effectRef idx="2">
+        <a:scrgbClr r="0" g="0" b="0"/>
+      </a:effectRef>
+      <a:fontRef idx="minor"/>
+    </dgm:style>
+  </dgm:styleLbl>
+  <dgm:styleLbl name="dkBgShp">
+    <dgm:scene3d>
+      <a:camera prst="orthographicFront"/>
+      <a:lightRig rig="threePt" dir="t"/>
+    </dgm:scene3d>
+    <dgm:sp3d/>
+    <dgm:txPr/>
+    <dgm:style>
+      <a:lnRef idx="0">
+        <a:scrgbClr r="0" g="0" b="0"/>
+      </a:lnRef>
+      <a:fillRef idx="1">
+        <a:scrgbClr r="0" g="0" b="0"/>
+      </a:fillRef>
+      <a:effectRef idx="2">
+        <a:scrgbClr r="0" g="0" b="0"/>
+      </a:effectRef>
+      <a:fontRef idx="minor"/>
+    </dgm:style>
+  </dgm:styleLbl>
+  <dgm:styleLbl name="trBgShp">
+    <dgm:scene3d>
+      <a:camera prst="orthographicFront"/>
+      <a:lightRig rig="threePt" dir="t"/>
+    </dgm:scene3d>
+    <dgm:sp3d/>
+    <dgm:txPr/>
+    <dgm:style>
+      <a:lnRef idx="0">
+        <a:scrgbClr r="0" g="0" b="0"/>
+      </a:lnRef>
+      <a:fillRef idx="1">
+        <a:scrgbClr r="0" g="0" b="0"/>
+      </a:fillRef>
+      <a:effectRef idx="0">
+        <a:scrgbClr r="0" g="0" b="0"/>
+      </a:effectRef>
+      <a:fontRef idx="minor"/>
+    </dgm:style>
+  </dgm:styleLbl>
+  <dgm:styleLbl name="fgShp">
+    <dgm:scene3d>
+      <a:camera prst="orthographicFront"/>
+      <a:lightRig rig="threePt" dir="t"/>
+    </dgm:scene3d>
+    <dgm:sp3d/>
+    <dgm:txPr/>
+    <dgm:style>
+      <a:lnRef idx="0">
+        <a:scrgbClr r="0" g="0" b="0"/>
+      </a:lnRef>
+      <a:fillRef idx="3">
+        <a:scrgbClr r="0" g="0" b="0"/>
+      </a:fillRef>
+      <a:effectRef idx="2">
+        <a:scrgbClr r="0" g="0" b="0"/>
+      </a:effectRef>
+      <a:fontRef idx="minor"/>
+    </dgm:style>
+  </dgm:styleLbl>
+  <dgm:styleLbl name="revTx">
+    <dgm:scene3d>
+      <a:camera prst="orthographicFront"/>
+      <a:lightRig rig="threePt" dir="t"/>
+    </dgm:scene3d>
+    <dgm:sp3d/>
+    <dgm:txPr/>
+    <dgm:style>
+      <a:lnRef idx="0">
+        <a:scrgbClr r="0" g="0" b="0"/>
+      </a:lnRef>
+      <a:fillRef idx="0">
+        <a:scrgbClr r="0" g="0" b="0"/>
+      </a:fillRef>
+      <a:effectRef idx="0">
+        <a:scrgbClr r="0" g="0" b="0"/>
+      </a:effectRef>
+      <a:fontRef idx="minor"/>
+    </dgm:style>
+  </dgm:styleLbl>
+</dgm:styleDef>
+</file>
+
+<file path=ppt/diagrams/quickStyle4.xml><?xml version="1.0" encoding="utf-8"?>
 <dgm:styleDef xmlns:dgm="http://schemas.openxmlformats.org/drawingml/2006/diagram" xmlns:a="http://schemas.openxmlformats.org/drawingml/2006/main" uniqueId="urn:microsoft.com/office/officeart/2005/8/quickstyle/simple4">
   <dgm:title val=""/>
   <dgm:desc val=""/>
@@ -12933,17 +16278,990 @@
               <a:rPr lang="zh-CN" altLang="en-US" dirty="0" smtClean="0"/>
               <a:t>自动化构建标准品库</a:t>
             </a:r>
-            <a:endParaRPr lang="en-US" altLang="zh-CN" smtClean="0"/>
+            <a:endParaRPr lang="en-US" altLang="zh-CN" dirty="0" smtClean="0"/>
           </a:p>
           <a:p>
+            <a:endParaRPr lang="zh-CN" altLang="en-US" dirty="0"/>
+          </a:p>
+        </p:txBody>
+      </p:sp>
+      <p:graphicFrame>
+        <p:nvGraphicFramePr>
+          <p:cNvPr id="4" name="图示 3"/>
+          <p:cNvGraphicFramePr/>
+          <p:nvPr>
+            <p:extLst>
+              <p:ext uri="{D42A27DB-BD31-4B8C-83A1-F6EECF244321}">
+                <p14:modId xmlns:p14="http://schemas.microsoft.com/office/powerpoint/2010/main" val="2134078373"/>
+              </p:ext>
+            </p:extLst>
+          </p:nvPr>
+        </p:nvGraphicFramePr>
+        <p:xfrm>
+          <a:off x="3491880" y="1993404"/>
+          <a:ext cx="5256584" cy="3600400"/>
+        </p:xfrm>
+        <a:graphic>
+          <a:graphicData uri="http://schemas.openxmlformats.org/drawingml/2006/diagram">
+            <dgm:relIds xmlns:dgm="http://schemas.openxmlformats.org/drawingml/2006/diagram" xmlns:r="http://schemas.openxmlformats.org/officeDocument/2006/relationships" r:dm="rId2" r:lo="rId3" r:qs="rId4" r:cs="rId5"/>
+          </a:graphicData>
+        </a:graphic>
+      </p:graphicFrame>
+      <p:pic>
+        <p:nvPicPr>
+          <p:cNvPr id="5" name="图片 4"/>
+          <p:cNvPicPr>
+            <a:picLocks noChangeAspect="1"/>
+          </p:cNvPicPr>
+          <p:nvPr/>
+        </p:nvPicPr>
+        <p:blipFill rotWithShape="1">
+          <a:blip r:embed="rId7" cstate="print">
+            <a:extLst>
+              <a:ext uri="{28A0092B-C50C-407E-A947-70E740481C1C}">
+                <a14:useLocalDpi xmlns:a14="http://schemas.microsoft.com/office/drawing/2010/main" val="0"/>
+              </a:ext>
+            </a:extLst>
+          </a:blip>
+          <a:srcRect l="16402" t="70510" r="31876" b="13344"/>
+          <a:stretch/>
+        </p:blipFill>
+        <p:spPr>
+          <a:xfrm>
+            <a:off x="323528" y="3145532"/>
+            <a:ext cx="2892829" cy="922714"/>
+          </a:xfrm>
+          <a:prstGeom prst="rect">
+            <a:avLst/>
+          </a:prstGeom>
+        </p:spPr>
+      </p:pic>
+    </p:spTree>
+    <p:extLst>
+      <p:ext uri="{BB962C8B-B14F-4D97-AF65-F5344CB8AC3E}">
+        <p14:creationId xmlns:p14="http://schemas.microsoft.com/office/powerpoint/2010/main" val="422799626"/>
+      </p:ext>
+    </p:extLst>
+  </p:cSld>
+  <p:clrMapOvr>
+    <a:masterClrMapping/>
+  </p:clrMapOvr>
+  <p:timing>
+    <p:tnLst>
+      <p:par>
+        <p:cTn id="1" dur="indefinite" restart="never" nodeType="tmRoot"/>
+      </p:par>
+    </p:tnLst>
+  </p:timing>
+</p:sld>
+</file>
+
+<file path=ppt/slides/slide15.xml><?xml version="1.0" encoding="utf-8"?>
+<p:sld xmlns:a="http://schemas.openxmlformats.org/drawingml/2006/main" xmlns:r="http://schemas.openxmlformats.org/officeDocument/2006/relationships" xmlns:p="http://schemas.openxmlformats.org/presentationml/2006/main">
+  <p:cSld>
+    <p:spTree>
+      <p:nvGrpSpPr>
+        <p:cNvPr id="1" name=""/>
+        <p:cNvGrpSpPr/>
+        <p:nvPr/>
+      </p:nvGrpSpPr>
+      <p:grpSpPr>
+        <a:xfrm>
+          <a:off x="0" y="0"/>
+          <a:ext cx="0" cy="0"/>
+          <a:chOff x="0" y="0"/>
+          <a:chExt cx="0" cy="0"/>
+        </a:xfrm>
+      </p:grpSpPr>
+      <p:sp>
+        <p:nvSpPr>
+          <p:cNvPr id="2" name="标题 1"/>
+          <p:cNvSpPr>
+            <a:spLocks noGrp="1"/>
+          </p:cNvSpPr>
+          <p:nvPr>
+            <p:ph type="title"/>
+          </p:nvPr>
+        </p:nvSpPr>
+        <p:spPr/>
+        <p:txBody>
+          <a:bodyPr/>
+          <a:lstStyle/>
+          <a:p>
             <a:endParaRPr lang="zh-CN" altLang="en-US"/>
+          </a:p>
+        </p:txBody>
+      </p:sp>
+      <p:sp>
+        <p:nvSpPr>
+          <p:cNvPr id="3" name="内容占位符 2"/>
+          <p:cNvSpPr>
+            <a:spLocks noGrp="1"/>
+          </p:cNvSpPr>
+          <p:nvPr>
+            <p:ph idx="1"/>
+          </p:nvPr>
+        </p:nvSpPr>
+        <p:spPr/>
+        <p:txBody>
+          <a:bodyPr/>
+          <a:lstStyle/>
+          <a:p>
+            <a:r>
+              <a:rPr lang="zh-CN" altLang="en-US" dirty="0" smtClean="0"/>
+              <a:t>上传标准品库原始数据文件</a:t>
+            </a:r>
+            <a:endParaRPr lang="zh-CN" altLang="en-US" dirty="0"/>
+          </a:p>
+        </p:txBody>
+      </p:sp>
+      <p:pic>
+        <p:nvPicPr>
+          <p:cNvPr id="11266" name="Picture 2"/>
+          <p:cNvPicPr>
+            <a:picLocks noChangeAspect="1" noChangeArrowheads="1"/>
+          </p:cNvPicPr>
+          <p:nvPr/>
+        </p:nvPicPr>
+        <p:blipFill>
+          <a:blip r:embed="rId2">
+            <a:extLst>
+              <a:ext uri="{28A0092B-C50C-407E-A947-70E740481C1C}">
+                <a14:useLocalDpi xmlns:a14="http://schemas.microsoft.com/office/drawing/2010/main" val="0"/>
+              </a:ext>
+            </a:extLst>
+          </a:blip>
+          <a:srcRect/>
+          <a:stretch>
+            <a:fillRect/>
+          </a:stretch>
+        </p:blipFill>
+        <p:spPr bwMode="auto">
+          <a:xfrm>
+            <a:off x="395536" y="2535539"/>
+            <a:ext cx="2804776" cy="1800200"/>
+          </a:xfrm>
+          <a:prstGeom prst="rect">
+            <a:avLst/>
+          </a:prstGeom>
+          <a:noFill/>
+          <a:ln>
+            <a:noFill/>
+          </a:ln>
+          <a:effectLst/>
+          <a:extLst>
+            <a:ext uri="{909E8E84-426E-40DD-AFC4-6F175D3DCCD1}">
+              <a14:hiddenFill xmlns:a14="http://schemas.microsoft.com/office/drawing/2010/main">
+                <a:solidFill>
+                  <a:schemeClr val="accent1"/>
+                </a:solidFill>
+              </a14:hiddenFill>
+            </a:ext>
+            <a:ext uri="{91240B29-F687-4F45-9708-019B960494DF}">
+              <a14:hiddenLine xmlns:a14="http://schemas.microsoft.com/office/drawing/2010/main" w="9525">
+                <a:solidFill>
+                  <a:schemeClr val="tx1"/>
+                </a:solidFill>
+                <a:miter lim="800000"/>
+                <a:headEnd/>
+                <a:tailEnd/>
+              </a14:hiddenLine>
+            </a:ext>
+            <a:ext uri="{AF507438-7753-43E0-B8FC-AC1667EBCBE1}">
+              <a14:hiddenEffects xmlns:a14="http://schemas.microsoft.com/office/drawing/2010/main">
+                <a:effectLst>
+                  <a:outerShdw dist="35921" dir="2700000" algn="ctr" rotWithShape="0">
+                    <a:schemeClr val="bg2"/>
+                  </a:outerShdw>
+                </a:effectLst>
+              </a14:hiddenEffects>
+            </a:ext>
+          </a:extLst>
+        </p:spPr>
+      </p:pic>
+      <p:pic>
+        <p:nvPicPr>
+          <p:cNvPr id="11267" name="Picture 3"/>
+          <p:cNvPicPr>
+            <a:picLocks noChangeAspect="1" noChangeArrowheads="1"/>
+          </p:cNvPicPr>
+          <p:nvPr/>
+        </p:nvPicPr>
+        <p:blipFill>
+          <a:blip r:embed="rId3">
+            <a:extLst>
+              <a:ext uri="{28A0092B-C50C-407E-A947-70E740481C1C}">
+                <a14:useLocalDpi xmlns:a14="http://schemas.microsoft.com/office/drawing/2010/main" val="0"/>
+              </a:ext>
+            </a:extLst>
+          </a:blip>
+          <a:srcRect/>
+          <a:stretch>
+            <a:fillRect/>
+          </a:stretch>
+        </p:blipFill>
+        <p:spPr bwMode="auto">
+          <a:xfrm>
+            <a:off x="3642945" y="2281436"/>
+            <a:ext cx="5065614" cy="2699766"/>
+          </a:xfrm>
+          <a:prstGeom prst="rect">
+            <a:avLst/>
+          </a:prstGeom>
+          <a:noFill/>
+          <a:ln>
+            <a:noFill/>
+          </a:ln>
+          <a:effectLst/>
+          <a:extLst>
+            <a:ext uri="{909E8E84-426E-40DD-AFC4-6F175D3DCCD1}">
+              <a14:hiddenFill xmlns:a14="http://schemas.microsoft.com/office/drawing/2010/main">
+                <a:solidFill>
+                  <a:schemeClr val="accent1"/>
+                </a:solidFill>
+              </a14:hiddenFill>
+            </a:ext>
+            <a:ext uri="{91240B29-F687-4F45-9708-019B960494DF}">
+              <a14:hiddenLine xmlns:a14="http://schemas.microsoft.com/office/drawing/2010/main" w="9525">
+                <a:solidFill>
+                  <a:schemeClr val="tx1"/>
+                </a:solidFill>
+                <a:miter lim="800000"/>
+                <a:headEnd/>
+                <a:tailEnd/>
+              </a14:hiddenLine>
+            </a:ext>
+            <a:ext uri="{AF507438-7753-43E0-B8FC-AC1667EBCBE1}">
+              <a14:hiddenEffects xmlns:a14="http://schemas.microsoft.com/office/drawing/2010/main">
+                <a:effectLst>
+                  <a:outerShdw dist="35921" dir="2700000" algn="ctr" rotWithShape="0">
+                    <a:schemeClr val="bg2"/>
+                  </a:outerShdw>
+                </a:effectLst>
+              </a14:hiddenEffects>
+            </a:ext>
+          </a:extLst>
+        </p:spPr>
+      </p:pic>
+      <p:sp>
+        <p:nvSpPr>
+          <p:cNvPr id="4" name="矩形 3"/>
+          <p:cNvSpPr/>
+          <p:nvPr/>
+        </p:nvSpPr>
+        <p:spPr>
+          <a:xfrm>
+            <a:off x="467544" y="3793604"/>
+            <a:ext cx="1330380" cy="504056"/>
+          </a:xfrm>
+          <a:prstGeom prst="rect">
+            <a:avLst/>
+          </a:prstGeom>
+          <a:noFill/>
+          <a:ln w="38100">
+            <a:solidFill>
+              <a:srgbClr val="FF0000"/>
+            </a:solidFill>
+          </a:ln>
+        </p:spPr>
+        <p:style>
+          <a:lnRef idx="2">
+            <a:schemeClr val="accent1">
+              <a:shade val="50000"/>
+            </a:schemeClr>
+          </a:lnRef>
+          <a:fillRef idx="1">
+            <a:schemeClr val="accent1"/>
+          </a:fillRef>
+          <a:effectRef idx="0">
+            <a:schemeClr val="accent1"/>
+          </a:effectRef>
+          <a:fontRef idx="minor">
+            <a:schemeClr val="lt1"/>
+          </a:fontRef>
+        </p:style>
+        <p:txBody>
+          <a:bodyPr rtlCol="0" anchor="ctr"/>
+          <a:lstStyle/>
+          <a:p>
+            <a:pPr algn="ctr"/>
+            <a:endParaRPr lang="zh-CN" altLang="en-US"/>
+          </a:p>
+        </p:txBody>
+      </p:sp>
+      <p:cxnSp>
+        <p:nvCxnSpPr>
+          <p:cNvPr id="6" name="肘形连接符 5"/>
+          <p:cNvCxnSpPr>
+            <a:stCxn id="4" idx="2"/>
+            <a:endCxn id="11267" idx="1"/>
+          </p:cNvCxnSpPr>
+          <p:nvPr/>
+        </p:nvCxnSpPr>
+        <p:spPr>
+          <a:xfrm rot="5400000" flipH="1" flipV="1">
+            <a:off x="2054668" y="2709384"/>
+            <a:ext cx="666341" cy="2510211"/>
+          </a:xfrm>
+          <a:prstGeom prst="bentConnector4">
+            <a:avLst>
+              <a:gd name="adj1" fmla="val -34307"/>
+              <a:gd name="adj2" fmla="val 63250"/>
+            </a:avLst>
+          </a:prstGeom>
+          <a:ln w="63500">
+            <a:tailEnd type="triangle"/>
+          </a:ln>
+        </p:spPr>
+        <p:style>
+          <a:lnRef idx="3">
+            <a:schemeClr val="accent1"/>
+          </a:lnRef>
+          <a:fillRef idx="0">
+            <a:schemeClr val="accent1"/>
+          </a:fillRef>
+          <a:effectRef idx="2">
+            <a:schemeClr val="accent1"/>
+          </a:effectRef>
+          <a:fontRef idx="minor">
+            <a:schemeClr val="tx1"/>
+          </a:fontRef>
+        </p:style>
+      </p:cxnSp>
+    </p:spTree>
+    <p:extLst>
+      <p:ext uri="{BB962C8B-B14F-4D97-AF65-F5344CB8AC3E}">
+        <p14:creationId xmlns:p14="http://schemas.microsoft.com/office/powerpoint/2010/main" val="3079403261"/>
+      </p:ext>
+    </p:extLst>
+  </p:cSld>
+  <p:clrMapOvr>
+    <a:masterClrMapping/>
+  </p:clrMapOvr>
+  <p:timing>
+    <p:tnLst>
+      <p:par>
+        <p:cTn id="1" dur="indefinite" restart="never" nodeType="tmRoot"/>
+      </p:par>
+    </p:tnLst>
+  </p:timing>
+</p:sld>
+</file>
+
+<file path=ppt/slides/slide16.xml><?xml version="1.0" encoding="utf-8"?>
+<p:sld xmlns:a="http://schemas.openxmlformats.org/drawingml/2006/main" xmlns:r="http://schemas.openxmlformats.org/officeDocument/2006/relationships" xmlns:p="http://schemas.openxmlformats.org/presentationml/2006/main">
+  <p:cSld>
+    <p:spTree>
+      <p:nvGrpSpPr>
+        <p:cNvPr id="1" name=""/>
+        <p:cNvGrpSpPr/>
+        <p:nvPr/>
+      </p:nvGrpSpPr>
+      <p:grpSpPr>
+        <a:xfrm>
+          <a:off x="0" y="0"/>
+          <a:ext cx="0" cy="0"/>
+          <a:chOff x="0" y="0"/>
+          <a:chExt cx="0" cy="0"/>
+        </a:xfrm>
+      </p:grpSpPr>
+      <p:sp>
+        <p:nvSpPr>
+          <p:cNvPr id="2" name="标题 1"/>
+          <p:cNvSpPr>
+            <a:spLocks noGrp="1"/>
+          </p:cNvSpPr>
+          <p:nvPr>
+            <p:ph type="title"/>
+          </p:nvPr>
+        </p:nvSpPr>
+        <p:spPr/>
+        <p:txBody>
+          <a:bodyPr/>
+          <a:lstStyle/>
+          <a:p>
+            <a:endParaRPr lang="zh-CN" altLang="en-US"/>
+          </a:p>
+        </p:txBody>
+      </p:sp>
+      <p:sp>
+        <p:nvSpPr>
+          <p:cNvPr id="3" name="内容占位符 2"/>
+          <p:cNvSpPr>
+            <a:spLocks noGrp="1"/>
+          </p:cNvSpPr>
+          <p:nvPr>
+            <p:ph idx="1"/>
+          </p:nvPr>
+        </p:nvSpPr>
+        <p:spPr/>
+        <p:txBody>
+          <a:bodyPr/>
+          <a:lstStyle/>
+          <a:p>
+            <a:r>
+              <a:rPr lang="zh-CN" altLang="en-US" dirty="0"/>
+              <a:t>上传标准品库原始数据文件</a:t>
+            </a:r>
+          </a:p>
+          <a:p>
+            <a:r>
+              <a:rPr lang="zh-CN" altLang="en-US" dirty="0" smtClean="0"/>
+              <a:t>需要上传两部分的数据文件用来进行自动化构建标准品库</a:t>
+            </a:r>
+            <a:endParaRPr lang="en-US" altLang="zh-CN" dirty="0" smtClean="0"/>
+          </a:p>
+          <a:p>
+            <a:r>
+              <a:rPr lang="en-US" altLang="zh-CN" dirty="0" smtClean="0"/>
+              <a:t>1. </a:t>
+            </a:r>
+            <a:r>
+              <a:rPr lang="zh-CN" altLang="en-US" dirty="0" smtClean="0"/>
+              <a:t>注释信息文件：用来指明该物质是什么</a:t>
+            </a:r>
+            <a:endParaRPr lang="en-US" altLang="zh-CN" dirty="0" smtClean="0"/>
+          </a:p>
+          <a:p>
+            <a:r>
+              <a:rPr lang="en-US" altLang="zh-CN" dirty="0" smtClean="0"/>
+              <a:t>2. </a:t>
+            </a:r>
+            <a:r>
+              <a:rPr lang="zh-CN" altLang="en-US" dirty="0" smtClean="0"/>
+              <a:t>原始数据文件：用来指明该物质的具体的二级质谱碎片结构</a:t>
+            </a:r>
+            <a:endParaRPr lang="zh-CN" altLang="en-US" dirty="0"/>
           </a:p>
         </p:txBody>
       </p:sp>
     </p:spTree>
     <p:extLst>
       <p:ext uri="{BB962C8B-B14F-4D97-AF65-F5344CB8AC3E}">
-        <p14:creationId xmlns:p14="http://schemas.microsoft.com/office/powerpoint/2010/main" val="422799626"/>
+        <p14:creationId xmlns:p14="http://schemas.microsoft.com/office/powerpoint/2010/main" val="2071654071"/>
+      </p:ext>
+    </p:extLst>
+  </p:cSld>
+  <p:clrMapOvr>
+    <a:masterClrMapping/>
+  </p:clrMapOvr>
+  <p:timing>
+    <p:tnLst>
+      <p:par>
+        <p:cTn id="1" dur="indefinite" restart="never" nodeType="tmRoot"/>
+      </p:par>
+    </p:tnLst>
+  </p:timing>
+</p:sld>
+</file>
+
+<file path=ppt/slides/slide17.xml><?xml version="1.0" encoding="utf-8"?>
+<p:sld xmlns:a="http://schemas.openxmlformats.org/drawingml/2006/main" xmlns:r="http://schemas.openxmlformats.org/officeDocument/2006/relationships" xmlns:p="http://schemas.openxmlformats.org/presentationml/2006/main">
+  <p:cSld>
+    <p:spTree>
+      <p:nvGrpSpPr>
+        <p:cNvPr id="1" name=""/>
+        <p:cNvGrpSpPr/>
+        <p:nvPr/>
+      </p:nvGrpSpPr>
+      <p:grpSpPr>
+        <a:xfrm>
+          <a:off x="0" y="0"/>
+          <a:ext cx="0" cy="0"/>
+          <a:chOff x="0" y="0"/>
+          <a:chExt cx="0" cy="0"/>
+        </a:xfrm>
+      </p:grpSpPr>
+      <p:sp>
+        <p:nvSpPr>
+          <p:cNvPr id="2" name="标题 1"/>
+          <p:cNvSpPr>
+            <a:spLocks noGrp="1"/>
+          </p:cNvSpPr>
+          <p:nvPr>
+            <p:ph type="title"/>
+          </p:nvPr>
+        </p:nvSpPr>
+        <p:spPr/>
+        <p:txBody>
+          <a:bodyPr/>
+          <a:lstStyle/>
+          <a:p>
+            <a:endParaRPr lang="zh-CN" altLang="en-US"/>
+          </a:p>
+        </p:txBody>
+      </p:sp>
+      <p:sp>
+        <p:nvSpPr>
+          <p:cNvPr id="3" name="内容占位符 2"/>
+          <p:cNvSpPr>
+            <a:spLocks noGrp="1"/>
+          </p:cNvSpPr>
+          <p:nvPr>
+            <p:ph idx="1"/>
+          </p:nvPr>
+        </p:nvSpPr>
+        <p:spPr/>
+        <p:txBody>
+          <a:bodyPr/>
+          <a:lstStyle/>
+          <a:p>
+            <a:endParaRPr lang="zh-CN" altLang="en-US" dirty="0"/>
+          </a:p>
+        </p:txBody>
+      </p:sp>
+      <p:pic>
+        <p:nvPicPr>
+          <p:cNvPr id="4" name="Picture 3"/>
+          <p:cNvPicPr>
+            <a:picLocks noChangeAspect="1" noChangeArrowheads="1"/>
+          </p:cNvPicPr>
+          <p:nvPr/>
+        </p:nvPicPr>
+        <p:blipFill>
+          <a:blip r:embed="rId2">
+            <a:extLst>
+              <a:ext uri="{28A0092B-C50C-407E-A947-70E740481C1C}">
+                <a14:useLocalDpi xmlns:a14="http://schemas.microsoft.com/office/drawing/2010/main" val="0"/>
+              </a:ext>
+            </a:extLst>
+          </a:blip>
+          <a:srcRect/>
+          <a:stretch>
+            <a:fillRect/>
+          </a:stretch>
+        </p:blipFill>
+        <p:spPr bwMode="auto">
+          <a:xfrm>
+            <a:off x="2699792" y="1561356"/>
+            <a:ext cx="6082044" cy="3241482"/>
+          </a:xfrm>
+          <a:prstGeom prst="rect">
+            <a:avLst/>
+          </a:prstGeom>
+          <a:noFill/>
+          <a:ln>
+            <a:noFill/>
+          </a:ln>
+          <a:effectLst/>
+          <a:extLst>
+            <a:ext uri="{909E8E84-426E-40DD-AFC4-6F175D3DCCD1}">
+              <a14:hiddenFill xmlns:a14="http://schemas.microsoft.com/office/drawing/2010/main">
+                <a:solidFill>
+                  <a:schemeClr val="accent1"/>
+                </a:solidFill>
+              </a14:hiddenFill>
+            </a:ext>
+            <a:ext uri="{91240B29-F687-4F45-9708-019B960494DF}">
+              <a14:hiddenLine xmlns:a14="http://schemas.microsoft.com/office/drawing/2010/main" w="9525">
+                <a:solidFill>
+                  <a:schemeClr val="tx1"/>
+                </a:solidFill>
+                <a:miter lim="800000"/>
+                <a:headEnd/>
+                <a:tailEnd/>
+              </a14:hiddenLine>
+            </a:ext>
+            <a:ext uri="{AF507438-7753-43E0-B8FC-AC1667EBCBE1}">
+              <a14:hiddenEffects xmlns:a14="http://schemas.microsoft.com/office/drawing/2010/main">
+                <a:effectLst>
+                  <a:outerShdw dist="35921" dir="2700000" algn="ctr" rotWithShape="0">
+                    <a:schemeClr val="bg2"/>
+                  </a:outerShdw>
+                </a:effectLst>
+              </a14:hiddenEffects>
+            </a:ext>
+          </a:extLst>
+        </p:spPr>
+      </p:pic>
+      <p:sp>
+        <p:nvSpPr>
+          <p:cNvPr id="5" name="矩形 4"/>
+          <p:cNvSpPr/>
+          <p:nvPr/>
+        </p:nvSpPr>
+        <p:spPr>
+          <a:xfrm>
+            <a:off x="395536" y="2137420"/>
+            <a:ext cx="2088232" cy="504056"/>
+          </a:xfrm>
+          <a:prstGeom prst="rect">
+            <a:avLst/>
+          </a:prstGeom>
+        </p:spPr>
+        <p:style>
+          <a:lnRef idx="2">
+            <a:schemeClr val="accent1">
+              <a:shade val="50000"/>
+            </a:schemeClr>
+          </a:lnRef>
+          <a:fillRef idx="1">
+            <a:schemeClr val="accent1"/>
+          </a:fillRef>
+          <a:effectRef idx="0">
+            <a:schemeClr val="accent1"/>
+          </a:effectRef>
+          <a:fontRef idx="minor">
+            <a:schemeClr val="lt1"/>
+          </a:fontRef>
+        </p:style>
+        <p:txBody>
+          <a:bodyPr rtlCol="0" anchor="ctr"/>
+          <a:lstStyle/>
+          <a:p>
+            <a:pPr algn="ctr"/>
+            <a:r>
+              <a:rPr lang="zh-CN" altLang="en-US" dirty="0" smtClean="0"/>
+              <a:t>上传注释信息文件</a:t>
+            </a:r>
+            <a:endParaRPr lang="zh-CN" altLang="en-US" dirty="0"/>
+          </a:p>
+        </p:txBody>
+      </p:sp>
+      <p:sp>
+        <p:nvSpPr>
+          <p:cNvPr id="6" name="矩形 5"/>
+          <p:cNvSpPr/>
+          <p:nvPr/>
+        </p:nvSpPr>
+        <p:spPr>
+          <a:xfrm>
+            <a:off x="405713" y="3182097"/>
+            <a:ext cx="2088232" cy="504056"/>
+          </a:xfrm>
+          <a:prstGeom prst="rect">
+            <a:avLst/>
+          </a:prstGeom>
+        </p:spPr>
+        <p:style>
+          <a:lnRef idx="2">
+            <a:schemeClr val="accent1">
+              <a:shade val="50000"/>
+            </a:schemeClr>
+          </a:lnRef>
+          <a:fillRef idx="1">
+            <a:schemeClr val="accent1"/>
+          </a:fillRef>
+          <a:effectRef idx="0">
+            <a:schemeClr val="accent1"/>
+          </a:effectRef>
+          <a:fontRef idx="minor">
+            <a:schemeClr val="lt1"/>
+          </a:fontRef>
+        </p:style>
+        <p:txBody>
+          <a:bodyPr rtlCol="0" anchor="ctr"/>
+          <a:lstStyle/>
+          <a:p>
+            <a:pPr algn="ctr"/>
+            <a:r>
+              <a:rPr lang="zh-CN" altLang="en-US" dirty="0" smtClean="0"/>
+              <a:t>下载注释信息模板</a:t>
+            </a:r>
+            <a:endParaRPr lang="zh-CN" altLang="en-US" dirty="0"/>
+          </a:p>
+        </p:txBody>
+      </p:sp>
+      <p:sp>
+        <p:nvSpPr>
+          <p:cNvPr id="7" name="矩形 6"/>
+          <p:cNvSpPr/>
+          <p:nvPr/>
+        </p:nvSpPr>
+        <p:spPr>
+          <a:xfrm>
+            <a:off x="395536" y="3865612"/>
+            <a:ext cx="2088232" cy="504056"/>
+          </a:xfrm>
+          <a:prstGeom prst="rect">
+            <a:avLst/>
+          </a:prstGeom>
+        </p:spPr>
+        <p:style>
+          <a:lnRef idx="2">
+            <a:schemeClr val="accent1">
+              <a:shade val="50000"/>
+            </a:schemeClr>
+          </a:lnRef>
+          <a:fillRef idx="1">
+            <a:schemeClr val="accent1"/>
+          </a:fillRef>
+          <a:effectRef idx="0">
+            <a:schemeClr val="accent1"/>
+          </a:effectRef>
+          <a:fontRef idx="minor">
+            <a:schemeClr val="lt1"/>
+          </a:fontRef>
+        </p:style>
+        <p:txBody>
+          <a:bodyPr rtlCol="0" anchor="ctr"/>
+          <a:lstStyle/>
+          <a:p>
+            <a:pPr algn="ctr"/>
+            <a:r>
+              <a:rPr lang="zh-CN" altLang="en-US" dirty="0" smtClean="0"/>
+              <a:t>上传原始数据文件</a:t>
+            </a:r>
+            <a:endParaRPr lang="zh-CN" altLang="en-US" dirty="0"/>
+          </a:p>
+        </p:txBody>
+      </p:sp>
+      <p:sp>
+        <p:nvSpPr>
+          <p:cNvPr id="8" name="矩形 7"/>
+          <p:cNvSpPr/>
+          <p:nvPr/>
+        </p:nvSpPr>
+        <p:spPr>
+          <a:xfrm>
+            <a:off x="2931778" y="2247730"/>
+            <a:ext cx="5184576" cy="396044"/>
+          </a:xfrm>
+          <a:prstGeom prst="rect">
+            <a:avLst/>
+          </a:prstGeom>
+          <a:noFill/>
+          <a:ln w="38100">
+            <a:solidFill>
+              <a:srgbClr val="FF0000"/>
+            </a:solidFill>
+          </a:ln>
+        </p:spPr>
+        <p:style>
+          <a:lnRef idx="2">
+            <a:schemeClr val="accent1">
+              <a:shade val="50000"/>
+            </a:schemeClr>
+          </a:lnRef>
+          <a:fillRef idx="1">
+            <a:schemeClr val="accent1"/>
+          </a:fillRef>
+          <a:effectRef idx="0">
+            <a:schemeClr val="accent1"/>
+          </a:effectRef>
+          <a:fontRef idx="minor">
+            <a:schemeClr val="lt1"/>
+          </a:fontRef>
+        </p:style>
+        <p:txBody>
+          <a:bodyPr rtlCol="0" anchor="ctr"/>
+          <a:lstStyle/>
+          <a:p>
+            <a:pPr algn="ctr"/>
+            <a:endParaRPr lang="zh-CN" altLang="en-US"/>
+          </a:p>
+        </p:txBody>
+      </p:sp>
+      <p:cxnSp>
+        <p:nvCxnSpPr>
+          <p:cNvPr id="9" name="肘形连接符 8"/>
+          <p:cNvCxnSpPr>
+            <a:stCxn id="5" idx="3"/>
+            <a:endCxn id="8" idx="0"/>
+          </p:cNvCxnSpPr>
+          <p:nvPr/>
+        </p:nvCxnSpPr>
+        <p:spPr>
+          <a:xfrm flipV="1">
+            <a:off x="2483768" y="2247730"/>
+            <a:ext cx="3040298" cy="141718"/>
+          </a:xfrm>
+          <a:prstGeom prst="bentConnector4">
+            <a:avLst>
+              <a:gd name="adj1" fmla="val 7368"/>
+              <a:gd name="adj2" fmla="val 339144"/>
+            </a:avLst>
+          </a:prstGeom>
+          <a:ln w="63500">
+            <a:tailEnd type="triangle"/>
+          </a:ln>
+        </p:spPr>
+        <p:style>
+          <a:lnRef idx="3">
+            <a:schemeClr val="accent1"/>
+          </a:lnRef>
+          <a:fillRef idx="0">
+            <a:schemeClr val="accent1"/>
+          </a:fillRef>
+          <a:effectRef idx="2">
+            <a:schemeClr val="accent1"/>
+          </a:effectRef>
+          <a:fontRef idx="minor">
+            <a:schemeClr val="tx1"/>
+          </a:fontRef>
+        </p:style>
+      </p:cxnSp>
+      <p:sp>
+        <p:nvSpPr>
+          <p:cNvPr id="14" name="矩形 13"/>
+          <p:cNvSpPr/>
+          <p:nvPr/>
+        </p:nvSpPr>
+        <p:spPr>
+          <a:xfrm>
+            <a:off x="3491880" y="2861922"/>
+            <a:ext cx="1800200" cy="198022"/>
+          </a:xfrm>
+          <a:prstGeom prst="rect">
+            <a:avLst/>
+          </a:prstGeom>
+          <a:noFill/>
+          <a:ln w="38100">
+            <a:solidFill>
+              <a:srgbClr val="FF0000"/>
+            </a:solidFill>
+          </a:ln>
+        </p:spPr>
+        <p:style>
+          <a:lnRef idx="2">
+            <a:schemeClr val="accent1">
+              <a:shade val="50000"/>
+            </a:schemeClr>
+          </a:lnRef>
+          <a:fillRef idx="1">
+            <a:schemeClr val="accent1"/>
+          </a:fillRef>
+          <a:effectRef idx="0">
+            <a:schemeClr val="accent1"/>
+          </a:effectRef>
+          <a:fontRef idx="minor">
+            <a:schemeClr val="lt1"/>
+          </a:fontRef>
+        </p:style>
+        <p:txBody>
+          <a:bodyPr rtlCol="0" anchor="ctr"/>
+          <a:lstStyle/>
+          <a:p>
+            <a:pPr algn="ctr"/>
+            <a:endParaRPr lang="zh-CN" altLang="en-US"/>
+          </a:p>
+        </p:txBody>
+      </p:sp>
+      <p:cxnSp>
+        <p:nvCxnSpPr>
+          <p:cNvPr id="15" name="肘形连接符 14"/>
+          <p:cNvCxnSpPr>
+            <a:stCxn id="6" idx="3"/>
+            <a:endCxn id="14" idx="2"/>
+          </p:cNvCxnSpPr>
+          <p:nvPr/>
+        </p:nvCxnSpPr>
+        <p:spPr>
+          <a:xfrm flipV="1">
+            <a:off x="2493945" y="3059944"/>
+            <a:ext cx="1898035" cy="374181"/>
+          </a:xfrm>
+          <a:prstGeom prst="bentConnector2">
+            <a:avLst/>
+          </a:prstGeom>
+          <a:ln w="63500">
+            <a:tailEnd type="triangle"/>
+          </a:ln>
+        </p:spPr>
+        <p:style>
+          <a:lnRef idx="3">
+            <a:schemeClr val="accent1"/>
+          </a:lnRef>
+          <a:fillRef idx="0">
+            <a:schemeClr val="accent1"/>
+          </a:fillRef>
+          <a:effectRef idx="2">
+            <a:schemeClr val="accent1"/>
+          </a:effectRef>
+          <a:fontRef idx="minor">
+            <a:schemeClr val="tx1"/>
+          </a:fontRef>
+        </p:style>
+      </p:cxnSp>
+      <p:sp>
+        <p:nvSpPr>
+          <p:cNvPr id="21" name="矩形 20"/>
+          <p:cNvSpPr/>
+          <p:nvPr/>
+        </p:nvSpPr>
+        <p:spPr>
+          <a:xfrm>
+            <a:off x="3084178" y="4009628"/>
+            <a:ext cx="2135894" cy="396044"/>
+          </a:xfrm>
+          <a:prstGeom prst="rect">
+            <a:avLst/>
+          </a:prstGeom>
+          <a:noFill/>
+          <a:ln w="38100">
+            <a:solidFill>
+              <a:srgbClr val="FF0000"/>
+            </a:solidFill>
+          </a:ln>
+        </p:spPr>
+        <p:style>
+          <a:lnRef idx="2">
+            <a:schemeClr val="accent1">
+              <a:shade val="50000"/>
+            </a:schemeClr>
+          </a:lnRef>
+          <a:fillRef idx="1">
+            <a:schemeClr val="accent1"/>
+          </a:fillRef>
+          <a:effectRef idx="0">
+            <a:schemeClr val="accent1"/>
+          </a:effectRef>
+          <a:fontRef idx="minor">
+            <a:schemeClr val="lt1"/>
+          </a:fontRef>
+        </p:style>
+        <p:txBody>
+          <a:bodyPr rtlCol="0" anchor="ctr"/>
+          <a:lstStyle/>
+          <a:p>
+            <a:pPr algn="ctr"/>
+            <a:endParaRPr lang="zh-CN" altLang="en-US"/>
+          </a:p>
+        </p:txBody>
+      </p:sp>
+      <p:cxnSp>
+        <p:nvCxnSpPr>
+          <p:cNvPr id="22" name="肘形连接符 21"/>
+          <p:cNvCxnSpPr>
+            <a:stCxn id="7" idx="3"/>
+            <a:endCxn id="21" idx="0"/>
+          </p:cNvCxnSpPr>
+          <p:nvPr/>
+        </p:nvCxnSpPr>
+        <p:spPr>
+          <a:xfrm flipV="1">
+            <a:off x="2483768" y="4009628"/>
+            <a:ext cx="1668357" cy="108012"/>
+          </a:xfrm>
+          <a:prstGeom prst="bentConnector4">
+            <a:avLst>
+              <a:gd name="adj1" fmla="val 17994"/>
+              <a:gd name="adj2" fmla="val 444976"/>
+            </a:avLst>
+          </a:prstGeom>
+          <a:ln w="63500">
+            <a:tailEnd type="triangle"/>
+          </a:ln>
+        </p:spPr>
+        <p:style>
+          <a:lnRef idx="3">
+            <a:schemeClr val="accent1"/>
+          </a:lnRef>
+          <a:fillRef idx="0">
+            <a:schemeClr val="accent1"/>
+          </a:fillRef>
+          <a:effectRef idx="2">
+            <a:schemeClr val="accent1"/>
+          </a:effectRef>
+          <a:fontRef idx="minor">
+            <a:schemeClr val="tx1"/>
+          </a:fontRef>
+        </p:style>
+      </p:cxnSp>
+    </p:spTree>
+    <p:extLst>
+      <p:ext uri="{BB962C8B-B14F-4D97-AF65-F5344CB8AC3E}">
+        <p14:creationId xmlns:p14="http://schemas.microsoft.com/office/powerpoint/2010/main" val="2123436196"/>
       </p:ext>
     </p:extLst>
   </p:cSld>

--- a/Tutorials.pptx
+++ b/Tutorials.pptx
@@ -4,6 +4,9 @@
   <p:sldMasterIdLst>
     <p:sldMasterId id="2147483648" r:id="rId1"/>
   </p:sldMasterIdLst>
+  <p:notesMasterIdLst>
+    <p:notesMasterId r:id="rId23"/>
+  </p:notesMasterIdLst>
   <p:sldIdLst>
     <p:sldId id="256" r:id="rId2"/>
     <p:sldId id="258" r:id="rId3"/>
@@ -22,6 +25,10 @@
     <p:sldId id="270" r:id="rId16"/>
     <p:sldId id="271" r:id="rId17"/>
     <p:sldId id="272" r:id="rId18"/>
+    <p:sldId id="273" r:id="rId19"/>
+    <p:sldId id="274" r:id="rId20"/>
+    <p:sldId id="275" r:id="rId21"/>
+    <p:sldId id="276" r:id="rId22"/>
   </p:sldIdLst>
   <p:sldSz cx="9144000" cy="5715000" type="screen16x10"/>
   <p:notesSz cx="6858000" cy="9144000"/>
@@ -12168,6 +12175,440 @@
 </dgm:styleDef>
 </file>
 
+<file path=ppt/notesMasters/notesMaster1.xml><?xml version="1.0" encoding="utf-8"?>
+<p:notesMaster xmlns:a="http://schemas.openxmlformats.org/drawingml/2006/main" xmlns:r="http://schemas.openxmlformats.org/officeDocument/2006/relationships" xmlns:p="http://schemas.openxmlformats.org/presentationml/2006/main">
+  <p:cSld>
+    <p:bg>
+      <p:bgRef idx="1001">
+        <a:schemeClr val="bg1"/>
+      </p:bgRef>
+    </p:bg>
+    <p:spTree>
+      <p:nvGrpSpPr>
+        <p:cNvPr id="1" name=""/>
+        <p:cNvGrpSpPr/>
+        <p:nvPr/>
+      </p:nvGrpSpPr>
+      <p:grpSpPr>
+        <a:xfrm>
+          <a:off x="0" y="0"/>
+          <a:ext cx="0" cy="0"/>
+          <a:chOff x="0" y="0"/>
+          <a:chExt cx="0" cy="0"/>
+        </a:xfrm>
+      </p:grpSpPr>
+      <p:sp>
+        <p:nvSpPr>
+          <p:cNvPr id="2" name="页眉占位符 1"/>
+          <p:cNvSpPr>
+            <a:spLocks noGrp="1"/>
+          </p:cNvSpPr>
+          <p:nvPr>
+            <p:ph type="hdr" sz="quarter"/>
+          </p:nvPr>
+        </p:nvSpPr>
+        <p:spPr>
+          <a:xfrm>
+            <a:off x="0" y="0"/>
+            <a:ext cx="2971800" cy="457200"/>
+          </a:xfrm>
+          <a:prstGeom prst="rect">
+            <a:avLst/>
+          </a:prstGeom>
+        </p:spPr>
+        <p:txBody>
+          <a:bodyPr vert="horz" lIns="91440" tIns="45720" rIns="91440" bIns="45720" rtlCol="0"/>
+          <a:lstStyle>
+            <a:lvl1pPr algn="l">
+              <a:defRPr sz="1200"/>
+            </a:lvl1pPr>
+          </a:lstStyle>
+          <a:p>
+            <a:endParaRPr lang="zh-CN" altLang="en-US"/>
+          </a:p>
+        </p:txBody>
+      </p:sp>
+      <p:sp>
+        <p:nvSpPr>
+          <p:cNvPr id="3" name="日期占位符 2"/>
+          <p:cNvSpPr>
+            <a:spLocks noGrp="1"/>
+          </p:cNvSpPr>
+          <p:nvPr>
+            <p:ph type="dt" idx="1"/>
+          </p:nvPr>
+        </p:nvSpPr>
+        <p:spPr>
+          <a:xfrm>
+            <a:off x="3884613" y="0"/>
+            <a:ext cx="2971800" cy="457200"/>
+          </a:xfrm>
+          <a:prstGeom prst="rect">
+            <a:avLst/>
+          </a:prstGeom>
+        </p:spPr>
+        <p:txBody>
+          <a:bodyPr vert="horz" lIns="91440" tIns="45720" rIns="91440" bIns="45720" rtlCol="0"/>
+          <a:lstStyle>
+            <a:lvl1pPr algn="r">
+              <a:defRPr sz="1200"/>
+            </a:lvl1pPr>
+          </a:lstStyle>
+          <a:p>
+            <a:fld id="{C6218CF8-7339-443A-8524-7D11ADAF0DB6}" type="datetimeFigureOut">
+              <a:rPr lang="zh-CN" altLang="en-US" smtClean="0"/>
+              <a:t>2019/1/11</a:t>
+            </a:fld>
+            <a:endParaRPr lang="zh-CN" altLang="en-US"/>
+          </a:p>
+        </p:txBody>
+      </p:sp>
+      <p:sp>
+        <p:nvSpPr>
+          <p:cNvPr id="4" name="幻灯片图像占位符 3"/>
+          <p:cNvSpPr>
+            <a:spLocks noGrp="1" noRot="1" noChangeAspect="1"/>
+          </p:cNvSpPr>
+          <p:nvPr>
+            <p:ph type="sldImg" idx="2"/>
+          </p:nvPr>
+        </p:nvSpPr>
+        <p:spPr>
+          <a:xfrm>
+            <a:off x="685800" y="685800"/>
+            <a:ext cx="5486400" cy="3429000"/>
+          </a:xfrm>
+          <a:prstGeom prst="rect">
+            <a:avLst/>
+          </a:prstGeom>
+          <a:noFill/>
+          <a:ln w="12700">
+            <a:solidFill>
+              <a:prstClr val="black"/>
+            </a:solidFill>
+          </a:ln>
+        </p:spPr>
+        <p:txBody>
+          <a:bodyPr vert="horz" lIns="91440" tIns="45720" rIns="91440" bIns="45720" rtlCol="0" anchor="ctr"/>
+          <a:lstStyle/>
+          <a:p>
+            <a:endParaRPr lang="zh-CN" altLang="en-US"/>
+          </a:p>
+        </p:txBody>
+      </p:sp>
+      <p:sp>
+        <p:nvSpPr>
+          <p:cNvPr id="5" name="备注占位符 4"/>
+          <p:cNvSpPr>
+            <a:spLocks noGrp="1"/>
+          </p:cNvSpPr>
+          <p:nvPr>
+            <p:ph type="body" sz="quarter" idx="3"/>
+          </p:nvPr>
+        </p:nvSpPr>
+        <p:spPr>
+          <a:xfrm>
+            <a:off x="685800" y="4343400"/>
+            <a:ext cx="5486400" cy="4114800"/>
+          </a:xfrm>
+          <a:prstGeom prst="rect">
+            <a:avLst/>
+          </a:prstGeom>
+        </p:spPr>
+        <p:txBody>
+          <a:bodyPr vert="horz" lIns="91440" tIns="45720" rIns="91440" bIns="45720" rtlCol="0"/>
+          <a:lstStyle/>
+          <a:p>
+            <a:pPr lvl="0"/>
+            <a:r>
+              <a:rPr lang="zh-CN" altLang="en-US" smtClean="0"/>
+              <a:t>单击此处编辑母版文本样式</a:t>
+            </a:r>
+          </a:p>
+          <a:p>
+            <a:pPr lvl="1"/>
+            <a:r>
+              <a:rPr lang="zh-CN" altLang="en-US" smtClean="0"/>
+              <a:t>第二级</a:t>
+            </a:r>
+          </a:p>
+          <a:p>
+            <a:pPr lvl="2"/>
+            <a:r>
+              <a:rPr lang="zh-CN" altLang="en-US" smtClean="0"/>
+              <a:t>第三级</a:t>
+            </a:r>
+          </a:p>
+          <a:p>
+            <a:pPr lvl="3"/>
+            <a:r>
+              <a:rPr lang="zh-CN" altLang="en-US" smtClean="0"/>
+              <a:t>第四级</a:t>
+            </a:r>
+          </a:p>
+          <a:p>
+            <a:pPr lvl="4"/>
+            <a:r>
+              <a:rPr lang="zh-CN" altLang="en-US" smtClean="0"/>
+              <a:t>第五级</a:t>
+            </a:r>
+            <a:endParaRPr lang="zh-CN" altLang="en-US"/>
+          </a:p>
+        </p:txBody>
+      </p:sp>
+      <p:sp>
+        <p:nvSpPr>
+          <p:cNvPr id="6" name="页脚占位符 5"/>
+          <p:cNvSpPr>
+            <a:spLocks noGrp="1"/>
+          </p:cNvSpPr>
+          <p:nvPr>
+            <p:ph type="ftr" sz="quarter" idx="4"/>
+          </p:nvPr>
+        </p:nvSpPr>
+        <p:spPr>
+          <a:xfrm>
+            <a:off x="0" y="8685213"/>
+            <a:ext cx="2971800" cy="457200"/>
+          </a:xfrm>
+          <a:prstGeom prst="rect">
+            <a:avLst/>
+          </a:prstGeom>
+        </p:spPr>
+        <p:txBody>
+          <a:bodyPr vert="horz" lIns="91440" tIns="45720" rIns="91440" bIns="45720" rtlCol="0" anchor="b"/>
+          <a:lstStyle>
+            <a:lvl1pPr algn="l">
+              <a:defRPr sz="1200"/>
+            </a:lvl1pPr>
+          </a:lstStyle>
+          <a:p>
+            <a:endParaRPr lang="zh-CN" altLang="en-US"/>
+          </a:p>
+        </p:txBody>
+      </p:sp>
+      <p:sp>
+        <p:nvSpPr>
+          <p:cNvPr id="7" name="灯片编号占位符 6"/>
+          <p:cNvSpPr>
+            <a:spLocks noGrp="1"/>
+          </p:cNvSpPr>
+          <p:nvPr>
+            <p:ph type="sldNum" sz="quarter" idx="5"/>
+          </p:nvPr>
+        </p:nvSpPr>
+        <p:spPr>
+          <a:xfrm>
+            <a:off x="3884613" y="8685213"/>
+            <a:ext cx="2971800" cy="457200"/>
+          </a:xfrm>
+          <a:prstGeom prst="rect">
+            <a:avLst/>
+          </a:prstGeom>
+        </p:spPr>
+        <p:txBody>
+          <a:bodyPr vert="horz" lIns="91440" tIns="45720" rIns="91440" bIns="45720" rtlCol="0" anchor="b"/>
+          <a:lstStyle>
+            <a:lvl1pPr algn="r">
+              <a:defRPr sz="1200"/>
+            </a:lvl1pPr>
+          </a:lstStyle>
+          <a:p>
+            <a:fld id="{2780F631-D891-4B94-9B11-B4253EDFD1DB}" type="slidenum">
+              <a:rPr lang="zh-CN" altLang="en-US" smtClean="0"/>
+              <a:t>‹#›</a:t>
+            </a:fld>
+            <a:endParaRPr lang="zh-CN" altLang="en-US"/>
+          </a:p>
+        </p:txBody>
+      </p:sp>
+    </p:spTree>
+    <p:extLst>
+      <p:ext uri="{BB962C8B-B14F-4D97-AF65-F5344CB8AC3E}">
+        <p14:creationId xmlns:p14="http://schemas.microsoft.com/office/powerpoint/2010/main" val="3725742622"/>
+      </p:ext>
+    </p:extLst>
+  </p:cSld>
+  <p:clrMap bg1="lt1" tx1="dk1" bg2="lt2" tx2="dk2" accent1="accent1" accent2="accent2" accent3="accent3" accent4="accent4" accent5="accent5" accent6="accent6" hlink="hlink" folHlink="folHlink"/>
+  <p:notesStyle>
+    <a:lvl1pPr marL="0" algn="l" defTabSz="914400" rtl="0" eaLnBrk="1" latinLnBrk="0" hangingPunct="1">
+      <a:defRPr sz="1200" kern="1200">
+        <a:solidFill>
+          <a:schemeClr val="tx1"/>
+        </a:solidFill>
+        <a:latin typeface="+mn-lt"/>
+        <a:ea typeface="+mn-ea"/>
+        <a:cs typeface="+mn-cs"/>
+      </a:defRPr>
+    </a:lvl1pPr>
+    <a:lvl2pPr marL="457200" algn="l" defTabSz="914400" rtl="0" eaLnBrk="1" latinLnBrk="0" hangingPunct="1">
+      <a:defRPr sz="1200" kern="1200">
+        <a:solidFill>
+          <a:schemeClr val="tx1"/>
+        </a:solidFill>
+        <a:latin typeface="+mn-lt"/>
+        <a:ea typeface="+mn-ea"/>
+        <a:cs typeface="+mn-cs"/>
+      </a:defRPr>
+    </a:lvl2pPr>
+    <a:lvl3pPr marL="914400" algn="l" defTabSz="914400" rtl="0" eaLnBrk="1" latinLnBrk="0" hangingPunct="1">
+      <a:defRPr sz="1200" kern="1200">
+        <a:solidFill>
+          <a:schemeClr val="tx1"/>
+        </a:solidFill>
+        <a:latin typeface="+mn-lt"/>
+        <a:ea typeface="+mn-ea"/>
+        <a:cs typeface="+mn-cs"/>
+      </a:defRPr>
+    </a:lvl3pPr>
+    <a:lvl4pPr marL="1371600" algn="l" defTabSz="914400" rtl="0" eaLnBrk="1" latinLnBrk="0" hangingPunct="1">
+      <a:defRPr sz="1200" kern="1200">
+        <a:solidFill>
+          <a:schemeClr val="tx1"/>
+        </a:solidFill>
+        <a:latin typeface="+mn-lt"/>
+        <a:ea typeface="+mn-ea"/>
+        <a:cs typeface="+mn-cs"/>
+      </a:defRPr>
+    </a:lvl4pPr>
+    <a:lvl5pPr marL="1828800" algn="l" defTabSz="914400" rtl="0" eaLnBrk="1" latinLnBrk="0" hangingPunct="1">
+      <a:defRPr sz="1200" kern="1200">
+        <a:solidFill>
+          <a:schemeClr val="tx1"/>
+        </a:solidFill>
+        <a:latin typeface="+mn-lt"/>
+        <a:ea typeface="+mn-ea"/>
+        <a:cs typeface="+mn-cs"/>
+      </a:defRPr>
+    </a:lvl5pPr>
+    <a:lvl6pPr marL="2286000" algn="l" defTabSz="914400" rtl="0" eaLnBrk="1" latinLnBrk="0" hangingPunct="1">
+      <a:defRPr sz="1200" kern="1200">
+        <a:solidFill>
+          <a:schemeClr val="tx1"/>
+        </a:solidFill>
+        <a:latin typeface="+mn-lt"/>
+        <a:ea typeface="+mn-ea"/>
+        <a:cs typeface="+mn-cs"/>
+      </a:defRPr>
+    </a:lvl6pPr>
+    <a:lvl7pPr marL="2743200" algn="l" defTabSz="914400" rtl="0" eaLnBrk="1" latinLnBrk="0" hangingPunct="1">
+      <a:defRPr sz="1200" kern="1200">
+        <a:solidFill>
+          <a:schemeClr val="tx1"/>
+        </a:solidFill>
+        <a:latin typeface="+mn-lt"/>
+        <a:ea typeface="+mn-ea"/>
+        <a:cs typeface="+mn-cs"/>
+      </a:defRPr>
+    </a:lvl7pPr>
+    <a:lvl8pPr marL="3200400" algn="l" defTabSz="914400" rtl="0" eaLnBrk="1" latinLnBrk="0" hangingPunct="1">
+      <a:defRPr sz="1200" kern="1200">
+        <a:solidFill>
+          <a:schemeClr val="tx1"/>
+        </a:solidFill>
+        <a:latin typeface="+mn-lt"/>
+        <a:ea typeface="+mn-ea"/>
+        <a:cs typeface="+mn-cs"/>
+      </a:defRPr>
+    </a:lvl8pPr>
+    <a:lvl9pPr marL="3657600" algn="l" defTabSz="914400" rtl="0" eaLnBrk="1" latinLnBrk="0" hangingPunct="1">
+      <a:defRPr sz="1200" kern="1200">
+        <a:solidFill>
+          <a:schemeClr val="tx1"/>
+        </a:solidFill>
+        <a:latin typeface="+mn-lt"/>
+        <a:ea typeface="+mn-ea"/>
+        <a:cs typeface="+mn-cs"/>
+      </a:defRPr>
+    </a:lvl9pPr>
+  </p:notesStyle>
+</p:notesMaster>
+</file>
+
+<file path=ppt/notesSlides/notesSlide1.xml><?xml version="1.0" encoding="utf-8"?>
+<p:notes xmlns:a="http://schemas.openxmlformats.org/drawingml/2006/main" xmlns:r="http://schemas.openxmlformats.org/officeDocument/2006/relationships" xmlns:p="http://schemas.openxmlformats.org/presentationml/2006/main">
+  <p:cSld>
+    <p:spTree>
+      <p:nvGrpSpPr>
+        <p:cNvPr id="1" name=""/>
+        <p:cNvGrpSpPr/>
+        <p:nvPr/>
+      </p:nvGrpSpPr>
+      <p:grpSpPr>
+        <a:xfrm>
+          <a:off x="0" y="0"/>
+          <a:ext cx="0" cy="0"/>
+          <a:chOff x="0" y="0"/>
+          <a:chExt cx="0" cy="0"/>
+        </a:xfrm>
+      </p:grpSpPr>
+      <p:sp>
+        <p:nvSpPr>
+          <p:cNvPr id="2" name="幻灯片图像占位符 1"/>
+          <p:cNvSpPr>
+            <a:spLocks noGrp="1" noRot="1" noChangeAspect="1"/>
+          </p:cNvSpPr>
+          <p:nvPr>
+            <p:ph type="sldImg"/>
+          </p:nvPr>
+        </p:nvSpPr>
+        <p:spPr/>
+      </p:sp>
+      <p:sp>
+        <p:nvSpPr>
+          <p:cNvPr id="3" name="备注占位符 2"/>
+          <p:cNvSpPr>
+            <a:spLocks noGrp="1"/>
+          </p:cNvSpPr>
+          <p:nvPr>
+            <p:ph type="body" idx="1"/>
+          </p:nvPr>
+        </p:nvSpPr>
+        <p:spPr/>
+        <p:txBody>
+          <a:bodyPr/>
+          <a:lstStyle/>
+          <a:p>
+            <a:endParaRPr lang="zh-CN" altLang="en-US" dirty="0"/>
+          </a:p>
+        </p:txBody>
+      </p:sp>
+      <p:sp>
+        <p:nvSpPr>
+          <p:cNvPr id="4" name="灯片编号占位符 3"/>
+          <p:cNvSpPr>
+            <a:spLocks noGrp="1"/>
+          </p:cNvSpPr>
+          <p:nvPr>
+            <p:ph type="sldNum" sz="quarter" idx="10"/>
+          </p:nvPr>
+        </p:nvSpPr>
+        <p:spPr/>
+        <p:txBody>
+          <a:bodyPr/>
+          <a:lstStyle/>
+          <a:p>
+            <a:fld id="{2780F631-D891-4B94-9B11-B4253EDFD1DB}" type="slidenum">
+              <a:rPr lang="zh-CN" altLang="en-US" smtClean="0"/>
+              <a:t>20</a:t>
+            </a:fld>
+            <a:endParaRPr lang="zh-CN" altLang="en-US"/>
+          </a:p>
+        </p:txBody>
+      </p:sp>
+    </p:spTree>
+    <p:extLst>
+      <p:ext uri="{BB962C8B-B14F-4D97-AF65-F5344CB8AC3E}">
+        <p14:creationId xmlns:p14="http://schemas.microsoft.com/office/powerpoint/2010/main" val="3363377041"/>
+      </p:ext>
+    </p:extLst>
+  </p:cSld>
+  <p:clrMapOvr>
+    <a:masterClrMapping/>
+  </p:clrMapOvr>
+</p:notes>
+</file>
+
 <file path=ppt/slideLayouts/slideLayout1.xml><?xml version="1.0" encoding="utf-8"?>
 <p:sldLayout xmlns:a="http://schemas.openxmlformats.org/drawingml/2006/main" xmlns:r="http://schemas.openxmlformats.org/officeDocument/2006/relationships" xmlns:p="http://schemas.openxmlformats.org/presentationml/2006/main" type="title" preserve="1">
   <p:cSld name="标题幻灯片">
@@ -17278,6 +17719,705 @@
 </p:sld>
 </file>
 
+<file path=ppt/slides/slide18.xml><?xml version="1.0" encoding="utf-8"?>
+<p:sld xmlns:a="http://schemas.openxmlformats.org/drawingml/2006/main" xmlns:r="http://schemas.openxmlformats.org/officeDocument/2006/relationships" xmlns:p="http://schemas.openxmlformats.org/presentationml/2006/main">
+  <p:cSld>
+    <p:spTree>
+      <p:nvGrpSpPr>
+        <p:cNvPr id="1" name=""/>
+        <p:cNvGrpSpPr/>
+        <p:nvPr/>
+      </p:nvGrpSpPr>
+      <p:grpSpPr>
+        <a:xfrm>
+          <a:off x="0" y="0"/>
+          <a:ext cx="0" cy="0"/>
+          <a:chOff x="0" y="0"/>
+          <a:chExt cx="0" cy="0"/>
+        </a:xfrm>
+      </p:grpSpPr>
+      <p:sp>
+        <p:nvSpPr>
+          <p:cNvPr id="2" name="标题 1"/>
+          <p:cNvSpPr>
+            <a:spLocks noGrp="1"/>
+          </p:cNvSpPr>
+          <p:nvPr>
+            <p:ph type="title"/>
+          </p:nvPr>
+        </p:nvSpPr>
+        <p:spPr/>
+        <p:txBody>
+          <a:bodyPr/>
+          <a:lstStyle/>
+          <a:p>
+            <a:endParaRPr lang="zh-CN" altLang="en-US"/>
+          </a:p>
+        </p:txBody>
+      </p:sp>
+      <p:sp>
+        <p:nvSpPr>
+          <p:cNvPr id="3" name="内容占位符 2"/>
+          <p:cNvSpPr>
+            <a:spLocks noGrp="1"/>
+          </p:cNvSpPr>
+          <p:nvPr>
+            <p:ph idx="1"/>
+          </p:nvPr>
+        </p:nvSpPr>
+        <p:spPr/>
+        <p:txBody>
+          <a:bodyPr>
+            <a:normAutofit/>
+          </a:bodyPr>
+          <a:lstStyle/>
+          <a:p>
+            <a:r>
+              <a:rPr lang="zh-CN" altLang="en-US" sz="2400" dirty="0" smtClean="0"/>
+              <a:t>当所有填写的信息都检查通过之后，就可以开始上传标准品的原始数据文件了。</a:t>
+            </a:r>
+            <a:endParaRPr lang="en-US" altLang="zh-CN" sz="2400" dirty="0" smtClean="0"/>
+          </a:p>
+          <a:p>
+            <a:r>
+              <a:rPr lang="zh-CN" altLang="en-US" sz="2400" dirty="0"/>
+              <a:t>上</a:t>
+            </a:r>
+            <a:r>
+              <a:rPr lang="zh-CN" altLang="en-US" sz="2400" dirty="0" smtClean="0"/>
+              <a:t>传完成后，可以点击最下方的查看标准品库进行进一步的编辑操作。</a:t>
+            </a:r>
+            <a:endParaRPr lang="zh-CN" altLang="en-US" sz="2400" dirty="0"/>
+          </a:p>
+        </p:txBody>
+      </p:sp>
+      <p:pic>
+        <p:nvPicPr>
+          <p:cNvPr id="12290" name="Picture 2"/>
+          <p:cNvPicPr>
+            <a:picLocks noChangeAspect="1" noChangeArrowheads="1"/>
+          </p:cNvPicPr>
+          <p:nvPr/>
+        </p:nvPicPr>
+        <p:blipFill>
+          <a:blip r:embed="rId2">
+            <a:extLst>
+              <a:ext uri="{28A0092B-C50C-407E-A947-70E740481C1C}">
+                <a14:useLocalDpi xmlns:a14="http://schemas.microsoft.com/office/drawing/2010/main" val="0"/>
+              </a:ext>
+            </a:extLst>
+          </a:blip>
+          <a:srcRect/>
+          <a:stretch>
+            <a:fillRect/>
+          </a:stretch>
+        </p:blipFill>
+        <p:spPr bwMode="auto">
+          <a:xfrm>
+            <a:off x="3775262" y="2907930"/>
+            <a:ext cx="5337841" cy="2557086"/>
+          </a:xfrm>
+          <a:prstGeom prst="rect">
+            <a:avLst/>
+          </a:prstGeom>
+          <a:noFill/>
+          <a:ln>
+            <a:noFill/>
+          </a:ln>
+          <a:effectLst/>
+          <a:extLst>
+            <a:ext uri="{909E8E84-426E-40DD-AFC4-6F175D3DCCD1}">
+              <a14:hiddenFill xmlns:a14="http://schemas.microsoft.com/office/drawing/2010/main">
+                <a:solidFill>
+                  <a:schemeClr val="accent1"/>
+                </a:solidFill>
+              </a14:hiddenFill>
+            </a:ext>
+            <a:ext uri="{91240B29-F687-4F45-9708-019B960494DF}">
+              <a14:hiddenLine xmlns:a14="http://schemas.microsoft.com/office/drawing/2010/main" w="9525">
+                <a:solidFill>
+                  <a:schemeClr val="tx1"/>
+                </a:solidFill>
+                <a:miter lim="800000"/>
+                <a:headEnd/>
+                <a:tailEnd/>
+              </a14:hiddenLine>
+            </a:ext>
+            <a:ext uri="{AF507438-7753-43E0-B8FC-AC1667EBCBE1}">
+              <a14:hiddenEffects xmlns:a14="http://schemas.microsoft.com/office/drawing/2010/main">
+                <a:effectLst>
+                  <a:outerShdw dist="35921" dir="2700000" algn="ctr" rotWithShape="0">
+                    <a:schemeClr val="bg2"/>
+                  </a:outerShdw>
+                </a:effectLst>
+              </a14:hiddenEffects>
+            </a:ext>
+          </a:extLst>
+        </p:spPr>
+      </p:pic>
+      <p:pic>
+        <p:nvPicPr>
+          <p:cNvPr id="12291" name="Picture 3"/>
+          <p:cNvPicPr>
+            <a:picLocks noChangeAspect="1" noChangeArrowheads="1"/>
+          </p:cNvPicPr>
+          <p:nvPr/>
+        </p:nvPicPr>
+        <p:blipFill>
+          <a:blip r:embed="rId3">
+            <a:extLst>
+              <a:ext uri="{28A0092B-C50C-407E-A947-70E740481C1C}">
+                <a14:useLocalDpi xmlns:a14="http://schemas.microsoft.com/office/drawing/2010/main" val="0"/>
+              </a:ext>
+            </a:extLst>
+          </a:blip>
+          <a:srcRect/>
+          <a:stretch>
+            <a:fillRect/>
+          </a:stretch>
+        </p:blipFill>
+        <p:spPr bwMode="auto">
+          <a:xfrm>
+            <a:off x="5853" y="3125317"/>
+            <a:ext cx="3769409" cy="2247510"/>
+          </a:xfrm>
+          <a:prstGeom prst="rect">
+            <a:avLst/>
+          </a:prstGeom>
+          <a:noFill/>
+          <a:ln>
+            <a:noFill/>
+          </a:ln>
+          <a:effectLst/>
+          <a:extLst>
+            <a:ext uri="{909E8E84-426E-40DD-AFC4-6F175D3DCCD1}">
+              <a14:hiddenFill xmlns:a14="http://schemas.microsoft.com/office/drawing/2010/main">
+                <a:solidFill>
+                  <a:schemeClr val="accent1"/>
+                </a:solidFill>
+              </a14:hiddenFill>
+            </a:ext>
+            <a:ext uri="{91240B29-F687-4F45-9708-019B960494DF}">
+              <a14:hiddenLine xmlns:a14="http://schemas.microsoft.com/office/drawing/2010/main" w="9525">
+                <a:solidFill>
+                  <a:schemeClr val="tx1"/>
+                </a:solidFill>
+                <a:miter lim="800000"/>
+                <a:headEnd/>
+                <a:tailEnd/>
+              </a14:hiddenLine>
+            </a:ext>
+            <a:ext uri="{AF507438-7753-43E0-B8FC-AC1667EBCBE1}">
+              <a14:hiddenEffects xmlns:a14="http://schemas.microsoft.com/office/drawing/2010/main">
+                <a:effectLst>
+                  <a:outerShdw dist="35921" dir="2700000" algn="ctr" rotWithShape="0">
+                    <a:schemeClr val="bg2"/>
+                  </a:outerShdw>
+                </a:effectLst>
+              </a14:hiddenEffects>
+            </a:ext>
+          </a:extLst>
+        </p:spPr>
+      </p:pic>
+      <p:sp>
+        <p:nvSpPr>
+          <p:cNvPr id="6" name="矩形 5"/>
+          <p:cNvSpPr/>
+          <p:nvPr/>
+        </p:nvSpPr>
+        <p:spPr>
+          <a:xfrm>
+            <a:off x="5853" y="5071727"/>
+            <a:ext cx="720081" cy="303294"/>
+          </a:xfrm>
+          <a:prstGeom prst="rect">
+            <a:avLst/>
+          </a:prstGeom>
+          <a:noFill/>
+          <a:ln w="38100">
+            <a:solidFill>
+              <a:srgbClr val="FF0000"/>
+            </a:solidFill>
+          </a:ln>
+        </p:spPr>
+        <p:style>
+          <a:lnRef idx="2">
+            <a:schemeClr val="accent1">
+              <a:shade val="50000"/>
+            </a:schemeClr>
+          </a:lnRef>
+          <a:fillRef idx="1">
+            <a:schemeClr val="accent1"/>
+          </a:fillRef>
+          <a:effectRef idx="0">
+            <a:schemeClr val="accent1"/>
+          </a:effectRef>
+          <a:fontRef idx="minor">
+            <a:schemeClr val="lt1"/>
+          </a:fontRef>
+        </p:style>
+        <p:txBody>
+          <a:bodyPr rtlCol="0" anchor="ctr"/>
+          <a:lstStyle/>
+          <a:p>
+            <a:pPr algn="ctr"/>
+            <a:endParaRPr lang="zh-CN" altLang="en-US"/>
+          </a:p>
+        </p:txBody>
+      </p:sp>
+    </p:spTree>
+    <p:extLst>
+      <p:ext uri="{BB962C8B-B14F-4D97-AF65-F5344CB8AC3E}">
+        <p14:creationId xmlns:p14="http://schemas.microsoft.com/office/powerpoint/2010/main" val="864920215"/>
+      </p:ext>
+    </p:extLst>
+  </p:cSld>
+  <p:clrMapOvr>
+    <a:masterClrMapping/>
+  </p:clrMapOvr>
+  <p:timing>
+    <p:tnLst>
+      <p:par>
+        <p:cTn id="1" dur="indefinite" restart="never" nodeType="tmRoot"/>
+      </p:par>
+    </p:tnLst>
+  </p:timing>
+</p:sld>
+</file>
+
+<file path=ppt/slides/slide19.xml><?xml version="1.0" encoding="utf-8"?>
+<p:sld xmlns:a="http://schemas.openxmlformats.org/drawingml/2006/main" xmlns:r="http://schemas.openxmlformats.org/officeDocument/2006/relationships" xmlns:p="http://schemas.openxmlformats.org/presentationml/2006/main">
+  <p:cSld>
+    <p:spTree>
+      <p:nvGrpSpPr>
+        <p:cNvPr id="1" name=""/>
+        <p:cNvGrpSpPr/>
+        <p:nvPr/>
+      </p:nvGrpSpPr>
+      <p:grpSpPr>
+        <a:xfrm>
+          <a:off x="0" y="0"/>
+          <a:ext cx="0" cy="0"/>
+          <a:chOff x="0" y="0"/>
+          <a:chExt cx="0" cy="0"/>
+        </a:xfrm>
+      </p:grpSpPr>
+      <p:sp>
+        <p:nvSpPr>
+          <p:cNvPr id="2" name="标题 1"/>
+          <p:cNvSpPr>
+            <a:spLocks noGrp="1"/>
+          </p:cNvSpPr>
+          <p:nvPr>
+            <p:ph type="title"/>
+          </p:nvPr>
+        </p:nvSpPr>
+        <p:spPr/>
+        <p:txBody>
+          <a:bodyPr/>
+          <a:lstStyle/>
+          <a:p>
+            <a:endParaRPr lang="zh-CN" altLang="en-US"/>
+          </a:p>
+        </p:txBody>
+      </p:sp>
+      <p:sp>
+        <p:nvSpPr>
+          <p:cNvPr id="3" name="内容占位符 2"/>
+          <p:cNvSpPr>
+            <a:spLocks noGrp="1"/>
+          </p:cNvSpPr>
+          <p:nvPr>
+            <p:ph idx="1"/>
+          </p:nvPr>
+        </p:nvSpPr>
+        <p:spPr/>
+        <p:txBody>
+          <a:bodyPr>
+            <a:normAutofit/>
+          </a:bodyPr>
+          <a:lstStyle/>
+          <a:p>
+            <a:r>
+              <a:rPr lang="zh-CN" altLang="en-US" sz="1800" dirty="0"/>
+              <a:t>确</a:t>
+            </a:r>
+            <a:r>
+              <a:rPr lang="zh-CN" altLang="en-US" sz="1800" dirty="0" smtClean="0"/>
+              <a:t>定物质注释信息</a:t>
+            </a:r>
+            <a:endParaRPr lang="en-US" altLang="zh-CN" sz="1800" dirty="0" smtClean="0"/>
+          </a:p>
+          <a:p>
+            <a:r>
+              <a:rPr lang="zh-CN" altLang="en-US" sz="1800" dirty="0"/>
+              <a:t>点</a:t>
+            </a:r>
+            <a:r>
+              <a:rPr lang="zh-CN" altLang="en-US" sz="1800" dirty="0" smtClean="0"/>
+              <a:t>击原始文件名链接，将会执行</a:t>
+            </a:r>
+            <a:r>
+              <a:rPr lang="en-US" altLang="zh-CN" sz="1800" dirty="0" smtClean="0"/>
+              <a:t>BioDeep</a:t>
+            </a:r>
+            <a:r>
+              <a:rPr lang="zh-CN" altLang="en-US" sz="1800" dirty="0" smtClean="0"/>
+              <a:t>标准品数据库查询</a:t>
+            </a:r>
+            <a:endParaRPr lang="en-US" altLang="zh-CN" sz="1800" dirty="0" smtClean="0"/>
+          </a:p>
+          <a:p>
+            <a:r>
+              <a:rPr lang="zh-CN" altLang="en-US" sz="1800" dirty="0"/>
+              <a:t>可</a:t>
+            </a:r>
+            <a:r>
+              <a:rPr lang="zh-CN" altLang="en-US" sz="1800" dirty="0" smtClean="0"/>
+              <a:t>能会存在多个相似的注释信息，这个时候会需要点击弹出框的物质名称列的选择框来确定最佳的注释信息</a:t>
+            </a:r>
+            <a:endParaRPr lang="en-US" altLang="zh-CN" sz="1800" dirty="0" smtClean="0"/>
+          </a:p>
+          <a:p>
+            <a:r>
+              <a:rPr lang="zh-CN" altLang="en-US" sz="1800" dirty="0"/>
+              <a:t>最</a:t>
+            </a:r>
+            <a:r>
+              <a:rPr lang="zh-CN" altLang="en-US" sz="1800" dirty="0" smtClean="0"/>
+              <a:t>后点保存完成操作</a:t>
+            </a:r>
+            <a:endParaRPr lang="en-US" altLang="zh-CN" sz="1800" dirty="0" smtClean="0"/>
+          </a:p>
+          <a:p>
+            <a:endParaRPr lang="zh-CN" altLang="en-US" sz="1800" dirty="0"/>
+          </a:p>
+        </p:txBody>
+      </p:sp>
+      <p:pic>
+        <p:nvPicPr>
+          <p:cNvPr id="13314" name="Picture 2"/>
+          <p:cNvPicPr>
+            <a:picLocks noChangeAspect="1" noChangeArrowheads="1"/>
+          </p:cNvPicPr>
+          <p:nvPr/>
+        </p:nvPicPr>
+        <p:blipFill>
+          <a:blip r:embed="rId2">
+            <a:extLst>
+              <a:ext uri="{28A0092B-C50C-407E-A947-70E740481C1C}">
+                <a14:useLocalDpi xmlns:a14="http://schemas.microsoft.com/office/drawing/2010/main" val="0"/>
+              </a:ext>
+            </a:extLst>
+          </a:blip>
+          <a:srcRect/>
+          <a:stretch>
+            <a:fillRect/>
+          </a:stretch>
+        </p:blipFill>
+        <p:spPr bwMode="auto">
+          <a:xfrm>
+            <a:off x="3116679" y="2615622"/>
+            <a:ext cx="5924384" cy="3024336"/>
+          </a:xfrm>
+          <a:prstGeom prst="rect">
+            <a:avLst/>
+          </a:prstGeom>
+          <a:noFill/>
+          <a:ln>
+            <a:noFill/>
+          </a:ln>
+          <a:effectLst/>
+          <a:extLst>
+            <a:ext uri="{909E8E84-426E-40DD-AFC4-6F175D3DCCD1}">
+              <a14:hiddenFill xmlns:a14="http://schemas.microsoft.com/office/drawing/2010/main">
+                <a:solidFill>
+                  <a:schemeClr val="accent1"/>
+                </a:solidFill>
+              </a14:hiddenFill>
+            </a:ext>
+            <a:ext uri="{91240B29-F687-4F45-9708-019B960494DF}">
+              <a14:hiddenLine xmlns:a14="http://schemas.microsoft.com/office/drawing/2010/main" w="9525">
+                <a:solidFill>
+                  <a:schemeClr val="tx1"/>
+                </a:solidFill>
+                <a:miter lim="800000"/>
+                <a:headEnd/>
+                <a:tailEnd/>
+              </a14:hiddenLine>
+            </a:ext>
+            <a:ext uri="{AF507438-7753-43E0-B8FC-AC1667EBCBE1}">
+              <a14:hiddenEffects xmlns:a14="http://schemas.microsoft.com/office/drawing/2010/main">
+                <a:effectLst>
+                  <a:outerShdw dist="35921" dir="2700000" algn="ctr" rotWithShape="0">
+                    <a:schemeClr val="bg2"/>
+                  </a:outerShdw>
+                </a:effectLst>
+              </a14:hiddenEffects>
+            </a:ext>
+          </a:extLst>
+        </p:spPr>
+      </p:pic>
+      <p:pic>
+        <p:nvPicPr>
+          <p:cNvPr id="13315" name="Picture 3"/>
+          <p:cNvPicPr>
+            <a:picLocks noChangeAspect="1" noChangeArrowheads="1"/>
+          </p:cNvPicPr>
+          <p:nvPr/>
+        </p:nvPicPr>
+        <p:blipFill>
+          <a:blip r:embed="rId3">
+            <a:extLst>
+              <a:ext uri="{28A0092B-C50C-407E-A947-70E740481C1C}">
+                <a14:useLocalDpi xmlns:a14="http://schemas.microsoft.com/office/drawing/2010/main" val="0"/>
+              </a:ext>
+            </a:extLst>
+          </a:blip>
+          <a:srcRect/>
+          <a:stretch>
+            <a:fillRect/>
+          </a:stretch>
+        </p:blipFill>
+        <p:spPr bwMode="auto">
+          <a:xfrm>
+            <a:off x="286127" y="3181536"/>
+            <a:ext cx="2570210" cy="1656184"/>
+          </a:xfrm>
+          <a:prstGeom prst="rect">
+            <a:avLst/>
+          </a:prstGeom>
+          <a:noFill/>
+          <a:ln>
+            <a:noFill/>
+          </a:ln>
+          <a:effectLst/>
+          <a:extLst>
+            <a:ext uri="{909E8E84-426E-40DD-AFC4-6F175D3DCCD1}">
+              <a14:hiddenFill xmlns:a14="http://schemas.microsoft.com/office/drawing/2010/main">
+                <a:solidFill>
+                  <a:schemeClr val="accent1"/>
+                </a:solidFill>
+              </a14:hiddenFill>
+            </a:ext>
+            <a:ext uri="{91240B29-F687-4F45-9708-019B960494DF}">
+              <a14:hiddenLine xmlns:a14="http://schemas.microsoft.com/office/drawing/2010/main" w="9525">
+                <a:solidFill>
+                  <a:schemeClr val="tx1"/>
+                </a:solidFill>
+                <a:miter lim="800000"/>
+                <a:headEnd/>
+                <a:tailEnd/>
+              </a14:hiddenLine>
+            </a:ext>
+            <a:ext uri="{AF507438-7753-43E0-B8FC-AC1667EBCBE1}">
+              <a14:hiddenEffects xmlns:a14="http://schemas.microsoft.com/office/drawing/2010/main">
+                <a:effectLst>
+                  <a:outerShdw dist="35921" dir="2700000" algn="ctr" rotWithShape="0">
+                    <a:schemeClr val="bg2"/>
+                  </a:outerShdw>
+                </a:effectLst>
+              </a14:hiddenEffects>
+            </a:ext>
+          </a:extLst>
+        </p:spPr>
+      </p:pic>
+      <p:sp>
+        <p:nvSpPr>
+          <p:cNvPr id="4" name="右箭头 3"/>
+          <p:cNvSpPr/>
+          <p:nvPr/>
+        </p:nvSpPr>
+        <p:spPr>
+          <a:xfrm>
+            <a:off x="2107655" y="3911766"/>
+            <a:ext cx="978408" cy="484632"/>
+          </a:xfrm>
+          <a:prstGeom prst="rightArrow">
+            <a:avLst/>
+          </a:prstGeom>
+        </p:spPr>
+        <p:style>
+          <a:lnRef idx="1">
+            <a:schemeClr val="accent1"/>
+          </a:lnRef>
+          <a:fillRef idx="3">
+            <a:schemeClr val="accent1"/>
+          </a:fillRef>
+          <a:effectRef idx="2">
+            <a:schemeClr val="accent1"/>
+          </a:effectRef>
+          <a:fontRef idx="minor">
+            <a:schemeClr val="lt1"/>
+          </a:fontRef>
+        </p:style>
+        <p:txBody>
+          <a:bodyPr rtlCol="0" anchor="ctr"/>
+          <a:lstStyle/>
+          <a:p>
+            <a:pPr algn="ctr"/>
+            <a:endParaRPr lang="zh-CN" altLang="en-US"/>
+          </a:p>
+        </p:txBody>
+      </p:sp>
+      <p:sp>
+        <p:nvSpPr>
+          <p:cNvPr id="5" name="矩形 4"/>
+          <p:cNvSpPr/>
+          <p:nvPr/>
+        </p:nvSpPr>
+        <p:spPr>
+          <a:xfrm>
+            <a:off x="214119" y="3047670"/>
+            <a:ext cx="936104" cy="1872208"/>
+          </a:xfrm>
+          <a:prstGeom prst="rect">
+            <a:avLst/>
+          </a:prstGeom>
+          <a:noFill/>
+          <a:ln w="38100">
+            <a:solidFill>
+              <a:srgbClr val="FF0000"/>
+            </a:solidFill>
+          </a:ln>
+        </p:spPr>
+        <p:style>
+          <a:lnRef idx="2">
+            <a:schemeClr val="accent1">
+              <a:shade val="50000"/>
+            </a:schemeClr>
+          </a:lnRef>
+          <a:fillRef idx="1">
+            <a:schemeClr val="accent1"/>
+          </a:fillRef>
+          <a:effectRef idx="0">
+            <a:schemeClr val="accent1"/>
+          </a:effectRef>
+          <a:fontRef idx="minor">
+            <a:schemeClr val="lt1"/>
+          </a:fontRef>
+        </p:style>
+        <p:txBody>
+          <a:bodyPr rtlCol="0" anchor="ctr"/>
+          <a:lstStyle/>
+          <a:p>
+            <a:pPr algn="ctr"/>
+            <a:endParaRPr lang="zh-CN" altLang="en-US"/>
+          </a:p>
+        </p:txBody>
+      </p:sp>
+      <p:sp>
+        <p:nvSpPr>
+          <p:cNvPr id="8" name="矩形 7"/>
+          <p:cNvSpPr/>
+          <p:nvPr/>
+        </p:nvSpPr>
+        <p:spPr>
+          <a:xfrm>
+            <a:off x="3238455" y="4631846"/>
+            <a:ext cx="576064" cy="504056"/>
+          </a:xfrm>
+          <a:prstGeom prst="rect">
+            <a:avLst/>
+          </a:prstGeom>
+          <a:noFill/>
+          <a:ln w="38100">
+            <a:solidFill>
+              <a:srgbClr val="FF0000"/>
+            </a:solidFill>
+          </a:ln>
+        </p:spPr>
+        <p:style>
+          <a:lnRef idx="2">
+            <a:schemeClr val="accent1">
+              <a:shade val="50000"/>
+            </a:schemeClr>
+          </a:lnRef>
+          <a:fillRef idx="1">
+            <a:schemeClr val="accent1"/>
+          </a:fillRef>
+          <a:effectRef idx="0">
+            <a:schemeClr val="accent1"/>
+          </a:effectRef>
+          <a:fontRef idx="minor">
+            <a:schemeClr val="lt1"/>
+          </a:fontRef>
+        </p:style>
+        <p:txBody>
+          <a:bodyPr rtlCol="0" anchor="ctr"/>
+          <a:lstStyle/>
+          <a:p>
+            <a:pPr algn="ctr"/>
+            <a:endParaRPr lang="zh-CN" altLang="en-US"/>
+          </a:p>
+        </p:txBody>
+      </p:sp>
+      <p:sp>
+        <p:nvSpPr>
+          <p:cNvPr id="9" name="矩形 8"/>
+          <p:cNvSpPr/>
+          <p:nvPr/>
+        </p:nvSpPr>
+        <p:spPr>
+          <a:xfrm>
+            <a:off x="8514767" y="5135902"/>
+            <a:ext cx="576064" cy="504056"/>
+          </a:xfrm>
+          <a:prstGeom prst="rect">
+            <a:avLst/>
+          </a:prstGeom>
+          <a:noFill/>
+          <a:ln w="38100">
+            <a:solidFill>
+              <a:srgbClr val="FF0000"/>
+            </a:solidFill>
+          </a:ln>
+        </p:spPr>
+        <p:style>
+          <a:lnRef idx="2">
+            <a:schemeClr val="accent1">
+              <a:shade val="50000"/>
+            </a:schemeClr>
+          </a:lnRef>
+          <a:fillRef idx="1">
+            <a:schemeClr val="accent1"/>
+          </a:fillRef>
+          <a:effectRef idx="0">
+            <a:schemeClr val="accent1"/>
+          </a:effectRef>
+          <a:fontRef idx="minor">
+            <a:schemeClr val="lt1"/>
+          </a:fontRef>
+        </p:style>
+        <p:txBody>
+          <a:bodyPr rtlCol="0" anchor="ctr"/>
+          <a:lstStyle/>
+          <a:p>
+            <a:pPr algn="ctr"/>
+            <a:endParaRPr lang="zh-CN" altLang="en-US"/>
+          </a:p>
+        </p:txBody>
+      </p:sp>
+    </p:spTree>
+    <p:extLst>
+      <p:ext uri="{BB962C8B-B14F-4D97-AF65-F5344CB8AC3E}">
+        <p14:creationId xmlns:p14="http://schemas.microsoft.com/office/powerpoint/2010/main" val="1410040792"/>
+      </p:ext>
+    </p:extLst>
+  </p:cSld>
+  <p:clrMapOvr>
+    <a:masterClrMapping/>
+  </p:clrMapOvr>
+  <p:timing>
+    <p:tnLst>
+      <p:par>
+        <p:cTn id="1" dur="indefinite" restart="never" nodeType="tmRoot"/>
+      </p:par>
+    </p:tnLst>
+  </p:timing>
+</p:sld>
+</file>
+
 <file path=ppt/slides/slide2.xml><?xml version="1.0" encoding="utf-8"?>
 <p:sld xmlns:a="http://schemas.openxmlformats.org/drawingml/2006/main" xmlns:r="http://schemas.openxmlformats.org/officeDocument/2006/relationships" xmlns:p="http://schemas.openxmlformats.org/presentationml/2006/main">
   <p:cSld>
@@ -17438,6 +18578,1020 @@
     <p:extLst>
       <p:ext uri="{BB962C8B-B14F-4D97-AF65-F5344CB8AC3E}">
         <p14:creationId xmlns:p14="http://schemas.microsoft.com/office/powerpoint/2010/main" val="3123758540"/>
+      </p:ext>
+    </p:extLst>
+  </p:cSld>
+  <p:clrMapOvr>
+    <a:masterClrMapping/>
+  </p:clrMapOvr>
+  <p:timing>
+    <p:tnLst>
+      <p:par>
+        <p:cTn id="1" dur="indefinite" restart="never" nodeType="tmRoot"/>
+      </p:par>
+    </p:tnLst>
+  </p:timing>
+</p:sld>
+</file>
+
+<file path=ppt/slides/slide20.xml><?xml version="1.0" encoding="utf-8"?>
+<p:sld xmlns:a="http://schemas.openxmlformats.org/drawingml/2006/main" xmlns:r="http://schemas.openxmlformats.org/officeDocument/2006/relationships" xmlns:p="http://schemas.openxmlformats.org/presentationml/2006/main">
+  <p:cSld>
+    <p:spTree>
+      <p:nvGrpSpPr>
+        <p:cNvPr id="1" name=""/>
+        <p:cNvGrpSpPr/>
+        <p:nvPr/>
+      </p:nvGrpSpPr>
+      <p:grpSpPr>
+        <a:xfrm>
+          <a:off x="0" y="0"/>
+          <a:ext cx="0" cy="0"/>
+          <a:chOff x="0" y="0"/>
+          <a:chExt cx="0" cy="0"/>
+        </a:xfrm>
+      </p:grpSpPr>
+      <p:sp>
+        <p:nvSpPr>
+          <p:cNvPr id="2" name="标题 1"/>
+          <p:cNvSpPr>
+            <a:spLocks noGrp="1"/>
+          </p:cNvSpPr>
+          <p:nvPr>
+            <p:ph type="title"/>
+          </p:nvPr>
+        </p:nvSpPr>
+        <p:spPr/>
+        <p:txBody>
+          <a:bodyPr/>
+          <a:lstStyle/>
+          <a:p>
+            <a:endParaRPr lang="zh-CN" altLang="en-US"/>
+          </a:p>
+        </p:txBody>
+      </p:sp>
+      <p:sp>
+        <p:nvSpPr>
+          <p:cNvPr id="3" name="内容占位符 2"/>
+          <p:cNvSpPr>
+            <a:spLocks noGrp="1"/>
+          </p:cNvSpPr>
+          <p:nvPr>
+            <p:ph idx="1"/>
+          </p:nvPr>
+        </p:nvSpPr>
+        <p:spPr/>
+        <p:txBody>
+          <a:bodyPr/>
+          <a:lstStyle/>
+          <a:p>
+            <a:r>
+              <a:rPr lang="zh-CN" altLang="en-US" dirty="0" smtClean="0"/>
+              <a:t>自动化构建标准品库</a:t>
+            </a:r>
+            <a:endParaRPr lang="en-US" altLang="zh-CN" dirty="0" smtClean="0"/>
+          </a:p>
+          <a:p>
+            <a:r>
+              <a:rPr lang="zh-CN" altLang="en-US" sz="2400" dirty="0"/>
+              <a:t>点</a:t>
+            </a:r>
+            <a:r>
+              <a:rPr lang="zh-CN" altLang="en-US" sz="2400" dirty="0" smtClean="0"/>
+              <a:t>击编译标准品库按钮，将会跳转到下一步设置一些参数信息</a:t>
+            </a:r>
+            <a:endParaRPr lang="en-US" altLang="zh-CN" sz="2400" dirty="0" smtClean="0"/>
+          </a:p>
+          <a:p>
+            <a:r>
+              <a:rPr lang="zh-CN" altLang="en-US" sz="2400" dirty="0" smtClean="0"/>
+              <a:t>之后需要填写任务参数，最后点击开始编译执行标准品库的自动化构建操作</a:t>
+            </a:r>
+            <a:endParaRPr lang="zh-CN" altLang="en-US" sz="2400" dirty="0"/>
+          </a:p>
+        </p:txBody>
+      </p:sp>
+      <p:pic>
+        <p:nvPicPr>
+          <p:cNvPr id="14338" name="Picture 2"/>
+          <p:cNvPicPr>
+            <a:picLocks noChangeAspect="1" noChangeArrowheads="1"/>
+          </p:cNvPicPr>
+          <p:nvPr/>
+        </p:nvPicPr>
+        <p:blipFill>
+          <a:blip r:embed="rId3">
+            <a:extLst>
+              <a:ext uri="{28A0092B-C50C-407E-A947-70E740481C1C}">
+                <a14:useLocalDpi xmlns:a14="http://schemas.microsoft.com/office/drawing/2010/main" val="0"/>
+              </a:ext>
+            </a:extLst>
+          </a:blip>
+          <a:srcRect/>
+          <a:stretch>
+            <a:fillRect/>
+          </a:stretch>
+        </p:blipFill>
+        <p:spPr bwMode="auto">
+          <a:xfrm>
+            <a:off x="683568" y="4334369"/>
+            <a:ext cx="2676156" cy="1068879"/>
+          </a:xfrm>
+          <a:prstGeom prst="rect">
+            <a:avLst/>
+          </a:prstGeom>
+          <a:noFill/>
+          <a:ln>
+            <a:noFill/>
+          </a:ln>
+          <a:effectLst/>
+          <a:extLst>
+            <a:ext uri="{909E8E84-426E-40DD-AFC4-6F175D3DCCD1}">
+              <a14:hiddenFill xmlns:a14="http://schemas.microsoft.com/office/drawing/2010/main">
+                <a:solidFill>
+                  <a:schemeClr val="accent1"/>
+                </a:solidFill>
+              </a14:hiddenFill>
+            </a:ext>
+            <a:ext uri="{91240B29-F687-4F45-9708-019B960494DF}">
+              <a14:hiddenLine xmlns:a14="http://schemas.microsoft.com/office/drawing/2010/main" w="9525">
+                <a:solidFill>
+                  <a:schemeClr val="tx1"/>
+                </a:solidFill>
+                <a:miter lim="800000"/>
+                <a:headEnd/>
+                <a:tailEnd/>
+              </a14:hiddenLine>
+            </a:ext>
+            <a:ext uri="{AF507438-7753-43E0-B8FC-AC1667EBCBE1}">
+              <a14:hiddenEffects xmlns:a14="http://schemas.microsoft.com/office/drawing/2010/main">
+                <a:effectLst>
+                  <a:outerShdw dist="35921" dir="2700000" algn="ctr" rotWithShape="0">
+                    <a:schemeClr val="bg2"/>
+                  </a:outerShdw>
+                </a:effectLst>
+              </a14:hiddenEffects>
+            </a:ext>
+          </a:extLst>
+        </p:spPr>
+      </p:pic>
+      <p:pic>
+        <p:nvPicPr>
+          <p:cNvPr id="14339" name="Picture 3"/>
+          <p:cNvPicPr>
+            <a:picLocks noChangeAspect="1" noChangeArrowheads="1"/>
+          </p:cNvPicPr>
+          <p:nvPr/>
+        </p:nvPicPr>
+        <p:blipFill rotWithShape="1">
+          <a:blip r:embed="rId4">
+            <a:extLst>
+              <a:ext uri="{28A0092B-C50C-407E-A947-70E740481C1C}">
+                <a14:useLocalDpi xmlns:a14="http://schemas.microsoft.com/office/drawing/2010/main" val="0"/>
+              </a:ext>
+            </a:extLst>
+          </a:blip>
+          <a:srcRect r="59662"/>
+          <a:stretch/>
+        </p:blipFill>
+        <p:spPr bwMode="auto">
+          <a:xfrm>
+            <a:off x="3707904" y="3389297"/>
+            <a:ext cx="2592288" cy="1890144"/>
+          </a:xfrm>
+          <a:prstGeom prst="rect">
+            <a:avLst/>
+          </a:prstGeom>
+          <a:noFill/>
+          <a:ln>
+            <a:noFill/>
+          </a:ln>
+          <a:effectLst/>
+          <a:extLst>
+            <a:ext uri="{909E8E84-426E-40DD-AFC4-6F175D3DCCD1}">
+              <a14:hiddenFill xmlns:a14="http://schemas.microsoft.com/office/drawing/2010/main">
+                <a:solidFill>
+                  <a:schemeClr val="accent1"/>
+                </a:solidFill>
+              </a14:hiddenFill>
+            </a:ext>
+            <a:ext uri="{91240B29-F687-4F45-9708-019B960494DF}">
+              <a14:hiddenLine xmlns:a14="http://schemas.microsoft.com/office/drawing/2010/main" w="9525">
+                <a:solidFill>
+                  <a:schemeClr val="tx1"/>
+                </a:solidFill>
+                <a:miter lim="800000"/>
+                <a:headEnd/>
+                <a:tailEnd/>
+              </a14:hiddenLine>
+            </a:ext>
+            <a:ext uri="{AF507438-7753-43E0-B8FC-AC1667EBCBE1}">
+              <a14:hiddenEffects xmlns:a14="http://schemas.microsoft.com/office/drawing/2010/main">
+                <a:effectLst>
+                  <a:outerShdw dist="35921" dir="2700000" algn="ctr" rotWithShape="0">
+                    <a:schemeClr val="bg2"/>
+                  </a:outerShdw>
+                </a:effectLst>
+              </a14:hiddenEffects>
+            </a:ext>
+          </a:extLst>
+        </p:spPr>
+      </p:pic>
+      <p:sp>
+        <p:nvSpPr>
+          <p:cNvPr id="6" name="矩形 5"/>
+          <p:cNvSpPr/>
+          <p:nvPr/>
+        </p:nvSpPr>
+        <p:spPr>
+          <a:xfrm>
+            <a:off x="1085542" y="4313404"/>
+            <a:ext cx="1182202" cy="499218"/>
+          </a:xfrm>
+          <a:prstGeom prst="rect">
+            <a:avLst/>
+          </a:prstGeom>
+          <a:noFill/>
+          <a:ln w="38100">
+            <a:solidFill>
+              <a:srgbClr val="FF0000"/>
+            </a:solidFill>
+          </a:ln>
+        </p:spPr>
+        <p:style>
+          <a:lnRef idx="2">
+            <a:schemeClr val="accent1">
+              <a:shade val="50000"/>
+            </a:schemeClr>
+          </a:lnRef>
+          <a:fillRef idx="1">
+            <a:schemeClr val="accent1"/>
+          </a:fillRef>
+          <a:effectRef idx="0">
+            <a:schemeClr val="accent1"/>
+          </a:effectRef>
+          <a:fontRef idx="minor">
+            <a:schemeClr val="lt1"/>
+          </a:fontRef>
+        </p:style>
+        <p:txBody>
+          <a:bodyPr rtlCol="0" anchor="ctr"/>
+          <a:lstStyle/>
+          <a:p>
+            <a:pPr algn="ctr"/>
+            <a:endParaRPr lang="zh-CN" altLang="en-US"/>
+          </a:p>
+        </p:txBody>
+      </p:sp>
+      <p:sp>
+        <p:nvSpPr>
+          <p:cNvPr id="7" name="右箭头 6"/>
+          <p:cNvSpPr/>
+          <p:nvPr/>
+        </p:nvSpPr>
+        <p:spPr>
+          <a:xfrm>
+            <a:off x="2915816" y="3969544"/>
+            <a:ext cx="792088" cy="484632"/>
+          </a:xfrm>
+          <a:prstGeom prst="rightArrow">
+            <a:avLst/>
+          </a:prstGeom>
+        </p:spPr>
+        <p:style>
+          <a:lnRef idx="1">
+            <a:schemeClr val="accent1"/>
+          </a:lnRef>
+          <a:fillRef idx="3">
+            <a:schemeClr val="accent1"/>
+          </a:fillRef>
+          <a:effectRef idx="2">
+            <a:schemeClr val="accent1"/>
+          </a:effectRef>
+          <a:fontRef idx="minor">
+            <a:schemeClr val="lt1"/>
+          </a:fontRef>
+        </p:style>
+        <p:txBody>
+          <a:bodyPr rtlCol="0" anchor="ctr"/>
+          <a:lstStyle/>
+          <a:p>
+            <a:pPr algn="ctr"/>
+            <a:endParaRPr lang="zh-CN" altLang="en-US"/>
+          </a:p>
+        </p:txBody>
+      </p:sp>
+      <p:pic>
+        <p:nvPicPr>
+          <p:cNvPr id="14340" name="Picture 4"/>
+          <p:cNvPicPr>
+            <a:picLocks noChangeAspect="1" noChangeArrowheads="1"/>
+          </p:cNvPicPr>
+          <p:nvPr/>
+        </p:nvPicPr>
+        <p:blipFill>
+          <a:blip r:embed="rId5">
+            <a:extLst>
+              <a:ext uri="{28A0092B-C50C-407E-A947-70E740481C1C}">
+                <a14:useLocalDpi xmlns:a14="http://schemas.microsoft.com/office/drawing/2010/main" val="0"/>
+              </a:ext>
+            </a:extLst>
+          </a:blip>
+          <a:srcRect/>
+          <a:stretch>
+            <a:fillRect/>
+          </a:stretch>
+        </p:blipFill>
+        <p:spPr bwMode="auto">
+          <a:xfrm>
+            <a:off x="7454933" y="3813874"/>
+            <a:ext cx="1247775" cy="723900"/>
+          </a:xfrm>
+          <a:prstGeom prst="rect">
+            <a:avLst/>
+          </a:prstGeom>
+          <a:noFill/>
+          <a:ln>
+            <a:noFill/>
+          </a:ln>
+          <a:effectLst/>
+          <a:extLst>
+            <a:ext uri="{909E8E84-426E-40DD-AFC4-6F175D3DCCD1}">
+              <a14:hiddenFill xmlns:a14="http://schemas.microsoft.com/office/drawing/2010/main">
+                <a:solidFill>
+                  <a:schemeClr val="accent1"/>
+                </a:solidFill>
+              </a14:hiddenFill>
+            </a:ext>
+            <a:ext uri="{91240B29-F687-4F45-9708-019B960494DF}">
+              <a14:hiddenLine xmlns:a14="http://schemas.microsoft.com/office/drawing/2010/main" w="9525">
+                <a:solidFill>
+                  <a:schemeClr val="tx1"/>
+                </a:solidFill>
+                <a:miter lim="800000"/>
+                <a:headEnd/>
+                <a:tailEnd/>
+              </a14:hiddenLine>
+            </a:ext>
+            <a:ext uri="{AF507438-7753-43E0-B8FC-AC1667EBCBE1}">
+              <a14:hiddenEffects xmlns:a14="http://schemas.microsoft.com/office/drawing/2010/main">
+                <a:effectLst>
+                  <a:outerShdw dist="35921" dir="2700000" algn="ctr" rotWithShape="0">
+                    <a:schemeClr val="bg2"/>
+                  </a:outerShdw>
+                </a:effectLst>
+              </a14:hiddenEffects>
+            </a:ext>
+          </a:extLst>
+        </p:spPr>
+      </p:pic>
+      <p:sp>
+        <p:nvSpPr>
+          <p:cNvPr id="9" name="右箭头 8"/>
+          <p:cNvSpPr/>
+          <p:nvPr/>
+        </p:nvSpPr>
+        <p:spPr>
+          <a:xfrm>
+            <a:off x="6444208" y="4047703"/>
+            <a:ext cx="792088" cy="484632"/>
+          </a:xfrm>
+          <a:prstGeom prst="rightArrow">
+            <a:avLst/>
+          </a:prstGeom>
+        </p:spPr>
+        <p:style>
+          <a:lnRef idx="1">
+            <a:schemeClr val="accent1"/>
+          </a:lnRef>
+          <a:fillRef idx="3">
+            <a:schemeClr val="accent1"/>
+          </a:fillRef>
+          <a:effectRef idx="2">
+            <a:schemeClr val="accent1"/>
+          </a:effectRef>
+          <a:fontRef idx="minor">
+            <a:schemeClr val="lt1"/>
+          </a:fontRef>
+        </p:style>
+        <p:txBody>
+          <a:bodyPr rtlCol="0" anchor="ctr"/>
+          <a:lstStyle/>
+          <a:p>
+            <a:pPr algn="ctr"/>
+            <a:endParaRPr lang="zh-CN" altLang="en-US"/>
+          </a:p>
+        </p:txBody>
+      </p:sp>
+    </p:spTree>
+    <p:extLst>
+      <p:ext uri="{BB962C8B-B14F-4D97-AF65-F5344CB8AC3E}">
+        <p14:creationId xmlns:p14="http://schemas.microsoft.com/office/powerpoint/2010/main" val="4265184573"/>
+      </p:ext>
+    </p:extLst>
+  </p:cSld>
+  <p:clrMapOvr>
+    <a:masterClrMapping/>
+  </p:clrMapOvr>
+  <p:timing>
+    <p:tnLst>
+      <p:par>
+        <p:cTn id="1" dur="indefinite" restart="never" nodeType="tmRoot"/>
+      </p:par>
+    </p:tnLst>
+  </p:timing>
+</p:sld>
+</file>
+
+<file path=ppt/slides/slide21.xml><?xml version="1.0" encoding="utf-8"?>
+<p:sld xmlns:a="http://schemas.openxmlformats.org/drawingml/2006/main" xmlns:r="http://schemas.openxmlformats.org/officeDocument/2006/relationships" xmlns:p="http://schemas.openxmlformats.org/presentationml/2006/main">
+  <p:cSld>
+    <p:spTree>
+      <p:nvGrpSpPr>
+        <p:cNvPr id="1" name=""/>
+        <p:cNvGrpSpPr/>
+        <p:nvPr/>
+      </p:nvGrpSpPr>
+      <p:grpSpPr>
+        <a:xfrm>
+          <a:off x="0" y="0"/>
+          <a:ext cx="0" cy="0"/>
+          <a:chOff x="0" y="0"/>
+          <a:chExt cx="0" cy="0"/>
+        </a:xfrm>
+      </p:grpSpPr>
+      <p:sp>
+        <p:nvSpPr>
+          <p:cNvPr id="2" name="标题 1"/>
+          <p:cNvSpPr>
+            <a:spLocks noGrp="1"/>
+          </p:cNvSpPr>
+          <p:nvPr>
+            <p:ph type="title"/>
+          </p:nvPr>
+        </p:nvSpPr>
+        <p:spPr/>
+        <p:txBody>
+          <a:bodyPr/>
+          <a:lstStyle/>
+          <a:p>
+            <a:endParaRPr lang="zh-CN" altLang="en-US"/>
+          </a:p>
+        </p:txBody>
+      </p:sp>
+      <p:sp>
+        <p:nvSpPr>
+          <p:cNvPr id="3" name="内容占位符 2"/>
+          <p:cNvSpPr>
+            <a:spLocks noGrp="1"/>
+          </p:cNvSpPr>
+          <p:nvPr>
+            <p:ph idx="1"/>
+          </p:nvPr>
+        </p:nvSpPr>
+        <p:spPr/>
+        <p:txBody>
+          <a:bodyPr/>
+          <a:lstStyle/>
+          <a:p>
+            <a:r>
+              <a:rPr lang="zh-CN" altLang="en-US" dirty="0" smtClean="0"/>
+              <a:t>查看标准品库</a:t>
+            </a:r>
+            <a:endParaRPr lang="en-US" altLang="zh-CN" dirty="0" smtClean="0"/>
+          </a:p>
+          <a:p>
+            <a:r>
+              <a:rPr lang="zh-CN" altLang="en-US" sz="2000" dirty="0"/>
+              <a:t>完</a:t>
+            </a:r>
+            <a:r>
+              <a:rPr lang="zh-CN" altLang="en-US" sz="2000" dirty="0" smtClean="0"/>
+              <a:t>成自动化构建任务之后，可以至标准品库详细信息页面查看构建结果</a:t>
+            </a:r>
+            <a:endParaRPr lang="en-US" altLang="zh-CN" sz="2000" dirty="0" smtClean="0"/>
+          </a:p>
+          <a:p>
+            <a:endParaRPr lang="zh-CN" altLang="en-US" dirty="0"/>
+          </a:p>
+        </p:txBody>
+      </p:sp>
+      <p:pic>
+        <p:nvPicPr>
+          <p:cNvPr id="15362" name="Picture 2"/>
+          <p:cNvPicPr>
+            <a:picLocks noChangeAspect="1" noChangeArrowheads="1"/>
+          </p:cNvPicPr>
+          <p:nvPr/>
+        </p:nvPicPr>
+        <p:blipFill>
+          <a:blip r:embed="rId2">
+            <a:extLst>
+              <a:ext uri="{28A0092B-C50C-407E-A947-70E740481C1C}">
+                <a14:useLocalDpi xmlns:a14="http://schemas.microsoft.com/office/drawing/2010/main" val="0"/>
+              </a:ext>
+            </a:extLst>
+          </a:blip>
+          <a:srcRect/>
+          <a:stretch>
+            <a:fillRect/>
+          </a:stretch>
+        </p:blipFill>
+        <p:spPr bwMode="auto">
+          <a:xfrm>
+            <a:off x="4896763" y="2425452"/>
+            <a:ext cx="4247237" cy="3034570"/>
+          </a:xfrm>
+          <a:prstGeom prst="rect">
+            <a:avLst/>
+          </a:prstGeom>
+          <a:noFill/>
+          <a:ln>
+            <a:noFill/>
+          </a:ln>
+          <a:effectLst/>
+          <a:extLst>
+            <a:ext uri="{909E8E84-426E-40DD-AFC4-6F175D3DCCD1}">
+              <a14:hiddenFill xmlns:a14="http://schemas.microsoft.com/office/drawing/2010/main">
+                <a:solidFill>
+                  <a:schemeClr val="accent1"/>
+                </a:solidFill>
+              </a14:hiddenFill>
+            </a:ext>
+            <a:ext uri="{91240B29-F687-4F45-9708-019B960494DF}">
+              <a14:hiddenLine xmlns:a14="http://schemas.microsoft.com/office/drawing/2010/main" w="9525">
+                <a:solidFill>
+                  <a:schemeClr val="tx1"/>
+                </a:solidFill>
+                <a:miter lim="800000"/>
+                <a:headEnd/>
+                <a:tailEnd/>
+              </a14:hiddenLine>
+            </a:ext>
+            <a:ext uri="{AF507438-7753-43E0-B8FC-AC1667EBCBE1}">
+              <a14:hiddenEffects xmlns:a14="http://schemas.microsoft.com/office/drawing/2010/main">
+                <a:effectLst>
+                  <a:outerShdw dist="35921" dir="2700000" algn="ctr" rotWithShape="0">
+                    <a:schemeClr val="bg2"/>
+                  </a:outerShdw>
+                </a:effectLst>
+              </a14:hiddenEffects>
+            </a:ext>
+          </a:extLst>
+        </p:spPr>
+      </p:pic>
+      <p:pic>
+        <p:nvPicPr>
+          <p:cNvPr id="15363" name="Picture 3"/>
+          <p:cNvPicPr>
+            <a:picLocks noChangeAspect="1" noChangeArrowheads="1"/>
+          </p:cNvPicPr>
+          <p:nvPr/>
+        </p:nvPicPr>
+        <p:blipFill>
+          <a:blip r:embed="rId3">
+            <a:extLst>
+              <a:ext uri="{28A0092B-C50C-407E-A947-70E740481C1C}">
+                <a14:useLocalDpi xmlns:a14="http://schemas.microsoft.com/office/drawing/2010/main" val="0"/>
+              </a:ext>
+            </a:extLst>
+          </a:blip>
+          <a:srcRect/>
+          <a:stretch>
+            <a:fillRect/>
+          </a:stretch>
+        </p:blipFill>
+        <p:spPr bwMode="auto">
+          <a:xfrm>
+            <a:off x="107504" y="2562276"/>
+            <a:ext cx="4885877" cy="1356917"/>
+          </a:xfrm>
+          <a:prstGeom prst="rect">
+            <a:avLst/>
+          </a:prstGeom>
+          <a:noFill/>
+          <a:ln>
+            <a:noFill/>
+          </a:ln>
+          <a:effectLst/>
+          <a:extLst>
+            <a:ext uri="{909E8E84-426E-40DD-AFC4-6F175D3DCCD1}">
+              <a14:hiddenFill xmlns:a14="http://schemas.microsoft.com/office/drawing/2010/main">
+                <a:solidFill>
+                  <a:schemeClr val="accent1"/>
+                </a:solidFill>
+              </a14:hiddenFill>
+            </a:ext>
+            <a:ext uri="{91240B29-F687-4F45-9708-019B960494DF}">
+              <a14:hiddenLine xmlns:a14="http://schemas.microsoft.com/office/drawing/2010/main" w="9525">
+                <a:solidFill>
+                  <a:schemeClr val="tx1"/>
+                </a:solidFill>
+                <a:miter lim="800000"/>
+                <a:headEnd/>
+                <a:tailEnd/>
+              </a14:hiddenLine>
+            </a:ext>
+            <a:ext uri="{AF507438-7753-43E0-B8FC-AC1667EBCBE1}">
+              <a14:hiddenEffects xmlns:a14="http://schemas.microsoft.com/office/drawing/2010/main">
+                <a:effectLst>
+                  <a:outerShdw dist="35921" dir="2700000" algn="ctr" rotWithShape="0">
+                    <a:schemeClr val="bg2"/>
+                  </a:outerShdw>
+                </a:effectLst>
+              </a14:hiddenEffects>
+            </a:ext>
+          </a:extLst>
+        </p:spPr>
+      </p:pic>
+      <p:sp>
+        <p:nvSpPr>
+          <p:cNvPr id="6" name="矩形 5"/>
+          <p:cNvSpPr/>
+          <p:nvPr/>
+        </p:nvSpPr>
+        <p:spPr>
+          <a:xfrm>
+            <a:off x="107504" y="2641476"/>
+            <a:ext cx="792088" cy="1080120"/>
+          </a:xfrm>
+          <a:prstGeom prst="rect">
+            <a:avLst/>
+          </a:prstGeom>
+          <a:noFill/>
+          <a:ln w="38100">
+            <a:solidFill>
+              <a:srgbClr val="FF0000"/>
+            </a:solidFill>
+          </a:ln>
+        </p:spPr>
+        <p:style>
+          <a:lnRef idx="2">
+            <a:schemeClr val="accent1">
+              <a:shade val="50000"/>
+            </a:schemeClr>
+          </a:lnRef>
+          <a:fillRef idx="1">
+            <a:schemeClr val="accent1"/>
+          </a:fillRef>
+          <a:effectRef idx="0">
+            <a:schemeClr val="accent1"/>
+          </a:effectRef>
+          <a:fontRef idx="minor">
+            <a:schemeClr val="lt1"/>
+          </a:fontRef>
+        </p:style>
+        <p:txBody>
+          <a:bodyPr rtlCol="0" anchor="ctr"/>
+          <a:lstStyle/>
+          <a:p>
+            <a:pPr algn="ctr"/>
+            <a:endParaRPr lang="zh-CN" altLang="en-US"/>
+          </a:p>
+        </p:txBody>
+      </p:sp>
+      <p:sp>
+        <p:nvSpPr>
+          <p:cNvPr id="7" name="矩形 6"/>
+          <p:cNvSpPr/>
+          <p:nvPr/>
+        </p:nvSpPr>
+        <p:spPr>
+          <a:xfrm>
+            <a:off x="4644008" y="2700674"/>
+            <a:ext cx="349373" cy="948914"/>
+          </a:xfrm>
+          <a:prstGeom prst="rect">
+            <a:avLst/>
+          </a:prstGeom>
+          <a:noFill/>
+          <a:ln w="38100">
+            <a:solidFill>
+              <a:srgbClr val="FF0000"/>
+            </a:solidFill>
+          </a:ln>
+        </p:spPr>
+        <p:style>
+          <a:lnRef idx="2">
+            <a:schemeClr val="accent1">
+              <a:shade val="50000"/>
+            </a:schemeClr>
+          </a:lnRef>
+          <a:fillRef idx="1">
+            <a:schemeClr val="accent1"/>
+          </a:fillRef>
+          <a:effectRef idx="0">
+            <a:schemeClr val="accent1"/>
+          </a:effectRef>
+          <a:fontRef idx="minor">
+            <a:schemeClr val="lt1"/>
+          </a:fontRef>
+        </p:style>
+        <p:txBody>
+          <a:bodyPr rtlCol="0" anchor="ctr"/>
+          <a:lstStyle/>
+          <a:p>
+            <a:pPr algn="ctr"/>
+            <a:endParaRPr lang="zh-CN" altLang="en-US"/>
+          </a:p>
+        </p:txBody>
+      </p:sp>
+      <p:sp>
+        <p:nvSpPr>
+          <p:cNvPr id="8" name="矩形 7"/>
+          <p:cNvSpPr/>
+          <p:nvPr/>
+        </p:nvSpPr>
+        <p:spPr>
+          <a:xfrm>
+            <a:off x="107504" y="3776443"/>
+            <a:ext cx="1080120" cy="166294"/>
+          </a:xfrm>
+          <a:prstGeom prst="rect">
+            <a:avLst/>
+          </a:prstGeom>
+          <a:noFill/>
+          <a:ln w="38100">
+            <a:solidFill>
+              <a:srgbClr val="FF0000"/>
+            </a:solidFill>
+          </a:ln>
+        </p:spPr>
+        <p:style>
+          <a:lnRef idx="2">
+            <a:schemeClr val="accent1">
+              <a:shade val="50000"/>
+            </a:schemeClr>
+          </a:lnRef>
+          <a:fillRef idx="1">
+            <a:schemeClr val="accent1"/>
+          </a:fillRef>
+          <a:effectRef idx="0">
+            <a:schemeClr val="accent1"/>
+          </a:effectRef>
+          <a:fontRef idx="minor">
+            <a:schemeClr val="lt1"/>
+          </a:fontRef>
+        </p:style>
+        <p:txBody>
+          <a:bodyPr rtlCol="0" anchor="ctr"/>
+          <a:lstStyle/>
+          <a:p>
+            <a:pPr algn="ctr"/>
+            <a:endParaRPr lang="zh-CN" altLang="en-US"/>
+          </a:p>
+        </p:txBody>
+      </p:sp>
+      <p:sp>
+        <p:nvSpPr>
+          <p:cNvPr id="9" name="矩形 8"/>
+          <p:cNvSpPr/>
+          <p:nvPr/>
+        </p:nvSpPr>
+        <p:spPr>
+          <a:xfrm>
+            <a:off x="121672" y="5089748"/>
+            <a:ext cx="2218080" cy="504056"/>
+          </a:xfrm>
+          <a:prstGeom prst="rect">
+            <a:avLst/>
+          </a:prstGeom>
+        </p:spPr>
+        <p:style>
+          <a:lnRef idx="2">
+            <a:schemeClr val="accent1">
+              <a:shade val="50000"/>
+            </a:schemeClr>
+          </a:lnRef>
+          <a:fillRef idx="1">
+            <a:schemeClr val="accent1"/>
+          </a:fillRef>
+          <a:effectRef idx="0">
+            <a:schemeClr val="accent1"/>
+          </a:effectRef>
+          <a:fontRef idx="minor">
+            <a:schemeClr val="lt1"/>
+          </a:fontRef>
+        </p:style>
+        <p:txBody>
+          <a:bodyPr rtlCol="0" anchor="ctr"/>
+          <a:lstStyle/>
+          <a:p>
+            <a:pPr algn="ctr"/>
+            <a:r>
+              <a:rPr lang="zh-CN" altLang="en-US" sz="1400" dirty="0" smtClean="0"/>
+              <a:t>点击编号切换质谱图显示</a:t>
+            </a:r>
+            <a:endParaRPr lang="zh-CN" altLang="en-US" sz="1400" dirty="0"/>
+          </a:p>
+        </p:txBody>
+      </p:sp>
+      <p:cxnSp>
+        <p:nvCxnSpPr>
+          <p:cNvPr id="10" name="肘形连接符 9"/>
+          <p:cNvCxnSpPr>
+            <a:stCxn id="9" idx="3"/>
+            <a:endCxn id="6" idx="3"/>
+          </p:cNvCxnSpPr>
+          <p:nvPr/>
+        </p:nvCxnSpPr>
+        <p:spPr>
+          <a:xfrm flipH="1" flipV="1">
+            <a:off x="899592" y="3181536"/>
+            <a:ext cx="1440160" cy="2160240"/>
+          </a:xfrm>
+          <a:prstGeom prst="bentConnector3">
+            <a:avLst>
+              <a:gd name="adj1" fmla="val -15873"/>
+            </a:avLst>
+          </a:prstGeom>
+          <a:ln w="63500">
+            <a:tailEnd type="triangle"/>
+          </a:ln>
+        </p:spPr>
+        <p:style>
+          <a:lnRef idx="3">
+            <a:schemeClr val="accent1"/>
+          </a:lnRef>
+          <a:fillRef idx="0">
+            <a:schemeClr val="accent1"/>
+          </a:fillRef>
+          <a:effectRef idx="2">
+            <a:schemeClr val="accent1"/>
+          </a:effectRef>
+          <a:fontRef idx="minor">
+            <a:schemeClr val="tx1"/>
+          </a:fontRef>
+        </p:style>
+      </p:cxnSp>
+      <p:sp>
+        <p:nvSpPr>
+          <p:cNvPr id="14" name="矩形 13"/>
+          <p:cNvSpPr/>
+          <p:nvPr/>
+        </p:nvSpPr>
+        <p:spPr>
+          <a:xfrm>
+            <a:off x="121672" y="4448307"/>
+            <a:ext cx="2218080" cy="504056"/>
+          </a:xfrm>
+          <a:prstGeom prst="rect">
+            <a:avLst/>
+          </a:prstGeom>
+        </p:spPr>
+        <p:style>
+          <a:lnRef idx="2">
+            <a:schemeClr val="accent1">
+              <a:shade val="50000"/>
+            </a:schemeClr>
+          </a:lnRef>
+          <a:fillRef idx="1">
+            <a:schemeClr val="accent1"/>
+          </a:fillRef>
+          <a:effectRef idx="0">
+            <a:schemeClr val="accent1"/>
+          </a:effectRef>
+          <a:fontRef idx="minor">
+            <a:schemeClr val="lt1"/>
+          </a:fontRef>
+        </p:style>
+        <p:txBody>
+          <a:bodyPr rtlCol="0" anchor="ctr"/>
+          <a:lstStyle/>
+          <a:p>
+            <a:pPr algn="ctr"/>
+            <a:r>
+              <a:rPr lang="zh-CN" altLang="en-US" sz="1400" dirty="0" smtClean="0"/>
+              <a:t>点击您的下载标准品库</a:t>
+            </a:r>
+            <a:endParaRPr lang="zh-CN" altLang="en-US" sz="1400" dirty="0"/>
+          </a:p>
+        </p:txBody>
+      </p:sp>
+      <p:cxnSp>
+        <p:nvCxnSpPr>
+          <p:cNvPr id="15" name="肘形连接符 14"/>
+          <p:cNvCxnSpPr>
+            <a:stCxn id="14" idx="0"/>
+            <a:endCxn id="8" idx="2"/>
+          </p:cNvCxnSpPr>
+          <p:nvPr/>
+        </p:nvCxnSpPr>
+        <p:spPr>
+          <a:xfrm rot="16200000" flipV="1">
+            <a:off x="686353" y="3903948"/>
+            <a:ext cx="505570" cy="583148"/>
+          </a:xfrm>
+          <a:prstGeom prst="bentConnector3">
+            <a:avLst>
+              <a:gd name="adj1" fmla="val 50000"/>
+            </a:avLst>
+          </a:prstGeom>
+          <a:ln w="63500">
+            <a:tailEnd type="triangle"/>
+          </a:ln>
+        </p:spPr>
+        <p:style>
+          <a:lnRef idx="3">
+            <a:schemeClr val="accent1"/>
+          </a:lnRef>
+          <a:fillRef idx="0">
+            <a:schemeClr val="accent1"/>
+          </a:fillRef>
+          <a:effectRef idx="2">
+            <a:schemeClr val="accent1"/>
+          </a:effectRef>
+          <a:fontRef idx="minor">
+            <a:schemeClr val="tx1"/>
+          </a:fontRef>
+        </p:style>
+      </p:cxnSp>
+      <p:sp>
+        <p:nvSpPr>
+          <p:cNvPr id="21" name="矩形 20"/>
+          <p:cNvSpPr/>
+          <p:nvPr/>
+        </p:nvSpPr>
+        <p:spPr>
+          <a:xfrm>
+            <a:off x="2775301" y="4657916"/>
+            <a:ext cx="2218080" cy="504056"/>
+          </a:xfrm>
+          <a:prstGeom prst="rect">
+            <a:avLst/>
+          </a:prstGeom>
+        </p:spPr>
+        <p:style>
+          <a:lnRef idx="2">
+            <a:schemeClr val="accent1">
+              <a:shade val="50000"/>
+            </a:schemeClr>
+          </a:lnRef>
+          <a:fillRef idx="1">
+            <a:schemeClr val="accent1"/>
+          </a:fillRef>
+          <a:effectRef idx="0">
+            <a:schemeClr val="accent1"/>
+          </a:effectRef>
+          <a:fontRef idx="minor">
+            <a:schemeClr val="lt1"/>
+          </a:fontRef>
+        </p:style>
+        <p:txBody>
+          <a:bodyPr rtlCol="0" anchor="ctr"/>
+          <a:lstStyle/>
+          <a:p>
+            <a:pPr algn="ctr"/>
+            <a:r>
+              <a:rPr lang="zh-CN" altLang="en-US" sz="1400" dirty="0" smtClean="0"/>
+              <a:t>点击展开查看其他质谱图</a:t>
+            </a:r>
+            <a:endParaRPr lang="zh-CN" altLang="en-US" sz="1400" dirty="0"/>
+          </a:p>
+        </p:txBody>
+      </p:sp>
+      <p:cxnSp>
+        <p:nvCxnSpPr>
+          <p:cNvPr id="22" name="肘形连接符 21"/>
+          <p:cNvCxnSpPr>
+            <a:stCxn id="21" idx="0"/>
+            <a:endCxn id="7" idx="2"/>
+          </p:cNvCxnSpPr>
+          <p:nvPr/>
+        </p:nvCxnSpPr>
+        <p:spPr>
+          <a:xfrm rot="5400000" flipH="1" flipV="1">
+            <a:off x="3847354" y="3686575"/>
+            <a:ext cx="1008328" cy="934354"/>
+          </a:xfrm>
+          <a:prstGeom prst="bentConnector3">
+            <a:avLst>
+              <a:gd name="adj1" fmla="val 50000"/>
+            </a:avLst>
+          </a:prstGeom>
+          <a:ln w="63500">
+            <a:tailEnd type="triangle"/>
+          </a:ln>
+        </p:spPr>
+        <p:style>
+          <a:lnRef idx="3">
+            <a:schemeClr val="accent1"/>
+          </a:lnRef>
+          <a:fillRef idx="0">
+            <a:schemeClr val="accent1"/>
+          </a:fillRef>
+          <a:effectRef idx="2">
+            <a:schemeClr val="accent1"/>
+          </a:effectRef>
+          <a:fontRef idx="minor">
+            <a:schemeClr val="tx1"/>
+          </a:fontRef>
+        </p:style>
+      </p:cxnSp>
+    </p:spTree>
+    <p:extLst>
+      <p:ext uri="{BB962C8B-B14F-4D97-AF65-F5344CB8AC3E}">
+        <p14:creationId xmlns:p14="http://schemas.microsoft.com/office/powerpoint/2010/main" val="2567861663"/>
       </p:ext>
     </p:extLst>
   </p:cSld>
@@ -20130,4 +22284,289 @@
   <a:objectDefaults/>
   <a:extraClrSchemeLst/>
 </a:theme>
+</file>
+
+<file path=ppt/theme/theme2.xml><?xml version="1.0" encoding="utf-8"?>
+<a:theme xmlns:a="http://schemas.openxmlformats.org/drawingml/2006/main" name="Office 主题​​">
+  <a:themeElements>
+    <a:clrScheme name="Office">
+      <a:dk1>
+        <a:sysClr val="windowText" lastClr="000000"/>
+      </a:dk1>
+      <a:lt1>
+        <a:sysClr val="window" lastClr="FFFFFF"/>
+      </a:lt1>
+      <a:dk2>
+        <a:srgbClr val="1F497D"/>
+      </a:dk2>
+      <a:lt2>
+        <a:srgbClr val="EEECE1"/>
+      </a:lt2>
+      <a:accent1>
+        <a:srgbClr val="4F81BD"/>
+      </a:accent1>
+      <a:accent2>
+        <a:srgbClr val="C0504D"/>
+      </a:accent2>
+      <a:accent3>
+        <a:srgbClr val="9BBB59"/>
+      </a:accent3>
+      <a:accent4>
+        <a:srgbClr val="8064A2"/>
+      </a:accent4>
+      <a:accent5>
+        <a:srgbClr val="4BACC6"/>
+      </a:accent5>
+      <a:accent6>
+        <a:srgbClr val="F79646"/>
+      </a:accent6>
+      <a:hlink>
+        <a:srgbClr val="0000FF"/>
+      </a:hlink>
+      <a:folHlink>
+        <a:srgbClr val="800080"/>
+      </a:folHlink>
+    </a:clrScheme>
+    <a:fontScheme name="Office">
+      <a:majorFont>
+        <a:latin typeface="Calibri"/>
+        <a:ea typeface=""/>
+        <a:cs typeface=""/>
+        <a:font script="Jpan" typeface="ＭＳ Ｐゴシック"/>
+        <a:font script="Hang" typeface="맑은 고딕"/>
+        <a:font script="Hans" typeface="宋体"/>
+        <a:font script="Hant" typeface="新細明體"/>
+        <a:font script="Arab" typeface="Times New Roman"/>
+        <a:font script="Hebr" typeface="Times New Roman"/>
+        <a:font script="Thai" typeface="Angsana New"/>
+        <a:font script="Ethi" typeface="Nyala"/>
+        <a:font script="Beng" typeface="Vrinda"/>
+        <a:font script="Gujr" typeface="Shruti"/>
+        <a:font script="Khmr" typeface="MoolBoran"/>
+        <a:font script="Knda" typeface="Tunga"/>
+        <a:font script="Guru" typeface="Raavi"/>
+        <a:font script="Cans" typeface="Euphemia"/>
+        <a:font script="Cher" typeface="Plantagenet Cherokee"/>
+        <a:font script="Yiii" typeface="Microsoft Yi Baiti"/>
+        <a:font script="Tibt" typeface="Microsoft Himalaya"/>
+        <a:font script="Thaa" typeface="MV Boli"/>
+        <a:font script="Deva" typeface="Mangal"/>
+        <a:font script="Telu" typeface="Gautami"/>
+        <a:font script="Taml" typeface="Latha"/>
+        <a:font script="Syrc" typeface="Estrangelo Edessa"/>
+        <a:font script="Orya" typeface="Kalinga"/>
+        <a:font script="Mlym" typeface="Kartika"/>
+        <a:font script="Laoo" typeface="DokChampa"/>
+        <a:font script="Sinh" typeface="Iskoola Pota"/>
+        <a:font script="Mong" typeface="Mongolian Baiti"/>
+        <a:font script="Viet" typeface="Times New Roman"/>
+        <a:font script="Uigh" typeface="Microsoft Uighur"/>
+        <a:font script="Geor" typeface="Sylfaen"/>
+      </a:majorFont>
+      <a:minorFont>
+        <a:latin typeface="Calibri"/>
+        <a:ea typeface=""/>
+        <a:cs typeface=""/>
+        <a:font script="Jpan" typeface="ＭＳ Ｐゴシック"/>
+        <a:font script="Hang" typeface="맑은 고딕"/>
+        <a:font script="Hans" typeface="宋体"/>
+        <a:font script="Hant" typeface="新細明體"/>
+        <a:font script="Arab" typeface="Arial"/>
+        <a:font script="Hebr" typeface="Arial"/>
+        <a:font script="Thai" typeface="Cordia New"/>
+        <a:font script="Ethi" typeface="Nyala"/>
+        <a:font script="Beng" typeface="Vrinda"/>
+        <a:font script="Gujr" typeface="Shruti"/>
+        <a:font script="Khmr" typeface="DaunPenh"/>
+        <a:font script="Knda" typeface="Tunga"/>
+        <a:font script="Guru" typeface="Raavi"/>
+        <a:font script="Cans" typeface="Euphemia"/>
+        <a:font script="Cher" typeface="Plantagenet Cherokee"/>
+        <a:font script="Yiii" typeface="Microsoft Yi Baiti"/>
+        <a:font script="Tibt" typeface="Microsoft Himalaya"/>
+        <a:font script="Thaa" typeface="MV Boli"/>
+        <a:font script="Deva" typeface="Mangal"/>
+        <a:font script="Telu" typeface="Gautami"/>
+        <a:font script="Taml" typeface="Latha"/>
+        <a:font script="Syrc" typeface="Estrangelo Edessa"/>
+        <a:font script="Orya" typeface="Kalinga"/>
+        <a:font script="Mlym" typeface="Kartika"/>
+        <a:font script="Laoo" typeface="DokChampa"/>
+        <a:font script="Sinh" typeface="Iskoola Pota"/>
+        <a:font script="Mong" typeface="Mongolian Baiti"/>
+        <a:font script="Viet" typeface="Arial"/>
+        <a:font script="Uigh" typeface="Microsoft Uighur"/>
+        <a:font script="Geor" typeface="Sylfaen"/>
+      </a:minorFont>
+    </a:fontScheme>
+    <a:fmtScheme name="Office">
+      <a:fillStyleLst>
+        <a:solidFill>
+          <a:schemeClr val="phClr"/>
+        </a:solidFill>
+        <a:gradFill rotWithShape="1">
+          <a:gsLst>
+            <a:gs pos="0">
+              <a:schemeClr val="phClr">
+                <a:tint val="50000"/>
+                <a:satMod val="300000"/>
+              </a:schemeClr>
+            </a:gs>
+            <a:gs pos="35000">
+              <a:schemeClr val="phClr">
+                <a:tint val="37000"/>
+                <a:satMod val="300000"/>
+              </a:schemeClr>
+            </a:gs>
+            <a:gs pos="100000">
+              <a:schemeClr val="phClr">
+                <a:tint val="15000"/>
+                <a:satMod val="350000"/>
+              </a:schemeClr>
+            </a:gs>
+          </a:gsLst>
+          <a:lin ang="16200000" scaled="1"/>
+        </a:gradFill>
+        <a:gradFill rotWithShape="1">
+          <a:gsLst>
+            <a:gs pos="0">
+              <a:schemeClr val="phClr">
+                <a:shade val="51000"/>
+                <a:satMod val="130000"/>
+              </a:schemeClr>
+            </a:gs>
+            <a:gs pos="80000">
+              <a:schemeClr val="phClr">
+                <a:shade val="93000"/>
+                <a:satMod val="130000"/>
+              </a:schemeClr>
+            </a:gs>
+            <a:gs pos="100000">
+              <a:schemeClr val="phClr">
+                <a:shade val="94000"/>
+                <a:satMod val="135000"/>
+              </a:schemeClr>
+            </a:gs>
+          </a:gsLst>
+          <a:lin ang="16200000" scaled="0"/>
+        </a:gradFill>
+      </a:fillStyleLst>
+      <a:lnStyleLst>
+        <a:ln w="9525" cap="flat" cmpd="sng" algn="ctr">
+          <a:solidFill>
+            <a:schemeClr val="phClr">
+              <a:shade val="95000"/>
+              <a:satMod val="105000"/>
+            </a:schemeClr>
+          </a:solidFill>
+          <a:prstDash val="solid"/>
+        </a:ln>
+        <a:ln w="25400" cap="flat" cmpd="sng" algn="ctr">
+          <a:solidFill>
+            <a:schemeClr val="phClr"/>
+          </a:solidFill>
+          <a:prstDash val="solid"/>
+        </a:ln>
+        <a:ln w="38100" cap="flat" cmpd="sng" algn="ctr">
+          <a:solidFill>
+            <a:schemeClr val="phClr"/>
+          </a:solidFill>
+          <a:prstDash val="solid"/>
+        </a:ln>
+      </a:lnStyleLst>
+      <a:effectStyleLst>
+        <a:effectStyle>
+          <a:effectLst>
+            <a:outerShdw blurRad="40000" dist="20000" dir="5400000" rotWithShape="0">
+              <a:srgbClr val="000000">
+                <a:alpha val="38000"/>
+              </a:srgbClr>
+            </a:outerShdw>
+          </a:effectLst>
+        </a:effectStyle>
+        <a:effectStyle>
+          <a:effectLst>
+            <a:outerShdw blurRad="40000" dist="23000" dir="5400000" rotWithShape="0">
+              <a:srgbClr val="000000">
+                <a:alpha val="35000"/>
+              </a:srgbClr>
+            </a:outerShdw>
+          </a:effectLst>
+        </a:effectStyle>
+        <a:effectStyle>
+          <a:effectLst>
+            <a:outerShdw blurRad="40000" dist="23000" dir="5400000" rotWithShape="0">
+              <a:srgbClr val="000000">
+                <a:alpha val="35000"/>
+              </a:srgbClr>
+            </a:outerShdw>
+          </a:effectLst>
+          <a:scene3d>
+            <a:camera prst="orthographicFront">
+              <a:rot lat="0" lon="0" rev="0"/>
+            </a:camera>
+            <a:lightRig rig="threePt" dir="t">
+              <a:rot lat="0" lon="0" rev="1200000"/>
+            </a:lightRig>
+          </a:scene3d>
+          <a:sp3d>
+            <a:bevelT w="63500" h="25400"/>
+          </a:sp3d>
+        </a:effectStyle>
+      </a:effectStyleLst>
+      <a:bgFillStyleLst>
+        <a:solidFill>
+          <a:schemeClr val="phClr"/>
+        </a:solidFill>
+        <a:gradFill rotWithShape="1">
+          <a:gsLst>
+            <a:gs pos="0">
+              <a:schemeClr val="phClr">
+                <a:tint val="40000"/>
+                <a:satMod val="350000"/>
+              </a:schemeClr>
+            </a:gs>
+            <a:gs pos="40000">
+              <a:schemeClr val="phClr">
+                <a:tint val="45000"/>
+                <a:shade val="99000"/>
+                <a:satMod val="350000"/>
+              </a:schemeClr>
+            </a:gs>
+            <a:gs pos="100000">
+              <a:schemeClr val="phClr">
+                <a:shade val="20000"/>
+                <a:satMod val="255000"/>
+              </a:schemeClr>
+            </a:gs>
+          </a:gsLst>
+          <a:path path="circle">
+            <a:fillToRect l="50000" t="-80000" r="50000" b="180000"/>
+          </a:path>
+        </a:gradFill>
+        <a:gradFill rotWithShape="1">
+          <a:gsLst>
+            <a:gs pos="0">
+              <a:schemeClr val="phClr">
+                <a:tint val="80000"/>
+                <a:satMod val="300000"/>
+              </a:schemeClr>
+            </a:gs>
+            <a:gs pos="100000">
+              <a:schemeClr val="phClr">
+                <a:shade val="30000"/>
+                <a:satMod val="200000"/>
+              </a:schemeClr>
+            </a:gs>
+          </a:gsLst>
+          <a:path path="circle">
+            <a:fillToRect l="50000" t="50000" r="50000" b="50000"/>
+          </a:path>
+        </a:gradFill>
+      </a:bgFillStyleLst>
+    </a:fmtScheme>
+  </a:themeElements>
+  <a:objectDefaults/>
+  <a:extraClrSchemeLst/>
+</a:theme>
 </file>
--- a/Tutorials.pptx
+++ b/Tutorials.pptx
@@ -5,7 +5,7 @@
     <p:sldMasterId id="2147483648" r:id="rId1"/>
   </p:sldMasterIdLst>
   <p:notesMasterIdLst>
-    <p:notesMasterId r:id="rId23"/>
+    <p:notesMasterId r:id="rId34"/>
   </p:notesMasterIdLst>
   <p:sldIdLst>
     <p:sldId id="256" r:id="rId2"/>
@@ -29,6 +29,17 @@
     <p:sldId id="274" r:id="rId20"/>
     <p:sldId id="275" r:id="rId21"/>
     <p:sldId id="276" r:id="rId22"/>
+    <p:sldId id="277" r:id="rId23"/>
+    <p:sldId id="278" r:id="rId24"/>
+    <p:sldId id="279" r:id="rId25"/>
+    <p:sldId id="280" r:id="rId26"/>
+    <p:sldId id="281" r:id="rId27"/>
+    <p:sldId id="282" r:id="rId28"/>
+    <p:sldId id="283" r:id="rId29"/>
+    <p:sldId id="284" r:id="rId30"/>
+    <p:sldId id="285" r:id="rId31"/>
+    <p:sldId id="286" r:id="rId32"/>
+    <p:sldId id="287" r:id="rId33"/>
   </p:sldIdLst>
   <p:sldSz cx="9144000" cy="5715000" type="screen16x10"/>
   <p:notesSz cx="6858000" cy="9144000"/>
@@ -19608,6 +19619,2053 @@
 </p:sld>
 </file>
 
+<file path=ppt/slides/slide22.xml><?xml version="1.0" encoding="utf-8"?>
+<p:sld xmlns:a="http://schemas.openxmlformats.org/drawingml/2006/main" xmlns:r="http://schemas.openxmlformats.org/officeDocument/2006/relationships" xmlns:p="http://schemas.openxmlformats.org/presentationml/2006/main">
+  <p:cSld>
+    <p:spTree>
+      <p:nvGrpSpPr>
+        <p:cNvPr id="1" name=""/>
+        <p:cNvGrpSpPr/>
+        <p:nvPr/>
+      </p:nvGrpSpPr>
+      <p:grpSpPr>
+        <a:xfrm>
+          <a:off x="0" y="0"/>
+          <a:ext cx="0" cy="0"/>
+          <a:chOff x="0" y="0"/>
+          <a:chExt cx="0" cy="0"/>
+        </a:xfrm>
+      </p:grpSpPr>
+      <p:sp>
+        <p:nvSpPr>
+          <p:cNvPr id="2" name="标题 1"/>
+          <p:cNvSpPr>
+            <a:spLocks noGrp="1"/>
+          </p:cNvSpPr>
+          <p:nvPr>
+            <p:ph type="title"/>
+          </p:nvPr>
+        </p:nvSpPr>
+        <p:spPr/>
+        <p:txBody>
+          <a:bodyPr/>
+          <a:lstStyle/>
+          <a:p>
+            <a:endParaRPr lang="zh-CN" altLang="en-US"/>
+          </a:p>
+        </p:txBody>
+      </p:sp>
+      <p:sp>
+        <p:nvSpPr>
+          <p:cNvPr id="3" name="内容占位符 2"/>
+          <p:cNvSpPr>
+            <a:spLocks noGrp="1"/>
+          </p:cNvSpPr>
+          <p:nvPr>
+            <p:ph idx="1"/>
+          </p:nvPr>
+        </p:nvSpPr>
+        <p:spPr/>
+        <p:txBody>
+          <a:bodyPr/>
+          <a:lstStyle/>
+          <a:p>
+            <a:r>
+              <a:rPr lang="zh-CN" altLang="en-US" dirty="0" smtClean="0"/>
+              <a:t>功能</a:t>
+            </a:r>
+            <a:r>
+              <a:rPr lang="en-US" altLang="zh-CN" dirty="0" smtClean="0"/>
+              <a:t>2</a:t>
+            </a:r>
+            <a:r>
+              <a:rPr lang="zh-CN" altLang="en-US" dirty="0" smtClean="0"/>
+              <a:t>：小分子化合物鉴定</a:t>
+            </a:r>
+            <a:endParaRPr lang="en-US" altLang="zh-CN" dirty="0" smtClean="0"/>
+          </a:p>
+          <a:p>
+            <a:r>
+              <a:rPr lang="en-US" altLang="zh-CN" sz="2400" dirty="0">
+                <a:hlinkClick r:id="rId2"/>
+              </a:rPr>
+              <a:t>http://</a:t>
+            </a:r>
+            <a:r>
+              <a:rPr lang="en-US" altLang="zh-CN" sz="2400" dirty="0" smtClean="0">
+                <a:hlinkClick r:id="rId2"/>
+              </a:rPr>
+              <a:t>msms.biodeep.cn/new_task.php?app=new_task</a:t>
+            </a:r>
+            <a:endParaRPr lang="en-US" altLang="zh-CN" sz="2400" dirty="0" smtClean="0"/>
+          </a:p>
+          <a:p>
+            <a:endParaRPr lang="zh-CN" altLang="en-US" dirty="0"/>
+          </a:p>
+        </p:txBody>
+      </p:sp>
+      <p:pic>
+        <p:nvPicPr>
+          <p:cNvPr id="16386" name="Picture 2"/>
+          <p:cNvPicPr>
+            <a:picLocks noChangeAspect="1" noChangeArrowheads="1"/>
+          </p:cNvPicPr>
+          <p:nvPr/>
+        </p:nvPicPr>
+        <p:blipFill>
+          <a:blip r:embed="rId3">
+            <a:extLst>
+              <a:ext uri="{28A0092B-C50C-407E-A947-70E740481C1C}">
+                <a14:useLocalDpi xmlns:a14="http://schemas.microsoft.com/office/drawing/2010/main" val="0"/>
+              </a:ext>
+            </a:extLst>
+          </a:blip>
+          <a:srcRect/>
+          <a:stretch>
+            <a:fillRect/>
+          </a:stretch>
+        </p:blipFill>
+        <p:spPr bwMode="auto">
+          <a:xfrm>
+            <a:off x="755576" y="2641476"/>
+            <a:ext cx="7200800" cy="2812330"/>
+          </a:xfrm>
+          <a:prstGeom prst="rect">
+            <a:avLst/>
+          </a:prstGeom>
+          <a:noFill/>
+          <a:ln>
+            <a:noFill/>
+          </a:ln>
+          <a:effectLst/>
+          <a:extLst>
+            <a:ext uri="{909E8E84-426E-40DD-AFC4-6F175D3DCCD1}">
+              <a14:hiddenFill xmlns:a14="http://schemas.microsoft.com/office/drawing/2010/main">
+                <a:solidFill>
+                  <a:schemeClr val="accent1"/>
+                </a:solidFill>
+              </a14:hiddenFill>
+            </a:ext>
+            <a:ext uri="{91240B29-F687-4F45-9708-019B960494DF}">
+              <a14:hiddenLine xmlns:a14="http://schemas.microsoft.com/office/drawing/2010/main" w="9525">
+                <a:solidFill>
+                  <a:schemeClr val="tx1"/>
+                </a:solidFill>
+                <a:miter lim="800000"/>
+                <a:headEnd/>
+                <a:tailEnd/>
+              </a14:hiddenLine>
+            </a:ext>
+            <a:ext uri="{AF507438-7753-43E0-B8FC-AC1667EBCBE1}">
+              <a14:hiddenEffects xmlns:a14="http://schemas.microsoft.com/office/drawing/2010/main">
+                <a:effectLst>
+                  <a:outerShdw dist="35921" dir="2700000" algn="ctr" rotWithShape="0">
+                    <a:schemeClr val="bg2"/>
+                  </a:outerShdw>
+                </a:effectLst>
+              </a14:hiddenEffects>
+            </a:ext>
+          </a:extLst>
+        </p:spPr>
+      </p:pic>
+    </p:spTree>
+    <p:extLst>
+      <p:ext uri="{BB962C8B-B14F-4D97-AF65-F5344CB8AC3E}">
+        <p14:creationId xmlns:p14="http://schemas.microsoft.com/office/powerpoint/2010/main" val="1851311369"/>
+      </p:ext>
+    </p:extLst>
+  </p:cSld>
+  <p:clrMapOvr>
+    <a:masterClrMapping/>
+  </p:clrMapOvr>
+  <p:timing>
+    <p:tnLst>
+      <p:par>
+        <p:cTn id="1" dur="indefinite" restart="never" nodeType="tmRoot"/>
+      </p:par>
+    </p:tnLst>
+  </p:timing>
+</p:sld>
+</file>
+
+<file path=ppt/slides/slide23.xml><?xml version="1.0" encoding="utf-8"?>
+<p:sld xmlns:a="http://schemas.openxmlformats.org/drawingml/2006/main" xmlns:r="http://schemas.openxmlformats.org/officeDocument/2006/relationships" xmlns:p="http://schemas.openxmlformats.org/presentationml/2006/main">
+  <p:cSld>
+    <p:spTree>
+      <p:nvGrpSpPr>
+        <p:cNvPr id="1" name=""/>
+        <p:cNvGrpSpPr/>
+        <p:nvPr/>
+      </p:nvGrpSpPr>
+      <p:grpSpPr>
+        <a:xfrm>
+          <a:off x="0" y="0"/>
+          <a:ext cx="0" cy="0"/>
+          <a:chOff x="0" y="0"/>
+          <a:chExt cx="0" cy="0"/>
+        </a:xfrm>
+      </p:grpSpPr>
+      <p:sp>
+        <p:nvSpPr>
+          <p:cNvPr id="2" name="标题 1"/>
+          <p:cNvSpPr>
+            <a:spLocks noGrp="1"/>
+          </p:cNvSpPr>
+          <p:nvPr>
+            <p:ph type="title"/>
+          </p:nvPr>
+        </p:nvSpPr>
+        <p:spPr/>
+        <p:txBody>
+          <a:bodyPr/>
+          <a:lstStyle/>
+          <a:p>
+            <a:endParaRPr lang="zh-CN" altLang="en-US"/>
+          </a:p>
+        </p:txBody>
+      </p:sp>
+      <p:sp>
+        <p:nvSpPr>
+          <p:cNvPr id="3" name="内容占位符 2"/>
+          <p:cNvSpPr>
+            <a:spLocks noGrp="1"/>
+          </p:cNvSpPr>
+          <p:nvPr>
+            <p:ph idx="1"/>
+          </p:nvPr>
+        </p:nvSpPr>
+        <p:spPr/>
+        <p:txBody>
+          <a:bodyPr/>
+          <a:lstStyle/>
+          <a:p>
+            <a:r>
+              <a:rPr lang="zh-CN" altLang="en-US" dirty="0" smtClean="0"/>
+              <a:t>选择样本数据</a:t>
+            </a:r>
+            <a:endParaRPr lang="en-US" altLang="zh-CN" dirty="0" smtClean="0"/>
+          </a:p>
+          <a:p>
+            <a:r>
+              <a:rPr lang="zh-CN" altLang="en-US" sz="2400" dirty="0"/>
+              <a:t>为</a:t>
+            </a:r>
+            <a:r>
+              <a:rPr lang="zh-CN" altLang="en-US" sz="2400" dirty="0" smtClean="0"/>
+              <a:t>了进行小分子化合物鉴定，首先会需要在</a:t>
+            </a:r>
+            <a:r>
+              <a:rPr lang="en-US" altLang="zh-CN" sz="2400" dirty="0" smtClean="0"/>
+              <a:t>MetaDeco</a:t>
+            </a:r>
+            <a:r>
+              <a:rPr lang="zh-CN" altLang="en-US" sz="2400" dirty="0" smtClean="0"/>
+              <a:t>之中上传实验的原始数据</a:t>
+            </a:r>
+            <a:endParaRPr lang="en-US" altLang="zh-CN" sz="2400" dirty="0" smtClean="0"/>
+          </a:p>
+          <a:p>
+            <a:r>
+              <a:rPr lang="zh-CN" altLang="en-US" sz="2400" dirty="0"/>
+              <a:t>在这</a:t>
+            </a:r>
+            <a:r>
+              <a:rPr lang="zh-CN" altLang="en-US" sz="2400" dirty="0" smtClean="0"/>
+              <a:t>里目前只能够进行</a:t>
+            </a:r>
+            <a:r>
+              <a:rPr lang="en-US" altLang="zh-CN" sz="2400" dirty="0" smtClean="0"/>
+              <a:t>LCMS</a:t>
+            </a:r>
+            <a:r>
+              <a:rPr lang="zh-CN" altLang="en-US" sz="2400" dirty="0" smtClean="0"/>
+              <a:t>项目的注释</a:t>
+            </a:r>
+            <a:endParaRPr lang="en-US" altLang="zh-CN" sz="2400" dirty="0" smtClean="0"/>
+          </a:p>
+          <a:p>
+            <a:r>
+              <a:rPr lang="zh-CN" altLang="en-US" sz="2400" dirty="0"/>
+              <a:t>也可</a:t>
+            </a:r>
+            <a:r>
+              <a:rPr lang="zh-CN" altLang="en-US" sz="2400" dirty="0" smtClean="0"/>
+              <a:t>以切换到右边创建新的</a:t>
+            </a:r>
+            <a:endParaRPr lang="en-US" altLang="zh-CN" sz="2400" dirty="0" smtClean="0"/>
+          </a:p>
+          <a:p>
+            <a:r>
+              <a:rPr lang="en-US" altLang="zh-CN" sz="2400" dirty="0" smtClean="0"/>
+              <a:t>MetaDeco</a:t>
+            </a:r>
+            <a:r>
+              <a:rPr lang="zh-CN" altLang="en-US" sz="2400" dirty="0" smtClean="0"/>
+              <a:t>项目上传原始数据</a:t>
+            </a:r>
+            <a:endParaRPr lang="zh-CN" altLang="en-US" sz="2400" dirty="0"/>
+          </a:p>
+        </p:txBody>
+      </p:sp>
+      <p:pic>
+        <p:nvPicPr>
+          <p:cNvPr id="17410" name="Picture 2"/>
+          <p:cNvPicPr>
+            <a:picLocks noChangeAspect="1" noChangeArrowheads="1"/>
+          </p:cNvPicPr>
+          <p:nvPr/>
+        </p:nvPicPr>
+        <p:blipFill>
+          <a:blip r:embed="rId2">
+            <a:extLst>
+              <a:ext uri="{28A0092B-C50C-407E-A947-70E740481C1C}">
+                <a14:useLocalDpi xmlns:a14="http://schemas.microsoft.com/office/drawing/2010/main" val="0"/>
+              </a:ext>
+            </a:extLst>
+          </a:blip>
+          <a:srcRect/>
+          <a:stretch>
+            <a:fillRect/>
+          </a:stretch>
+        </p:blipFill>
+        <p:spPr bwMode="auto">
+          <a:xfrm>
+            <a:off x="5076056" y="3289548"/>
+            <a:ext cx="3666381" cy="2294127"/>
+          </a:xfrm>
+          <a:prstGeom prst="rect">
+            <a:avLst/>
+          </a:prstGeom>
+          <a:noFill/>
+          <a:ln>
+            <a:noFill/>
+          </a:ln>
+          <a:effectLst/>
+          <a:extLst>
+            <a:ext uri="{909E8E84-426E-40DD-AFC4-6F175D3DCCD1}">
+              <a14:hiddenFill xmlns:a14="http://schemas.microsoft.com/office/drawing/2010/main">
+                <a:solidFill>
+                  <a:schemeClr val="accent1"/>
+                </a:solidFill>
+              </a14:hiddenFill>
+            </a:ext>
+            <a:ext uri="{91240B29-F687-4F45-9708-019B960494DF}">
+              <a14:hiddenLine xmlns:a14="http://schemas.microsoft.com/office/drawing/2010/main" w="9525">
+                <a:solidFill>
+                  <a:schemeClr val="tx1"/>
+                </a:solidFill>
+                <a:miter lim="800000"/>
+                <a:headEnd/>
+                <a:tailEnd/>
+              </a14:hiddenLine>
+            </a:ext>
+            <a:ext uri="{AF507438-7753-43E0-B8FC-AC1667EBCBE1}">
+              <a14:hiddenEffects xmlns:a14="http://schemas.microsoft.com/office/drawing/2010/main">
+                <a:effectLst>
+                  <a:outerShdw dist="35921" dir="2700000" algn="ctr" rotWithShape="0">
+                    <a:schemeClr val="bg2"/>
+                  </a:outerShdw>
+                </a:effectLst>
+              </a14:hiddenEffects>
+            </a:ext>
+          </a:extLst>
+        </p:spPr>
+      </p:pic>
+    </p:spTree>
+    <p:extLst>
+      <p:ext uri="{BB962C8B-B14F-4D97-AF65-F5344CB8AC3E}">
+        <p14:creationId xmlns:p14="http://schemas.microsoft.com/office/powerpoint/2010/main" val="2643832623"/>
+      </p:ext>
+    </p:extLst>
+  </p:cSld>
+  <p:clrMapOvr>
+    <a:masterClrMapping/>
+  </p:clrMapOvr>
+  <p:timing>
+    <p:tnLst>
+      <p:par>
+        <p:cTn id="1" dur="indefinite" restart="never" nodeType="tmRoot"/>
+      </p:par>
+    </p:tnLst>
+  </p:timing>
+</p:sld>
+</file>
+
+<file path=ppt/slides/slide24.xml><?xml version="1.0" encoding="utf-8"?>
+<p:sld xmlns:a="http://schemas.openxmlformats.org/drawingml/2006/main" xmlns:r="http://schemas.openxmlformats.org/officeDocument/2006/relationships" xmlns:p="http://schemas.openxmlformats.org/presentationml/2006/main">
+  <p:cSld>
+    <p:spTree>
+      <p:nvGrpSpPr>
+        <p:cNvPr id="1" name=""/>
+        <p:cNvGrpSpPr/>
+        <p:nvPr/>
+      </p:nvGrpSpPr>
+      <p:grpSpPr>
+        <a:xfrm>
+          <a:off x="0" y="0"/>
+          <a:ext cx="0" cy="0"/>
+          <a:chOff x="0" y="0"/>
+          <a:chExt cx="0" cy="0"/>
+        </a:xfrm>
+      </p:grpSpPr>
+      <p:sp>
+        <p:nvSpPr>
+          <p:cNvPr id="2" name="标题 1"/>
+          <p:cNvSpPr>
+            <a:spLocks noGrp="1"/>
+          </p:cNvSpPr>
+          <p:nvPr>
+            <p:ph type="title"/>
+          </p:nvPr>
+        </p:nvSpPr>
+        <p:spPr/>
+        <p:txBody>
+          <a:bodyPr/>
+          <a:lstStyle/>
+          <a:p>
+            <a:endParaRPr lang="zh-CN" altLang="en-US"/>
+          </a:p>
+        </p:txBody>
+      </p:sp>
+      <p:sp>
+        <p:nvSpPr>
+          <p:cNvPr id="3" name="内容占位符 2"/>
+          <p:cNvSpPr>
+            <a:spLocks noGrp="1"/>
+          </p:cNvSpPr>
+          <p:nvPr>
+            <p:ph idx="1"/>
+          </p:nvPr>
+        </p:nvSpPr>
+        <p:spPr/>
+        <p:txBody>
+          <a:bodyPr/>
+          <a:lstStyle/>
+          <a:p>
+            <a:r>
+              <a:rPr lang="zh-CN" altLang="en-US" dirty="0" smtClean="0"/>
+              <a:t>选择</a:t>
+            </a:r>
+            <a:r>
+              <a:rPr lang="en-US" altLang="zh-CN" dirty="0" smtClean="0"/>
+              <a:t>peaktable</a:t>
+            </a:r>
+          </a:p>
+          <a:p>
+            <a:r>
+              <a:rPr lang="zh-CN" altLang="en-US" sz="2400" dirty="0" smtClean="0"/>
+              <a:t>如果目标分析项目已经在</a:t>
+            </a:r>
+            <a:r>
+              <a:rPr lang="en-US" altLang="zh-CN" sz="2400" dirty="0" smtClean="0"/>
+              <a:t>MetaDeco</a:t>
+            </a:r>
+            <a:r>
+              <a:rPr lang="zh-CN" altLang="en-US" sz="2400" dirty="0" smtClean="0"/>
+              <a:t>之中成功的进行了解卷积任务，</a:t>
+            </a:r>
+            <a:r>
+              <a:rPr lang="zh-CN" altLang="en-US" sz="2400" dirty="0"/>
+              <a:t>那</a:t>
+            </a:r>
+            <a:r>
+              <a:rPr lang="zh-CN" altLang="en-US" sz="2400" dirty="0" smtClean="0"/>
+              <a:t>么可以在第三步选择</a:t>
+            </a:r>
+            <a:r>
+              <a:rPr lang="en-US" altLang="zh-CN" sz="2400" dirty="0" smtClean="0"/>
+              <a:t>peaktable</a:t>
+            </a:r>
+            <a:r>
+              <a:rPr lang="zh-CN" altLang="en-US" sz="2400" dirty="0" smtClean="0"/>
+              <a:t>做全注释</a:t>
+            </a:r>
+            <a:endParaRPr lang="en-US" altLang="zh-CN" sz="2400" dirty="0" smtClean="0"/>
+          </a:p>
+          <a:p>
+            <a:r>
+              <a:rPr lang="zh-CN" altLang="en-US" sz="2400" dirty="0"/>
+              <a:t>也可</a:t>
+            </a:r>
+            <a:r>
+              <a:rPr lang="zh-CN" altLang="en-US" sz="2400" dirty="0" smtClean="0"/>
+              <a:t>以上传自己的</a:t>
+            </a:r>
+            <a:r>
+              <a:rPr lang="en-US" altLang="zh-CN" sz="2400" dirty="0" smtClean="0"/>
+              <a:t>peaktable</a:t>
+            </a:r>
+            <a:r>
+              <a:rPr lang="zh-CN" altLang="en-US" sz="2400" dirty="0" smtClean="0"/>
+              <a:t>，进行选择性的物质注释，例如进行差异代谢物注释鉴定</a:t>
+            </a:r>
+            <a:endParaRPr lang="zh-CN" altLang="en-US" sz="2400" dirty="0"/>
+          </a:p>
+        </p:txBody>
+      </p:sp>
+      <p:pic>
+        <p:nvPicPr>
+          <p:cNvPr id="18434" name="Picture 2"/>
+          <p:cNvPicPr>
+            <a:picLocks noChangeAspect="1" noChangeArrowheads="1"/>
+          </p:cNvPicPr>
+          <p:nvPr/>
+        </p:nvPicPr>
+        <p:blipFill>
+          <a:blip r:embed="rId2">
+            <a:extLst>
+              <a:ext uri="{28A0092B-C50C-407E-A947-70E740481C1C}">
+                <a14:useLocalDpi xmlns:a14="http://schemas.microsoft.com/office/drawing/2010/main" val="0"/>
+              </a:ext>
+            </a:extLst>
+          </a:blip>
+          <a:srcRect/>
+          <a:stretch>
+            <a:fillRect/>
+          </a:stretch>
+        </p:blipFill>
+        <p:spPr bwMode="auto">
+          <a:xfrm>
+            <a:off x="4810215" y="3157071"/>
+            <a:ext cx="4140324" cy="2592727"/>
+          </a:xfrm>
+          <a:prstGeom prst="rect">
+            <a:avLst/>
+          </a:prstGeom>
+          <a:noFill/>
+          <a:ln>
+            <a:noFill/>
+          </a:ln>
+          <a:effectLst/>
+          <a:extLst>
+            <a:ext uri="{909E8E84-426E-40DD-AFC4-6F175D3DCCD1}">
+              <a14:hiddenFill xmlns:a14="http://schemas.microsoft.com/office/drawing/2010/main">
+                <a:solidFill>
+                  <a:schemeClr val="accent1"/>
+                </a:solidFill>
+              </a14:hiddenFill>
+            </a:ext>
+            <a:ext uri="{91240B29-F687-4F45-9708-019B960494DF}">
+              <a14:hiddenLine xmlns:a14="http://schemas.microsoft.com/office/drawing/2010/main" w="9525">
+                <a:solidFill>
+                  <a:schemeClr val="tx1"/>
+                </a:solidFill>
+                <a:miter lim="800000"/>
+                <a:headEnd/>
+                <a:tailEnd/>
+              </a14:hiddenLine>
+            </a:ext>
+            <a:ext uri="{AF507438-7753-43E0-B8FC-AC1667EBCBE1}">
+              <a14:hiddenEffects xmlns:a14="http://schemas.microsoft.com/office/drawing/2010/main">
+                <a:effectLst>
+                  <a:outerShdw dist="35921" dir="2700000" algn="ctr" rotWithShape="0">
+                    <a:schemeClr val="bg2"/>
+                  </a:outerShdw>
+                </a:effectLst>
+              </a14:hiddenEffects>
+            </a:ext>
+          </a:extLst>
+        </p:spPr>
+      </p:pic>
+    </p:spTree>
+    <p:extLst>
+      <p:ext uri="{BB962C8B-B14F-4D97-AF65-F5344CB8AC3E}">
+        <p14:creationId xmlns:p14="http://schemas.microsoft.com/office/powerpoint/2010/main" val="3191600158"/>
+      </p:ext>
+    </p:extLst>
+  </p:cSld>
+  <p:clrMapOvr>
+    <a:masterClrMapping/>
+  </p:clrMapOvr>
+  <p:timing>
+    <p:tnLst>
+      <p:par>
+        <p:cTn id="1" dur="indefinite" restart="never" nodeType="tmRoot"/>
+      </p:par>
+    </p:tnLst>
+  </p:timing>
+</p:sld>
+</file>
+
+<file path=ppt/slides/slide25.xml><?xml version="1.0" encoding="utf-8"?>
+<p:sld xmlns:a="http://schemas.openxmlformats.org/drawingml/2006/main" xmlns:r="http://schemas.openxmlformats.org/officeDocument/2006/relationships" xmlns:p="http://schemas.openxmlformats.org/presentationml/2006/main">
+  <p:cSld>
+    <p:spTree>
+      <p:nvGrpSpPr>
+        <p:cNvPr id="1" name=""/>
+        <p:cNvGrpSpPr/>
+        <p:nvPr/>
+      </p:nvGrpSpPr>
+      <p:grpSpPr>
+        <a:xfrm>
+          <a:off x="0" y="0"/>
+          <a:ext cx="0" cy="0"/>
+          <a:chOff x="0" y="0"/>
+          <a:chExt cx="0" cy="0"/>
+        </a:xfrm>
+      </p:grpSpPr>
+      <p:sp>
+        <p:nvSpPr>
+          <p:cNvPr id="2" name="标题 1"/>
+          <p:cNvSpPr>
+            <a:spLocks noGrp="1"/>
+          </p:cNvSpPr>
+          <p:nvPr>
+            <p:ph type="title"/>
+          </p:nvPr>
+        </p:nvSpPr>
+        <p:spPr/>
+        <p:txBody>
+          <a:bodyPr/>
+          <a:lstStyle/>
+          <a:p>
+            <a:endParaRPr lang="zh-CN" altLang="en-US"/>
+          </a:p>
+        </p:txBody>
+      </p:sp>
+      <p:sp>
+        <p:nvSpPr>
+          <p:cNvPr id="3" name="内容占位符 2"/>
+          <p:cNvSpPr>
+            <a:spLocks noGrp="1"/>
+          </p:cNvSpPr>
+          <p:nvPr>
+            <p:ph idx="1"/>
+          </p:nvPr>
+        </p:nvSpPr>
+        <p:spPr/>
+        <p:txBody>
+          <a:bodyPr/>
+          <a:lstStyle/>
+          <a:p>
+            <a:r>
+              <a:rPr lang="zh-CN" altLang="en-US" dirty="0" smtClean="0"/>
+              <a:t>样本极性设置</a:t>
+            </a:r>
+            <a:endParaRPr lang="en-US" altLang="zh-CN" dirty="0" smtClean="0"/>
+          </a:p>
+          <a:p>
+            <a:r>
+              <a:rPr lang="zh-CN" altLang="en-US" sz="1800" dirty="0" smtClean="0"/>
+              <a:t>会需要在第四步中为样本分组进行设置，告诉鉴定程序每一个样本的极性模式以及加和物的类型。</a:t>
+            </a:r>
+            <a:endParaRPr lang="en-US" altLang="zh-CN" sz="1800" dirty="0" smtClean="0"/>
+          </a:p>
+          <a:p>
+            <a:r>
+              <a:rPr lang="zh-CN" altLang="en-US" sz="1800" dirty="0"/>
+              <a:t>在</a:t>
+            </a:r>
+            <a:r>
+              <a:rPr lang="zh-CN" altLang="en-US" sz="1800" dirty="0" smtClean="0"/>
+              <a:t>这一步也可以不做设置，物质鉴定程序会尝试自动识别极性模式。但是对于一些原始数据文件可能会出现自动识别失败的问题</a:t>
+            </a:r>
+            <a:endParaRPr lang="en-US" altLang="zh-CN" sz="1800" dirty="0" smtClean="0"/>
+          </a:p>
+          <a:p>
+            <a:r>
+              <a:rPr lang="zh-CN" altLang="en-US" sz="1800" dirty="0" smtClean="0"/>
+              <a:t>用鼠标拖拽分组到对应的极性模式</a:t>
+            </a:r>
+            <a:endParaRPr lang="en-US" altLang="zh-CN" sz="1800" dirty="0" smtClean="0"/>
+          </a:p>
+          <a:p>
+            <a:r>
+              <a:rPr lang="zh-CN" altLang="en-US" sz="1800" dirty="0" smtClean="0"/>
+              <a:t>之中即可</a:t>
+            </a:r>
+            <a:endParaRPr lang="zh-CN" altLang="en-US" sz="1800" dirty="0"/>
+          </a:p>
+        </p:txBody>
+      </p:sp>
+      <p:pic>
+        <p:nvPicPr>
+          <p:cNvPr id="19459" name="Picture 3"/>
+          <p:cNvPicPr>
+            <a:picLocks noChangeAspect="1" noChangeArrowheads="1"/>
+          </p:cNvPicPr>
+          <p:nvPr/>
+        </p:nvPicPr>
+        <p:blipFill>
+          <a:blip r:embed="rId2">
+            <a:extLst>
+              <a:ext uri="{28A0092B-C50C-407E-A947-70E740481C1C}">
+                <a14:useLocalDpi xmlns:a14="http://schemas.microsoft.com/office/drawing/2010/main" val="0"/>
+              </a:ext>
+            </a:extLst>
+          </a:blip>
+          <a:srcRect/>
+          <a:stretch>
+            <a:fillRect/>
+          </a:stretch>
+        </p:blipFill>
+        <p:spPr bwMode="auto">
+          <a:xfrm>
+            <a:off x="4318686" y="3152594"/>
+            <a:ext cx="4860032" cy="2544660"/>
+          </a:xfrm>
+          <a:prstGeom prst="rect">
+            <a:avLst/>
+          </a:prstGeom>
+          <a:noFill/>
+          <a:ln>
+            <a:noFill/>
+          </a:ln>
+          <a:effectLst/>
+          <a:extLst>
+            <a:ext uri="{909E8E84-426E-40DD-AFC4-6F175D3DCCD1}">
+              <a14:hiddenFill xmlns:a14="http://schemas.microsoft.com/office/drawing/2010/main">
+                <a:solidFill>
+                  <a:schemeClr val="accent1"/>
+                </a:solidFill>
+              </a14:hiddenFill>
+            </a:ext>
+            <a:ext uri="{91240B29-F687-4F45-9708-019B960494DF}">
+              <a14:hiddenLine xmlns:a14="http://schemas.microsoft.com/office/drawing/2010/main" w="9525">
+                <a:solidFill>
+                  <a:schemeClr val="tx1"/>
+                </a:solidFill>
+                <a:miter lim="800000"/>
+                <a:headEnd/>
+                <a:tailEnd/>
+              </a14:hiddenLine>
+            </a:ext>
+            <a:ext uri="{AF507438-7753-43E0-B8FC-AC1667EBCBE1}">
+              <a14:hiddenEffects xmlns:a14="http://schemas.microsoft.com/office/drawing/2010/main">
+                <a:effectLst>
+                  <a:outerShdw dist="35921" dir="2700000" algn="ctr" rotWithShape="0">
+                    <a:schemeClr val="bg2"/>
+                  </a:outerShdw>
+                </a:effectLst>
+              </a14:hiddenEffects>
+            </a:ext>
+          </a:extLst>
+        </p:spPr>
+      </p:pic>
+    </p:spTree>
+    <p:extLst>
+      <p:ext uri="{BB962C8B-B14F-4D97-AF65-F5344CB8AC3E}">
+        <p14:creationId xmlns:p14="http://schemas.microsoft.com/office/powerpoint/2010/main" val="684117310"/>
+      </p:ext>
+    </p:extLst>
+  </p:cSld>
+  <p:clrMapOvr>
+    <a:masterClrMapping/>
+  </p:clrMapOvr>
+  <p:timing>
+    <p:tnLst>
+      <p:par>
+        <p:cTn id="1" dur="indefinite" restart="never" nodeType="tmRoot"/>
+      </p:par>
+    </p:tnLst>
+  </p:timing>
+</p:sld>
+</file>
+
+<file path=ppt/slides/slide26.xml><?xml version="1.0" encoding="utf-8"?>
+<p:sld xmlns:a="http://schemas.openxmlformats.org/drawingml/2006/main" xmlns:r="http://schemas.openxmlformats.org/officeDocument/2006/relationships" xmlns:p="http://schemas.openxmlformats.org/presentationml/2006/main">
+  <p:cSld>
+    <p:spTree>
+      <p:nvGrpSpPr>
+        <p:cNvPr id="1" name=""/>
+        <p:cNvGrpSpPr/>
+        <p:nvPr/>
+      </p:nvGrpSpPr>
+      <p:grpSpPr>
+        <a:xfrm>
+          <a:off x="0" y="0"/>
+          <a:ext cx="0" cy="0"/>
+          <a:chOff x="0" y="0"/>
+          <a:chExt cx="0" cy="0"/>
+        </a:xfrm>
+      </p:grpSpPr>
+      <p:sp>
+        <p:nvSpPr>
+          <p:cNvPr id="2" name="标题 1"/>
+          <p:cNvSpPr>
+            <a:spLocks noGrp="1"/>
+          </p:cNvSpPr>
+          <p:nvPr>
+            <p:ph type="title"/>
+          </p:nvPr>
+        </p:nvSpPr>
+        <p:spPr/>
+        <p:txBody>
+          <a:bodyPr/>
+          <a:lstStyle/>
+          <a:p>
+            <a:endParaRPr lang="zh-CN" altLang="en-US"/>
+          </a:p>
+        </p:txBody>
+      </p:sp>
+      <p:sp>
+        <p:nvSpPr>
+          <p:cNvPr id="3" name="内容占位符 2"/>
+          <p:cNvSpPr>
+            <a:spLocks noGrp="1"/>
+          </p:cNvSpPr>
+          <p:nvPr>
+            <p:ph idx="1"/>
+          </p:nvPr>
+        </p:nvSpPr>
+        <p:spPr/>
+        <p:txBody>
+          <a:bodyPr/>
+          <a:lstStyle/>
+          <a:p>
+            <a:r>
+              <a:rPr lang="zh-CN" altLang="en-US" dirty="0" smtClean="0"/>
+              <a:t>选择标</a:t>
+            </a:r>
+            <a:r>
+              <a:rPr lang="zh-CN" altLang="en-US" dirty="0"/>
+              <a:t>准品</a:t>
+            </a:r>
+            <a:r>
+              <a:rPr lang="zh-CN" altLang="en-US" dirty="0" smtClean="0"/>
+              <a:t>库</a:t>
+            </a:r>
+            <a:endParaRPr lang="en-US" altLang="zh-CN" dirty="0" smtClean="0"/>
+          </a:p>
+          <a:p>
+            <a:r>
+              <a:rPr lang="zh-CN" altLang="en-US" sz="2000" dirty="0"/>
+              <a:t>可</a:t>
+            </a:r>
+            <a:r>
+              <a:rPr lang="zh-CN" altLang="en-US" sz="2000" dirty="0" smtClean="0"/>
+              <a:t>以使用自己所构建的标准品库以及其他用户共享出来的标准品库进行物质鉴定操作。</a:t>
+            </a:r>
+            <a:endParaRPr lang="en-US" altLang="zh-CN" sz="2000" dirty="0" smtClean="0"/>
+          </a:p>
+          <a:p>
+            <a:r>
+              <a:rPr lang="zh-CN" altLang="en-US" sz="2000" dirty="0"/>
+              <a:t>如</a:t>
+            </a:r>
+            <a:r>
+              <a:rPr lang="zh-CN" altLang="en-US" sz="2000" dirty="0" smtClean="0"/>
+              <a:t>果使用共享标准品库，除了免费的</a:t>
+            </a:r>
+            <a:r>
+              <a:rPr lang="en-US" altLang="zh-CN" sz="2000" dirty="0" smtClean="0"/>
+              <a:t>MoNA</a:t>
+            </a:r>
+            <a:r>
+              <a:rPr lang="zh-CN" altLang="en-US" sz="2000" dirty="0" smtClean="0"/>
+              <a:t>数据库之外，其他的共享标准品库的使用可能会产生</a:t>
+            </a:r>
+            <a:endParaRPr lang="en-US" altLang="zh-CN" sz="2000" dirty="0" smtClean="0"/>
+          </a:p>
+          <a:p>
+            <a:r>
+              <a:rPr lang="zh-CN" altLang="en-US" sz="2000" dirty="0"/>
+              <a:t>相</a:t>
+            </a:r>
+            <a:r>
+              <a:rPr lang="zh-CN" altLang="en-US" sz="2000" dirty="0" smtClean="0"/>
+              <a:t>应的费用</a:t>
+            </a:r>
+            <a:endParaRPr lang="zh-CN" altLang="en-US" sz="2000" dirty="0"/>
+          </a:p>
+        </p:txBody>
+      </p:sp>
+      <p:pic>
+        <p:nvPicPr>
+          <p:cNvPr id="20482" name="Picture 2"/>
+          <p:cNvPicPr>
+            <a:picLocks noChangeAspect="1" noChangeArrowheads="1"/>
+          </p:cNvPicPr>
+          <p:nvPr/>
+        </p:nvPicPr>
+        <p:blipFill>
+          <a:blip r:embed="rId2">
+            <a:extLst>
+              <a:ext uri="{28A0092B-C50C-407E-A947-70E740481C1C}">
+                <a14:useLocalDpi xmlns:a14="http://schemas.microsoft.com/office/drawing/2010/main" val="0"/>
+              </a:ext>
+            </a:extLst>
+          </a:blip>
+          <a:srcRect/>
+          <a:stretch>
+            <a:fillRect/>
+          </a:stretch>
+        </p:blipFill>
+        <p:spPr bwMode="auto">
+          <a:xfrm>
+            <a:off x="4139952" y="3001516"/>
+            <a:ext cx="4824536" cy="2565157"/>
+          </a:xfrm>
+          <a:prstGeom prst="rect">
+            <a:avLst/>
+          </a:prstGeom>
+          <a:noFill/>
+          <a:ln>
+            <a:noFill/>
+          </a:ln>
+          <a:effectLst/>
+          <a:extLst>
+            <a:ext uri="{909E8E84-426E-40DD-AFC4-6F175D3DCCD1}">
+              <a14:hiddenFill xmlns:a14="http://schemas.microsoft.com/office/drawing/2010/main">
+                <a:solidFill>
+                  <a:schemeClr val="accent1"/>
+                </a:solidFill>
+              </a14:hiddenFill>
+            </a:ext>
+            <a:ext uri="{91240B29-F687-4F45-9708-019B960494DF}">
+              <a14:hiddenLine xmlns:a14="http://schemas.microsoft.com/office/drawing/2010/main" w="9525">
+                <a:solidFill>
+                  <a:schemeClr val="tx1"/>
+                </a:solidFill>
+                <a:miter lim="800000"/>
+                <a:headEnd/>
+                <a:tailEnd/>
+              </a14:hiddenLine>
+            </a:ext>
+            <a:ext uri="{AF507438-7753-43E0-B8FC-AC1667EBCBE1}">
+              <a14:hiddenEffects xmlns:a14="http://schemas.microsoft.com/office/drawing/2010/main">
+                <a:effectLst>
+                  <a:outerShdw dist="35921" dir="2700000" algn="ctr" rotWithShape="0">
+                    <a:schemeClr val="bg2"/>
+                  </a:outerShdw>
+                </a:effectLst>
+              </a14:hiddenEffects>
+            </a:ext>
+          </a:extLst>
+        </p:spPr>
+      </p:pic>
+    </p:spTree>
+    <p:extLst>
+      <p:ext uri="{BB962C8B-B14F-4D97-AF65-F5344CB8AC3E}">
+        <p14:creationId xmlns:p14="http://schemas.microsoft.com/office/powerpoint/2010/main" val="494568200"/>
+      </p:ext>
+    </p:extLst>
+  </p:cSld>
+  <p:clrMapOvr>
+    <a:masterClrMapping/>
+  </p:clrMapOvr>
+  <p:timing>
+    <p:tnLst>
+      <p:par>
+        <p:cTn id="1" dur="indefinite" restart="never" nodeType="tmRoot"/>
+      </p:par>
+    </p:tnLst>
+  </p:timing>
+</p:sld>
+</file>
+
+<file path=ppt/slides/slide27.xml><?xml version="1.0" encoding="utf-8"?>
+<p:sld xmlns:a="http://schemas.openxmlformats.org/drawingml/2006/main" xmlns:r="http://schemas.openxmlformats.org/officeDocument/2006/relationships" xmlns:p="http://schemas.openxmlformats.org/presentationml/2006/main">
+  <p:cSld>
+    <p:spTree>
+      <p:nvGrpSpPr>
+        <p:cNvPr id="1" name=""/>
+        <p:cNvGrpSpPr/>
+        <p:nvPr/>
+      </p:nvGrpSpPr>
+      <p:grpSpPr>
+        <a:xfrm>
+          <a:off x="0" y="0"/>
+          <a:ext cx="0" cy="0"/>
+          <a:chOff x="0" y="0"/>
+          <a:chExt cx="0" cy="0"/>
+        </a:xfrm>
+      </p:grpSpPr>
+      <p:sp>
+        <p:nvSpPr>
+          <p:cNvPr id="2" name="标题 1"/>
+          <p:cNvSpPr>
+            <a:spLocks noGrp="1"/>
+          </p:cNvSpPr>
+          <p:nvPr>
+            <p:ph type="title"/>
+          </p:nvPr>
+        </p:nvSpPr>
+        <p:spPr/>
+        <p:txBody>
+          <a:bodyPr/>
+          <a:lstStyle/>
+          <a:p>
+            <a:endParaRPr lang="zh-CN" altLang="en-US"/>
+          </a:p>
+        </p:txBody>
+      </p:sp>
+      <p:sp>
+        <p:nvSpPr>
+          <p:cNvPr id="3" name="内容占位符 2"/>
+          <p:cNvSpPr>
+            <a:spLocks noGrp="1"/>
+          </p:cNvSpPr>
+          <p:nvPr>
+            <p:ph idx="1"/>
+          </p:nvPr>
+        </p:nvSpPr>
+        <p:spPr/>
+        <p:txBody>
+          <a:bodyPr/>
+          <a:lstStyle/>
+          <a:p>
+            <a:r>
+              <a:rPr lang="zh-CN" altLang="en-US" dirty="0" smtClean="0"/>
+              <a:t>创建任务</a:t>
+            </a:r>
+            <a:endParaRPr lang="en-US" altLang="zh-CN" dirty="0" smtClean="0"/>
+          </a:p>
+          <a:p>
+            <a:r>
+              <a:rPr lang="zh-CN" altLang="en-US" sz="2000" dirty="0"/>
+              <a:t>完</a:t>
+            </a:r>
+            <a:r>
+              <a:rPr lang="zh-CN" altLang="en-US" sz="2000" dirty="0" smtClean="0"/>
+              <a:t>成注释任务的参数设置之后可以点击最下方的按钮创建注释任务</a:t>
+            </a:r>
+            <a:endParaRPr lang="en-US" altLang="zh-CN" sz="2000" dirty="0" smtClean="0"/>
+          </a:p>
+          <a:p>
+            <a:r>
+              <a:rPr lang="zh-CN" altLang="en-US" sz="2000" dirty="0"/>
+              <a:t>可</a:t>
+            </a:r>
+            <a:r>
+              <a:rPr lang="zh-CN" altLang="en-US" sz="2000" dirty="0" smtClean="0"/>
+              <a:t>以点击任务标题的链接进行结果的查看</a:t>
+            </a:r>
+            <a:endParaRPr lang="zh-CN" altLang="en-US" sz="2000" dirty="0"/>
+          </a:p>
+        </p:txBody>
+      </p:sp>
+      <p:pic>
+        <p:nvPicPr>
+          <p:cNvPr id="21506" name="Picture 2"/>
+          <p:cNvPicPr>
+            <a:picLocks noChangeAspect="1" noChangeArrowheads="1"/>
+          </p:cNvPicPr>
+          <p:nvPr/>
+        </p:nvPicPr>
+        <p:blipFill>
+          <a:blip r:embed="rId2">
+            <a:extLst>
+              <a:ext uri="{28A0092B-C50C-407E-A947-70E740481C1C}">
+                <a14:useLocalDpi xmlns:a14="http://schemas.microsoft.com/office/drawing/2010/main" val="0"/>
+              </a:ext>
+            </a:extLst>
+          </a:blip>
+          <a:srcRect/>
+          <a:stretch>
+            <a:fillRect/>
+          </a:stretch>
+        </p:blipFill>
+        <p:spPr bwMode="auto">
+          <a:xfrm>
+            <a:off x="1487363" y="2803001"/>
+            <a:ext cx="1666496" cy="2692534"/>
+          </a:xfrm>
+          <a:prstGeom prst="rect">
+            <a:avLst/>
+          </a:prstGeom>
+          <a:noFill/>
+          <a:ln>
+            <a:noFill/>
+          </a:ln>
+          <a:effectLst/>
+          <a:extLst>
+            <a:ext uri="{909E8E84-426E-40DD-AFC4-6F175D3DCCD1}">
+              <a14:hiddenFill xmlns:a14="http://schemas.microsoft.com/office/drawing/2010/main">
+                <a:solidFill>
+                  <a:schemeClr val="accent1"/>
+                </a:solidFill>
+              </a14:hiddenFill>
+            </a:ext>
+            <a:ext uri="{91240B29-F687-4F45-9708-019B960494DF}">
+              <a14:hiddenLine xmlns:a14="http://schemas.microsoft.com/office/drawing/2010/main" w="9525">
+                <a:solidFill>
+                  <a:schemeClr val="tx1"/>
+                </a:solidFill>
+                <a:miter lim="800000"/>
+                <a:headEnd/>
+                <a:tailEnd/>
+              </a14:hiddenLine>
+            </a:ext>
+            <a:ext uri="{AF507438-7753-43E0-B8FC-AC1667EBCBE1}">
+              <a14:hiddenEffects xmlns:a14="http://schemas.microsoft.com/office/drawing/2010/main">
+                <a:effectLst>
+                  <a:outerShdw dist="35921" dir="2700000" algn="ctr" rotWithShape="0">
+                    <a:schemeClr val="bg2"/>
+                  </a:outerShdw>
+                </a:effectLst>
+              </a14:hiddenEffects>
+            </a:ext>
+          </a:extLst>
+        </p:spPr>
+      </p:pic>
+      <p:pic>
+        <p:nvPicPr>
+          <p:cNvPr id="21507" name="Picture 3"/>
+          <p:cNvPicPr>
+            <a:picLocks noChangeAspect="1" noChangeArrowheads="1"/>
+          </p:cNvPicPr>
+          <p:nvPr/>
+        </p:nvPicPr>
+        <p:blipFill>
+          <a:blip r:embed="rId3">
+            <a:extLst>
+              <a:ext uri="{28A0092B-C50C-407E-A947-70E740481C1C}">
+                <a14:useLocalDpi xmlns:a14="http://schemas.microsoft.com/office/drawing/2010/main" val="0"/>
+              </a:ext>
+            </a:extLst>
+          </a:blip>
+          <a:srcRect/>
+          <a:stretch>
+            <a:fillRect/>
+          </a:stretch>
+        </p:blipFill>
+        <p:spPr bwMode="auto">
+          <a:xfrm>
+            <a:off x="4499992" y="3217540"/>
+            <a:ext cx="3495675" cy="1704975"/>
+          </a:xfrm>
+          <a:prstGeom prst="rect">
+            <a:avLst/>
+          </a:prstGeom>
+          <a:noFill/>
+          <a:ln>
+            <a:noFill/>
+          </a:ln>
+          <a:effectLst/>
+          <a:extLst>
+            <a:ext uri="{909E8E84-426E-40DD-AFC4-6F175D3DCCD1}">
+              <a14:hiddenFill xmlns:a14="http://schemas.microsoft.com/office/drawing/2010/main">
+                <a:solidFill>
+                  <a:schemeClr val="accent1"/>
+                </a:solidFill>
+              </a14:hiddenFill>
+            </a:ext>
+            <a:ext uri="{91240B29-F687-4F45-9708-019B960494DF}">
+              <a14:hiddenLine xmlns:a14="http://schemas.microsoft.com/office/drawing/2010/main" w="9525">
+                <a:solidFill>
+                  <a:schemeClr val="tx1"/>
+                </a:solidFill>
+                <a:miter lim="800000"/>
+                <a:headEnd/>
+                <a:tailEnd/>
+              </a14:hiddenLine>
+            </a:ext>
+            <a:ext uri="{AF507438-7753-43E0-B8FC-AC1667EBCBE1}">
+              <a14:hiddenEffects xmlns:a14="http://schemas.microsoft.com/office/drawing/2010/main">
+                <a:effectLst>
+                  <a:outerShdw dist="35921" dir="2700000" algn="ctr" rotWithShape="0">
+                    <a:schemeClr val="bg2"/>
+                  </a:outerShdw>
+                </a:effectLst>
+              </a14:hiddenEffects>
+            </a:ext>
+          </a:extLst>
+        </p:spPr>
+      </p:pic>
+      <p:sp>
+        <p:nvSpPr>
+          <p:cNvPr id="4" name="矩形 3"/>
+          <p:cNvSpPr/>
+          <p:nvPr/>
+        </p:nvSpPr>
+        <p:spPr>
+          <a:xfrm>
+            <a:off x="1492618" y="5062523"/>
+            <a:ext cx="720080" cy="433011"/>
+          </a:xfrm>
+          <a:prstGeom prst="rect">
+            <a:avLst/>
+          </a:prstGeom>
+          <a:noFill/>
+          <a:ln>
+            <a:solidFill>
+              <a:srgbClr val="FF0000"/>
+            </a:solidFill>
+          </a:ln>
+        </p:spPr>
+        <p:style>
+          <a:lnRef idx="2">
+            <a:schemeClr val="accent1">
+              <a:shade val="50000"/>
+            </a:schemeClr>
+          </a:lnRef>
+          <a:fillRef idx="1">
+            <a:schemeClr val="accent1"/>
+          </a:fillRef>
+          <a:effectRef idx="0">
+            <a:schemeClr val="accent1"/>
+          </a:effectRef>
+          <a:fontRef idx="minor">
+            <a:schemeClr val="lt1"/>
+          </a:fontRef>
+        </p:style>
+        <p:txBody>
+          <a:bodyPr rtlCol="0" anchor="ctr"/>
+          <a:lstStyle/>
+          <a:p>
+            <a:pPr algn="ctr"/>
+            <a:endParaRPr lang="zh-CN" altLang="en-US"/>
+          </a:p>
+        </p:txBody>
+      </p:sp>
+      <p:sp>
+        <p:nvSpPr>
+          <p:cNvPr id="7" name="矩形 6"/>
+          <p:cNvSpPr/>
+          <p:nvPr/>
+        </p:nvSpPr>
+        <p:spPr>
+          <a:xfrm>
+            <a:off x="4932040" y="4149268"/>
+            <a:ext cx="1080120" cy="432048"/>
+          </a:xfrm>
+          <a:prstGeom prst="rect">
+            <a:avLst/>
+          </a:prstGeom>
+          <a:noFill/>
+          <a:ln>
+            <a:solidFill>
+              <a:srgbClr val="FF0000"/>
+            </a:solidFill>
+          </a:ln>
+        </p:spPr>
+        <p:style>
+          <a:lnRef idx="2">
+            <a:schemeClr val="accent1">
+              <a:shade val="50000"/>
+            </a:schemeClr>
+          </a:lnRef>
+          <a:fillRef idx="1">
+            <a:schemeClr val="accent1"/>
+          </a:fillRef>
+          <a:effectRef idx="0">
+            <a:schemeClr val="accent1"/>
+          </a:effectRef>
+          <a:fontRef idx="minor">
+            <a:schemeClr val="lt1"/>
+          </a:fontRef>
+        </p:style>
+        <p:txBody>
+          <a:bodyPr rtlCol="0" anchor="ctr"/>
+          <a:lstStyle/>
+          <a:p>
+            <a:pPr algn="ctr"/>
+            <a:endParaRPr lang="zh-CN" altLang="en-US"/>
+          </a:p>
+        </p:txBody>
+      </p:sp>
+      <p:cxnSp>
+        <p:nvCxnSpPr>
+          <p:cNvPr id="8" name="肘形连接符 7"/>
+          <p:cNvCxnSpPr>
+            <a:stCxn id="4" idx="3"/>
+            <a:endCxn id="7" idx="1"/>
+          </p:cNvCxnSpPr>
+          <p:nvPr/>
+        </p:nvCxnSpPr>
+        <p:spPr>
+          <a:xfrm flipV="1">
+            <a:off x="2212698" y="4365292"/>
+            <a:ext cx="2719342" cy="913737"/>
+          </a:xfrm>
+          <a:prstGeom prst="bentConnector3">
+            <a:avLst>
+              <a:gd name="adj1" fmla="val 50000"/>
+            </a:avLst>
+          </a:prstGeom>
+          <a:ln w="63500">
+            <a:tailEnd type="triangle"/>
+          </a:ln>
+        </p:spPr>
+        <p:style>
+          <a:lnRef idx="3">
+            <a:schemeClr val="accent1"/>
+          </a:lnRef>
+          <a:fillRef idx="0">
+            <a:schemeClr val="accent1"/>
+          </a:fillRef>
+          <a:effectRef idx="2">
+            <a:schemeClr val="accent1"/>
+          </a:effectRef>
+          <a:fontRef idx="minor">
+            <a:schemeClr val="tx1"/>
+          </a:fontRef>
+        </p:style>
+      </p:cxnSp>
+    </p:spTree>
+    <p:extLst>
+      <p:ext uri="{BB962C8B-B14F-4D97-AF65-F5344CB8AC3E}">
+        <p14:creationId xmlns:p14="http://schemas.microsoft.com/office/powerpoint/2010/main" val="2962271439"/>
+      </p:ext>
+    </p:extLst>
+  </p:cSld>
+  <p:clrMapOvr>
+    <a:masterClrMapping/>
+  </p:clrMapOvr>
+  <p:timing>
+    <p:tnLst>
+      <p:par>
+        <p:cTn id="1" dur="indefinite" restart="never" nodeType="tmRoot"/>
+      </p:par>
+    </p:tnLst>
+  </p:timing>
+</p:sld>
+</file>
+
+<file path=ppt/slides/slide28.xml><?xml version="1.0" encoding="utf-8"?>
+<p:sld xmlns:a="http://schemas.openxmlformats.org/drawingml/2006/main" xmlns:r="http://schemas.openxmlformats.org/officeDocument/2006/relationships" xmlns:p="http://schemas.openxmlformats.org/presentationml/2006/main">
+  <p:cSld>
+    <p:spTree>
+      <p:nvGrpSpPr>
+        <p:cNvPr id="1" name=""/>
+        <p:cNvGrpSpPr/>
+        <p:nvPr/>
+      </p:nvGrpSpPr>
+      <p:grpSpPr>
+        <a:xfrm>
+          <a:off x="0" y="0"/>
+          <a:ext cx="0" cy="0"/>
+          <a:chOff x="0" y="0"/>
+          <a:chExt cx="0" cy="0"/>
+        </a:xfrm>
+      </p:grpSpPr>
+      <p:sp>
+        <p:nvSpPr>
+          <p:cNvPr id="2" name="标题 1"/>
+          <p:cNvSpPr>
+            <a:spLocks noGrp="1"/>
+          </p:cNvSpPr>
+          <p:nvPr>
+            <p:ph type="title"/>
+          </p:nvPr>
+        </p:nvSpPr>
+        <p:spPr/>
+        <p:txBody>
+          <a:bodyPr/>
+          <a:lstStyle/>
+          <a:p>
+            <a:endParaRPr lang="zh-CN" altLang="en-US"/>
+          </a:p>
+        </p:txBody>
+      </p:sp>
+      <p:sp>
+        <p:nvSpPr>
+          <p:cNvPr id="3" name="内容占位符 2"/>
+          <p:cNvSpPr>
+            <a:spLocks noGrp="1"/>
+          </p:cNvSpPr>
+          <p:nvPr>
+            <p:ph idx="1"/>
+          </p:nvPr>
+        </p:nvSpPr>
+        <p:spPr/>
+        <p:txBody>
+          <a:bodyPr/>
+          <a:lstStyle/>
+          <a:p>
+            <a:r>
+              <a:rPr lang="zh-CN" altLang="en-US" dirty="0"/>
+              <a:t>查</a:t>
+            </a:r>
+            <a:r>
+              <a:rPr lang="zh-CN" altLang="en-US" dirty="0" smtClean="0"/>
+              <a:t>看注释结果</a:t>
+            </a:r>
+            <a:endParaRPr lang="en-US" altLang="zh-CN" dirty="0" smtClean="0"/>
+          </a:p>
+          <a:p>
+            <a:r>
+              <a:rPr lang="zh-CN" altLang="en-US" dirty="0" smtClean="0"/>
+              <a:t>在结果表格之中，可以查看鉴定结果小分子化合物的基本属性，</a:t>
+            </a:r>
+            <a:r>
+              <a:rPr lang="en-US" altLang="zh-CN" dirty="0" smtClean="0"/>
+              <a:t>BioDeep</a:t>
+            </a:r>
+            <a:r>
+              <a:rPr lang="zh-CN" altLang="en-US" dirty="0" smtClean="0"/>
+              <a:t>数据库编号和鉴定的结果判定依据</a:t>
+            </a:r>
+            <a:endParaRPr lang="en-US" altLang="zh-CN" dirty="0" smtClean="0"/>
+          </a:p>
+          <a:p>
+            <a:endParaRPr lang="zh-CN" altLang="en-US" dirty="0"/>
+          </a:p>
+        </p:txBody>
+      </p:sp>
+      <p:pic>
+        <p:nvPicPr>
+          <p:cNvPr id="22530" name="Picture 2"/>
+          <p:cNvPicPr>
+            <a:picLocks noChangeAspect="1" noChangeArrowheads="1"/>
+          </p:cNvPicPr>
+          <p:nvPr/>
+        </p:nvPicPr>
+        <p:blipFill>
+          <a:blip r:embed="rId2">
+            <a:extLst>
+              <a:ext uri="{28A0092B-C50C-407E-A947-70E740481C1C}">
+                <a14:useLocalDpi xmlns:a14="http://schemas.microsoft.com/office/drawing/2010/main" val="0"/>
+              </a:ext>
+            </a:extLst>
+          </a:blip>
+          <a:srcRect/>
+          <a:stretch>
+            <a:fillRect/>
+          </a:stretch>
+        </p:blipFill>
+        <p:spPr bwMode="auto">
+          <a:xfrm>
+            <a:off x="899592" y="3580972"/>
+            <a:ext cx="7375126" cy="1909812"/>
+          </a:xfrm>
+          <a:prstGeom prst="rect">
+            <a:avLst/>
+          </a:prstGeom>
+          <a:noFill/>
+          <a:ln>
+            <a:noFill/>
+          </a:ln>
+          <a:effectLst/>
+          <a:extLst>
+            <a:ext uri="{909E8E84-426E-40DD-AFC4-6F175D3DCCD1}">
+              <a14:hiddenFill xmlns:a14="http://schemas.microsoft.com/office/drawing/2010/main">
+                <a:solidFill>
+                  <a:schemeClr val="accent1"/>
+                </a:solidFill>
+              </a14:hiddenFill>
+            </a:ext>
+            <a:ext uri="{91240B29-F687-4F45-9708-019B960494DF}">
+              <a14:hiddenLine xmlns:a14="http://schemas.microsoft.com/office/drawing/2010/main" w="9525">
+                <a:solidFill>
+                  <a:schemeClr val="tx1"/>
+                </a:solidFill>
+                <a:miter lim="800000"/>
+                <a:headEnd/>
+                <a:tailEnd/>
+              </a14:hiddenLine>
+            </a:ext>
+            <a:ext uri="{AF507438-7753-43E0-B8FC-AC1667EBCBE1}">
+              <a14:hiddenEffects xmlns:a14="http://schemas.microsoft.com/office/drawing/2010/main">
+                <a:effectLst>
+                  <a:outerShdw dist="35921" dir="2700000" algn="ctr" rotWithShape="0">
+                    <a:schemeClr val="bg2"/>
+                  </a:outerShdw>
+                </a:effectLst>
+              </a14:hiddenEffects>
+            </a:ext>
+          </a:extLst>
+        </p:spPr>
+      </p:pic>
+    </p:spTree>
+    <p:extLst>
+      <p:ext uri="{BB962C8B-B14F-4D97-AF65-F5344CB8AC3E}">
+        <p14:creationId xmlns:p14="http://schemas.microsoft.com/office/powerpoint/2010/main" val="750672338"/>
+      </p:ext>
+    </p:extLst>
+  </p:cSld>
+  <p:clrMapOvr>
+    <a:masterClrMapping/>
+  </p:clrMapOvr>
+  <p:timing>
+    <p:tnLst>
+      <p:par>
+        <p:cTn id="1" dur="indefinite" restart="never" nodeType="tmRoot"/>
+      </p:par>
+    </p:tnLst>
+  </p:timing>
+</p:sld>
+</file>
+
+<file path=ppt/slides/slide29.xml><?xml version="1.0" encoding="utf-8"?>
+<p:sld xmlns:a="http://schemas.openxmlformats.org/drawingml/2006/main" xmlns:r="http://schemas.openxmlformats.org/officeDocument/2006/relationships" xmlns:p="http://schemas.openxmlformats.org/presentationml/2006/main">
+  <p:cSld>
+    <p:spTree>
+      <p:nvGrpSpPr>
+        <p:cNvPr id="1" name=""/>
+        <p:cNvGrpSpPr/>
+        <p:nvPr/>
+      </p:nvGrpSpPr>
+      <p:grpSpPr>
+        <a:xfrm>
+          <a:off x="0" y="0"/>
+          <a:ext cx="0" cy="0"/>
+          <a:chOff x="0" y="0"/>
+          <a:chExt cx="0" cy="0"/>
+        </a:xfrm>
+      </p:grpSpPr>
+      <p:sp>
+        <p:nvSpPr>
+          <p:cNvPr id="2" name="标题 1"/>
+          <p:cNvSpPr>
+            <a:spLocks noGrp="1"/>
+          </p:cNvSpPr>
+          <p:nvPr>
+            <p:ph type="title"/>
+          </p:nvPr>
+        </p:nvSpPr>
+        <p:spPr/>
+        <p:txBody>
+          <a:bodyPr/>
+          <a:lstStyle/>
+          <a:p>
+            <a:endParaRPr lang="zh-CN" altLang="en-US"/>
+          </a:p>
+        </p:txBody>
+      </p:sp>
+      <p:pic>
+        <p:nvPicPr>
+          <p:cNvPr id="4" name="Picture 2"/>
+          <p:cNvPicPr>
+            <a:picLocks noChangeAspect="1" noChangeArrowheads="1"/>
+          </p:cNvPicPr>
+          <p:nvPr/>
+        </p:nvPicPr>
+        <p:blipFill>
+          <a:blip r:embed="rId2">
+            <a:extLst>
+              <a:ext uri="{28A0092B-C50C-407E-A947-70E740481C1C}">
+                <a14:useLocalDpi xmlns:a14="http://schemas.microsoft.com/office/drawing/2010/main" val="0"/>
+              </a:ext>
+            </a:extLst>
+          </a:blip>
+          <a:srcRect/>
+          <a:stretch>
+            <a:fillRect/>
+          </a:stretch>
+        </p:blipFill>
+        <p:spPr bwMode="auto">
+          <a:xfrm>
+            <a:off x="467544" y="3505572"/>
+            <a:ext cx="8102520" cy="2098173"/>
+          </a:xfrm>
+          <a:prstGeom prst="rect">
+            <a:avLst/>
+          </a:prstGeom>
+          <a:noFill/>
+          <a:ln>
+            <a:noFill/>
+          </a:ln>
+          <a:effectLst/>
+          <a:extLst>
+            <a:ext uri="{909E8E84-426E-40DD-AFC4-6F175D3DCCD1}">
+              <a14:hiddenFill xmlns:a14="http://schemas.microsoft.com/office/drawing/2010/main">
+                <a:solidFill>
+                  <a:schemeClr val="accent1"/>
+                </a:solidFill>
+              </a14:hiddenFill>
+            </a:ext>
+            <a:ext uri="{91240B29-F687-4F45-9708-019B960494DF}">
+              <a14:hiddenLine xmlns:a14="http://schemas.microsoft.com/office/drawing/2010/main" w="9525">
+                <a:solidFill>
+                  <a:schemeClr val="tx1"/>
+                </a:solidFill>
+                <a:miter lim="800000"/>
+                <a:headEnd/>
+                <a:tailEnd/>
+              </a14:hiddenLine>
+            </a:ext>
+            <a:ext uri="{AF507438-7753-43E0-B8FC-AC1667EBCBE1}">
+              <a14:hiddenEffects xmlns:a14="http://schemas.microsoft.com/office/drawing/2010/main">
+                <a:effectLst>
+                  <a:outerShdw dist="35921" dir="2700000" algn="ctr" rotWithShape="0">
+                    <a:schemeClr val="bg2"/>
+                  </a:outerShdw>
+                </a:effectLst>
+              </a14:hiddenEffects>
+            </a:ext>
+          </a:extLst>
+        </p:spPr>
+      </p:pic>
+      <p:sp>
+        <p:nvSpPr>
+          <p:cNvPr id="5" name="矩形 4"/>
+          <p:cNvSpPr/>
+          <p:nvPr/>
+        </p:nvSpPr>
+        <p:spPr>
+          <a:xfrm>
+            <a:off x="1168560" y="3433564"/>
+            <a:ext cx="2179303" cy="2016224"/>
+          </a:xfrm>
+          <a:prstGeom prst="rect">
+            <a:avLst/>
+          </a:prstGeom>
+          <a:noFill/>
+          <a:ln>
+            <a:solidFill>
+              <a:srgbClr val="FF0000"/>
+            </a:solidFill>
+          </a:ln>
+        </p:spPr>
+        <p:style>
+          <a:lnRef idx="2">
+            <a:schemeClr val="accent1">
+              <a:shade val="50000"/>
+            </a:schemeClr>
+          </a:lnRef>
+          <a:fillRef idx="1">
+            <a:schemeClr val="accent1"/>
+          </a:fillRef>
+          <a:effectRef idx="0">
+            <a:schemeClr val="accent1"/>
+          </a:effectRef>
+          <a:fontRef idx="minor">
+            <a:schemeClr val="lt1"/>
+          </a:fontRef>
+        </p:style>
+        <p:txBody>
+          <a:bodyPr rtlCol="0" anchor="ctr"/>
+          <a:lstStyle/>
+          <a:p>
+            <a:pPr algn="ctr"/>
+            <a:endParaRPr lang="zh-CN" altLang="en-US"/>
+          </a:p>
+        </p:txBody>
+      </p:sp>
+      <p:sp>
+        <p:nvSpPr>
+          <p:cNvPr id="6" name="矩形 5"/>
+          <p:cNvSpPr/>
+          <p:nvPr/>
+        </p:nvSpPr>
+        <p:spPr>
+          <a:xfrm>
+            <a:off x="6228184" y="3433563"/>
+            <a:ext cx="2341880" cy="2170181"/>
+          </a:xfrm>
+          <a:prstGeom prst="rect">
+            <a:avLst/>
+          </a:prstGeom>
+          <a:noFill/>
+          <a:ln>
+            <a:solidFill>
+              <a:srgbClr val="FF0000"/>
+            </a:solidFill>
+          </a:ln>
+        </p:spPr>
+        <p:style>
+          <a:lnRef idx="2">
+            <a:schemeClr val="accent1">
+              <a:shade val="50000"/>
+            </a:schemeClr>
+          </a:lnRef>
+          <a:fillRef idx="1">
+            <a:schemeClr val="accent1"/>
+          </a:fillRef>
+          <a:effectRef idx="0">
+            <a:schemeClr val="accent1"/>
+          </a:effectRef>
+          <a:fontRef idx="minor">
+            <a:schemeClr val="lt1"/>
+          </a:fontRef>
+        </p:style>
+        <p:txBody>
+          <a:bodyPr rtlCol="0" anchor="ctr"/>
+          <a:lstStyle/>
+          <a:p>
+            <a:pPr algn="ctr"/>
+            <a:endParaRPr lang="zh-CN" altLang="en-US"/>
+          </a:p>
+        </p:txBody>
+      </p:sp>
+      <p:sp>
+        <p:nvSpPr>
+          <p:cNvPr id="7" name="矩形 6"/>
+          <p:cNvSpPr/>
+          <p:nvPr/>
+        </p:nvSpPr>
+        <p:spPr>
+          <a:xfrm>
+            <a:off x="3429153" y="3426662"/>
+            <a:ext cx="2150960" cy="2095133"/>
+          </a:xfrm>
+          <a:prstGeom prst="rect">
+            <a:avLst/>
+          </a:prstGeom>
+          <a:noFill/>
+          <a:ln>
+            <a:solidFill>
+              <a:srgbClr val="FF0000"/>
+            </a:solidFill>
+          </a:ln>
+        </p:spPr>
+        <p:style>
+          <a:lnRef idx="2">
+            <a:schemeClr val="accent1">
+              <a:shade val="50000"/>
+            </a:schemeClr>
+          </a:lnRef>
+          <a:fillRef idx="1">
+            <a:schemeClr val="accent1"/>
+          </a:fillRef>
+          <a:effectRef idx="0">
+            <a:schemeClr val="accent1"/>
+          </a:effectRef>
+          <a:fontRef idx="minor">
+            <a:schemeClr val="lt1"/>
+          </a:fontRef>
+        </p:style>
+        <p:txBody>
+          <a:bodyPr rtlCol="0" anchor="ctr"/>
+          <a:lstStyle/>
+          <a:p>
+            <a:pPr algn="ctr"/>
+            <a:endParaRPr lang="zh-CN" altLang="en-US"/>
+          </a:p>
+        </p:txBody>
+      </p:sp>
+      <p:cxnSp>
+        <p:nvCxnSpPr>
+          <p:cNvPr id="8" name="肘形连接符 7"/>
+          <p:cNvCxnSpPr>
+            <a:stCxn id="9" idx="2"/>
+            <a:endCxn id="5" idx="0"/>
+          </p:cNvCxnSpPr>
+          <p:nvPr/>
+        </p:nvCxnSpPr>
+        <p:spPr>
+          <a:xfrm rot="16200000" flipH="1">
+            <a:off x="1345040" y="2520391"/>
+            <a:ext cx="611741" cy="1214604"/>
+          </a:xfrm>
+          <a:prstGeom prst="bentConnector3">
+            <a:avLst>
+              <a:gd name="adj1" fmla="val 50000"/>
+            </a:avLst>
+          </a:prstGeom>
+          <a:ln w="63500">
+            <a:tailEnd type="triangle"/>
+          </a:ln>
+        </p:spPr>
+        <p:style>
+          <a:lnRef idx="3">
+            <a:schemeClr val="accent1"/>
+          </a:lnRef>
+          <a:fillRef idx="0">
+            <a:schemeClr val="accent1"/>
+          </a:fillRef>
+          <a:effectRef idx="2">
+            <a:schemeClr val="accent1"/>
+          </a:effectRef>
+          <a:fontRef idx="minor">
+            <a:schemeClr val="tx1"/>
+          </a:fontRef>
+        </p:style>
+      </p:cxnSp>
+      <p:sp>
+        <p:nvSpPr>
+          <p:cNvPr id="9" name="折角形 8"/>
+          <p:cNvSpPr/>
+          <p:nvPr/>
+        </p:nvSpPr>
+        <p:spPr>
+          <a:xfrm>
+            <a:off x="179512" y="1525679"/>
+            <a:ext cx="1728192" cy="1296144"/>
+          </a:xfrm>
+          <a:prstGeom prst="foldedCorner">
+            <a:avLst/>
+          </a:prstGeom>
+        </p:spPr>
+        <p:style>
+          <a:lnRef idx="1">
+            <a:schemeClr val="accent3"/>
+          </a:lnRef>
+          <a:fillRef idx="3">
+            <a:schemeClr val="accent3"/>
+          </a:fillRef>
+          <a:effectRef idx="2">
+            <a:schemeClr val="accent3"/>
+          </a:effectRef>
+          <a:fontRef idx="minor">
+            <a:schemeClr val="lt1"/>
+          </a:fontRef>
+        </p:style>
+        <p:txBody>
+          <a:bodyPr rtlCol="0" anchor="ctr"/>
+          <a:lstStyle/>
+          <a:p>
+            <a:pPr algn="ctr"/>
+            <a:r>
+              <a:rPr lang="zh-CN" altLang="en-US" sz="1600" dirty="0" smtClean="0"/>
+              <a:t>点击链接将会进行</a:t>
+            </a:r>
+            <a:r>
+              <a:rPr lang="en-US" altLang="zh-CN" sz="1600" dirty="0" smtClean="0"/>
+              <a:t>BioDeep</a:t>
+            </a:r>
+            <a:r>
+              <a:rPr lang="zh-CN" altLang="en-US" sz="1600" dirty="0" smtClean="0"/>
+              <a:t>数据库查询</a:t>
+            </a:r>
+            <a:endParaRPr lang="zh-CN" altLang="en-US" sz="1600" dirty="0"/>
+          </a:p>
+        </p:txBody>
+      </p:sp>
+      <p:sp>
+        <p:nvSpPr>
+          <p:cNvPr id="12" name="折角形 11"/>
+          <p:cNvSpPr/>
+          <p:nvPr/>
+        </p:nvSpPr>
+        <p:spPr>
+          <a:xfrm>
+            <a:off x="1991715" y="1550445"/>
+            <a:ext cx="1728192" cy="1296144"/>
+          </a:xfrm>
+          <a:prstGeom prst="foldedCorner">
+            <a:avLst/>
+          </a:prstGeom>
+        </p:spPr>
+        <p:style>
+          <a:lnRef idx="1">
+            <a:schemeClr val="accent3"/>
+          </a:lnRef>
+          <a:fillRef idx="3">
+            <a:schemeClr val="accent3"/>
+          </a:fillRef>
+          <a:effectRef idx="2">
+            <a:schemeClr val="accent3"/>
+          </a:effectRef>
+          <a:fontRef idx="minor">
+            <a:schemeClr val="lt1"/>
+          </a:fontRef>
+        </p:style>
+        <p:txBody>
+          <a:bodyPr rtlCol="0" anchor="ctr"/>
+          <a:lstStyle/>
+          <a:p>
+            <a:pPr algn="ctr"/>
+            <a:r>
+              <a:rPr lang="zh-CN" altLang="en-US" sz="1600" dirty="0" smtClean="0"/>
+              <a:t>点击行数据将会显示详细的二级质谱图比对结果</a:t>
+            </a:r>
+            <a:endParaRPr lang="zh-CN" altLang="en-US" sz="1600" dirty="0"/>
+          </a:p>
+        </p:txBody>
+      </p:sp>
+      <p:sp>
+        <p:nvSpPr>
+          <p:cNvPr id="17" name="折角形 16"/>
+          <p:cNvSpPr/>
+          <p:nvPr/>
+        </p:nvSpPr>
+        <p:spPr>
+          <a:xfrm>
+            <a:off x="7236296" y="1550446"/>
+            <a:ext cx="1728192" cy="1296144"/>
+          </a:xfrm>
+          <a:prstGeom prst="foldedCorner">
+            <a:avLst/>
+          </a:prstGeom>
+        </p:spPr>
+        <p:style>
+          <a:lnRef idx="1">
+            <a:schemeClr val="accent3"/>
+          </a:lnRef>
+          <a:fillRef idx="3">
+            <a:schemeClr val="accent3"/>
+          </a:fillRef>
+          <a:effectRef idx="2">
+            <a:schemeClr val="accent3"/>
+          </a:effectRef>
+          <a:fontRef idx="minor">
+            <a:schemeClr val="lt1"/>
+          </a:fontRef>
+        </p:style>
+        <p:txBody>
+          <a:bodyPr rtlCol="0" anchor="ctr"/>
+          <a:lstStyle/>
+          <a:p>
+            <a:pPr algn="ctr"/>
+            <a:r>
+              <a:rPr lang="zh-CN" altLang="en-US" sz="1600" dirty="0" smtClean="0"/>
+              <a:t>鉴定结果依据</a:t>
+            </a:r>
+            <a:endParaRPr lang="zh-CN" altLang="en-US" sz="1600" dirty="0"/>
+          </a:p>
+        </p:txBody>
+      </p:sp>
+      <p:cxnSp>
+        <p:nvCxnSpPr>
+          <p:cNvPr id="18" name="肘形连接符 17"/>
+          <p:cNvCxnSpPr>
+            <a:stCxn id="17" idx="2"/>
+            <a:endCxn id="6" idx="0"/>
+          </p:cNvCxnSpPr>
+          <p:nvPr/>
+        </p:nvCxnSpPr>
+        <p:spPr>
+          <a:xfrm rot="5400000">
+            <a:off x="7456272" y="2789442"/>
+            <a:ext cx="586973" cy="701268"/>
+          </a:xfrm>
+          <a:prstGeom prst="bentConnector3">
+            <a:avLst>
+              <a:gd name="adj1" fmla="val 50000"/>
+            </a:avLst>
+          </a:prstGeom>
+          <a:ln w="63500">
+            <a:tailEnd type="triangle"/>
+          </a:ln>
+        </p:spPr>
+        <p:style>
+          <a:lnRef idx="3">
+            <a:schemeClr val="accent1"/>
+          </a:lnRef>
+          <a:fillRef idx="0">
+            <a:schemeClr val="accent1"/>
+          </a:fillRef>
+          <a:effectRef idx="2">
+            <a:schemeClr val="accent1"/>
+          </a:effectRef>
+          <a:fontRef idx="minor">
+            <a:schemeClr val="tx1"/>
+          </a:fontRef>
+        </p:style>
+      </p:cxnSp>
+      <p:pic>
+        <p:nvPicPr>
+          <p:cNvPr id="23554" name="Picture 2" descr="C:\Temp\Rar$DIa0.513\407.2776@725_Cholic_acid.png"/>
+          <p:cNvPicPr>
+            <a:picLocks noChangeAspect="1" noChangeArrowheads="1"/>
+          </p:cNvPicPr>
+          <p:nvPr/>
+        </p:nvPicPr>
+        <p:blipFill>
+          <a:blip r:embed="rId3" cstate="print">
+            <a:extLst>
+              <a:ext uri="{28A0092B-C50C-407E-A947-70E740481C1C}">
+                <a14:useLocalDpi xmlns:a14="http://schemas.microsoft.com/office/drawing/2010/main" val="0"/>
+              </a:ext>
+            </a:extLst>
+          </a:blip>
+          <a:srcRect/>
+          <a:stretch>
+            <a:fillRect/>
+          </a:stretch>
+        </p:blipFill>
+        <p:spPr bwMode="auto">
+          <a:xfrm>
+            <a:off x="3746778" y="193204"/>
+            <a:ext cx="3456384" cy="2304256"/>
+          </a:xfrm>
+          <a:prstGeom prst="rect">
+            <a:avLst/>
+          </a:prstGeom>
+          <a:noFill/>
+          <a:extLst>
+            <a:ext uri="{909E8E84-426E-40DD-AFC4-6F175D3DCCD1}">
+              <a14:hiddenFill xmlns:a14="http://schemas.microsoft.com/office/drawing/2010/main">
+                <a:solidFill>
+                  <a:srgbClr val="FFFFFF"/>
+                </a:solidFill>
+              </a14:hiddenFill>
+            </a:ext>
+          </a:extLst>
+        </p:spPr>
+      </p:pic>
+      <p:cxnSp>
+        <p:nvCxnSpPr>
+          <p:cNvPr id="32" name="肘形连接符 31"/>
+          <p:cNvCxnSpPr>
+            <a:stCxn id="7" idx="0"/>
+            <a:endCxn id="23554" idx="2"/>
+          </p:cNvCxnSpPr>
+          <p:nvPr/>
+        </p:nvCxnSpPr>
+        <p:spPr>
+          <a:xfrm rot="5400000" flipH="1" flipV="1">
+            <a:off x="4525200" y="2476893"/>
+            <a:ext cx="929202" cy="970337"/>
+          </a:xfrm>
+          <a:prstGeom prst="bentConnector3">
+            <a:avLst>
+              <a:gd name="adj1" fmla="val 50000"/>
+            </a:avLst>
+          </a:prstGeom>
+          <a:ln w="63500">
+            <a:solidFill>
+              <a:srgbClr val="00B050"/>
+            </a:solidFill>
+            <a:tailEnd type="triangle"/>
+          </a:ln>
+        </p:spPr>
+        <p:style>
+          <a:lnRef idx="3">
+            <a:schemeClr val="accent1"/>
+          </a:lnRef>
+          <a:fillRef idx="0">
+            <a:schemeClr val="accent1"/>
+          </a:fillRef>
+          <a:effectRef idx="2">
+            <a:schemeClr val="accent1"/>
+          </a:effectRef>
+          <a:fontRef idx="minor">
+            <a:schemeClr val="tx1"/>
+          </a:fontRef>
+        </p:style>
+      </p:cxnSp>
+      <p:cxnSp>
+        <p:nvCxnSpPr>
+          <p:cNvPr id="13" name="肘形连接符 12"/>
+          <p:cNvCxnSpPr>
+            <a:stCxn id="12" idx="2"/>
+            <a:endCxn id="7" idx="0"/>
+          </p:cNvCxnSpPr>
+          <p:nvPr/>
+        </p:nvCxnSpPr>
+        <p:spPr>
+          <a:xfrm rot="16200000" flipH="1">
+            <a:off x="3390186" y="2312214"/>
+            <a:ext cx="580073" cy="1648822"/>
+          </a:xfrm>
+          <a:prstGeom prst="bentConnector3">
+            <a:avLst>
+              <a:gd name="adj1" fmla="val 50000"/>
+            </a:avLst>
+          </a:prstGeom>
+          <a:ln w="63500">
+            <a:tailEnd type="triangle"/>
+          </a:ln>
+        </p:spPr>
+        <p:style>
+          <a:lnRef idx="3">
+            <a:schemeClr val="accent1"/>
+          </a:lnRef>
+          <a:fillRef idx="0">
+            <a:schemeClr val="accent1"/>
+          </a:fillRef>
+          <a:effectRef idx="2">
+            <a:schemeClr val="accent1"/>
+          </a:effectRef>
+          <a:fontRef idx="minor">
+            <a:schemeClr val="tx1"/>
+          </a:fontRef>
+        </p:style>
+      </p:cxnSp>
+    </p:spTree>
+    <p:extLst>
+      <p:ext uri="{BB962C8B-B14F-4D97-AF65-F5344CB8AC3E}">
+        <p14:creationId xmlns:p14="http://schemas.microsoft.com/office/powerpoint/2010/main" val="3087499700"/>
+      </p:ext>
+    </p:extLst>
+  </p:cSld>
+  <p:clrMapOvr>
+    <a:masterClrMapping/>
+  </p:clrMapOvr>
+  <p:timing>
+    <p:tnLst>
+      <p:par>
+        <p:cTn id="1" dur="indefinite" restart="never" nodeType="tmRoot"/>
+      </p:par>
+    </p:tnLst>
+  </p:timing>
+</p:sld>
+</file>
+
 <file path=ppt/slides/slide3.xml><?xml version="1.0" encoding="utf-8"?>
 <p:sld xmlns:a="http://schemas.openxmlformats.org/drawingml/2006/main" xmlns:r="http://schemas.openxmlformats.org/officeDocument/2006/relationships" xmlns:p="http://schemas.openxmlformats.org/presentationml/2006/main">
   <p:cSld>
@@ -19726,6 +21784,1396 @@
     <p:extLst>
       <p:ext uri="{BB962C8B-B14F-4D97-AF65-F5344CB8AC3E}">
         <p14:creationId xmlns:p14="http://schemas.microsoft.com/office/powerpoint/2010/main" val="987637413"/>
+      </p:ext>
+    </p:extLst>
+  </p:cSld>
+  <p:clrMapOvr>
+    <a:masterClrMapping/>
+  </p:clrMapOvr>
+  <p:timing>
+    <p:tnLst>
+      <p:par>
+        <p:cTn id="1" dur="indefinite" restart="never" nodeType="tmRoot"/>
+      </p:par>
+    </p:tnLst>
+  </p:timing>
+</p:sld>
+</file>
+
+<file path=ppt/slides/slide30.xml><?xml version="1.0" encoding="utf-8"?>
+<p:sld xmlns:a="http://schemas.openxmlformats.org/drawingml/2006/main" xmlns:r="http://schemas.openxmlformats.org/officeDocument/2006/relationships" xmlns:p="http://schemas.openxmlformats.org/presentationml/2006/main">
+  <p:cSld>
+    <p:spTree>
+      <p:nvGrpSpPr>
+        <p:cNvPr id="1" name=""/>
+        <p:cNvGrpSpPr/>
+        <p:nvPr/>
+      </p:nvGrpSpPr>
+      <p:grpSpPr>
+        <a:xfrm>
+          <a:off x="0" y="0"/>
+          <a:ext cx="0" cy="0"/>
+          <a:chOff x="0" y="0"/>
+          <a:chExt cx="0" cy="0"/>
+        </a:xfrm>
+      </p:grpSpPr>
+      <p:sp>
+        <p:nvSpPr>
+          <p:cNvPr id="2" name="标题 1"/>
+          <p:cNvSpPr>
+            <a:spLocks noGrp="1"/>
+          </p:cNvSpPr>
+          <p:nvPr>
+            <p:ph type="title"/>
+          </p:nvPr>
+        </p:nvSpPr>
+        <p:spPr/>
+        <p:txBody>
+          <a:bodyPr/>
+          <a:lstStyle/>
+          <a:p>
+            <a:endParaRPr lang="zh-CN" altLang="en-US"/>
+          </a:p>
+        </p:txBody>
+      </p:sp>
+      <p:sp>
+        <p:nvSpPr>
+          <p:cNvPr id="3" name="内容占位符 2"/>
+          <p:cNvSpPr>
+            <a:spLocks noGrp="1"/>
+          </p:cNvSpPr>
+          <p:nvPr>
+            <p:ph idx="1"/>
+          </p:nvPr>
+        </p:nvSpPr>
+        <p:spPr/>
+        <p:txBody>
+          <a:bodyPr/>
+          <a:lstStyle/>
+          <a:p>
+            <a:r>
+              <a:rPr lang="zh-CN" altLang="en-US" dirty="0" smtClean="0"/>
+              <a:t>功能</a:t>
+            </a:r>
+            <a:r>
+              <a:rPr lang="en-US" altLang="zh-CN" dirty="0" smtClean="0"/>
+              <a:t>3</a:t>
+            </a:r>
+            <a:r>
+              <a:rPr lang="zh-CN" altLang="en-US" dirty="0" smtClean="0"/>
+              <a:t>：</a:t>
+            </a:r>
+            <a:r>
+              <a:rPr lang="en-US" altLang="zh-CN" dirty="0" smtClean="0"/>
+              <a:t>BioDeep</a:t>
+            </a:r>
+            <a:r>
+              <a:rPr lang="zh-CN" altLang="en-US" dirty="0" smtClean="0"/>
+              <a:t>标准品数据库</a:t>
+            </a:r>
+            <a:endParaRPr lang="en-US" altLang="zh-CN" dirty="0" smtClean="0"/>
+          </a:p>
+          <a:p>
+            <a:r>
+              <a:rPr lang="en-US" altLang="zh-CN" sz="2400" dirty="0">
+                <a:hlinkClick r:id="rId2"/>
+              </a:rPr>
+              <a:t>http://</a:t>
+            </a:r>
+            <a:r>
+              <a:rPr lang="en-US" altLang="zh-CN" sz="2400" dirty="0" smtClean="0">
+                <a:hlinkClick r:id="rId2"/>
+              </a:rPr>
+              <a:t>msms.biodeep.cn/biodeepDB.php?app=index</a:t>
+            </a:r>
+            <a:endParaRPr lang="en-US" altLang="zh-CN" sz="2400" dirty="0" smtClean="0"/>
+          </a:p>
+          <a:p>
+            <a:endParaRPr lang="en-US" altLang="zh-CN" dirty="0" smtClean="0"/>
+          </a:p>
+        </p:txBody>
+      </p:sp>
+      <p:pic>
+        <p:nvPicPr>
+          <p:cNvPr id="24578" name="Picture 2"/>
+          <p:cNvPicPr>
+            <a:picLocks noChangeAspect="1" noChangeArrowheads="1"/>
+          </p:cNvPicPr>
+          <p:nvPr/>
+        </p:nvPicPr>
+        <p:blipFill>
+          <a:blip r:embed="rId3">
+            <a:extLst>
+              <a:ext uri="{28A0092B-C50C-407E-A947-70E740481C1C}">
+                <a14:useLocalDpi xmlns:a14="http://schemas.microsoft.com/office/drawing/2010/main" val="0"/>
+              </a:ext>
+            </a:extLst>
+          </a:blip>
+          <a:srcRect/>
+          <a:stretch>
+            <a:fillRect/>
+          </a:stretch>
+        </p:blipFill>
+        <p:spPr bwMode="auto">
+          <a:xfrm>
+            <a:off x="323527" y="3073524"/>
+            <a:ext cx="8470057" cy="1670731"/>
+          </a:xfrm>
+          <a:prstGeom prst="rect">
+            <a:avLst/>
+          </a:prstGeom>
+          <a:noFill/>
+          <a:ln>
+            <a:noFill/>
+          </a:ln>
+          <a:effectLst/>
+          <a:extLst>
+            <a:ext uri="{909E8E84-426E-40DD-AFC4-6F175D3DCCD1}">
+              <a14:hiddenFill xmlns:a14="http://schemas.microsoft.com/office/drawing/2010/main">
+                <a:solidFill>
+                  <a:schemeClr val="accent1"/>
+                </a:solidFill>
+              </a14:hiddenFill>
+            </a:ext>
+            <a:ext uri="{91240B29-F687-4F45-9708-019B960494DF}">
+              <a14:hiddenLine xmlns:a14="http://schemas.microsoft.com/office/drawing/2010/main" w="9525">
+                <a:solidFill>
+                  <a:schemeClr val="tx1"/>
+                </a:solidFill>
+                <a:miter lim="800000"/>
+                <a:headEnd/>
+                <a:tailEnd/>
+              </a14:hiddenLine>
+            </a:ext>
+            <a:ext uri="{AF507438-7753-43E0-B8FC-AC1667EBCBE1}">
+              <a14:hiddenEffects xmlns:a14="http://schemas.microsoft.com/office/drawing/2010/main">
+                <a:effectLst>
+                  <a:outerShdw dist="35921" dir="2700000" algn="ctr" rotWithShape="0">
+                    <a:schemeClr val="bg2"/>
+                  </a:outerShdw>
+                </a:effectLst>
+              </a14:hiddenEffects>
+            </a:ext>
+          </a:extLst>
+        </p:spPr>
+      </p:pic>
+    </p:spTree>
+    <p:extLst>
+      <p:ext uri="{BB962C8B-B14F-4D97-AF65-F5344CB8AC3E}">
+        <p14:creationId xmlns:p14="http://schemas.microsoft.com/office/powerpoint/2010/main" val="146601416"/>
+      </p:ext>
+    </p:extLst>
+  </p:cSld>
+  <p:clrMapOvr>
+    <a:masterClrMapping/>
+  </p:clrMapOvr>
+  <p:timing>
+    <p:tnLst>
+      <p:par>
+        <p:cTn id="1" dur="indefinite" restart="never" nodeType="tmRoot"/>
+      </p:par>
+    </p:tnLst>
+  </p:timing>
+</p:sld>
+</file>
+
+<file path=ppt/slides/slide31.xml><?xml version="1.0" encoding="utf-8"?>
+<p:sld xmlns:a="http://schemas.openxmlformats.org/drawingml/2006/main" xmlns:r="http://schemas.openxmlformats.org/officeDocument/2006/relationships" xmlns:p="http://schemas.openxmlformats.org/presentationml/2006/main">
+  <p:cSld>
+    <p:spTree>
+      <p:nvGrpSpPr>
+        <p:cNvPr id="1" name=""/>
+        <p:cNvGrpSpPr/>
+        <p:nvPr/>
+      </p:nvGrpSpPr>
+      <p:grpSpPr>
+        <a:xfrm>
+          <a:off x="0" y="0"/>
+          <a:ext cx="0" cy="0"/>
+          <a:chOff x="0" y="0"/>
+          <a:chExt cx="0" cy="0"/>
+        </a:xfrm>
+      </p:grpSpPr>
+      <p:sp>
+        <p:nvSpPr>
+          <p:cNvPr id="2" name="标题 1"/>
+          <p:cNvSpPr>
+            <a:spLocks noGrp="1"/>
+          </p:cNvSpPr>
+          <p:nvPr>
+            <p:ph type="title"/>
+          </p:nvPr>
+        </p:nvSpPr>
+        <p:spPr/>
+        <p:txBody>
+          <a:bodyPr/>
+          <a:lstStyle/>
+          <a:p>
+            <a:endParaRPr lang="zh-CN" altLang="en-US"/>
+          </a:p>
+        </p:txBody>
+      </p:sp>
+      <p:sp>
+        <p:nvSpPr>
+          <p:cNvPr id="3" name="内容占位符 2"/>
+          <p:cNvSpPr>
+            <a:spLocks noGrp="1"/>
+          </p:cNvSpPr>
+          <p:nvPr>
+            <p:ph idx="1"/>
+          </p:nvPr>
+        </p:nvSpPr>
+        <p:spPr>
+          <a:xfrm>
+            <a:off x="457200" y="1333500"/>
+            <a:ext cx="8229600" cy="4188296"/>
+          </a:xfrm>
+        </p:spPr>
+        <p:txBody>
+          <a:bodyPr>
+            <a:normAutofit/>
+          </a:bodyPr>
+          <a:lstStyle/>
+          <a:p>
+            <a:r>
+              <a:rPr lang="zh-CN" altLang="en-US" dirty="0" smtClean="0"/>
+              <a:t>搜索入口介绍</a:t>
+            </a:r>
+            <a:endParaRPr lang="en-US" altLang="zh-CN" dirty="0" smtClean="0"/>
+          </a:p>
+          <a:p>
+            <a:endParaRPr lang="en-US" altLang="zh-CN" dirty="0" smtClean="0"/>
+          </a:p>
+          <a:p>
+            <a:endParaRPr lang="en-US" altLang="zh-CN" dirty="0"/>
+          </a:p>
+          <a:p>
+            <a:endParaRPr lang="en-US" altLang="zh-CN" dirty="0" smtClean="0"/>
+          </a:p>
+          <a:p>
+            <a:endParaRPr lang="en-US" altLang="zh-CN" dirty="0"/>
+          </a:p>
+          <a:p>
+            <a:endParaRPr lang="en-US" altLang="zh-CN" dirty="0"/>
+          </a:p>
+          <a:p>
+            <a:r>
+              <a:rPr lang="zh-CN" altLang="en-US" sz="2200" dirty="0" smtClean="0"/>
+              <a:t>搜索帮助可以点击搜索秘籍链接了解详情</a:t>
+            </a:r>
+            <a:endParaRPr lang="zh-CN" altLang="en-US" sz="2200" dirty="0"/>
+          </a:p>
+        </p:txBody>
+      </p:sp>
+      <p:pic>
+        <p:nvPicPr>
+          <p:cNvPr id="25602" name="Picture 2"/>
+          <p:cNvPicPr>
+            <a:picLocks noChangeAspect="1" noChangeArrowheads="1"/>
+          </p:cNvPicPr>
+          <p:nvPr/>
+        </p:nvPicPr>
+        <p:blipFill>
+          <a:blip r:embed="rId2">
+            <a:extLst>
+              <a:ext uri="{28A0092B-C50C-407E-A947-70E740481C1C}">
+                <a14:useLocalDpi xmlns:a14="http://schemas.microsoft.com/office/drawing/2010/main" val="0"/>
+              </a:ext>
+            </a:extLst>
+          </a:blip>
+          <a:srcRect/>
+          <a:stretch>
+            <a:fillRect/>
+          </a:stretch>
+        </p:blipFill>
+        <p:spPr bwMode="auto">
+          <a:xfrm>
+            <a:off x="323528" y="3145532"/>
+            <a:ext cx="8396308" cy="1656184"/>
+          </a:xfrm>
+          <a:prstGeom prst="rect">
+            <a:avLst/>
+          </a:prstGeom>
+          <a:noFill/>
+          <a:ln>
+            <a:noFill/>
+          </a:ln>
+          <a:effectLst/>
+          <a:extLst>
+            <a:ext uri="{909E8E84-426E-40DD-AFC4-6F175D3DCCD1}">
+              <a14:hiddenFill xmlns:a14="http://schemas.microsoft.com/office/drawing/2010/main">
+                <a:solidFill>
+                  <a:schemeClr val="accent1"/>
+                </a:solidFill>
+              </a14:hiddenFill>
+            </a:ext>
+            <a:ext uri="{91240B29-F687-4F45-9708-019B960494DF}">
+              <a14:hiddenLine xmlns:a14="http://schemas.microsoft.com/office/drawing/2010/main" w="9525">
+                <a:solidFill>
+                  <a:schemeClr val="tx1"/>
+                </a:solidFill>
+                <a:miter lim="800000"/>
+                <a:headEnd/>
+                <a:tailEnd/>
+              </a14:hiddenLine>
+            </a:ext>
+            <a:ext uri="{AF507438-7753-43E0-B8FC-AC1667EBCBE1}">
+              <a14:hiddenEffects xmlns:a14="http://schemas.microsoft.com/office/drawing/2010/main">
+                <a:effectLst>
+                  <a:outerShdw dist="35921" dir="2700000" algn="ctr" rotWithShape="0">
+                    <a:schemeClr val="bg2"/>
+                  </a:outerShdw>
+                </a:effectLst>
+              </a14:hiddenEffects>
+            </a:ext>
+          </a:extLst>
+        </p:spPr>
+      </p:pic>
+      <p:sp>
+        <p:nvSpPr>
+          <p:cNvPr id="5" name="矩形 4"/>
+          <p:cNvSpPr/>
+          <p:nvPr/>
+        </p:nvSpPr>
+        <p:spPr>
+          <a:xfrm>
+            <a:off x="3432031" y="4369668"/>
+            <a:ext cx="563906" cy="216024"/>
+          </a:xfrm>
+          <a:prstGeom prst="rect">
+            <a:avLst/>
+          </a:prstGeom>
+          <a:noFill/>
+          <a:ln>
+            <a:solidFill>
+              <a:srgbClr val="FF0000"/>
+            </a:solidFill>
+          </a:ln>
+        </p:spPr>
+        <p:style>
+          <a:lnRef idx="2">
+            <a:schemeClr val="accent1">
+              <a:shade val="50000"/>
+            </a:schemeClr>
+          </a:lnRef>
+          <a:fillRef idx="1">
+            <a:schemeClr val="accent1"/>
+          </a:fillRef>
+          <a:effectRef idx="0">
+            <a:schemeClr val="accent1"/>
+          </a:effectRef>
+          <a:fontRef idx="minor">
+            <a:schemeClr val="lt1"/>
+          </a:fontRef>
+        </p:style>
+        <p:txBody>
+          <a:bodyPr rtlCol="0" anchor="ctr"/>
+          <a:lstStyle/>
+          <a:p>
+            <a:pPr algn="ctr"/>
+            <a:endParaRPr lang="zh-CN" altLang="en-US"/>
+          </a:p>
+        </p:txBody>
+      </p:sp>
+      <p:cxnSp>
+        <p:nvCxnSpPr>
+          <p:cNvPr id="6" name="肘形连接符 5"/>
+          <p:cNvCxnSpPr>
+            <a:stCxn id="7" idx="2"/>
+            <a:endCxn id="5" idx="1"/>
+          </p:cNvCxnSpPr>
+          <p:nvPr/>
+        </p:nvCxnSpPr>
+        <p:spPr>
+          <a:xfrm rot="16200000" flipH="1">
+            <a:off x="1512148" y="2557797"/>
+            <a:ext cx="1595358" cy="2244407"/>
+          </a:xfrm>
+          <a:prstGeom prst="bentConnector2">
+            <a:avLst/>
+          </a:prstGeom>
+          <a:ln w="63500">
+            <a:tailEnd type="triangle"/>
+          </a:ln>
+        </p:spPr>
+        <p:style>
+          <a:lnRef idx="3">
+            <a:schemeClr val="accent1"/>
+          </a:lnRef>
+          <a:fillRef idx="0">
+            <a:schemeClr val="accent1"/>
+          </a:fillRef>
+          <a:effectRef idx="2">
+            <a:schemeClr val="accent1"/>
+          </a:effectRef>
+          <a:fontRef idx="minor">
+            <a:schemeClr val="tx1"/>
+          </a:fontRef>
+        </p:style>
+      </p:cxnSp>
+      <p:sp>
+        <p:nvSpPr>
+          <p:cNvPr id="7" name="折角形 6"/>
+          <p:cNvSpPr/>
+          <p:nvPr/>
+        </p:nvSpPr>
+        <p:spPr>
+          <a:xfrm>
+            <a:off x="323528" y="2090234"/>
+            <a:ext cx="1728192" cy="792088"/>
+          </a:xfrm>
+          <a:prstGeom prst="foldedCorner">
+            <a:avLst/>
+          </a:prstGeom>
+        </p:spPr>
+        <p:style>
+          <a:lnRef idx="1">
+            <a:schemeClr val="accent3"/>
+          </a:lnRef>
+          <a:fillRef idx="3">
+            <a:schemeClr val="accent3"/>
+          </a:fillRef>
+          <a:effectRef idx="2">
+            <a:schemeClr val="accent3"/>
+          </a:effectRef>
+          <a:fontRef idx="minor">
+            <a:schemeClr val="lt1"/>
+          </a:fontRef>
+        </p:style>
+        <p:txBody>
+          <a:bodyPr rtlCol="0" anchor="ctr"/>
+          <a:lstStyle/>
+          <a:p>
+            <a:pPr algn="ctr"/>
+            <a:r>
+              <a:rPr lang="zh-CN" altLang="en-US" sz="1600" dirty="0" smtClean="0"/>
+              <a:t>浏览整个</a:t>
+            </a:r>
+            <a:r>
+              <a:rPr lang="en-US" altLang="zh-CN" sz="1600" dirty="0" smtClean="0"/>
+              <a:t>BioDeep</a:t>
+            </a:r>
+            <a:r>
+              <a:rPr lang="zh-CN" altLang="en-US" sz="1600" dirty="0" smtClean="0"/>
+              <a:t>数据库</a:t>
+            </a:r>
+            <a:endParaRPr lang="zh-CN" altLang="en-US" sz="1600" dirty="0"/>
+          </a:p>
+        </p:txBody>
+      </p:sp>
+      <p:sp>
+        <p:nvSpPr>
+          <p:cNvPr id="15" name="矩形 14"/>
+          <p:cNvSpPr/>
+          <p:nvPr/>
+        </p:nvSpPr>
+        <p:spPr>
+          <a:xfrm>
+            <a:off x="3563888" y="3865612"/>
+            <a:ext cx="720080" cy="360040"/>
+          </a:xfrm>
+          <a:prstGeom prst="rect">
+            <a:avLst/>
+          </a:prstGeom>
+          <a:noFill/>
+          <a:ln>
+            <a:solidFill>
+              <a:srgbClr val="FF0000"/>
+            </a:solidFill>
+          </a:ln>
+        </p:spPr>
+        <p:style>
+          <a:lnRef idx="2">
+            <a:schemeClr val="accent1">
+              <a:shade val="50000"/>
+            </a:schemeClr>
+          </a:lnRef>
+          <a:fillRef idx="1">
+            <a:schemeClr val="accent1"/>
+          </a:fillRef>
+          <a:effectRef idx="0">
+            <a:schemeClr val="accent1"/>
+          </a:effectRef>
+          <a:fontRef idx="minor">
+            <a:schemeClr val="lt1"/>
+          </a:fontRef>
+        </p:style>
+        <p:txBody>
+          <a:bodyPr rtlCol="0" anchor="ctr"/>
+          <a:lstStyle/>
+          <a:p>
+            <a:pPr algn="ctr"/>
+            <a:endParaRPr lang="zh-CN" altLang="en-US"/>
+          </a:p>
+        </p:txBody>
+      </p:sp>
+      <p:cxnSp>
+        <p:nvCxnSpPr>
+          <p:cNvPr id="16" name="肘形连接符 15"/>
+          <p:cNvCxnSpPr>
+            <a:stCxn id="17" idx="2"/>
+            <a:endCxn id="15" idx="1"/>
+          </p:cNvCxnSpPr>
+          <p:nvPr/>
+        </p:nvCxnSpPr>
+        <p:spPr>
+          <a:xfrm rot="16200000" flipH="1">
+            <a:off x="2787250" y="3268993"/>
+            <a:ext cx="1163311" cy="389965"/>
+          </a:xfrm>
+          <a:prstGeom prst="bentConnector2">
+            <a:avLst/>
+          </a:prstGeom>
+          <a:ln w="63500">
+            <a:tailEnd type="triangle"/>
+          </a:ln>
+        </p:spPr>
+        <p:style>
+          <a:lnRef idx="3">
+            <a:schemeClr val="accent1"/>
+          </a:lnRef>
+          <a:fillRef idx="0">
+            <a:schemeClr val="accent1"/>
+          </a:fillRef>
+          <a:effectRef idx="2">
+            <a:schemeClr val="accent1"/>
+          </a:effectRef>
+          <a:fontRef idx="minor">
+            <a:schemeClr val="tx1"/>
+          </a:fontRef>
+        </p:style>
+      </p:cxnSp>
+      <p:sp>
+        <p:nvSpPr>
+          <p:cNvPr id="17" name="折角形 16"/>
+          <p:cNvSpPr/>
+          <p:nvPr/>
+        </p:nvSpPr>
+        <p:spPr>
+          <a:xfrm>
+            <a:off x="2309827" y="2090233"/>
+            <a:ext cx="1728192" cy="792088"/>
+          </a:xfrm>
+          <a:prstGeom prst="foldedCorner">
+            <a:avLst/>
+          </a:prstGeom>
+        </p:spPr>
+        <p:style>
+          <a:lnRef idx="1">
+            <a:schemeClr val="accent3"/>
+          </a:lnRef>
+          <a:fillRef idx="3">
+            <a:schemeClr val="accent3"/>
+          </a:fillRef>
+          <a:effectRef idx="2">
+            <a:schemeClr val="accent3"/>
+          </a:effectRef>
+          <a:fontRef idx="minor">
+            <a:schemeClr val="lt1"/>
+          </a:fontRef>
+        </p:style>
+        <p:txBody>
+          <a:bodyPr rtlCol="0" anchor="ctr"/>
+          <a:lstStyle/>
+          <a:p>
+            <a:pPr algn="ctr"/>
+            <a:r>
+              <a:rPr lang="zh-CN" altLang="en-US" sz="1600" dirty="0" smtClean="0"/>
+              <a:t>搜索</a:t>
+            </a:r>
+            <a:r>
+              <a:rPr lang="en-US" altLang="zh-CN" sz="1600" dirty="0" smtClean="0"/>
+              <a:t>BioDeep</a:t>
+            </a:r>
+            <a:r>
+              <a:rPr lang="zh-CN" altLang="en-US" sz="1600" dirty="0" smtClean="0"/>
+              <a:t>数据库</a:t>
+            </a:r>
+            <a:endParaRPr lang="zh-CN" altLang="en-US" sz="1600" dirty="0"/>
+          </a:p>
+        </p:txBody>
+      </p:sp>
+      <p:sp>
+        <p:nvSpPr>
+          <p:cNvPr id="20" name="矩形 19"/>
+          <p:cNvSpPr/>
+          <p:nvPr/>
+        </p:nvSpPr>
+        <p:spPr>
+          <a:xfrm>
+            <a:off x="4283968" y="3851243"/>
+            <a:ext cx="720080" cy="360040"/>
+          </a:xfrm>
+          <a:prstGeom prst="rect">
+            <a:avLst/>
+          </a:prstGeom>
+          <a:noFill/>
+          <a:ln>
+            <a:solidFill>
+              <a:srgbClr val="FF0000"/>
+            </a:solidFill>
+          </a:ln>
+        </p:spPr>
+        <p:style>
+          <a:lnRef idx="2">
+            <a:schemeClr val="accent1">
+              <a:shade val="50000"/>
+            </a:schemeClr>
+          </a:lnRef>
+          <a:fillRef idx="1">
+            <a:schemeClr val="accent1"/>
+          </a:fillRef>
+          <a:effectRef idx="0">
+            <a:schemeClr val="accent1"/>
+          </a:effectRef>
+          <a:fontRef idx="minor">
+            <a:schemeClr val="lt1"/>
+          </a:fontRef>
+        </p:style>
+        <p:txBody>
+          <a:bodyPr rtlCol="0" anchor="ctr"/>
+          <a:lstStyle/>
+          <a:p>
+            <a:pPr algn="ctr"/>
+            <a:endParaRPr lang="zh-CN" altLang="en-US"/>
+          </a:p>
+        </p:txBody>
+      </p:sp>
+      <p:cxnSp>
+        <p:nvCxnSpPr>
+          <p:cNvPr id="21" name="肘形连接符 20"/>
+          <p:cNvCxnSpPr>
+            <a:stCxn id="22" idx="2"/>
+            <a:endCxn id="20" idx="3"/>
+          </p:cNvCxnSpPr>
+          <p:nvPr/>
+        </p:nvCxnSpPr>
+        <p:spPr>
+          <a:xfrm rot="5400000">
+            <a:off x="4814502" y="3121637"/>
+            <a:ext cx="1099172" cy="720080"/>
+          </a:xfrm>
+          <a:prstGeom prst="bentConnector2">
+            <a:avLst/>
+          </a:prstGeom>
+          <a:ln w="63500">
+            <a:tailEnd type="triangle"/>
+          </a:ln>
+        </p:spPr>
+        <p:style>
+          <a:lnRef idx="3">
+            <a:schemeClr val="accent1"/>
+          </a:lnRef>
+          <a:fillRef idx="0">
+            <a:schemeClr val="accent1"/>
+          </a:fillRef>
+          <a:effectRef idx="2">
+            <a:schemeClr val="accent1"/>
+          </a:effectRef>
+          <a:fontRef idx="minor">
+            <a:schemeClr val="tx1"/>
+          </a:fontRef>
+        </p:style>
+      </p:cxnSp>
+      <p:sp>
+        <p:nvSpPr>
+          <p:cNvPr id="22" name="折角形 21"/>
+          <p:cNvSpPr/>
+          <p:nvPr/>
+        </p:nvSpPr>
+        <p:spPr>
+          <a:xfrm>
+            <a:off x="4860032" y="2140003"/>
+            <a:ext cx="1728192" cy="792088"/>
+          </a:xfrm>
+          <a:prstGeom prst="foldedCorner">
+            <a:avLst/>
+          </a:prstGeom>
+        </p:spPr>
+        <p:style>
+          <a:lnRef idx="1">
+            <a:schemeClr val="accent3"/>
+          </a:lnRef>
+          <a:fillRef idx="3">
+            <a:schemeClr val="accent3"/>
+          </a:fillRef>
+          <a:effectRef idx="2">
+            <a:schemeClr val="accent3"/>
+          </a:effectRef>
+          <a:fontRef idx="minor">
+            <a:schemeClr val="lt1"/>
+          </a:fontRef>
+        </p:style>
+        <p:txBody>
+          <a:bodyPr rtlCol="0" anchor="ctr"/>
+          <a:lstStyle/>
+          <a:p>
+            <a:pPr algn="ctr"/>
+            <a:r>
+              <a:rPr lang="zh-CN" altLang="en-US" sz="1600" dirty="0" smtClean="0"/>
+              <a:t>随机查看一条记录</a:t>
+            </a:r>
+            <a:endParaRPr lang="zh-CN" altLang="en-US" sz="1600" dirty="0"/>
+          </a:p>
+        </p:txBody>
+      </p:sp>
+    </p:spTree>
+    <p:extLst>
+      <p:ext uri="{BB962C8B-B14F-4D97-AF65-F5344CB8AC3E}">
+        <p14:creationId xmlns:p14="http://schemas.microsoft.com/office/powerpoint/2010/main" val="1614866889"/>
+      </p:ext>
+    </p:extLst>
+  </p:cSld>
+  <p:clrMapOvr>
+    <a:masterClrMapping/>
+  </p:clrMapOvr>
+  <p:timing>
+    <p:tnLst>
+      <p:par>
+        <p:cTn id="1" dur="indefinite" restart="never" nodeType="tmRoot"/>
+      </p:par>
+    </p:tnLst>
+  </p:timing>
+</p:sld>
+</file>
+
+<file path=ppt/slides/slide32.xml><?xml version="1.0" encoding="utf-8"?>
+<p:sld xmlns:a="http://schemas.openxmlformats.org/drawingml/2006/main" xmlns:r="http://schemas.openxmlformats.org/officeDocument/2006/relationships" xmlns:p="http://schemas.openxmlformats.org/presentationml/2006/main">
+  <p:cSld>
+    <p:spTree>
+      <p:nvGrpSpPr>
+        <p:cNvPr id="1" name=""/>
+        <p:cNvGrpSpPr/>
+        <p:nvPr/>
+      </p:nvGrpSpPr>
+      <p:grpSpPr>
+        <a:xfrm>
+          <a:off x="0" y="0"/>
+          <a:ext cx="0" cy="0"/>
+          <a:chOff x="0" y="0"/>
+          <a:chExt cx="0" cy="0"/>
+        </a:xfrm>
+      </p:grpSpPr>
+      <p:sp>
+        <p:nvSpPr>
+          <p:cNvPr id="2" name="标题 1"/>
+          <p:cNvSpPr>
+            <a:spLocks noGrp="1"/>
+          </p:cNvSpPr>
+          <p:nvPr>
+            <p:ph type="title"/>
+          </p:nvPr>
+        </p:nvSpPr>
+        <p:spPr/>
+        <p:txBody>
+          <a:bodyPr/>
+          <a:lstStyle/>
+          <a:p>
+            <a:endParaRPr lang="zh-CN" altLang="en-US"/>
+          </a:p>
+        </p:txBody>
+      </p:sp>
+      <p:sp>
+        <p:nvSpPr>
+          <p:cNvPr id="3" name="内容占位符 2"/>
+          <p:cNvSpPr>
+            <a:spLocks noGrp="1"/>
+          </p:cNvSpPr>
+          <p:nvPr>
+            <p:ph idx="1"/>
+          </p:nvPr>
+        </p:nvSpPr>
+        <p:spPr/>
+        <p:txBody>
+          <a:bodyPr/>
+          <a:lstStyle/>
+          <a:p>
+            <a:endParaRPr lang="zh-CN" altLang="en-US" dirty="0"/>
+          </a:p>
+        </p:txBody>
+      </p:sp>
+      <p:pic>
+        <p:nvPicPr>
+          <p:cNvPr id="26626" name="Picture 2"/>
+          <p:cNvPicPr>
+            <a:picLocks noChangeAspect="1" noChangeArrowheads="1"/>
+          </p:cNvPicPr>
+          <p:nvPr/>
+        </p:nvPicPr>
+        <p:blipFill>
+          <a:blip r:embed="rId2">
+            <a:extLst>
+              <a:ext uri="{28A0092B-C50C-407E-A947-70E740481C1C}">
+                <a14:useLocalDpi xmlns:a14="http://schemas.microsoft.com/office/drawing/2010/main" val="0"/>
+              </a:ext>
+            </a:extLst>
+          </a:blip>
+          <a:srcRect/>
+          <a:stretch>
+            <a:fillRect/>
+          </a:stretch>
+        </p:blipFill>
+        <p:spPr bwMode="auto">
+          <a:xfrm>
+            <a:off x="2002061" y="1216861"/>
+            <a:ext cx="7159430" cy="4144593"/>
+          </a:xfrm>
+          <a:prstGeom prst="rect">
+            <a:avLst/>
+          </a:prstGeom>
+          <a:noFill/>
+          <a:ln>
+            <a:noFill/>
+          </a:ln>
+          <a:effectLst/>
+          <a:extLst>
+            <a:ext uri="{909E8E84-426E-40DD-AFC4-6F175D3DCCD1}">
+              <a14:hiddenFill xmlns:a14="http://schemas.microsoft.com/office/drawing/2010/main">
+                <a:solidFill>
+                  <a:schemeClr val="accent1"/>
+                </a:solidFill>
+              </a14:hiddenFill>
+            </a:ext>
+            <a:ext uri="{91240B29-F687-4F45-9708-019B960494DF}">
+              <a14:hiddenLine xmlns:a14="http://schemas.microsoft.com/office/drawing/2010/main" w="9525">
+                <a:solidFill>
+                  <a:schemeClr val="tx1"/>
+                </a:solidFill>
+                <a:miter lim="800000"/>
+                <a:headEnd/>
+                <a:tailEnd/>
+              </a14:hiddenLine>
+            </a:ext>
+            <a:ext uri="{AF507438-7753-43E0-B8FC-AC1667EBCBE1}">
+              <a14:hiddenEffects xmlns:a14="http://schemas.microsoft.com/office/drawing/2010/main">
+                <a:effectLst>
+                  <a:outerShdw dist="35921" dir="2700000" algn="ctr" rotWithShape="0">
+                    <a:schemeClr val="bg2"/>
+                  </a:outerShdw>
+                </a:effectLst>
+              </a14:hiddenEffects>
+            </a:ext>
+          </a:extLst>
+        </p:spPr>
+      </p:pic>
+      <p:sp>
+        <p:nvSpPr>
+          <p:cNvPr id="5" name="矩形 4"/>
+          <p:cNvSpPr/>
+          <p:nvPr/>
+        </p:nvSpPr>
+        <p:spPr>
+          <a:xfrm>
+            <a:off x="2396153" y="2978124"/>
+            <a:ext cx="936104" cy="360040"/>
+          </a:xfrm>
+          <a:prstGeom prst="rect">
+            <a:avLst/>
+          </a:prstGeom>
+          <a:noFill/>
+          <a:ln>
+            <a:solidFill>
+              <a:srgbClr val="FF0000"/>
+            </a:solidFill>
+          </a:ln>
+        </p:spPr>
+        <p:style>
+          <a:lnRef idx="2">
+            <a:schemeClr val="accent1">
+              <a:shade val="50000"/>
+            </a:schemeClr>
+          </a:lnRef>
+          <a:fillRef idx="1">
+            <a:schemeClr val="accent1"/>
+          </a:fillRef>
+          <a:effectRef idx="0">
+            <a:schemeClr val="accent1"/>
+          </a:effectRef>
+          <a:fontRef idx="minor">
+            <a:schemeClr val="lt1"/>
+          </a:fontRef>
+        </p:style>
+        <p:txBody>
+          <a:bodyPr rtlCol="0" anchor="ctr"/>
+          <a:lstStyle/>
+          <a:p>
+            <a:pPr algn="ctr"/>
+            <a:endParaRPr lang="zh-CN" altLang="en-US"/>
+          </a:p>
+        </p:txBody>
+      </p:sp>
+      <p:cxnSp>
+        <p:nvCxnSpPr>
+          <p:cNvPr id="6" name="肘形连接符 5"/>
+          <p:cNvCxnSpPr>
+            <a:stCxn id="7" idx="3"/>
+            <a:endCxn id="5" idx="0"/>
+          </p:cNvCxnSpPr>
+          <p:nvPr/>
+        </p:nvCxnSpPr>
+        <p:spPr>
+          <a:xfrm>
+            <a:off x="2267744" y="2173424"/>
+            <a:ext cx="596461" cy="804700"/>
+          </a:xfrm>
+          <a:prstGeom prst="bentConnector2">
+            <a:avLst/>
+          </a:prstGeom>
+          <a:ln w="63500">
+            <a:tailEnd type="triangle"/>
+          </a:ln>
+        </p:spPr>
+        <p:style>
+          <a:lnRef idx="3">
+            <a:schemeClr val="accent1"/>
+          </a:lnRef>
+          <a:fillRef idx="0">
+            <a:schemeClr val="accent1"/>
+          </a:fillRef>
+          <a:effectRef idx="2">
+            <a:schemeClr val="accent1"/>
+          </a:effectRef>
+          <a:fontRef idx="minor">
+            <a:schemeClr val="tx1"/>
+          </a:fontRef>
+        </p:style>
+      </p:cxnSp>
+      <p:sp>
+        <p:nvSpPr>
+          <p:cNvPr id="7" name="折角形 6"/>
+          <p:cNvSpPr/>
+          <p:nvPr/>
+        </p:nvSpPr>
+        <p:spPr>
+          <a:xfrm>
+            <a:off x="539552" y="1777380"/>
+            <a:ext cx="1728192" cy="792088"/>
+          </a:xfrm>
+          <a:prstGeom prst="foldedCorner">
+            <a:avLst/>
+          </a:prstGeom>
+        </p:spPr>
+        <p:style>
+          <a:lnRef idx="1">
+            <a:schemeClr val="accent3"/>
+          </a:lnRef>
+          <a:fillRef idx="3">
+            <a:schemeClr val="accent3"/>
+          </a:fillRef>
+          <a:effectRef idx="2">
+            <a:schemeClr val="accent3"/>
+          </a:effectRef>
+          <a:fontRef idx="minor">
+            <a:schemeClr val="lt1"/>
+          </a:fontRef>
+        </p:style>
+        <p:txBody>
+          <a:bodyPr rtlCol="0" anchor="ctr"/>
+          <a:lstStyle/>
+          <a:p>
+            <a:pPr algn="ctr"/>
+            <a:r>
+              <a:rPr lang="zh-CN" altLang="en-US" sz="1600" dirty="0" smtClean="0"/>
+              <a:t>点击链接可以按照分子质量或者分子式查询</a:t>
+            </a:r>
+            <a:endParaRPr lang="zh-CN" altLang="en-US" sz="1600" dirty="0"/>
+          </a:p>
+        </p:txBody>
+      </p:sp>
+      <p:sp>
+        <p:nvSpPr>
+          <p:cNvPr id="11" name="矩形 10"/>
+          <p:cNvSpPr/>
+          <p:nvPr/>
+        </p:nvSpPr>
+        <p:spPr>
+          <a:xfrm>
+            <a:off x="2393757" y="3997958"/>
+            <a:ext cx="1170131" cy="875766"/>
+          </a:xfrm>
+          <a:prstGeom prst="rect">
+            <a:avLst/>
+          </a:prstGeom>
+          <a:noFill/>
+          <a:ln>
+            <a:solidFill>
+              <a:srgbClr val="FF0000"/>
+            </a:solidFill>
+          </a:ln>
+        </p:spPr>
+        <p:style>
+          <a:lnRef idx="2">
+            <a:schemeClr val="accent1">
+              <a:shade val="50000"/>
+            </a:schemeClr>
+          </a:lnRef>
+          <a:fillRef idx="1">
+            <a:schemeClr val="accent1"/>
+          </a:fillRef>
+          <a:effectRef idx="0">
+            <a:schemeClr val="accent1"/>
+          </a:effectRef>
+          <a:fontRef idx="minor">
+            <a:schemeClr val="lt1"/>
+          </a:fontRef>
+        </p:style>
+        <p:txBody>
+          <a:bodyPr rtlCol="0" anchor="ctr"/>
+          <a:lstStyle/>
+          <a:p>
+            <a:pPr algn="ctr"/>
+            <a:endParaRPr lang="zh-CN" altLang="en-US"/>
+          </a:p>
+        </p:txBody>
+      </p:sp>
+      <p:cxnSp>
+        <p:nvCxnSpPr>
+          <p:cNvPr id="12" name="肘形连接符 11"/>
+          <p:cNvCxnSpPr>
+            <a:stCxn id="13" idx="2"/>
+            <a:endCxn id="11" idx="3"/>
+          </p:cNvCxnSpPr>
+          <p:nvPr/>
+        </p:nvCxnSpPr>
+        <p:spPr>
+          <a:xfrm rot="16200000" flipH="1">
+            <a:off x="2164319" y="3036271"/>
+            <a:ext cx="638899" cy="2160240"/>
+          </a:xfrm>
+          <a:prstGeom prst="bentConnector4">
+            <a:avLst>
+              <a:gd name="adj1" fmla="val 15731"/>
+              <a:gd name="adj2" fmla="val 110582"/>
+            </a:avLst>
+          </a:prstGeom>
+          <a:ln w="63500">
+            <a:tailEnd type="triangle"/>
+          </a:ln>
+        </p:spPr>
+        <p:style>
+          <a:lnRef idx="3">
+            <a:schemeClr val="accent1"/>
+          </a:lnRef>
+          <a:fillRef idx="0">
+            <a:schemeClr val="accent1"/>
+          </a:fillRef>
+          <a:effectRef idx="2">
+            <a:schemeClr val="accent1"/>
+          </a:effectRef>
+          <a:fontRef idx="minor">
+            <a:schemeClr val="tx1"/>
+          </a:fontRef>
+        </p:style>
+      </p:cxnSp>
+      <p:sp>
+        <p:nvSpPr>
+          <p:cNvPr id="13" name="折角形 12"/>
+          <p:cNvSpPr/>
+          <p:nvPr/>
+        </p:nvSpPr>
+        <p:spPr>
+          <a:xfrm>
+            <a:off x="539552" y="3004854"/>
+            <a:ext cx="1728192" cy="792088"/>
+          </a:xfrm>
+          <a:prstGeom prst="foldedCorner">
+            <a:avLst/>
+          </a:prstGeom>
+        </p:spPr>
+        <p:style>
+          <a:lnRef idx="1">
+            <a:schemeClr val="accent3"/>
+          </a:lnRef>
+          <a:fillRef idx="3">
+            <a:schemeClr val="accent3"/>
+          </a:fillRef>
+          <a:effectRef idx="2">
+            <a:schemeClr val="accent3"/>
+          </a:effectRef>
+          <a:fontRef idx="minor">
+            <a:schemeClr val="lt1"/>
+          </a:fontRef>
+        </p:style>
+        <p:txBody>
+          <a:bodyPr rtlCol="0" anchor="ctr"/>
+          <a:lstStyle/>
+          <a:p>
+            <a:pPr algn="ctr"/>
+            <a:r>
+              <a:rPr lang="zh-CN" altLang="en-US" sz="1600" dirty="0" smtClean="0"/>
+              <a:t>点击链接可以跳转到外部数据库查看详细信息</a:t>
+            </a:r>
+            <a:endParaRPr lang="zh-CN" altLang="en-US" sz="1600" dirty="0"/>
+          </a:p>
+        </p:txBody>
+      </p:sp>
+      <p:sp>
+        <p:nvSpPr>
+          <p:cNvPr id="17" name="矩形 16"/>
+          <p:cNvSpPr/>
+          <p:nvPr/>
+        </p:nvSpPr>
+        <p:spPr>
+          <a:xfrm>
+            <a:off x="3429938" y="3130319"/>
+            <a:ext cx="829156" cy="262807"/>
+          </a:xfrm>
+          <a:prstGeom prst="rect">
+            <a:avLst/>
+          </a:prstGeom>
+          <a:noFill/>
+          <a:ln>
+            <a:solidFill>
+              <a:srgbClr val="FF0000"/>
+            </a:solidFill>
+          </a:ln>
+        </p:spPr>
+        <p:style>
+          <a:lnRef idx="2">
+            <a:schemeClr val="accent1">
+              <a:shade val="50000"/>
+            </a:schemeClr>
+          </a:lnRef>
+          <a:fillRef idx="1">
+            <a:schemeClr val="accent1"/>
+          </a:fillRef>
+          <a:effectRef idx="0">
+            <a:schemeClr val="accent1"/>
+          </a:effectRef>
+          <a:fontRef idx="minor">
+            <a:schemeClr val="lt1"/>
+          </a:fontRef>
+        </p:style>
+        <p:txBody>
+          <a:bodyPr rtlCol="0" anchor="ctr"/>
+          <a:lstStyle/>
+          <a:p>
+            <a:pPr algn="ctr"/>
+            <a:endParaRPr lang="zh-CN" altLang="en-US"/>
+          </a:p>
+        </p:txBody>
+      </p:sp>
+      <p:cxnSp>
+        <p:nvCxnSpPr>
+          <p:cNvPr id="18" name="肘形连接符 17"/>
+          <p:cNvCxnSpPr>
+            <a:stCxn id="19" idx="2"/>
+            <a:endCxn id="17" idx="3"/>
+          </p:cNvCxnSpPr>
+          <p:nvPr/>
+        </p:nvCxnSpPr>
+        <p:spPr>
+          <a:xfrm rot="5400000" flipH="1" flipV="1">
+            <a:off x="1777534" y="2896221"/>
+            <a:ext cx="2116057" cy="2847062"/>
+          </a:xfrm>
+          <a:prstGeom prst="bentConnector4">
+            <a:avLst>
+              <a:gd name="adj1" fmla="val -10803"/>
+              <a:gd name="adj2" fmla="val 108029"/>
+            </a:avLst>
+          </a:prstGeom>
+          <a:ln w="63500">
+            <a:tailEnd type="triangle"/>
+          </a:ln>
+        </p:spPr>
+        <p:style>
+          <a:lnRef idx="3">
+            <a:schemeClr val="accent1"/>
+          </a:lnRef>
+          <a:fillRef idx="0">
+            <a:schemeClr val="accent1"/>
+          </a:fillRef>
+          <a:effectRef idx="2">
+            <a:schemeClr val="accent1"/>
+          </a:effectRef>
+          <a:fontRef idx="minor">
+            <a:schemeClr val="tx1"/>
+          </a:fontRef>
+        </p:style>
+      </p:cxnSp>
+      <p:sp>
+        <p:nvSpPr>
+          <p:cNvPr id="19" name="折角形 18"/>
+          <p:cNvSpPr/>
+          <p:nvPr/>
+        </p:nvSpPr>
+        <p:spPr>
+          <a:xfrm>
+            <a:off x="547936" y="4585692"/>
+            <a:ext cx="1728192" cy="792088"/>
+          </a:xfrm>
+          <a:prstGeom prst="foldedCorner">
+            <a:avLst/>
+          </a:prstGeom>
+        </p:spPr>
+        <p:style>
+          <a:lnRef idx="1">
+            <a:schemeClr val="accent3"/>
+          </a:lnRef>
+          <a:fillRef idx="3">
+            <a:schemeClr val="accent3"/>
+          </a:fillRef>
+          <a:effectRef idx="2">
+            <a:schemeClr val="accent3"/>
+          </a:effectRef>
+          <a:fontRef idx="minor">
+            <a:schemeClr val="lt1"/>
+          </a:fontRef>
+        </p:style>
+        <p:txBody>
+          <a:bodyPr rtlCol="0" anchor="ctr"/>
+          <a:lstStyle/>
+          <a:p>
+            <a:pPr algn="ctr"/>
+            <a:r>
+              <a:rPr lang="zh-CN" altLang="en-US" sz="1600" dirty="0" smtClean="0"/>
+              <a:t>点击链接可以打开</a:t>
+            </a:r>
+            <a:r>
+              <a:rPr lang="en-US" altLang="zh-CN" sz="1600" dirty="0" smtClean="0"/>
+              <a:t>m/z</a:t>
+            </a:r>
+            <a:r>
+              <a:rPr lang="zh-CN" altLang="en-US" sz="1600" dirty="0"/>
+              <a:t>计算</a:t>
+            </a:r>
+            <a:r>
+              <a:rPr lang="zh-CN" altLang="en-US" sz="1600" dirty="0" smtClean="0"/>
+              <a:t>器页面</a:t>
+            </a:r>
+            <a:endParaRPr lang="zh-CN" altLang="en-US" sz="1600" dirty="0"/>
+          </a:p>
+        </p:txBody>
+      </p:sp>
+      <p:sp>
+        <p:nvSpPr>
+          <p:cNvPr id="24" name="矩形 23"/>
+          <p:cNvSpPr/>
+          <p:nvPr/>
+        </p:nvSpPr>
+        <p:spPr>
+          <a:xfrm>
+            <a:off x="4229430" y="2173424"/>
+            <a:ext cx="1494698" cy="252028"/>
+          </a:xfrm>
+          <a:prstGeom prst="rect">
+            <a:avLst/>
+          </a:prstGeom>
+          <a:noFill/>
+          <a:ln>
+            <a:solidFill>
+              <a:srgbClr val="FF0000"/>
+            </a:solidFill>
+          </a:ln>
+        </p:spPr>
+        <p:style>
+          <a:lnRef idx="2">
+            <a:schemeClr val="accent1">
+              <a:shade val="50000"/>
+            </a:schemeClr>
+          </a:lnRef>
+          <a:fillRef idx="1">
+            <a:schemeClr val="accent1"/>
+          </a:fillRef>
+          <a:effectRef idx="0">
+            <a:schemeClr val="accent1"/>
+          </a:effectRef>
+          <a:fontRef idx="minor">
+            <a:schemeClr val="lt1"/>
+          </a:fontRef>
+        </p:style>
+        <p:txBody>
+          <a:bodyPr rtlCol="0" anchor="ctr"/>
+          <a:lstStyle/>
+          <a:p>
+            <a:pPr algn="ctr"/>
+            <a:endParaRPr lang="zh-CN" altLang="en-US"/>
+          </a:p>
+        </p:txBody>
+      </p:sp>
+      <p:cxnSp>
+        <p:nvCxnSpPr>
+          <p:cNvPr id="25" name="肘形连接符 24"/>
+          <p:cNvCxnSpPr>
+            <a:stCxn id="26" idx="3"/>
+            <a:endCxn id="24" idx="0"/>
+          </p:cNvCxnSpPr>
+          <p:nvPr/>
+        </p:nvCxnSpPr>
+        <p:spPr>
+          <a:xfrm>
+            <a:off x="2276128" y="1093304"/>
+            <a:ext cx="2700651" cy="1080120"/>
+          </a:xfrm>
+          <a:prstGeom prst="bentConnector2">
+            <a:avLst/>
+          </a:prstGeom>
+          <a:ln w="63500">
+            <a:tailEnd type="triangle"/>
+          </a:ln>
+        </p:spPr>
+        <p:style>
+          <a:lnRef idx="3">
+            <a:schemeClr val="accent1"/>
+          </a:lnRef>
+          <a:fillRef idx="0">
+            <a:schemeClr val="accent1"/>
+          </a:fillRef>
+          <a:effectRef idx="2">
+            <a:schemeClr val="accent1"/>
+          </a:effectRef>
+          <a:fontRef idx="minor">
+            <a:schemeClr val="tx1"/>
+          </a:fontRef>
+        </p:style>
+      </p:cxnSp>
+      <p:sp>
+        <p:nvSpPr>
+          <p:cNvPr id="26" name="折角形 25"/>
+          <p:cNvSpPr/>
+          <p:nvPr/>
+        </p:nvSpPr>
+        <p:spPr>
+          <a:xfrm>
+            <a:off x="547936" y="697260"/>
+            <a:ext cx="1728192" cy="792088"/>
+          </a:xfrm>
+          <a:prstGeom prst="foldedCorner">
+            <a:avLst/>
+          </a:prstGeom>
+        </p:spPr>
+        <p:style>
+          <a:lnRef idx="1">
+            <a:schemeClr val="accent3"/>
+          </a:lnRef>
+          <a:fillRef idx="3">
+            <a:schemeClr val="accent3"/>
+          </a:fillRef>
+          <a:effectRef idx="2">
+            <a:schemeClr val="accent3"/>
+          </a:effectRef>
+          <a:fontRef idx="minor">
+            <a:schemeClr val="lt1"/>
+          </a:fontRef>
+        </p:style>
+        <p:txBody>
+          <a:bodyPr rtlCol="0" anchor="ctr"/>
+          <a:lstStyle/>
+          <a:p>
+            <a:pPr algn="ctr"/>
+            <a:r>
+              <a:rPr lang="zh-CN" altLang="en-US" sz="1600" dirty="0" smtClean="0"/>
+              <a:t>点击链接可以打开标准品质谱图查看页面</a:t>
+            </a:r>
+            <a:endParaRPr lang="zh-CN" altLang="en-US" sz="1600" dirty="0"/>
+          </a:p>
+        </p:txBody>
+      </p:sp>
+    </p:spTree>
+    <p:extLst>
+      <p:ext uri="{BB962C8B-B14F-4D97-AF65-F5344CB8AC3E}">
+        <p14:creationId xmlns:p14="http://schemas.microsoft.com/office/powerpoint/2010/main" val="1565227850"/>
       </p:ext>
     </p:extLst>
   </p:cSld>

--- a/Tutorials.pptx
+++ b/Tutorials.pptx
@@ -5,7 +5,7 @@
     <p:sldMasterId id="2147483648" r:id="rId1"/>
   </p:sldMasterIdLst>
   <p:notesMasterIdLst>
-    <p:notesMasterId r:id="rId34"/>
+    <p:notesMasterId r:id="rId46"/>
   </p:notesMasterIdLst>
   <p:sldIdLst>
     <p:sldId id="256" r:id="rId2"/>
@@ -40,6 +40,18 @@
     <p:sldId id="285" r:id="rId31"/>
     <p:sldId id="286" r:id="rId32"/>
     <p:sldId id="287" r:id="rId33"/>
+    <p:sldId id="288" r:id="rId34"/>
+    <p:sldId id="289" r:id="rId35"/>
+    <p:sldId id="290" r:id="rId36"/>
+    <p:sldId id="291" r:id="rId37"/>
+    <p:sldId id="292" r:id="rId38"/>
+    <p:sldId id="293" r:id="rId39"/>
+    <p:sldId id="294" r:id="rId40"/>
+    <p:sldId id="295" r:id="rId41"/>
+    <p:sldId id="296" r:id="rId42"/>
+    <p:sldId id="297" r:id="rId43"/>
+    <p:sldId id="298" r:id="rId44"/>
+    <p:sldId id="299" r:id="rId45"/>
   </p:sldIdLst>
   <p:sldSz cx="9144000" cy="5715000" type="screen16x10"/>
   <p:notesSz cx="6858000" cy="9144000"/>
@@ -2899,6 +2911,925 @@
 </file>
 
 <file path=ppt/diagrams/colors4.xml><?xml version="1.0" encoding="utf-8"?>
+<dgm:colorsDef xmlns:dgm="http://schemas.openxmlformats.org/drawingml/2006/diagram" xmlns:a="http://schemas.openxmlformats.org/drawingml/2006/main" uniqueId="urn:microsoft.com/office/officeart/2005/8/colors/colorful1">
+  <dgm:title val=""/>
+  <dgm:desc val=""/>
+  <dgm:catLst>
+    <dgm:cat type="colorful" pri="10100"/>
+  </dgm:catLst>
+  <dgm:styleLbl name="node0">
+    <dgm:fillClrLst meth="repeat">
+      <a:schemeClr val="accent1"/>
+    </dgm:fillClrLst>
+    <dgm:linClrLst meth="repeat">
+      <a:schemeClr val="lt1"/>
+    </dgm:linClrLst>
+    <dgm:effectClrLst/>
+    <dgm:txLinClrLst/>
+    <dgm:txFillClrLst/>
+    <dgm:txEffectClrLst/>
+  </dgm:styleLbl>
+  <dgm:styleLbl name="node1">
+    <dgm:fillClrLst meth="repeat">
+      <a:schemeClr val="accent2"/>
+      <a:schemeClr val="accent3"/>
+      <a:schemeClr val="accent4"/>
+      <a:schemeClr val="accent5"/>
+      <a:schemeClr val="accent6"/>
+    </dgm:fillClrLst>
+    <dgm:linClrLst meth="repeat">
+      <a:schemeClr val="lt1"/>
+    </dgm:linClrLst>
+    <dgm:effectClrLst/>
+    <dgm:txLinClrLst/>
+    <dgm:txFillClrLst/>
+    <dgm:txEffectClrLst/>
+  </dgm:styleLbl>
+  <dgm:styleLbl name="alignNode1">
+    <dgm:fillClrLst meth="repeat">
+      <a:schemeClr val="accent2"/>
+      <a:schemeClr val="accent3"/>
+      <a:schemeClr val="accent4"/>
+      <a:schemeClr val="accent5"/>
+      <a:schemeClr val="accent6"/>
+    </dgm:fillClrLst>
+    <dgm:linClrLst meth="repeat">
+      <a:schemeClr val="accent2"/>
+      <a:schemeClr val="accent3"/>
+      <a:schemeClr val="accent4"/>
+      <a:schemeClr val="accent5"/>
+      <a:schemeClr val="accent6"/>
+    </dgm:linClrLst>
+    <dgm:effectClrLst/>
+    <dgm:txLinClrLst/>
+    <dgm:txFillClrLst/>
+    <dgm:txEffectClrLst/>
+  </dgm:styleLbl>
+  <dgm:styleLbl name="lnNode1">
+    <dgm:fillClrLst meth="repeat">
+      <a:schemeClr val="accent2"/>
+      <a:schemeClr val="accent3"/>
+      <a:schemeClr val="accent4"/>
+      <a:schemeClr val="accent5"/>
+      <a:schemeClr val="accent6"/>
+    </dgm:fillClrLst>
+    <dgm:linClrLst meth="repeat">
+      <a:schemeClr val="lt1"/>
+    </dgm:linClrLst>
+    <dgm:effectClrLst/>
+    <dgm:txLinClrLst/>
+    <dgm:txFillClrLst/>
+    <dgm:txEffectClrLst/>
+  </dgm:styleLbl>
+  <dgm:styleLbl name="vennNode1">
+    <dgm:fillClrLst meth="repeat">
+      <a:schemeClr val="accent2">
+        <a:alpha val="50000"/>
+      </a:schemeClr>
+      <a:schemeClr val="accent3">
+        <a:alpha val="50000"/>
+      </a:schemeClr>
+      <a:schemeClr val="accent4">
+        <a:alpha val="50000"/>
+      </a:schemeClr>
+      <a:schemeClr val="accent5">
+        <a:alpha val="50000"/>
+      </a:schemeClr>
+      <a:schemeClr val="accent6">
+        <a:alpha val="50000"/>
+      </a:schemeClr>
+    </dgm:fillClrLst>
+    <dgm:linClrLst meth="repeat">
+      <a:schemeClr val="lt1"/>
+    </dgm:linClrLst>
+    <dgm:effectClrLst/>
+    <dgm:txLinClrLst/>
+    <dgm:txFillClrLst/>
+    <dgm:txEffectClrLst/>
+  </dgm:styleLbl>
+  <dgm:styleLbl name="node2">
+    <dgm:fillClrLst>
+      <a:schemeClr val="accent2"/>
+    </dgm:fillClrLst>
+    <dgm:linClrLst meth="repeat">
+      <a:schemeClr val="lt1"/>
+    </dgm:linClrLst>
+    <dgm:effectClrLst/>
+    <dgm:txLinClrLst/>
+    <dgm:txFillClrLst/>
+    <dgm:txEffectClrLst/>
+  </dgm:styleLbl>
+  <dgm:styleLbl name="node3">
+    <dgm:fillClrLst>
+      <a:schemeClr val="accent3"/>
+    </dgm:fillClrLst>
+    <dgm:linClrLst meth="repeat">
+      <a:schemeClr val="lt1"/>
+    </dgm:linClrLst>
+    <dgm:effectClrLst/>
+    <dgm:txLinClrLst/>
+    <dgm:txFillClrLst/>
+    <dgm:txEffectClrLst/>
+  </dgm:styleLbl>
+  <dgm:styleLbl name="node4">
+    <dgm:fillClrLst>
+      <a:schemeClr val="accent4"/>
+    </dgm:fillClrLst>
+    <dgm:linClrLst meth="repeat">
+      <a:schemeClr val="lt1"/>
+    </dgm:linClrLst>
+    <dgm:effectClrLst/>
+    <dgm:txLinClrLst/>
+    <dgm:txFillClrLst/>
+    <dgm:txEffectClrLst/>
+  </dgm:styleLbl>
+  <dgm:styleLbl name="fgImgPlace1">
+    <dgm:fillClrLst meth="repeat">
+      <a:schemeClr val="accent2">
+        <a:tint val="50000"/>
+      </a:schemeClr>
+      <a:schemeClr val="accent3">
+        <a:tint val="50000"/>
+      </a:schemeClr>
+      <a:schemeClr val="accent4">
+        <a:tint val="50000"/>
+      </a:schemeClr>
+      <a:schemeClr val="accent5">
+        <a:tint val="50000"/>
+      </a:schemeClr>
+      <a:schemeClr val="accent6">
+        <a:tint val="50000"/>
+      </a:schemeClr>
+    </dgm:fillClrLst>
+    <dgm:linClrLst meth="repeat">
+      <a:schemeClr val="lt1"/>
+    </dgm:linClrLst>
+    <dgm:effectClrLst/>
+    <dgm:txLinClrLst/>
+    <dgm:txFillClrLst meth="repeat">
+      <a:schemeClr val="lt1"/>
+    </dgm:txFillClrLst>
+    <dgm:txEffectClrLst/>
+  </dgm:styleLbl>
+  <dgm:styleLbl name="alignImgPlace1">
+    <dgm:fillClrLst>
+      <a:schemeClr val="accent1">
+        <a:tint val="50000"/>
+      </a:schemeClr>
+      <a:schemeClr val="accent2">
+        <a:tint val="20000"/>
+      </a:schemeClr>
+    </dgm:fillClrLst>
+    <dgm:linClrLst meth="repeat">
+      <a:schemeClr val="lt1"/>
+    </dgm:linClrLst>
+    <dgm:effectClrLst/>
+    <dgm:txLinClrLst/>
+    <dgm:txFillClrLst meth="repeat">
+      <a:schemeClr val="lt1"/>
+    </dgm:txFillClrLst>
+    <dgm:txEffectClrLst/>
+  </dgm:styleLbl>
+  <dgm:styleLbl name="bgImgPlace1">
+    <dgm:fillClrLst>
+      <a:schemeClr val="accent1">
+        <a:tint val="50000"/>
+      </a:schemeClr>
+      <a:schemeClr val="accent2">
+        <a:tint val="20000"/>
+      </a:schemeClr>
+    </dgm:fillClrLst>
+    <dgm:linClrLst meth="repeat">
+      <a:schemeClr val="lt1"/>
+    </dgm:linClrLst>
+    <dgm:effectClrLst/>
+    <dgm:txLinClrLst/>
+    <dgm:txFillClrLst meth="repeat">
+      <a:schemeClr val="lt1"/>
+    </dgm:txFillClrLst>
+    <dgm:txEffectClrLst/>
+  </dgm:styleLbl>
+  <dgm:styleLbl name="sibTrans2D1">
+    <dgm:fillClrLst meth="repeat">
+      <a:schemeClr val="accent2"/>
+      <a:schemeClr val="accent3"/>
+      <a:schemeClr val="accent4"/>
+      <a:schemeClr val="accent5"/>
+      <a:schemeClr val="accent6"/>
+    </dgm:fillClrLst>
+    <dgm:linClrLst meth="cycle">
+      <a:schemeClr val="lt1"/>
+    </dgm:linClrLst>
+    <dgm:effectClrLst/>
+    <dgm:txLinClrLst/>
+    <dgm:txFillClrLst/>
+    <dgm:txEffectClrLst/>
+  </dgm:styleLbl>
+  <dgm:styleLbl name="fgSibTrans2D1">
+    <dgm:fillClrLst meth="repeat">
+      <a:schemeClr val="accent2"/>
+      <a:schemeClr val="accent3"/>
+      <a:schemeClr val="accent4"/>
+      <a:schemeClr val="accent5"/>
+      <a:schemeClr val="accent6"/>
+    </dgm:fillClrLst>
+    <dgm:linClrLst meth="cycle">
+      <a:schemeClr val="lt1"/>
+    </dgm:linClrLst>
+    <dgm:effectClrLst/>
+    <dgm:txLinClrLst/>
+    <dgm:txFillClrLst meth="repeat">
+      <a:schemeClr val="lt1"/>
+    </dgm:txFillClrLst>
+    <dgm:txEffectClrLst/>
+  </dgm:styleLbl>
+  <dgm:styleLbl name="bgSibTrans2D1">
+    <dgm:fillClrLst meth="repeat">
+      <a:schemeClr val="accent2"/>
+      <a:schemeClr val="accent3"/>
+      <a:schemeClr val="accent4"/>
+      <a:schemeClr val="accent5"/>
+      <a:schemeClr val="accent6"/>
+    </dgm:fillClrLst>
+    <dgm:linClrLst meth="cycle">
+      <a:schemeClr val="lt1"/>
+    </dgm:linClrLst>
+    <dgm:effectClrLst/>
+    <dgm:txLinClrLst/>
+    <dgm:txFillClrLst meth="repeat">
+      <a:schemeClr val="lt1"/>
+    </dgm:txFillClrLst>
+    <dgm:txEffectClrLst/>
+  </dgm:styleLbl>
+  <dgm:styleLbl name="sibTrans1D1">
+    <dgm:fillClrLst meth="repeat">
+      <a:schemeClr val="accent2"/>
+      <a:schemeClr val="accent3"/>
+      <a:schemeClr val="accent4"/>
+      <a:schemeClr val="accent5"/>
+      <a:schemeClr val="accent6"/>
+    </dgm:fillClrLst>
+    <dgm:linClrLst meth="repeat">
+      <a:schemeClr val="accent2"/>
+      <a:schemeClr val="accent3"/>
+      <a:schemeClr val="accent4"/>
+      <a:schemeClr val="accent5"/>
+      <a:schemeClr val="accent6"/>
+    </dgm:linClrLst>
+    <dgm:effectClrLst/>
+    <dgm:txLinClrLst/>
+    <dgm:txFillClrLst meth="repeat">
+      <a:schemeClr val="tx1"/>
+    </dgm:txFillClrLst>
+    <dgm:txEffectClrLst/>
+  </dgm:styleLbl>
+  <dgm:styleLbl name="callout">
+    <dgm:fillClrLst meth="repeat">
+      <a:schemeClr val="accent2"/>
+    </dgm:fillClrLst>
+    <dgm:linClrLst meth="repeat">
+      <a:schemeClr val="accent2">
+        <a:tint val="50000"/>
+      </a:schemeClr>
+    </dgm:linClrLst>
+    <dgm:effectClrLst/>
+    <dgm:txLinClrLst/>
+    <dgm:txFillClrLst meth="repeat">
+      <a:schemeClr val="tx1"/>
+    </dgm:txFillClrLst>
+    <dgm:txEffectClrLst/>
+  </dgm:styleLbl>
+  <dgm:styleLbl name="asst0">
+    <dgm:fillClrLst meth="repeat">
+      <a:schemeClr val="accent1"/>
+    </dgm:fillClrLst>
+    <dgm:linClrLst meth="repeat">
+      <a:schemeClr val="lt1"/>
+    </dgm:linClrLst>
+    <dgm:effectClrLst/>
+    <dgm:txLinClrLst/>
+    <dgm:txFillClrLst/>
+    <dgm:txEffectClrLst/>
+  </dgm:styleLbl>
+  <dgm:styleLbl name="asst1">
+    <dgm:fillClrLst meth="repeat">
+      <a:schemeClr val="accent2"/>
+    </dgm:fillClrLst>
+    <dgm:linClrLst meth="repeat">
+      <a:schemeClr val="lt1"/>
+    </dgm:linClrLst>
+    <dgm:effectClrLst/>
+    <dgm:txLinClrLst/>
+    <dgm:txFillClrLst/>
+    <dgm:txEffectClrLst/>
+  </dgm:styleLbl>
+  <dgm:styleLbl name="asst2">
+    <dgm:fillClrLst>
+      <a:schemeClr val="accent3"/>
+    </dgm:fillClrLst>
+    <dgm:linClrLst meth="repeat">
+      <a:schemeClr val="lt1"/>
+    </dgm:linClrLst>
+    <dgm:effectClrLst/>
+    <dgm:txLinClrLst/>
+    <dgm:txFillClrLst/>
+    <dgm:txEffectClrLst/>
+  </dgm:styleLbl>
+  <dgm:styleLbl name="asst3">
+    <dgm:fillClrLst>
+      <a:schemeClr val="accent4"/>
+    </dgm:fillClrLst>
+    <dgm:linClrLst meth="repeat">
+      <a:schemeClr val="lt1"/>
+    </dgm:linClrLst>
+    <dgm:effectClrLst/>
+    <dgm:txLinClrLst/>
+    <dgm:txFillClrLst/>
+    <dgm:txEffectClrLst/>
+  </dgm:styleLbl>
+  <dgm:styleLbl name="asst4">
+    <dgm:fillClrLst>
+      <a:schemeClr val="accent5"/>
+    </dgm:fillClrLst>
+    <dgm:linClrLst meth="repeat">
+      <a:schemeClr val="lt1"/>
+    </dgm:linClrLst>
+    <dgm:effectClrLst/>
+    <dgm:txLinClrLst/>
+    <dgm:txFillClrLst/>
+    <dgm:txEffectClrLst/>
+  </dgm:styleLbl>
+  <dgm:styleLbl name="parChTrans2D1">
+    <dgm:fillClrLst meth="repeat">
+      <a:schemeClr val="accent2"/>
+    </dgm:fillClrLst>
+    <dgm:linClrLst meth="repeat">
+      <a:schemeClr val="lt1"/>
+    </dgm:linClrLst>
+    <dgm:effectClrLst/>
+    <dgm:txLinClrLst/>
+    <dgm:txFillClrLst meth="repeat">
+      <a:schemeClr val="lt1"/>
+    </dgm:txFillClrLst>
+    <dgm:txEffectClrLst/>
+  </dgm:styleLbl>
+  <dgm:styleLbl name="parChTrans2D2">
+    <dgm:fillClrLst meth="repeat">
+      <a:schemeClr val="accent3"/>
+    </dgm:fillClrLst>
+    <dgm:linClrLst meth="repeat">
+      <a:schemeClr val="lt1"/>
+    </dgm:linClrLst>
+    <dgm:effectClrLst/>
+    <dgm:txLinClrLst/>
+    <dgm:txFillClrLst/>
+    <dgm:txEffectClrLst/>
+  </dgm:styleLbl>
+  <dgm:styleLbl name="parChTrans2D3">
+    <dgm:fillClrLst meth="repeat">
+      <a:schemeClr val="accent4"/>
+    </dgm:fillClrLst>
+    <dgm:linClrLst meth="repeat">
+      <a:schemeClr val="lt1"/>
+    </dgm:linClrLst>
+    <dgm:effectClrLst/>
+    <dgm:txLinClrLst/>
+    <dgm:txFillClrLst/>
+    <dgm:txEffectClrLst/>
+  </dgm:styleLbl>
+  <dgm:styleLbl name="parChTrans2D4">
+    <dgm:fillClrLst meth="repeat">
+      <a:schemeClr val="accent5"/>
+    </dgm:fillClrLst>
+    <dgm:linClrLst meth="repeat">
+      <a:schemeClr val="lt1"/>
+    </dgm:linClrLst>
+    <dgm:effectClrLst/>
+    <dgm:txLinClrLst/>
+    <dgm:txFillClrLst meth="repeat">
+      <a:schemeClr val="lt1"/>
+    </dgm:txFillClrLst>
+    <dgm:txEffectClrLst/>
+  </dgm:styleLbl>
+  <dgm:styleLbl name="parChTrans1D1">
+    <dgm:fillClrLst meth="repeat">
+      <a:schemeClr val="accent2"/>
+    </dgm:fillClrLst>
+    <dgm:linClrLst meth="repeat">
+      <a:schemeClr val="accent1"/>
+    </dgm:linClrLst>
+    <dgm:effectClrLst/>
+    <dgm:txLinClrLst/>
+    <dgm:txFillClrLst meth="repeat">
+      <a:schemeClr val="tx1"/>
+    </dgm:txFillClrLst>
+    <dgm:txEffectClrLst/>
+  </dgm:styleLbl>
+  <dgm:styleLbl name="parChTrans1D2">
+    <dgm:fillClrLst meth="repeat">
+      <a:schemeClr val="accent3">
+        <a:tint val="90000"/>
+      </a:schemeClr>
+    </dgm:fillClrLst>
+    <dgm:linClrLst meth="repeat">
+      <a:schemeClr val="accent2"/>
+    </dgm:linClrLst>
+    <dgm:effectClrLst/>
+    <dgm:txLinClrLst/>
+    <dgm:txFillClrLst meth="repeat">
+      <a:schemeClr val="tx1"/>
+    </dgm:txFillClrLst>
+    <dgm:txEffectClrLst/>
+  </dgm:styleLbl>
+  <dgm:styleLbl name="parChTrans1D3">
+    <dgm:fillClrLst meth="repeat">
+      <a:schemeClr val="accent4">
+        <a:tint val="70000"/>
+      </a:schemeClr>
+    </dgm:fillClrLst>
+    <dgm:linClrLst meth="repeat">
+      <a:schemeClr val="accent3"/>
+    </dgm:linClrLst>
+    <dgm:effectClrLst/>
+    <dgm:txLinClrLst/>
+    <dgm:txFillClrLst meth="repeat">
+      <a:schemeClr val="tx1"/>
+    </dgm:txFillClrLst>
+    <dgm:txEffectClrLst/>
+  </dgm:styleLbl>
+  <dgm:styleLbl name="parChTrans1D4">
+    <dgm:fillClrLst meth="repeat">
+      <a:schemeClr val="accent5">
+        <a:tint val="50000"/>
+      </a:schemeClr>
+    </dgm:fillClrLst>
+    <dgm:linClrLst meth="repeat">
+      <a:schemeClr val="accent4"/>
+    </dgm:linClrLst>
+    <dgm:effectClrLst/>
+    <dgm:txLinClrLst/>
+    <dgm:txFillClrLst meth="repeat">
+      <a:schemeClr val="tx1"/>
+    </dgm:txFillClrLst>
+    <dgm:txEffectClrLst/>
+  </dgm:styleLbl>
+  <dgm:styleLbl name="fgAcc1">
+    <dgm:fillClrLst meth="repeat">
+      <a:schemeClr val="lt1">
+        <a:alpha val="90000"/>
+      </a:schemeClr>
+    </dgm:fillClrLst>
+    <dgm:linClrLst meth="repeat">
+      <a:schemeClr val="accent2"/>
+      <a:schemeClr val="accent3"/>
+      <a:schemeClr val="accent4"/>
+      <a:schemeClr val="accent5"/>
+      <a:schemeClr val="accent6"/>
+    </dgm:linClrLst>
+    <dgm:effectClrLst/>
+    <dgm:txLinClrLst/>
+    <dgm:txFillClrLst meth="repeat">
+      <a:schemeClr val="dk1"/>
+    </dgm:txFillClrLst>
+    <dgm:txEffectClrLst/>
+  </dgm:styleLbl>
+  <dgm:styleLbl name="conFgAcc1">
+    <dgm:fillClrLst meth="repeat">
+      <a:schemeClr val="lt1">
+        <a:alpha val="90000"/>
+      </a:schemeClr>
+    </dgm:fillClrLst>
+    <dgm:linClrLst meth="repeat">
+      <a:schemeClr val="accent2"/>
+      <a:schemeClr val="accent3"/>
+      <a:schemeClr val="accent4"/>
+      <a:schemeClr val="accent5"/>
+      <a:schemeClr val="accent6"/>
+    </dgm:linClrLst>
+    <dgm:effectClrLst/>
+    <dgm:txLinClrLst/>
+    <dgm:txFillClrLst meth="repeat">
+      <a:schemeClr val="dk1"/>
+    </dgm:txFillClrLst>
+    <dgm:txEffectClrLst/>
+  </dgm:styleLbl>
+  <dgm:styleLbl name="alignAcc1">
+    <dgm:fillClrLst meth="repeat">
+      <a:schemeClr val="lt1">
+        <a:alpha val="90000"/>
+      </a:schemeClr>
+    </dgm:fillClrLst>
+    <dgm:linClrLst meth="repeat">
+      <a:schemeClr val="accent2"/>
+      <a:schemeClr val="accent3"/>
+      <a:schemeClr val="accent4"/>
+      <a:schemeClr val="accent5"/>
+      <a:schemeClr val="accent6"/>
+    </dgm:linClrLst>
+    <dgm:effectClrLst/>
+    <dgm:txLinClrLst/>
+    <dgm:txFillClrLst meth="repeat">
+      <a:schemeClr val="dk1"/>
+    </dgm:txFillClrLst>
+    <dgm:txEffectClrLst/>
+  </dgm:styleLbl>
+  <dgm:styleLbl name="trAlignAcc1">
+    <dgm:fillClrLst meth="repeat">
+      <a:schemeClr val="lt1">
+        <a:alpha val="40000"/>
+      </a:schemeClr>
+    </dgm:fillClrLst>
+    <dgm:linClrLst meth="repeat">
+      <a:schemeClr val="accent1"/>
+    </dgm:linClrLst>
+    <dgm:effectClrLst/>
+    <dgm:txLinClrLst/>
+    <dgm:txFillClrLst meth="repeat">
+      <a:schemeClr val="dk1"/>
+    </dgm:txFillClrLst>
+    <dgm:txEffectClrLst/>
+  </dgm:styleLbl>
+  <dgm:styleLbl name="bgAcc1">
+    <dgm:fillClrLst meth="repeat">
+      <a:schemeClr val="lt1">
+        <a:alpha val="90000"/>
+      </a:schemeClr>
+    </dgm:fillClrLst>
+    <dgm:linClrLst meth="repeat">
+      <a:schemeClr val="accent2"/>
+      <a:schemeClr val="accent3"/>
+      <a:schemeClr val="accent4"/>
+      <a:schemeClr val="accent5"/>
+      <a:schemeClr val="accent6"/>
+    </dgm:linClrLst>
+    <dgm:effectClrLst/>
+    <dgm:txLinClrLst/>
+    <dgm:txFillClrLst meth="repeat">
+      <a:schemeClr val="dk1"/>
+    </dgm:txFillClrLst>
+    <dgm:txEffectClrLst/>
+  </dgm:styleLbl>
+  <dgm:styleLbl name="solidFgAcc1">
+    <dgm:fillClrLst meth="repeat">
+      <a:schemeClr val="lt1"/>
+    </dgm:fillClrLst>
+    <dgm:linClrLst meth="repeat">
+      <a:schemeClr val="accent2"/>
+      <a:schemeClr val="accent3"/>
+      <a:schemeClr val="accent4"/>
+      <a:schemeClr val="accent5"/>
+      <a:schemeClr val="accent6"/>
+    </dgm:linClrLst>
+    <dgm:effectClrLst/>
+    <dgm:txLinClrLst/>
+    <dgm:txFillClrLst meth="repeat">
+      <a:schemeClr val="dk1"/>
+    </dgm:txFillClrLst>
+    <dgm:txEffectClrLst/>
+  </dgm:styleLbl>
+  <dgm:styleLbl name="solidAlignAcc1">
+    <dgm:fillClrLst meth="repeat">
+      <a:schemeClr val="lt1"/>
+    </dgm:fillClrLst>
+    <dgm:linClrLst meth="repeat">
+      <a:schemeClr val="accent2"/>
+      <a:schemeClr val="accent3"/>
+      <a:schemeClr val="accent4"/>
+      <a:schemeClr val="accent5"/>
+      <a:schemeClr val="accent6"/>
+    </dgm:linClrLst>
+    <dgm:effectClrLst/>
+    <dgm:txLinClrLst/>
+    <dgm:txFillClrLst meth="repeat">
+      <a:schemeClr val="dk1"/>
+    </dgm:txFillClrLst>
+    <dgm:txEffectClrLst/>
+  </dgm:styleLbl>
+  <dgm:styleLbl name="solidBgAcc1">
+    <dgm:fillClrLst meth="repeat">
+      <a:schemeClr val="lt1"/>
+    </dgm:fillClrLst>
+    <dgm:linClrLst meth="repeat">
+      <a:schemeClr val="accent2"/>
+      <a:schemeClr val="accent3"/>
+      <a:schemeClr val="accent4"/>
+      <a:schemeClr val="accent5"/>
+      <a:schemeClr val="accent6"/>
+    </dgm:linClrLst>
+    <dgm:effectClrLst/>
+    <dgm:txLinClrLst/>
+    <dgm:txFillClrLst meth="repeat">
+      <a:schemeClr val="dk1"/>
+    </dgm:txFillClrLst>
+    <dgm:txEffectClrLst/>
+  </dgm:styleLbl>
+  <dgm:styleLbl name="fgAccFollowNode1">
+    <dgm:fillClrLst meth="repeat">
+      <a:schemeClr val="accent2">
+        <a:tint val="40000"/>
+        <a:alpha val="90000"/>
+      </a:schemeClr>
+      <a:schemeClr val="accent3">
+        <a:tint val="40000"/>
+        <a:alpha val="90000"/>
+      </a:schemeClr>
+      <a:schemeClr val="accent4">
+        <a:tint val="40000"/>
+        <a:alpha val="90000"/>
+      </a:schemeClr>
+      <a:schemeClr val="accent5">
+        <a:tint val="40000"/>
+        <a:alpha val="90000"/>
+      </a:schemeClr>
+      <a:schemeClr val="accent6">
+        <a:tint val="40000"/>
+        <a:alpha val="90000"/>
+      </a:schemeClr>
+    </dgm:fillClrLst>
+    <dgm:linClrLst meth="repeat">
+      <a:schemeClr val="accent2">
+        <a:tint val="40000"/>
+        <a:alpha val="90000"/>
+      </a:schemeClr>
+      <a:schemeClr val="accent3">
+        <a:tint val="40000"/>
+        <a:alpha val="90000"/>
+      </a:schemeClr>
+      <a:schemeClr val="accent4">
+        <a:tint val="40000"/>
+        <a:alpha val="90000"/>
+      </a:schemeClr>
+      <a:schemeClr val="accent5">
+        <a:tint val="40000"/>
+        <a:alpha val="90000"/>
+      </a:schemeClr>
+      <a:schemeClr val="accent6">
+        <a:tint val="40000"/>
+        <a:alpha val="90000"/>
+      </a:schemeClr>
+    </dgm:linClrLst>
+    <dgm:effectClrLst/>
+    <dgm:txLinClrLst/>
+    <dgm:txFillClrLst meth="repeat">
+      <a:schemeClr val="dk1"/>
+    </dgm:txFillClrLst>
+    <dgm:txEffectClrLst/>
+  </dgm:styleLbl>
+  <dgm:styleLbl name="alignAccFollowNode1">
+    <dgm:fillClrLst meth="repeat">
+      <a:schemeClr val="accent2">
+        <a:tint val="40000"/>
+        <a:alpha val="90000"/>
+      </a:schemeClr>
+      <a:schemeClr val="accent3">
+        <a:tint val="40000"/>
+        <a:alpha val="90000"/>
+      </a:schemeClr>
+      <a:schemeClr val="accent4">
+        <a:tint val="40000"/>
+        <a:alpha val="90000"/>
+      </a:schemeClr>
+      <a:schemeClr val="accent5">
+        <a:tint val="40000"/>
+        <a:alpha val="90000"/>
+      </a:schemeClr>
+      <a:schemeClr val="accent6">
+        <a:tint val="40000"/>
+        <a:alpha val="90000"/>
+      </a:schemeClr>
+    </dgm:fillClrLst>
+    <dgm:linClrLst meth="repeat">
+      <a:schemeClr val="accent2">
+        <a:tint val="40000"/>
+        <a:alpha val="90000"/>
+      </a:schemeClr>
+      <a:schemeClr val="accent3">
+        <a:tint val="40000"/>
+        <a:alpha val="90000"/>
+      </a:schemeClr>
+      <a:schemeClr val="accent4">
+        <a:tint val="40000"/>
+        <a:alpha val="90000"/>
+      </a:schemeClr>
+      <a:schemeClr val="accent5">
+        <a:tint val="40000"/>
+        <a:alpha val="90000"/>
+      </a:schemeClr>
+      <a:schemeClr val="accent6">
+        <a:tint val="40000"/>
+        <a:alpha val="90000"/>
+      </a:schemeClr>
+    </dgm:linClrLst>
+    <dgm:effectClrLst/>
+    <dgm:txLinClrLst/>
+    <dgm:txFillClrLst meth="repeat">
+      <a:schemeClr val="dk1"/>
+    </dgm:txFillClrLst>
+    <dgm:txEffectClrLst/>
+  </dgm:styleLbl>
+  <dgm:styleLbl name="bgAccFollowNode1">
+    <dgm:fillClrLst meth="repeat">
+      <a:schemeClr val="accent2">
+        <a:tint val="40000"/>
+        <a:alpha val="90000"/>
+      </a:schemeClr>
+      <a:schemeClr val="accent3">
+        <a:tint val="40000"/>
+        <a:alpha val="90000"/>
+      </a:schemeClr>
+      <a:schemeClr val="accent4">
+        <a:tint val="40000"/>
+        <a:alpha val="90000"/>
+      </a:schemeClr>
+      <a:schemeClr val="accent5">
+        <a:tint val="40000"/>
+        <a:alpha val="90000"/>
+      </a:schemeClr>
+      <a:schemeClr val="accent6">
+        <a:tint val="40000"/>
+        <a:alpha val="90000"/>
+      </a:schemeClr>
+    </dgm:fillClrLst>
+    <dgm:linClrLst meth="repeat">
+      <a:schemeClr val="accent2">
+        <a:tint val="40000"/>
+        <a:alpha val="90000"/>
+      </a:schemeClr>
+      <a:schemeClr val="accent3">
+        <a:tint val="40000"/>
+        <a:alpha val="90000"/>
+      </a:schemeClr>
+      <a:schemeClr val="accent4">
+        <a:tint val="40000"/>
+        <a:alpha val="90000"/>
+      </a:schemeClr>
+      <a:schemeClr val="accent5">
+        <a:tint val="40000"/>
+        <a:alpha val="90000"/>
+      </a:schemeClr>
+      <a:schemeClr val="accent6">
+        <a:tint val="40000"/>
+        <a:alpha val="90000"/>
+      </a:schemeClr>
+    </dgm:linClrLst>
+    <dgm:effectClrLst/>
+    <dgm:txLinClrLst/>
+    <dgm:txFillClrLst meth="repeat">
+      <a:schemeClr val="dk1"/>
+    </dgm:txFillClrLst>
+    <dgm:txEffectClrLst/>
+  </dgm:styleLbl>
+  <dgm:styleLbl name="fgAcc0">
+    <dgm:fillClrLst meth="repeat">
+      <a:schemeClr val="lt1">
+        <a:alpha val="90000"/>
+      </a:schemeClr>
+    </dgm:fillClrLst>
+    <dgm:linClrLst>
+      <a:schemeClr val="accent1"/>
+    </dgm:linClrLst>
+    <dgm:effectClrLst/>
+    <dgm:txLinClrLst/>
+    <dgm:txFillClrLst meth="repeat">
+      <a:schemeClr val="dk1"/>
+    </dgm:txFillClrLst>
+    <dgm:txEffectClrLst/>
+  </dgm:styleLbl>
+  <dgm:styleLbl name="fgAcc2">
+    <dgm:fillClrLst meth="repeat">
+      <a:schemeClr val="lt1">
+        <a:alpha val="90000"/>
+      </a:schemeClr>
+    </dgm:fillClrLst>
+    <dgm:linClrLst>
+      <a:schemeClr val="accent2"/>
+    </dgm:linClrLst>
+    <dgm:effectClrLst/>
+    <dgm:txLinClrLst/>
+    <dgm:txFillClrLst meth="repeat">
+      <a:schemeClr val="dk1"/>
+    </dgm:txFillClrLst>
+    <dgm:txEffectClrLst/>
+  </dgm:styleLbl>
+  <dgm:styleLbl name="fgAcc3">
+    <dgm:fillClrLst meth="repeat">
+      <a:schemeClr val="lt1">
+        <a:alpha val="90000"/>
+      </a:schemeClr>
+    </dgm:fillClrLst>
+    <dgm:linClrLst>
+      <a:schemeClr val="accent3"/>
+    </dgm:linClrLst>
+    <dgm:effectClrLst/>
+    <dgm:txLinClrLst/>
+    <dgm:txFillClrLst meth="repeat">
+      <a:schemeClr val="dk1"/>
+    </dgm:txFillClrLst>
+    <dgm:txEffectClrLst/>
+  </dgm:styleLbl>
+  <dgm:styleLbl name="fgAcc4">
+    <dgm:fillClrLst meth="repeat">
+      <a:schemeClr val="lt1">
+        <a:alpha val="90000"/>
+      </a:schemeClr>
+    </dgm:fillClrLst>
+    <dgm:linClrLst>
+      <a:schemeClr val="accent4"/>
+    </dgm:linClrLst>
+    <dgm:effectClrLst/>
+    <dgm:txLinClrLst/>
+    <dgm:txFillClrLst meth="repeat">
+      <a:schemeClr val="dk1"/>
+    </dgm:txFillClrLst>
+    <dgm:txEffectClrLst/>
+  </dgm:styleLbl>
+  <dgm:styleLbl name="bgShp">
+    <dgm:fillClrLst meth="repeat">
+      <a:schemeClr val="accent2">
+        <a:tint val="40000"/>
+      </a:schemeClr>
+    </dgm:fillClrLst>
+    <dgm:linClrLst meth="repeat">
+      <a:schemeClr val="dk1"/>
+    </dgm:linClrLst>
+    <dgm:effectClrLst/>
+    <dgm:txLinClrLst/>
+    <dgm:txFillClrLst meth="repeat">
+      <a:schemeClr val="dk1"/>
+    </dgm:txFillClrLst>
+    <dgm:txEffectClrLst/>
+  </dgm:styleLbl>
+  <dgm:styleLbl name="dkBgShp">
+    <dgm:fillClrLst meth="repeat">
+      <a:schemeClr val="accent2">
+        <a:shade val="90000"/>
+      </a:schemeClr>
+    </dgm:fillClrLst>
+    <dgm:linClrLst meth="repeat">
+      <a:schemeClr val="dk1"/>
+    </dgm:linClrLst>
+    <dgm:effectClrLst/>
+    <dgm:txLinClrLst/>
+    <dgm:txFillClrLst meth="repeat">
+      <a:schemeClr val="lt1"/>
+    </dgm:txFillClrLst>
+    <dgm:txEffectClrLst/>
+  </dgm:styleLbl>
+  <dgm:styleLbl name="trBgShp">
+    <dgm:fillClrLst meth="repeat">
+      <a:schemeClr val="accent1">
+        <a:tint val="50000"/>
+        <a:alpha val="40000"/>
+      </a:schemeClr>
+    </dgm:fillClrLst>
+    <dgm:linClrLst meth="repeat">
+      <a:schemeClr val="accent2"/>
+    </dgm:linClrLst>
+    <dgm:effectClrLst/>
+    <dgm:txLinClrLst/>
+    <dgm:txFillClrLst meth="repeat">
+      <a:schemeClr val="lt1"/>
+    </dgm:txFillClrLst>
+    <dgm:txEffectClrLst/>
+  </dgm:styleLbl>
+  <dgm:styleLbl name="fgShp">
+    <dgm:fillClrLst meth="repeat">
+      <a:schemeClr val="accent2">
+        <a:tint val="40000"/>
+      </a:schemeClr>
+    </dgm:fillClrLst>
+    <dgm:linClrLst meth="repeat">
+      <a:schemeClr val="lt1"/>
+    </dgm:linClrLst>
+    <dgm:effectClrLst/>
+    <dgm:txLinClrLst/>
+    <dgm:txFillClrLst meth="repeat">
+      <a:schemeClr val="dk1"/>
+    </dgm:txFillClrLst>
+    <dgm:txEffectClrLst/>
+  </dgm:styleLbl>
+  <dgm:styleLbl name="revTx">
+    <dgm:fillClrLst meth="repeat">
+      <a:schemeClr val="lt1">
+        <a:alpha val="0"/>
+      </a:schemeClr>
+    </dgm:fillClrLst>
+    <dgm:linClrLst meth="repeat">
+      <a:schemeClr val="dk1">
+        <a:alpha val="0"/>
+      </a:schemeClr>
+    </dgm:linClrLst>
+    <dgm:effectClrLst/>
+    <dgm:txLinClrLst/>
+    <dgm:txFillClrLst meth="repeat">
+      <a:schemeClr val="tx1"/>
+    </dgm:txFillClrLst>
+    <dgm:txEffectClrLst/>
+  </dgm:styleLbl>
+</dgm:colorsDef>
+</file>
+
+<file path=ppt/diagrams/colors5.xml><?xml version="1.0" encoding="utf-8"?>
 <dgm:colorsDef xmlns:dgm="http://schemas.openxmlformats.org/drawingml/2006/diagram" xmlns:a="http://schemas.openxmlformats.org/drawingml/2006/main" uniqueId="urn:microsoft.com/office/officeart/2005/8/colors/colorful1">
   <dgm:title val=""/>
   <dgm:desc val=""/>
@@ -3999,6 +4930,13 @@
         </dgm:presLayoutVars>
       </dgm:prSet>
       <dgm:spPr/>
+      <dgm:t>
+        <a:bodyPr/>
+        <a:lstStyle/>
+        <a:p>
+          <a:endParaRPr lang="zh-CN" altLang="en-US"/>
+        </a:p>
+      </dgm:t>
     </dgm:pt>
     <dgm:pt modelId="{90719BB6-8C79-45CB-A72B-5BE5B5CD8858}" type="pres">
       <dgm:prSet presAssocID="{A37C7BA6-55A5-46A5-8579-4C8C2FFD80BD}" presName="spacerT" presStyleCnt="0"/>
@@ -4007,6 +4945,13 @@
     <dgm:pt modelId="{9778900A-D095-4BBC-B264-841EB8F979D3}" type="pres">
       <dgm:prSet presAssocID="{A37C7BA6-55A5-46A5-8579-4C8C2FFD80BD}" presName="sibTrans" presStyleLbl="sibTrans2D1" presStyleIdx="0" presStyleCnt="2"/>
       <dgm:spPr/>
+      <dgm:t>
+        <a:bodyPr/>
+        <a:lstStyle/>
+        <a:p>
+          <a:endParaRPr lang="zh-CN" altLang="en-US"/>
+        </a:p>
+      </dgm:t>
     </dgm:pt>
     <dgm:pt modelId="{CB49DB49-651B-4BEE-B7B8-16B39121ACAF}" type="pres">
       <dgm:prSet presAssocID="{A37C7BA6-55A5-46A5-8579-4C8C2FFD80BD}" presName="spacerB" presStyleCnt="0"/>
@@ -4030,10 +4975,24 @@
     <dgm:pt modelId="{F385FBA6-2B43-4B0F-9D07-1D257D1C3AEE}" type="pres">
       <dgm:prSet presAssocID="{C0546ECB-75A5-491E-84E5-A9BEDBE344C1}" presName="sibTransLast" presStyleLbl="sibTrans2D1" presStyleIdx="1" presStyleCnt="2"/>
       <dgm:spPr/>
+      <dgm:t>
+        <a:bodyPr/>
+        <a:lstStyle/>
+        <a:p>
+          <a:endParaRPr lang="zh-CN" altLang="en-US"/>
+        </a:p>
+      </dgm:t>
     </dgm:pt>
     <dgm:pt modelId="{A5082121-3769-4A9D-A812-02DCF5696C3C}" type="pres">
       <dgm:prSet presAssocID="{C0546ECB-75A5-491E-84E5-A9BEDBE344C1}" presName="connectorText" presStyleLbl="sibTrans2D1" presStyleIdx="1" presStyleCnt="2"/>
       <dgm:spPr/>
+      <dgm:t>
+        <a:bodyPr/>
+        <a:lstStyle/>
+        <a:p>
+          <a:endParaRPr lang="zh-CN" altLang="en-US"/>
+        </a:p>
+      </dgm:t>
     </dgm:pt>
     <dgm:pt modelId="{3DF1263B-FC02-4B86-9315-B97DFB2AD61B}" type="pres">
       <dgm:prSet presAssocID="{C0546ECB-75A5-491E-84E5-A9BEDBE344C1}" presName="lastNode" presStyleLbl="node1" presStyleIdx="2" presStyleCnt="3">
@@ -4042,12 +5001,19 @@
         </dgm:presLayoutVars>
       </dgm:prSet>
       <dgm:spPr/>
+      <dgm:t>
+        <a:bodyPr/>
+        <a:lstStyle/>
+        <a:p>
+          <a:endParaRPr lang="zh-CN" altLang="en-US"/>
+        </a:p>
+      </dgm:t>
     </dgm:pt>
   </dgm:ptLst>
   <dgm:cxnLst>
     <dgm:cxn modelId="{5B4F3D8B-32B8-48A6-9123-0876DDD057E8}" type="presOf" srcId="{68C4EC2C-0272-4BF9-BB4E-F94DC6FE6ADD}" destId="{F385FBA6-2B43-4B0F-9D07-1D257D1C3AEE}" srcOrd="0" destOrd="0" presId="urn:microsoft.com/office/officeart/2005/8/layout/equation2"/>
+    <dgm:cxn modelId="{39826061-0FA0-4FA0-A414-F68AD8A84944}" type="presOf" srcId="{5D338035-298C-4B9B-B8D7-BAABB54CC8BF}" destId="{BB6E929B-392D-4EC2-8642-8DB071311829}" srcOrd="0" destOrd="0" presId="urn:microsoft.com/office/officeart/2005/8/layout/equation2"/>
     <dgm:cxn modelId="{9B978C5E-1E2B-45CB-8C2B-8CBD7FB30A20}" type="presOf" srcId="{91954CD8-26A6-40AC-8C7D-F8353210DCE4}" destId="{BDE7F83A-790A-4177-87BB-236521E971E9}" srcOrd="0" destOrd="0" presId="urn:microsoft.com/office/officeart/2005/8/layout/equation2"/>
-    <dgm:cxn modelId="{39826061-0FA0-4FA0-A414-F68AD8A84944}" type="presOf" srcId="{5D338035-298C-4B9B-B8D7-BAABB54CC8BF}" destId="{BB6E929B-392D-4EC2-8642-8DB071311829}" srcOrd="0" destOrd="0" presId="urn:microsoft.com/office/officeart/2005/8/layout/equation2"/>
     <dgm:cxn modelId="{AFF7F3A3-2FD2-4787-ACA2-DB4E38696A63}" srcId="{C0546ECB-75A5-491E-84E5-A9BEDBE344C1}" destId="{91954CD8-26A6-40AC-8C7D-F8353210DCE4}" srcOrd="0" destOrd="0" parTransId="{C2FEB0F4-A3B2-457C-ACD4-C1FF5C6570FC}" sibTransId="{A37C7BA6-55A5-46A5-8579-4C8C2FFD80BD}"/>
     <dgm:cxn modelId="{28ECA5EA-B56B-4BA9-8CD8-DAD5661995B5}" srcId="{C0546ECB-75A5-491E-84E5-A9BEDBE344C1}" destId="{F162CDD5-CB0C-4D8A-9EBC-0BA1625C8F02}" srcOrd="2" destOrd="0" parTransId="{7C2F4332-CF0C-466E-91D9-831D4BBFEEFE}" sibTransId="{B5FFC126-ADB3-49F8-9473-6C26BEF21ABF}"/>
     <dgm:cxn modelId="{1627171A-51B2-44C8-8AFE-D8D96579F4FA}" type="presOf" srcId="{A37C7BA6-55A5-46A5-8579-4C8C2FFD80BD}" destId="{9778900A-D095-4BBC-B264-841EB8F979D3}" srcOrd="0" destOrd="0" presId="urn:microsoft.com/office/officeart/2005/8/layout/equation2"/>
@@ -4213,14 +5179,35 @@
           <a:avLst/>
         </a:prstGeom>
       </dgm:spPr>
+      <dgm:t>
+        <a:bodyPr/>
+        <a:lstStyle/>
+        <a:p>
+          <a:endParaRPr lang="zh-CN" altLang="en-US"/>
+        </a:p>
+      </dgm:t>
     </dgm:pt>
     <dgm:pt modelId="{81D6F660-69E1-4126-A853-4A3347D47885}" type="pres">
       <dgm:prSet presAssocID="{E9C6E5BC-3424-46F7-8E66-430119E46521}" presName="sibTrans" presStyleLbl="sibTrans2D1" presStyleIdx="0" presStyleCnt="2"/>
       <dgm:spPr/>
+      <dgm:t>
+        <a:bodyPr/>
+        <a:lstStyle/>
+        <a:p>
+          <a:endParaRPr lang="zh-CN" altLang="en-US"/>
+        </a:p>
+      </dgm:t>
     </dgm:pt>
     <dgm:pt modelId="{1A5710E8-7AD1-4F01-B880-A093ED35451C}" type="pres">
       <dgm:prSet presAssocID="{E9C6E5BC-3424-46F7-8E66-430119E46521}" presName="connectorText" presStyleLbl="sibTrans2D1" presStyleIdx="0" presStyleCnt="2"/>
       <dgm:spPr/>
+      <dgm:t>
+        <a:bodyPr/>
+        <a:lstStyle/>
+        <a:p>
+          <a:endParaRPr lang="zh-CN" altLang="en-US"/>
+        </a:p>
+      </dgm:t>
     </dgm:pt>
     <dgm:pt modelId="{B2111C57-60D2-47B7-A7DD-B0954878EC16}" type="pres">
       <dgm:prSet presAssocID="{34504A1C-2C9E-4110-BE3F-C27CA6268AEB}" presName="node" presStyleLbl="node1" presStyleIdx="1" presStyleCnt="3">
@@ -4229,14 +5216,35 @@
         </dgm:presLayoutVars>
       </dgm:prSet>
       <dgm:spPr/>
+      <dgm:t>
+        <a:bodyPr/>
+        <a:lstStyle/>
+        <a:p>
+          <a:endParaRPr lang="zh-CN" altLang="en-US"/>
+        </a:p>
+      </dgm:t>
     </dgm:pt>
     <dgm:pt modelId="{6E1FA275-E089-4A32-A8D8-E8CD684EE2B2}" type="pres">
       <dgm:prSet presAssocID="{71CE609A-BEBC-4930-A08B-03CB7878AEEB}" presName="sibTrans" presStyleLbl="sibTrans2D1" presStyleIdx="1" presStyleCnt="2"/>
       <dgm:spPr/>
+      <dgm:t>
+        <a:bodyPr/>
+        <a:lstStyle/>
+        <a:p>
+          <a:endParaRPr lang="zh-CN" altLang="en-US"/>
+        </a:p>
+      </dgm:t>
     </dgm:pt>
     <dgm:pt modelId="{91070796-B935-4A0F-AE78-D905386CB67C}" type="pres">
       <dgm:prSet presAssocID="{71CE609A-BEBC-4930-A08B-03CB7878AEEB}" presName="connectorText" presStyleLbl="sibTrans2D1" presStyleIdx="1" presStyleCnt="2"/>
       <dgm:spPr/>
+      <dgm:t>
+        <a:bodyPr/>
+        <a:lstStyle/>
+        <a:p>
+          <a:endParaRPr lang="zh-CN" altLang="en-US"/>
+        </a:p>
+      </dgm:t>
     </dgm:pt>
     <dgm:pt modelId="{787D1A9B-1BD0-4387-9A86-86771D0A4BC6}" type="pres">
       <dgm:prSet presAssocID="{0422C9DD-CE98-4E05-9213-F8890B76F5A8}" presName="node" presStyleLbl="node1" presStyleIdx="2" presStyleCnt="3">
@@ -4245,6 +5253,13 @@
         </dgm:presLayoutVars>
       </dgm:prSet>
       <dgm:spPr/>
+      <dgm:t>
+        <a:bodyPr/>
+        <a:lstStyle/>
+        <a:p>
+          <a:endParaRPr lang="zh-CN" altLang="en-US"/>
+        </a:p>
+      </dgm:t>
     </dgm:pt>
   </dgm:ptLst>
   <dgm:cxnLst>
@@ -4254,8 +5269,8 @@
     <dgm:cxn modelId="{8B5D87D3-8A4A-40FB-9070-0E54DDEEFF08}" srcId="{EE67F5D5-1855-49D5-B57A-99BA2859DF2B}" destId="{34504A1C-2C9E-4110-BE3F-C27CA6268AEB}" srcOrd="1" destOrd="0" parTransId="{90A7EF17-ABF8-4114-BA28-76A003D7B9D7}" sibTransId="{71CE609A-BEBC-4930-A08B-03CB7878AEEB}"/>
     <dgm:cxn modelId="{C042269D-F84F-46C2-B498-9C6DEDE7FE2A}" type="presOf" srcId="{0422C9DD-CE98-4E05-9213-F8890B76F5A8}" destId="{787D1A9B-1BD0-4387-9A86-86771D0A4BC6}" srcOrd="0" destOrd="0" presId="urn:microsoft.com/office/officeart/2005/8/layout/process1"/>
     <dgm:cxn modelId="{40FD8B23-E86E-4985-BCEC-79F203E57F95}" type="presOf" srcId="{AAE4793F-5333-4BC1-9658-B5FFE29CB831}" destId="{369F43C4-17E8-49A6-B992-09039DF8D377}" srcOrd="0" destOrd="0" presId="urn:microsoft.com/office/officeart/2005/8/layout/process1"/>
+    <dgm:cxn modelId="{19565BC6-8E50-4FA7-B270-C870A86F1BCF}" type="presOf" srcId="{EE67F5D5-1855-49D5-B57A-99BA2859DF2B}" destId="{21E8B9E5-6B40-48E7-9B47-DCEC4B303D4D}" srcOrd="0" destOrd="0" presId="urn:microsoft.com/office/officeart/2005/8/layout/process1"/>
     <dgm:cxn modelId="{FA265DF3-5731-45CC-89D2-7289FB858C4D}" srcId="{EE67F5D5-1855-49D5-B57A-99BA2859DF2B}" destId="{0422C9DD-CE98-4E05-9213-F8890B76F5A8}" srcOrd="2" destOrd="0" parTransId="{3EF575D7-45C7-45B6-8F8A-F0329392DECC}" sibTransId="{34DF7C1C-F39D-403F-A9DF-78BC2C3EAE6D}"/>
-    <dgm:cxn modelId="{19565BC6-8E50-4FA7-B270-C870A86F1BCF}" type="presOf" srcId="{EE67F5D5-1855-49D5-B57A-99BA2859DF2B}" destId="{21E8B9E5-6B40-48E7-9B47-DCEC4B303D4D}" srcOrd="0" destOrd="0" presId="urn:microsoft.com/office/officeart/2005/8/layout/process1"/>
     <dgm:cxn modelId="{89E23012-817E-4BE4-9B33-0C3F3F7101DE}" type="presOf" srcId="{E9C6E5BC-3424-46F7-8E66-430119E46521}" destId="{81D6F660-69E1-4126-A853-4A3347D47885}" srcOrd="0" destOrd="0" presId="urn:microsoft.com/office/officeart/2005/8/layout/process1"/>
     <dgm:cxn modelId="{DD254A7A-CFFE-4A8A-B79D-4AD68D9AA5C2}" type="presOf" srcId="{E9C6E5BC-3424-46F7-8E66-430119E46521}" destId="{1A5710E8-7AD1-4F01-B880-A093ED35451C}" srcOrd="1" destOrd="0" presId="urn:microsoft.com/office/officeart/2005/8/layout/process1"/>
     <dgm:cxn modelId="{D57E59C0-614E-4D01-8997-F6E0BD348A98}" type="presOf" srcId="{71CE609A-BEBC-4930-A08B-03CB7878AEEB}" destId="{91070796-B935-4A0F-AE78-D905386CB67C}" srcOrd="1" destOrd="0" presId="urn:microsoft.com/office/officeart/2005/8/layout/process1"/>
@@ -4415,6 +5430,13 @@
           <a:avLst/>
         </a:prstGeom>
       </dgm:spPr>
+      <dgm:t>
+        <a:bodyPr/>
+        <a:lstStyle/>
+        <a:p>
+          <a:endParaRPr lang="zh-CN" altLang="en-US"/>
+        </a:p>
+      </dgm:t>
     </dgm:pt>
     <dgm:pt modelId="{6064ED54-F6EA-47BB-8896-E1B45CF41D2C}" type="pres">
       <dgm:prSet presAssocID="{5C2ACA33-FB99-44B8-87C3-8B95381903AB}" presName="spacerT" presStyleCnt="0"/>
@@ -4423,6 +5445,13 @@
     <dgm:pt modelId="{59A8DC76-7F93-48D5-A2F6-17A196C0FB90}" type="pres">
       <dgm:prSet presAssocID="{5C2ACA33-FB99-44B8-87C3-8B95381903AB}" presName="sibTrans" presStyleLbl="sibTrans2D1" presStyleIdx="0" presStyleCnt="2"/>
       <dgm:spPr/>
+      <dgm:t>
+        <a:bodyPr/>
+        <a:lstStyle/>
+        <a:p>
+          <a:endParaRPr lang="zh-CN" altLang="en-US"/>
+        </a:p>
+      </dgm:t>
     </dgm:pt>
     <dgm:pt modelId="{D3EA03CA-3A9E-4774-8C7B-430E8DA00D1B}" type="pres">
       <dgm:prSet presAssocID="{5C2ACA33-FB99-44B8-87C3-8B95381903AB}" presName="spacerB" presStyleCnt="0"/>
@@ -4435,14 +5464,35 @@
         </dgm:presLayoutVars>
       </dgm:prSet>
       <dgm:spPr/>
+      <dgm:t>
+        <a:bodyPr/>
+        <a:lstStyle/>
+        <a:p>
+          <a:endParaRPr lang="zh-CN" altLang="en-US"/>
+        </a:p>
+      </dgm:t>
     </dgm:pt>
     <dgm:pt modelId="{07CEE257-576C-4C76-900C-9A3F501047BE}" type="pres">
       <dgm:prSet presAssocID="{08306B6D-9263-4EA1-8050-5FA0A428479B}" presName="sibTransLast" presStyleLbl="sibTrans2D1" presStyleIdx="1" presStyleCnt="2"/>
       <dgm:spPr/>
+      <dgm:t>
+        <a:bodyPr/>
+        <a:lstStyle/>
+        <a:p>
+          <a:endParaRPr lang="zh-CN" altLang="en-US"/>
+        </a:p>
+      </dgm:t>
     </dgm:pt>
     <dgm:pt modelId="{9453DD1B-0318-4608-9146-183924719612}" type="pres">
       <dgm:prSet presAssocID="{08306B6D-9263-4EA1-8050-5FA0A428479B}" presName="connectorText" presStyleLbl="sibTrans2D1" presStyleIdx="1" presStyleCnt="2"/>
       <dgm:spPr/>
+      <dgm:t>
+        <a:bodyPr/>
+        <a:lstStyle/>
+        <a:p>
+          <a:endParaRPr lang="zh-CN" altLang="en-US"/>
+        </a:p>
+      </dgm:t>
     </dgm:pt>
     <dgm:pt modelId="{9A5957BD-EEED-41A1-854C-F45C427989BA}" type="pres">
       <dgm:prSet presAssocID="{08306B6D-9263-4EA1-8050-5FA0A428479B}" presName="lastNode" presStyleLbl="node1" presStyleIdx="2" presStyleCnt="3">
@@ -4451,6 +5501,13 @@
         </dgm:presLayoutVars>
       </dgm:prSet>
       <dgm:spPr/>
+      <dgm:t>
+        <a:bodyPr/>
+        <a:lstStyle/>
+        <a:p>
+          <a:endParaRPr lang="zh-CN" altLang="en-US"/>
+        </a:p>
+      </dgm:t>
     </dgm:pt>
   </dgm:ptLst>
   <dgm:cxnLst>
@@ -4857,6 +5914,13 @@
         </dgm:presLayoutVars>
       </dgm:prSet>
       <dgm:spPr/>
+      <dgm:t>
+        <a:bodyPr/>
+        <a:lstStyle/>
+        <a:p>
+          <a:endParaRPr lang="zh-CN" altLang="en-US"/>
+        </a:p>
+      </dgm:t>
     </dgm:pt>
     <dgm:pt modelId="{7BCBC6F5-C0FB-4C79-82F3-7423DCFEA677}" type="pres">
       <dgm:prSet presAssocID="{6A721404-FC4F-43F4-BFA5-A30CA121C724}" presName="composite" presStyleCnt="0"/>
@@ -4870,6 +5934,13 @@
         </dgm:presLayoutVars>
       </dgm:prSet>
       <dgm:spPr/>
+      <dgm:t>
+        <a:bodyPr/>
+        <a:lstStyle/>
+        <a:p>
+          <a:endParaRPr lang="zh-CN" altLang="en-US"/>
+        </a:p>
+      </dgm:t>
     </dgm:pt>
     <dgm:pt modelId="{95DE598D-6673-46C2-BF43-26AC22BAB4AD}" type="pres">
       <dgm:prSet presAssocID="{6A721404-FC4F-43F4-BFA5-A30CA121C724}" presName="descendantText" presStyleLbl="alignAcc1" presStyleIdx="0" presStyleCnt="3">
@@ -4902,6 +5973,13 @@
         </dgm:presLayoutVars>
       </dgm:prSet>
       <dgm:spPr/>
+      <dgm:t>
+        <a:bodyPr/>
+        <a:lstStyle/>
+        <a:p>
+          <a:endParaRPr lang="zh-CN" altLang="en-US"/>
+        </a:p>
+      </dgm:t>
     </dgm:pt>
     <dgm:pt modelId="{BC251D36-F7A8-4F60-A2B4-1E51659DFE98}" type="pres">
       <dgm:prSet presAssocID="{ADDDC0E0-B123-4C8E-8DE2-59CC84A39636}" presName="descendantText" presStyleLbl="alignAcc1" presStyleIdx="1" presStyleCnt="3">
@@ -4910,6 +5988,13 @@
         </dgm:presLayoutVars>
       </dgm:prSet>
       <dgm:spPr/>
+      <dgm:t>
+        <a:bodyPr/>
+        <a:lstStyle/>
+        <a:p>
+          <a:endParaRPr lang="zh-CN" altLang="en-US"/>
+        </a:p>
+      </dgm:t>
     </dgm:pt>
     <dgm:pt modelId="{958A0BED-A7F4-4A69-82AB-DE770E383E33}" type="pres">
       <dgm:prSet presAssocID="{82743DB0-A6F3-45E4-AF6C-1A3F5869E497}" presName="sp" presStyleCnt="0"/>
@@ -4927,6 +6012,13 @@
         </dgm:presLayoutVars>
       </dgm:prSet>
       <dgm:spPr/>
+      <dgm:t>
+        <a:bodyPr/>
+        <a:lstStyle/>
+        <a:p>
+          <a:endParaRPr lang="zh-CN" altLang="en-US"/>
+        </a:p>
+      </dgm:t>
     </dgm:pt>
     <dgm:pt modelId="{1D7C740A-8832-4BA6-BDE0-7F09673A3DAF}" type="pres">
       <dgm:prSet presAssocID="{21BF3B98-F83C-4DE9-AE6A-E1CD2E015112}" presName="descendantText" presStyleLbl="alignAcc1" presStyleIdx="2" presStyleCnt="3">
@@ -4955,9 +6047,9 @@
     <dgm:cxn modelId="{106B2662-A3B9-409B-B6C3-E56344A7E3FF}" srcId="{6A721404-FC4F-43F4-BFA5-A30CA121C724}" destId="{F1DDFDB8-3DD0-4EAE-A488-242DD516EE9B}" srcOrd="1" destOrd="0" parTransId="{895D06E5-CE4F-4692-8DA8-3862B9DF4BF1}" sibTransId="{201E1538-6C3D-4A3B-B0F1-94222A5F461A}"/>
     <dgm:cxn modelId="{84E0A6D5-33E4-4EEC-BA38-4C1ECD0D754F}" type="presOf" srcId="{D033DAA5-4E86-428B-BD38-9320027DBD6D}" destId="{BC251D36-F7A8-4F60-A2B4-1E51659DFE98}" srcOrd="0" destOrd="1" presId="urn:microsoft.com/office/officeart/2005/8/layout/chevron2"/>
     <dgm:cxn modelId="{C48B40AF-20FF-4334-BDA4-5A30B27AEF11}" type="presOf" srcId="{ADDDC0E0-B123-4C8E-8DE2-59CC84A39636}" destId="{106C54E9-7EB7-445B-9755-C1A1D3B7ABCA}" srcOrd="0" destOrd="0" presId="urn:microsoft.com/office/officeart/2005/8/layout/chevron2"/>
-    <dgm:cxn modelId="{3D37065C-C856-4EEF-A2A5-0946EBA511CA}" srcId="{9129E017-CB08-47C4-BD78-B6FA0E8D5A65}" destId="{21BF3B98-F83C-4DE9-AE6A-E1CD2E015112}" srcOrd="2" destOrd="0" parTransId="{3E401503-4B07-4291-86E2-178AEFB6E5BB}" sibTransId="{D955D555-3F5C-4B50-B8EB-2E010019EB55}"/>
     <dgm:cxn modelId="{39AC1F73-0B64-4D37-AEF5-7CBA5F45845B}" type="presOf" srcId="{F9C0F344-0B5D-4653-A55F-3F189C093CDB}" destId="{BC251D36-F7A8-4F60-A2B4-1E51659DFE98}" srcOrd="0" destOrd="2" presId="urn:microsoft.com/office/officeart/2005/8/layout/chevron2"/>
     <dgm:cxn modelId="{24AE7DD5-4AD7-4AC1-A821-C20083CF6C03}" srcId="{9129E017-CB08-47C4-BD78-B6FA0E8D5A65}" destId="{6A721404-FC4F-43F4-BFA5-A30CA121C724}" srcOrd="0" destOrd="0" parTransId="{49B4A521-2B39-4E77-AF2F-6FF900CA9D1C}" sibTransId="{183E2490-9BD2-44ED-B287-86B8A52BA1FB}"/>
+    <dgm:cxn modelId="{3D37065C-C856-4EEF-A2A5-0946EBA511CA}" srcId="{9129E017-CB08-47C4-BD78-B6FA0E8D5A65}" destId="{21BF3B98-F83C-4DE9-AE6A-E1CD2E015112}" srcOrd="2" destOrd="0" parTransId="{3E401503-4B07-4291-86E2-178AEFB6E5BB}" sibTransId="{D955D555-3F5C-4B50-B8EB-2E010019EB55}"/>
     <dgm:cxn modelId="{9D066789-B4DA-44E7-B42D-95CE2D262B20}" srcId="{6A721404-FC4F-43F4-BFA5-A30CA121C724}" destId="{D56B5949-AE5D-436A-BDCC-F8A10B423A69}" srcOrd="0" destOrd="0" parTransId="{E65B3828-4F8C-495E-9E87-810A37ACCCBB}" sibTransId="{4E0C83F9-1B12-41AC-A56F-6B1D28F44C0D}"/>
     <dgm:cxn modelId="{11652A40-F95B-44CB-82AC-1FF806BEBEB2}" srcId="{ADDDC0E0-B123-4C8E-8DE2-59CC84A39636}" destId="{D033DAA5-4E86-428B-BD38-9320027DBD6D}" srcOrd="1" destOrd="0" parTransId="{05E67585-49CC-409A-8F94-2144039C4DBD}" sibTransId="{99308F18-78E8-4050-B3A4-8F66E82536EE}"/>
     <dgm:cxn modelId="{154EFC87-70FC-4204-8138-9DC8F585D5CC}" type="presOf" srcId="{9129E017-CB08-47C4-BD78-B6FA0E8D5A65}" destId="{217C1C59-BD0D-4FFD-A80A-9D8D40884A7D}" srcOrd="0" destOrd="0" presId="urn:microsoft.com/office/officeart/2005/8/layout/chevron2"/>
@@ -4977,6 +6069,314 @@
     <dgm:cxn modelId="{9089DCD3-590E-46AE-A5BA-A6E3A3E2F8A7}" type="presParOf" srcId="{217C1C59-BD0D-4FFD-A80A-9D8D40884A7D}" destId="{8C71999A-C95B-4D5C-8873-AB2E0A5C2ACE}" srcOrd="4" destOrd="0" presId="urn:microsoft.com/office/officeart/2005/8/layout/chevron2"/>
     <dgm:cxn modelId="{CA268937-C73D-4C6B-BBEA-A1A31BE303EC}" type="presParOf" srcId="{8C71999A-C95B-4D5C-8873-AB2E0A5C2ACE}" destId="{F1FABA56-4CD9-4E0C-8903-3B6DF89A5350}" srcOrd="0" destOrd="0" presId="urn:microsoft.com/office/officeart/2005/8/layout/chevron2"/>
     <dgm:cxn modelId="{76857567-BAD2-47EB-9ED8-121CD1F674D4}" type="presParOf" srcId="{8C71999A-C95B-4D5C-8873-AB2E0A5C2ACE}" destId="{1D7C740A-8832-4BA6-BDE0-7F09673A3DAF}" srcOrd="1" destOrd="0" presId="urn:microsoft.com/office/officeart/2005/8/layout/chevron2"/>
+  </dgm:cxnLst>
+  <dgm:bg/>
+  <dgm:whole/>
+  <dgm:extLst>
+    <a:ext uri="http://schemas.microsoft.com/office/drawing/2008/diagram">
+      <dsp:dataModelExt xmlns:dsp="http://schemas.microsoft.com/office/drawing/2008/diagram" relId="rId6" minVer="http://schemas.openxmlformats.org/drawingml/2006/diagram"/>
+    </a:ext>
+  </dgm:extLst>
+</dgm:dataModel>
+</file>
+
+<file path=ppt/diagrams/data5.xml><?xml version="1.0" encoding="utf-8"?>
+<dgm:dataModel xmlns:dgm="http://schemas.openxmlformats.org/drawingml/2006/diagram" xmlns:a="http://schemas.openxmlformats.org/drawingml/2006/main">
+  <dgm:ptLst>
+    <dgm:pt modelId="{C0546ECB-75A5-491E-84E5-A9BEDBE344C1}" type="doc">
+      <dgm:prSet loTypeId="urn:microsoft.com/office/officeart/2005/8/layout/equation2" loCatId="process" qsTypeId="urn:microsoft.com/office/officeart/2005/8/quickstyle/simple4" qsCatId="simple" csTypeId="urn:microsoft.com/office/officeart/2005/8/colors/colorful1" csCatId="colorful" phldr="1"/>
+      <dgm:spPr/>
+    </dgm:pt>
+    <dgm:pt modelId="{91954CD8-26A6-40AC-8C7D-F8353210DCE4}">
+      <dgm:prSet phldrT="[文本]" custT="1"/>
+      <dgm:spPr/>
+      <dgm:t>
+        <a:bodyPr/>
+        <a:lstStyle/>
+        <a:p>
+          <a:endParaRPr lang="en-US" altLang="zh-CN" sz="1200" dirty="0" smtClean="0"/>
+        </a:p>
+        <a:p>
+          <a:r>
+            <a:rPr lang="zh-CN" altLang="en-US" sz="1200" dirty="0" smtClean="0"/>
+            <a:t>一级解卷积</a:t>
+          </a:r>
+          <a:endParaRPr lang="en-US" altLang="zh-CN" sz="1200" dirty="0" smtClean="0"/>
+        </a:p>
+        <a:p>
+          <a:r>
+            <a:rPr lang="en-US" altLang="zh-CN" sz="1200" dirty="0" smtClean="0"/>
+            <a:t>(</a:t>
+          </a:r>
+          <a:r>
+            <a:rPr lang="zh-CN" altLang="en-US" sz="1200" dirty="0" smtClean="0"/>
+            <a:t>适用于</a:t>
+          </a:r>
+          <a:r>
+            <a:rPr lang="en-US" altLang="zh-CN" sz="1200" dirty="0" smtClean="0"/>
+            <a:t>LCMS</a:t>
+          </a:r>
+          <a:r>
+            <a:rPr lang="zh-CN" altLang="en-US" sz="1200" dirty="0" smtClean="0"/>
+            <a:t>与</a:t>
+          </a:r>
+          <a:r>
+            <a:rPr lang="en-US" altLang="zh-CN" sz="1200" dirty="0" smtClean="0"/>
+            <a:t>GCMS)</a:t>
+          </a:r>
+          <a:endParaRPr lang="zh-CN" altLang="en-US" sz="1200" dirty="0"/>
+        </a:p>
+      </dgm:t>
+    </dgm:pt>
+    <dgm:pt modelId="{C2FEB0F4-A3B2-457C-ACD4-C1FF5C6570FC}" type="parTrans" cxnId="{AFF7F3A3-2FD2-4787-ACA2-DB4E38696A63}">
+      <dgm:prSet/>
+      <dgm:spPr/>
+      <dgm:t>
+        <a:bodyPr/>
+        <a:lstStyle/>
+        <a:p>
+          <a:endParaRPr lang="zh-CN" altLang="en-US"/>
+        </a:p>
+      </dgm:t>
+    </dgm:pt>
+    <dgm:pt modelId="{A37C7BA6-55A5-46A5-8579-4C8C2FFD80BD}" type="sibTrans" cxnId="{AFF7F3A3-2FD2-4787-ACA2-DB4E38696A63}">
+      <dgm:prSet/>
+      <dgm:spPr/>
+      <dgm:t>
+        <a:bodyPr/>
+        <a:lstStyle/>
+        <a:p>
+          <a:endParaRPr lang="zh-CN" altLang="en-US"/>
+        </a:p>
+      </dgm:t>
+    </dgm:pt>
+    <dgm:pt modelId="{5D338035-298C-4B9B-B8D7-BAABB54CC8BF}">
+      <dgm:prSet phldrT="[文本]" custT="1"/>
+      <dgm:spPr/>
+      <dgm:t>
+        <a:bodyPr/>
+        <a:lstStyle/>
+        <a:p>
+          <a:endParaRPr lang="en-US" altLang="zh-CN" sz="1200" dirty="0" smtClean="0"/>
+        </a:p>
+        <a:p>
+          <a:r>
+            <a:rPr lang="zh-CN" altLang="en-US" sz="1200" dirty="0" smtClean="0"/>
+            <a:t>二级小分子物质鉴定</a:t>
+          </a:r>
+          <a:endParaRPr lang="en-US" altLang="zh-CN" sz="1200" dirty="0" smtClean="0"/>
+        </a:p>
+        <a:p>
+          <a:r>
+            <a:rPr lang="en-US" altLang="zh-CN" sz="1200" dirty="0" smtClean="0"/>
+            <a:t>(</a:t>
+          </a:r>
+          <a:r>
+            <a:rPr lang="zh-CN" altLang="en-US" sz="1200" dirty="0" smtClean="0"/>
+            <a:t>适用于</a:t>
+          </a:r>
+          <a:r>
+            <a:rPr lang="en-US" altLang="zh-CN" sz="1200" dirty="0" smtClean="0"/>
+            <a:t>LCMS)</a:t>
+          </a:r>
+          <a:endParaRPr lang="zh-CN" altLang="en-US" sz="1200" dirty="0"/>
+        </a:p>
+      </dgm:t>
+    </dgm:pt>
+    <dgm:pt modelId="{6A5B4995-F342-497A-8DD7-8818FF53A2C2}" type="parTrans" cxnId="{DC5FF74E-C47A-4FAE-9930-C92325742594}">
+      <dgm:prSet/>
+      <dgm:spPr/>
+      <dgm:t>
+        <a:bodyPr/>
+        <a:lstStyle/>
+        <a:p>
+          <a:endParaRPr lang="zh-CN" altLang="en-US"/>
+        </a:p>
+      </dgm:t>
+    </dgm:pt>
+    <dgm:pt modelId="{68C4EC2C-0272-4BF9-BB4E-F94DC6FE6ADD}" type="sibTrans" cxnId="{DC5FF74E-C47A-4FAE-9930-C92325742594}">
+      <dgm:prSet/>
+      <dgm:spPr/>
+      <dgm:t>
+        <a:bodyPr/>
+        <a:lstStyle/>
+        <a:p>
+          <a:endParaRPr lang="zh-CN" altLang="en-US"/>
+        </a:p>
+      </dgm:t>
+    </dgm:pt>
+    <dgm:pt modelId="{F162CDD5-CB0C-4D8A-9EBC-0BA1625C8F02}">
+      <dgm:prSet phldrT="[文本]" custT="1"/>
+      <dgm:spPr/>
+      <dgm:t>
+        <a:bodyPr/>
+        <a:lstStyle/>
+        <a:p>
+          <a:endParaRPr lang="en-US" altLang="zh-CN" sz="2800" dirty="0" smtClean="0"/>
+        </a:p>
+        <a:p>
+          <a:r>
+            <a:rPr lang="zh-CN" altLang="en-US" sz="2800" dirty="0" smtClean="0"/>
+            <a:t>非靶向代谢组学多元统计分析</a:t>
+          </a:r>
+          <a:endParaRPr lang="zh-CN" altLang="en-US" sz="2800" dirty="0"/>
+        </a:p>
+      </dgm:t>
+    </dgm:pt>
+    <dgm:pt modelId="{7C2F4332-CF0C-466E-91D9-831D4BBFEEFE}" type="parTrans" cxnId="{28ECA5EA-B56B-4BA9-8CD8-DAD5661995B5}">
+      <dgm:prSet/>
+      <dgm:spPr/>
+      <dgm:t>
+        <a:bodyPr/>
+        <a:lstStyle/>
+        <a:p>
+          <a:endParaRPr lang="zh-CN" altLang="en-US"/>
+        </a:p>
+      </dgm:t>
+    </dgm:pt>
+    <dgm:pt modelId="{B5FFC126-ADB3-49F8-9473-6C26BEF21ABF}" type="sibTrans" cxnId="{28ECA5EA-B56B-4BA9-8CD8-DAD5661995B5}">
+      <dgm:prSet/>
+      <dgm:spPr/>
+      <dgm:t>
+        <a:bodyPr/>
+        <a:lstStyle/>
+        <a:p>
+          <a:endParaRPr lang="zh-CN" altLang="en-US"/>
+        </a:p>
+      </dgm:t>
+    </dgm:pt>
+    <dgm:pt modelId="{C4958130-33E7-4C94-AEAB-140EFDF7A7FA}" type="pres">
+      <dgm:prSet presAssocID="{C0546ECB-75A5-491E-84E5-A9BEDBE344C1}" presName="Name0" presStyleCnt="0">
+        <dgm:presLayoutVars>
+          <dgm:dir/>
+          <dgm:resizeHandles val="exact"/>
+        </dgm:presLayoutVars>
+      </dgm:prSet>
+      <dgm:spPr/>
+    </dgm:pt>
+    <dgm:pt modelId="{D4228506-43F8-41D5-81F4-01136A153361}" type="pres">
+      <dgm:prSet presAssocID="{C0546ECB-75A5-491E-84E5-A9BEDBE344C1}" presName="vNodes" presStyleCnt="0"/>
+      <dgm:spPr/>
+    </dgm:pt>
+    <dgm:pt modelId="{BDE7F83A-790A-4177-87BB-236521E971E9}" type="pres">
+      <dgm:prSet presAssocID="{91954CD8-26A6-40AC-8C7D-F8353210DCE4}" presName="node" presStyleLbl="node1" presStyleIdx="0" presStyleCnt="3">
+        <dgm:presLayoutVars>
+          <dgm:bulletEnabled val="1"/>
+        </dgm:presLayoutVars>
+      </dgm:prSet>
+      <dgm:spPr>
+        <a:prstGeom prst="foldedCorner">
+          <a:avLst/>
+        </a:prstGeom>
+      </dgm:spPr>
+      <dgm:t>
+        <a:bodyPr/>
+        <a:lstStyle/>
+        <a:p>
+          <a:endParaRPr lang="zh-CN" altLang="en-US"/>
+        </a:p>
+      </dgm:t>
+    </dgm:pt>
+    <dgm:pt modelId="{90719BB6-8C79-45CB-A72B-5BE5B5CD8858}" type="pres">
+      <dgm:prSet presAssocID="{A37C7BA6-55A5-46A5-8579-4C8C2FFD80BD}" presName="spacerT" presStyleCnt="0"/>
+      <dgm:spPr/>
+    </dgm:pt>
+    <dgm:pt modelId="{9778900A-D095-4BBC-B264-841EB8F979D3}" type="pres">
+      <dgm:prSet presAssocID="{A37C7BA6-55A5-46A5-8579-4C8C2FFD80BD}" presName="sibTrans" presStyleLbl="sibTrans2D1" presStyleIdx="0" presStyleCnt="2"/>
+      <dgm:spPr/>
+      <dgm:t>
+        <a:bodyPr/>
+        <a:lstStyle/>
+        <a:p>
+          <a:endParaRPr lang="zh-CN" altLang="en-US"/>
+        </a:p>
+      </dgm:t>
+    </dgm:pt>
+    <dgm:pt modelId="{CB49DB49-651B-4BEE-B7B8-16B39121ACAF}" type="pres">
+      <dgm:prSet presAssocID="{A37C7BA6-55A5-46A5-8579-4C8C2FFD80BD}" presName="spacerB" presStyleCnt="0"/>
+      <dgm:spPr/>
+    </dgm:pt>
+    <dgm:pt modelId="{BB6E929B-392D-4EC2-8642-8DB071311829}" type="pres">
+      <dgm:prSet presAssocID="{5D338035-298C-4B9B-B8D7-BAABB54CC8BF}" presName="node" presStyleLbl="node1" presStyleIdx="1" presStyleCnt="3">
+        <dgm:presLayoutVars>
+          <dgm:bulletEnabled val="1"/>
+        </dgm:presLayoutVars>
+      </dgm:prSet>
+      <dgm:spPr>
+        <a:prstGeom prst="foldedCorner">
+          <a:avLst/>
+        </a:prstGeom>
+      </dgm:spPr>
+      <dgm:t>
+        <a:bodyPr/>
+        <a:lstStyle/>
+        <a:p>
+          <a:endParaRPr lang="zh-CN" altLang="en-US"/>
+        </a:p>
+      </dgm:t>
+    </dgm:pt>
+    <dgm:pt modelId="{F385FBA6-2B43-4B0F-9D07-1D257D1C3AEE}" type="pres">
+      <dgm:prSet presAssocID="{C0546ECB-75A5-491E-84E5-A9BEDBE344C1}" presName="sibTransLast" presStyleLbl="sibTrans2D1" presStyleIdx="1" presStyleCnt="2"/>
+      <dgm:spPr/>
+      <dgm:t>
+        <a:bodyPr/>
+        <a:lstStyle/>
+        <a:p>
+          <a:endParaRPr lang="zh-CN" altLang="en-US"/>
+        </a:p>
+      </dgm:t>
+    </dgm:pt>
+    <dgm:pt modelId="{A5082121-3769-4A9D-A812-02DCF5696C3C}" type="pres">
+      <dgm:prSet presAssocID="{C0546ECB-75A5-491E-84E5-A9BEDBE344C1}" presName="connectorText" presStyleLbl="sibTrans2D1" presStyleIdx="1" presStyleCnt="2"/>
+      <dgm:spPr/>
+      <dgm:t>
+        <a:bodyPr/>
+        <a:lstStyle/>
+        <a:p>
+          <a:endParaRPr lang="zh-CN" altLang="en-US"/>
+        </a:p>
+      </dgm:t>
+    </dgm:pt>
+    <dgm:pt modelId="{3DF1263B-FC02-4B86-9315-B97DFB2AD61B}" type="pres">
+      <dgm:prSet presAssocID="{C0546ECB-75A5-491E-84E5-A9BEDBE344C1}" presName="lastNode" presStyleLbl="node1" presStyleIdx="2" presStyleCnt="3">
+        <dgm:presLayoutVars>
+          <dgm:bulletEnabled val="1"/>
+        </dgm:presLayoutVars>
+      </dgm:prSet>
+      <dgm:spPr>
+        <a:prstGeom prst="foldedCorner">
+          <a:avLst/>
+        </a:prstGeom>
+      </dgm:spPr>
+      <dgm:t>
+        <a:bodyPr/>
+        <a:lstStyle/>
+        <a:p>
+          <a:endParaRPr lang="zh-CN" altLang="en-US"/>
+        </a:p>
+      </dgm:t>
+    </dgm:pt>
+  </dgm:ptLst>
+  <dgm:cxnLst>
+    <dgm:cxn modelId="{AFF7F3A3-2FD2-4787-ACA2-DB4E38696A63}" srcId="{C0546ECB-75A5-491E-84E5-A9BEDBE344C1}" destId="{91954CD8-26A6-40AC-8C7D-F8353210DCE4}" srcOrd="0" destOrd="0" parTransId="{C2FEB0F4-A3B2-457C-ACD4-C1FF5C6570FC}" sibTransId="{A37C7BA6-55A5-46A5-8579-4C8C2FFD80BD}"/>
+    <dgm:cxn modelId="{E3A5FC59-7BBE-4AEC-8B15-D978AB377191}" type="presOf" srcId="{68C4EC2C-0272-4BF9-BB4E-F94DC6FE6ADD}" destId="{A5082121-3769-4A9D-A812-02DCF5696C3C}" srcOrd="1" destOrd="0" presId="urn:microsoft.com/office/officeart/2005/8/layout/equation2"/>
+    <dgm:cxn modelId="{5D9530D0-4573-4631-8BFE-143279CE32AE}" type="presOf" srcId="{A37C7BA6-55A5-46A5-8579-4C8C2FFD80BD}" destId="{9778900A-D095-4BBC-B264-841EB8F979D3}" srcOrd="0" destOrd="0" presId="urn:microsoft.com/office/officeart/2005/8/layout/equation2"/>
+    <dgm:cxn modelId="{130C463E-7A85-4E86-9E11-F907398469FF}" type="presOf" srcId="{5D338035-298C-4B9B-B8D7-BAABB54CC8BF}" destId="{BB6E929B-392D-4EC2-8642-8DB071311829}" srcOrd="0" destOrd="0" presId="urn:microsoft.com/office/officeart/2005/8/layout/equation2"/>
+    <dgm:cxn modelId="{4CDD3B50-D34A-4478-BF95-FF3E4A7AA59D}" type="presOf" srcId="{F162CDD5-CB0C-4D8A-9EBC-0BA1625C8F02}" destId="{3DF1263B-FC02-4B86-9315-B97DFB2AD61B}" srcOrd="0" destOrd="0" presId="urn:microsoft.com/office/officeart/2005/8/layout/equation2"/>
+    <dgm:cxn modelId="{00EC482E-9FC7-4684-A6B8-649205B9E738}" type="presOf" srcId="{68C4EC2C-0272-4BF9-BB4E-F94DC6FE6ADD}" destId="{F385FBA6-2B43-4B0F-9D07-1D257D1C3AEE}" srcOrd="0" destOrd="0" presId="urn:microsoft.com/office/officeart/2005/8/layout/equation2"/>
+    <dgm:cxn modelId="{D9F07232-3E99-4B76-9E16-9E49379286B9}" type="presOf" srcId="{C0546ECB-75A5-491E-84E5-A9BEDBE344C1}" destId="{C4958130-33E7-4C94-AEAB-140EFDF7A7FA}" srcOrd="0" destOrd="0" presId="urn:microsoft.com/office/officeart/2005/8/layout/equation2"/>
+    <dgm:cxn modelId="{0A99458A-CA0D-4D4A-BA23-1999024219DE}" type="presOf" srcId="{91954CD8-26A6-40AC-8C7D-F8353210DCE4}" destId="{BDE7F83A-790A-4177-87BB-236521E971E9}" srcOrd="0" destOrd="0" presId="urn:microsoft.com/office/officeart/2005/8/layout/equation2"/>
+    <dgm:cxn modelId="{28ECA5EA-B56B-4BA9-8CD8-DAD5661995B5}" srcId="{C0546ECB-75A5-491E-84E5-A9BEDBE344C1}" destId="{F162CDD5-CB0C-4D8A-9EBC-0BA1625C8F02}" srcOrd="2" destOrd="0" parTransId="{7C2F4332-CF0C-466E-91D9-831D4BBFEEFE}" sibTransId="{B5FFC126-ADB3-49F8-9473-6C26BEF21ABF}"/>
+    <dgm:cxn modelId="{DC5FF74E-C47A-4FAE-9930-C92325742594}" srcId="{C0546ECB-75A5-491E-84E5-A9BEDBE344C1}" destId="{5D338035-298C-4B9B-B8D7-BAABB54CC8BF}" srcOrd="1" destOrd="0" parTransId="{6A5B4995-F342-497A-8DD7-8818FF53A2C2}" sibTransId="{68C4EC2C-0272-4BF9-BB4E-F94DC6FE6ADD}"/>
+    <dgm:cxn modelId="{46055BC4-48A8-40E3-BAF7-35F4B28DB05C}" type="presParOf" srcId="{C4958130-33E7-4C94-AEAB-140EFDF7A7FA}" destId="{D4228506-43F8-41D5-81F4-01136A153361}" srcOrd="0" destOrd="0" presId="urn:microsoft.com/office/officeart/2005/8/layout/equation2"/>
+    <dgm:cxn modelId="{A5B8DF4F-8F6F-4C4D-82F9-62F94CF39A72}" type="presParOf" srcId="{D4228506-43F8-41D5-81F4-01136A153361}" destId="{BDE7F83A-790A-4177-87BB-236521E971E9}" srcOrd="0" destOrd="0" presId="urn:microsoft.com/office/officeart/2005/8/layout/equation2"/>
+    <dgm:cxn modelId="{09AECA8A-2C1C-4571-AA49-EA551F29C2C3}" type="presParOf" srcId="{D4228506-43F8-41D5-81F4-01136A153361}" destId="{90719BB6-8C79-45CB-A72B-5BE5B5CD8858}" srcOrd="1" destOrd="0" presId="urn:microsoft.com/office/officeart/2005/8/layout/equation2"/>
+    <dgm:cxn modelId="{33278778-5839-4089-9810-004CA7B28AD5}" type="presParOf" srcId="{D4228506-43F8-41D5-81F4-01136A153361}" destId="{9778900A-D095-4BBC-B264-841EB8F979D3}" srcOrd="2" destOrd="0" presId="urn:microsoft.com/office/officeart/2005/8/layout/equation2"/>
+    <dgm:cxn modelId="{38EB1DC4-E7BD-427D-98B6-FA407F68018E}" type="presParOf" srcId="{D4228506-43F8-41D5-81F4-01136A153361}" destId="{CB49DB49-651B-4BEE-B7B8-16B39121ACAF}" srcOrd="3" destOrd="0" presId="urn:microsoft.com/office/officeart/2005/8/layout/equation2"/>
+    <dgm:cxn modelId="{A77E9483-318C-4C99-B2E7-2A1F8F07856E}" type="presParOf" srcId="{D4228506-43F8-41D5-81F4-01136A153361}" destId="{BB6E929B-392D-4EC2-8642-8DB071311829}" srcOrd="4" destOrd="0" presId="urn:microsoft.com/office/officeart/2005/8/layout/equation2"/>
+    <dgm:cxn modelId="{49032822-9A60-49F2-AACF-857382932699}" type="presParOf" srcId="{C4958130-33E7-4C94-AEAB-140EFDF7A7FA}" destId="{F385FBA6-2B43-4B0F-9D07-1D257D1C3AEE}" srcOrd="1" destOrd="0" presId="urn:microsoft.com/office/officeart/2005/8/layout/equation2"/>
+    <dgm:cxn modelId="{B6E4EDA3-07F7-49DC-9092-94A5663AD364}" type="presParOf" srcId="{F385FBA6-2B43-4B0F-9D07-1D257D1C3AEE}" destId="{A5082121-3769-4A9D-A812-02DCF5696C3C}" srcOrd="0" destOrd="0" presId="urn:microsoft.com/office/officeart/2005/8/layout/equation2"/>
+    <dgm:cxn modelId="{9B8B965D-578D-4BB1-BC7D-81C71646009C}" type="presParOf" srcId="{C4958130-33E7-4C94-AEAB-140EFDF7A7FA}" destId="{3DF1263B-FC02-4B86-9315-B97DFB2AD61B}" srcOrd="2" destOrd="0" presId="urn:microsoft.com/office/officeart/2005/8/layout/equation2"/>
   </dgm:cxnLst>
   <dgm:bg/>
   <dgm:whole/>
@@ -7118,6 +8518,625 @@
 </dsp:drawing>
 </file>
 
+<file path=ppt/diagrams/drawing5.xml><?xml version="1.0" encoding="utf-8"?>
+<dsp:drawing xmlns:dgm="http://schemas.openxmlformats.org/drawingml/2006/diagram" xmlns:dsp="http://schemas.microsoft.com/office/drawing/2008/diagram" xmlns:a="http://schemas.openxmlformats.org/drawingml/2006/main">
+  <dsp:spTree>
+    <dsp:nvGrpSpPr>
+      <dsp:cNvPr id="0" name=""/>
+      <dsp:cNvGrpSpPr/>
+    </dsp:nvGrpSpPr>
+    <dsp:grpSpPr/>
+    <dsp:sp modelId="{BDE7F83A-790A-4177-87BB-236521E971E9}">
+      <dsp:nvSpPr>
+        <dsp:cNvPr id="0" name=""/>
+        <dsp:cNvSpPr/>
+      </dsp:nvSpPr>
+      <dsp:spPr>
+        <a:xfrm>
+          <a:off x="1641097" y="1406"/>
+          <a:ext cx="1374278" cy="1374278"/>
+        </a:xfrm>
+        <a:prstGeom prst="foldedCorner">
+          <a:avLst/>
+        </a:prstGeom>
+        <a:gradFill rotWithShape="0">
+          <a:gsLst>
+            <a:gs pos="0">
+              <a:schemeClr val="accent2">
+                <a:hueOff val="0"/>
+                <a:satOff val="0"/>
+                <a:lumOff val="0"/>
+                <a:alphaOff val="0"/>
+                <a:shade val="51000"/>
+                <a:satMod val="130000"/>
+              </a:schemeClr>
+            </a:gs>
+            <a:gs pos="80000">
+              <a:schemeClr val="accent2">
+                <a:hueOff val="0"/>
+                <a:satOff val="0"/>
+                <a:lumOff val="0"/>
+                <a:alphaOff val="0"/>
+                <a:shade val="93000"/>
+                <a:satMod val="130000"/>
+              </a:schemeClr>
+            </a:gs>
+            <a:gs pos="100000">
+              <a:schemeClr val="accent2">
+                <a:hueOff val="0"/>
+                <a:satOff val="0"/>
+                <a:lumOff val="0"/>
+                <a:alphaOff val="0"/>
+                <a:shade val="94000"/>
+                <a:satMod val="135000"/>
+              </a:schemeClr>
+            </a:gs>
+          </a:gsLst>
+          <a:lin ang="16200000" scaled="0"/>
+        </a:gradFill>
+        <a:ln>
+          <a:noFill/>
+        </a:ln>
+        <a:effectLst>
+          <a:outerShdw blurRad="40000" dist="23000" dir="5400000" rotWithShape="0">
+            <a:srgbClr val="000000">
+              <a:alpha val="35000"/>
+            </a:srgbClr>
+          </a:outerShdw>
+        </a:effectLst>
+      </dsp:spPr>
+      <dsp:style>
+        <a:lnRef idx="0">
+          <a:scrgbClr r="0" g="0" b="0"/>
+        </a:lnRef>
+        <a:fillRef idx="3">
+          <a:scrgbClr r="0" g="0" b="0"/>
+        </a:fillRef>
+        <a:effectRef idx="2">
+          <a:scrgbClr r="0" g="0" b="0"/>
+        </a:effectRef>
+        <a:fontRef idx="minor">
+          <a:schemeClr val="lt1"/>
+        </a:fontRef>
+      </dsp:style>
+      <dsp:txBody>
+        <a:bodyPr spcFirstLastPara="0" vert="horz" wrap="square" lIns="15240" tIns="15240" rIns="15240" bIns="15240" numCol="1" spcCol="1270" anchor="ctr" anchorCtr="0">
+          <a:noAutofit/>
+        </a:bodyPr>
+        <a:lstStyle/>
+        <a:p>
+          <a:pPr lvl="0" algn="ctr" defTabSz="533400">
+            <a:lnSpc>
+              <a:spcPct val="90000"/>
+            </a:lnSpc>
+            <a:spcBef>
+              <a:spcPct val="0"/>
+            </a:spcBef>
+            <a:spcAft>
+              <a:spcPct val="35000"/>
+            </a:spcAft>
+          </a:pPr>
+          <a:endParaRPr lang="en-US" altLang="zh-CN" sz="1200" kern="1200" dirty="0" smtClean="0"/>
+        </a:p>
+        <a:p>
+          <a:pPr lvl="0" algn="ctr" defTabSz="533400">
+            <a:lnSpc>
+              <a:spcPct val="90000"/>
+            </a:lnSpc>
+            <a:spcBef>
+              <a:spcPct val="0"/>
+            </a:spcBef>
+            <a:spcAft>
+              <a:spcPct val="35000"/>
+            </a:spcAft>
+          </a:pPr>
+          <a:r>
+            <a:rPr lang="zh-CN" altLang="en-US" sz="1200" kern="1200" dirty="0" smtClean="0"/>
+            <a:t>一级解卷积</a:t>
+          </a:r>
+          <a:endParaRPr lang="en-US" altLang="zh-CN" sz="1200" kern="1200" dirty="0" smtClean="0"/>
+        </a:p>
+        <a:p>
+          <a:pPr lvl="0" algn="ctr" defTabSz="533400">
+            <a:lnSpc>
+              <a:spcPct val="90000"/>
+            </a:lnSpc>
+            <a:spcBef>
+              <a:spcPct val="0"/>
+            </a:spcBef>
+            <a:spcAft>
+              <a:spcPct val="35000"/>
+            </a:spcAft>
+          </a:pPr>
+          <a:r>
+            <a:rPr lang="en-US" altLang="zh-CN" sz="1200" kern="1200" dirty="0" smtClean="0"/>
+            <a:t>(</a:t>
+          </a:r>
+          <a:r>
+            <a:rPr lang="zh-CN" altLang="en-US" sz="1200" kern="1200" dirty="0" smtClean="0"/>
+            <a:t>适用于</a:t>
+          </a:r>
+          <a:r>
+            <a:rPr lang="en-US" altLang="zh-CN" sz="1200" kern="1200" dirty="0" smtClean="0"/>
+            <a:t>LCMS</a:t>
+          </a:r>
+          <a:r>
+            <a:rPr lang="zh-CN" altLang="en-US" sz="1200" kern="1200" dirty="0" smtClean="0"/>
+            <a:t>与</a:t>
+          </a:r>
+          <a:r>
+            <a:rPr lang="en-US" altLang="zh-CN" sz="1200" kern="1200" dirty="0" smtClean="0"/>
+            <a:t>GCMS)</a:t>
+          </a:r>
+          <a:endParaRPr lang="zh-CN" altLang="en-US" sz="1200" kern="1200" dirty="0"/>
+        </a:p>
+      </dsp:txBody>
+      <dsp:txXfrm>
+        <a:off x="1641097" y="1406"/>
+        <a:ext cx="1374278" cy="1145227"/>
+      </dsp:txXfrm>
+    </dsp:sp>
+    <dsp:sp modelId="{9778900A-D095-4BBC-B264-841EB8F979D3}">
+      <dsp:nvSpPr>
+        <dsp:cNvPr id="0" name=""/>
+        <dsp:cNvSpPr/>
+      </dsp:nvSpPr>
+      <dsp:spPr>
+        <a:xfrm>
+          <a:off x="1929696" y="1487277"/>
+          <a:ext cx="797081" cy="797081"/>
+        </a:xfrm>
+        <a:prstGeom prst="mathPlus">
+          <a:avLst/>
+        </a:prstGeom>
+        <a:gradFill rotWithShape="0">
+          <a:gsLst>
+            <a:gs pos="0">
+              <a:schemeClr val="accent2">
+                <a:hueOff val="0"/>
+                <a:satOff val="0"/>
+                <a:lumOff val="0"/>
+                <a:alphaOff val="0"/>
+                <a:shade val="51000"/>
+                <a:satMod val="130000"/>
+              </a:schemeClr>
+            </a:gs>
+            <a:gs pos="80000">
+              <a:schemeClr val="accent2">
+                <a:hueOff val="0"/>
+                <a:satOff val="0"/>
+                <a:lumOff val="0"/>
+                <a:alphaOff val="0"/>
+                <a:shade val="93000"/>
+                <a:satMod val="130000"/>
+              </a:schemeClr>
+            </a:gs>
+            <a:gs pos="100000">
+              <a:schemeClr val="accent2">
+                <a:hueOff val="0"/>
+                <a:satOff val="0"/>
+                <a:lumOff val="0"/>
+                <a:alphaOff val="0"/>
+                <a:shade val="94000"/>
+                <a:satMod val="135000"/>
+              </a:schemeClr>
+            </a:gs>
+          </a:gsLst>
+          <a:lin ang="16200000" scaled="0"/>
+        </a:gradFill>
+        <a:ln>
+          <a:noFill/>
+        </a:ln>
+        <a:effectLst>
+          <a:outerShdw blurRad="40000" dist="23000" dir="5400000" rotWithShape="0">
+            <a:srgbClr val="000000">
+              <a:alpha val="35000"/>
+            </a:srgbClr>
+          </a:outerShdw>
+        </a:effectLst>
+      </dsp:spPr>
+      <dsp:style>
+        <a:lnRef idx="0">
+          <a:scrgbClr r="0" g="0" b="0"/>
+        </a:lnRef>
+        <a:fillRef idx="3">
+          <a:scrgbClr r="0" g="0" b="0"/>
+        </a:fillRef>
+        <a:effectRef idx="2">
+          <a:scrgbClr r="0" g="0" b="0"/>
+        </a:effectRef>
+        <a:fontRef idx="minor">
+          <a:schemeClr val="lt1"/>
+        </a:fontRef>
+      </dsp:style>
+      <dsp:txBody>
+        <a:bodyPr spcFirstLastPara="0" vert="horz" wrap="square" lIns="0" tIns="0" rIns="0" bIns="0" numCol="1" spcCol="1270" anchor="ctr" anchorCtr="0">
+          <a:noAutofit/>
+        </a:bodyPr>
+        <a:lstStyle/>
+        <a:p>
+          <a:pPr lvl="0" algn="ctr" defTabSz="577850">
+            <a:lnSpc>
+              <a:spcPct val="90000"/>
+            </a:lnSpc>
+            <a:spcBef>
+              <a:spcPct val="0"/>
+            </a:spcBef>
+            <a:spcAft>
+              <a:spcPct val="35000"/>
+            </a:spcAft>
+          </a:pPr>
+          <a:endParaRPr lang="zh-CN" altLang="en-US" sz="1300" kern="1200"/>
+        </a:p>
+      </dsp:txBody>
+      <dsp:txXfrm>
+        <a:off x="2035349" y="1792081"/>
+        <a:ext cx="585775" cy="187473"/>
+      </dsp:txXfrm>
+    </dsp:sp>
+    <dsp:sp modelId="{BB6E929B-392D-4EC2-8642-8DB071311829}">
+      <dsp:nvSpPr>
+        <dsp:cNvPr id="0" name=""/>
+        <dsp:cNvSpPr/>
+      </dsp:nvSpPr>
+      <dsp:spPr>
+        <a:xfrm>
+          <a:off x="1641097" y="2395950"/>
+          <a:ext cx="1374278" cy="1374278"/>
+        </a:xfrm>
+        <a:prstGeom prst="foldedCorner">
+          <a:avLst/>
+        </a:prstGeom>
+        <a:gradFill rotWithShape="0">
+          <a:gsLst>
+            <a:gs pos="0">
+              <a:schemeClr val="accent3">
+                <a:hueOff val="0"/>
+                <a:satOff val="0"/>
+                <a:lumOff val="0"/>
+                <a:alphaOff val="0"/>
+                <a:shade val="51000"/>
+                <a:satMod val="130000"/>
+              </a:schemeClr>
+            </a:gs>
+            <a:gs pos="80000">
+              <a:schemeClr val="accent3">
+                <a:hueOff val="0"/>
+                <a:satOff val="0"/>
+                <a:lumOff val="0"/>
+                <a:alphaOff val="0"/>
+                <a:shade val="93000"/>
+                <a:satMod val="130000"/>
+              </a:schemeClr>
+            </a:gs>
+            <a:gs pos="100000">
+              <a:schemeClr val="accent3">
+                <a:hueOff val="0"/>
+                <a:satOff val="0"/>
+                <a:lumOff val="0"/>
+                <a:alphaOff val="0"/>
+                <a:shade val="94000"/>
+                <a:satMod val="135000"/>
+              </a:schemeClr>
+            </a:gs>
+          </a:gsLst>
+          <a:lin ang="16200000" scaled="0"/>
+        </a:gradFill>
+        <a:ln>
+          <a:noFill/>
+        </a:ln>
+        <a:effectLst>
+          <a:outerShdw blurRad="40000" dist="23000" dir="5400000" rotWithShape="0">
+            <a:srgbClr val="000000">
+              <a:alpha val="35000"/>
+            </a:srgbClr>
+          </a:outerShdw>
+        </a:effectLst>
+      </dsp:spPr>
+      <dsp:style>
+        <a:lnRef idx="0">
+          <a:scrgbClr r="0" g="0" b="0"/>
+        </a:lnRef>
+        <a:fillRef idx="3">
+          <a:scrgbClr r="0" g="0" b="0"/>
+        </a:fillRef>
+        <a:effectRef idx="2">
+          <a:scrgbClr r="0" g="0" b="0"/>
+        </a:effectRef>
+        <a:fontRef idx="minor">
+          <a:schemeClr val="lt1"/>
+        </a:fontRef>
+      </dsp:style>
+      <dsp:txBody>
+        <a:bodyPr spcFirstLastPara="0" vert="horz" wrap="square" lIns="15240" tIns="15240" rIns="15240" bIns="15240" numCol="1" spcCol="1270" anchor="ctr" anchorCtr="0">
+          <a:noAutofit/>
+        </a:bodyPr>
+        <a:lstStyle/>
+        <a:p>
+          <a:pPr lvl="0" algn="ctr" defTabSz="533400">
+            <a:lnSpc>
+              <a:spcPct val="90000"/>
+            </a:lnSpc>
+            <a:spcBef>
+              <a:spcPct val="0"/>
+            </a:spcBef>
+            <a:spcAft>
+              <a:spcPct val="35000"/>
+            </a:spcAft>
+          </a:pPr>
+          <a:endParaRPr lang="en-US" altLang="zh-CN" sz="1200" kern="1200" dirty="0" smtClean="0"/>
+        </a:p>
+        <a:p>
+          <a:pPr lvl="0" algn="ctr" defTabSz="533400">
+            <a:lnSpc>
+              <a:spcPct val="90000"/>
+            </a:lnSpc>
+            <a:spcBef>
+              <a:spcPct val="0"/>
+            </a:spcBef>
+            <a:spcAft>
+              <a:spcPct val="35000"/>
+            </a:spcAft>
+          </a:pPr>
+          <a:r>
+            <a:rPr lang="zh-CN" altLang="en-US" sz="1200" kern="1200" dirty="0" smtClean="0"/>
+            <a:t>二级小分子物质鉴定</a:t>
+          </a:r>
+          <a:endParaRPr lang="en-US" altLang="zh-CN" sz="1200" kern="1200" dirty="0" smtClean="0"/>
+        </a:p>
+        <a:p>
+          <a:pPr lvl="0" algn="ctr" defTabSz="533400">
+            <a:lnSpc>
+              <a:spcPct val="90000"/>
+            </a:lnSpc>
+            <a:spcBef>
+              <a:spcPct val="0"/>
+            </a:spcBef>
+            <a:spcAft>
+              <a:spcPct val="35000"/>
+            </a:spcAft>
+          </a:pPr>
+          <a:r>
+            <a:rPr lang="en-US" altLang="zh-CN" sz="1200" kern="1200" dirty="0" smtClean="0"/>
+            <a:t>(</a:t>
+          </a:r>
+          <a:r>
+            <a:rPr lang="zh-CN" altLang="en-US" sz="1200" kern="1200" dirty="0" smtClean="0"/>
+            <a:t>适用于</a:t>
+          </a:r>
+          <a:r>
+            <a:rPr lang="en-US" altLang="zh-CN" sz="1200" kern="1200" dirty="0" smtClean="0"/>
+            <a:t>LCMS)</a:t>
+          </a:r>
+          <a:endParaRPr lang="zh-CN" altLang="en-US" sz="1200" kern="1200" dirty="0"/>
+        </a:p>
+      </dsp:txBody>
+      <dsp:txXfrm>
+        <a:off x="1641097" y="2395950"/>
+        <a:ext cx="1374278" cy="1145227"/>
+      </dsp:txXfrm>
+    </dsp:sp>
+    <dsp:sp modelId="{F385FBA6-2B43-4B0F-9D07-1D257D1C3AEE}">
+      <dsp:nvSpPr>
+        <dsp:cNvPr id="0" name=""/>
+        <dsp:cNvSpPr/>
+      </dsp:nvSpPr>
+      <dsp:spPr>
+        <a:xfrm>
+          <a:off x="3221518" y="1630202"/>
+          <a:ext cx="437020" cy="511231"/>
+        </a:xfrm>
+        <a:prstGeom prst="rightArrow">
+          <a:avLst>
+            <a:gd name="adj1" fmla="val 60000"/>
+            <a:gd name="adj2" fmla="val 50000"/>
+          </a:avLst>
+        </a:prstGeom>
+        <a:gradFill rotWithShape="0">
+          <a:gsLst>
+            <a:gs pos="0">
+              <a:schemeClr val="accent3">
+                <a:hueOff val="0"/>
+                <a:satOff val="0"/>
+                <a:lumOff val="0"/>
+                <a:alphaOff val="0"/>
+                <a:shade val="51000"/>
+                <a:satMod val="130000"/>
+              </a:schemeClr>
+            </a:gs>
+            <a:gs pos="80000">
+              <a:schemeClr val="accent3">
+                <a:hueOff val="0"/>
+                <a:satOff val="0"/>
+                <a:lumOff val="0"/>
+                <a:alphaOff val="0"/>
+                <a:shade val="93000"/>
+                <a:satMod val="130000"/>
+              </a:schemeClr>
+            </a:gs>
+            <a:gs pos="100000">
+              <a:schemeClr val="accent3">
+                <a:hueOff val="0"/>
+                <a:satOff val="0"/>
+                <a:lumOff val="0"/>
+                <a:alphaOff val="0"/>
+                <a:shade val="94000"/>
+                <a:satMod val="135000"/>
+              </a:schemeClr>
+            </a:gs>
+          </a:gsLst>
+          <a:lin ang="16200000" scaled="0"/>
+        </a:gradFill>
+        <a:ln>
+          <a:noFill/>
+        </a:ln>
+        <a:effectLst>
+          <a:outerShdw blurRad="40000" dist="23000" dir="5400000" rotWithShape="0">
+            <a:srgbClr val="000000">
+              <a:alpha val="35000"/>
+            </a:srgbClr>
+          </a:outerShdw>
+        </a:effectLst>
+      </dsp:spPr>
+      <dsp:style>
+        <a:lnRef idx="0">
+          <a:scrgbClr r="0" g="0" b="0"/>
+        </a:lnRef>
+        <a:fillRef idx="3">
+          <a:scrgbClr r="0" g="0" b="0"/>
+        </a:fillRef>
+        <a:effectRef idx="2">
+          <a:scrgbClr r="0" g="0" b="0"/>
+        </a:effectRef>
+        <a:fontRef idx="minor">
+          <a:schemeClr val="lt1"/>
+        </a:fontRef>
+      </dsp:style>
+      <dsp:txBody>
+        <a:bodyPr spcFirstLastPara="0" vert="horz" wrap="square" lIns="0" tIns="0" rIns="0" bIns="0" numCol="1" spcCol="1270" anchor="ctr" anchorCtr="0">
+          <a:noAutofit/>
+        </a:bodyPr>
+        <a:lstStyle/>
+        <a:p>
+          <a:pPr lvl="0" algn="ctr" defTabSz="933450">
+            <a:lnSpc>
+              <a:spcPct val="90000"/>
+            </a:lnSpc>
+            <a:spcBef>
+              <a:spcPct val="0"/>
+            </a:spcBef>
+            <a:spcAft>
+              <a:spcPct val="35000"/>
+            </a:spcAft>
+          </a:pPr>
+          <a:endParaRPr lang="zh-CN" altLang="en-US" sz="2100" kern="1200"/>
+        </a:p>
+      </dsp:txBody>
+      <dsp:txXfrm>
+        <a:off x="3221518" y="1732448"/>
+        <a:ext cx="305914" cy="306739"/>
+      </dsp:txXfrm>
+    </dsp:sp>
+    <dsp:sp modelId="{3DF1263B-FC02-4B86-9315-B97DFB2AD61B}">
+      <dsp:nvSpPr>
+        <dsp:cNvPr id="0" name=""/>
+        <dsp:cNvSpPr/>
+      </dsp:nvSpPr>
+      <dsp:spPr>
+        <a:xfrm>
+          <a:off x="3839944" y="511539"/>
+          <a:ext cx="2748557" cy="2748557"/>
+        </a:xfrm>
+        <a:prstGeom prst="foldedCorner">
+          <a:avLst/>
+        </a:prstGeom>
+        <a:gradFill rotWithShape="0">
+          <a:gsLst>
+            <a:gs pos="0">
+              <a:schemeClr val="accent4">
+                <a:hueOff val="0"/>
+                <a:satOff val="0"/>
+                <a:lumOff val="0"/>
+                <a:alphaOff val="0"/>
+                <a:shade val="51000"/>
+                <a:satMod val="130000"/>
+              </a:schemeClr>
+            </a:gs>
+            <a:gs pos="80000">
+              <a:schemeClr val="accent4">
+                <a:hueOff val="0"/>
+                <a:satOff val="0"/>
+                <a:lumOff val="0"/>
+                <a:alphaOff val="0"/>
+                <a:shade val="93000"/>
+                <a:satMod val="130000"/>
+              </a:schemeClr>
+            </a:gs>
+            <a:gs pos="100000">
+              <a:schemeClr val="accent4">
+                <a:hueOff val="0"/>
+                <a:satOff val="0"/>
+                <a:lumOff val="0"/>
+                <a:alphaOff val="0"/>
+                <a:shade val="94000"/>
+                <a:satMod val="135000"/>
+              </a:schemeClr>
+            </a:gs>
+          </a:gsLst>
+          <a:lin ang="16200000" scaled="0"/>
+        </a:gradFill>
+        <a:ln>
+          <a:noFill/>
+        </a:ln>
+        <a:effectLst>
+          <a:outerShdw blurRad="40000" dist="23000" dir="5400000" rotWithShape="0">
+            <a:srgbClr val="000000">
+              <a:alpha val="35000"/>
+            </a:srgbClr>
+          </a:outerShdw>
+        </a:effectLst>
+      </dsp:spPr>
+      <dsp:style>
+        <a:lnRef idx="0">
+          <a:scrgbClr r="0" g="0" b="0"/>
+        </a:lnRef>
+        <a:fillRef idx="3">
+          <a:scrgbClr r="0" g="0" b="0"/>
+        </a:fillRef>
+        <a:effectRef idx="2">
+          <a:scrgbClr r="0" g="0" b="0"/>
+        </a:effectRef>
+        <a:fontRef idx="minor">
+          <a:schemeClr val="lt1"/>
+        </a:fontRef>
+      </dsp:style>
+      <dsp:txBody>
+        <a:bodyPr spcFirstLastPara="0" vert="horz" wrap="square" lIns="35560" tIns="35560" rIns="35560" bIns="35560" numCol="1" spcCol="1270" anchor="ctr" anchorCtr="0">
+          <a:noAutofit/>
+        </a:bodyPr>
+        <a:lstStyle/>
+        <a:p>
+          <a:pPr lvl="0" algn="ctr" defTabSz="1244600">
+            <a:lnSpc>
+              <a:spcPct val="90000"/>
+            </a:lnSpc>
+            <a:spcBef>
+              <a:spcPct val="0"/>
+            </a:spcBef>
+            <a:spcAft>
+              <a:spcPct val="35000"/>
+            </a:spcAft>
+          </a:pPr>
+          <a:endParaRPr lang="en-US" altLang="zh-CN" sz="2800" kern="1200" dirty="0" smtClean="0"/>
+        </a:p>
+        <a:p>
+          <a:pPr lvl="0" algn="ctr" defTabSz="1244600">
+            <a:lnSpc>
+              <a:spcPct val="90000"/>
+            </a:lnSpc>
+            <a:spcBef>
+              <a:spcPct val="0"/>
+            </a:spcBef>
+            <a:spcAft>
+              <a:spcPct val="35000"/>
+            </a:spcAft>
+          </a:pPr>
+          <a:r>
+            <a:rPr lang="zh-CN" altLang="en-US" sz="2800" kern="1200" dirty="0" smtClean="0"/>
+            <a:t>非靶向代谢组学多元统计分析</a:t>
+          </a:r>
+          <a:endParaRPr lang="zh-CN" altLang="en-US" sz="2800" kern="1200" dirty="0"/>
+        </a:p>
+      </dsp:txBody>
+      <dsp:txXfrm>
+        <a:off x="3839944" y="511539"/>
+        <a:ext cx="2748557" cy="2290455"/>
+      </dsp:txXfrm>
+    </dsp:sp>
+  </dsp:spTree>
+</dsp:drawing>
+</file>
+
 <file path=ppt/diagrams/layout1.xml><?xml version="1.0" encoding="utf-8"?>
 <dgm:layoutDef xmlns:dgm="http://schemas.openxmlformats.org/drawingml/2006/diagram" xmlns:a="http://schemas.openxmlformats.org/drawingml/2006/main" uniqueId="urn:microsoft.com/office/officeart/2005/8/layout/equation2">
   <dgm:title val=""/>
@@ -8050,6 +10069,271 @@
 </dgm:layoutDef>
 </file>
 
+<file path=ppt/diagrams/layout5.xml><?xml version="1.0" encoding="utf-8"?>
+<dgm:layoutDef xmlns:dgm="http://schemas.openxmlformats.org/drawingml/2006/diagram" xmlns:a="http://schemas.openxmlformats.org/drawingml/2006/main" uniqueId="urn:microsoft.com/office/officeart/2005/8/layout/equation2">
+  <dgm:title val=""/>
+  <dgm:desc val=""/>
+  <dgm:catLst>
+    <dgm:cat type="relationship" pri="18000"/>
+    <dgm:cat type="process" pri="26000"/>
+  </dgm:catLst>
+  <dgm:sampData useDef="1">
+    <dgm:dataModel>
+      <dgm:ptLst/>
+      <dgm:bg/>
+      <dgm:whole/>
+    </dgm:dataModel>
+  </dgm:sampData>
+  <dgm:styleData>
+    <dgm:dataModel>
+      <dgm:ptLst>
+        <dgm:pt modelId="0" type="doc"/>
+        <dgm:pt modelId="1"/>
+        <dgm:pt modelId="2"/>
+      </dgm:ptLst>
+      <dgm:cxnLst>
+        <dgm:cxn modelId="3" srcId="0" destId="1" srcOrd="0" destOrd="0"/>
+        <dgm:cxn modelId="4" srcId="0" destId="2" srcOrd="1" destOrd="0"/>
+      </dgm:cxnLst>
+      <dgm:bg/>
+      <dgm:whole/>
+    </dgm:dataModel>
+  </dgm:styleData>
+  <dgm:clrData>
+    <dgm:dataModel>
+      <dgm:ptLst>
+        <dgm:pt modelId="0" type="doc"/>
+        <dgm:pt modelId="1"/>
+        <dgm:pt modelId="2"/>
+        <dgm:pt modelId="3"/>
+        <dgm:pt modelId="4"/>
+      </dgm:ptLst>
+      <dgm:cxnLst>
+        <dgm:cxn modelId="5" srcId="0" destId="1" srcOrd="0" destOrd="0"/>
+        <dgm:cxn modelId="6" srcId="0" destId="2" srcOrd="1" destOrd="0"/>
+        <dgm:cxn modelId="7" srcId="0" destId="3" srcOrd="2" destOrd="0"/>
+        <dgm:cxn modelId="8" srcId="0" destId="4" srcOrd="3" destOrd="0"/>
+      </dgm:cxnLst>
+      <dgm:bg/>
+      <dgm:whole/>
+    </dgm:dataModel>
+  </dgm:clrData>
+  <dgm:layoutNode name="Name0">
+    <dgm:varLst>
+      <dgm:dir/>
+      <dgm:resizeHandles val="exact"/>
+    </dgm:varLst>
+    <dgm:choose name="Name1">
+      <dgm:if name="Name2" func="var" arg="dir" op="equ" val="norm">
+        <dgm:alg type="lin">
+          <dgm:param type="linDir" val="fromL"/>
+          <dgm:param type="fallback" val="2D"/>
+        </dgm:alg>
+      </dgm:if>
+      <dgm:else name="Name3">
+        <dgm:alg type="lin">
+          <dgm:param type="linDir" val="fromR"/>
+          <dgm:param type="fallback" val="2D"/>
+        </dgm:alg>
+      </dgm:else>
+    </dgm:choose>
+    <dgm:shape xmlns:r="http://schemas.openxmlformats.org/officeDocument/2006/relationships" r:blip="">
+      <dgm:adjLst/>
+    </dgm:shape>
+    <dgm:presOf/>
+    <dgm:choose name="Name4">
+      <dgm:if name="Name5" axis="ch" ptType="node" func="cnt" op="gte" val="3">
+        <dgm:constrLst>
+          <dgm:constr type="h" for="des" forName="node" refType="w" fact="0.5"/>
+          <dgm:constr type="w" for="ch" forName="lastNode" refType="w"/>
+          <dgm:constr type="w" for="des" forName="node" refType="h" refFor="des" refForName="node"/>
+          <dgm:constr type="w" for="ch" forName="sibTransLast" refType="h" refFor="des" refForName="node" fact="0.6"/>
+          <dgm:constr type="h" for="des" forName="sibTrans" refType="h" refFor="des" refForName="node" op="equ" fact="0.58"/>
+          <dgm:constr type="w" for="des" forName="sibTrans" refType="h" refFor="des" refForName="sibTrans" op="equ"/>
+          <dgm:constr type="primFontSz" for="ch" forName="lastNode" op="equ" val="65"/>
+          <dgm:constr type="primFontSz" for="des" forName="node" op="equ" val="65"/>
+          <dgm:constr type="primFontSz" for="des" forName="sibTrans" val="55"/>
+          <dgm:constr type="primFontSz" for="des" forName="sibTrans" refType="primFontSz" refFor="des" refForName="node" op="lte" fact="0.8"/>
+          <dgm:constr type="primFontSz" for="des" forName="connectorText" refType="primFontSz" refFor="des" refForName="node" op="lte" fact="0.8"/>
+          <dgm:constr type="primFontSz" for="des" forName="connectorText" refType="primFontSz" refFor="des" refForName="sibTrans" op="equ"/>
+          <dgm:constr type="h" for="des" forName="spacerT" refType="h" refFor="des" refForName="sibTrans" fact="0.14"/>
+          <dgm:constr type="h" for="des" forName="spacerB" refType="h" refFor="des" refForName="sibTrans" fact="0.14"/>
+        </dgm:constrLst>
+      </dgm:if>
+      <dgm:else name="Name6">
+        <dgm:constrLst>
+          <dgm:constr type="h" for="des" forName="node" refType="w"/>
+          <dgm:constr type="w" for="ch" forName="lastNode" refType="w"/>
+          <dgm:constr type="w" for="des" forName="node" refType="h" refFor="des" refForName="node"/>
+          <dgm:constr type="w" for="ch" forName="sibTransLast" refType="h" refFor="des" refForName="node" fact="0.6"/>
+          <dgm:constr type="h" for="des" forName="sibTrans" refType="h" refFor="des" refForName="node" op="equ" fact="0.58"/>
+          <dgm:constr type="w" for="des" forName="sibTrans" refType="h" refFor="des" refForName="sibTrans" op="equ"/>
+          <dgm:constr type="primFontSz" for="des" forName="node" val="65"/>
+          <dgm:constr type="primFontSz" for="ch" forName="lastNode" refType="primFontSz" refFor="des" refForName="node" op="equ"/>
+          <dgm:constr type="primFontSz" for="des" forName="sibTrans" val="55"/>
+          <dgm:constr type="primFontSz" for="des" forName="connectorText" refType="primFontSz" refFor="des" refForName="node" op="lte" fact="0.8"/>
+          <dgm:constr type="primFontSz" for="des" forName="connectorText" refType="primFontSz" refFor="des" refForName="sibTrans" op="equ"/>
+          <dgm:constr type="h" for="des" forName="spacerT" refType="h" refFor="des" refForName="sibTrans" fact="0.14"/>
+          <dgm:constr type="h" for="des" forName="spacerB" refType="h" refFor="des" refForName="sibTrans" fact="0.14"/>
+        </dgm:constrLst>
+      </dgm:else>
+    </dgm:choose>
+    <dgm:ruleLst/>
+    <dgm:choose name="Name7">
+      <dgm:if name="Name8" axis="ch" ptType="node" func="cnt" op="gte" val="1">
+        <dgm:layoutNode name="vNodes">
+          <dgm:alg type="lin">
+            <dgm:param type="linDir" val="fromT"/>
+            <dgm:param type="fallback" val="2D"/>
+          </dgm:alg>
+          <dgm:shape xmlns:r="http://schemas.openxmlformats.org/officeDocument/2006/relationships" r:blip="">
+            <dgm:adjLst/>
+          </dgm:shape>
+          <dgm:presOf/>
+          <dgm:constrLst/>
+          <dgm:ruleLst/>
+          <dgm:forEach name="Name9" axis="ch" ptType="node">
+            <dgm:choose name="Name10">
+              <dgm:if name="Name11" axis="self" func="revPos" op="neq" val="1">
+                <dgm:layoutNode name="node">
+                  <dgm:varLst>
+                    <dgm:bulletEnabled val="1"/>
+                  </dgm:varLst>
+                  <dgm:alg type="tx">
+                    <dgm:param type="txAnchorVertCh" val="mid"/>
+                  </dgm:alg>
+                  <dgm:shape xmlns:r="http://schemas.openxmlformats.org/officeDocument/2006/relationships" type="ellipse" r:blip="">
+                    <dgm:adjLst/>
+                  </dgm:shape>
+                  <dgm:presOf axis="desOrSelf" ptType="node"/>
+                  <dgm:constrLst>
+                    <dgm:constr type="tMarg" refType="primFontSz" fact="0.1"/>
+                    <dgm:constr type="bMarg" refType="primFontSz" fact="0.1"/>
+                    <dgm:constr type="lMarg" refType="primFontSz" fact="0.1"/>
+                    <dgm:constr type="rMarg" refType="primFontSz" fact="0.1"/>
+                  </dgm:constrLst>
+                  <dgm:ruleLst>
+                    <dgm:rule type="primFontSz" val="5" fact="NaN" max="NaN"/>
+                  </dgm:ruleLst>
+                </dgm:layoutNode>
+                <dgm:choose name="Name12">
+                  <dgm:if name="Name13" axis="self" ptType="node" func="revPos" op="gt" val="2">
+                    <dgm:forEach name="sibTransForEach" axis="followSib" ptType="sibTrans" cnt="1">
+                      <dgm:layoutNode name="spacerT">
+                        <dgm:alg type="sp"/>
+                        <dgm:shape xmlns:r="http://schemas.openxmlformats.org/officeDocument/2006/relationships" r:blip="">
+                          <dgm:adjLst/>
+                        </dgm:shape>
+                        <dgm:presOf axis="self"/>
+                        <dgm:constrLst/>
+                        <dgm:ruleLst/>
+                      </dgm:layoutNode>
+                      <dgm:layoutNode name="sibTrans">
+                        <dgm:alg type="tx"/>
+                        <dgm:shape xmlns:r="http://schemas.openxmlformats.org/officeDocument/2006/relationships" type="mathPlus" r:blip="">
+                          <dgm:adjLst/>
+                        </dgm:shape>
+                        <dgm:presOf axis="self"/>
+                        <dgm:constrLst>
+                          <dgm:constr type="h" refType="w"/>
+                          <dgm:constr type="lMarg"/>
+                          <dgm:constr type="rMarg"/>
+                          <dgm:constr type="tMarg"/>
+                          <dgm:constr type="bMarg"/>
+                        </dgm:constrLst>
+                        <dgm:ruleLst>
+                          <dgm:rule type="primFontSz" val="5" fact="NaN" max="NaN"/>
+                        </dgm:ruleLst>
+                      </dgm:layoutNode>
+                      <dgm:layoutNode name="spacerB">
+                        <dgm:alg type="sp"/>
+                        <dgm:shape xmlns:r="http://schemas.openxmlformats.org/officeDocument/2006/relationships" r:blip="">
+                          <dgm:adjLst/>
+                        </dgm:shape>
+                        <dgm:presOf axis="self"/>
+                        <dgm:constrLst/>
+                        <dgm:ruleLst/>
+                      </dgm:layoutNode>
+                    </dgm:forEach>
+                  </dgm:if>
+                  <dgm:else name="Name14"/>
+                </dgm:choose>
+              </dgm:if>
+              <dgm:else name="Name15"/>
+            </dgm:choose>
+          </dgm:forEach>
+        </dgm:layoutNode>
+        <dgm:choose name="Name16">
+          <dgm:if name="Name17" axis="ch" ptType="node" func="cnt" op="gt" val="1">
+            <dgm:layoutNode name="sibTransLast">
+              <dgm:alg type="conn">
+                <dgm:param type="begPts" val="auto"/>
+                <dgm:param type="endPts" val="auto"/>
+                <dgm:param type="srcNode" val="vNodes"/>
+                <dgm:param type="dstNode" val="lastNode"/>
+              </dgm:alg>
+              <dgm:shape xmlns:r="http://schemas.openxmlformats.org/officeDocument/2006/relationships" type="conn" r:blip="">
+                <dgm:adjLst/>
+              </dgm:shape>
+              <dgm:presOf axis="ch" ptType="sibTrans" st="-1" cnt="1"/>
+              <dgm:constrLst>
+                <dgm:constr type="h" refType="w" fact="0.62"/>
+                <dgm:constr type="connDist"/>
+                <dgm:constr type="begPad" refType="connDist" fact="0.25"/>
+                <dgm:constr type="endPad" refType="connDist" fact="0.22"/>
+              </dgm:constrLst>
+              <dgm:ruleLst/>
+              <dgm:layoutNode name="connectorText">
+                <dgm:alg type="tx">
+                  <dgm:param type="autoTxRot" val="grav"/>
+                </dgm:alg>
+                <dgm:shape xmlns:r="http://schemas.openxmlformats.org/officeDocument/2006/relationships" type="conn" r:blip="" hideGeom="1">
+                  <dgm:adjLst/>
+                </dgm:shape>
+                <dgm:presOf axis="ch desOrSelf" ptType="sibTrans sibTrans" st="-1 1" cnt="1 0"/>
+                <dgm:constrLst>
+                  <dgm:constr type="lMarg"/>
+                  <dgm:constr type="rMarg"/>
+                  <dgm:constr type="tMarg"/>
+                  <dgm:constr type="bMarg"/>
+                </dgm:constrLst>
+                <dgm:ruleLst>
+                  <dgm:rule type="primFontSz" val="5" fact="NaN" max="NaN"/>
+                </dgm:ruleLst>
+              </dgm:layoutNode>
+            </dgm:layoutNode>
+          </dgm:if>
+          <dgm:else name="Name18"/>
+        </dgm:choose>
+        <dgm:layoutNode name="lastNode">
+          <dgm:varLst>
+            <dgm:bulletEnabled val="1"/>
+          </dgm:varLst>
+          <dgm:alg type="tx">
+            <dgm:param type="txAnchorVertCh" val="mid"/>
+          </dgm:alg>
+          <dgm:shape xmlns:r="http://schemas.openxmlformats.org/officeDocument/2006/relationships" type="ellipse" r:blip="">
+            <dgm:adjLst/>
+          </dgm:shape>
+          <dgm:presOf axis="ch desOrSelf" ptType="node node" st="-1 1" cnt="1 0"/>
+          <dgm:constrLst>
+            <dgm:constr type="h" refType="w"/>
+            <dgm:constr type="tMarg" refType="primFontSz" fact="0.1"/>
+            <dgm:constr type="bMarg" refType="primFontSz" fact="0.1"/>
+            <dgm:constr type="lMarg" refType="primFontSz" fact="0.1"/>
+            <dgm:constr type="rMarg" refType="primFontSz" fact="0.1"/>
+          </dgm:constrLst>
+          <dgm:ruleLst>
+            <dgm:rule type="primFontSz" val="5" fact="NaN" max="NaN"/>
+          </dgm:ruleLst>
+        </dgm:layoutNode>
+      </dgm:if>
+      <dgm:else name="Name19"/>
+    </dgm:choose>
+  </dgm:layoutNode>
+</dgm:layoutDef>
+</file>
+
 <file path=ppt/diagrams/quickStyle1.xml><?xml version="1.0" encoding="utf-8"?>
 <dgm:styleDef xmlns:dgm="http://schemas.openxmlformats.org/drawingml/2006/diagram" xmlns:a="http://schemas.openxmlformats.org/drawingml/2006/main" uniqueId="urn:microsoft.com/office/officeart/2005/8/quickstyle/simple4">
   <dgm:title val=""/>
@@ -11153,6 +13437,1040 @@
 </file>
 
 <file path=ppt/diagrams/quickStyle4.xml><?xml version="1.0" encoding="utf-8"?>
+<dgm:styleDef xmlns:dgm="http://schemas.openxmlformats.org/drawingml/2006/diagram" xmlns:a="http://schemas.openxmlformats.org/drawingml/2006/main" uniqueId="urn:microsoft.com/office/officeart/2005/8/quickstyle/simple4">
+  <dgm:title val=""/>
+  <dgm:desc val=""/>
+  <dgm:catLst>
+    <dgm:cat type="simple" pri="10400"/>
+  </dgm:catLst>
+  <dgm:scene3d>
+    <a:camera prst="orthographicFront"/>
+    <a:lightRig rig="threePt" dir="t"/>
+  </dgm:scene3d>
+  <dgm:styleLbl name="node0">
+    <dgm:scene3d>
+      <a:camera prst="orthographicFront"/>
+      <a:lightRig rig="threePt" dir="t"/>
+    </dgm:scene3d>
+    <dgm:sp3d/>
+    <dgm:txPr/>
+    <dgm:style>
+      <a:lnRef idx="0">
+        <a:scrgbClr r="0" g="0" b="0"/>
+      </a:lnRef>
+      <a:fillRef idx="3">
+        <a:scrgbClr r="0" g="0" b="0"/>
+      </a:fillRef>
+      <a:effectRef idx="2">
+        <a:scrgbClr r="0" g="0" b="0"/>
+      </a:effectRef>
+      <a:fontRef idx="minor">
+        <a:schemeClr val="lt1"/>
+      </a:fontRef>
+    </dgm:style>
+  </dgm:styleLbl>
+  <dgm:styleLbl name="lnNode1">
+    <dgm:scene3d>
+      <a:camera prst="orthographicFront"/>
+      <a:lightRig rig="threePt" dir="t"/>
+    </dgm:scene3d>
+    <dgm:sp3d/>
+    <dgm:txPr/>
+    <dgm:style>
+      <a:lnRef idx="1">
+        <a:scrgbClr r="0" g="0" b="0"/>
+      </a:lnRef>
+      <a:fillRef idx="3">
+        <a:scrgbClr r="0" g="0" b="0"/>
+      </a:fillRef>
+      <a:effectRef idx="2">
+        <a:scrgbClr r="0" g="0" b="0"/>
+      </a:effectRef>
+      <a:fontRef idx="minor">
+        <a:schemeClr val="lt1"/>
+      </a:fontRef>
+    </dgm:style>
+  </dgm:styleLbl>
+  <dgm:styleLbl name="vennNode1">
+    <dgm:scene3d>
+      <a:camera prst="orthographicFront"/>
+      <a:lightRig rig="threePt" dir="t"/>
+    </dgm:scene3d>
+    <dgm:sp3d/>
+    <dgm:txPr/>
+    <dgm:style>
+      <a:lnRef idx="0">
+        <a:scrgbClr r="0" g="0" b="0"/>
+      </a:lnRef>
+      <a:fillRef idx="3">
+        <a:scrgbClr r="0" g="0" b="0"/>
+      </a:fillRef>
+      <a:effectRef idx="0">
+        <a:scrgbClr r="0" g="0" b="0"/>
+      </a:effectRef>
+      <a:fontRef idx="minor">
+        <a:schemeClr val="tx1"/>
+      </a:fontRef>
+    </dgm:style>
+  </dgm:styleLbl>
+  <dgm:styleLbl name="alignNode1">
+    <dgm:scene3d>
+      <a:camera prst="orthographicFront"/>
+      <a:lightRig rig="threePt" dir="t"/>
+    </dgm:scene3d>
+    <dgm:sp3d/>
+    <dgm:txPr/>
+    <dgm:style>
+      <a:lnRef idx="1">
+        <a:scrgbClr r="0" g="0" b="0"/>
+      </a:lnRef>
+      <a:fillRef idx="3">
+        <a:scrgbClr r="0" g="0" b="0"/>
+      </a:fillRef>
+      <a:effectRef idx="2">
+        <a:scrgbClr r="0" g="0" b="0"/>
+      </a:effectRef>
+      <a:fontRef idx="minor">
+        <a:schemeClr val="lt1"/>
+      </a:fontRef>
+    </dgm:style>
+  </dgm:styleLbl>
+  <dgm:styleLbl name="node1">
+    <dgm:scene3d>
+      <a:camera prst="orthographicFront"/>
+      <a:lightRig rig="threePt" dir="t"/>
+    </dgm:scene3d>
+    <dgm:sp3d/>
+    <dgm:txPr/>
+    <dgm:style>
+      <a:lnRef idx="0">
+        <a:scrgbClr r="0" g="0" b="0"/>
+      </a:lnRef>
+      <a:fillRef idx="3">
+        <a:scrgbClr r="0" g="0" b="0"/>
+      </a:fillRef>
+      <a:effectRef idx="2">
+        <a:scrgbClr r="0" g="0" b="0"/>
+      </a:effectRef>
+      <a:fontRef idx="minor">
+        <a:schemeClr val="lt1"/>
+      </a:fontRef>
+    </dgm:style>
+  </dgm:styleLbl>
+  <dgm:styleLbl name="node2">
+    <dgm:scene3d>
+      <a:camera prst="orthographicFront"/>
+      <a:lightRig rig="threePt" dir="t"/>
+    </dgm:scene3d>
+    <dgm:sp3d/>
+    <dgm:txPr/>
+    <dgm:style>
+      <a:lnRef idx="0">
+        <a:scrgbClr r="0" g="0" b="0"/>
+      </a:lnRef>
+      <a:fillRef idx="3">
+        <a:scrgbClr r="0" g="0" b="0"/>
+      </a:fillRef>
+      <a:effectRef idx="2">
+        <a:scrgbClr r="0" g="0" b="0"/>
+      </a:effectRef>
+      <a:fontRef idx="minor">
+        <a:schemeClr val="lt1"/>
+      </a:fontRef>
+    </dgm:style>
+  </dgm:styleLbl>
+  <dgm:styleLbl name="node3">
+    <dgm:scene3d>
+      <a:camera prst="orthographicFront"/>
+      <a:lightRig rig="threePt" dir="t"/>
+    </dgm:scene3d>
+    <dgm:sp3d/>
+    <dgm:txPr/>
+    <dgm:style>
+      <a:lnRef idx="0">
+        <a:scrgbClr r="0" g="0" b="0"/>
+      </a:lnRef>
+      <a:fillRef idx="3">
+        <a:scrgbClr r="0" g="0" b="0"/>
+      </a:fillRef>
+      <a:effectRef idx="2">
+        <a:scrgbClr r="0" g="0" b="0"/>
+      </a:effectRef>
+      <a:fontRef idx="minor">
+        <a:schemeClr val="lt1"/>
+      </a:fontRef>
+    </dgm:style>
+  </dgm:styleLbl>
+  <dgm:styleLbl name="node4">
+    <dgm:scene3d>
+      <a:camera prst="orthographicFront"/>
+      <a:lightRig rig="threePt" dir="t"/>
+    </dgm:scene3d>
+    <dgm:sp3d/>
+    <dgm:txPr/>
+    <dgm:style>
+      <a:lnRef idx="0">
+        <a:scrgbClr r="0" g="0" b="0"/>
+      </a:lnRef>
+      <a:fillRef idx="3">
+        <a:scrgbClr r="0" g="0" b="0"/>
+      </a:fillRef>
+      <a:effectRef idx="2">
+        <a:scrgbClr r="0" g="0" b="0"/>
+      </a:effectRef>
+      <a:fontRef idx="minor">
+        <a:schemeClr val="lt1"/>
+      </a:fontRef>
+    </dgm:style>
+  </dgm:styleLbl>
+  <dgm:styleLbl name="fgImgPlace1">
+    <dgm:scene3d>
+      <a:camera prst="orthographicFront"/>
+      <a:lightRig rig="threePt" dir="t"/>
+    </dgm:scene3d>
+    <dgm:sp3d/>
+    <dgm:txPr/>
+    <dgm:style>
+      <a:lnRef idx="0">
+        <a:scrgbClr r="0" g="0" b="0"/>
+      </a:lnRef>
+      <a:fillRef idx="1">
+        <a:scrgbClr r="0" g="0" b="0"/>
+      </a:fillRef>
+      <a:effectRef idx="2">
+        <a:scrgbClr r="0" g="0" b="0"/>
+      </a:effectRef>
+      <a:fontRef idx="minor"/>
+    </dgm:style>
+  </dgm:styleLbl>
+  <dgm:styleLbl name="alignImgPlace1">
+    <dgm:scene3d>
+      <a:camera prst="orthographicFront"/>
+      <a:lightRig rig="threePt" dir="t"/>
+    </dgm:scene3d>
+    <dgm:sp3d/>
+    <dgm:txPr/>
+    <dgm:style>
+      <a:lnRef idx="0">
+        <a:scrgbClr r="0" g="0" b="0"/>
+      </a:lnRef>
+      <a:fillRef idx="1">
+        <a:scrgbClr r="0" g="0" b="0"/>
+      </a:fillRef>
+      <a:effectRef idx="2">
+        <a:scrgbClr r="0" g="0" b="0"/>
+      </a:effectRef>
+      <a:fontRef idx="minor"/>
+    </dgm:style>
+  </dgm:styleLbl>
+  <dgm:styleLbl name="bgImgPlace1">
+    <dgm:scene3d>
+      <a:camera prst="orthographicFront"/>
+      <a:lightRig rig="threePt" dir="t"/>
+    </dgm:scene3d>
+    <dgm:sp3d/>
+    <dgm:txPr/>
+    <dgm:style>
+      <a:lnRef idx="0">
+        <a:scrgbClr r="0" g="0" b="0"/>
+      </a:lnRef>
+      <a:fillRef idx="1">
+        <a:scrgbClr r="0" g="0" b="0"/>
+      </a:fillRef>
+      <a:effectRef idx="2">
+        <a:scrgbClr r="0" g="0" b="0"/>
+      </a:effectRef>
+      <a:fontRef idx="minor"/>
+    </dgm:style>
+  </dgm:styleLbl>
+  <dgm:styleLbl name="sibTrans2D1">
+    <dgm:scene3d>
+      <a:camera prst="orthographicFront"/>
+      <a:lightRig rig="threePt" dir="t"/>
+    </dgm:scene3d>
+    <dgm:sp3d/>
+    <dgm:txPr/>
+    <dgm:style>
+      <a:lnRef idx="0">
+        <a:scrgbClr r="0" g="0" b="0"/>
+      </a:lnRef>
+      <a:fillRef idx="3">
+        <a:scrgbClr r="0" g="0" b="0"/>
+      </a:fillRef>
+      <a:effectRef idx="2">
+        <a:scrgbClr r="0" g="0" b="0"/>
+      </a:effectRef>
+      <a:fontRef idx="minor">
+        <a:schemeClr val="lt1"/>
+      </a:fontRef>
+    </dgm:style>
+  </dgm:styleLbl>
+  <dgm:styleLbl name="fgSibTrans2D1">
+    <dgm:scene3d>
+      <a:camera prst="orthographicFront"/>
+      <a:lightRig rig="threePt" dir="t"/>
+    </dgm:scene3d>
+    <dgm:sp3d/>
+    <dgm:txPr/>
+    <dgm:style>
+      <a:lnRef idx="0">
+        <a:scrgbClr r="0" g="0" b="0"/>
+      </a:lnRef>
+      <a:fillRef idx="3">
+        <a:scrgbClr r="0" g="0" b="0"/>
+      </a:fillRef>
+      <a:effectRef idx="2">
+        <a:scrgbClr r="0" g="0" b="0"/>
+      </a:effectRef>
+      <a:fontRef idx="minor">
+        <a:schemeClr val="lt1"/>
+      </a:fontRef>
+    </dgm:style>
+  </dgm:styleLbl>
+  <dgm:styleLbl name="bgSibTrans2D1">
+    <dgm:scene3d>
+      <a:camera prst="orthographicFront"/>
+      <a:lightRig rig="threePt" dir="t"/>
+    </dgm:scene3d>
+    <dgm:sp3d/>
+    <dgm:txPr/>
+    <dgm:style>
+      <a:lnRef idx="0">
+        <a:scrgbClr r="0" g="0" b="0"/>
+      </a:lnRef>
+      <a:fillRef idx="3">
+        <a:scrgbClr r="0" g="0" b="0"/>
+      </a:fillRef>
+      <a:effectRef idx="2">
+        <a:scrgbClr r="0" g="0" b="0"/>
+      </a:effectRef>
+      <a:fontRef idx="minor">
+        <a:schemeClr val="lt1"/>
+      </a:fontRef>
+    </dgm:style>
+  </dgm:styleLbl>
+  <dgm:styleLbl name="sibTrans1D1">
+    <dgm:scene3d>
+      <a:camera prst="orthographicFront"/>
+      <a:lightRig rig="threePt" dir="t"/>
+    </dgm:scene3d>
+    <dgm:sp3d/>
+    <dgm:txPr/>
+    <dgm:style>
+      <a:lnRef idx="1">
+        <a:scrgbClr r="0" g="0" b="0"/>
+      </a:lnRef>
+      <a:fillRef idx="0">
+        <a:scrgbClr r="0" g="0" b="0"/>
+      </a:fillRef>
+      <a:effectRef idx="0">
+        <a:scrgbClr r="0" g="0" b="0"/>
+      </a:effectRef>
+      <a:fontRef idx="minor"/>
+    </dgm:style>
+  </dgm:styleLbl>
+  <dgm:styleLbl name="callout">
+    <dgm:scene3d>
+      <a:camera prst="orthographicFront"/>
+      <a:lightRig rig="threePt" dir="t"/>
+    </dgm:scene3d>
+    <dgm:sp3d/>
+    <dgm:txPr/>
+    <dgm:style>
+      <a:lnRef idx="2">
+        <a:scrgbClr r="0" g="0" b="0"/>
+      </a:lnRef>
+      <a:fillRef idx="1">
+        <a:scrgbClr r="0" g="0" b="0"/>
+      </a:fillRef>
+      <a:effectRef idx="1">
+        <a:scrgbClr r="0" g="0" b="0"/>
+      </a:effectRef>
+      <a:fontRef idx="minor"/>
+    </dgm:style>
+  </dgm:styleLbl>
+  <dgm:styleLbl name="asst0">
+    <dgm:scene3d>
+      <a:camera prst="orthographicFront"/>
+      <a:lightRig rig="threePt" dir="t"/>
+    </dgm:scene3d>
+    <dgm:sp3d/>
+    <dgm:txPr/>
+    <dgm:style>
+      <a:lnRef idx="0">
+        <a:scrgbClr r="0" g="0" b="0"/>
+      </a:lnRef>
+      <a:fillRef idx="3">
+        <a:scrgbClr r="0" g="0" b="0"/>
+      </a:fillRef>
+      <a:effectRef idx="2">
+        <a:scrgbClr r="0" g="0" b="0"/>
+      </a:effectRef>
+      <a:fontRef idx="minor">
+        <a:schemeClr val="lt1"/>
+      </a:fontRef>
+    </dgm:style>
+  </dgm:styleLbl>
+  <dgm:styleLbl name="asst1">
+    <dgm:scene3d>
+      <a:camera prst="orthographicFront"/>
+      <a:lightRig rig="threePt" dir="t"/>
+    </dgm:scene3d>
+    <dgm:sp3d/>
+    <dgm:txPr/>
+    <dgm:style>
+      <a:lnRef idx="0">
+        <a:scrgbClr r="0" g="0" b="0"/>
+      </a:lnRef>
+      <a:fillRef idx="3">
+        <a:scrgbClr r="0" g="0" b="0"/>
+      </a:fillRef>
+      <a:effectRef idx="2">
+        <a:scrgbClr r="0" g="0" b="0"/>
+      </a:effectRef>
+      <a:fontRef idx="minor">
+        <a:schemeClr val="lt1"/>
+      </a:fontRef>
+    </dgm:style>
+  </dgm:styleLbl>
+  <dgm:styleLbl name="asst2">
+    <dgm:scene3d>
+      <a:camera prst="orthographicFront"/>
+      <a:lightRig rig="threePt" dir="t"/>
+    </dgm:scene3d>
+    <dgm:sp3d/>
+    <dgm:txPr/>
+    <dgm:style>
+      <a:lnRef idx="0">
+        <a:scrgbClr r="0" g="0" b="0"/>
+      </a:lnRef>
+      <a:fillRef idx="3">
+        <a:scrgbClr r="0" g="0" b="0"/>
+      </a:fillRef>
+      <a:effectRef idx="2">
+        <a:scrgbClr r="0" g="0" b="0"/>
+      </a:effectRef>
+      <a:fontRef idx="minor">
+        <a:schemeClr val="lt1"/>
+      </a:fontRef>
+    </dgm:style>
+  </dgm:styleLbl>
+  <dgm:styleLbl name="asst3">
+    <dgm:scene3d>
+      <a:camera prst="orthographicFront"/>
+      <a:lightRig rig="threePt" dir="t"/>
+    </dgm:scene3d>
+    <dgm:sp3d/>
+    <dgm:txPr/>
+    <dgm:style>
+      <a:lnRef idx="0">
+        <a:scrgbClr r="0" g="0" b="0"/>
+      </a:lnRef>
+      <a:fillRef idx="3">
+        <a:scrgbClr r="0" g="0" b="0"/>
+      </a:fillRef>
+      <a:effectRef idx="2">
+        <a:scrgbClr r="0" g="0" b="0"/>
+      </a:effectRef>
+      <a:fontRef idx="minor">
+        <a:schemeClr val="lt1"/>
+      </a:fontRef>
+    </dgm:style>
+  </dgm:styleLbl>
+  <dgm:styleLbl name="asst4">
+    <dgm:scene3d>
+      <a:camera prst="orthographicFront"/>
+      <a:lightRig rig="threePt" dir="t"/>
+    </dgm:scene3d>
+    <dgm:sp3d/>
+    <dgm:txPr/>
+    <dgm:style>
+      <a:lnRef idx="0">
+        <a:scrgbClr r="0" g="0" b="0"/>
+      </a:lnRef>
+      <a:fillRef idx="3">
+        <a:scrgbClr r="0" g="0" b="0"/>
+      </a:fillRef>
+      <a:effectRef idx="2">
+        <a:scrgbClr r="0" g="0" b="0"/>
+      </a:effectRef>
+      <a:fontRef idx="minor">
+        <a:schemeClr val="lt1"/>
+      </a:fontRef>
+    </dgm:style>
+  </dgm:styleLbl>
+  <dgm:styleLbl name="parChTrans2D1">
+    <dgm:scene3d>
+      <a:camera prst="orthographicFront"/>
+      <a:lightRig rig="threePt" dir="t"/>
+    </dgm:scene3d>
+    <dgm:sp3d/>
+    <dgm:txPr/>
+    <dgm:style>
+      <a:lnRef idx="0">
+        <a:scrgbClr r="0" g="0" b="0"/>
+      </a:lnRef>
+      <a:fillRef idx="3">
+        <a:scrgbClr r="0" g="0" b="0"/>
+      </a:fillRef>
+      <a:effectRef idx="2">
+        <a:scrgbClr r="0" g="0" b="0"/>
+      </a:effectRef>
+      <a:fontRef idx="minor">
+        <a:schemeClr val="lt1"/>
+      </a:fontRef>
+    </dgm:style>
+  </dgm:styleLbl>
+  <dgm:styleLbl name="parChTrans2D2">
+    <dgm:scene3d>
+      <a:camera prst="orthographicFront"/>
+      <a:lightRig rig="threePt" dir="t"/>
+    </dgm:scene3d>
+    <dgm:sp3d/>
+    <dgm:txPr/>
+    <dgm:style>
+      <a:lnRef idx="0">
+        <a:scrgbClr r="0" g="0" b="0"/>
+      </a:lnRef>
+      <a:fillRef idx="3">
+        <a:scrgbClr r="0" g="0" b="0"/>
+      </a:fillRef>
+      <a:effectRef idx="2">
+        <a:scrgbClr r="0" g="0" b="0"/>
+      </a:effectRef>
+      <a:fontRef idx="minor">
+        <a:schemeClr val="lt1"/>
+      </a:fontRef>
+    </dgm:style>
+  </dgm:styleLbl>
+  <dgm:styleLbl name="parChTrans2D3">
+    <dgm:scene3d>
+      <a:camera prst="orthographicFront"/>
+      <a:lightRig rig="threePt" dir="t"/>
+    </dgm:scene3d>
+    <dgm:sp3d/>
+    <dgm:txPr/>
+    <dgm:style>
+      <a:lnRef idx="1">
+        <a:scrgbClr r="0" g="0" b="0"/>
+      </a:lnRef>
+      <a:fillRef idx="3">
+        <a:scrgbClr r="0" g="0" b="0"/>
+      </a:fillRef>
+      <a:effectRef idx="2">
+        <a:scrgbClr r="0" g="0" b="0"/>
+      </a:effectRef>
+      <a:fontRef idx="minor">
+        <a:schemeClr val="lt1"/>
+      </a:fontRef>
+    </dgm:style>
+  </dgm:styleLbl>
+  <dgm:styleLbl name="parChTrans2D4">
+    <dgm:scene3d>
+      <a:camera prst="orthographicFront"/>
+      <a:lightRig rig="threePt" dir="t"/>
+    </dgm:scene3d>
+    <dgm:sp3d/>
+    <dgm:txPr/>
+    <dgm:style>
+      <a:lnRef idx="1">
+        <a:scrgbClr r="0" g="0" b="0"/>
+      </a:lnRef>
+      <a:fillRef idx="3">
+        <a:scrgbClr r="0" g="0" b="0"/>
+      </a:fillRef>
+      <a:effectRef idx="2">
+        <a:scrgbClr r="0" g="0" b="0"/>
+      </a:effectRef>
+      <a:fontRef idx="minor">
+        <a:schemeClr val="lt1"/>
+      </a:fontRef>
+    </dgm:style>
+  </dgm:styleLbl>
+  <dgm:styleLbl name="parChTrans1D1">
+    <dgm:scene3d>
+      <a:camera prst="orthographicFront"/>
+      <a:lightRig rig="threePt" dir="t"/>
+    </dgm:scene3d>
+    <dgm:sp3d/>
+    <dgm:txPr/>
+    <dgm:style>
+      <a:lnRef idx="1">
+        <a:scrgbClr r="0" g="0" b="0"/>
+      </a:lnRef>
+      <a:fillRef idx="0">
+        <a:scrgbClr r="0" g="0" b="0"/>
+      </a:fillRef>
+      <a:effectRef idx="0">
+        <a:scrgbClr r="0" g="0" b="0"/>
+      </a:effectRef>
+      <a:fontRef idx="minor"/>
+    </dgm:style>
+  </dgm:styleLbl>
+  <dgm:styleLbl name="parChTrans1D2">
+    <dgm:scene3d>
+      <a:camera prst="orthographicFront"/>
+      <a:lightRig rig="threePt" dir="t"/>
+    </dgm:scene3d>
+    <dgm:sp3d/>
+    <dgm:txPr/>
+    <dgm:style>
+      <a:lnRef idx="1">
+        <a:scrgbClr r="0" g="0" b="0"/>
+      </a:lnRef>
+      <a:fillRef idx="0">
+        <a:scrgbClr r="0" g="0" b="0"/>
+      </a:fillRef>
+      <a:effectRef idx="0">
+        <a:scrgbClr r="0" g="0" b="0"/>
+      </a:effectRef>
+      <a:fontRef idx="minor"/>
+    </dgm:style>
+  </dgm:styleLbl>
+  <dgm:styleLbl name="parChTrans1D3">
+    <dgm:scene3d>
+      <a:camera prst="orthographicFront"/>
+      <a:lightRig rig="threePt" dir="t"/>
+    </dgm:scene3d>
+    <dgm:sp3d/>
+    <dgm:txPr/>
+    <dgm:style>
+      <a:lnRef idx="1">
+        <a:scrgbClr r="0" g="0" b="0"/>
+      </a:lnRef>
+      <a:fillRef idx="0">
+        <a:scrgbClr r="0" g="0" b="0"/>
+      </a:fillRef>
+      <a:effectRef idx="0">
+        <a:scrgbClr r="0" g="0" b="0"/>
+      </a:effectRef>
+      <a:fontRef idx="minor"/>
+    </dgm:style>
+  </dgm:styleLbl>
+  <dgm:styleLbl name="parChTrans1D4">
+    <dgm:scene3d>
+      <a:camera prst="orthographicFront"/>
+      <a:lightRig rig="threePt" dir="t"/>
+    </dgm:scene3d>
+    <dgm:sp3d/>
+    <dgm:txPr/>
+    <dgm:style>
+      <a:lnRef idx="1">
+        <a:scrgbClr r="0" g="0" b="0"/>
+      </a:lnRef>
+      <a:fillRef idx="0">
+        <a:scrgbClr r="0" g="0" b="0"/>
+      </a:fillRef>
+      <a:effectRef idx="0">
+        <a:scrgbClr r="0" g="0" b="0"/>
+      </a:effectRef>
+      <a:fontRef idx="minor"/>
+    </dgm:style>
+  </dgm:styleLbl>
+  <dgm:styleLbl name="fgAcc1">
+    <dgm:scene3d>
+      <a:camera prst="orthographicFront"/>
+      <a:lightRig rig="threePt" dir="t"/>
+    </dgm:scene3d>
+    <dgm:sp3d/>
+    <dgm:txPr/>
+    <dgm:style>
+      <a:lnRef idx="1">
+        <a:scrgbClr r="0" g="0" b="0"/>
+      </a:lnRef>
+      <a:fillRef idx="1">
+        <a:scrgbClr r="0" g="0" b="0"/>
+      </a:fillRef>
+      <a:effectRef idx="0">
+        <a:scrgbClr r="0" g="0" b="0"/>
+      </a:effectRef>
+      <a:fontRef idx="minor"/>
+    </dgm:style>
+  </dgm:styleLbl>
+  <dgm:styleLbl name="conFgAcc1">
+    <dgm:scene3d>
+      <a:camera prst="orthographicFront"/>
+      <a:lightRig rig="threePt" dir="t"/>
+    </dgm:scene3d>
+    <dgm:sp3d/>
+    <dgm:txPr/>
+    <dgm:style>
+      <a:lnRef idx="1">
+        <a:scrgbClr r="0" g="0" b="0"/>
+      </a:lnRef>
+      <a:fillRef idx="1">
+        <a:scrgbClr r="0" g="0" b="0"/>
+      </a:fillRef>
+      <a:effectRef idx="0">
+        <a:scrgbClr r="0" g="0" b="0"/>
+      </a:effectRef>
+      <a:fontRef idx="minor"/>
+    </dgm:style>
+  </dgm:styleLbl>
+  <dgm:styleLbl name="alignAcc1">
+    <dgm:scene3d>
+      <a:camera prst="orthographicFront"/>
+      <a:lightRig rig="threePt" dir="t"/>
+    </dgm:scene3d>
+    <dgm:sp3d/>
+    <dgm:txPr/>
+    <dgm:style>
+      <a:lnRef idx="1">
+        <a:scrgbClr r="0" g="0" b="0"/>
+      </a:lnRef>
+      <a:fillRef idx="1">
+        <a:scrgbClr r="0" g="0" b="0"/>
+      </a:fillRef>
+      <a:effectRef idx="0">
+        <a:scrgbClr r="0" g="0" b="0"/>
+      </a:effectRef>
+      <a:fontRef idx="minor"/>
+    </dgm:style>
+  </dgm:styleLbl>
+  <dgm:styleLbl name="trAlignAcc1">
+    <dgm:scene3d>
+      <a:camera prst="orthographicFront"/>
+      <a:lightRig rig="threePt" dir="t"/>
+    </dgm:scene3d>
+    <dgm:sp3d/>
+    <dgm:txPr/>
+    <dgm:style>
+      <a:lnRef idx="1">
+        <a:scrgbClr r="0" g="0" b="0"/>
+      </a:lnRef>
+      <a:fillRef idx="1">
+        <a:scrgbClr r="0" g="0" b="0"/>
+      </a:fillRef>
+      <a:effectRef idx="0">
+        <a:scrgbClr r="0" g="0" b="0"/>
+      </a:effectRef>
+      <a:fontRef idx="minor"/>
+    </dgm:style>
+  </dgm:styleLbl>
+  <dgm:styleLbl name="bgAcc1">
+    <dgm:scene3d>
+      <a:camera prst="orthographicFront"/>
+      <a:lightRig rig="threePt" dir="t"/>
+    </dgm:scene3d>
+    <dgm:sp3d/>
+    <dgm:txPr/>
+    <dgm:style>
+      <a:lnRef idx="1">
+        <a:scrgbClr r="0" g="0" b="0"/>
+      </a:lnRef>
+      <a:fillRef idx="1">
+        <a:scrgbClr r="0" g="0" b="0"/>
+      </a:fillRef>
+      <a:effectRef idx="0">
+        <a:scrgbClr r="0" g="0" b="0"/>
+      </a:effectRef>
+      <a:fontRef idx="minor"/>
+    </dgm:style>
+  </dgm:styleLbl>
+  <dgm:styleLbl name="solidFgAcc1">
+    <dgm:scene3d>
+      <a:camera prst="orthographicFront"/>
+      <a:lightRig rig="threePt" dir="t"/>
+    </dgm:scene3d>
+    <dgm:sp3d/>
+    <dgm:txPr/>
+    <dgm:style>
+      <a:lnRef idx="1">
+        <a:scrgbClr r="0" g="0" b="0"/>
+      </a:lnRef>
+      <a:fillRef idx="1">
+        <a:scrgbClr r="0" g="0" b="0"/>
+      </a:fillRef>
+      <a:effectRef idx="0">
+        <a:scrgbClr r="0" g="0" b="0"/>
+      </a:effectRef>
+      <a:fontRef idx="minor"/>
+    </dgm:style>
+  </dgm:styleLbl>
+  <dgm:styleLbl name="solidAlignAcc1">
+    <dgm:scene3d>
+      <a:camera prst="orthographicFront"/>
+      <a:lightRig rig="threePt" dir="t"/>
+    </dgm:scene3d>
+    <dgm:sp3d/>
+    <dgm:txPr/>
+    <dgm:style>
+      <a:lnRef idx="1">
+        <a:scrgbClr r="0" g="0" b="0"/>
+      </a:lnRef>
+      <a:fillRef idx="1">
+        <a:scrgbClr r="0" g="0" b="0"/>
+      </a:fillRef>
+      <a:effectRef idx="0">
+        <a:scrgbClr r="0" g="0" b="0"/>
+      </a:effectRef>
+      <a:fontRef idx="minor"/>
+    </dgm:style>
+  </dgm:styleLbl>
+  <dgm:styleLbl name="solidBgAcc1">
+    <dgm:scene3d>
+      <a:camera prst="orthographicFront"/>
+      <a:lightRig rig="threePt" dir="t"/>
+    </dgm:scene3d>
+    <dgm:sp3d/>
+    <dgm:txPr/>
+    <dgm:style>
+      <a:lnRef idx="1">
+        <a:scrgbClr r="0" g="0" b="0"/>
+      </a:lnRef>
+      <a:fillRef idx="1">
+        <a:scrgbClr r="0" g="0" b="0"/>
+      </a:fillRef>
+      <a:effectRef idx="0">
+        <a:scrgbClr r="0" g="0" b="0"/>
+      </a:effectRef>
+      <a:fontRef idx="minor"/>
+    </dgm:style>
+  </dgm:styleLbl>
+  <dgm:styleLbl name="fgAccFollowNode1">
+    <dgm:scene3d>
+      <a:camera prst="orthographicFront"/>
+      <a:lightRig rig="threePt" dir="t"/>
+    </dgm:scene3d>
+    <dgm:sp3d/>
+    <dgm:txPr/>
+    <dgm:style>
+      <a:lnRef idx="1">
+        <a:scrgbClr r="0" g="0" b="0"/>
+      </a:lnRef>
+      <a:fillRef idx="1">
+        <a:scrgbClr r="0" g="0" b="0"/>
+      </a:fillRef>
+      <a:effectRef idx="0">
+        <a:scrgbClr r="0" g="0" b="0"/>
+      </a:effectRef>
+      <a:fontRef idx="minor"/>
+    </dgm:style>
+  </dgm:styleLbl>
+  <dgm:styleLbl name="alignAccFollowNode1">
+    <dgm:scene3d>
+      <a:camera prst="orthographicFront"/>
+      <a:lightRig rig="threePt" dir="t"/>
+    </dgm:scene3d>
+    <dgm:sp3d/>
+    <dgm:txPr/>
+    <dgm:style>
+      <a:lnRef idx="1">
+        <a:scrgbClr r="0" g="0" b="0"/>
+      </a:lnRef>
+      <a:fillRef idx="1">
+        <a:scrgbClr r="0" g="0" b="0"/>
+      </a:fillRef>
+      <a:effectRef idx="0">
+        <a:scrgbClr r="0" g="0" b="0"/>
+      </a:effectRef>
+      <a:fontRef idx="minor"/>
+    </dgm:style>
+  </dgm:styleLbl>
+  <dgm:styleLbl name="bgAccFollowNode1">
+    <dgm:scene3d>
+      <a:camera prst="orthographicFront"/>
+      <a:lightRig rig="threePt" dir="t"/>
+    </dgm:scene3d>
+    <dgm:sp3d/>
+    <dgm:txPr/>
+    <dgm:style>
+      <a:lnRef idx="1">
+        <a:scrgbClr r="0" g="0" b="0"/>
+      </a:lnRef>
+      <a:fillRef idx="1">
+        <a:scrgbClr r="0" g="0" b="0"/>
+      </a:fillRef>
+      <a:effectRef idx="0">
+        <a:scrgbClr r="0" g="0" b="0"/>
+      </a:effectRef>
+      <a:fontRef idx="minor"/>
+    </dgm:style>
+  </dgm:styleLbl>
+  <dgm:styleLbl name="fgAcc0">
+    <dgm:scene3d>
+      <a:camera prst="orthographicFront"/>
+      <a:lightRig rig="threePt" dir="t"/>
+    </dgm:scene3d>
+    <dgm:sp3d/>
+    <dgm:txPr/>
+    <dgm:style>
+      <a:lnRef idx="1">
+        <a:scrgbClr r="0" g="0" b="0"/>
+      </a:lnRef>
+      <a:fillRef idx="1">
+        <a:scrgbClr r="0" g="0" b="0"/>
+      </a:fillRef>
+      <a:effectRef idx="0">
+        <a:scrgbClr r="0" g="0" b="0"/>
+      </a:effectRef>
+      <a:fontRef idx="minor"/>
+    </dgm:style>
+  </dgm:styleLbl>
+  <dgm:styleLbl name="fgAcc2">
+    <dgm:scene3d>
+      <a:camera prst="orthographicFront"/>
+      <a:lightRig rig="threePt" dir="t"/>
+    </dgm:scene3d>
+    <dgm:sp3d/>
+    <dgm:txPr/>
+    <dgm:style>
+      <a:lnRef idx="1">
+        <a:scrgbClr r="0" g="0" b="0"/>
+      </a:lnRef>
+      <a:fillRef idx="1">
+        <a:scrgbClr r="0" g="0" b="0"/>
+      </a:fillRef>
+      <a:effectRef idx="0">
+        <a:scrgbClr r="0" g="0" b="0"/>
+      </a:effectRef>
+      <a:fontRef idx="minor"/>
+    </dgm:style>
+  </dgm:styleLbl>
+  <dgm:styleLbl name="fgAcc3">
+    <dgm:scene3d>
+      <a:camera prst="orthographicFront"/>
+      <a:lightRig rig="threePt" dir="t"/>
+    </dgm:scene3d>
+    <dgm:sp3d/>
+    <dgm:txPr/>
+    <dgm:style>
+      <a:lnRef idx="1">
+        <a:scrgbClr r="0" g="0" b="0"/>
+      </a:lnRef>
+      <a:fillRef idx="1">
+        <a:scrgbClr r="0" g="0" b="0"/>
+      </a:fillRef>
+      <a:effectRef idx="0">
+        <a:scrgbClr r="0" g="0" b="0"/>
+      </a:effectRef>
+      <a:fontRef idx="minor"/>
+    </dgm:style>
+  </dgm:styleLbl>
+  <dgm:styleLbl name="fgAcc4">
+    <dgm:scene3d>
+      <a:camera prst="orthographicFront"/>
+      <a:lightRig rig="threePt" dir="t"/>
+    </dgm:scene3d>
+    <dgm:sp3d/>
+    <dgm:txPr/>
+    <dgm:style>
+      <a:lnRef idx="1">
+        <a:scrgbClr r="0" g="0" b="0"/>
+      </a:lnRef>
+      <a:fillRef idx="1">
+        <a:scrgbClr r="0" g="0" b="0"/>
+      </a:fillRef>
+      <a:effectRef idx="0">
+        <a:scrgbClr r="0" g="0" b="0"/>
+      </a:effectRef>
+      <a:fontRef idx="minor"/>
+    </dgm:style>
+  </dgm:styleLbl>
+  <dgm:styleLbl name="bgShp">
+    <dgm:scene3d>
+      <a:camera prst="orthographicFront"/>
+      <a:lightRig rig="threePt" dir="t"/>
+    </dgm:scene3d>
+    <dgm:sp3d/>
+    <dgm:txPr/>
+    <dgm:style>
+      <a:lnRef idx="0">
+        <a:scrgbClr r="0" g="0" b="0"/>
+      </a:lnRef>
+      <a:fillRef idx="1">
+        <a:scrgbClr r="0" g="0" b="0"/>
+      </a:fillRef>
+      <a:effectRef idx="2">
+        <a:scrgbClr r="0" g="0" b="0"/>
+      </a:effectRef>
+      <a:fontRef idx="minor"/>
+    </dgm:style>
+  </dgm:styleLbl>
+  <dgm:styleLbl name="dkBgShp">
+    <dgm:scene3d>
+      <a:camera prst="orthographicFront"/>
+      <a:lightRig rig="threePt" dir="t"/>
+    </dgm:scene3d>
+    <dgm:sp3d/>
+    <dgm:txPr/>
+    <dgm:style>
+      <a:lnRef idx="0">
+        <a:scrgbClr r="0" g="0" b="0"/>
+      </a:lnRef>
+      <a:fillRef idx="1">
+        <a:scrgbClr r="0" g="0" b="0"/>
+      </a:fillRef>
+      <a:effectRef idx="2">
+        <a:scrgbClr r="0" g="0" b="0"/>
+      </a:effectRef>
+      <a:fontRef idx="minor"/>
+    </dgm:style>
+  </dgm:styleLbl>
+  <dgm:styleLbl name="trBgShp">
+    <dgm:scene3d>
+      <a:camera prst="orthographicFront"/>
+      <a:lightRig rig="threePt" dir="t"/>
+    </dgm:scene3d>
+    <dgm:sp3d/>
+    <dgm:txPr/>
+    <dgm:style>
+      <a:lnRef idx="0">
+        <a:scrgbClr r="0" g="0" b="0"/>
+      </a:lnRef>
+      <a:fillRef idx="1">
+        <a:scrgbClr r="0" g="0" b="0"/>
+      </a:fillRef>
+      <a:effectRef idx="0">
+        <a:scrgbClr r="0" g="0" b="0"/>
+      </a:effectRef>
+      <a:fontRef idx="minor"/>
+    </dgm:style>
+  </dgm:styleLbl>
+  <dgm:styleLbl name="fgShp">
+    <dgm:scene3d>
+      <a:camera prst="orthographicFront"/>
+      <a:lightRig rig="threePt" dir="t"/>
+    </dgm:scene3d>
+    <dgm:sp3d/>
+    <dgm:txPr/>
+    <dgm:style>
+      <a:lnRef idx="0">
+        <a:scrgbClr r="0" g="0" b="0"/>
+      </a:lnRef>
+      <a:fillRef idx="3">
+        <a:scrgbClr r="0" g="0" b="0"/>
+      </a:fillRef>
+      <a:effectRef idx="2">
+        <a:scrgbClr r="0" g="0" b="0"/>
+      </a:effectRef>
+      <a:fontRef idx="minor"/>
+    </dgm:style>
+  </dgm:styleLbl>
+  <dgm:styleLbl name="revTx">
+    <dgm:scene3d>
+      <a:camera prst="orthographicFront"/>
+      <a:lightRig rig="threePt" dir="t"/>
+    </dgm:scene3d>
+    <dgm:sp3d/>
+    <dgm:txPr/>
+    <dgm:style>
+      <a:lnRef idx="0">
+        <a:scrgbClr r="0" g="0" b="0"/>
+      </a:lnRef>
+      <a:fillRef idx="0">
+        <a:scrgbClr r="0" g="0" b="0"/>
+      </a:fillRef>
+      <a:effectRef idx="0">
+        <a:scrgbClr r="0" g="0" b="0"/>
+      </a:effectRef>
+      <a:fontRef idx="minor"/>
+    </dgm:style>
+  </dgm:styleLbl>
+</dgm:styleDef>
+</file>
+
+<file path=ppt/diagrams/quickStyle5.xml><?xml version="1.0" encoding="utf-8"?>
 <dgm:styleDef xmlns:dgm="http://schemas.openxmlformats.org/drawingml/2006/diagram" xmlns:a="http://schemas.openxmlformats.org/drawingml/2006/main" uniqueId="urn:microsoft.com/office/officeart/2005/8/quickstyle/simple4">
   <dgm:title val=""/>
   <dgm:desc val=""/>
@@ -23190,6 +26508,2356 @@
 </p:sld>
 </file>
 
+<file path=ppt/slides/slide33.xml><?xml version="1.0" encoding="utf-8"?>
+<p:sld xmlns:a="http://schemas.openxmlformats.org/drawingml/2006/main" xmlns:r="http://schemas.openxmlformats.org/officeDocument/2006/relationships" xmlns:p="http://schemas.openxmlformats.org/presentationml/2006/main">
+  <p:cSld>
+    <p:spTree>
+      <p:nvGrpSpPr>
+        <p:cNvPr id="1" name=""/>
+        <p:cNvGrpSpPr/>
+        <p:nvPr/>
+      </p:nvGrpSpPr>
+      <p:grpSpPr>
+        <a:xfrm>
+          <a:off x="0" y="0"/>
+          <a:ext cx="0" cy="0"/>
+          <a:chOff x="0" y="0"/>
+          <a:chExt cx="0" cy="0"/>
+        </a:xfrm>
+      </p:grpSpPr>
+      <p:sp>
+        <p:nvSpPr>
+          <p:cNvPr id="2" name="标题 1"/>
+          <p:cNvSpPr>
+            <a:spLocks noGrp="1"/>
+          </p:cNvSpPr>
+          <p:nvPr>
+            <p:ph type="title"/>
+          </p:nvPr>
+        </p:nvSpPr>
+        <p:spPr/>
+        <p:txBody>
+          <a:bodyPr/>
+          <a:lstStyle/>
+          <a:p>
+            <a:r>
+              <a:rPr lang="en-US" altLang="zh-CN" dirty="0" smtClean="0"/>
+              <a:t>MetaDiscovery</a:t>
+            </a:r>
+            <a:endParaRPr lang="zh-CN" altLang="en-US" dirty="0"/>
+          </a:p>
+        </p:txBody>
+      </p:sp>
+      <p:sp>
+        <p:nvSpPr>
+          <p:cNvPr id="3" name="内容占位符 2"/>
+          <p:cNvSpPr>
+            <a:spLocks noGrp="1"/>
+          </p:cNvSpPr>
+          <p:nvPr>
+            <p:ph idx="1"/>
+          </p:nvPr>
+        </p:nvSpPr>
+        <p:spPr/>
+        <p:txBody>
+          <a:bodyPr/>
+          <a:lstStyle/>
+          <a:p>
+            <a:r>
+              <a:rPr lang="zh-CN" altLang="en-US" dirty="0" smtClean="0"/>
+              <a:t>主要功能：代谢组学多元变量统计分析</a:t>
+            </a:r>
+            <a:endParaRPr lang="zh-CN" altLang="en-US" dirty="0"/>
+          </a:p>
+        </p:txBody>
+      </p:sp>
+      <p:graphicFrame>
+        <p:nvGraphicFramePr>
+          <p:cNvPr id="4" name="内容占位符 3"/>
+          <p:cNvGraphicFramePr>
+            <a:graphicFrameLocks/>
+          </p:cNvGraphicFramePr>
+          <p:nvPr>
+            <p:extLst>
+              <p:ext uri="{D42A27DB-BD31-4B8C-83A1-F6EECF244321}">
+                <p14:modId xmlns:p14="http://schemas.microsoft.com/office/powerpoint/2010/main" val="3691438536"/>
+              </p:ext>
+            </p:extLst>
+          </p:nvPr>
+        </p:nvGraphicFramePr>
+        <p:xfrm>
+          <a:off x="539552" y="1913315"/>
+          <a:ext cx="8229600" cy="3771636"/>
+        </p:xfrm>
+        <a:graphic>
+          <a:graphicData uri="http://schemas.openxmlformats.org/drawingml/2006/diagram">
+            <dgm:relIds xmlns:dgm="http://schemas.openxmlformats.org/drawingml/2006/diagram" xmlns:r="http://schemas.openxmlformats.org/officeDocument/2006/relationships" r:dm="rId2" r:lo="rId3" r:qs="rId4" r:cs="rId5"/>
+          </a:graphicData>
+        </a:graphic>
+      </p:graphicFrame>
+      <p:pic>
+        <p:nvPicPr>
+          <p:cNvPr id="5" name="图片 4"/>
+          <p:cNvPicPr>
+            <a:picLocks noChangeAspect="1"/>
+          </p:cNvPicPr>
+          <p:nvPr/>
+        </p:nvPicPr>
+        <p:blipFill rotWithShape="1">
+          <a:blip r:embed="rId7" cstate="print">
+            <a:extLst>
+              <a:ext uri="{28A0092B-C50C-407E-A947-70E740481C1C}">
+                <a14:useLocalDpi xmlns:a14="http://schemas.microsoft.com/office/drawing/2010/main" val="0"/>
+              </a:ext>
+            </a:extLst>
+          </a:blip>
+          <a:srcRect l="18259" t="52908" r="26520" b="33050"/>
+          <a:stretch/>
+        </p:blipFill>
+        <p:spPr>
+          <a:xfrm>
+            <a:off x="1685983" y="1848551"/>
+            <a:ext cx="2216974" cy="551514"/>
+          </a:xfrm>
+          <a:prstGeom prst="rect">
+            <a:avLst/>
+          </a:prstGeom>
+        </p:spPr>
+      </p:pic>
+      <p:pic>
+        <p:nvPicPr>
+          <p:cNvPr id="6" name="图片 5"/>
+          <p:cNvPicPr>
+            <a:picLocks noChangeAspect="1"/>
+          </p:cNvPicPr>
+          <p:nvPr/>
+        </p:nvPicPr>
+        <p:blipFill rotWithShape="1">
+          <a:blip r:embed="rId8" cstate="print">
+            <a:extLst>
+              <a:ext uri="{28A0092B-C50C-407E-A947-70E740481C1C}">
+                <a14:useLocalDpi xmlns:a14="http://schemas.microsoft.com/office/drawing/2010/main" val="0"/>
+              </a:ext>
+            </a:extLst>
+          </a:blip>
+          <a:srcRect l="19273" t="72340" r="33912" b="16171"/>
+          <a:stretch/>
+        </p:blipFill>
+        <p:spPr>
+          <a:xfrm>
+            <a:off x="1803538" y="4229402"/>
+            <a:ext cx="1981864" cy="528057"/>
+          </a:xfrm>
+          <a:prstGeom prst="rect">
+            <a:avLst/>
+          </a:prstGeom>
+        </p:spPr>
+      </p:pic>
+      <p:pic>
+        <p:nvPicPr>
+          <p:cNvPr id="7" name="图片 6"/>
+          <p:cNvPicPr>
+            <a:picLocks noChangeAspect="1"/>
+          </p:cNvPicPr>
+          <p:nvPr/>
+        </p:nvPicPr>
+        <p:blipFill rotWithShape="1">
+          <a:blip r:embed="rId9" cstate="print">
+            <a:extLst>
+              <a:ext uri="{28A0092B-C50C-407E-A947-70E740481C1C}">
+                <a14:useLocalDpi xmlns:a14="http://schemas.microsoft.com/office/drawing/2010/main" val="0"/>
+              </a:ext>
+            </a:extLst>
+          </a:blip>
+          <a:srcRect l="18098" t="36509" r="12332" b="51151"/>
+          <a:stretch/>
+        </p:blipFill>
+        <p:spPr>
+          <a:xfrm>
+            <a:off x="3785402" y="2717235"/>
+            <a:ext cx="3977716" cy="694563"/>
+          </a:xfrm>
+          <a:prstGeom prst="rect">
+            <a:avLst/>
+          </a:prstGeom>
+        </p:spPr>
+      </p:pic>
+    </p:spTree>
+    <p:extLst>
+      <p:ext uri="{BB962C8B-B14F-4D97-AF65-F5344CB8AC3E}">
+        <p14:creationId xmlns:p14="http://schemas.microsoft.com/office/powerpoint/2010/main" val="1922759209"/>
+      </p:ext>
+    </p:extLst>
+  </p:cSld>
+  <p:clrMapOvr>
+    <a:masterClrMapping/>
+  </p:clrMapOvr>
+  <p:timing>
+    <p:tnLst>
+      <p:par>
+        <p:cTn id="1" dur="indefinite" restart="never" nodeType="tmRoot"/>
+      </p:par>
+    </p:tnLst>
+  </p:timing>
+</p:sld>
+</file>
+
+<file path=ppt/slides/slide34.xml><?xml version="1.0" encoding="utf-8"?>
+<p:sld xmlns:a="http://schemas.openxmlformats.org/drawingml/2006/main" xmlns:r="http://schemas.openxmlformats.org/officeDocument/2006/relationships" xmlns:p="http://schemas.openxmlformats.org/presentationml/2006/main">
+  <p:cSld>
+    <p:spTree>
+      <p:nvGrpSpPr>
+        <p:cNvPr id="1" name=""/>
+        <p:cNvGrpSpPr/>
+        <p:nvPr/>
+      </p:nvGrpSpPr>
+      <p:grpSpPr>
+        <a:xfrm>
+          <a:off x="0" y="0"/>
+          <a:ext cx="0" cy="0"/>
+          <a:chOff x="0" y="0"/>
+          <a:chExt cx="0" cy="0"/>
+        </a:xfrm>
+      </p:grpSpPr>
+      <p:sp>
+        <p:nvSpPr>
+          <p:cNvPr id="2" name="标题 1"/>
+          <p:cNvSpPr>
+            <a:spLocks noGrp="1"/>
+          </p:cNvSpPr>
+          <p:nvPr>
+            <p:ph type="title"/>
+          </p:nvPr>
+        </p:nvSpPr>
+        <p:spPr/>
+        <p:txBody>
+          <a:bodyPr/>
+          <a:lstStyle/>
+          <a:p>
+            <a:endParaRPr lang="zh-CN" altLang="en-US"/>
+          </a:p>
+        </p:txBody>
+      </p:sp>
+      <p:sp>
+        <p:nvSpPr>
+          <p:cNvPr id="3" name="内容占位符 2"/>
+          <p:cNvSpPr>
+            <a:spLocks noGrp="1"/>
+          </p:cNvSpPr>
+          <p:nvPr>
+            <p:ph idx="1"/>
+          </p:nvPr>
+        </p:nvSpPr>
+        <p:spPr/>
+        <p:txBody>
+          <a:bodyPr/>
+          <a:lstStyle/>
+          <a:p>
+            <a:r>
+              <a:rPr lang="en-US" altLang="zh-CN" dirty="0" smtClean="0"/>
+              <a:t>1. </a:t>
+            </a:r>
+            <a:r>
+              <a:rPr lang="zh-CN" altLang="en-US" dirty="0" smtClean="0"/>
+              <a:t>新增分析项目</a:t>
+            </a:r>
+            <a:endParaRPr lang="en-US" altLang="zh-CN" dirty="0" smtClean="0"/>
+          </a:p>
+          <a:p>
+            <a:r>
+              <a:rPr lang="zh-CN" altLang="en-US" sz="2400" dirty="0" smtClean="0"/>
+              <a:t>点击新增按钮，</a:t>
+            </a:r>
+            <a:endParaRPr lang="en-US" altLang="zh-CN" sz="2400" dirty="0" smtClean="0"/>
+          </a:p>
+          <a:p>
+            <a:r>
+              <a:rPr lang="zh-CN" altLang="en-US" sz="2400" dirty="0" smtClean="0"/>
+              <a:t>在弹出框之中填写相应信息</a:t>
+            </a:r>
+            <a:endParaRPr lang="en-US" altLang="zh-CN" sz="2400" dirty="0" smtClean="0"/>
+          </a:p>
+          <a:p>
+            <a:r>
+              <a:rPr lang="zh-CN" altLang="en-US" sz="2400" dirty="0"/>
+              <a:t>之</a:t>
+            </a:r>
+            <a:r>
+              <a:rPr lang="zh-CN" altLang="en-US" sz="2400" dirty="0" smtClean="0"/>
+              <a:t>后保存，完成项目的创建</a:t>
+            </a:r>
+            <a:endParaRPr lang="zh-CN" altLang="en-US" sz="2400" dirty="0"/>
+          </a:p>
+        </p:txBody>
+      </p:sp>
+      <p:pic>
+        <p:nvPicPr>
+          <p:cNvPr id="1026" name="Picture 2"/>
+          <p:cNvPicPr>
+            <a:picLocks noChangeAspect="1" noChangeArrowheads="1"/>
+          </p:cNvPicPr>
+          <p:nvPr/>
+        </p:nvPicPr>
+        <p:blipFill>
+          <a:blip r:embed="rId2">
+            <a:extLst>
+              <a:ext uri="{28A0092B-C50C-407E-A947-70E740481C1C}">
+                <a14:useLocalDpi xmlns:a14="http://schemas.microsoft.com/office/drawing/2010/main" val="0"/>
+              </a:ext>
+            </a:extLst>
+          </a:blip>
+          <a:srcRect/>
+          <a:stretch>
+            <a:fillRect/>
+          </a:stretch>
+        </p:blipFill>
+        <p:spPr bwMode="auto">
+          <a:xfrm>
+            <a:off x="1043608" y="4421242"/>
+            <a:ext cx="2235128" cy="1152128"/>
+          </a:xfrm>
+          <a:prstGeom prst="rect">
+            <a:avLst/>
+          </a:prstGeom>
+          <a:noFill/>
+          <a:ln>
+            <a:noFill/>
+          </a:ln>
+          <a:effectLst/>
+          <a:extLst>
+            <a:ext uri="{909E8E84-426E-40DD-AFC4-6F175D3DCCD1}">
+              <a14:hiddenFill xmlns:a14="http://schemas.microsoft.com/office/drawing/2010/main">
+                <a:solidFill>
+                  <a:schemeClr val="accent1"/>
+                </a:solidFill>
+              </a14:hiddenFill>
+            </a:ext>
+            <a:ext uri="{91240B29-F687-4F45-9708-019B960494DF}">
+              <a14:hiddenLine xmlns:a14="http://schemas.microsoft.com/office/drawing/2010/main" w="9525">
+                <a:solidFill>
+                  <a:schemeClr val="tx1"/>
+                </a:solidFill>
+                <a:miter lim="800000"/>
+                <a:headEnd/>
+                <a:tailEnd/>
+              </a14:hiddenLine>
+            </a:ext>
+            <a:ext uri="{AF507438-7753-43E0-B8FC-AC1667EBCBE1}">
+              <a14:hiddenEffects xmlns:a14="http://schemas.microsoft.com/office/drawing/2010/main">
+                <a:effectLst>
+                  <a:outerShdw dist="35921" dir="2700000" algn="ctr" rotWithShape="0">
+                    <a:schemeClr val="bg2"/>
+                  </a:outerShdw>
+                </a:effectLst>
+              </a14:hiddenEffects>
+            </a:ext>
+          </a:extLst>
+        </p:spPr>
+      </p:pic>
+      <p:pic>
+        <p:nvPicPr>
+          <p:cNvPr id="1027" name="Picture 3"/>
+          <p:cNvPicPr>
+            <a:picLocks noChangeAspect="1" noChangeArrowheads="1"/>
+          </p:cNvPicPr>
+          <p:nvPr/>
+        </p:nvPicPr>
+        <p:blipFill>
+          <a:blip r:embed="rId3">
+            <a:extLst>
+              <a:ext uri="{28A0092B-C50C-407E-A947-70E740481C1C}">
+                <a14:useLocalDpi xmlns:a14="http://schemas.microsoft.com/office/drawing/2010/main" val="0"/>
+              </a:ext>
+            </a:extLst>
+          </a:blip>
+          <a:srcRect/>
+          <a:stretch>
+            <a:fillRect/>
+          </a:stretch>
+        </p:blipFill>
+        <p:spPr bwMode="auto">
+          <a:xfrm>
+            <a:off x="4788024" y="1639186"/>
+            <a:ext cx="4157620" cy="3943524"/>
+          </a:xfrm>
+          <a:prstGeom prst="rect">
+            <a:avLst/>
+          </a:prstGeom>
+          <a:noFill/>
+          <a:ln>
+            <a:noFill/>
+          </a:ln>
+          <a:effectLst/>
+          <a:extLst>
+            <a:ext uri="{909E8E84-426E-40DD-AFC4-6F175D3DCCD1}">
+              <a14:hiddenFill xmlns:a14="http://schemas.microsoft.com/office/drawing/2010/main">
+                <a:solidFill>
+                  <a:schemeClr val="accent1"/>
+                </a:solidFill>
+              </a14:hiddenFill>
+            </a:ext>
+            <a:ext uri="{91240B29-F687-4F45-9708-019B960494DF}">
+              <a14:hiddenLine xmlns:a14="http://schemas.microsoft.com/office/drawing/2010/main" w="9525">
+                <a:solidFill>
+                  <a:schemeClr val="tx1"/>
+                </a:solidFill>
+                <a:miter lim="800000"/>
+                <a:headEnd/>
+                <a:tailEnd/>
+              </a14:hiddenLine>
+            </a:ext>
+            <a:ext uri="{AF507438-7753-43E0-B8FC-AC1667EBCBE1}">
+              <a14:hiddenEffects xmlns:a14="http://schemas.microsoft.com/office/drawing/2010/main">
+                <a:effectLst>
+                  <a:outerShdw dist="35921" dir="2700000" algn="ctr" rotWithShape="0">
+                    <a:schemeClr val="bg2"/>
+                  </a:outerShdw>
+                </a:effectLst>
+              </a14:hiddenEffects>
+            </a:ext>
+          </a:extLst>
+        </p:spPr>
+      </p:pic>
+      <p:sp>
+        <p:nvSpPr>
+          <p:cNvPr id="6" name="右箭头 5"/>
+          <p:cNvSpPr/>
+          <p:nvPr/>
+        </p:nvSpPr>
+        <p:spPr>
+          <a:xfrm>
+            <a:off x="3605634" y="4591883"/>
+            <a:ext cx="792088" cy="569873"/>
+          </a:xfrm>
+          <a:prstGeom prst="rightArrow">
+            <a:avLst/>
+          </a:prstGeom>
+        </p:spPr>
+        <p:style>
+          <a:lnRef idx="1">
+            <a:schemeClr val="accent1"/>
+          </a:lnRef>
+          <a:fillRef idx="3">
+            <a:schemeClr val="accent1"/>
+          </a:fillRef>
+          <a:effectRef idx="2">
+            <a:schemeClr val="accent1"/>
+          </a:effectRef>
+          <a:fontRef idx="minor">
+            <a:schemeClr val="lt1"/>
+          </a:fontRef>
+        </p:style>
+        <p:txBody>
+          <a:bodyPr rtlCol="0" anchor="ctr"/>
+          <a:lstStyle/>
+          <a:p>
+            <a:pPr algn="ctr"/>
+            <a:endParaRPr lang="zh-CN" altLang="en-US"/>
+          </a:p>
+        </p:txBody>
+      </p:sp>
+    </p:spTree>
+    <p:extLst>
+      <p:ext uri="{BB962C8B-B14F-4D97-AF65-F5344CB8AC3E}">
+        <p14:creationId xmlns:p14="http://schemas.microsoft.com/office/powerpoint/2010/main" val="2517857599"/>
+      </p:ext>
+    </p:extLst>
+  </p:cSld>
+  <p:clrMapOvr>
+    <a:masterClrMapping/>
+  </p:clrMapOvr>
+  <p:timing>
+    <p:tnLst>
+      <p:par>
+        <p:cTn id="1" dur="indefinite" restart="never" nodeType="tmRoot"/>
+      </p:par>
+    </p:tnLst>
+  </p:timing>
+</p:sld>
+</file>
+
+<file path=ppt/slides/slide35.xml><?xml version="1.0" encoding="utf-8"?>
+<p:sld xmlns:a="http://schemas.openxmlformats.org/drawingml/2006/main" xmlns:r="http://schemas.openxmlformats.org/officeDocument/2006/relationships" xmlns:p="http://schemas.openxmlformats.org/presentationml/2006/main">
+  <p:cSld>
+    <p:spTree>
+      <p:nvGrpSpPr>
+        <p:cNvPr id="1" name=""/>
+        <p:cNvGrpSpPr/>
+        <p:nvPr/>
+      </p:nvGrpSpPr>
+      <p:grpSpPr>
+        <a:xfrm>
+          <a:off x="0" y="0"/>
+          <a:ext cx="0" cy="0"/>
+          <a:chOff x="0" y="0"/>
+          <a:chExt cx="0" cy="0"/>
+        </a:xfrm>
+      </p:grpSpPr>
+      <p:sp>
+        <p:nvSpPr>
+          <p:cNvPr id="2" name="标题 1"/>
+          <p:cNvSpPr>
+            <a:spLocks noGrp="1"/>
+          </p:cNvSpPr>
+          <p:nvPr>
+            <p:ph type="title"/>
+          </p:nvPr>
+        </p:nvSpPr>
+        <p:spPr/>
+        <p:txBody>
+          <a:bodyPr/>
+          <a:lstStyle/>
+          <a:p>
+            <a:endParaRPr lang="zh-CN" altLang="en-US"/>
+          </a:p>
+        </p:txBody>
+      </p:sp>
+      <p:sp>
+        <p:nvSpPr>
+          <p:cNvPr id="3" name="内容占位符 2"/>
+          <p:cNvSpPr>
+            <a:spLocks noGrp="1"/>
+          </p:cNvSpPr>
+          <p:nvPr>
+            <p:ph idx="1"/>
+          </p:nvPr>
+        </p:nvSpPr>
+        <p:spPr/>
+        <p:txBody>
+          <a:bodyPr/>
+          <a:lstStyle/>
+          <a:p>
+            <a:r>
+              <a:rPr lang="zh-CN" altLang="en-US" dirty="0" smtClean="0"/>
+              <a:t>上传计算数据</a:t>
+            </a:r>
+            <a:endParaRPr lang="en-US" altLang="zh-CN" dirty="0" smtClean="0"/>
+          </a:p>
+          <a:p>
+            <a:r>
+              <a:rPr lang="zh-CN" altLang="en-US" sz="2400" dirty="0"/>
+              <a:t>依</a:t>
+            </a:r>
+            <a:r>
+              <a:rPr lang="zh-CN" altLang="en-US" sz="2400" dirty="0" smtClean="0"/>
+              <a:t>次点击分析文件，新增按钮，可以打开分析用的数据文件的上传窗口</a:t>
+            </a:r>
+            <a:endParaRPr lang="en-US" altLang="zh-CN" sz="2400" dirty="0" smtClean="0"/>
+          </a:p>
+          <a:p>
+            <a:r>
+              <a:rPr lang="zh-CN" altLang="en-US" sz="2400" dirty="0"/>
+              <a:t>之</a:t>
+            </a:r>
+            <a:r>
+              <a:rPr lang="zh-CN" altLang="en-US" sz="2400" dirty="0" smtClean="0"/>
+              <a:t>后还会需要依次上传样本的分组信息和代谢物注释结果信息（可选）</a:t>
+            </a:r>
+            <a:endParaRPr lang="zh-CN" altLang="en-US" sz="2400" dirty="0"/>
+          </a:p>
+        </p:txBody>
+      </p:sp>
+      <p:pic>
+        <p:nvPicPr>
+          <p:cNvPr id="2050" name="Picture 2"/>
+          <p:cNvPicPr>
+            <a:picLocks noChangeAspect="1" noChangeArrowheads="1"/>
+          </p:cNvPicPr>
+          <p:nvPr/>
+        </p:nvPicPr>
+        <p:blipFill>
+          <a:blip r:embed="rId2">
+            <a:extLst>
+              <a:ext uri="{28A0092B-C50C-407E-A947-70E740481C1C}">
+                <a14:useLocalDpi xmlns:a14="http://schemas.microsoft.com/office/drawing/2010/main" val="0"/>
+              </a:ext>
+            </a:extLst>
+          </a:blip>
+          <a:srcRect/>
+          <a:stretch>
+            <a:fillRect/>
+          </a:stretch>
+        </p:blipFill>
+        <p:spPr bwMode="auto">
+          <a:xfrm>
+            <a:off x="661488" y="3731578"/>
+            <a:ext cx="864096" cy="338992"/>
+          </a:xfrm>
+          <a:prstGeom prst="rect">
+            <a:avLst/>
+          </a:prstGeom>
+          <a:noFill/>
+          <a:ln>
+            <a:noFill/>
+          </a:ln>
+          <a:effectLst/>
+          <a:extLst>
+            <a:ext uri="{909E8E84-426E-40DD-AFC4-6F175D3DCCD1}">
+              <a14:hiddenFill xmlns:a14="http://schemas.microsoft.com/office/drawing/2010/main">
+                <a:solidFill>
+                  <a:schemeClr val="accent1"/>
+                </a:solidFill>
+              </a14:hiddenFill>
+            </a:ext>
+            <a:ext uri="{91240B29-F687-4F45-9708-019B960494DF}">
+              <a14:hiddenLine xmlns:a14="http://schemas.microsoft.com/office/drawing/2010/main" w="9525">
+                <a:solidFill>
+                  <a:schemeClr val="tx1"/>
+                </a:solidFill>
+                <a:miter lim="800000"/>
+                <a:headEnd/>
+                <a:tailEnd/>
+              </a14:hiddenLine>
+            </a:ext>
+            <a:ext uri="{AF507438-7753-43E0-B8FC-AC1667EBCBE1}">
+              <a14:hiddenEffects xmlns:a14="http://schemas.microsoft.com/office/drawing/2010/main">
+                <a:effectLst>
+                  <a:outerShdw dist="35921" dir="2700000" algn="ctr" rotWithShape="0">
+                    <a:schemeClr val="bg2"/>
+                  </a:outerShdw>
+                </a:effectLst>
+              </a14:hiddenEffects>
+            </a:ext>
+          </a:extLst>
+        </p:spPr>
+      </p:pic>
+      <p:pic>
+        <p:nvPicPr>
+          <p:cNvPr id="2051" name="Picture 3"/>
+          <p:cNvPicPr>
+            <a:picLocks noChangeAspect="1" noChangeArrowheads="1"/>
+          </p:cNvPicPr>
+          <p:nvPr/>
+        </p:nvPicPr>
+        <p:blipFill>
+          <a:blip r:embed="rId3">
+            <a:extLst>
+              <a:ext uri="{28A0092B-C50C-407E-A947-70E740481C1C}">
+                <a14:useLocalDpi xmlns:a14="http://schemas.microsoft.com/office/drawing/2010/main" val="0"/>
+              </a:ext>
+            </a:extLst>
+          </a:blip>
+          <a:srcRect/>
+          <a:stretch>
+            <a:fillRect/>
+          </a:stretch>
+        </p:blipFill>
+        <p:spPr bwMode="auto">
+          <a:xfrm>
+            <a:off x="3059832" y="3607448"/>
+            <a:ext cx="3808884" cy="2017952"/>
+          </a:xfrm>
+          <a:prstGeom prst="rect">
+            <a:avLst/>
+          </a:prstGeom>
+          <a:noFill/>
+          <a:ln>
+            <a:noFill/>
+          </a:ln>
+          <a:effectLst/>
+          <a:extLst>
+            <a:ext uri="{909E8E84-426E-40DD-AFC4-6F175D3DCCD1}">
+              <a14:hiddenFill xmlns:a14="http://schemas.microsoft.com/office/drawing/2010/main">
+                <a:solidFill>
+                  <a:schemeClr val="accent1"/>
+                </a:solidFill>
+              </a14:hiddenFill>
+            </a:ext>
+            <a:ext uri="{91240B29-F687-4F45-9708-019B960494DF}">
+              <a14:hiddenLine xmlns:a14="http://schemas.microsoft.com/office/drawing/2010/main" w="9525">
+                <a:solidFill>
+                  <a:schemeClr val="tx1"/>
+                </a:solidFill>
+                <a:miter lim="800000"/>
+                <a:headEnd/>
+                <a:tailEnd/>
+              </a14:hiddenLine>
+            </a:ext>
+            <a:ext uri="{AF507438-7753-43E0-B8FC-AC1667EBCBE1}">
+              <a14:hiddenEffects xmlns:a14="http://schemas.microsoft.com/office/drawing/2010/main">
+                <a:effectLst>
+                  <a:outerShdw dist="35921" dir="2700000" algn="ctr" rotWithShape="0">
+                    <a:schemeClr val="bg2"/>
+                  </a:outerShdw>
+                </a:effectLst>
+              </a14:hiddenEffects>
+            </a:ext>
+          </a:extLst>
+        </p:spPr>
+      </p:pic>
+      <p:pic>
+        <p:nvPicPr>
+          <p:cNvPr id="2052" name="Picture 4"/>
+          <p:cNvPicPr>
+            <a:picLocks noChangeAspect="1" noChangeArrowheads="1"/>
+          </p:cNvPicPr>
+          <p:nvPr/>
+        </p:nvPicPr>
+        <p:blipFill>
+          <a:blip r:embed="rId4">
+            <a:extLst>
+              <a:ext uri="{28A0092B-C50C-407E-A947-70E740481C1C}">
+                <a14:useLocalDpi xmlns:a14="http://schemas.microsoft.com/office/drawing/2010/main" val="0"/>
+              </a:ext>
+            </a:extLst>
+          </a:blip>
+          <a:srcRect/>
+          <a:stretch>
+            <a:fillRect/>
+          </a:stretch>
+        </p:blipFill>
+        <p:spPr bwMode="auto">
+          <a:xfrm>
+            <a:off x="539552" y="5037291"/>
+            <a:ext cx="1368152" cy="298013"/>
+          </a:xfrm>
+          <a:prstGeom prst="rect">
+            <a:avLst/>
+          </a:prstGeom>
+          <a:noFill/>
+          <a:ln>
+            <a:noFill/>
+          </a:ln>
+          <a:effectLst/>
+          <a:extLst>
+            <a:ext uri="{909E8E84-426E-40DD-AFC4-6F175D3DCCD1}">
+              <a14:hiddenFill xmlns:a14="http://schemas.microsoft.com/office/drawing/2010/main">
+                <a:solidFill>
+                  <a:schemeClr val="accent1"/>
+                </a:solidFill>
+              </a14:hiddenFill>
+            </a:ext>
+            <a:ext uri="{91240B29-F687-4F45-9708-019B960494DF}">
+              <a14:hiddenLine xmlns:a14="http://schemas.microsoft.com/office/drawing/2010/main" w="9525">
+                <a:solidFill>
+                  <a:schemeClr val="tx1"/>
+                </a:solidFill>
+                <a:miter lim="800000"/>
+                <a:headEnd/>
+                <a:tailEnd/>
+              </a14:hiddenLine>
+            </a:ext>
+            <a:ext uri="{AF507438-7753-43E0-B8FC-AC1667EBCBE1}">
+              <a14:hiddenEffects xmlns:a14="http://schemas.microsoft.com/office/drawing/2010/main">
+                <a:effectLst>
+                  <a:outerShdw dist="35921" dir="2700000" algn="ctr" rotWithShape="0">
+                    <a:schemeClr val="bg2"/>
+                  </a:outerShdw>
+                </a:effectLst>
+              </a14:hiddenEffects>
+            </a:ext>
+          </a:extLst>
+        </p:spPr>
+      </p:pic>
+      <p:sp>
+        <p:nvSpPr>
+          <p:cNvPr id="7" name="右箭头 6"/>
+          <p:cNvSpPr/>
+          <p:nvPr/>
+        </p:nvSpPr>
+        <p:spPr>
+          <a:xfrm rot="5400000">
+            <a:off x="697491" y="4241321"/>
+            <a:ext cx="792088" cy="569873"/>
+          </a:xfrm>
+          <a:prstGeom prst="rightArrow">
+            <a:avLst/>
+          </a:prstGeom>
+        </p:spPr>
+        <p:style>
+          <a:lnRef idx="1">
+            <a:schemeClr val="accent1"/>
+          </a:lnRef>
+          <a:fillRef idx="3">
+            <a:schemeClr val="accent1"/>
+          </a:fillRef>
+          <a:effectRef idx="2">
+            <a:schemeClr val="accent1"/>
+          </a:effectRef>
+          <a:fontRef idx="minor">
+            <a:schemeClr val="lt1"/>
+          </a:fontRef>
+        </p:style>
+        <p:txBody>
+          <a:bodyPr rtlCol="0" anchor="ctr"/>
+          <a:lstStyle/>
+          <a:p>
+            <a:pPr algn="ctr"/>
+            <a:endParaRPr lang="zh-CN" altLang="en-US"/>
+          </a:p>
+        </p:txBody>
+      </p:sp>
+      <p:sp>
+        <p:nvSpPr>
+          <p:cNvPr id="8" name="右箭头 7"/>
+          <p:cNvSpPr/>
+          <p:nvPr/>
+        </p:nvSpPr>
+        <p:spPr>
+          <a:xfrm>
+            <a:off x="2051720" y="4901165"/>
+            <a:ext cx="792088" cy="569873"/>
+          </a:xfrm>
+          <a:prstGeom prst="rightArrow">
+            <a:avLst/>
+          </a:prstGeom>
+        </p:spPr>
+        <p:style>
+          <a:lnRef idx="1">
+            <a:schemeClr val="accent1"/>
+          </a:lnRef>
+          <a:fillRef idx="3">
+            <a:schemeClr val="accent1"/>
+          </a:fillRef>
+          <a:effectRef idx="2">
+            <a:schemeClr val="accent1"/>
+          </a:effectRef>
+          <a:fontRef idx="minor">
+            <a:schemeClr val="lt1"/>
+          </a:fontRef>
+        </p:style>
+        <p:txBody>
+          <a:bodyPr rtlCol="0" anchor="ctr"/>
+          <a:lstStyle/>
+          <a:p>
+            <a:pPr algn="ctr"/>
+            <a:endParaRPr lang="zh-CN" altLang="en-US"/>
+          </a:p>
+        </p:txBody>
+      </p:sp>
+      <p:pic>
+        <p:nvPicPr>
+          <p:cNvPr id="2053" name="Picture 5"/>
+          <p:cNvPicPr>
+            <a:picLocks noChangeAspect="1" noChangeArrowheads="1"/>
+          </p:cNvPicPr>
+          <p:nvPr/>
+        </p:nvPicPr>
+        <p:blipFill>
+          <a:blip r:embed="rId5">
+            <a:extLst>
+              <a:ext uri="{28A0092B-C50C-407E-A947-70E740481C1C}">
+                <a14:useLocalDpi xmlns:a14="http://schemas.microsoft.com/office/drawing/2010/main" val="0"/>
+              </a:ext>
+            </a:extLst>
+          </a:blip>
+          <a:srcRect/>
+          <a:stretch>
+            <a:fillRect/>
+          </a:stretch>
+        </p:blipFill>
+        <p:spPr bwMode="auto">
+          <a:xfrm>
+            <a:off x="7236295" y="4627369"/>
+            <a:ext cx="1528699" cy="843669"/>
+          </a:xfrm>
+          <a:prstGeom prst="rect">
+            <a:avLst/>
+          </a:prstGeom>
+          <a:noFill/>
+          <a:ln>
+            <a:noFill/>
+          </a:ln>
+          <a:effectLst/>
+          <a:extLst>
+            <a:ext uri="{909E8E84-426E-40DD-AFC4-6F175D3DCCD1}">
+              <a14:hiddenFill xmlns:a14="http://schemas.microsoft.com/office/drawing/2010/main">
+                <a:solidFill>
+                  <a:schemeClr val="accent1"/>
+                </a:solidFill>
+              </a14:hiddenFill>
+            </a:ext>
+            <a:ext uri="{91240B29-F687-4F45-9708-019B960494DF}">
+              <a14:hiddenLine xmlns:a14="http://schemas.microsoft.com/office/drawing/2010/main" w="9525">
+                <a:solidFill>
+                  <a:schemeClr val="tx1"/>
+                </a:solidFill>
+                <a:miter lim="800000"/>
+                <a:headEnd/>
+                <a:tailEnd/>
+              </a14:hiddenLine>
+            </a:ext>
+            <a:ext uri="{AF507438-7753-43E0-B8FC-AC1667EBCBE1}">
+              <a14:hiddenEffects xmlns:a14="http://schemas.microsoft.com/office/drawing/2010/main">
+                <a:effectLst>
+                  <a:outerShdw dist="35921" dir="2700000" algn="ctr" rotWithShape="0">
+                    <a:schemeClr val="bg2"/>
+                  </a:outerShdw>
+                </a:effectLst>
+              </a14:hiddenEffects>
+            </a:ext>
+          </a:extLst>
+        </p:spPr>
+      </p:pic>
+    </p:spTree>
+    <p:extLst>
+      <p:ext uri="{BB962C8B-B14F-4D97-AF65-F5344CB8AC3E}">
+        <p14:creationId xmlns:p14="http://schemas.microsoft.com/office/powerpoint/2010/main" val="1504040458"/>
+      </p:ext>
+    </p:extLst>
+  </p:cSld>
+  <p:clrMapOvr>
+    <a:masterClrMapping/>
+  </p:clrMapOvr>
+</p:sld>
+</file>
+
+<file path=ppt/slides/slide36.xml><?xml version="1.0" encoding="utf-8"?>
+<p:sld xmlns:a="http://schemas.openxmlformats.org/drawingml/2006/main" xmlns:r="http://schemas.openxmlformats.org/officeDocument/2006/relationships" xmlns:p="http://schemas.openxmlformats.org/presentationml/2006/main">
+  <p:cSld>
+    <p:spTree>
+      <p:nvGrpSpPr>
+        <p:cNvPr id="1" name=""/>
+        <p:cNvGrpSpPr/>
+        <p:nvPr/>
+      </p:nvGrpSpPr>
+      <p:grpSpPr>
+        <a:xfrm>
+          <a:off x="0" y="0"/>
+          <a:ext cx="0" cy="0"/>
+          <a:chOff x="0" y="0"/>
+          <a:chExt cx="0" cy="0"/>
+        </a:xfrm>
+      </p:grpSpPr>
+      <p:sp>
+        <p:nvSpPr>
+          <p:cNvPr id="2" name="标题 1"/>
+          <p:cNvSpPr>
+            <a:spLocks noGrp="1"/>
+          </p:cNvSpPr>
+          <p:nvPr>
+            <p:ph type="title"/>
+          </p:nvPr>
+        </p:nvSpPr>
+        <p:spPr/>
+        <p:txBody>
+          <a:bodyPr/>
+          <a:lstStyle/>
+          <a:p>
+            <a:endParaRPr lang="zh-CN" altLang="en-US"/>
+          </a:p>
+        </p:txBody>
+      </p:sp>
+      <p:sp>
+        <p:nvSpPr>
+          <p:cNvPr id="3" name="内容占位符 2"/>
+          <p:cNvSpPr>
+            <a:spLocks noGrp="1"/>
+          </p:cNvSpPr>
+          <p:nvPr>
+            <p:ph idx="1"/>
+          </p:nvPr>
+        </p:nvSpPr>
+        <p:spPr/>
+        <p:txBody>
+          <a:bodyPr/>
+          <a:lstStyle/>
+          <a:p>
+            <a:r>
+              <a:rPr lang="zh-CN" altLang="en-US" dirty="0" smtClean="0"/>
+              <a:t>数据预处理</a:t>
+            </a:r>
+            <a:endParaRPr lang="en-US" altLang="zh-CN" dirty="0" smtClean="0"/>
+          </a:p>
+          <a:p>
+            <a:r>
+              <a:rPr lang="zh-CN" altLang="en-US" sz="2400" dirty="0" smtClean="0"/>
+              <a:t>所上传的计算数据需要进行预处理才能够得到比较好的分析结果，在</a:t>
+            </a:r>
+            <a:r>
+              <a:rPr lang="en-US" altLang="zh-CN" sz="2400" dirty="0" smtClean="0"/>
+              <a:t>BioDeep</a:t>
+            </a:r>
+            <a:r>
+              <a:rPr lang="zh-CN" altLang="en-US" sz="2400" dirty="0" smtClean="0"/>
+              <a:t>之中需要首先完成预处理才能够进入后续的统计分析。</a:t>
+            </a:r>
+            <a:endParaRPr lang="en-US" altLang="zh-CN" sz="2400" dirty="0" smtClean="0"/>
+          </a:p>
+          <a:p>
+            <a:r>
+              <a:rPr lang="zh-CN" altLang="en-US" sz="2400" dirty="0" smtClean="0"/>
+              <a:t>一</a:t>
+            </a:r>
+            <a:r>
+              <a:rPr lang="zh-CN" altLang="en-US" sz="2400" dirty="0"/>
+              <a:t>般情况</a:t>
+            </a:r>
+            <a:r>
+              <a:rPr lang="zh-CN" altLang="en-US" sz="2400" dirty="0" smtClean="0"/>
+              <a:t>下，预处理阶段直接使用系统的默认值即可。</a:t>
+            </a:r>
+            <a:endParaRPr lang="zh-CN" altLang="en-US" sz="2400" dirty="0"/>
+          </a:p>
+        </p:txBody>
+      </p:sp>
+      <p:pic>
+        <p:nvPicPr>
+          <p:cNvPr id="3075" name="Picture 3"/>
+          <p:cNvPicPr>
+            <a:picLocks noChangeAspect="1" noChangeArrowheads="1"/>
+          </p:cNvPicPr>
+          <p:nvPr/>
+        </p:nvPicPr>
+        <p:blipFill>
+          <a:blip r:embed="rId2">
+            <a:extLst>
+              <a:ext uri="{28A0092B-C50C-407E-A947-70E740481C1C}">
+                <a14:useLocalDpi xmlns:a14="http://schemas.microsoft.com/office/drawing/2010/main" val="0"/>
+              </a:ext>
+            </a:extLst>
+          </a:blip>
+          <a:srcRect/>
+          <a:stretch>
+            <a:fillRect/>
+          </a:stretch>
+        </p:blipFill>
+        <p:spPr bwMode="auto">
+          <a:xfrm>
+            <a:off x="755576" y="3819323"/>
+            <a:ext cx="3096344" cy="1534471"/>
+          </a:xfrm>
+          <a:prstGeom prst="rect">
+            <a:avLst/>
+          </a:prstGeom>
+          <a:noFill/>
+          <a:ln>
+            <a:noFill/>
+          </a:ln>
+          <a:effectLst/>
+          <a:extLst>
+            <a:ext uri="{909E8E84-426E-40DD-AFC4-6F175D3DCCD1}">
+              <a14:hiddenFill xmlns:a14="http://schemas.microsoft.com/office/drawing/2010/main">
+                <a:solidFill>
+                  <a:schemeClr val="accent1"/>
+                </a:solidFill>
+              </a14:hiddenFill>
+            </a:ext>
+            <a:ext uri="{91240B29-F687-4F45-9708-019B960494DF}">
+              <a14:hiddenLine xmlns:a14="http://schemas.microsoft.com/office/drawing/2010/main" w="9525">
+                <a:solidFill>
+                  <a:schemeClr val="tx1"/>
+                </a:solidFill>
+                <a:miter lim="800000"/>
+                <a:headEnd/>
+                <a:tailEnd/>
+              </a14:hiddenLine>
+            </a:ext>
+            <a:ext uri="{AF507438-7753-43E0-B8FC-AC1667EBCBE1}">
+              <a14:hiddenEffects xmlns:a14="http://schemas.microsoft.com/office/drawing/2010/main">
+                <a:effectLst>
+                  <a:outerShdw dist="35921" dir="2700000" algn="ctr" rotWithShape="0">
+                    <a:schemeClr val="bg2"/>
+                  </a:outerShdw>
+                </a:effectLst>
+              </a14:hiddenEffects>
+            </a:ext>
+          </a:extLst>
+        </p:spPr>
+      </p:pic>
+      <p:pic>
+        <p:nvPicPr>
+          <p:cNvPr id="3076" name="Picture 4"/>
+          <p:cNvPicPr>
+            <a:picLocks noChangeAspect="1" noChangeArrowheads="1"/>
+          </p:cNvPicPr>
+          <p:nvPr/>
+        </p:nvPicPr>
+        <p:blipFill>
+          <a:blip r:embed="rId3">
+            <a:extLst>
+              <a:ext uri="{28A0092B-C50C-407E-A947-70E740481C1C}">
+                <a14:useLocalDpi xmlns:a14="http://schemas.microsoft.com/office/drawing/2010/main" val="0"/>
+              </a:ext>
+            </a:extLst>
+          </a:blip>
+          <a:srcRect/>
+          <a:stretch>
+            <a:fillRect/>
+          </a:stretch>
+        </p:blipFill>
+        <p:spPr bwMode="auto">
+          <a:xfrm>
+            <a:off x="4067944" y="3823282"/>
+            <a:ext cx="4752528" cy="1297879"/>
+          </a:xfrm>
+          <a:prstGeom prst="rect">
+            <a:avLst/>
+          </a:prstGeom>
+          <a:noFill/>
+          <a:ln>
+            <a:noFill/>
+          </a:ln>
+          <a:effectLst/>
+          <a:extLst>
+            <a:ext uri="{909E8E84-426E-40DD-AFC4-6F175D3DCCD1}">
+              <a14:hiddenFill xmlns:a14="http://schemas.microsoft.com/office/drawing/2010/main">
+                <a:solidFill>
+                  <a:schemeClr val="accent1"/>
+                </a:solidFill>
+              </a14:hiddenFill>
+            </a:ext>
+            <a:ext uri="{91240B29-F687-4F45-9708-019B960494DF}">
+              <a14:hiddenLine xmlns:a14="http://schemas.microsoft.com/office/drawing/2010/main" w="9525">
+                <a:solidFill>
+                  <a:schemeClr val="tx1"/>
+                </a:solidFill>
+                <a:miter lim="800000"/>
+                <a:headEnd/>
+                <a:tailEnd/>
+              </a14:hiddenLine>
+            </a:ext>
+            <a:ext uri="{AF507438-7753-43E0-B8FC-AC1667EBCBE1}">
+              <a14:hiddenEffects xmlns:a14="http://schemas.microsoft.com/office/drawing/2010/main">
+                <a:effectLst>
+                  <a:outerShdw dist="35921" dir="2700000" algn="ctr" rotWithShape="0">
+                    <a:schemeClr val="bg2"/>
+                  </a:outerShdw>
+                </a:effectLst>
+              </a14:hiddenEffects>
+            </a:ext>
+          </a:extLst>
+        </p:spPr>
+      </p:pic>
+    </p:spTree>
+    <p:extLst>
+      <p:ext uri="{BB962C8B-B14F-4D97-AF65-F5344CB8AC3E}">
+        <p14:creationId xmlns:p14="http://schemas.microsoft.com/office/powerpoint/2010/main" val="1570403344"/>
+      </p:ext>
+    </p:extLst>
+  </p:cSld>
+  <p:clrMapOvr>
+    <a:masterClrMapping/>
+  </p:clrMapOvr>
+</p:sld>
+</file>
+
+<file path=ppt/slides/slide37.xml><?xml version="1.0" encoding="utf-8"?>
+<p:sld xmlns:a="http://schemas.openxmlformats.org/drawingml/2006/main" xmlns:r="http://schemas.openxmlformats.org/officeDocument/2006/relationships" xmlns:p="http://schemas.openxmlformats.org/presentationml/2006/main">
+  <p:cSld>
+    <p:spTree>
+      <p:nvGrpSpPr>
+        <p:cNvPr id="1" name=""/>
+        <p:cNvGrpSpPr/>
+        <p:nvPr/>
+      </p:nvGrpSpPr>
+      <p:grpSpPr>
+        <a:xfrm>
+          <a:off x="0" y="0"/>
+          <a:ext cx="0" cy="0"/>
+          <a:chOff x="0" y="0"/>
+          <a:chExt cx="0" cy="0"/>
+        </a:xfrm>
+      </p:grpSpPr>
+      <p:sp>
+        <p:nvSpPr>
+          <p:cNvPr id="2" name="标题 1"/>
+          <p:cNvSpPr>
+            <a:spLocks noGrp="1"/>
+          </p:cNvSpPr>
+          <p:nvPr>
+            <p:ph type="title"/>
+          </p:nvPr>
+        </p:nvSpPr>
+        <p:spPr/>
+        <p:txBody>
+          <a:bodyPr/>
+          <a:lstStyle/>
+          <a:p>
+            <a:endParaRPr lang="zh-CN" altLang="en-US"/>
+          </a:p>
+        </p:txBody>
+      </p:sp>
+      <p:sp>
+        <p:nvSpPr>
+          <p:cNvPr id="3" name="内容占位符 2"/>
+          <p:cNvSpPr>
+            <a:spLocks noGrp="1"/>
+          </p:cNvSpPr>
+          <p:nvPr>
+            <p:ph idx="1"/>
+          </p:nvPr>
+        </p:nvSpPr>
+        <p:spPr/>
+        <p:txBody>
+          <a:bodyPr/>
+          <a:lstStyle/>
+          <a:p>
+            <a:r>
+              <a:rPr lang="zh-CN" altLang="en-US" dirty="0" smtClean="0"/>
+              <a:t>质控分析</a:t>
+            </a:r>
+            <a:endParaRPr lang="en-US" altLang="zh-CN" dirty="0" smtClean="0"/>
+          </a:p>
+          <a:p>
+            <a:r>
+              <a:rPr lang="zh-CN" altLang="en-US" sz="2800" dirty="0"/>
+              <a:t>质控分</a:t>
+            </a:r>
+            <a:r>
+              <a:rPr lang="zh-CN" altLang="en-US" sz="2800" dirty="0" smtClean="0"/>
+              <a:t>析可以查看仪器是否稳定</a:t>
+            </a:r>
+            <a:endParaRPr lang="zh-CN" altLang="en-US" sz="2800" dirty="0"/>
+          </a:p>
+        </p:txBody>
+      </p:sp>
+      <p:pic>
+        <p:nvPicPr>
+          <p:cNvPr id="4098" name="Picture 2"/>
+          <p:cNvPicPr>
+            <a:picLocks noChangeAspect="1" noChangeArrowheads="1"/>
+          </p:cNvPicPr>
+          <p:nvPr/>
+        </p:nvPicPr>
+        <p:blipFill>
+          <a:blip r:embed="rId2">
+            <a:extLst>
+              <a:ext uri="{28A0092B-C50C-407E-A947-70E740481C1C}">
+                <a14:useLocalDpi xmlns:a14="http://schemas.microsoft.com/office/drawing/2010/main" val="0"/>
+              </a:ext>
+            </a:extLst>
+          </a:blip>
+          <a:srcRect/>
+          <a:stretch>
+            <a:fillRect/>
+          </a:stretch>
+        </p:blipFill>
+        <p:spPr bwMode="auto">
+          <a:xfrm>
+            <a:off x="798696" y="4153644"/>
+            <a:ext cx="3312368" cy="941621"/>
+          </a:xfrm>
+          <a:prstGeom prst="rect">
+            <a:avLst/>
+          </a:prstGeom>
+          <a:noFill/>
+          <a:ln>
+            <a:noFill/>
+          </a:ln>
+          <a:effectLst/>
+          <a:extLst>
+            <a:ext uri="{909E8E84-426E-40DD-AFC4-6F175D3DCCD1}">
+              <a14:hiddenFill xmlns:a14="http://schemas.microsoft.com/office/drawing/2010/main">
+                <a:solidFill>
+                  <a:schemeClr val="accent1"/>
+                </a:solidFill>
+              </a14:hiddenFill>
+            </a:ext>
+            <a:ext uri="{91240B29-F687-4F45-9708-019B960494DF}">
+              <a14:hiddenLine xmlns:a14="http://schemas.microsoft.com/office/drawing/2010/main" w="9525">
+                <a:solidFill>
+                  <a:schemeClr val="tx1"/>
+                </a:solidFill>
+                <a:miter lim="800000"/>
+                <a:headEnd/>
+                <a:tailEnd/>
+              </a14:hiddenLine>
+            </a:ext>
+            <a:ext uri="{AF507438-7753-43E0-B8FC-AC1667EBCBE1}">
+              <a14:hiddenEffects xmlns:a14="http://schemas.microsoft.com/office/drawing/2010/main">
+                <a:effectLst>
+                  <a:outerShdw dist="35921" dir="2700000" algn="ctr" rotWithShape="0">
+                    <a:schemeClr val="bg2"/>
+                  </a:outerShdw>
+                </a:effectLst>
+              </a14:hiddenEffects>
+            </a:ext>
+          </a:extLst>
+        </p:spPr>
+      </p:pic>
+      <p:sp>
+        <p:nvSpPr>
+          <p:cNvPr id="4" name="AutoShape 4" descr="http://www.biodeep.cn/proxy/preview/R/QC?analysisfile=814&amp;format=png&amp;dpi=250&amp;w=1800&amp;h=1600"/>
+          <p:cNvSpPr>
+            <a:spLocks noChangeAspect="1" noChangeArrowheads="1"/>
+          </p:cNvSpPr>
+          <p:nvPr/>
+        </p:nvSpPr>
+        <p:spPr bwMode="auto">
+          <a:xfrm>
+            <a:off x="155575" y="-144463"/>
+            <a:ext cx="304800" cy="304801"/>
+          </a:xfrm>
+          <a:prstGeom prst="rect">
+            <a:avLst/>
+          </a:prstGeom>
+          <a:noFill/>
+          <a:extLst>
+            <a:ext uri="{909E8E84-426E-40DD-AFC4-6F175D3DCCD1}">
+              <a14:hiddenFill xmlns:a14="http://schemas.microsoft.com/office/drawing/2010/main">
+                <a:solidFill>
+                  <a:srgbClr val="FFFFFF"/>
+                </a:solidFill>
+              </a14:hiddenFill>
+            </a:ext>
+          </a:extLst>
+        </p:spPr>
+        <p:txBody>
+          <a:bodyPr vert="horz" wrap="square" lIns="91440" tIns="45720" rIns="91440" bIns="45720" numCol="1" anchor="t" anchorCtr="0" compatLnSpc="1">
+            <a:prstTxWarp prst="textNoShape">
+              <a:avLst/>
+            </a:prstTxWarp>
+          </a:bodyPr>
+          <a:lstStyle/>
+          <a:p>
+            <a:endParaRPr lang="zh-CN" altLang="en-US"/>
+          </a:p>
+        </p:txBody>
+      </p:sp>
+      <p:pic>
+        <p:nvPicPr>
+          <p:cNvPr id="5" name="图片 4"/>
+          <p:cNvPicPr>
+            <a:picLocks noChangeAspect="1"/>
+          </p:cNvPicPr>
+          <p:nvPr/>
+        </p:nvPicPr>
+        <p:blipFill>
+          <a:blip r:embed="rId3" cstate="print">
+            <a:extLst>
+              <a:ext uri="{28A0092B-C50C-407E-A947-70E740481C1C}">
+                <a14:useLocalDpi xmlns:a14="http://schemas.microsoft.com/office/drawing/2010/main" val="0"/>
+              </a:ext>
+            </a:extLst>
+          </a:blip>
+          <a:stretch>
+            <a:fillRect/>
+          </a:stretch>
+        </p:blipFill>
+        <p:spPr>
+          <a:xfrm>
+            <a:off x="4572000" y="2519674"/>
+            <a:ext cx="3564396" cy="3168352"/>
+          </a:xfrm>
+          <a:prstGeom prst="rect">
+            <a:avLst/>
+          </a:prstGeom>
+        </p:spPr>
+      </p:pic>
+    </p:spTree>
+    <p:extLst>
+      <p:ext uri="{BB962C8B-B14F-4D97-AF65-F5344CB8AC3E}">
+        <p14:creationId xmlns:p14="http://schemas.microsoft.com/office/powerpoint/2010/main" val="655598436"/>
+      </p:ext>
+    </p:extLst>
+  </p:cSld>
+  <p:clrMapOvr>
+    <a:masterClrMapping/>
+  </p:clrMapOvr>
+</p:sld>
+</file>
+
+<file path=ppt/slides/slide38.xml><?xml version="1.0" encoding="utf-8"?>
+<p:sld xmlns:a="http://schemas.openxmlformats.org/drawingml/2006/main" xmlns:r="http://schemas.openxmlformats.org/officeDocument/2006/relationships" xmlns:p="http://schemas.openxmlformats.org/presentationml/2006/main">
+  <p:cSld>
+    <p:spTree>
+      <p:nvGrpSpPr>
+        <p:cNvPr id="1" name=""/>
+        <p:cNvGrpSpPr/>
+        <p:nvPr/>
+      </p:nvGrpSpPr>
+      <p:grpSpPr>
+        <a:xfrm>
+          <a:off x="0" y="0"/>
+          <a:ext cx="0" cy="0"/>
+          <a:chOff x="0" y="0"/>
+          <a:chExt cx="0" cy="0"/>
+        </a:xfrm>
+      </p:grpSpPr>
+      <p:sp>
+        <p:nvSpPr>
+          <p:cNvPr id="2" name="标题 1"/>
+          <p:cNvSpPr>
+            <a:spLocks noGrp="1"/>
+          </p:cNvSpPr>
+          <p:nvPr>
+            <p:ph type="title"/>
+          </p:nvPr>
+        </p:nvSpPr>
+        <p:spPr/>
+        <p:txBody>
+          <a:bodyPr/>
+          <a:lstStyle/>
+          <a:p>
+            <a:endParaRPr lang="zh-CN" altLang="en-US"/>
+          </a:p>
+        </p:txBody>
+      </p:sp>
+      <p:sp>
+        <p:nvSpPr>
+          <p:cNvPr id="3" name="内容占位符 2"/>
+          <p:cNvSpPr>
+            <a:spLocks noGrp="1"/>
+          </p:cNvSpPr>
+          <p:nvPr>
+            <p:ph idx="1"/>
+          </p:nvPr>
+        </p:nvSpPr>
+        <p:spPr/>
+        <p:txBody>
+          <a:bodyPr>
+            <a:normAutofit/>
+          </a:bodyPr>
+          <a:lstStyle/>
+          <a:p>
+            <a:r>
+              <a:rPr lang="zh-CN" altLang="en-US" sz="2000" dirty="0" smtClean="0"/>
+              <a:t>在后续的数据分析之中，大部分的项目都是实验组之间的比较统计分析操作，完成了数据的预处理之后，会首先需要选择需要进行分析的分组，才能够进入后续的统计分析之中</a:t>
+            </a:r>
+            <a:endParaRPr lang="zh-CN" altLang="en-US" sz="2000" dirty="0"/>
+          </a:p>
+        </p:txBody>
+      </p:sp>
+      <p:pic>
+        <p:nvPicPr>
+          <p:cNvPr id="5122" name="Picture 2"/>
+          <p:cNvPicPr>
+            <a:picLocks noChangeAspect="1" noChangeArrowheads="1"/>
+          </p:cNvPicPr>
+          <p:nvPr/>
+        </p:nvPicPr>
+        <p:blipFill>
+          <a:blip r:embed="rId2">
+            <a:extLst>
+              <a:ext uri="{28A0092B-C50C-407E-A947-70E740481C1C}">
+                <a14:useLocalDpi xmlns:a14="http://schemas.microsoft.com/office/drawing/2010/main" val="0"/>
+              </a:ext>
+            </a:extLst>
+          </a:blip>
+          <a:srcRect/>
+          <a:stretch>
+            <a:fillRect/>
+          </a:stretch>
+        </p:blipFill>
+        <p:spPr bwMode="auto">
+          <a:xfrm>
+            <a:off x="611560" y="2579769"/>
+            <a:ext cx="1582143" cy="2829328"/>
+          </a:xfrm>
+          <a:prstGeom prst="rect">
+            <a:avLst/>
+          </a:prstGeom>
+          <a:noFill/>
+          <a:ln>
+            <a:noFill/>
+          </a:ln>
+          <a:effectLst/>
+          <a:extLst>
+            <a:ext uri="{909E8E84-426E-40DD-AFC4-6F175D3DCCD1}">
+              <a14:hiddenFill xmlns:a14="http://schemas.microsoft.com/office/drawing/2010/main">
+                <a:solidFill>
+                  <a:schemeClr val="accent1"/>
+                </a:solidFill>
+              </a14:hiddenFill>
+            </a:ext>
+            <a:ext uri="{91240B29-F687-4F45-9708-019B960494DF}">
+              <a14:hiddenLine xmlns:a14="http://schemas.microsoft.com/office/drawing/2010/main" w="9525">
+                <a:solidFill>
+                  <a:schemeClr val="tx1"/>
+                </a:solidFill>
+                <a:miter lim="800000"/>
+                <a:headEnd/>
+                <a:tailEnd/>
+              </a14:hiddenLine>
+            </a:ext>
+            <a:ext uri="{AF507438-7753-43E0-B8FC-AC1667EBCBE1}">
+              <a14:hiddenEffects xmlns:a14="http://schemas.microsoft.com/office/drawing/2010/main">
+                <a:effectLst>
+                  <a:outerShdw dist="35921" dir="2700000" algn="ctr" rotWithShape="0">
+                    <a:schemeClr val="bg2"/>
+                  </a:outerShdw>
+                </a:effectLst>
+              </a14:hiddenEffects>
+            </a:ext>
+          </a:extLst>
+        </p:spPr>
+      </p:pic>
+      <p:pic>
+        <p:nvPicPr>
+          <p:cNvPr id="5123" name="Picture 3"/>
+          <p:cNvPicPr>
+            <a:picLocks noChangeAspect="1" noChangeArrowheads="1"/>
+          </p:cNvPicPr>
+          <p:nvPr/>
+        </p:nvPicPr>
+        <p:blipFill>
+          <a:blip r:embed="rId3">
+            <a:extLst>
+              <a:ext uri="{28A0092B-C50C-407E-A947-70E740481C1C}">
+                <a14:useLocalDpi xmlns:a14="http://schemas.microsoft.com/office/drawing/2010/main" val="0"/>
+              </a:ext>
+            </a:extLst>
+          </a:blip>
+          <a:srcRect/>
+          <a:stretch>
+            <a:fillRect/>
+          </a:stretch>
+        </p:blipFill>
+        <p:spPr bwMode="auto">
+          <a:xfrm>
+            <a:off x="2411760" y="2526796"/>
+            <a:ext cx="3153710" cy="2469288"/>
+          </a:xfrm>
+          <a:prstGeom prst="rect">
+            <a:avLst/>
+          </a:prstGeom>
+          <a:noFill/>
+          <a:ln>
+            <a:noFill/>
+          </a:ln>
+          <a:effectLst/>
+          <a:extLst>
+            <a:ext uri="{909E8E84-426E-40DD-AFC4-6F175D3DCCD1}">
+              <a14:hiddenFill xmlns:a14="http://schemas.microsoft.com/office/drawing/2010/main">
+                <a:solidFill>
+                  <a:schemeClr val="accent1"/>
+                </a:solidFill>
+              </a14:hiddenFill>
+            </a:ext>
+            <a:ext uri="{91240B29-F687-4F45-9708-019B960494DF}">
+              <a14:hiddenLine xmlns:a14="http://schemas.microsoft.com/office/drawing/2010/main" w="9525">
+                <a:solidFill>
+                  <a:schemeClr val="tx1"/>
+                </a:solidFill>
+                <a:miter lim="800000"/>
+                <a:headEnd/>
+                <a:tailEnd/>
+              </a14:hiddenLine>
+            </a:ext>
+            <a:ext uri="{AF507438-7753-43E0-B8FC-AC1667EBCBE1}">
+              <a14:hiddenEffects xmlns:a14="http://schemas.microsoft.com/office/drawing/2010/main">
+                <a:effectLst>
+                  <a:outerShdw dist="35921" dir="2700000" algn="ctr" rotWithShape="0">
+                    <a:schemeClr val="bg2"/>
+                  </a:outerShdw>
+                </a:effectLst>
+              </a14:hiddenEffects>
+            </a:ext>
+          </a:extLst>
+        </p:spPr>
+      </p:pic>
+      <p:sp>
+        <p:nvSpPr>
+          <p:cNvPr id="6" name="矩形 5"/>
+          <p:cNvSpPr/>
+          <p:nvPr/>
+        </p:nvSpPr>
+        <p:spPr>
+          <a:xfrm>
+            <a:off x="2483768" y="3158144"/>
+            <a:ext cx="1224136" cy="360040"/>
+          </a:xfrm>
+          <a:prstGeom prst="rect">
+            <a:avLst/>
+          </a:prstGeom>
+          <a:noFill/>
+          <a:ln>
+            <a:solidFill>
+              <a:srgbClr val="FF0000"/>
+            </a:solidFill>
+          </a:ln>
+        </p:spPr>
+        <p:style>
+          <a:lnRef idx="2">
+            <a:schemeClr val="accent1">
+              <a:shade val="50000"/>
+            </a:schemeClr>
+          </a:lnRef>
+          <a:fillRef idx="1">
+            <a:schemeClr val="accent1"/>
+          </a:fillRef>
+          <a:effectRef idx="0">
+            <a:schemeClr val="accent1"/>
+          </a:effectRef>
+          <a:fontRef idx="minor">
+            <a:schemeClr val="lt1"/>
+          </a:fontRef>
+        </p:style>
+        <p:txBody>
+          <a:bodyPr rtlCol="0" anchor="ctr"/>
+          <a:lstStyle/>
+          <a:p>
+            <a:pPr algn="ctr"/>
+            <a:endParaRPr lang="zh-CN" altLang="en-US"/>
+          </a:p>
+        </p:txBody>
+      </p:sp>
+      <p:cxnSp>
+        <p:nvCxnSpPr>
+          <p:cNvPr id="7" name="肘形连接符 6"/>
+          <p:cNvCxnSpPr>
+            <a:stCxn id="8" idx="1"/>
+            <a:endCxn id="6" idx="0"/>
+          </p:cNvCxnSpPr>
+          <p:nvPr/>
+        </p:nvCxnSpPr>
+        <p:spPr>
+          <a:xfrm rot="10800000" flipV="1">
+            <a:off x="3095836" y="2584600"/>
+            <a:ext cx="3227124" cy="573544"/>
+          </a:xfrm>
+          <a:prstGeom prst="bentConnector2">
+            <a:avLst/>
+          </a:prstGeom>
+          <a:ln w="63500">
+            <a:tailEnd type="triangle"/>
+          </a:ln>
+        </p:spPr>
+        <p:style>
+          <a:lnRef idx="3">
+            <a:schemeClr val="accent1"/>
+          </a:lnRef>
+          <a:fillRef idx="0">
+            <a:schemeClr val="accent1"/>
+          </a:fillRef>
+          <a:effectRef idx="2">
+            <a:schemeClr val="accent1"/>
+          </a:effectRef>
+          <a:fontRef idx="minor">
+            <a:schemeClr val="tx1"/>
+          </a:fontRef>
+        </p:style>
+      </p:cxnSp>
+      <p:sp>
+        <p:nvSpPr>
+          <p:cNvPr id="8" name="折角形 7"/>
+          <p:cNvSpPr/>
+          <p:nvPr/>
+        </p:nvSpPr>
+        <p:spPr>
+          <a:xfrm>
+            <a:off x="6322960" y="2188556"/>
+            <a:ext cx="1728192" cy="792088"/>
+          </a:xfrm>
+          <a:prstGeom prst="foldedCorner">
+            <a:avLst/>
+          </a:prstGeom>
+        </p:spPr>
+        <p:style>
+          <a:lnRef idx="1">
+            <a:schemeClr val="accent3"/>
+          </a:lnRef>
+          <a:fillRef idx="3">
+            <a:schemeClr val="accent3"/>
+          </a:fillRef>
+          <a:effectRef idx="2">
+            <a:schemeClr val="accent3"/>
+          </a:effectRef>
+          <a:fontRef idx="minor">
+            <a:schemeClr val="lt1"/>
+          </a:fontRef>
+        </p:style>
+        <p:txBody>
+          <a:bodyPr rtlCol="0" anchor="ctr"/>
+          <a:lstStyle/>
+          <a:p>
+            <a:pPr algn="ctr"/>
+            <a:r>
+              <a:rPr lang="zh-CN" altLang="en-US" sz="1600" dirty="0" smtClean="0"/>
+              <a:t>点击选择需要分析的比较组别</a:t>
+            </a:r>
+            <a:endParaRPr lang="zh-CN" altLang="en-US" sz="1600" dirty="0"/>
+          </a:p>
+        </p:txBody>
+      </p:sp>
+      <p:sp>
+        <p:nvSpPr>
+          <p:cNvPr id="9" name="矩形 8"/>
+          <p:cNvSpPr/>
+          <p:nvPr/>
+        </p:nvSpPr>
+        <p:spPr>
+          <a:xfrm>
+            <a:off x="3563888" y="4543100"/>
+            <a:ext cx="864096" cy="452983"/>
+          </a:xfrm>
+          <a:prstGeom prst="rect">
+            <a:avLst/>
+          </a:prstGeom>
+          <a:noFill/>
+          <a:ln>
+            <a:solidFill>
+              <a:srgbClr val="FF0000"/>
+            </a:solidFill>
+          </a:ln>
+        </p:spPr>
+        <p:style>
+          <a:lnRef idx="2">
+            <a:schemeClr val="accent1">
+              <a:shade val="50000"/>
+            </a:schemeClr>
+          </a:lnRef>
+          <a:fillRef idx="1">
+            <a:schemeClr val="accent1"/>
+          </a:fillRef>
+          <a:effectRef idx="0">
+            <a:schemeClr val="accent1"/>
+          </a:effectRef>
+          <a:fontRef idx="minor">
+            <a:schemeClr val="lt1"/>
+          </a:fontRef>
+        </p:style>
+        <p:txBody>
+          <a:bodyPr rtlCol="0" anchor="ctr"/>
+          <a:lstStyle/>
+          <a:p>
+            <a:pPr algn="ctr"/>
+            <a:endParaRPr lang="zh-CN" altLang="en-US"/>
+          </a:p>
+        </p:txBody>
+      </p:sp>
+      <p:cxnSp>
+        <p:nvCxnSpPr>
+          <p:cNvPr id="10" name="肘形连接符 9"/>
+          <p:cNvCxnSpPr>
+            <a:stCxn id="11" idx="0"/>
+            <a:endCxn id="9" idx="0"/>
+          </p:cNvCxnSpPr>
+          <p:nvPr/>
+        </p:nvCxnSpPr>
+        <p:spPr>
+          <a:xfrm rot="16200000" flipH="1" flipV="1">
+            <a:off x="5497630" y="2939982"/>
+            <a:ext cx="101424" cy="3104812"/>
+          </a:xfrm>
+          <a:prstGeom prst="bentConnector3">
+            <a:avLst>
+              <a:gd name="adj1" fmla="val -225390"/>
+            </a:avLst>
+          </a:prstGeom>
+          <a:ln w="63500">
+            <a:tailEnd type="triangle"/>
+          </a:ln>
+        </p:spPr>
+        <p:style>
+          <a:lnRef idx="3">
+            <a:schemeClr val="accent1"/>
+          </a:lnRef>
+          <a:fillRef idx="0">
+            <a:schemeClr val="accent1"/>
+          </a:fillRef>
+          <a:effectRef idx="2">
+            <a:schemeClr val="accent1"/>
+          </a:effectRef>
+          <a:fontRef idx="minor">
+            <a:schemeClr val="tx1"/>
+          </a:fontRef>
+        </p:style>
+      </p:cxnSp>
+      <p:sp>
+        <p:nvSpPr>
+          <p:cNvPr id="11" name="折角形 10"/>
+          <p:cNvSpPr/>
+          <p:nvPr/>
+        </p:nvSpPr>
+        <p:spPr>
+          <a:xfrm>
+            <a:off x="6236652" y="4441676"/>
+            <a:ext cx="1728192" cy="792088"/>
+          </a:xfrm>
+          <a:prstGeom prst="foldedCorner">
+            <a:avLst/>
+          </a:prstGeom>
+        </p:spPr>
+        <p:style>
+          <a:lnRef idx="1">
+            <a:schemeClr val="accent3"/>
+          </a:lnRef>
+          <a:fillRef idx="3">
+            <a:schemeClr val="accent3"/>
+          </a:fillRef>
+          <a:effectRef idx="2">
+            <a:schemeClr val="accent3"/>
+          </a:effectRef>
+          <a:fontRef idx="minor">
+            <a:schemeClr val="lt1"/>
+          </a:fontRef>
+        </p:style>
+        <p:txBody>
+          <a:bodyPr rtlCol="0" anchor="ctr"/>
+          <a:lstStyle/>
+          <a:p>
+            <a:pPr algn="ctr"/>
+            <a:r>
+              <a:rPr lang="zh-CN" altLang="en-US" sz="1600" dirty="0" smtClean="0"/>
+              <a:t>点</a:t>
+            </a:r>
+            <a:r>
+              <a:rPr lang="zh-CN" altLang="en-US" sz="1600" dirty="0" smtClean="0"/>
+              <a:t>击确定进行保存</a:t>
+            </a:r>
+            <a:endParaRPr lang="zh-CN" altLang="en-US" sz="1600" dirty="0"/>
+          </a:p>
+        </p:txBody>
+      </p:sp>
+    </p:spTree>
+    <p:extLst>
+      <p:ext uri="{BB962C8B-B14F-4D97-AF65-F5344CB8AC3E}">
+        <p14:creationId xmlns:p14="http://schemas.microsoft.com/office/powerpoint/2010/main" val="1915516068"/>
+      </p:ext>
+    </p:extLst>
+  </p:cSld>
+  <p:clrMapOvr>
+    <a:masterClrMapping/>
+  </p:clrMapOvr>
+</p:sld>
+</file>
+
+<file path=ppt/slides/slide39.xml><?xml version="1.0" encoding="utf-8"?>
+<p:sld xmlns:a="http://schemas.openxmlformats.org/drawingml/2006/main" xmlns:r="http://schemas.openxmlformats.org/officeDocument/2006/relationships" xmlns:p="http://schemas.openxmlformats.org/presentationml/2006/main">
+  <p:cSld>
+    <p:spTree>
+      <p:nvGrpSpPr>
+        <p:cNvPr id="1" name=""/>
+        <p:cNvGrpSpPr/>
+        <p:nvPr/>
+      </p:nvGrpSpPr>
+      <p:grpSpPr>
+        <a:xfrm>
+          <a:off x="0" y="0"/>
+          <a:ext cx="0" cy="0"/>
+          <a:chOff x="0" y="0"/>
+          <a:chExt cx="0" cy="0"/>
+        </a:xfrm>
+      </p:grpSpPr>
+      <p:sp>
+        <p:nvSpPr>
+          <p:cNvPr id="2" name="标题 1"/>
+          <p:cNvSpPr>
+            <a:spLocks noGrp="1"/>
+          </p:cNvSpPr>
+          <p:nvPr>
+            <p:ph type="title"/>
+          </p:nvPr>
+        </p:nvSpPr>
+        <p:spPr/>
+        <p:txBody>
+          <a:bodyPr/>
+          <a:lstStyle/>
+          <a:p>
+            <a:endParaRPr lang="zh-CN" altLang="en-US"/>
+          </a:p>
+        </p:txBody>
+      </p:sp>
+      <p:sp>
+        <p:nvSpPr>
+          <p:cNvPr id="3" name="内容占位符 2"/>
+          <p:cNvSpPr>
+            <a:spLocks noGrp="1"/>
+          </p:cNvSpPr>
+          <p:nvPr>
+            <p:ph idx="1"/>
+          </p:nvPr>
+        </p:nvSpPr>
+        <p:spPr/>
+        <p:txBody>
+          <a:bodyPr/>
+          <a:lstStyle/>
+          <a:p>
+            <a:r>
+              <a:rPr lang="zh-CN" altLang="en-US" dirty="0" smtClean="0"/>
+              <a:t>多元统计分析</a:t>
+            </a:r>
+            <a:endParaRPr lang="en-US" altLang="zh-CN" dirty="0" smtClean="0"/>
+          </a:p>
+          <a:p>
+            <a:r>
+              <a:rPr lang="zh-CN" altLang="en-US" sz="2400" dirty="0"/>
+              <a:t>多元统计分</a:t>
+            </a:r>
+            <a:r>
+              <a:rPr lang="zh-CN" altLang="en-US" sz="2400" dirty="0" smtClean="0"/>
+              <a:t>析中</a:t>
+            </a:r>
+            <a:r>
+              <a:rPr lang="en-US" altLang="zh-CN" sz="2400" dirty="0" smtClean="0"/>
+              <a:t>PCA</a:t>
+            </a:r>
+            <a:r>
+              <a:rPr lang="zh-CN" altLang="en-US" sz="2400" dirty="0" smtClean="0"/>
+              <a:t>，</a:t>
+            </a:r>
+            <a:r>
+              <a:rPr lang="en-US" altLang="zh-CN" sz="2400" dirty="0" smtClean="0"/>
+              <a:t>PLS-DA</a:t>
+            </a:r>
+            <a:r>
+              <a:rPr lang="zh-CN" altLang="en-US" sz="2400" dirty="0" smtClean="0"/>
+              <a:t>，</a:t>
+            </a:r>
+            <a:r>
+              <a:rPr lang="en-US" altLang="zh-CN" sz="2400" dirty="0" smtClean="0"/>
+              <a:t>OPLS-DA</a:t>
+            </a:r>
+            <a:r>
+              <a:rPr lang="zh-CN" altLang="en-US" sz="2400" dirty="0" smtClean="0"/>
+              <a:t>分析都需要首先进行自动拟合，然后就可以切换标签页进行结果图以及表格的下载操作</a:t>
+            </a:r>
+            <a:endParaRPr lang="zh-CN" altLang="en-US" sz="2400" dirty="0"/>
+          </a:p>
+        </p:txBody>
+      </p:sp>
+      <p:pic>
+        <p:nvPicPr>
+          <p:cNvPr id="6146" name="Picture 2"/>
+          <p:cNvPicPr>
+            <a:picLocks noChangeAspect="1" noChangeArrowheads="1"/>
+          </p:cNvPicPr>
+          <p:nvPr/>
+        </p:nvPicPr>
+        <p:blipFill>
+          <a:blip r:embed="rId2">
+            <a:extLst>
+              <a:ext uri="{28A0092B-C50C-407E-A947-70E740481C1C}">
+                <a14:useLocalDpi xmlns:a14="http://schemas.microsoft.com/office/drawing/2010/main" val="0"/>
+              </a:ext>
+            </a:extLst>
+          </a:blip>
+          <a:srcRect/>
+          <a:stretch>
+            <a:fillRect/>
+          </a:stretch>
+        </p:blipFill>
+        <p:spPr bwMode="auto">
+          <a:xfrm>
+            <a:off x="3995936" y="3382520"/>
+            <a:ext cx="4894362" cy="2204331"/>
+          </a:xfrm>
+          <a:prstGeom prst="rect">
+            <a:avLst/>
+          </a:prstGeom>
+          <a:noFill/>
+          <a:ln>
+            <a:noFill/>
+          </a:ln>
+          <a:effectLst/>
+          <a:extLst>
+            <a:ext uri="{909E8E84-426E-40DD-AFC4-6F175D3DCCD1}">
+              <a14:hiddenFill xmlns:a14="http://schemas.microsoft.com/office/drawing/2010/main">
+                <a:solidFill>
+                  <a:schemeClr val="accent1"/>
+                </a:solidFill>
+              </a14:hiddenFill>
+            </a:ext>
+            <a:ext uri="{91240B29-F687-4F45-9708-019B960494DF}">
+              <a14:hiddenLine xmlns:a14="http://schemas.microsoft.com/office/drawing/2010/main" w="9525">
+                <a:solidFill>
+                  <a:schemeClr val="tx1"/>
+                </a:solidFill>
+                <a:miter lim="800000"/>
+                <a:headEnd/>
+                <a:tailEnd/>
+              </a14:hiddenLine>
+            </a:ext>
+            <a:ext uri="{AF507438-7753-43E0-B8FC-AC1667EBCBE1}">
+              <a14:hiddenEffects xmlns:a14="http://schemas.microsoft.com/office/drawing/2010/main">
+                <a:effectLst>
+                  <a:outerShdw dist="35921" dir="2700000" algn="ctr" rotWithShape="0">
+                    <a:schemeClr val="bg2"/>
+                  </a:outerShdw>
+                </a:effectLst>
+              </a14:hiddenEffects>
+            </a:ext>
+          </a:extLst>
+        </p:spPr>
+      </p:pic>
+      <p:sp>
+        <p:nvSpPr>
+          <p:cNvPr id="5" name="矩形 4"/>
+          <p:cNvSpPr/>
+          <p:nvPr/>
+        </p:nvSpPr>
+        <p:spPr>
+          <a:xfrm>
+            <a:off x="3995936" y="3920565"/>
+            <a:ext cx="2520280" cy="377096"/>
+          </a:xfrm>
+          <a:prstGeom prst="rect">
+            <a:avLst/>
+          </a:prstGeom>
+          <a:noFill/>
+          <a:ln>
+            <a:solidFill>
+              <a:srgbClr val="FF0000"/>
+            </a:solidFill>
+          </a:ln>
+        </p:spPr>
+        <p:style>
+          <a:lnRef idx="2">
+            <a:schemeClr val="accent1">
+              <a:shade val="50000"/>
+            </a:schemeClr>
+          </a:lnRef>
+          <a:fillRef idx="1">
+            <a:schemeClr val="accent1"/>
+          </a:fillRef>
+          <a:effectRef idx="0">
+            <a:schemeClr val="accent1"/>
+          </a:effectRef>
+          <a:fontRef idx="minor">
+            <a:schemeClr val="lt1"/>
+          </a:fontRef>
+        </p:style>
+        <p:txBody>
+          <a:bodyPr rtlCol="0" anchor="ctr"/>
+          <a:lstStyle/>
+          <a:p>
+            <a:pPr algn="ctr"/>
+            <a:endParaRPr lang="zh-CN" altLang="en-US"/>
+          </a:p>
+        </p:txBody>
+      </p:sp>
+      <p:cxnSp>
+        <p:nvCxnSpPr>
+          <p:cNvPr id="6" name="肘形连接符 5"/>
+          <p:cNvCxnSpPr>
+            <a:stCxn id="7" idx="3"/>
+            <a:endCxn id="5" idx="0"/>
+          </p:cNvCxnSpPr>
+          <p:nvPr/>
+        </p:nvCxnSpPr>
+        <p:spPr>
+          <a:xfrm flipV="1">
+            <a:off x="2215195" y="3920565"/>
+            <a:ext cx="3040881" cy="1337960"/>
+          </a:xfrm>
+          <a:prstGeom prst="bentConnector4">
+            <a:avLst>
+              <a:gd name="adj1" fmla="val 29280"/>
+              <a:gd name="adj2" fmla="val 117086"/>
+            </a:avLst>
+          </a:prstGeom>
+          <a:ln w="63500">
+            <a:tailEnd type="triangle"/>
+          </a:ln>
+        </p:spPr>
+        <p:style>
+          <a:lnRef idx="3">
+            <a:schemeClr val="accent1"/>
+          </a:lnRef>
+          <a:fillRef idx="0">
+            <a:schemeClr val="accent1"/>
+          </a:fillRef>
+          <a:effectRef idx="2">
+            <a:schemeClr val="accent1"/>
+          </a:effectRef>
+          <a:fontRef idx="minor">
+            <a:schemeClr val="tx1"/>
+          </a:fontRef>
+        </p:style>
+      </p:cxnSp>
+      <p:sp>
+        <p:nvSpPr>
+          <p:cNvPr id="7" name="折角形 6"/>
+          <p:cNvSpPr/>
+          <p:nvPr/>
+        </p:nvSpPr>
+        <p:spPr>
+          <a:xfrm>
+            <a:off x="487003" y="4945732"/>
+            <a:ext cx="1728192" cy="625586"/>
+          </a:xfrm>
+          <a:prstGeom prst="foldedCorner">
+            <a:avLst/>
+          </a:prstGeom>
+        </p:spPr>
+        <p:style>
+          <a:lnRef idx="1">
+            <a:schemeClr val="accent3"/>
+          </a:lnRef>
+          <a:fillRef idx="3">
+            <a:schemeClr val="accent3"/>
+          </a:fillRef>
+          <a:effectRef idx="2">
+            <a:schemeClr val="accent3"/>
+          </a:effectRef>
+          <a:fontRef idx="minor">
+            <a:schemeClr val="lt1"/>
+          </a:fontRef>
+        </p:style>
+        <p:txBody>
+          <a:bodyPr rtlCol="0" anchor="ctr"/>
+          <a:lstStyle/>
+          <a:p>
+            <a:pPr algn="ctr"/>
+            <a:r>
+              <a:rPr lang="zh-CN" altLang="en-US" sz="1400" dirty="0" smtClean="0"/>
+              <a:t>设置分析算法参数</a:t>
+            </a:r>
+            <a:endParaRPr lang="zh-CN" altLang="en-US" sz="1400" dirty="0"/>
+          </a:p>
+        </p:txBody>
+      </p:sp>
+      <p:sp>
+        <p:nvSpPr>
+          <p:cNvPr id="13" name="矩形 12"/>
+          <p:cNvSpPr/>
+          <p:nvPr/>
+        </p:nvSpPr>
+        <p:spPr>
+          <a:xfrm>
+            <a:off x="6876256" y="3797318"/>
+            <a:ext cx="936104" cy="644358"/>
+          </a:xfrm>
+          <a:prstGeom prst="rect">
+            <a:avLst/>
+          </a:prstGeom>
+          <a:noFill/>
+          <a:ln>
+            <a:solidFill>
+              <a:srgbClr val="FF0000"/>
+            </a:solidFill>
+          </a:ln>
+        </p:spPr>
+        <p:style>
+          <a:lnRef idx="2">
+            <a:schemeClr val="accent1">
+              <a:shade val="50000"/>
+            </a:schemeClr>
+          </a:lnRef>
+          <a:fillRef idx="1">
+            <a:schemeClr val="accent1"/>
+          </a:fillRef>
+          <a:effectRef idx="0">
+            <a:schemeClr val="accent1"/>
+          </a:effectRef>
+          <a:fontRef idx="minor">
+            <a:schemeClr val="lt1"/>
+          </a:fontRef>
+        </p:style>
+        <p:txBody>
+          <a:bodyPr rtlCol="0" anchor="ctr"/>
+          <a:lstStyle/>
+          <a:p>
+            <a:pPr algn="ctr"/>
+            <a:endParaRPr lang="zh-CN" altLang="en-US"/>
+          </a:p>
+        </p:txBody>
+      </p:sp>
+      <p:cxnSp>
+        <p:nvCxnSpPr>
+          <p:cNvPr id="14" name="肘形连接符 13"/>
+          <p:cNvCxnSpPr>
+            <a:stCxn id="15" idx="3"/>
+            <a:endCxn id="13" idx="3"/>
+          </p:cNvCxnSpPr>
+          <p:nvPr/>
+        </p:nvCxnSpPr>
+        <p:spPr>
+          <a:xfrm flipV="1">
+            <a:off x="2215195" y="4119497"/>
+            <a:ext cx="5597165" cy="365188"/>
+          </a:xfrm>
+          <a:prstGeom prst="bentConnector3">
+            <a:avLst>
+              <a:gd name="adj1" fmla="val 104084"/>
+            </a:avLst>
+          </a:prstGeom>
+          <a:ln w="63500">
+            <a:tailEnd type="triangle"/>
+          </a:ln>
+        </p:spPr>
+        <p:style>
+          <a:lnRef idx="3">
+            <a:schemeClr val="accent1"/>
+          </a:lnRef>
+          <a:fillRef idx="0">
+            <a:schemeClr val="accent1"/>
+          </a:fillRef>
+          <a:effectRef idx="2">
+            <a:schemeClr val="accent1"/>
+          </a:effectRef>
+          <a:fontRef idx="minor">
+            <a:schemeClr val="tx1"/>
+          </a:fontRef>
+        </p:style>
+      </p:cxnSp>
+      <p:sp>
+        <p:nvSpPr>
+          <p:cNvPr id="15" name="折角形 14"/>
+          <p:cNvSpPr/>
+          <p:nvPr/>
+        </p:nvSpPr>
+        <p:spPr>
+          <a:xfrm>
+            <a:off x="487003" y="4174387"/>
+            <a:ext cx="1728192" cy="620595"/>
+          </a:xfrm>
+          <a:prstGeom prst="foldedCorner">
+            <a:avLst/>
+          </a:prstGeom>
+        </p:spPr>
+        <p:style>
+          <a:lnRef idx="1">
+            <a:schemeClr val="accent3"/>
+          </a:lnRef>
+          <a:fillRef idx="3">
+            <a:schemeClr val="accent3"/>
+          </a:fillRef>
+          <a:effectRef idx="2">
+            <a:schemeClr val="accent3"/>
+          </a:effectRef>
+          <a:fontRef idx="minor">
+            <a:schemeClr val="lt1"/>
+          </a:fontRef>
+        </p:style>
+        <p:txBody>
+          <a:bodyPr rtlCol="0" anchor="ctr"/>
+          <a:lstStyle/>
+          <a:p>
+            <a:pPr algn="ctr"/>
+            <a:r>
+              <a:rPr lang="zh-CN" altLang="en-US" sz="1400" dirty="0" smtClean="0"/>
+              <a:t>点</a:t>
+            </a:r>
+            <a:r>
+              <a:rPr lang="zh-CN" altLang="en-US" sz="1400" dirty="0" smtClean="0"/>
+              <a:t>击确定进行保存</a:t>
+            </a:r>
+            <a:endParaRPr lang="zh-CN" altLang="en-US" sz="1400" dirty="0"/>
+          </a:p>
+        </p:txBody>
+      </p:sp>
+      <p:sp>
+        <p:nvSpPr>
+          <p:cNvPr id="29" name="矩形 28"/>
+          <p:cNvSpPr/>
+          <p:nvPr/>
+        </p:nvSpPr>
+        <p:spPr>
+          <a:xfrm>
+            <a:off x="4716016" y="3339028"/>
+            <a:ext cx="1368152" cy="458290"/>
+          </a:xfrm>
+          <a:prstGeom prst="rect">
+            <a:avLst/>
+          </a:prstGeom>
+          <a:noFill/>
+          <a:ln>
+            <a:solidFill>
+              <a:srgbClr val="FF0000"/>
+            </a:solidFill>
+          </a:ln>
+        </p:spPr>
+        <p:style>
+          <a:lnRef idx="2">
+            <a:schemeClr val="accent1">
+              <a:shade val="50000"/>
+            </a:schemeClr>
+          </a:lnRef>
+          <a:fillRef idx="1">
+            <a:schemeClr val="accent1"/>
+          </a:fillRef>
+          <a:effectRef idx="0">
+            <a:schemeClr val="accent1"/>
+          </a:effectRef>
+          <a:fontRef idx="minor">
+            <a:schemeClr val="lt1"/>
+          </a:fontRef>
+        </p:style>
+        <p:txBody>
+          <a:bodyPr rtlCol="0" anchor="ctr"/>
+          <a:lstStyle/>
+          <a:p>
+            <a:pPr algn="ctr"/>
+            <a:endParaRPr lang="zh-CN" altLang="en-US"/>
+          </a:p>
+        </p:txBody>
+      </p:sp>
+      <p:cxnSp>
+        <p:nvCxnSpPr>
+          <p:cNvPr id="30" name="肘形连接符 29"/>
+          <p:cNvCxnSpPr>
+            <a:stCxn id="31" idx="0"/>
+            <a:endCxn id="29" idx="0"/>
+          </p:cNvCxnSpPr>
+          <p:nvPr/>
+        </p:nvCxnSpPr>
+        <p:spPr>
+          <a:xfrm rot="5400000" flipH="1" flipV="1">
+            <a:off x="3353849" y="1336278"/>
+            <a:ext cx="43492" cy="4048993"/>
+          </a:xfrm>
+          <a:prstGeom prst="bentConnector3">
+            <a:avLst>
+              <a:gd name="adj1" fmla="val 625614"/>
+            </a:avLst>
+          </a:prstGeom>
+          <a:ln w="63500">
+            <a:tailEnd type="triangle"/>
+          </a:ln>
+        </p:spPr>
+        <p:style>
+          <a:lnRef idx="3">
+            <a:schemeClr val="accent1"/>
+          </a:lnRef>
+          <a:fillRef idx="0">
+            <a:schemeClr val="accent1"/>
+          </a:fillRef>
+          <a:effectRef idx="2">
+            <a:schemeClr val="accent1"/>
+          </a:effectRef>
+          <a:fontRef idx="minor">
+            <a:schemeClr val="tx1"/>
+          </a:fontRef>
+        </p:style>
+      </p:cxnSp>
+      <p:sp>
+        <p:nvSpPr>
+          <p:cNvPr id="31" name="折角形 30"/>
+          <p:cNvSpPr/>
+          <p:nvPr/>
+        </p:nvSpPr>
+        <p:spPr>
+          <a:xfrm>
+            <a:off x="487003" y="3382520"/>
+            <a:ext cx="1728192" cy="620595"/>
+          </a:xfrm>
+          <a:prstGeom prst="foldedCorner">
+            <a:avLst/>
+          </a:prstGeom>
+        </p:spPr>
+        <p:style>
+          <a:lnRef idx="1">
+            <a:schemeClr val="accent3"/>
+          </a:lnRef>
+          <a:fillRef idx="3">
+            <a:schemeClr val="accent3"/>
+          </a:fillRef>
+          <a:effectRef idx="2">
+            <a:schemeClr val="accent3"/>
+          </a:effectRef>
+          <a:fontRef idx="minor">
+            <a:schemeClr val="lt1"/>
+          </a:fontRef>
+        </p:style>
+        <p:txBody>
+          <a:bodyPr rtlCol="0" anchor="ctr"/>
+          <a:lstStyle/>
+          <a:p>
+            <a:pPr algn="ctr"/>
+            <a:r>
+              <a:rPr lang="zh-CN" altLang="en-US" sz="1400" dirty="0" smtClean="0"/>
+              <a:t>切换至结果标签页进行结果下载</a:t>
+            </a:r>
+            <a:endParaRPr lang="zh-CN" altLang="en-US" sz="1400" dirty="0"/>
+          </a:p>
+        </p:txBody>
+      </p:sp>
+    </p:spTree>
+    <p:extLst>
+      <p:ext uri="{BB962C8B-B14F-4D97-AF65-F5344CB8AC3E}">
+        <p14:creationId xmlns:p14="http://schemas.microsoft.com/office/powerpoint/2010/main" val="3084206201"/>
+      </p:ext>
+    </p:extLst>
+  </p:cSld>
+  <p:clrMapOvr>
+    <a:masterClrMapping/>
+  </p:clrMapOvr>
+</p:sld>
+</file>
+
 <file path=ppt/slides/slide4.xml><?xml version="1.0" encoding="utf-8"?>
 <p:sld xmlns:a="http://schemas.openxmlformats.org/drawingml/2006/main" xmlns:r="http://schemas.openxmlformats.org/officeDocument/2006/relationships" xmlns:p="http://schemas.openxmlformats.org/presentationml/2006/main">
   <p:cSld>
@@ -23461,6 +29129,1979 @@
       </p:par>
     </p:tnLst>
   </p:timing>
+</p:sld>
+</file>
+
+<file path=ppt/slides/slide40.xml><?xml version="1.0" encoding="utf-8"?>
+<p:sld xmlns:a="http://schemas.openxmlformats.org/drawingml/2006/main" xmlns:r="http://schemas.openxmlformats.org/officeDocument/2006/relationships" xmlns:p="http://schemas.openxmlformats.org/presentationml/2006/main">
+  <p:cSld>
+    <p:spTree>
+      <p:nvGrpSpPr>
+        <p:cNvPr id="1" name=""/>
+        <p:cNvGrpSpPr/>
+        <p:nvPr/>
+      </p:nvGrpSpPr>
+      <p:grpSpPr>
+        <a:xfrm>
+          <a:off x="0" y="0"/>
+          <a:ext cx="0" cy="0"/>
+          <a:chOff x="0" y="0"/>
+          <a:chExt cx="0" cy="0"/>
+        </a:xfrm>
+      </p:grpSpPr>
+      <p:sp>
+        <p:nvSpPr>
+          <p:cNvPr id="2" name="标题 1"/>
+          <p:cNvSpPr>
+            <a:spLocks noGrp="1"/>
+          </p:cNvSpPr>
+          <p:nvPr>
+            <p:ph type="title"/>
+          </p:nvPr>
+        </p:nvSpPr>
+        <p:spPr/>
+        <p:txBody>
+          <a:bodyPr/>
+          <a:lstStyle/>
+          <a:p>
+            <a:endParaRPr lang="zh-CN" altLang="en-US"/>
+          </a:p>
+        </p:txBody>
+      </p:sp>
+      <p:sp>
+        <p:nvSpPr>
+          <p:cNvPr id="3" name="内容占位符 2"/>
+          <p:cNvSpPr>
+            <a:spLocks noGrp="1"/>
+          </p:cNvSpPr>
+          <p:nvPr>
+            <p:ph idx="1"/>
+          </p:nvPr>
+        </p:nvSpPr>
+        <p:spPr/>
+        <p:txBody>
+          <a:bodyPr/>
+          <a:lstStyle/>
+          <a:p>
+            <a:r>
+              <a:rPr lang="zh-CN" altLang="en-US" dirty="0" smtClean="0"/>
+              <a:t>差异代谢物分析</a:t>
+            </a:r>
+            <a:endParaRPr lang="en-US" altLang="zh-CN" dirty="0" smtClean="0"/>
+          </a:p>
+          <a:p>
+            <a:r>
+              <a:rPr lang="zh-CN" altLang="en-US" sz="2400" dirty="0"/>
+              <a:t>差异代谢</a:t>
+            </a:r>
+            <a:r>
+              <a:rPr lang="zh-CN" altLang="en-US" sz="2400" dirty="0" smtClean="0"/>
+              <a:t>物分析包括一个比对组内的差异代谢物计算（火山图）和不同的比对组间的差异代谢物分析（文氏图）。文氏图分析会要求所上传的数据之中至少具有两个比对组别。</a:t>
+            </a:r>
+            <a:endParaRPr lang="en-US" altLang="zh-CN" sz="2400" dirty="0" smtClean="0"/>
+          </a:p>
+          <a:p>
+            <a:endParaRPr lang="zh-CN" altLang="en-US" dirty="0"/>
+          </a:p>
+        </p:txBody>
+      </p:sp>
+      <p:pic>
+        <p:nvPicPr>
+          <p:cNvPr id="7170" name="Picture 2"/>
+          <p:cNvPicPr>
+            <a:picLocks noChangeAspect="1" noChangeArrowheads="1"/>
+          </p:cNvPicPr>
+          <p:nvPr/>
+        </p:nvPicPr>
+        <p:blipFill>
+          <a:blip r:embed="rId2">
+            <a:extLst>
+              <a:ext uri="{28A0092B-C50C-407E-A947-70E740481C1C}">
+                <a14:useLocalDpi xmlns:a14="http://schemas.microsoft.com/office/drawing/2010/main" val="0"/>
+              </a:ext>
+            </a:extLst>
+          </a:blip>
+          <a:srcRect/>
+          <a:stretch>
+            <a:fillRect/>
+          </a:stretch>
+        </p:blipFill>
+        <p:spPr bwMode="auto">
+          <a:xfrm>
+            <a:off x="1043608" y="4054134"/>
+            <a:ext cx="1695990" cy="1152128"/>
+          </a:xfrm>
+          <a:prstGeom prst="rect">
+            <a:avLst/>
+          </a:prstGeom>
+          <a:noFill/>
+          <a:ln>
+            <a:noFill/>
+          </a:ln>
+          <a:effectLst/>
+          <a:extLst>
+            <a:ext uri="{909E8E84-426E-40DD-AFC4-6F175D3DCCD1}">
+              <a14:hiddenFill xmlns:a14="http://schemas.microsoft.com/office/drawing/2010/main">
+                <a:solidFill>
+                  <a:schemeClr val="accent1"/>
+                </a:solidFill>
+              </a14:hiddenFill>
+            </a:ext>
+            <a:ext uri="{91240B29-F687-4F45-9708-019B960494DF}">
+              <a14:hiddenLine xmlns:a14="http://schemas.microsoft.com/office/drawing/2010/main" w="9525">
+                <a:solidFill>
+                  <a:schemeClr val="tx1"/>
+                </a:solidFill>
+                <a:miter lim="800000"/>
+                <a:headEnd/>
+                <a:tailEnd/>
+              </a14:hiddenLine>
+            </a:ext>
+            <a:ext uri="{AF507438-7753-43E0-B8FC-AC1667EBCBE1}">
+              <a14:hiddenEffects xmlns:a14="http://schemas.microsoft.com/office/drawing/2010/main">
+                <a:effectLst>
+                  <a:outerShdw dist="35921" dir="2700000" algn="ctr" rotWithShape="0">
+                    <a:schemeClr val="bg2"/>
+                  </a:outerShdw>
+                </a:effectLst>
+              </a14:hiddenEffects>
+            </a:ext>
+          </a:extLst>
+        </p:spPr>
+      </p:pic>
+      <p:pic>
+        <p:nvPicPr>
+          <p:cNvPr id="7171" name="Picture 3"/>
+          <p:cNvPicPr>
+            <a:picLocks noChangeAspect="1" noChangeArrowheads="1"/>
+          </p:cNvPicPr>
+          <p:nvPr/>
+        </p:nvPicPr>
+        <p:blipFill>
+          <a:blip r:embed="rId3">
+            <a:extLst>
+              <a:ext uri="{28A0092B-C50C-407E-A947-70E740481C1C}">
+                <a14:useLocalDpi xmlns:a14="http://schemas.microsoft.com/office/drawing/2010/main" val="0"/>
+              </a:ext>
+            </a:extLst>
+          </a:blip>
+          <a:srcRect/>
+          <a:stretch>
+            <a:fillRect/>
+          </a:stretch>
+        </p:blipFill>
+        <p:spPr bwMode="auto">
+          <a:xfrm>
+            <a:off x="3419872" y="4657700"/>
+            <a:ext cx="5008612" cy="548562"/>
+          </a:xfrm>
+          <a:prstGeom prst="rect">
+            <a:avLst/>
+          </a:prstGeom>
+          <a:noFill/>
+          <a:ln>
+            <a:noFill/>
+          </a:ln>
+          <a:effectLst/>
+          <a:extLst>
+            <a:ext uri="{909E8E84-426E-40DD-AFC4-6F175D3DCCD1}">
+              <a14:hiddenFill xmlns:a14="http://schemas.microsoft.com/office/drawing/2010/main">
+                <a:solidFill>
+                  <a:schemeClr val="accent1"/>
+                </a:solidFill>
+              </a14:hiddenFill>
+            </a:ext>
+            <a:ext uri="{91240B29-F687-4F45-9708-019B960494DF}">
+              <a14:hiddenLine xmlns:a14="http://schemas.microsoft.com/office/drawing/2010/main" w="9525">
+                <a:solidFill>
+                  <a:schemeClr val="tx1"/>
+                </a:solidFill>
+                <a:miter lim="800000"/>
+                <a:headEnd/>
+                <a:tailEnd/>
+              </a14:hiddenLine>
+            </a:ext>
+            <a:ext uri="{AF507438-7753-43E0-B8FC-AC1667EBCBE1}">
+              <a14:hiddenEffects xmlns:a14="http://schemas.microsoft.com/office/drawing/2010/main">
+                <a:effectLst>
+                  <a:outerShdw dist="35921" dir="2700000" algn="ctr" rotWithShape="0">
+                    <a:schemeClr val="bg2"/>
+                  </a:outerShdw>
+                </a:effectLst>
+              </a14:hiddenEffects>
+            </a:ext>
+          </a:extLst>
+        </p:spPr>
+      </p:pic>
+      <p:sp>
+        <p:nvSpPr>
+          <p:cNvPr id="6" name="矩形 5"/>
+          <p:cNvSpPr/>
+          <p:nvPr/>
+        </p:nvSpPr>
+        <p:spPr>
+          <a:xfrm>
+            <a:off x="7740352" y="4729708"/>
+            <a:ext cx="688132" cy="476554"/>
+          </a:xfrm>
+          <a:prstGeom prst="rect">
+            <a:avLst/>
+          </a:prstGeom>
+          <a:noFill/>
+          <a:ln>
+            <a:solidFill>
+              <a:srgbClr val="FF0000"/>
+            </a:solidFill>
+          </a:ln>
+        </p:spPr>
+        <p:style>
+          <a:lnRef idx="2">
+            <a:schemeClr val="accent1">
+              <a:shade val="50000"/>
+            </a:schemeClr>
+          </a:lnRef>
+          <a:fillRef idx="1">
+            <a:schemeClr val="accent1"/>
+          </a:fillRef>
+          <a:effectRef idx="0">
+            <a:schemeClr val="accent1"/>
+          </a:effectRef>
+          <a:fontRef idx="minor">
+            <a:schemeClr val="lt1"/>
+          </a:fontRef>
+        </p:style>
+        <p:txBody>
+          <a:bodyPr rtlCol="0" anchor="ctr"/>
+          <a:lstStyle/>
+          <a:p>
+            <a:pPr algn="ctr"/>
+            <a:endParaRPr lang="zh-CN" altLang="en-US"/>
+          </a:p>
+        </p:txBody>
+      </p:sp>
+      <p:cxnSp>
+        <p:nvCxnSpPr>
+          <p:cNvPr id="7" name="肘形连接符 6"/>
+          <p:cNvCxnSpPr>
+            <a:stCxn id="8" idx="3"/>
+            <a:endCxn id="6" idx="0"/>
+          </p:cNvCxnSpPr>
+          <p:nvPr/>
+        </p:nvCxnSpPr>
+        <p:spPr>
+          <a:xfrm>
+            <a:off x="5724128" y="3934253"/>
+            <a:ext cx="2360290" cy="795455"/>
+          </a:xfrm>
+          <a:prstGeom prst="bentConnector2">
+            <a:avLst/>
+          </a:prstGeom>
+          <a:ln w="63500">
+            <a:tailEnd type="triangle"/>
+          </a:ln>
+        </p:spPr>
+        <p:style>
+          <a:lnRef idx="3">
+            <a:schemeClr val="accent1"/>
+          </a:lnRef>
+          <a:fillRef idx="0">
+            <a:schemeClr val="accent1"/>
+          </a:fillRef>
+          <a:effectRef idx="2">
+            <a:schemeClr val="accent1"/>
+          </a:effectRef>
+          <a:fontRef idx="minor">
+            <a:schemeClr val="tx1"/>
+          </a:fontRef>
+        </p:style>
+      </p:cxnSp>
+      <p:sp>
+        <p:nvSpPr>
+          <p:cNvPr id="8" name="折角形 7"/>
+          <p:cNvSpPr/>
+          <p:nvPr/>
+        </p:nvSpPr>
+        <p:spPr>
+          <a:xfrm>
+            <a:off x="3995936" y="3505572"/>
+            <a:ext cx="1728192" cy="857362"/>
+          </a:xfrm>
+          <a:prstGeom prst="foldedCorner">
+            <a:avLst/>
+          </a:prstGeom>
+        </p:spPr>
+        <p:style>
+          <a:lnRef idx="1">
+            <a:schemeClr val="accent3"/>
+          </a:lnRef>
+          <a:fillRef idx="3">
+            <a:schemeClr val="accent3"/>
+          </a:fillRef>
+          <a:effectRef idx="2">
+            <a:schemeClr val="accent3"/>
+          </a:effectRef>
+          <a:fontRef idx="minor">
+            <a:schemeClr val="lt1"/>
+          </a:fontRef>
+        </p:style>
+        <p:txBody>
+          <a:bodyPr rtlCol="0" anchor="ctr"/>
+          <a:lstStyle/>
+          <a:p>
+            <a:pPr algn="ctr"/>
+            <a:r>
+              <a:rPr lang="zh-CN" altLang="en-US" sz="1400" dirty="0" smtClean="0"/>
+              <a:t>一般情况下直接使用系统默认参数计算即可</a:t>
+            </a:r>
+            <a:endParaRPr lang="zh-CN" altLang="en-US" sz="1400" dirty="0"/>
+          </a:p>
+        </p:txBody>
+      </p:sp>
+    </p:spTree>
+    <p:extLst>
+      <p:ext uri="{BB962C8B-B14F-4D97-AF65-F5344CB8AC3E}">
+        <p14:creationId xmlns:p14="http://schemas.microsoft.com/office/powerpoint/2010/main" val="2999598186"/>
+      </p:ext>
+    </p:extLst>
+  </p:cSld>
+  <p:clrMapOvr>
+    <a:masterClrMapping/>
+  </p:clrMapOvr>
+</p:sld>
+</file>
+
+<file path=ppt/slides/slide41.xml><?xml version="1.0" encoding="utf-8"?>
+<p:sld xmlns:a="http://schemas.openxmlformats.org/drawingml/2006/main" xmlns:r="http://schemas.openxmlformats.org/officeDocument/2006/relationships" xmlns:p="http://schemas.openxmlformats.org/presentationml/2006/main">
+  <p:cSld>
+    <p:spTree>
+      <p:nvGrpSpPr>
+        <p:cNvPr id="1" name=""/>
+        <p:cNvGrpSpPr/>
+        <p:nvPr/>
+      </p:nvGrpSpPr>
+      <p:grpSpPr>
+        <a:xfrm>
+          <a:off x="0" y="0"/>
+          <a:ext cx="0" cy="0"/>
+          <a:chOff x="0" y="0"/>
+          <a:chExt cx="0" cy="0"/>
+        </a:xfrm>
+      </p:grpSpPr>
+      <p:sp>
+        <p:nvSpPr>
+          <p:cNvPr id="2" name="标题 1"/>
+          <p:cNvSpPr>
+            <a:spLocks noGrp="1"/>
+          </p:cNvSpPr>
+          <p:nvPr>
+            <p:ph type="title"/>
+          </p:nvPr>
+        </p:nvSpPr>
+        <p:spPr/>
+        <p:txBody>
+          <a:bodyPr/>
+          <a:lstStyle/>
+          <a:p>
+            <a:endParaRPr lang="zh-CN" altLang="en-US"/>
+          </a:p>
+        </p:txBody>
+      </p:sp>
+      <p:sp>
+        <p:nvSpPr>
+          <p:cNvPr id="3" name="内容占位符 2"/>
+          <p:cNvSpPr>
+            <a:spLocks noGrp="1"/>
+          </p:cNvSpPr>
+          <p:nvPr>
+            <p:ph idx="1"/>
+          </p:nvPr>
+        </p:nvSpPr>
+        <p:spPr/>
+        <p:txBody>
+          <a:bodyPr/>
+          <a:lstStyle/>
+          <a:p>
+            <a:r>
+              <a:rPr lang="zh-CN" altLang="en-US" dirty="0" smtClean="0"/>
+              <a:t>差异代谢物结果可视化分析</a:t>
+            </a:r>
+            <a:endParaRPr lang="en-US" altLang="zh-CN" dirty="0" smtClean="0"/>
+          </a:p>
+          <a:p>
+            <a:r>
+              <a:rPr lang="zh-CN" altLang="en-US" sz="2000" dirty="0"/>
+              <a:t>进一</a:t>
+            </a:r>
+            <a:r>
+              <a:rPr lang="zh-CN" altLang="en-US" sz="2000" dirty="0" smtClean="0"/>
+              <a:t>步的可视化分析是建立在差异代谢物分析结果的基础上的。如果没有在上一步执行差异代谢物分析，或者没有差异代谢物结果，则后面的分析都将无法执行</a:t>
+            </a:r>
+            <a:endParaRPr lang="zh-CN" altLang="en-US" sz="2000" dirty="0"/>
+          </a:p>
+        </p:txBody>
+      </p:sp>
+      <p:pic>
+        <p:nvPicPr>
+          <p:cNvPr id="8194" name="Picture 2"/>
+          <p:cNvPicPr>
+            <a:picLocks noChangeAspect="1" noChangeArrowheads="1"/>
+          </p:cNvPicPr>
+          <p:nvPr/>
+        </p:nvPicPr>
+        <p:blipFill>
+          <a:blip r:embed="rId2">
+            <a:extLst>
+              <a:ext uri="{28A0092B-C50C-407E-A947-70E740481C1C}">
+                <a14:useLocalDpi xmlns:a14="http://schemas.microsoft.com/office/drawing/2010/main" val="0"/>
+              </a:ext>
+            </a:extLst>
+          </a:blip>
+          <a:srcRect/>
+          <a:stretch>
+            <a:fillRect/>
+          </a:stretch>
+        </p:blipFill>
+        <p:spPr bwMode="auto">
+          <a:xfrm>
+            <a:off x="1043608" y="3505572"/>
+            <a:ext cx="1720407" cy="1728192"/>
+          </a:xfrm>
+          <a:prstGeom prst="rect">
+            <a:avLst/>
+          </a:prstGeom>
+          <a:noFill/>
+          <a:ln>
+            <a:noFill/>
+          </a:ln>
+          <a:effectLst/>
+          <a:extLst>
+            <a:ext uri="{909E8E84-426E-40DD-AFC4-6F175D3DCCD1}">
+              <a14:hiddenFill xmlns:a14="http://schemas.microsoft.com/office/drawing/2010/main">
+                <a:solidFill>
+                  <a:schemeClr val="accent1"/>
+                </a:solidFill>
+              </a14:hiddenFill>
+            </a:ext>
+            <a:ext uri="{91240B29-F687-4F45-9708-019B960494DF}">
+              <a14:hiddenLine xmlns:a14="http://schemas.microsoft.com/office/drawing/2010/main" w="9525">
+                <a:solidFill>
+                  <a:schemeClr val="tx1"/>
+                </a:solidFill>
+                <a:miter lim="800000"/>
+                <a:headEnd/>
+                <a:tailEnd/>
+              </a14:hiddenLine>
+            </a:ext>
+            <a:ext uri="{AF507438-7753-43E0-B8FC-AC1667EBCBE1}">
+              <a14:hiddenEffects xmlns:a14="http://schemas.microsoft.com/office/drawing/2010/main">
+                <a:effectLst>
+                  <a:outerShdw dist="35921" dir="2700000" algn="ctr" rotWithShape="0">
+                    <a:schemeClr val="bg2"/>
+                  </a:outerShdw>
+                </a:effectLst>
+              </a14:hiddenEffects>
+            </a:ext>
+          </a:extLst>
+        </p:spPr>
+      </p:pic>
+      <p:pic>
+        <p:nvPicPr>
+          <p:cNvPr id="8195" name="Picture 3"/>
+          <p:cNvPicPr>
+            <a:picLocks noChangeAspect="1" noChangeArrowheads="1"/>
+          </p:cNvPicPr>
+          <p:nvPr/>
+        </p:nvPicPr>
+        <p:blipFill>
+          <a:blip r:embed="rId3">
+            <a:extLst>
+              <a:ext uri="{28A0092B-C50C-407E-A947-70E740481C1C}">
+                <a14:useLocalDpi xmlns:a14="http://schemas.microsoft.com/office/drawing/2010/main" val="0"/>
+              </a:ext>
+            </a:extLst>
+          </a:blip>
+          <a:srcRect/>
+          <a:stretch>
+            <a:fillRect/>
+          </a:stretch>
+        </p:blipFill>
+        <p:spPr bwMode="auto">
+          <a:xfrm>
+            <a:off x="5676345" y="2751423"/>
+            <a:ext cx="2772886" cy="2831207"/>
+          </a:xfrm>
+          <a:prstGeom prst="rect">
+            <a:avLst/>
+          </a:prstGeom>
+          <a:noFill/>
+          <a:ln>
+            <a:noFill/>
+          </a:ln>
+          <a:effectLst/>
+          <a:extLst>
+            <a:ext uri="{909E8E84-426E-40DD-AFC4-6F175D3DCCD1}">
+              <a14:hiddenFill xmlns:a14="http://schemas.microsoft.com/office/drawing/2010/main">
+                <a:solidFill>
+                  <a:schemeClr val="accent1"/>
+                </a:solidFill>
+              </a14:hiddenFill>
+            </a:ext>
+            <a:ext uri="{91240B29-F687-4F45-9708-019B960494DF}">
+              <a14:hiddenLine xmlns:a14="http://schemas.microsoft.com/office/drawing/2010/main" w="9525">
+                <a:solidFill>
+                  <a:schemeClr val="tx1"/>
+                </a:solidFill>
+                <a:miter lim="800000"/>
+                <a:headEnd/>
+                <a:tailEnd/>
+              </a14:hiddenLine>
+            </a:ext>
+            <a:ext uri="{AF507438-7753-43E0-B8FC-AC1667EBCBE1}">
+              <a14:hiddenEffects xmlns:a14="http://schemas.microsoft.com/office/drawing/2010/main">
+                <a:effectLst>
+                  <a:outerShdw dist="35921" dir="2700000" algn="ctr" rotWithShape="0">
+                    <a:schemeClr val="bg2"/>
+                  </a:outerShdw>
+                </a:effectLst>
+              </a14:hiddenEffects>
+            </a:ext>
+          </a:extLst>
+        </p:spPr>
+      </p:pic>
+      <p:sp>
+        <p:nvSpPr>
+          <p:cNvPr id="6" name="矩形 5"/>
+          <p:cNvSpPr/>
+          <p:nvPr/>
+        </p:nvSpPr>
+        <p:spPr>
+          <a:xfrm>
+            <a:off x="5676345" y="2754506"/>
+            <a:ext cx="344066" cy="607050"/>
+          </a:xfrm>
+          <a:prstGeom prst="rect">
+            <a:avLst/>
+          </a:prstGeom>
+          <a:noFill/>
+          <a:ln>
+            <a:solidFill>
+              <a:srgbClr val="FF0000"/>
+            </a:solidFill>
+          </a:ln>
+        </p:spPr>
+        <p:style>
+          <a:lnRef idx="2">
+            <a:schemeClr val="accent1">
+              <a:shade val="50000"/>
+            </a:schemeClr>
+          </a:lnRef>
+          <a:fillRef idx="1">
+            <a:schemeClr val="accent1"/>
+          </a:fillRef>
+          <a:effectRef idx="0">
+            <a:schemeClr val="accent1"/>
+          </a:effectRef>
+          <a:fontRef idx="minor">
+            <a:schemeClr val="lt1"/>
+          </a:fontRef>
+        </p:style>
+        <p:txBody>
+          <a:bodyPr rtlCol="0" anchor="ctr"/>
+          <a:lstStyle/>
+          <a:p>
+            <a:pPr algn="ctr"/>
+            <a:endParaRPr lang="zh-CN" altLang="en-US"/>
+          </a:p>
+        </p:txBody>
+      </p:sp>
+      <p:cxnSp>
+        <p:nvCxnSpPr>
+          <p:cNvPr id="7" name="肘形连接符 6"/>
+          <p:cNvCxnSpPr>
+            <a:stCxn id="8" idx="3"/>
+            <a:endCxn id="6" idx="1"/>
+          </p:cNvCxnSpPr>
+          <p:nvPr/>
+        </p:nvCxnSpPr>
+        <p:spPr>
+          <a:xfrm flipV="1">
+            <a:off x="4716016" y="3058031"/>
+            <a:ext cx="960329" cy="358487"/>
+          </a:xfrm>
+          <a:prstGeom prst="bentConnector3">
+            <a:avLst>
+              <a:gd name="adj1" fmla="val 50000"/>
+            </a:avLst>
+          </a:prstGeom>
+          <a:ln w="63500">
+            <a:tailEnd type="triangle"/>
+          </a:ln>
+        </p:spPr>
+        <p:style>
+          <a:lnRef idx="3">
+            <a:schemeClr val="accent1"/>
+          </a:lnRef>
+          <a:fillRef idx="0">
+            <a:schemeClr val="accent1"/>
+          </a:fillRef>
+          <a:effectRef idx="2">
+            <a:schemeClr val="accent1"/>
+          </a:effectRef>
+          <a:fontRef idx="minor">
+            <a:schemeClr val="tx1"/>
+          </a:fontRef>
+        </p:style>
+      </p:cxnSp>
+      <p:sp>
+        <p:nvSpPr>
+          <p:cNvPr id="8" name="折角形 7"/>
+          <p:cNvSpPr/>
+          <p:nvPr/>
+        </p:nvSpPr>
+        <p:spPr>
+          <a:xfrm>
+            <a:off x="2987824" y="3076891"/>
+            <a:ext cx="1728192" cy="679253"/>
+          </a:xfrm>
+          <a:prstGeom prst="foldedCorner">
+            <a:avLst/>
+          </a:prstGeom>
+        </p:spPr>
+        <p:style>
+          <a:lnRef idx="1">
+            <a:schemeClr val="accent3"/>
+          </a:lnRef>
+          <a:fillRef idx="3">
+            <a:schemeClr val="accent3"/>
+          </a:fillRef>
+          <a:effectRef idx="2">
+            <a:schemeClr val="accent3"/>
+          </a:effectRef>
+          <a:fontRef idx="minor">
+            <a:schemeClr val="lt1"/>
+          </a:fontRef>
+        </p:style>
+        <p:txBody>
+          <a:bodyPr rtlCol="0" anchor="ctr"/>
+          <a:lstStyle/>
+          <a:p>
+            <a:pPr algn="ctr"/>
+            <a:r>
+              <a:rPr lang="zh-CN" altLang="en-US" sz="1400" dirty="0" smtClean="0"/>
+              <a:t>在这里选择需要查看结果的代谢物</a:t>
+            </a:r>
+            <a:endParaRPr lang="zh-CN" altLang="en-US" sz="1400" dirty="0"/>
+          </a:p>
+        </p:txBody>
+      </p:sp>
+      <p:sp>
+        <p:nvSpPr>
+          <p:cNvPr id="13" name="矩形 12"/>
+          <p:cNvSpPr/>
+          <p:nvPr/>
+        </p:nvSpPr>
+        <p:spPr>
+          <a:xfrm>
+            <a:off x="5692139" y="3756144"/>
+            <a:ext cx="2757092" cy="1958855"/>
+          </a:xfrm>
+          <a:prstGeom prst="rect">
+            <a:avLst/>
+          </a:prstGeom>
+          <a:noFill/>
+          <a:ln>
+            <a:solidFill>
+              <a:srgbClr val="FF0000"/>
+            </a:solidFill>
+          </a:ln>
+        </p:spPr>
+        <p:style>
+          <a:lnRef idx="2">
+            <a:schemeClr val="accent1">
+              <a:shade val="50000"/>
+            </a:schemeClr>
+          </a:lnRef>
+          <a:fillRef idx="1">
+            <a:schemeClr val="accent1"/>
+          </a:fillRef>
+          <a:effectRef idx="0">
+            <a:schemeClr val="accent1"/>
+          </a:effectRef>
+          <a:fontRef idx="minor">
+            <a:schemeClr val="lt1"/>
+          </a:fontRef>
+        </p:style>
+        <p:txBody>
+          <a:bodyPr rtlCol="0" anchor="ctr"/>
+          <a:lstStyle/>
+          <a:p>
+            <a:pPr algn="ctr"/>
+            <a:endParaRPr lang="zh-CN" altLang="en-US"/>
+          </a:p>
+        </p:txBody>
+      </p:sp>
+      <p:cxnSp>
+        <p:nvCxnSpPr>
+          <p:cNvPr id="14" name="肘形连接符 13"/>
+          <p:cNvCxnSpPr>
+            <a:stCxn id="15" idx="3"/>
+            <a:endCxn id="13" idx="1"/>
+          </p:cNvCxnSpPr>
+          <p:nvPr/>
+        </p:nvCxnSpPr>
+        <p:spPr>
+          <a:xfrm flipV="1">
+            <a:off x="4716016" y="4735572"/>
+            <a:ext cx="976123" cy="531620"/>
+          </a:xfrm>
+          <a:prstGeom prst="bentConnector3">
+            <a:avLst>
+              <a:gd name="adj1" fmla="val 50000"/>
+            </a:avLst>
+          </a:prstGeom>
+          <a:ln w="63500">
+            <a:tailEnd type="triangle"/>
+          </a:ln>
+        </p:spPr>
+        <p:style>
+          <a:lnRef idx="3">
+            <a:schemeClr val="accent1"/>
+          </a:lnRef>
+          <a:fillRef idx="0">
+            <a:schemeClr val="accent1"/>
+          </a:fillRef>
+          <a:effectRef idx="2">
+            <a:schemeClr val="accent1"/>
+          </a:effectRef>
+          <a:fontRef idx="minor">
+            <a:schemeClr val="tx1"/>
+          </a:fontRef>
+        </p:style>
+      </p:cxnSp>
+      <p:sp>
+        <p:nvSpPr>
+          <p:cNvPr id="15" name="折角形 14"/>
+          <p:cNvSpPr/>
+          <p:nvPr/>
+        </p:nvSpPr>
+        <p:spPr>
+          <a:xfrm>
+            <a:off x="2987824" y="4944014"/>
+            <a:ext cx="1728192" cy="646355"/>
+          </a:xfrm>
+          <a:prstGeom prst="foldedCorner">
+            <a:avLst/>
+          </a:prstGeom>
+        </p:spPr>
+        <p:style>
+          <a:lnRef idx="1">
+            <a:schemeClr val="accent3"/>
+          </a:lnRef>
+          <a:fillRef idx="3">
+            <a:schemeClr val="accent3"/>
+          </a:fillRef>
+          <a:effectRef idx="2">
+            <a:schemeClr val="accent3"/>
+          </a:effectRef>
+          <a:fontRef idx="minor">
+            <a:schemeClr val="lt1"/>
+          </a:fontRef>
+        </p:style>
+        <p:txBody>
+          <a:bodyPr rtlCol="0" anchor="ctr"/>
+          <a:lstStyle/>
+          <a:p>
+            <a:pPr algn="ctr"/>
+            <a:r>
+              <a:rPr lang="zh-CN" altLang="en-US" sz="1400" dirty="0" smtClean="0"/>
+              <a:t>分析结果图预览</a:t>
+            </a:r>
+            <a:endParaRPr lang="zh-CN" altLang="en-US" sz="1400" dirty="0"/>
+          </a:p>
+        </p:txBody>
+      </p:sp>
+      <p:sp>
+        <p:nvSpPr>
+          <p:cNvPr id="21" name="矩形 20"/>
+          <p:cNvSpPr/>
+          <p:nvPr/>
+        </p:nvSpPr>
+        <p:spPr>
+          <a:xfrm>
+            <a:off x="5692138" y="3452619"/>
+            <a:ext cx="464037" cy="268977"/>
+          </a:xfrm>
+          <a:prstGeom prst="rect">
+            <a:avLst/>
+          </a:prstGeom>
+          <a:noFill/>
+          <a:ln>
+            <a:solidFill>
+              <a:srgbClr val="FF0000"/>
+            </a:solidFill>
+          </a:ln>
+        </p:spPr>
+        <p:style>
+          <a:lnRef idx="2">
+            <a:schemeClr val="accent1">
+              <a:shade val="50000"/>
+            </a:schemeClr>
+          </a:lnRef>
+          <a:fillRef idx="1">
+            <a:schemeClr val="accent1"/>
+          </a:fillRef>
+          <a:effectRef idx="0">
+            <a:schemeClr val="accent1"/>
+          </a:effectRef>
+          <a:fontRef idx="minor">
+            <a:schemeClr val="lt1"/>
+          </a:fontRef>
+        </p:style>
+        <p:txBody>
+          <a:bodyPr rtlCol="0" anchor="ctr"/>
+          <a:lstStyle/>
+          <a:p>
+            <a:pPr algn="ctr"/>
+            <a:endParaRPr lang="zh-CN" altLang="en-US"/>
+          </a:p>
+        </p:txBody>
+      </p:sp>
+      <p:cxnSp>
+        <p:nvCxnSpPr>
+          <p:cNvPr id="22" name="肘形连接符 21"/>
+          <p:cNvCxnSpPr>
+            <a:stCxn id="23" idx="3"/>
+            <a:endCxn id="21" idx="1"/>
+          </p:cNvCxnSpPr>
+          <p:nvPr/>
+        </p:nvCxnSpPr>
+        <p:spPr>
+          <a:xfrm flipV="1">
+            <a:off x="4716016" y="3587108"/>
+            <a:ext cx="976122" cy="782560"/>
+          </a:xfrm>
+          <a:prstGeom prst="bentConnector3">
+            <a:avLst>
+              <a:gd name="adj1" fmla="val 50000"/>
+            </a:avLst>
+          </a:prstGeom>
+          <a:ln w="63500">
+            <a:tailEnd type="triangle"/>
+          </a:ln>
+        </p:spPr>
+        <p:style>
+          <a:lnRef idx="3">
+            <a:schemeClr val="accent1"/>
+          </a:lnRef>
+          <a:fillRef idx="0">
+            <a:schemeClr val="accent1"/>
+          </a:fillRef>
+          <a:effectRef idx="2">
+            <a:schemeClr val="accent1"/>
+          </a:effectRef>
+          <a:fontRef idx="minor">
+            <a:schemeClr val="tx1"/>
+          </a:fontRef>
+        </p:style>
+      </p:cxnSp>
+      <p:sp>
+        <p:nvSpPr>
+          <p:cNvPr id="23" name="折角形 22"/>
+          <p:cNvSpPr/>
+          <p:nvPr/>
+        </p:nvSpPr>
+        <p:spPr>
+          <a:xfrm>
+            <a:off x="2987824" y="3940987"/>
+            <a:ext cx="1728192" cy="857362"/>
+          </a:xfrm>
+          <a:prstGeom prst="foldedCorner">
+            <a:avLst/>
+          </a:prstGeom>
+        </p:spPr>
+        <p:style>
+          <a:lnRef idx="1">
+            <a:schemeClr val="accent3"/>
+          </a:lnRef>
+          <a:fillRef idx="3">
+            <a:schemeClr val="accent3"/>
+          </a:fillRef>
+          <a:effectRef idx="2">
+            <a:schemeClr val="accent3"/>
+          </a:effectRef>
+          <a:fontRef idx="minor">
+            <a:schemeClr val="lt1"/>
+          </a:fontRef>
+        </p:style>
+        <p:txBody>
+          <a:bodyPr rtlCol="0" anchor="ctr"/>
+          <a:lstStyle/>
+          <a:p>
+            <a:pPr algn="ctr"/>
+            <a:r>
+              <a:rPr lang="zh-CN" altLang="en-US" sz="1400" dirty="0" smtClean="0"/>
+              <a:t>下载大图</a:t>
+            </a:r>
+            <a:endParaRPr lang="zh-CN" altLang="en-US" sz="1400" dirty="0"/>
+          </a:p>
+        </p:txBody>
+      </p:sp>
+    </p:spTree>
+    <p:extLst>
+      <p:ext uri="{BB962C8B-B14F-4D97-AF65-F5344CB8AC3E}">
+        <p14:creationId xmlns:p14="http://schemas.microsoft.com/office/powerpoint/2010/main" val="867577181"/>
+      </p:ext>
+    </p:extLst>
+  </p:cSld>
+  <p:clrMapOvr>
+    <a:masterClrMapping/>
+  </p:clrMapOvr>
+</p:sld>
+</file>
+
+<file path=ppt/slides/slide42.xml><?xml version="1.0" encoding="utf-8"?>
+<p:sld xmlns:a="http://schemas.openxmlformats.org/drawingml/2006/main" xmlns:r="http://schemas.openxmlformats.org/officeDocument/2006/relationships" xmlns:p="http://schemas.openxmlformats.org/presentationml/2006/main">
+  <p:cSld>
+    <p:spTree>
+      <p:nvGrpSpPr>
+        <p:cNvPr id="1" name=""/>
+        <p:cNvGrpSpPr/>
+        <p:nvPr/>
+      </p:nvGrpSpPr>
+      <p:grpSpPr>
+        <a:xfrm>
+          <a:off x="0" y="0"/>
+          <a:ext cx="0" cy="0"/>
+          <a:chOff x="0" y="0"/>
+          <a:chExt cx="0" cy="0"/>
+        </a:xfrm>
+      </p:grpSpPr>
+      <p:sp>
+        <p:nvSpPr>
+          <p:cNvPr id="2" name="标题 1"/>
+          <p:cNvSpPr>
+            <a:spLocks noGrp="1"/>
+          </p:cNvSpPr>
+          <p:nvPr>
+            <p:ph type="title"/>
+          </p:nvPr>
+        </p:nvSpPr>
+        <p:spPr/>
+        <p:txBody>
+          <a:bodyPr/>
+          <a:lstStyle/>
+          <a:p>
+            <a:endParaRPr lang="zh-CN" altLang="en-US"/>
+          </a:p>
+        </p:txBody>
+      </p:sp>
+      <p:sp>
+        <p:nvSpPr>
+          <p:cNvPr id="3" name="内容占位符 2"/>
+          <p:cNvSpPr>
+            <a:spLocks noGrp="1"/>
+          </p:cNvSpPr>
+          <p:nvPr>
+            <p:ph idx="1"/>
+          </p:nvPr>
+        </p:nvSpPr>
+        <p:spPr/>
+        <p:txBody>
+          <a:bodyPr/>
+          <a:lstStyle/>
+          <a:p>
+            <a:r>
+              <a:rPr lang="zh-CN" altLang="en-US" dirty="0" smtClean="0"/>
+              <a:t>聚类分析</a:t>
+            </a:r>
+            <a:endParaRPr lang="en-US" altLang="zh-CN" dirty="0" smtClean="0"/>
+          </a:p>
+          <a:p>
+            <a:r>
+              <a:rPr lang="zh-CN" altLang="en-US" sz="2400" dirty="0" smtClean="0"/>
+              <a:t>聚类分析则可以查看了解样本之间以及代谢物之间的关联</a:t>
+            </a:r>
+            <a:endParaRPr lang="en-US" altLang="zh-CN" sz="2400" dirty="0" smtClean="0"/>
+          </a:p>
+          <a:p>
+            <a:r>
+              <a:rPr lang="zh-CN" altLang="en-US" sz="2400" dirty="0" smtClean="0"/>
+              <a:t>在这个小节的分析中可以选择分析所有的代谢物还是前面所计算出来的差异代谢物之间的关联</a:t>
+            </a:r>
+            <a:endParaRPr lang="zh-CN" altLang="en-US" sz="2400" dirty="0"/>
+          </a:p>
+        </p:txBody>
+      </p:sp>
+      <p:pic>
+        <p:nvPicPr>
+          <p:cNvPr id="9218" name="Picture 2"/>
+          <p:cNvPicPr>
+            <a:picLocks noChangeAspect="1" noChangeArrowheads="1"/>
+          </p:cNvPicPr>
+          <p:nvPr/>
+        </p:nvPicPr>
+        <p:blipFill>
+          <a:blip r:embed="rId2">
+            <a:extLst>
+              <a:ext uri="{28A0092B-C50C-407E-A947-70E740481C1C}">
+                <a14:useLocalDpi xmlns:a14="http://schemas.microsoft.com/office/drawing/2010/main" val="0"/>
+              </a:ext>
+            </a:extLst>
+          </a:blip>
+          <a:srcRect/>
+          <a:stretch>
+            <a:fillRect/>
+          </a:stretch>
+        </p:blipFill>
+        <p:spPr bwMode="auto">
+          <a:xfrm>
+            <a:off x="1763688" y="3825799"/>
+            <a:ext cx="1662310" cy="1556205"/>
+          </a:xfrm>
+          <a:prstGeom prst="rect">
+            <a:avLst/>
+          </a:prstGeom>
+          <a:noFill/>
+          <a:ln>
+            <a:noFill/>
+          </a:ln>
+          <a:effectLst/>
+          <a:extLst>
+            <a:ext uri="{909E8E84-426E-40DD-AFC4-6F175D3DCCD1}">
+              <a14:hiddenFill xmlns:a14="http://schemas.microsoft.com/office/drawing/2010/main">
+                <a:solidFill>
+                  <a:schemeClr val="accent1"/>
+                </a:solidFill>
+              </a14:hiddenFill>
+            </a:ext>
+            <a:ext uri="{91240B29-F687-4F45-9708-019B960494DF}">
+              <a14:hiddenLine xmlns:a14="http://schemas.microsoft.com/office/drawing/2010/main" w="9525">
+                <a:solidFill>
+                  <a:schemeClr val="tx1"/>
+                </a:solidFill>
+                <a:miter lim="800000"/>
+                <a:headEnd/>
+                <a:tailEnd/>
+              </a14:hiddenLine>
+            </a:ext>
+            <a:ext uri="{AF507438-7753-43E0-B8FC-AC1667EBCBE1}">
+              <a14:hiddenEffects xmlns:a14="http://schemas.microsoft.com/office/drawing/2010/main">
+                <a:effectLst>
+                  <a:outerShdw dist="35921" dir="2700000" algn="ctr" rotWithShape="0">
+                    <a:schemeClr val="bg2"/>
+                  </a:outerShdw>
+                </a:effectLst>
+              </a14:hiddenEffects>
+            </a:ext>
+          </a:extLst>
+        </p:spPr>
+      </p:pic>
+      <p:pic>
+        <p:nvPicPr>
+          <p:cNvPr id="9219" name="Picture 3"/>
+          <p:cNvPicPr>
+            <a:picLocks noChangeAspect="1" noChangeArrowheads="1"/>
+          </p:cNvPicPr>
+          <p:nvPr/>
+        </p:nvPicPr>
+        <p:blipFill>
+          <a:blip r:embed="rId3">
+            <a:extLst>
+              <a:ext uri="{28A0092B-C50C-407E-A947-70E740481C1C}">
+                <a14:useLocalDpi xmlns:a14="http://schemas.microsoft.com/office/drawing/2010/main" val="0"/>
+              </a:ext>
+            </a:extLst>
+          </a:blip>
+          <a:srcRect/>
+          <a:stretch>
+            <a:fillRect/>
+          </a:stretch>
+        </p:blipFill>
+        <p:spPr bwMode="auto">
+          <a:xfrm>
+            <a:off x="5940152" y="2828462"/>
+            <a:ext cx="3023989" cy="2823959"/>
+          </a:xfrm>
+          <a:prstGeom prst="rect">
+            <a:avLst/>
+          </a:prstGeom>
+          <a:noFill/>
+          <a:ln>
+            <a:noFill/>
+          </a:ln>
+          <a:effectLst/>
+          <a:extLst>
+            <a:ext uri="{909E8E84-426E-40DD-AFC4-6F175D3DCCD1}">
+              <a14:hiddenFill xmlns:a14="http://schemas.microsoft.com/office/drawing/2010/main">
+                <a:solidFill>
+                  <a:schemeClr val="accent1"/>
+                </a:solidFill>
+              </a14:hiddenFill>
+            </a:ext>
+            <a:ext uri="{91240B29-F687-4F45-9708-019B960494DF}">
+              <a14:hiddenLine xmlns:a14="http://schemas.microsoft.com/office/drawing/2010/main" w="9525">
+                <a:solidFill>
+                  <a:schemeClr val="tx1"/>
+                </a:solidFill>
+                <a:miter lim="800000"/>
+                <a:headEnd/>
+                <a:tailEnd/>
+              </a14:hiddenLine>
+            </a:ext>
+            <a:ext uri="{AF507438-7753-43E0-B8FC-AC1667EBCBE1}">
+              <a14:hiddenEffects xmlns:a14="http://schemas.microsoft.com/office/drawing/2010/main">
+                <a:effectLst>
+                  <a:outerShdw dist="35921" dir="2700000" algn="ctr" rotWithShape="0">
+                    <a:schemeClr val="bg2"/>
+                  </a:outerShdw>
+                </a:effectLst>
+              </a14:hiddenEffects>
+            </a:ext>
+          </a:extLst>
+        </p:spPr>
+      </p:pic>
+    </p:spTree>
+    <p:extLst>
+      <p:ext uri="{BB962C8B-B14F-4D97-AF65-F5344CB8AC3E}">
+        <p14:creationId xmlns:p14="http://schemas.microsoft.com/office/powerpoint/2010/main" val="1368182867"/>
+      </p:ext>
+    </p:extLst>
+  </p:cSld>
+  <p:clrMapOvr>
+    <a:masterClrMapping/>
+  </p:clrMapOvr>
+</p:sld>
+</file>
+
+<file path=ppt/slides/slide43.xml><?xml version="1.0" encoding="utf-8"?>
+<p:sld xmlns:a="http://schemas.openxmlformats.org/drawingml/2006/main" xmlns:r="http://schemas.openxmlformats.org/officeDocument/2006/relationships" xmlns:p="http://schemas.openxmlformats.org/presentationml/2006/main">
+  <p:cSld>
+    <p:spTree>
+      <p:nvGrpSpPr>
+        <p:cNvPr id="1" name=""/>
+        <p:cNvGrpSpPr/>
+        <p:nvPr/>
+      </p:nvGrpSpPr>
+      <p:grpSpPr>
+        <a:xfrm>
+          <a:off x="0" y="0"/>
+          <a:ext cx="0" cy="0"/>
+          <a:chOff x="0" y="0"/>
+          <a:chExt cx="0" cy="0"/>
+        </a:xfrm>
+      </p:grpSpPr>
+      <p:sp>
+        <p:nvSpPr>
+          <p:cNvPr id="2" name="标题 1"/>
+          <p:cNvSpPr>
+            <a:spLocks noGrp="1"/>
+          </p:cNvSpPr>
+          <p:nvPr>
+            <p:ph type="title"/>
+          </p:nvPr>
+        </p:nvSpPr>
+        <p:spPr/>
+        <p:txBody>
+          <a:bodyPr/>
+          <a:lstStyle/>
+          <a:p>
+            <a:endParaRPr lang="zh-CN" altLang="en-US"/>
+          </a:p>
+        </p:txBody>
+      </p:sp>
+      <p:sp>
+        <p:nvSpPr>
+          <p:cNvPr id="3" name="内容占位符 2"/>
+          <p:cNvSpPr>
+            <a:spLocks noGrp="1"/>
+          </p:cNvSpPr>
+          <p:nvPr>
+            <p:ph idx="1"/>
+          </p:nvPr>
+        </p:nvSpPr>
+        <p:spPr>
+          <a:xfrm>
+            <a:off x="457200" y="1333500"/>
+            <a:ext cx="4474840" cy="3771636"/>
+          </a:xfrm>
+        </p:spPr>
+        <p:txBody>
+          <a:bodyPr/>
+          <a:lstStyle/>
+          <a:p>
+            <a:r>
+              <a:rPr lang="zh-CN" altLang="en-US" dirty="0" smtClean="0"/>
+              <a:t>生物学功能分析</a:t>
+            </a:r>
+            <a:endParaRPr lang="en-US" altLang="zh-CN" dirty="0" smtClean="0"/>
+          </a:p>
+          <a:p>
+            <a:r>
+              <a:rPr lang="zh-CN" altLang="en-US" sz="2000" dirty="0"/>
+              <a:t>生物</a:t>
+            </a:r>
+            <a:r>
+              <a:rPr lang="zh-CN" altLang="en-US" sz="2000" dirty="0" smtClean="0"/>
+              <a:t>学功能分析，主要是进行和</a:t>
+            </a:r>
+            <a:r>
+              <a:rPr lang="en-US" altLang="zh-CN" sz="2000" dirty="0" smtClean="0"/>
+              <a:t>KEGG</a:t>
+            </a:r>
+            <a:r>
+              <a:rPr lang="zh-CN" altLang="en-US" sz="2000" dirty="0" smtClean="0"/>
+              <a:t>代谢通路，以及</a:t>
+            </a:r>
+            <a:r>
+              <a:rPr lang="en-US" altLang="zh-CN" sz="2000" dirty="0" smtClean="0"/>
+              <a:t>KEGG</a:t>
+            </a:r>
+            <a:r>
+              <a:rPr lang="zh-CN" altLang="en-US" sz="2000" dirty="0" smtClean="0"/>
+              <a:t>代谢反应网络相关的分析操作。（生物学功能分析需要在上传可选的代谢物</a:t>
+            </a:r>
+            <a:r>
+              <a:rPr lang="en-US" altLang="zh-CN" sz="2000" dirty="0" smtClean="0"/>
+              <a:t>meta</a:t>
+            </a:r>
+            <a:r>
+              <a:rPr lang="zh-CN" altLang="en-US" sz="2000" dirty="0" smtClean="0"/>
+              <a:t>信息文件，如果没有上传，将无法进行这部分的分析操作。）</a:t>
+            </a:r>
+            <a:endParaRPr lang="zh-CN" altLang="en-US" sz="2000" dirty="0"/>
+          </a:p>
+        </p:txBody>
+      </p:sp>
+      <p:pic>
+        <p:nvPicPr>
+          <p:cNvPr id="10242" name="Picture 2"/>
+          <p:cNvPicPr>
+            <a:picLocks noChangeAspect="1" noChangeArrowheads="1"/>
+          </p:cNvPicPr>
+          <p:nvPr/>
+        </p:nvPicPr>
+        <p:blipFill>
+          <a:blip r:embed="rId2">
+            <a:extLst>
+              <a:ext uri="{28A0092B-C50C-407E-A947-70E740481C1C}">
+                <a14:useLocalDpi xmlns:a14="http://schemas.microsoft.com/office/drawing/2010/main" val="0"/>
+              </a:ext>
+            </a:extLst>
+          </a:blip>
+          <a:srcRect/>
+          <a:stretch>
+            <a:fillRect/>
+          </a:stretch>
+        </p:blipFill>
+        <p:spPr bwMode="auto">
+          <a:xfrm>
+            <a:off x="2699792" y="4365187"/>
+            <a:ext cx="1508770" cy="1089667"/>
+          </a:xfrm>
+          <a:prstGeom prst="rect">
+            <a:avLst/>
+          </a:prstGeom>
+          <a:noFill/>
+          <a:ln>
+            <a:noFill/>
+          </a:ln>
+          <a:effectLst/>
+          <a:extLst>
+            <a:ext uri="{909E8E84-426E-40DD-AFC4-6F175D3DCCD1}">
+              <a14:hiddenFill xmlns:a14="http://schemas.microsoft.com/office/drawing/2010/main">
+                <a:solidFill>
+                  <a:schemeClr val="accent1"/>
+                </a:solidFill>
+              </a14:hiddenFill>
+            </a:ext>
+            <a:ext uri="{91240B29-F687-4F45-9708-019B960494DF}">
+              <a14:hiddenLine xmlns:a14="http://schemas.microsoft.com/office/drawing/2010/main" w="9525">
+                <a:solidFill>
+                  <a:schemeClr val="tx1"/>
+                </a:solidFill>
+                <a:miter lim="800000"/>
+                <a:headEnd/>
+                <a:tailEnd/>
+              </a14:hiddenLine>
+            </a:ext>
+            <a:ext uri="{AF507438-7753-43E0-B8FC-AC1667EBCBE1}">
+              <a14:hiddenEffects xmlns:a14="http://schemas.microsoft.com/office/drawing/2010/main">
+                <a:effectLst>
+                  <a:outerShdw dist="35921" dir="2700000" algn="ctr" rotWithShape="0">
+                    <a:schemeClr val="bg2"/>
+                  </a:outerShdw>
+                </a:effectLst>
+              </a14:hiddenEffects>
+            </a:ext>
+          </a:extLst>
+        </p:spPr>
+      </p:pic>
+      <p:pic>
+        <p:nvPicPr>
+          <p:cNvPr id="10243" name="Picture 3"/>
+          <p:cNvPicPr>
+            <a:picLocks noChangeAspect="1" noChangeArrowheads="1"/>
+          </p:cNvPicPr>
+          <p:nvPr/>
+        </p:nvPicPr>
+        <p:blipFill>
+          <a:blip r:embed="rId3">
+            <a:extLst>
+              <a:ext uri="{28A0092B-C50C-407E-A947-70E740481C1C}">
+                <a14:useLocalDpi xmlns:a14="http://schemas.microsoft.com/office/drawing/2010/main" val="0"/>
+              </a:ext>
+            </a:extLst>
+          </a:blip>
+          <a:srcRect/>
+          <a:stretch>
+            <a:fillRect/>
+          </a:stretch>
+        </p:blipFill>
+        <p:spPr bwMode="auto">
+          <a:xfrm>
+            <a:off x="4932040" y="1566422"/>
+            <a:ext cx="3732895" cy="3888432"/>
+          </a:xfrm>
+          <a:prstGeom prst="rect">
+            <a:avLst/>
+          </a:prstGeom>
+          <a:noFill/>
+          <a:ln>
+            <a:noFill/>
+          </a:ln>
+          <a:effectLst/>
+          <a:extLst>
+            <a:ext uri="{909E8E84-426E-40DD-AFC4-6F175D3DCCD1}">
+              <a14:hiddenFill xmlns:a14="http://schemas.microsoft.com/office/drawing/2010/main">
+                <a:solidFill>
+                  <a:schemeClr val="accent1"/>
+                </a:solidFill>
+              </a14:hiddenFill>
+            </a:ext>
+            <a:ext uri="{91240B29-F687-4F45-9708-019B960494DF}">
+              <a14:hiddenLine xmlns:a14="http://schemas.microsoft.com/office/drawing/2010/main" w="9525">
+                <a:solidFill>
+                  <a:schemeClr val="tx1"/>
+                </a:solidFill>
+                <a:miter lim="800000"/>
+                <a:headEnd/>
+                <a:tailEnd/>
+              </a14:hiddenLine>
+            </a:ext>
+            <a:ext uri="{AF507438-7753-43E0-B8FC-AC1667EBCBE1}">
+              <a14:hiddenEffects xmlns:a14="http://schemas.microsoft.com/office/drawing/2010/main">
+                <a:effectLst>
+                  <a:outerShdw dist="35921" dir="2700000" algn="ctr" rotWithShape="0">
+                    <a:schemeClr val="bg2"/>
+                  </a:outerShdw>
+                </a:effectLst>
+              </a14:hiddenEffects>
+            </a:ext>
+          </a:extLst>
+        </p:spPr>
+      </p:pic>
+    </p:spTree>
+    <p:extLst>
+      <p:ext uri="{BB962C8B-B14F-4D97-AF65-F5344CB8AC3E}">
+        <p14:creationId xmlns:p14="http://schemas.microsoft.com/office/powerpoint/2010/main" val="376622834"/>
+      </p:ext>
+    </p:extLst>
+  </p:cSld>
+  <p:clrMapOvr>
+    <a:masterClrMapping/>
+  </p:clrMapOvr>
+</p:sld>
+</file>
+
+<file path=ppt/slides/slide44.xml><?xml version="1.0" encoding="utf-8"?>
+<p:sld xmlns:a="http://schemas.openxmlformats.org/drawingml/2006/main" xmlns:r="http://schemas.openxmlformats.org/officeDocument/2006/relationships" xmlns:p="http://schemas.openxmlformats.org/presentationml/2006/main">
+  <p:cSld>
+    <p:spTree>
+      <p:nvGrpSpPr>
+        <p:cNvPr id="1" name=""/>
+        <p:cNvGrpSpPr/>
+        <p:nvPr/>
+      </p:nvGrpSpPr>
+      <p:grpSpPr>
+        <a:xfrm>
+          <a:off x="0" y="0"/>
+          <a:ext cx="0" cy="0"/>
+          <a:chOff x="0" y="0"/>
+          <a:chExt cx="0" cy="0"/>
+        </a:xfrm>
+      </p:grpSpPr>
+      <p:sp>
+        <p:nvSpPr>
+          <p:cNvPr id="2" name="标题 1"/>
+          <p:cNvSpPr>
+            <a:spLocks noGrp="1"/>
+          </p:cNvSpPr>
+          <p:nvPr>
+            <p:ph type="title"/>
+          </p:nvPr>
+        </p:nvSpPr>
+        <p:spPr/>
+        <p:txBody>
+          <a:bodyPr/>
+          <a:lstStyle/>
+          <a:p>
+            <a:endParaRPr lang="zh-CN" altLang="en-US"/>
+          </a:p>
+        </p:txBody>
+      </p:sp>
+      <p:sp>
+        <p:nvSpPr>
+          <p:cNvPr id="3" name="内容占位符 2"/>
+          <p:cNvSpPr>
+            <a:spLocks noGrp="1"/>
+          </p:cNvSpPr>
+          <p:nvPr>
+            <p:ph idx="1"/>
+          </p:nvPr>
+        </p:nvSpPr>
+        <p:spPr/>
+        <p:txBody>
+          <a:bodyPr/>
+          <a:lstStyle/>
+          <a:p>
+            <a:r>
+              <a:rPr lang="zh-CN" altLang="en-US" dirty="0" smtClean="0"/>
+              <a:t>生物标记物分析</a:t>
+            </a:r>
+            <a:endParaRPr lang="en-US" altLang="zh-CN" dirty="0" smtClean="0"/>
+          </a:p>
+          <a:p>
+            <a:r>
+              <a:rPr lang="zh-CN" altLang="en-US" sz="2400" dirty="0"/>
+              <a:t>计</a:t>
+            </a:r>
+            <a:r>
+              <a:rPr lang="zh-CN" altLang="en-US" sz="2400" dirty="0" smtClean="0"/>
+              <a:t>算能够特异性的指示某种生物性状变化的代谢物。</a:t>
+            </a:r>
+            <a:endParaRPr lang="en-US" altLang="zh-CN" sz="2400" dirty="0" smtClean="0"/>
+          </a:p>
+          <a:p>
+            <a:endParaRPr lang="zh-CN" altLang="en-US" dirty="0"/>
+          </a:p>
+        </p:txBody>
+      </p:sp>
+      <p:pic>
+        <p:nvPicPr>
+          <p:cNvPr id="11266" name="Picture 2"/>
+          <p:cNvPicPr>
+            <a:picLocks noChangeAspect="1" noChangeArrowheads="1"/>
+          </p:cNvPicPr>
+          <p:nvPr/>
+        </p:nvPicPr>
+        <p:blipFill>
+          <a:blip r:embed="rId2">
+            <a:extLst>
+              <a:ext uri="{28A0092B-C50C-407E-A947-70E740481C1C}">
+                <a14:useLocalDpi xmlns:a14="http://schemas.microsoft.com/office/drawing/2010/main" val="0"/>
+              </a:ext>
+            </a:extLst>
+          </a:blip>
+          <a:srcRect/>
+          <a:stretch>
+            <a:fillRect/>
+          </a:stretch>
+        </p:blipFill>
+        <p:spPr bwMode="auto">
+          <a:xfrm>
+            <a:off x="755576" y="4729708"/>
+            <a:ext cx="1512168" cy="742935"/>
+          </a:xfrm>
+          <a:prstGeom prst="rect">
+            <a:avLst/>
+          </a:prstGeom>
+          <a:noFill/>
+          <a:ln>
+            <a:noFill/>
+          </a:ln>
+          <a:effectLst/>
+          <a:extLst>
+            <a:ext uri="{909E8E84-426E-40DD-AFC4-6F175D3DCCD1}">
+              <a14:hiddenFill xmlns:a14="http://schemas.microsoft.com/office/drawing/2010/main">
+                <a:solidFill>
+                  <a:schemeClr val="accent1"/>
+                </a:solidFill>
+              </a14:hiddenFill>
+            </a:ext>
+            <a:ext uri="{91240B29-F687-4F45-9708-019B960494DF}">
+              <a14:hiddenLine xmlns:a14="http://schemas.microsoft.com/office/drawing/2010/main" w="9525">
+                <a:solidFill>
+                  <a:schemeClr val="tx1"/>
+                </a:solidFill>
+                <a:miter lim="800000"/>
+                <a:headEnd/>
+                <a:tailEnd/>
+              </a14:hiddenLine>
+            </a:ext>
+            <a:ext uri="{AF507438-7753-43E0-B8FC-AC1667EBCBE1}">
+              <a14:hiddenEffects xmlns:a14="http://schemas.microsoft.com/office/drawing/2010/main">
+                <a:effectLst>
+                  <a:outerShdw dist="35921" dir="2700000" algn="ctr" rotWithShape="0">
+                    <a:schemeClr val="bg2"/>
+                  </a:outerShdw>
+                </a:effectLst>
+              </a14:hiddenEffects>
+            </a:ext>
+          </a:extLst>
+        </p:spPr>
+      </p:pic>
+      <p:pic>
+        <p:nvPicPr>
+          <p:cNvPr id="11267" name="Picture 3"/>
+          <p:cNvPicPr>
+            <a:picLocks noChangeAspect="1" noChangeArrowheads="1"/>
+          </p:cNvPicPr>
+          <p:nvPr/>
+        </p:nvPicPr>
+        <p:blipFill>
+          <a:blip r:embed="rId3">
+            <a:extLst>
+              <a:ext uri="{28A0092B-C50C-407E-A947-70E740481C1C}">
+                <a14:useLocalDpi xmlns:a14="http://schemas.microsoft.com/office/drawing/2010/main" val="0"/>
+              </a:ext>
+            </a:extLst>
+          </a:blip>
+          <a:srcRect/>
+          <a:stretch>
+            <a:fillRect/>
+          </a:stretch>
+        </p:blipFill>
+        <p:spPr bwMode="auto">
+          <a:xfrm>
+            <a:off x="5580112" y="2382892"/>
+            <a:ext cx="3159820" cy="3165060"/>
+          </a:xfrm>
+          <a:prstGeom prst="rect">
+            <a:avLst/>
+          </a:prstGeom>
+          <a:noFill/>
+          <a:ln>
+            <a:noFill/>
+          </a:ln>
+          <a:effectLst/>
+          <a:extLst>
+            <a:ext uri="{909E8E84-426E-40DD-AFC4-6F175D3DCCD1}">
+              <a14:hiddenFill xmlns:a14="http://schemas.microsoft.com/office/drawing/2010/main">
+                <a:solidFill>
+                  <a:schemeClr val="accent1"/>
+                </a:solidFill>
+              </a14:hiddenFill>
+            </a:ext>
+            <a:ext uri="{91240B29-F687-4F45-9708-019B960494DF}">
+              <a14:hiddenLine xmlns:a14="http://schemas.microsoft.com/office/drawing/2010/main" w="9525">
+                <a:solidFill>
+                  <a:schemeClr val="tx1"/>
+                </a:solidFill>
+                <a:miter lim="800000"/>
+                <a:headEnd/>
+                <a:tailEnd/>
+              </a14:hiddenLine>
+            </a:ext>
+            <a:ext uri="{AF507438-7753-43E0-B8FC-AC1667EBCBE1}">
+              <a14:hiddenEffects xmlns:a14="http://schemas.microsoft.com/office/drawing/2010/main">
+                <a:effectLst>
+                  <a:outerShdw dist="35921" dir="2700000" algn="ctr" rotWithShape="0">
+                    <a:schemeClr val="bg2"/>
+                  </a:outerShdw>
+                </a:effectLst>
+              </a14:hiddenEffects>
+            </a:ext>
+          </a:extLst>
+        </p:spPr>
+      </p:pic>
+      <p:sp>
+        <p:nvSpPr>
+          <p:cNvPr id="6" name="矩形 5"/>
+          <p:cNvSpPr/>
+          <p:nvPr/>
+        </p:nvSpPr>
+        <p:spPr>
+          <a:xfrm>
+            <a:off x="5556644" y="3567920"/>
+            <a:ext cx="344066" cy="709191"/>
+          </a:xfrm>
+          <a:prstGeom prst="rect">
+            <a:avLst/>
+          </a:prstGeom>
+          <a:noFill/>
+          <a:ln>
+            <a:solidFill>
+              <a:srgbClr val="FF0000"/>
+            </a:solidFill>
+          </a:ln>
+        </p:spPr>
+        <p:style>
+          <a:lnRef idx="2">
+            <a:schemeClr val="accent1">
+              <a:shade val="50000"/>
+            </a:schemeClr>
+          </a:lnRef>
+          <a:fillRef idx="1">
+            <a:schemeClr val="accent1"/>
+          </a:fillRef>
+          <a:effectRef idx="0">
+            <a:schemeClr val="accent1"/>
+          </a:effectRef>
+          <a:fontRef idx="minor">
+            <a:schemeClr val="lt1"/>
+          </a:fontRef>
+        </p:style>
+        <p:txBody>
+          <a:bodyPr rtlCol="0" anchor="ctr"/>
+          <a:lstStyle/>
+          <a:p>
+            <a:pPr algn="ctr"/>
+            <a:endParaRPr lang="zh-CN" altLang="en-US"/>
+          </a:p>
+        </p:txBody>
+      </p:sp>
+      <p:cxnSp>
+        <p:nvCxnSpPr>
+          <p:cNvPr id="7" name="肘形连接符 6"/>
+          <p:cNvCxnSpPr>
+            <a:stCxn id="8" idx="3"/>
+            <a:endCxn id="6" idx="1"/>
+          </p:cNvCxnSpPr>
+          <p:nvPr/>
+        </p:nvCxnSpPr>
+        <p:spPr>
+          <a:xfrm flipV="1">
+            <a:off x="4279268" y="3922516"/>
+            <a:ext cx="1277376" cy="14970"/>
+          </a:xfrm>
+          <a:prstGeom prst="bentConnector3">
+            <a:avLst>
+              <a:gd name="adj1" fmla="val 50000"/>
+            </a:avLst>
+          </a:prstGeom>
+          <a:ln w="63500">
+            <a:tailEnd type="triangle"/>
+          </a:ln>
+        </p:spPr>
+        <p:style>
+          <a:lnRef idx="3">
+            <a:schemeClr val="accent1"/>
+          </a:lnRef>
+          <a:fillRef idx="0">
+            <a:schemeClr val="accent1"/>
+          </a:fillRef>
+          <a:effectRef idx="2">
+            <a:schemeClr val="accent1"/>
+          </a:effectRef>
+          <a:fontRef idx="minor">
+            <a:schemeClr val="tx1"/>
+          </a:fontRef>
+        </p:style>
+      </p:cxnSp>
+      <p:sp>
+        <p:nvSpPr>
+          <p:cNvPr id="8" name="折角形 7"/>
+          <p:cNvSpPr/>
+          <p:nvPr/>
+        </p:nvSpPr>
+        <p:spPr>
+          <a:xfrm>
+            <a:off x="2551076" y="3597859"/>
+            <a:ext cx="1728192" cy="679253"/>
+          </a:xfrm>
+          <a:prstGeom prst="foldedCorner">
+            <a:avLst/>
+          </a:prstGeom>
+        </p:spPr>
+        <p:style>
+          <a:lnRef idx="1">
+            <a:schemeClr val="accent3"/>
+          </a:lnRef>
+          <a:fillRef idx="3">
+            <a:schemeClr val="accent3"/>
+          </a:fillRef>
+          <a:effectRef idx="2">
+            <a:schemeClr val="accent3"/>
+          </a:effectRef>
+          <a:fontRef idx="minor">
+            <a:schemeClr val="lt1"/>
+          </a:fontRef>
+        </p:style>
+        <p:txBody>
+          <a:bodyPr rtlCol="0" anchor="ctr"/>
+          <a:lstStyle/>
+          <a:p>
+            <a:pPr algn="ctr"/>
+            <a:r>
+              <a:rPr lang="zh-CN" altLang="en-US" sz="1400" dirty="0" smtClean="0"/>
+              <a:t>在这里选择需要查看结果的代谢物</a:t>
+            </a:r>
+            <a:endParaRPr lang="zh-CN" altLang="en-US" sz="1400" dirty="0"/>
+          </a:p>
+        </p:txBody>
+      </p:sp>
+      <p:sp>
+        <p:nvSpPr>
+          <p:cNvPr id="9" name="矩形 8"/>
+          <p:cNvSpPr/>
+          <p:nvPr/>
+        </p:nvSpPr>
+        <p:spPr>
+          <a:xfrm>
+            <a:off x="5506318" y="4432047"/>
+            <a:ext cx="3233614" cy="1233765"/>
+          </a:xfrm>
+          <a:prstGeom prst="rect">
+            <a:avLst/>
+          </a:prstGeom>
+          <a:noFill/>
+          <a:ln>
+            <a:solidFill>
+              <a:srgbClr val="FF0000"/>
+            </a:solidFill>
+          </a:ln>
+        </p:spPr>
+        <p:style>
+          <a:lnRef idx="2">
+            <a:schemeClr val="accent1">
+              <a:shade val="50000"/>
+            </a:schemeClr>
+          </a:lnRef>
+          <a:fillRef idx="1">
+            <a:schemeClr val="accent1"/>
+          </a:fillRef>
+          <a:effectRef idx="0">
+            <a:schemeClr val="accent1"/>
+          </a:effectRef>
+          <a:fontRef idx="minor">
+            <a:schemeClr val="lt1"/>
+          </a:fontRef>
+        </p:style>
+        <p:txBody>
+          <a:bodyPr rtlCol="0" anchor="ctr"/>
+          <a:lstStyle/>
+          <a:p>
+            <a:pPr algn="ctr"/>
+            <a:endParaRPr lang="zh-CN" altLang="en-US"/>
+          </a:p>
+        </p:txBody>
+      </p:sp>
+      <p:cxnSp>
+        <p:nvCxnSpPr>
+          <p:cNvPr id="10" name="肘形连接符 9"/>
+          <p:cNvCxnSpPr>
+            <a:stCxn id="11" idx="3"/>
+            <a:endCxn id="9" idx="1"/>
+          </p:cNvCxnSpPr>
+          <p:nvPr/>
+        </p:nvCxnSpPr>
+        <p:spPr>
+          <a:xfrm>
+            <a:off x="4283968" y="4963667"/>
+            <a:ext cx="1222350" cy="85263"/>
+          </a:xfrm>
+          <a:prstGeom prst="bentConnector3">
+            <a:avLst>
+              <a:gd name="adj1" fmla="val 50000"/>
+            </a:avLst>
+          </a:prstGeom>
+          <a:ln w="63500">
+            <a:tailEnd type="triangle"/>
+          </a:ln>
+        </p:spPr>
+        <p:style>
+          <a:lnRef idx="3">
+            <a:schemeClr val="accent1"/>
+          </a:lnRef>
+          <a:fillRef idx="0">
+            <a:schemeClr val="accent1"/>
+          </a:fillRef>
+          <a:effectRef idx="2">
+            <a:schemeClr val="accent1"/>
+          </a:effectRef>
+          <a:fontRef idx="minor">
+            <a:schemeClr val="tx1"/>
+          </a:fontRef>
+        </p:style>
+      </p:cxnSp>
+      <p:sp>
+        <p:nvSpPr>
+          <p:cNvPr id="11" name="折角形 10"/>
+          <p:cNvSpPr/>
+          <p:nvPr/>
+        </p:nvSpPr>
+        <p:spPr>
+          <a:xfrm>
+            <a:off x="2555776" y="4640489"/>
+            <a:ext cx="1728192" cy="646355"/>
+          </a:xfrm>
+          <a:prstGeom prst="foldedCorner">
+            <a:avLst/>
+          </a:prstGeom>
+        </p:spPr>
+        <p:style>
+          <a:lnRef idx="1">
+            <a:schemeClr val="accent3"/>
+          </a:lnRef>
+          <a:fillRef idx="3">
+            <a:schemeClr val="accent3"/>
+          </a:fillRef>
+          <a:effectRef idx="2">
+            <a:schemeClr val="accent3"/>
+          </a:effectRef>
+          <a:fontRef idx="minor">
+            <a:schemeClr val="lt1"/>
+          </a:fontRef>
+        </p:style>
+        <p:txBody>
+          <a:bodyPr rtlCol="0" anchor="ctr"/>
+          <a:lstStyle/>
+          <a:p>
+            <a:pPr algn="ctr"/>
+            <a:r>
+              <a:rPr lang="zh-CN" altLang="en-US" sz="1400" dirty="0" smtClean="0"/>
+              <a:t>分析结果图预览</a:t>
+            </a:r>
+            <a:endParaRPr lang="zh-CN" altLang="en-US" sz="1400" dirty="0"/>
+          </a:p>
+        </p:txBody>
+      </p:sp>
+      <p:sp>
+        <p:nvSpPr>
+          <p:cNvPr id="12" name="矩形 11"/>
+          <p:cNvSpPr/>
+          <p:nvPr/>
+        </p:nvSpPr>
+        <p:spPr>
+          <a:xfrm>
+            <a:off x="5512026" y="3112992"/>
+            <a:ext cx="644150" cy="268977"/>
+          </a:xfrm>
+          <a:prstGeom prst="rect">
+            <a:avLst/>
+          </a:prstGeom>
+          <a:noFill/>
+          <a:ln>
+            <a:solidFill>
+              <a:srgbClr val="FF0000"/>
+            </a:solidFill>
+          </a:ln>
+        </p:spPr>
+        <p:style>
+          <a:lnRef idx="2">
+            <a:schemeClr val="accent1">
+              <a:shade val="50000"/>
+            </a:schemeClr>
+          </a:lnRef>
+          <a:fillRef idx="1">
+            <a:schemeClr val="accent1"/>
+          </a:fillRef>
+          <a:effectRef idx="0">
+            <a:schemeClr val="accent1"/>
+          </a:effectRef>
+          <a:fontRef idx="minor">
+            <a:schemeClr val="lt1"/>
+          </a:fontRef>
+        </p:style>
+        <p:txBody>
+          <a:bodyPr rtlCol="0" anchor="ctr"/>
+          <a:lstStyle/>
+          <a:p>
+            <a:pPr algn="ctr"/>
+            <a:endParaRPr lang="zh-CN" altLang="en-US"/>
+          </a:p>
+        </p:txBody>
+      </p:sp>
+      <p:cxnSp>
+        <p:nvCxnSpPr>
+          <p:cNvPr id="13" name="肘形连接符 12"/>
+          <p:cNvCxnSpPr>
+            <a:stCxn id="14" idx="3"/>
+            <a:endCxn id="12" idx="1"/>
+          </p:cNvCxnSpPr>
+          <p:nvPr/>
+        </p:nvCxnSpPr>
+        <p:spPr>
+          <a:xfrm>
+            <a:off x="4279268" y="2818800"/>
+            <a:ext cx="1232758" cy="428681"/>
+          </a:xfrm>
+          <a:prstGeom prst="bentConnector3">
+            <a:avLst>
+              <a:gd name="adj1" fmla="val 50000"/>
+            </a:avLst>
+          </a:prstGeom>
+          <a:ln w="63500">
+            <a:tailEnd type="triangle"/>
+          </a:ln>
+        </p:spPr>
+        <p:style>
+          <a:lnRef idx="3">
+            <a:schemeClr val="accent1"/>
+          </a:lnRef>
+          <a:fillRef idx="0">
+            <a:schemeClr val="accent1"/>
+          </a:fillRef>
+          <a:effectRef idx="2">
+            <a:schemeClr val="accent1"/>
+          </a:effectRef>
+          <a:fontRef idx="minor">
+            <a:schemeClr val="tx1"/>
+          </a:fontRef>
+        </p:style>
+      </p:cxnSp>
+      <p:sp>
+        <p:nvSpPr>
+          <p:cNvPr id="14" name="折角形 13"/>
+          <p:cNvSpPr/>
+          <p:nvPr/>
+        </p:nvSpPr>
+        <p:spPr>
+          <a:xfrm>
+            <a:off x="2551076" y="2390119"/>
+            <a:ext cx="1728192" cy="857362"/>
+          </a:xfrm>
+          <a:prstGeom prst="foldedCorner">
+            <a:avLst/>
+          </a:prstGeom>
+        </p:spPr>
+        <p:style>
+          <a:lnRef idx="1">
+            <a:schemeClr val="accent3"/>
+          </a:lnRef>
+          <a:fillRef idx="3">
+            <a:schemeClr val="accent3"/>
+          </a:fillRef>
+          <a:effectRef idx="2">
+            <a:schemeClr val="accent3"/>
+          </a:effectRef>
+          <a:fontRef idx="minor">
+            <a:schemeClr val="lt1"/>
+          </a:fontRef>
+        </p:style>
+        <p:txBody>
+          <a:bodyPr rtlCol="0" anchor="ctr"/>
+          <a:lstStyle/>
+          <a:p>
+            <a:pPr algn="ctr"/>
+            <a:r>
+              <a:rPr lang="zh-CN" altLang="en-US" sz="1400" dirty="0" smtClean="0"/>
+              <a:t>下载整个结果表格</a:t>
+            </a:r>
+            <a:endParaRPr lang="zh-CN" altLang="en-US" sz="1400" dirty="0"/>
+          </a:p>
+        </p:txBody>
+      </p:sp>
+    </p:spTree>
+    <p:extLst>
+      <p:ext uri="{BB962C8B-B14F-4D97-AF65-F5344CB8AC3E}">
+        <p14:creationId xmlns:p14="http://schemas.microsoft.com/office/powerpoint/2010/main" val="4132764873"/>
+      </p:ext>
+    </p:extLst>
+  </p:cSld>
+  <p:clrMapOvr>
+    <a:masterClrMapping/>
+  </p:clrMapOvr>
 </p:sld>
 </file>
 
